--- a/02_TractionCompression/Fiche/images/Figures.pptx
+++ b/02_TractionCompression/Fiche/images/Figures.pptx
@@ -5,11 +5,12 @@
     <p:sldMasterId id="2147483648" r:id="rId1"/>
   </p:sldMasterIdLst>
   <p:sldIdLst>
-    <p:sldId id="256" r:id="rId2"/>
-    <p:sldId id="259" r:id="rId3"/>
-    <p:sldId id="260" r:id="rId4"/>
-    <p:sldId id="257" r:id="rId5"/>
-    <p:sldId id="258" r:id="rId6"/>
+    <p:sldId id="261" r:id="rId2"/>
+    <p:sldId id="256" r:id="rId3"/>
+    <p:sldId id="259" r:id="rId4"/>
+    <p:sldId id="260" r:id="rId5"/>
+    <p:sldId id="257" r:id="rId6"/>
+    <p:sldId id="258" r:id="rId7"/>
   </p:sldIdLst>
   <p:sldSz cx="12192000" cy="6858000"/>
   <p:notesSz cx="6858000" cy="9144000"/>
@@ -308,7 +309,7 @@
           <a:p>
             <a:fld id="{AA309A6D-C09C-4548-B29A-6CF363A7E532}" type="datetimeFigureOut">
               <a:rPr lang="fr-FR" smtClean="0"/>
-              <a:t>17/07/2016</a:t>
+              <a:t>22/07/2016</a:t>
             </a:fld>
             <a:endParaRPr lang="fr-BE"/>
           </a:p>
@@ -473,7 +474,7 @@
           <a:p>
             <a:fld id="{AA309A6D-C09C-4548-B29A-6CF363A7E532}" type="datetimeFigureOut">
               <a:rPr lang="fr-FR" smtClean="0"/>
-              <a:t>17/07/2016</a:t>
+              <a:t>22/07/2016</a:t>
             </a:fld>
             <a:endParaRPr lang="fr-BE"/>
           </a:p>
@@ -648,7 +649,7 @@
           <a:p>
             <a:fld id="{AA309A6D-C09C-4548-B29A-6CF363A7E532}" type="datetimeFigureOut">
               <a:rPr lang="fr-FR" smtClean="0"/>
-              <a:t>17/07/2016</a:t>
+              <a:t>22/07/2016</a:t>
             </a:fld>
             <a:endParaRPr lang="fr-BE"/>
           </a:p>
@@ -813,7 +814,7 @@
           <a:p>
             <a:fld id="{AA309A6D-C09C-4548-B29A-6CF363A7E532}" type="datetimeFigureOut">
               <a:rPr lang="fr-FR" smtClean="0"/>
-              <a:t>17/07/2016</a:t>
+              <a:t>22/07/2016</a:t>
             </a:fld>
             <a:endParaRPr lang="fr-BE"/>
           </a:p>
@@ -1054,7 +1055,7 @@
           <a:p>
             <a:fld id="{AA309A6D-C09C-4548-B29A-6CF363A7E532}" type="datetimeFigureOut">
               <a:rPr lang="fr-FR" smtClean="0"/>
-              <a:t>17/07/2016</a:t>
+              <a:t>22/07/2016</a:t>
             </a:fld>
             <a:endParaRPr lang="fr-BE"/>
           </a:p>
@@ -1337,7 +1338,7 @@
           <a:p>
             <a:fld id="{AA309A6D-C09C-4548-B29A-6CF363A7E532}" type="datetimeFigureOut">
               <a:rPr lang="fr-FR" smtClean="0"/>
-              <a:t>17/07/2016</a:t>
+              <a:t>22/07/2016</a:t>
             </a:fld>
             <a:endParaRPr lang="fr-BE"/>
           </a:p>
@@ -1754,7 +1755,7 @@
           <a:p>
             <a:fld id="{AA309A6D-C09C-4548-B29A-6CF363A7E532}" type="datetimeFigureOut">
               <a:rPr lang="fr-FR" smtClean="0"/>
-              <a:t>17/07/2016</a:t>
+              <a:t>22/07/2016</a:t>
             </a:fld>
             <a:endParaRPr lang="fr-BE"/>
           </a:p>
@@ -1867,7 +1868,7 @@
           <a:p>
             <a:fld id="{AA309A6D-C09C-4548-B29A-6CF363A7E532}" type="datetimeFigureOut">
               <a:rPr lang="fr-FR" smtClean="0"/>
-              <a:t>17/07/2016</a:t>
+              <a:t>22/07/2016</a:t>
             </a:fld>
             <a:endParaRPr lang="fr-BE"/>
           </a:p>
@@ -1957,7 +1958,7 @@
           <a:p>
             <a:fld id="{AA309A6D-C09C-4548-B29A-6CF363A7E532}" type="datetimeFigureOut">
               <a:rPr lang="fr-FR" smtClean="0"/>
-              <a:t>17/07/2016</a:t>
+              <a:t>22/07/2016</a:t>
             </a:fld>
             <a:endParaRPr lang="fr-BE"/>
           </a:p>
@@ -2229,7 +2230,7 @@
           <a:p>
             <a:fld id="{AA309A6D-C09C-4548-B29A-6CF363A7E532}" type="datetimeFigureOut">
               <a:rPr lang="fr-FR" smtClean="0"/>
-              <a:t>17/07/2016</a:t>
+              <a:t>22/07/2016</a:t>
             </a:fld>
             <a:endParaRPr lang="fr-BE"/>
           </a:p>
@@ -2477,7 +2478,7 @@
           <a:p>
             <a:fld id="{AA309A6D-C09C-4548-B29A-6CF363A7E532}" type="datetimeFigureOut">
               <a:rPr lang="fr-FR" smtClean="0"/>
-              <a:t>17/07/2016</a:t>
+              <a:t>22/07/2016</a:t>
             </a:fld>
             <a:endParaRPr lang="fr-BE"/>
           </a:p>
@@ -2685,7 +2686,7 @@
           <a:p>
             <a:fld id="{AA309A6D-C09C-4548-B29A-6CF363A7E532}" type="datetimeFigureOut">
               <a:rPr lang="fr-FR" smtClean="0"/>
-              <a:t>17/07/2016</a:t>
+              <a:t>22/07/2016</a:t>
             </a:fld>
             <a:endParaRPr lang="fr-BE"/>
           </a:p>
@@ -3039,6 +3040,881 @@
 </file>
 
 <file path=ppt/slides/slide1.xml><?xml version="1.0" encoding="utf-8"?>
+<p:sld xmlns:a="http://schemas.openxmlformats.org/drawingml/2006/main" xmlns:r="http://schemas.openxmlformats.org/officeDocument/2006/relationships" xmlns:p="http://schemas.openxmlformats.org/presentationml/2006/main">
+  <p:cSld>
+    <p:spTree>
+      <p:nvGrpSpPr>
+        <p:cNvPr id="1" name=""/>
+        <p:cNvGrpSpPr/>
+        <p:nvPr/>
+      </p:nvGrpSpPr>
+      <p:grpSpPr>
+        <a:xfrm>
+          <a:off x="0" y="0"/>
+          <a:ext cx="0" cy="0"/>
+          <a:chOff x="0" y="0"/>
+          <a:chExt cx="0" cy="0"/>
+        </a:xfrm>
+      </p:grpSpPr>
+      <p:sp>
+        <p:nvSpPr>
+          <p:cNvPr id="5" name="Cylindre 4"/>
+          <p:cNvSpPr/>
+          <p:nvPr/>
+        </p:nvSpPr>
+        <p:spPr>
+          <a:xfrm rot="5400000">
+            <a:off x="3413701" y="278653"/>
+            <a:ext cx="720081" cy="2700300"/>
+          </a:xfrm>
+          <a:prstGeom prst="can">
+            <a:avLst/>
+          </a:prstGeom>
+          <a:solidFill>
+            <a:schemeClr val="accent2">
+              <a:lumMod val="40000"/>
+              <a:lumOff val="60000"/>
+            </a:schemeClr>
+          </a:solidFill>
+          <a:ln>
+            <a:solidFill>
+              <a:srgbClr val="C00000"/>
+            </a:solidFill>
+          </a:ln>
+        </p:spPr>
+        <p:style>
+          <a:lnRef idx="2">
+            <a:schemeClr val="accent1">
+              <a:shade val="50000"/>
+            </a:schemeClr>
+          </a:lnRef>
+          <a:fillRef idx="1">
+            <a:schemeClr val="accent1"/>
+          </a:fillRef>
+          <a:effectRef idx="0">
+            <a:schemeClr val="accent1"/>
+          </a:effectRef>
+          <a:fontRef idx="minor">
+            <a:schemeClr val="lt1"/>
+          </a:fontRef>
+        </p:style>
+        <p:txBody>
+          <a:bodyPr rtlCol="0" anchor="ctr"/>
+          <a:lstStyle/>
+          <a:p>
+            <a:pPr algn="ctr"/>
+            <a:endParaRPr lang="fr-FR"/>
+          </a:p>
+        </p:txBody>
+      </p:sp>
+      <p:grpSp>
+        <p:nvGrpSpPr>
+          <p:cNvPr id="6" name="Groupe 5"/>
+          <p:cNvGrpSpPr/>
+          <p:nvPr/>
+        </p:nvGrpSpPr>
+        <p:grpSpPr>
+          <a:xfrm>
+            <a:off x="2307002" y="848664"/>
+            <a:ext cx="949354" cy="998588"/>
+            <a:chOff x="875664" y="487400"/>
+            <a:chExt cx="949353" cy="998588"/>
+          </a:xfrm>
+        </p:grpSpPr>
+        <p:cxnSp>
+          <p:nvCxnSpPr>
+            <p:cNvPr id="7" name="Connecteur droit 6"/>
+            <p:cNvCxnSpPr/>
+            <p:nvPr/>
+          </p:nvCxnSpPr>
+          <p:spPr>
+            <a:xfrm flipV="1">
+              <a:off x="1065699" y="536583"/>
+              <a:ext cx="0" cy="734599"/>
+            </a:xfrm>
+            <a:prstGeom prst="line">
+              <a:avLst/>
+            </a:prstGeom>
+            <a:ln w="12700">
+              <a:solidFill>
+                <a:schemeClr val="accent5">
+                  <a:lumMod val="50000"/>
+                </a:schemeClr>
+              </a:solidFill>
+              <a:tailEnd type="stealth" w="med" len="lg"/>
+            </a:ln>
+          </p:spPr>
+          <p:style>
+            <a:lnRef idx="1">
+              <a:schemeClr val="accent1"/>
+            </a:lnRef>
+            <a:fillRef idx="0">
+              <a:schemeClr val="accent1"/>
+            </a:fillRef>
+            <a:effectRef idx="0">
+              <a:schemeClr val="accent1"/>
+            </a:effectRef>
+            <a:fontRef idx="minor">
+              <a:schemeClr val="tx1"/>
+            </a:fontRef>
+          </p:style>
+        </p:cxnSp>
+        <p:cxnSp>
+          <p:nvCxnSpPr>
+            <p:cNvPr id="8" name="Connecteur droit 7"/>
+            <p:cNvCxnSpPr/>
+            <p:nvPr/>
+          </p:nvCxnSpPr>
+          <p:spPr>
+            <a:xfrm rot="5400000" flipV="1">
+              <a:off x="1432999" y="905821"/>
+              <a:ext cx="0" cy="734599"/>
+            </a:xfrm>
+            <a:prstGeom prst="line">
+              <a:avLst/>
+            </a:prstGeom>
+            <a:ln w="12700">
+              <a:solidFill>
+                <a:schemeClr val="accent5">
+                  <a:lumMod val="50000"/>
+                </a:schemeClr>
+              </a:solidFill>
+              <a:tailEnd type="stealth" w="med" len="lg"/>
+            </a:ln>
+          </p:spPr>
+          <p:style>
+            <a:lnRef idx="1">
+              <a:schemeClr val="accent1"/>
+            </a:lnRef>
+            <a:fillRef idx="0">
+              <a:schemeClr val="accent1"/>
+            </a:fillRef>
+            <a:effectRef idx="0">
+              <a:schemeClr val="accent1"/>
+            </a:effectRef>
+            <a:fontRef idx="minor">
+              <a:schemeClr val="tx1"/>
+            </a:fontRef>
+          </p:style>
+        </p:cxnSp>
+        <p:grpSp>
+          <p:nvGrpSpPr>
+            <p:cNvPr id="9" name="Groupe 8"/>
+            <p:cNvGrpSpPr/>
+            <p:nvPr/>
+          </p:nvGrpSpPr>
+          <p:grpSpPr>
+            <a:xfrm>
+              <a:off x="1012602" y="1220060"/>
+              <a:ext cx="108000" cy="108000"/>
+              <a:chOff x="1009427" y="1223235"/>
+              <a:chExt cx="108000" cy="108000"/>
+            </a:xfrm>
+          </p:grpSpPr>
+          <p:sp>
+            <p:nvSpPr>
+              <p:cNvPr id="13" name="Ellipse 12"/>
+              <p:cNvSpPr/>
+              <p:nvPr/>
+            </p:nvSpPr>
+            <p:spPr>
+              <a:xfrm>
+                <a:off x="1009427" y="1223235"/>
+                <a:ext cx="108000" cy="108000"/>
+              </a:xfrm>
+              <a:prstGeom prst="ellipse">
+                <a:avLst/>
+              </a:prstGeom>
+              <a:solidFill>
+                <a:schemeClr val="bg1"/>
+              </a:solidFill>
+              <a:ln w="12700">
+                <a:solidFill>
+                  <a:schemeClr val="accent5">
+                    <a:lumMod val="50000"/>
+                  </a:schemeClr>
+                </a:solidFill>
+                <a:tailEnd type="stealth" w="med" len="lg"/>
+              </a:ln>
+            </p:spPr>
+            <p:style>
+              <a:lnRef idx="1">
+                <a:schemeClr val="accent1"/>
+              </a:lnRef>
+              <a:fillRef idx="0">
+                <a:schemeClr val="accent1"/>
+              </a:fillRef>
+              <a:effectRef idx="0">
+                <a:schemeClr val="accent1"/>
+              </a:effectRef>
+              <a:fontRef idx="minor">
+                <a:schemeClr val="tx1"/>
+              </a:fontRef>
+            </p:style>
+            <p:txBody>
+              <a:bodyPr rtlCol="0" anchor="ctr"/>
+              <a:lstStyle/>
+              <a:p>
+                <a:pPr algn="ctr"/>
+                <a:endParaRPr lang="fr-FR"/>
+              </a:p>
+            </p:txBody>
+          </p:sp>
+          <p:sp>
+            <p:nvSpPr>
+              <p:cNvPr id="14" name="Ellipse 13"/>
+              <p:cNvSpPr/>
+              <p:nvPr/>
+            </p:nvSpPr>
+            <p:spPr>
+              <a:xfrm flipH="1" flipV="1">
+                <a:off x="1045427" y="1259235"/>
+                <a:ext cx="36000" cy="36000"/>
+              </a:xfrm>
+              <a:prstGeom prst="ellipse">
+                <a:avLst/>
+              </a:prstGeom>
+              <a:solidFill>
+                <a:schemeClr val="accent5">
+                  <a:lumMod val="50000"/>
+                </a:schemeClr>
+              </a:solidFill>
+              <a:ln w="12700">
+                <a:solidFill>
+                  <a:schemeClr val="accent5">
+                    <a:lumMod val="50000"/>
+                  </a:schemeClr>
+                </a:solidFill>
+                <a:tailEnd type="stealth" w="med" len="lg"/>
+              </a:ln>
+            </p:spPr>
+            <p:style>
+              <a:lnRef idx="1">
+                <a:schemeClr val="accent1"/>
+              </a:lnRef>
+              <a:fillRef idx="0">
+                <a:schemeClr val="accent1"/>
+              </a:fillRef>
+              <a:effectRef idx="0">
+                <a:schemeClr val="accent1"/>
+              </a:effectRef>
+              <a:fontRef idx="minor">
+                <a:schemeClr val="tx1"/>
+              </a:fontRef>
+            </p:style>
+            <p:txBody>
+              <a:bodyPr rtlCol="0" anchor="ctr"/>
+              <a:lstStyle/>
+              <a:p>
+                <a:pPr algn="ctr"/>
+                <a:endParaRPr lang="fr-FR"/>
+              </a:p>
+            </p:txBody>
+          </p:sp>
+        </p:grpSp>
+        <mc:AlternateContent xmlns:mc="http://schemas.openxmlformats.org/markup-compatibility/2006" xmlns:a14="http://schemas.microsoft.com/office/drawing/2010/main">
+          <mc:Choice Requires="a14">
+            <p:sp>
+              <p:nvSpPr>
+                <p:cNvPr id="10" name="ZoneTexte 9"/>
+                <p:cNvSpPr txBox="1"/>
+                <p:nvPr/>
+              </p:nvSpPr>
+              <p:spPr>
+                <a:xfrm>
+                  <a:off x="1703317" y="1037793"/>
+                  <a:ext cx="121700" cy="184666"/>
+                </a:xfrm>
+                <a:prstGeom prst="rect">
+                  <a:avLst/>
+                </a:prstGeom>
+                <a:noFill/>
+              </p:spPr>
+              <p:txBody>
+                <a:bodyPr wrap="none" lIns="0" tIns="0" rIns="0" bIns="0" rtlCol="0">
+                  <a:spAutoFit/>
+                </a:bodyPr>
+                <a:lstStyle/>
+                <a:p>
+                  <a:pPr/>
+                  <a14:m>
+                    <m:oMathPara xmlns:m="http://schemas.openxmlformats.org/officeDocument/2006/math">
+                      <m:oMathParaPr>
+                        <m:jc m:val="centerGroup"/>
+                      </m:oMathParaPr>
+                      <m:oMath xmlns:m="http://schemas.openxmlformats.org/officeDocument/2006/math">
+                        <m:acc>
+                          <m:accPr>
+                            <m:chr m:val="⃗"/>
+                            <m:ctrlPr>
+                              <a:rPr lang="fr-FR" sz="1200" i="1">
+                                <a:latin typeface="Cambria Math" panose="02040503050406030204" pitchFamily="18" charset="0"/>
+                              </a:rPr>
+                            </m:ctrlPr>
+                          </m:accPr>
+                          <m:e>
+                            <m:r>
+                              <a:rPr lang="fr-FR" sz="1200" i="1">
+                                <a:latin typeface="Cambria Math" panose="02040503050406030204" pitchFamily="18" charset="0"/>
+                              </a:rPr>
+                              <m:t>𝑥</m:t>
+                            </m:r>
+                          </m:e>
+                        </m:acc>
+                      </m:oMath>
+                    </m:oMathPara>
+                  </a14:m>
+                  <a:endParaRPr lang="fr-FR" sz="1200" dirty="0"/>
+                </a:p>
+              </p:txBody>
+            </p:sp>
+          </mc:Choice>
+          <mc:Fallback xmlns="">
+            <p:sp>
+              <p:nvSpPr>
+                <p:cNvPr id="44" name="ZoneTexte 43"/>
+                <p:cNvSpPr txBox="1">
+                  <a:spLocks noRot="1" noChangeAspect="1" noMove="1" noResize="1" noEditPoints="1" noAdjustHandles="1" noChangeArrowheads="1" noChangeShapeType="1" noTextEdit="1"/>
+                </p:cNvSpPr>
+                <p:nvPr/>
+              </p:nvSpPr>
+              <p:spPr>
+                <a:xfrm>
+                  <a:off x="1703317" y="1037793"/>
+                  <a:ext cx="121700" cy="184666"/>
+                </a:xfrm>
+                <a:prstGeom prst="rect">
+                  <a:avLst/>
+                </a:prstGeom>
+                <a:blipFill>
+                  <a:blip r:embed="rId5"/>
+                  <a:stretch>
+                    <a:fillRect l="-20000" t="-25806" r="-85000"/>
+                  </a:stretch>
+                </a:blipFill>
+              </p:spPr>
+              <p:txBody>
+                <a:bodyPr/>
+                <a:lstStyle/>
+                <a:p>
+                  <a:r>
+                    <a:rPr lang="fr-FR">
+                      <a:noFill/>
+                    </a:rPr>
+                    <a:t> </a:t>
+                  </a:r>
+                </a:p>
+              </p:txBody>
+            </p:sp>
+          </mc:Fallback>
+        </mc:AlternateContent>
+        <mc:AlternateContent xmlns:mc="http://schemas.openxmlformats.org/markup-compatibility/2006" xmlns:a14="http://schemas.microsoft.com/office/drawing/2010/main">
+          <mc:Choice Requires="a14">
+            <p:sp>
+              <p:nvSpPr>
+                <p:cNvPr id="11" name="ZoneTexte 10"/>
+                <p:cNvSpPr txBox="1"/>
+                <p:nvPr/>
+              </p:nvSpPr>
+              <p:spPr>
+                <a:xfrm>
+                  <a:off x="1121257" y="487400"/>
+                  <a:ext cx="124458" cy="184666"/>
+                </a:xfrm>
+                <a:prstGeom prst="rect">
+                  <a:avLst/>
+                </a:prstGeom>
+                <a:noFill/>
+              </p:spPr>
+              <p:txBody>
+                <a:bodyPr wrap="none" lIns="0" tIns="0" rIns="0" bIns="0" rtlCol="0">
+                  <a:spAutoFit/>
+                </a:bodyPr>
+                <a:lstStyle/>
+                <a:p>
+                  <a:pPr/>
+                  <a14:m>
+                    <m:oMathPara xmlns:m="http://schemas.openxmlformats.org/officeDocument/2006/math">
+                      <m:oMathParaPr>
+                        <m:jc m:val="centerGroup"/>
+                      </m:oMathParaPr>
+                      <m:oMath xmlns:m="http://schemas.openxmlformats.org/officeDocument/2006/math">
+                        <m:acc>
+                          <m:accPr>
+                            <m:chr m:val="⃗"/>
+                            <m:ctrlPr>
+                              <a:rPr lang="fr-FR" sz="1200" i="1">
+                                <a:latin typeface="Cambria Math" panose="02040503050406030204" pitchFamily="18" charset="0"/>
+                              </a:rPr>
+                            </m:ctrlPr>
+                          </m:accPr>
+                          <m:e>
+                            <m:r>
+                              <a:rPr lang="fr-FR" sz="1200" i="1">
+                                <a:latin typeface="Cambria Math" panose="02040503050406030204" pitchFamily="18" charset="0"/>
+                              </a:rPr>
+                              <m:t>𝑦</m:t>
+                            </m:r>
+                          </m:e>
+                        </m:acc>
+                      </m:oMath>
+                    </m:oMathPara>
+                  </a14:m>
+                  <a:endParaRPr lang="fr-FR" sz="1200" dirty="0"/>
+                </a:p>
+              </p:txBody>
+            </p:sp>
+          </mc:Choice>
+          <mc:Fallback xmlns="">
+            <p:sp>
+              <p:nvSpPr>
+                <p:cNvPr id="45" name="ZoneTexte 44"/>
+                <p:cNvSpPr txBox="1">
+                  <a:spLocks noRot="1" noChangeAspect="1" noMove="1" noResize="1" noEditPoints="1" noAdjustHandles="1" noChangeArrowheads="1" noChangeShapeType="1" noTextEdit="1"/>
+                </p:cNvSpPr>
+                <p:nvPr/>
+              </p:nvSpPr>
+              <p:spPr>
+                <a:xfrm>
+                  <a:off x="1121257" y="487400"/>
+                  <a:ext cx="124458" cy="184666"/>
+                </a:xfrm>
+                <a:prstGeom prst="rect">
+                  <a:avLst/>
+                </a:prstGeom>
+                <a:blipFill>
+                  <a:blip r:embed="rId6"/>
+                  <a:stretch>
+                    <a:fillRect l="-30000" t="-26667" r="-85000" b="-23333"/>
+                  </a:stretch>
+                </a:blipFill>
+              </p:spPr>
+              <p:txBody>
+                <a:bodyPr/>
+                <a:lstStyle/>
+                <a:p>
+                  <a:r>
+                    <a:rPr lang="fr-FR">
+                      <a:noFill/>
+                    </a:rPr>
+                    <a:t> </a:t>
+                  </a:r>
+                </a:p>
+              </p:txBody>
+            </p:sp>
+          </mc:Fallback>
+        </mc:AlternateContent>
+        <mc:AlternateContent xmlns:mc="http://schemas.openxmlformats.org/markup-compatibility/2006" xmlns:a14="http://schemas.microsoft.com/office/drawing/2010/main">
+          <mc:Choice Requires="a14">
+            <p:sp>
+              <p:nvSpPr>
+                <p:cNvPr id="12" name="ZoneTexte 11"/>
+                <p:cNvSpPr txBox="1"/>
+                <p:nvPr/>
+              </p:nvSpPr>
+              <p:spPr>
+                <a:xfrm>
+                  <a:off x="875664" y="1301322"/>
+                  <a:ext cx="111634" cy="184666"/>
+                </a:xfrm>
+                <a:prstGeom prst="rect">
+                  <a:avLst/>
+                </a:prstGeom>
+                <a:noFill/>
+              </p:spPr>
+              <p:txBody>
+                <a:bodyPr wrap="none" lIns="0" tIns="0" rIns="0" bIns="0" rtlCol="0">
+                  <a:spAutoFit/>
+                </a:bodyPr>
+                <a:lstStyle/>
+                <a:p>
+                  <a:pPr/>
+                  <a14:m>
+                    <m:oMathPara xmlns:m="http://schemas.openxmlformats.org/officeDocument/2006/math">
+                      <m:oMathParaPr>
+                        <m:jc m:val="centerGroup"/>
+                      </m:oMathParaPr>
+                      <m:oMath xmlns:m="http://schemas.openxmlformats.org/officeDocument/2006/math">
+                        <m:acc>
+                          <m:accPr>
+                            <m:chr m:val="⃗"/>
+                            <m:ctrlPr>
+                              <a:rPr lang="fr-FR" sz="1200" i="1" smtClean="0">
+                                <a:latin typeface="Cambria Math" panose="02040503050406030204" pitchFamily="18" charset="0"/>
+                              </a:rPr>
+                            </m:ctrlPr>
+                          </m:accPr>
+                          <m:e>
+                            <m:r>
+                              <a:rPr lang="fr-FR" sz="1200" b="0" i="1" smtClean="0">
+                                <a:latin typeface="Cambria Math" panose="02040503050406030204" pitchFamily="18" charset="0"/>
+                              </a:rPr>
+                              <m:t>𝑧</m:t>
+                            </m:r>
+                          </m:e>
+                        </m:acc>
+                      </m:oMath>
+                    </m:oMathPara>
+                  </a14:m>
+                  <a:endParaRPr lang="fr-FR" sz="1200" dirty="0"/>
+                </a:p>
+              </p:txBody>
+            </p:sp>
+          </mc:Choice>
+          <mc:Fallback xmlns="">
+            <p:sp>
+              <p:nvSpPr>
+                <p:cNvPr id="28" name="ZoneTexte 27"/>
+                <p:cNvSpPr txBox="1">
+                  <a:spLocks noRot="1" noChangeAspect="1" noMove="1" noResize="1" noEditPoints="1" noAdjustHandles="1" noChangeArrowheads="1" noChangeShapeType="1" noTextEdit="1"/>
+                </p:cNvSpPr>
+                <p:nvPr/>
+              </p:nvSpPr>
+              <p:spPr>
+                <a:xfrm>
+                  <a:off x="875664" y="1301322"/>
+                  <a:ext cx="111634" cy="184666"/>
+                </a:xfrm>
+                <a:prstGeom prst="rect">
+                  <a:avLst/>
+                </a:prstGeom>
+                <a:blipFill>
+                  <a:blip r:embed="rId7"/>
+                  <a:stretch>
+                    <a:fillRect l="-15789" t="-30000" r="-89474"/>
+                  </a:stretch>
+                </a:blipFill>
+              </p:spPr>
+              <p:txBody>
+                <a:bodyPr/>
+                <a:lstStyle/>
+                <a:p>
+                  <a:r>
+                    <a:rPr lang="fr-FR">
+                      <a:noFill/>
+                    </a:rPr>
+                    <a:t> </a:t>
+                  </a:r>
+                </a:p>
+              </p:txBody>
+            </p:sp>
+          </mc:Fallback>
+        </mc:AlternateContent>
+      </p:grpSp>
+      <mc:AlternateContent xmlns:mc="http://schemas.openxmlformats.org/markup-compatibility/2006">
+        <mc:Choice xmlns:a14="http://schemas.microsoft.com/office/drawing/2010/main" Requires="a14">
+          <p:sp>
+            <p:nvSpPr>
+              <p:cNvPr id="15" name="ZoneTexte 14"/>
+              <p:cNvSpPr txBox="1"/>
+              <p:nvPr/>
+            </p:nvSpPr>
+            <p:spPr>
+              <a:xfrm>
+                <a:off x="1919536" y="1363681"/>
+                <a:ext cx="290721" cy="241605"/>
+              </a:xfrm>
+              <a:prstGeom prst="rect">
+                <a:avLst/>
+              </a:prstGeom>
+              <a:noFill/>
+            </p:spPr>
+            <p:txBody>
+              <a:bodyPr wrap="none" lIns="0" tIns="0" rIns="0" bIns="0" rtlCol="0">
+                <a:spAutoFit/>
+              </a:bodyPr>
+              <a:lstStyle/>
+              <a:p>
+                <a:pPr/>
+                <a14:m>
+                  <m:oMathPara xmlns:m="http://schemas.openxmlformats.org/officeDocument/2006/math">
+                    <m:oMathParaPr>
+                      <m:jc m:val="centerGroup"/>
+                    </m:oMathParaPr>
+                    <m:oMath xmlns:m="http://schemas.openxmlformats.org/officeDocument/2006/math">
+                      <m:r>
+                        <a:rPr lang="fr-FR" sz="1400" b="0" i="1" smtClean="0">
+                          <a:latin typeface="Cambria Math" panose="02040503050406030204" pitchFamily="18" charset="0"/>
+                        </a:rPr>
+                        <m:t>−</m:t>
+                      </m:r>
+                      <m:acc>
+                        <m:accPr>
+                          <m:chr m:val="⃗"/>
+                          <m:ctrlPr>
+                            <a:rPr lang="fr-FR" sz="1400" b="0" i="1" smtClean="0">
+                              <a:latin typeface="Cambria Math" panose="02040503050406030204" pitchFamily="18" charset="0"/>
+                            </a:rPr>
+                          </m:ctrlPr>
+                        </m:accPr>
+                        <m:e>
+                          <m:r>
+                            <a:rPr lang="fr-FR" sz="1400" b="0" i="1" smtClean="0">
+                              <a:latin typeface="Cambria Math" panose="02040503050406030204" pitchFamily="18" charset="0"/>
+                            </a:rPr>
+                            <m:t>𝐹</m:t>
+                          </m:r>
+                        </m:e>
+                      </m:acc>
+                    </m:oMath>
+                  </m:oMathPara>
+                </a14:m>
+                <a:endParaRPr lang="fr-FR" sz="1400" dirty="0"/>
+              </a:p>
+            </p:txBody>
+          </p:sp>
+        </mc:Choice>
+        <mc:Fallback>
+          <p:sp>
+            <p:nvSpPr>
+              <p:cNvPr id="15" name="ZoneTexte 14"/>
+              <p:cNvSpPr txBox="1">
+                <a:spLocks noRot="1" noChangeAspect="1" noMove="1" noResize="1" noEditPoints="1" noAdjustHandles="1" noChangeArrowheads="1" noChangeShapeType="1" noTextEdit="1"/>
+              </p:cNvSpPr>
+              <p:nvPr/>
+            </p:nvSpPr>
+            <p:spPr>
+              <a:xfrm>
+                <a:off x="1919536" y="1363681"/>
+                <a:ext cx="290721" cy="241605"/>
+              </a:xfrm>
+              <a:prstGeom prst="rect">
+                <a:avLst/>
+              </a:prstGeom>
+              <a:blipFill>
+                <a:blip r:embed="rId8"/>
+                <a:stretch>
+                  <a:fillRect l="-4167" t="-35897" r="-85417" b="-7692"/>
+                </a:stretch>
+              </a:blipFill>
+            </p:spPr>
+            <p:txBody>
+              <a:bodyPr/>
+              <a:lstStyle/>
+              <a:p>
+                <a:r>
+                  <a:rPr lang="fr-FR">
+                    <a:noFill/>
+                  </a:rPr>
+                  <a:t> </a:t>
+                </a:r>
+              </a:p>
+            </p:txBody>
+          </p:sp>
+        </mc:Fallback>
+      </mc:AlternateContent>
+      <p:sp>
+        <p:nvSpPr>
+          <p:cNvPr id="16" name="Flèche vers le bas 15"/>
+          <p:cNvSpPr/>
+          <p:nvPr/>
+        </p:nvSpPr>
+        <p:spPr>
+          <a:xfrm rot="5400000">
+            <a:off x="1938347" y="1361437"/>
+            <a:ext cx="207582" cy="547774"/>
+          </a:xfrm>
+          <a:prstGeom prst="downArrow">
+            <a:avLst/>
+          </a:prstGeom>
+          <a:solidFill>
+            <a:schemeClr val="accent2">
+              <a:lumMod val="20000"/>
+              <a:lumOff val="80000"/>
+            </a:schemeClr>
+          </a:solidFill>
+          <a:ln w="19050">
+            <a:solidFill>
+              <a:srgbClr val="C00000"/>
+            </a:solidFill>
+          </a:ln>
+        </p:spPr>
+        <p:style>
+          <a:lnRef idx="2">
+            <a:schemeClr val="accent1">
+              <a:shade val="50000"/>
+            </a:schemeClr>
+          </a:lnRef>
+          <a:fillRef idx="1">
+            <a:schemeClr val="accent1"/>
+          </a:fillRef>
+          <a:effectRef idx="0">
+            <a:schemeClr val="accent1"/>
+          </a:effectRef>
+          <a:fontRef idx="minor">
+            <a:schemeClr val="lt1"/>
+          </a:fontRef>
+        </p:style>
+        <p:txBody>
+          <a:bodyPr rtlCol="0" anchor="ctr"/>
+          <a:lstStyle/>
+          <a:p>
+            <a:pPr algn="ctr"/>
+            <a:endParaRPr lang="fr-FR" dirty="0"/>
+          </a:p>
+        </p:txBody>
+      </p:sp>
+      <p:sp>
+        <p:nvSpPr>
+          <p:cNvPr id="17" name="Flèche vers le bas 16"/>
+          <p:cNvSpPr/>
+          <p:nvPr/>
+        </p:nvSpPr>
+        <p:spPr>
+          <a:xfrm rot="16200000" flipH="1">
+            <a:off x="5334150" y="1354916"/>
+            <a:ext cx="207582" cy="547774"/>
+          </a:xfrm>
+          <a:prstGeom prst="downArrow">
+            <a:avLst/>
+          </a:prstGeom>
+          <a:solidFill>
+            <a:schemeClr val="accent2">
+              <a:lumMod val="20000"/>
+              <a:lumOff val="80000"/>
+            </a:schemeClr>
+          </a:solidFill>
+          <a:ln w="19050">
+            <a:solidFill>
+              <a:srgbClr val="C00000"/>
+            </a:solidFill>
+          </a:ln>
+        </p:spPr>
+        <p:style>
+          <a:lnRef idx="2">
+            <a:schemeClr val="accent1">
+              <a:shade val="50000"/>
+            </a:schemeClr>
+          </a:lnRef>
+          <a:fillRef idx="1">
+            <a:schemeClr val="accent1"/>
+          </a:fillRef>
+          <a:effectRef idx="0">
+            <a:schemeClr val="accent1"/>
+          </a:effectRef>
+          <a:fontRef idx="minor">
+            <a:schemeClr val="lt1"/>
+          </a:fontRef>
+        </p:style>
+        <p:txBody>
+          <a:bodyPr rtlCol="0" anchor="ctr"/>
+          <a:lstStyle/>
+          <a:p>
+            <a:pPr algn="ctr"/>
+            <a:endParaRPr lang="fr-FR" dirty="0"/>
+          </a:p>
+        </p:txBody>
+      </p:sp>
+      <mc:AlternateContent xmlns:mc="http://schemas.openxmlformats.org/markup-compatibility/2006">
+        <mc:Choice xmlns:a14="http://schemas.microsoft.com/office/drawing/2010/main" Requires="a14">
+          <p:sp>
+            <p:nvSpPr>
+              <p:cNvPr id="18" name="ZoneTexte 17"/>
+              <p:cNvSpPr txBox="1"/>
+              <p:nvPr/>
+            </p:nvSpPr>
+            <p:spPr>
+              <a:xfrm>
+                <a:off x="5364667" y="1363681"/>
+                <a:ext cx="156068" cy="241605"/>
+              </a:xfrm>
+              <a:prstGeom prst="rect">
+                <a:avLst/>
+              </a:prstGeom>
+              <a:noFill/>
+            </p:spPr>
+            <p:txBody>
+              <a:bodyPr wrap="square" lIns="0" tIns="0" rIns="0" bIns="0" rtlCol="0">
+                <a:spAutoFit/>
+              </a:bodyPr>
+              <a:lstStyle/>
+              <a:p>
+                <a:pPr/>
+                <a14:m>
+                  <m:oMathPara xmlns:m="http://schemas.openxmlformats.org/officeDocument/2006/math">
+                    <m:oMathParaPr>
+                      <m:jc m:val="centerGroup"/>
+                    </m:oMathParaPr>
+                    <m:oMath xmlns:m="http://schemas.openxmlformats.org/officeDocument/2006/math">
+                      <m:acc>
+                        <m:accPr>
+                          <m:chr m:val="⃗"/>
+                          <m:ctrlPr>
+                            <a:rPr lang="fr-FR" sz="1400" i="1">
+                              <a:latin typeface="Cambria Math" panose="02040503050406030204" pitchFamily="18" charset="0"/>
+                            </a:rPr>
+                          </m:ctrlPr>
+                        </m:accPr>
+                        <m:e>
+                          <m:r>
+                            <a:rPr lang="fr-FR" sz="1400" i="1">
+                              <a:latin typeface="Cambria Math" panose="02040503050406030204" pitchFamily="18" charset="0"/>
+                            </a:rPr>
+                            <m:t>𝐹</m:t>
+                          </m:r>
+                        </m:e>
+                      </m:acc>
+                    </m:oMath>
+                  </m:oMathPara>
+                </a14:m>
+                <a:endParaRPr lang="fr-FR" sz="1400" dirty="0"/>
+              </a:p>
+            </p:txBody>
+          </p:sp>
+        </mc:Choice>
+        <mc:Fallback>
+          <p:sp>
+            <p:nvSpPr>
+              <p:cNvPr id="18" name="ZoneTexte 17"/>
+              <p:cNvSpPr txBox="1">
+                <a:spLocks noRot="1" noChangeAspect="1" noMove="1" noResize="1" noEditPoints="1" noAdjustHandles="1" noChangeArrowheads="1" noChangeShapeType="1" noTextEdit="1"/>
+              </p:cNvSpPr>
+              <p:nvPr/>
+            </p:nvSpPr>
+            <p:spPr>
+              <a:xfrm>
+                <a:off x="5364667" y="1363681"/>
+                <a:ext cx="156068" cy="241605"/>
+              </a:xfrm>
+              <a:prstGeom prst="rect">
+                <a:avLst/>
+              </a:prstGeom>
+              <a:blipFill>
+                <a:blip r:embed="rId9"/>
+                <a:stretch>
+                  <a:fillRect l="-26923" t="-35897" r="-92308" b="-7692"/>
+                </a:stretch>
+              </a:blipFill>
+            </p:spPr>
+            <p:txBody>
+              <a:bodyPr/>
+              <a:lstStyle/>
+              <a:p>
+                <a:r>
+                  <a:rPr lang="fr-FR">
+                    <a:noFill/>
+                  </a:rPr>
+                  <a:t> </a:t>
+                </a:r>
+              </a:p>
+            </p:txBody>
+          </p:sp>
+        </mc:Fallback>
+      </mc:AlternateContent>
+    </p:spTree>
+    <p:extLst>
+      <p:ext uri="{BB962C8B-B14F-4D97-AF65-F5344CB8AC3E}">
+        <p14:creationId xmlns:p14="http://schemas.microsoft.com/office/powerpoint/2010/main" val="3517207296"/>
+      </p:ext>
+    </p:extLst>
+  </p:cSld>
+  <p:clrMapOvr>
+    <a:masterClrMapping/>
+  </p:clrMapOvr>
+</p:sld>
+</file>
+
+<file path=ppt/slides/slide2.xml><?xml version="1.0" encoding="utf-8"?>
 <p:sld xmlns:a="http://schemas.openxmlformats.org/drawingml/2006/main" xmlns:r="http://schemas.openxmlformats.org/officeDocument/2006/relationships" xmlns:p="http://schemas.openxmlformats.org/presentationml/2006/main">
   <p:cSld>
     <p:spTree>
@@ -5574,7 +6450,7 @@
 </p:sld>
 </file>
 
-<file path=ppt/slides/slide2.xml><?xml version="1.0" encoding="utf-8"?>
+<file path=ppt/slides/slide3.xml><?xml version="1.0" encoding="utf-8"?>
 <p:sld xmlns:a="http://schemas.openxmlformats.org/drawingml/2006/main" xmlns:r="http://schemas.openxmlformats.org/officeDocument/2006/relationships" xmlns:p="http://schemas.openxmlformats.org/presentationml/2006/main">
   <p:cSld>
     <p:spTree>
@@ -5799,8 +6675,8 @@
           </a:p>
         </p:txBody>
       </p:sp>
-      <mc:AlternateContent xmlns:mc="http://schemas.openxmlformats.org/markup-compatibility/2006">
-        <mc:Choice xmlns:a14="http://schemas.microsoft.com/office/drawing/2010/main" Requires="a14">
+      <mc:AlternateContent xmlns:mc="http://schemas.openxmlformats.org/markup-compatibility/2006" xmlns:a14="http://schemas.microsoft.com/office/drawing/2010/main">
+        <mc:Choice Requires="a14">
           <p:sp>
             <p:nvSpPr>
               <p:cNvPr id="3" name="ZoneTexte 2"/>
@@ -5823,6 +6699,7 @@
               </a:bodyPr>
               <a:lstStyle/>
               <a:p>
+                <a:pPr/>
                 <a14:m>
                   <m:oMathPara xmlns:m="http://schemas.openxmlformats.org/officeDocument/2006/math">
                     <m:oMathParaPr>
@@ -5896,7 +6773,7 @@
             </p:txBody>
           </p:sp>
         </mc:Choice>
-        <mc:Fallback>
+        <mc:Fallback xmlns="">
           <p:sp>
             <p:nvSpPr>
               <p:cNvPr id="3" name="ZoneTexte 2"/>
@@ -6017,8 +6894,8 @@
           </a:p>
         </p:txBody>
       </p:sp>
-      <mc:AlternateContent xmlns:mc="http://schemas.openxmlformats.org/markup-compatibility/2006">
-        <mc:Choice xmlns:a14="http://schemas.microsoft.com/office/drawing/2010/main" Requires="a14">
+      <mc:AlternateContent xmlns:mc="http://schemas.openxmlformats.org/markup-compatibility/2006" xmlns:a14="http://schemas.microsoft.com/office/drawing/2010/main">
+        <mc:Choice Requires="a14">
           <p:sp>
             <p:nvSpPr>
               <p:cNvPr id="68" name="ZoneTexte 67"/>
@@ -6041,6 +6918,7 @@
               </a:bodyPr>
               <a:lstStyle/>
               <a:p>
+                <a:pPr/>
                 <a14:m>
                   <m:oMathPara xmlns:m="http://schemas.openxmlformats.org/officeDocument/2006/math">
                     <m:oMathParaPr>
@@ -6114,7 +6992,7 @@
             </p:txBody>
           </p:sp>
         </mc:Choice>
-        <mc:Fallback>
+        <mc:Fallback xmlns="">
           <p:sp>
             <p:nvSpPr>
               <p:cNvPr id="68" name="ZoneTexte 67"/>
@@ -6201,8 +7079,8 @@
           </a:p>
         </p:txBody>
       </p:sp>
-      <mc:AlternateContent xmlns:mc="http://schemas.openxmlformats.org/markup-compatibility/2006">
-        <mc:Choice xmlns:a14="http://schemas.microsoft.com/office/drawing/2010/main" Requires="a14">
+      <mc:AlternateContent xmlns:mc="http://schemas.openxmlformats.org/markup-compatibility/2006" xmlns:a14="http://schemas.microsoft.com/office/drawing/2010/main">
+        <mc:Choice Requires="a14">
           <p:sp>
             <p:nvSpPr>
               <p:cNvPr id="5" name="Ellipse 4"/>
@@ -6275,7 +7153,7 @@
             </p:txBody>
           </p:sp>
         </mc:Choice>
-        <mc:Fallback>
+        <mc:Fallback xmlns="">
           <p:sp>
             <p:nvSpPr>
               <p:cNvPr id="5" name="Ellipse 4"/>
@@ -6321,8 +7199,8 @@
           </p:sp>
         </mc:Fallback>
       </mc:AlternateContent>
-      <mc:AlternateContent xmlns:mc="http://schemas.openxmlformats.org/markup-compatibility/2006">
-        <mc:Choice xmlns:a14="http://schemas.microsoft.com/office/drawing/2010/main" Requires="a14">
+      <mc:AlternateContent xmlns:mc="http://schemas.openxmlformats.org/markup-compatibility/2006" xmlns:a14="http://schemas.microsoft.com/office/drawing/2010/main">
+        <mc:Choice Requires="a14">
           <p:sp>
             <p:nvSpPr>
               <p:cNvPr id="70" name="Ellipse 69"/>
@@ -6395,7 +7273,7 @@
             </p:txBody>
           </p:sp>
         </mc:Choice>
-        <mc:Fallback>
+        <mc:Fallback xmlns="">
           <p:sp>
             <p:nvSpPr>
               <p:cNvPr id="70" name="Ellipse 69"/>
@@ -6441,8 +7319,8 @@
           </p:sp>
         </mc:Fallback>
       </mc:AlternateContent>
-      <mc:AlternateContent xmlns:mc="http://schemas.openxmlformats.org/markup-compatibility/2006">
-        <mc:Choice xmlns:a14="http://schemas.microsoft.com/office/drawing/2010/main" Requires="a14">
+      <mc:AlternateContent xmlns:mc="http://schemas.openxmlformats.org/markup-compatibility/2006" xmlns:a14="http://schemas.microsoft.com/office/drawing/2010/main">
+        <mc:Choice Requires="a14">
           <p:sp>
             <p:nvSpPr>
               <p:cNvPr id="7" name="Rectangle 6"/>
@@ -6464,6 +7342,7 @@
               </a:bodyPr>
               <a:lstStyle/>
               <a:p>
+                <a:pPr/>
                 <a14:m>
                   <m:oMathPara xmlns:m="http://schemas.openxmlformats.org/officeDocument/2006/math">
                     <m:oMathParaPr>
@@ -6484,7 +7363,7 @@
             </p:txBody>
           </p:sp>
         </mc:Choice>
-        <mc:Fallback>
+        <mc:Fallback xmlns="">
           <p:sp>
             <p:nvSpPr>
               <p:cNvPr id="7" name="Rectangle 6"/>
@@ -6536,7 +7415,7 @@
 </p:sld>
 </file>
 
-<file path=ppt/slides/slide3.xml><?xml version="1.0" encoding="utf-8"?>
+<file path=ppt/slides/slide4.xml><?xml version="1.0" encoding="utf-8"?>
 <p:sld xmlns:a="http://schemas.openxmlformats.org/drawingml/2006/main" xmlns:r="http://schemas.openxmlformats.org/officeDocument/2006/relationships" xmlns:p="http://schemas.openxmlformats.org/presentationml/2006/main">
   <p:cSld>
     <p:spTree>
@@ -6713,8 +7592,8 @@
           </a:p>
         </p:txBody>
       </p:sp>
-      <mc:AlternateContent xmlns:mc="http://schemas.openxmlformats.org/markup-compatibility/2006">
-        <mc:Choice xmlns:a14="http://schemas.microsoft.com/office/drawing/2010/main" Requires="a14">
+      <mc:AlternateContent xmlns:mc="http://schemas.openxmlformats.org/markup-compatibility/2006" xmlns:a14="http://schemas.microsoft.com/office/drawing/2010/main">
+        <mc:Choice Requires="a14">
           <p:sp>
             <p:nvSpPr>
               <p:cNvPr id="3" name="ZoneTexte 2"/>
@@ -6737,6 +7616,7 @@
               </a:bodyPr>
               <a:lstStyle/>
               <a:p>
+                <a:pPr/>
                 <a14:m>
                   <m:oMathPara xmlns:m="http://schemas.openxmlformats.org/officeDocument/2006/math">
                     <m:oMathParaPr>
@@ -6810,7 +7690,7 @@
             </p:txBody>
           </p:sp>
         </mc:Choice>
-        <mc:Fallback>
+        <mc:Fallback xmlns="">
           <p:sp>
             <p:nvSpPr>
               <p:cNvPr id="3" name="ZoneTexte 2"/>
@@ -6931,8 +7811,8 @@
           </a:p>
         </p:txBody>
       </p:sp>
-      <mc:AlternateContent xmlns:mc="http://schemas.openxmlformats.org/markup-compatibility/2006">
-        <mc:Choice xmlns:a14="http://schemas.microsoft.com/office/drawing/2010/main" Requires="a14">
+      <mc:AlternateContent xmlns:mc="http://schemas.openxmlformats.org/markup-compatibility/2006" xmlns:a14="http://schemas.microsoft.com/office/drawing/2010/main">
+        <mc:Choice Requires="a14">
           <p:sp>
             <p:nvSpPr>
               <p:cNvPr id="5" name="Ellipse 4"/>
@@ -7005,7 +7885,7 @@
             </p:txBody>
           </p:sp>
         </mc:Choice>
-        <mc:Fallback>
+        <mc:Fallback xmlns="">
           <p:sp>
             <p:nvSpPr>
               <p:cNvPr id="5" name="Ellipse 4"/>
@@ -7051,8 +7931,8 @@
           </p:sp>
         </mc:Fallback>
       </mc:AlternateContent>
-      <mc:AlternateContent xmlns:mc="http://schemas.openxmlformats.org/markup-compatibility/2006">
-        <mc:Choice xmlns:a14="http://schemas.microsoft.com/office/drawing/2010/main" Requires="a14">
+      <mc:AlternateContent xmlns:mc="http://schemas.openxmlformats.org/markup-compatibility/2006" xmlns:a14="http://schemas.microsoft.com/office/drawing/2010/main">
+        <mc:Choice Requires="a14">
           <p:sp>
             <p:nvSpPr>
               <p:cNvPr id="7" name="Rectangle 6"/>
@@ -7074,6 +7954,7 @@
               </a:bodyPr>
               <a:lstStyle/>
               <a:p>
+                <a:pPr/>
                 <a14:m>
                   <m:oMathPara xmlns:m="http://schemas.openxmlformats.org/officeDocument/2006/math">
                     <m:oMathParaPr>
@@ -7094,7 +7975,7 @@
             </p:txBody>
           </p:sp>
         </mc:Choice>
-        <mc:Fallback>
+        <mc:Fallback xmlns="">
           <p:sp>
             <p:nvSpPr>
               <p:cNvPr id="7" name="Rectangle 6"/>
@@ -7567,8 +8448,8 @@
             </p:sp>
           </mc:Fallback>
         </mc:AlternateContent>
-        <mc:AlternateContent xmlns:mc="http://schemas.openxmlformats.org/markup-compatibility/2006">
-          <mc:Choice xmlns:a14="http://schemas.microsoft.com/office/drawing/2010/main" Requires="a14">
+        <mc:AlternateContent xmlns:mc="http://schemas.openxmlformats.org/markup-compatibility/2006" xmlns:a14="http://schemas.microsoft.com/office/drawing/2010/main">
+          <mc:Choice Requires="a14">
             <p:sp>
               <p:nvSpPr>
                 <p:cNvPr id="28" name="ZoneTexte 27"/>
@@ -7624,7 +8505,7 @@
               </p:txBody>
             </p:sp>
           </mc:Choice>
-          <mc:Fallback>
+          <mc:Fallback xmlns="">
             <p:sp>
               <p:nvSpPr>
                 <p:cNvPr id="28" name="ZoneTexte 27"/>
@@ -7677,7 +8558,7 @@
 </p:sld>
 </file>
 
-<file path=ppt/slides/slide4.xml><?xml version="1.0" encoding="utf-8"?>
+<file path=ppt/slides/slide5.xml><?xml version="1.0" encoding="utf-8"?>
 <p:sld xmlns:a="http://schemas.openxmlformats.org/drawingml/2006/main" xmlns:r="http://schemas.openxmlformats.org/officeDocument/2006/relationships" xmlns:p="http://schemas.openxmlformats.org/presentationml/2006/main">
   <p:cSld>
     <p:spTree>
@@ -9872,7 +10753,7 @@
 </p:sld>
 </file>
 
-<file path=ppt/slides/slide5.xml><?xml version="1.0" encoding="utf-8"?>
+<file path=ppt/slides/slide6.xml><?xml version="1.0" encoding="utf-8"?>
 <p:sld xmlns:a="http://schemas.openxmlformats.org/drawingml/2006/main" xmlns:r="http://schemas.openxmlformats.org/officeDocument/2006/relationships" xmlns:p="http://schemas.openxmlformats.org/presentationml/2006/main">
   <p:cSld>
     <p:spTree>

--- a/02_TractionCompression/Fiche/images/Figures.pptx
+++ b/02_TractionCompression/Fiche/images/Figures.pptx
@@ -6,11 +6,12 @@
   </p:sldMasterIdLst>
   <p:sldIdLst>
     <p:sldId id="261" r:id="rId2"/>
-    <p:sldId id="256" r:id="rId3"/>
-    <p:sldId id="259" r:id="rId4"/>
-    <p:sldId id="260" r:id="rId5"/>
-    <p:sldId id="257" r:id="rId6"/>
-    <p:sldId id="258" r:id="rId7"/>
+    <p:sldId id="262" r:id="rId3"/>
+    <p:sldId id="256" r:id="rId4"/>
+    <p:sldId id="259" r:id="rId5"/>
+    <p:sldId id="260" r:id="rId6"/>
+    <p:sldId id="257" r:id="rId7"/>
+    <p:sldId id="258" r:id="rId8"/>
   </p:sldIdLst>
   <p:sldSz cx="12192000" cy="6858000"/>
   <p:notesSz cx="6858000" cy="9144000"/>
@@ -3931,6 +3932,1282 @@
           <a:chExt cx="0" cy="0"/>
         </a:xfrm>
       </p:grpSpPr>
+      <p:sp>
+        <p:nvSpPr>
+          <p:cNvPr id="28" name="Rectangle 27"/>
+          <p:cNvSpPr/>
+          <p:nvPr/>
+        </p:nvSpPr>
+        <p:spPr>
+          <a:xfrm>
+            <a:off x="6240016" y="1281100"/>
+            <a:ext cx="360040" cy="1434632"/>
+          </a:xfrm>
+          <a:prstGeom prst="rect">
+            <a:avLst/>
+          </a:prstGeom>
+          <a:solidFill>
+            <a:schemeClr val="accent2">
+              <a:lumMod val="20000"/>
+              <a:lumOff val="80000"/>
+            </a:schemeClr>
+          </a:solidFill>
+          <a:ln>
+            <a:noFill/>
+          </a:ln>
+        </p:spPr>
+        <p:style>
+          <a:lnRef idx="2">
+            <a:schemeClr val="accent1">
+              <a:shade val="50000"/>
+            </a:schemeClr>
+          </a:lnRef>
+          <a:fillRef idx="1">
+            <a:schemeClr val="accent1"/>
+          </a:fillRef>
+          <a:effectRef idx="0">
+            <a:schemeClr val="accent1"/>
+          </a:effectRef>
+          <a:fontRef idx="minor">
+            <a:schemeClr val="lt1"/>
+          </a:fontRef>
+        </p:style>
+        <p:txBody>
+          <a:bodyPr rtlCol="0" anchor="ctr"/>
+          <a:lstStyle/>
+          <a:p>
+            <a:pPr algn="ctr"/>
+            <a:endParaRPr lang="fr-FR"/>
+          </a:p>
+        </p:txBody>
+      </p:sp>
+      <p:grpSp>
+        <p:nvGrpSpPr>
+          <p:cNvPr id="6" name="Groupe 5"/>
+          <p:cNvGrpSpPr/>
+          <p:nvPr/>
+        </p:nvGrpSpPr>
+        <p:grpSpPr>
+          <a:xfrm>
+            <a:off x="4288248" y="1214634"/>
+            <a:ext cx="949354" cy="998588"/>
+            <a:chOff x="875664" y="487400"/>
+            <a:chExt cx="949353" cy="998588"/>
+          </a:xfrm>
+        </p:grpSpPr>
+        <p:cxnSp>
+          <p:nvCxnSpPr>
+            <p:cNvPr id="7" name="Connecteur droit 6"/>
+            <p:cNvCxnSpPr/>
+            <p:nvPr/>
+          </p:nvCxnSpPr>
+          <p:spPr>
+            <a:xfrm flipV="1">
+              <a:off x="1065699" y="536583"/>
+              <a:ext cx="0" cy="734599"/>
+            </a:xfrm>
+            <a:prstGeom prst="line">
+              <a:avLst/>
+            </a:prstGeom>
+            <a:ln w="12700">
+              <a:solidFill>
+                <a:schemeClr val="accent5">
+                  <a:lumMod val="50000"/>
+                </a:schemeClr>
+              </a:solidFill>
+              <a:tailEnd type="stealth" w="med" len="lg"/>
+            </a:ln>
+          </p:spPr>
+          <p:style>
+            <a:lnRef idx="1">
+              <a:schemeClr val="accent1"/>
+            </a:lnRef>
+            <a:fillRef idx="0">
+              <a:schemeClr val="accent1"/>
+            </a:fillRef>
+            <a:effectRef idx="0">
+              <a:schemeClr val="accent1"/>
+            </a:effectRef>
+            <a:fontRef idx="minor">
+              <a:schemeClr val="tx1"/>
+            </a:fontRef>
+          </p:style>
+        </p:cxnSp>
+        <p:cxnSp>
+          <p:nvCxnSpPr>
+            <p:cNvPr id="8" name="Connecteur droit 7"/>
+            <p:cNvCxnSpPr/>
+            <p:nvPr/>
+          </p:nvCxnSpPr>
+          <p:spPr>
+            <a:xfrm rot="5400000" flipV="1">
+              <a:off x="1432999" y="905821"/>
+              <a:ext cx="0" cy="734599"/>
+            </a:xfrm>
+            <a:prstGeom prst="line">
+              <a:avLst/>
+            </a:prstGeom>
+            <a:ln w="12700">
+              <a:solidFill>
+                <a:schemeClr val="accent5">
+                  <a:lumMod val="50000"/>
+                </a:schemeClr>
+              </a:solidFill>
+              <a:tailEnd type="stealth" w="med" len="lg"/>
+            </a:ln>
+          </p:spPr>
+          <p:style>
+            <a:lnRef idx="1">
+              <a:schemeClr val="accent1"/>
+            </a:lnRef>
+            <a:fillRef idx="0">
+              <a:schemeClr val="accent1"/>
+            </a:fillRef>
+            <a:effectRef idx="0">
+              <a:schemeClr val="accent1"/>
+            </a:effectRef>
+            <a:fontRef idx="minor">
+              <a:schemeClr val="tx1"/>
+            </a:fontRef>
+          </p:style>
+        </p:cxnSp>
+        <p:grpSp>
+          <p:nvGrpSpPr>
+            <p:cNvPr id="9" name="Groupe 8"/>
+            <p:cNvGrpSpPr/>
+            <p:nvPr/>
+          </p:nvGrpSpPr>
+          <p:grpSpPr>
+            <a:xfrm>
+              <a:off x="1012602" y="1220060"/>
+              <a:ext cx="108000" cy="108000"/>
+              <a:chOff x="1009427" y="1223235"/>
+              <a:chExt cx="108000" cy="108000"/>
+            </a:xfrm>
+          </p:grpSpPr>
+          <p:sp>
+            <p:nvSpPr>
+              <p:cNvPr id="13" name="Ellipse 12"/>
+              <p:cNvSpPr/>
+              <p:nvPr/>
+            </p:nvSpPr>
+            <p:spPr>
+              <a:xfrm>
+                <a:off x="1009427" y="1223235"/>
+                <a:ext cx="108000" cy="108000"/>
+              </a:xfrm>
+              <a:prstGeom prst="ellipse">
+                <a:avLst/>
+              </a:prstGeom>
+              <a:solidFill>
+                <a:schemeClr val="bg1"/>
+              </a:solidFill>
+              <a:ln w="12700">
+                <a:solidFill>
+                  <a:schemeClr val="accent5">
+                    <a:lumMod val="50000"/>
+                  </a:schemeClr>
+                </a:solidFill>
+                <a:tailEnd type="stealth" w="med" len="lg"/>
+              </a:ln>
+            </p:spPr>
+            <p:style>
+              <a:lnRef idx="1">
+                <a:schemeClr val="accent1"/>
+              </a:lnRef>
+              <a:fillRef idx="0">
+                <a:schemeClr val="accent1"/>
+              </a:fillRef>
+              <a:effectRef idx="0">
+                <a:schemeClr val="accent1"/>
+              </a:effectRef>
+              <a:fontRef idx="minor">
+                <a:schemeClr val="tx1"/>
+              </a:fontRef>
+            </p:style>
+            <p:txBody>
+              <a:bodyPr rtlCol="0" anchor="ctr"/>
+              <a:lstStyle/>
+              <a:p>
+                <a:pPr algn="ctr"/>
+                <a:endParaRPr lang="fr-FR"/>
+              </a:p>
+            </p:txBody>
+          </p:sp>
+          <p:sp>
+            <p:nvSpPr>
+              <p:cNvPr id="14" name="Ellipse 13"/>
+              <p:cNvSpPr/>
+              <p:nvPr/>
+            </p:nvSpPr>
+            <p:spPr>
+              <a:xfrm flipH="1" flipV="1">
+                <a:off x="1045427" y="1259235"/>
+                <a:ext cx="36000" cy="36000"/>
+              </a:xfrm>
+              <a:prstGeom prst="ellipse">
+                <a:avLst/>
+              </a:prstGeom>
+              <a:solidFill>
+                <a:schemeClr val="accent5">
+                  <a:lumMod val="50000"/>
+                </a:schemeClr>
+              </a:solidFill>
+              <a:ln w="12700">
+                <a:solidFill>
+                  <a:schemeClr val="accent5">
+                    <a:lumMod val="50000"/>
+                  </a:schemeClr>
+                </a:solidFill>
+                <a:tailEnd type="stealth" w="med" len="lg"/>
+              </a:ln>
+            </p:spPr>
+            <p:style>
+              <a:lnRef idx="1">
+                <a:schemeClr val="accent1"/>
+              </a:lnRef>
+              <a:fillRef idx="0">
+                <a:schemeClr val="accent1"/>
+              </a:fillRef>
+              <a:effectRef idx="0">
+                <a:schemeClr val="accent1"/>
+              </a:effectRef>
+              <a:fontRef idx="minor">
+                <a:schemeClr val="tx1"/>
+              </a:fontRef>
+            </p:style>
+            <p:txBody>
+              <a:bodyPr rtlCol="0" anchor="ctr"/>
+              <a:lstStyle/>
+              <a:p>
+                <a:pPr algn="ctr"/>
+                <a:endParaRPr lang="fr-FR"/>
+              </a:p>
+            </p:txBody>
+          </p:sp>
+        </p:grpSp>
+        <mc:AlternateContent xmlns:mc="http://schemas.openxmlformats.org/markup-compatibility/2006" xmlns:a14="http://schemas.microsoft.com/office/drawing/2010/main">
+          <mc:Choice Requires="a14">
+            <p:sp>
+              <p:nvSpPr>
+                <p:cNvPr id="10" name="ZoneTexte 9"/>
+                <p:cNvSpPr txBox="1"/>
+                <p:nvPr/>
+              </p:nvSpPr>
+              <p:spPr>
+                <a:xfrm>
+                  <a:off x="1703317" y="1037793"/>
+                  <a:ext cx="121700" cy="184666"/>
+                </a:xfrm>
+                <a:prstGeom prst="rect">
+                  <a:avLst/>
+                </a:prstGeom>
+                <a:noFill/>
+              </p:spPr>
+              <p:txBody>
+                <a:bodyPr wrap="none" lIns="0" tIns="0" rIns="0" bIns="0" rtlCol="0">
+                  <a:spAutoFit/>
+                </a:bodyPr>
+                <a:lstStyle/>
+                <a:p>
+                  <a:pPr/>
+                  <a14:m>
+                    <m:oMathPara xmlns:m="http://schemas.openxmlformats.org/officeDocument/2006/math">
+                      <m:oMathParaPr>
+                        <m:jc m:val="centerGroup"/>
+                      </m:oMathParaPr>
+                      <m:oMath xmlns:m="http://schemas.openxmlformats.org/officeDocument/2006/math">
+                        <m:acc>
+                          <m:accPr>
+                            <m:chr m:val="⃗"/>
+                            <m:ctrlPr>
+                              <a:rPr lang="fr-FR" sz="1200" i="1">
+                                <a:latin typeface="Cambria Math" panose="02040503050406030204" pitchFamily="18" charset="0"/>
+                              </a:rPr>
+                            </m:ctrlPr>
+                          </m:accPr>
+                          <m:e>
+                            <m:r>
+                              <a:rPr lang="fr-FR" sz="1200" i="1">
+                                <a:latin typeface="Cambria Math" panose="02040503050406030204" pitchFamily="18" charset="0"/>
+                              </a:rPr>
+                              <m:t>𝑥</m:t>
+                            </m:r>
+                          </m:e>
+                        </m:acc>
+                      </m:oMath>
+                    </m:oMathPara>
+                  </a14:m>
+                  <a:endParaRPr lang="fr-FR" sz="1200" dirty="0"/>
+                </a:p>
+              </p:txBody>
+            </p:sp>
+          </mc:Choice>
+          <mc:Fallback xmlns="">
+            <p:sp>
+              <p:nvSpPr>
+                <p:cNvPr id="44" name="ZoneTexte 43"/>
+                <p:cNvSpPr txBox="1">
+                  <a:spLocks noRot="1" noChangeAspect="1" noMove="1" noResize="1" noEditPoints="1" noAdjustHandles="1" noChangeArrowheads="1" noChangeShapeType="1" noTextEdit="1"/>
+                </p:cNvSpPr>
+                <p:nvPr/>
+              </p:nvSpPr>
+              <p:spPr>
+                <a:xfrm>
+                  <a:off x="1703317" y="1037793"/>
+                  <a:ext cx="121700" cy="184666"/>
+                </a:xfrm>
+                <a:prstGeom prst="rect">
+                  <a:avLst/>
+                </a:prstGeom>
+                <a:blipFill>
+                  <a:blip r:embed="rId5"/>
+                  <a:stretch>
+                    <a:fillRect l="-20000" t="-25806" r="-85000"/>
+                  </a:stretch>
+                </a:blipFill>
+              </p:spPr>
+              <p:txBody>
+                <a:bodyPr/>
+                <a:lstStyle/>
+                <a:p>
+                  <a:r>
+                    <a:rPr lang="fr-FR">
+                      <a:noFill/>
+                    </a:rPr>
+                    <a:t> </a:t>
+                  </a:r>
+                </a:p>
+              </p:txBody>
+            </p:sp>
+          </mc:Fallback>
+        </mc:AlternateContent>
+        <mc:AlternateContent xmlns:mc="http://schemas.openxmlformats.org/markup-compatibility/2006" xmlns:a14="http://schemas.microsoft.com/office/drawing/2010/main">
+          <mc:Choice Requires="a14">
+            <p:sp>
+              <p:nvSpPr>
+                <p:cNvPr id="11" name="ZoneTexte 10"/>
+                <p:cNvSpPr txBox="1"/>
+                <p:nvPr/>
+              </p:nvSpPr>
+              <p:spPr>
+                <a:xfrm>
+                  <a:off x="1121257" y="487400"/>
+                  <a:ext cx="124458" cy="184666"/>
+                </a:xfrm>
+                <a:prstGeom prst="rect">
+                  <a:avLst/>
+                </a:prstGeom>
+                <a:noFill/>
+              </p:spPr>
+              <p:txBody>
+                <a:bodyPr wrap="none" lIns="0" tIns="0" rIns="0" bIns="0" rtlCol="0">
+                  <a:spAutoFit/>
+                </a:bodyPr>
+                <a:lstStyle/>
+                <a:p>
+                  <a:pPr/>
+                  <a14:m>
+                    <m:oMathPara xmlns:m="http://schemas.openxmlformats.org/officeDocument/2006/math">
+                      <m:oMathParaPr>
+                        <m:jc m:val="centerGroup"/>
+                      </m:oMathParaPr>
+                      <m:oMath xmlns:m="http://schemas.openxmlformats.org/officeDocument/2006/math">
+                        <m:acc>
+                          <m:accPr>
+                            <m:chr m:val="⃗"/>
+                            <m:ctrlPr>
+                              <a:rPr lang="fr-FR" sz="1200" i="1">
+                                <a:latin typeface="Cambria Math" panose="02040503050406030204" pitchFamily="18" charset="0"/>
+                              </a:rPr>
+                            </m:ctrlPr>
+                          </m:accPr>
+                          <m:e>
+                            <m:r>
+                              <a:rPr lang="fr-FR" sz="1200" i="1">
+                                <a:latin typeface="Cambria Math" panose="02040503050406030204" pitchFamily="18" charset="0"/>
+                              </a:rPr>
+                              <m:t>𝑦</m:t>
+                            </m:r>
+                          </m:e>
+                        </m:acc>
+                      </m:oMath>
+                    </m:oMathPara>
+                  </a14:m>
+                  <a:endParaRPr lang="fr-FR" sz="1200" dirty="0"/>
+                </a:p>
+              </p:txBody>
+            </p:sp>
+          </mc:Choice>
+          <mc:Fallback xmlns="">
+            <p:sp>
+              <p:nvSpPr>
+                <p:cNvPr id="45" name="ZoneTexte 44"/>
+                <p:cNvSpPr txBox="1">
+                  <a:spLocks noRot="1" noChangeAspect="1" noMove="1" noResize="1" noEditPoints="1" noAdjustHandles="1" noChangeArrowheads="1" noChangeShapeType="1" noTextEdit="1"/>
+                </p:cNvSpPr>
+                <p:nvPr/>
+              </p:nvSpPr>
+              <p:spPr>
+                <a:xfrm>
+                  <a:off x="1121257" y="487400"/>
+                  <a:ext cx="124458" cy="184666"/>
+                </a:xfrm>
+                <a:prstGeom prst="rect">
+                  <a:avLst/>
+                </a:prstGeom>
+                <a:blipFill>
+                  <a:blip r:embed="rId6"/>
+                  <a:stretch>
+                    <a:fillRect l="-30000" t="-26667" r="-85000" b="-23333"/>
+                  </a:stretch>
+                </a:blipFill>
+              </p:spPr>
+              <p:txBody>
+                <a:bodyPr/>
+                <a:lstStyle/>
+                <a:p>
+                  <a:r>
+                    <a:rPr lang="fr-FR">
+                      <a:noFill/>
+                    </a:rPr>
+                    <a:t> </a:t>
+                  </a:r>
+                </a:p>
+              </p:txBody>
+            </p:sp>
+          </mc:Fallback>
+        </mc:AlternateContent>
+        <mc:AlternateContent xmlns:mc="http://schemas.openxmlformats.org/markup-compatibility/2006" xmlns:a14="http://schemas.microsoft.com/office/drawing/2010/main">
+          <mc:Choice Requires="a14">
+            <p:sp>
+              <p:nvSpPr>
+                <p:cNvPr id="12" name="ZoneTexte 11"/>
+                <p:cNvSpPr txBox="1"/>
+                <p:nvPr/>
+              </p:nvSpPr>
+              <p:spPr>
+                <a:xfrm>
+                  <a:off x="875664" y="1301322"/>
+                  <a:ext cx="111634" cy="184666"/>
+                </a:xfrm>
+                <a:prstGeom prst="rect">
+                  <a:avLst/>
+                </a:prstGeom>
+                <a:noFill/>
+              </p:spPr>
+              <p:txBody>
+                <a:bodyPr wrap="none" lIns="0" tIns="0" rIns="0" bIns="0" rtlCol="0">
+                  <a:spAutoFit/>
+                </a:bodyPr>
+                <a:lstStyle/>
+                <a:p>
+                  <a:pPr/>
+                  <a14:m>
+                    <m:oMathPara xmlns:m="http://schemas.openxmlformats.org/officeDocument/2006/math">
+                      <m:oMathParaPr>
+                        <m:jc m:val="centerGroup"/>
+                      </m:oMathParaPr>
+                      <m:oMath xmlns:m="http://schemas.openxmlformats.org/officeDocument/2006/math">
+                        <m:acc>
+                          <m:accPr>
+                            <m:chr m:val="⃗"/>
+                            <m:ctrlPr>
+                              <a:rPr lang="fr-FR" sz="1200" i="1" smtClean="0">
+                                <a:latin typeface="Cambria Math" panose="02040503050406030204" pitchFamily="18" charset="0"/>
+                              </a:rPr>
+                            </m:ctrlPr>
+                          </m:accPr>
+                          <m:e>
+                            <m:r>
+                              <a:rPr lang="fr-FR" sz="1200" b="0" i="1" smtClean="0">
+                                <a:latin typeface="Cambria Math" panose="02040503050406030204" pitchFamily="18" charset="0"/>
+                              </a:rPr>
+                              <m:t>𝑧</m:t>
+                            </m:r>
+                          </m:e>
+                        </m:acc>
+                      </m:oMath>
+                    </m:oMathPara>
+                  </a14:m>
+                  <a:endParaRPr lang="fr-FR" sz="1200" dirty="0"/>
+                </a:p>
+              </p:txBody>
+            </p:sp>
+          </mc:Choice>
+          <mc:Fallback xmlns="">
+            <p:sp>
+              <p:nvSpPr>
+                <p:cNvPr id="28" name="ZoneTexte 27"/>
+                <p:cNvSpPr txBox="1">
+                  <a:spLocks noRot="1" noChangeAspect="1" noMove="1" noResize="1" noEditPoints="1" noAdjustHandles="1" noChangeArrowheads="1" noChangeShapeType="1" noTextEdit="1"/>
+                </p:cNvSpPr>
+                <p:nvPr/>
+              </p:nvSpPr>
+              <p:spPr>
+                <a:xfrm>
+                  <a:off x="875664" y="1301322"/>
+                  <a:ext cx="111634" cy="184666"/>
+                </a:xfrm>
+                <a:prstGeom prst="rect">
+                  <a:avLst/>
+                </a:prstGeom>
+                <a:blipFill>
+                  <a:blip r:embed="rId7"/>
+                  <a:stretch>
+                    <a:fillRect l="-15789" t="-30000" r="-89474"/>
+                  </a:stretch>
+                </a:blipFill>
+              </p:spPr>
+              <p:txBody>
+                <a:bodyPr/>
+                <a:lstStyle/>
+                <a:p>
+                  <a:r>
+                    <a:rPr lang="fr-FR">
+                      <a:noFill/>
+                    </a:rPr>
+                    <a:t> </a:t>
+                  </a:r>
+                </a:p>
+              </p:txBody>
+            </p:sp>
+          </mc:Fallback>
+        </mc:AlternateContent>
+      </p:grpSp>
+      <p:sp>
+        <p:nvSpPr>
+          <p:cNvPr id="3" name="Forme libre 2"/>
+          <p:cNvSpPr/>
+          <p:nvPr/>
+        </p:nvSpPr>
+        <p:spPr>
+          <a:xfrm>
+            <a:off x="4624112" y="1274288"/>
+            <a:ext cx="153172" cy="1434632"/>
+          </a:xfrm>
+          <a:custGeom>
+            <a:avLst/>
+            <a:gdLst>
+              <a:gd name="connsiteX0" fmla="*/ 10048 w 10048"/>
+              <a:gd name="connsiteY0" fmla="*/ 0 h 1446963"/>
+              <a:gd name="connsiteX1" fmla="*/ 0 w 10048"/>
+              <a:gd name="connsiteY1" fmla="*/ 1446963 h 1446963"/>
+              <a:gd name="connsiteX2" fmla="*/ 0 w 10048"/>
+              <a:gd name="connsiteY2" fmla="*/ 1446963 h 1446963"/>
+              <a:gd name="connsiteX0" fmla="*/ 10079 w 10079"/>
+              <a:gd name="connsiteY0" fmla="*/ 0 h 1562288"/>
+              <a:gd name="connsiteX1" fmla="*/ 31 w 10079"/>
+              <a:gd name="connsiteY1" fmla="*/ 1446963 h 1562288"/>
+              <a:gd name="connsiteX2" fmla="*/ 7183 w 10079"/>
+              <a:gd name="connsiteY2" fmla="*/ 1477108 h 1562288"/>
+              <a:gd name="connsiteX0" fmla="*/ 2896 w 2896"/>
+              <a:gd name="connsiteY0" fmla="*/ 0 h 1477108"/>
+              <a:gd name="connsiteX1" fmla="*/ 0 w 2896"/>
+              <a:gd name="connsiteY1" fmla="*/ 1477108 h 1477108"/>
+              <a:gd name="connsiteX0" fmla="*/ 20033 w 20033"/>
+              <a:gd name="connsiteY0" fmla="*/ 0 h 9660"/>
+              <a:gd name="connsiteX1" fmla="*/ 0 w 20033"/>
+              <a:gd name="connsiteY1" fmla="*/ 9660 h 9660"/>
+              <a:gd name="connsiteX0" fmla="*/ 15463 w 15463"/>
+              <a:gd name="connsiteY0" fmla="*/ 0 h 10000"/>
+              <a:gd name="connsiteX1" fmla="*/ 5463 w 15463"/>
+              <a:gd name="connsiteY1" fmla="*/ 10000 h 10000"/>
+              <a:gd name="connsiteX0" fmla="*/ 14809 w 14809"/>
+              <a:gd name="connsiteY0" fmla="*/ 0 h 10141"/>
+              <a:gd name="connsiteX1" fmla="*/ 5580 w 14809"/>
+              <a:gd name="connsiteY1" fmla="*/ 10141 h 10141"/>
+              <a:gd name="connsiteX0" fmla="*/ 790 w 13521"/>
+              <a:gd name="connsiteY0" fmla="*/ 0 h 10211"/>
+              <a:gd name="connsiteX1" fmla="*/ 13521 w 13521"/>
+              <a:gd name="connsiteY1" fmla="*/ 10211 h 10211"/>
+              <a:gd name="connsiteX0" fmla="*/ 0 w 12731"/>
+              <a:gd name="connsiteY0" fmla="*/ 0 h 10211"/>
+              <a:gd name="connsiteX1" fmla="*/ 12731 w 12731"/>
+              <a:gd name="connsiteY1" fmla="*/ 10211 h 10211"/>
+              <a:gd name="connsiteX0" fmla="*/ 2823 w 8390"/>
+              <a:gd name="connsiteY0" fmla="*/ 0 h 10281"/>
+              <a:gd name="connsiteX1" fmla="*/ 4767 w 8390"/>
+              <a:gd name="connsiteY1" fmla="*/ 10281 h 10281"/>
+              <a:gd name="connsiteX0" fmla="*/ 13899 w 16216"/>
+              <a:gd name="connsiteY0" fmla="*/ 0 h 10000"/>
+              <a:gd name="connsiteX1" fmla="*/ 16216 w 16216"/>
+              <a:gd name="connsiteY1" fmla="*/ 10000 h 10000"/>
+              <a:gd name="connsiteX0" fmla="*/ 14318 w 15717"/>
+              <a:gd name="connsiteY0" fmla="*/ 0 h 9829"/>
+              <a:gd name="connsiteX1" fmla="*/ 15717 w 15717"/>
+              <a:gd name="connsiteY1" fmla="*/ 9829 h 9829"/>
+              <a:gd name="connsiteX0" fmla="*/ 2087 w 8907"/>
+              <a:gd name="connsiteY0" fmla="*/ 0 h 10000"/>
+              <a:gd name="connsiteX1" fmla="*/ 2977 w 8907"/>
+              <a:gd name="connsiteY1" fmla="*/ 10000 h 10000"/>
+            </a:gdLst>
+            <a:ahLst/>
+            <a:cxnLst>
+              <a:cxn ang="0">
+                <a:pos x="connsiteX0" y="connsiteY0"/>
+              </a:cxn>
+              <a:cxn ang="0">
+                <a:pos x="connsiteX1" y="connsiteY1"/>
+              </a:cxn>
+            </a:cxnLst>
+            <a:rect l="l" t="t" r="r" b="b"/>
+            <a:pathLst>
+              <a:path w="8907" h="10000">
+                <a:moveTo>
+                  <a:pt x="2087" y="0"/>
+                </a:moveTo>
+                <a:cubicBezTo>
+                  <a:pt x="22042" y="42"/>
+                  <a:pt x="-9383" y="9574"/>
+                  <a:pt x="2977" y="10000"/>
+                </a:cubicBezTo>
+              </a:path>
+            </a:pathLst>
+          </a:custGeom>
+          <a:ln w="19050">
+            <a:solidFill>
+              <a:srgbClr val="C00000"/>
+            </a:solidFill>
+          </a:ln>
+        </p:spPr>
+        <p:style>
+          <a:lnRef idx="1">
+            <a:schemeClr val="accent1"/>
+          </a:lnRef>
+          <a:fillRef idx="0">
+            <a:schemeClr val="accent1"/>
+          </a:fillRef>
+          <a:effectRef idx="0">
+            <a:schemeClr val="accent1"/>
+          </a:effectRef>
+          <a:fontRef idx="minor">
+            <a:schemeClr val="tx1"/>
+          </a:fontRef>
+        </p:style>
+        <p:txBody>
+          <a:bodyPr rtlCol="0" anchor="ctr"/>
+          <a:lstStyle/>
+          <a:p>
+            <a:pPr algn="ctr"/>
+            <a:endParaRPr lang="fr-FR"/>
+          </a:p>
+        </p:txBody>
+      </p:sp>
+      <p:cxnSp>
+        <p:nvCxnSpPr>
+          <p:cNvPr id="21" name="Connecteur droit 20"/>
+          <p:cNvCxnSpPr/>
+          <p:nvPr/>
+        </p:nvCxnSpPr>
+        <p:spPr>
+          <a:xfrm>
+            <a:off x="4655840" y="1274288"/>
+            <a:ext cx="1584176" cy="0"/>
+          </a:xfrm>
+          <a:prstGeom prst="line">
+            <a:avLst/>
+          </a:prstGeom>
+          <a:ln w="19050">
+            <a:solidFill>
+              <a:srgbClr val="C00000"/>
+            </a:solidFill>
+          </a:ln>
+        </p:spPr>
+        <p:style>
+          <a:lnRef idx="1">
+            <a:schemeClr val="accent1"/>
+          </a:lnRef>
+          <a:fillRef idx="0">
+            <a:schemeClr val="accent1"/>
+          </a:fillRef>
+          <a:effectRef idx="0">
+            <a:schemeClr val="accent1"/>
+          </a:effectRef>
+          <a:fontRef idx="minor">
+            <a:schemeClr val="tx1"/>
+          </a:fontRef>
+        </p:style>
+      </p:cxnSp>
+      <p:cxnSp>
+        <p:nvCxnSpPr>
+          <p:cNvPr id="22" name="Connecteur droit 21"/>
+          <p:cNvCxnSpPr/>
+          <p:nvPr/>
+        </p:nvCxnSpPr>
+        <p:spPr>
+          <a:xfrm>
+            <a:off x="4655840" y="2708920"/>
+            <a:ext cx="1584176" cy="0"/>
+          </a:xfrm>
+          <a:prstGeom prst="line">
+            <a:avLst/>
+          </a:prstGeom>
+          <a:ln w="19050">
+            <a:solidFill>
+              <a:srgbClr val="C00000"/>
+            </a:solidFill>
+          </a:ln>
+        </p:spPr>
+        <p:style>
+          <a:lnRef idx="1">
+            <a:schemeClr val="accent1"/>
+          </a:lnRef>
+          <a:fillRef idx="0">
+            <a:schemeClr val="accent1"/>
+          </a:fillRef>
+          <a:effectRef idx="0">
+            <a:schemeClr val="accent1"/>
+          </a:effectRef>
+          <a:fontRef idx="minor">
+            <a:schemeClr val="tx1"/>
+          </a:fontRef>
+        </p:style>
+      </p:cxnSp>
+      <p:cxnSp>
+        <p:nvCxnSpPr>
+          <p:cNvPr id="25" name="Connecteur droit 24"/>
+          <p:cNvCxnSpPr/>
+          <p:nvPr/>
+        </p:nvCxnSpPr>
+        <p:spPr>
+          <a:xfrm flipV="1">
+            <a:off x="6240016" y="1274288"/>
+            <a:ext cx="0" cy="1434632"/>
+          </a:xfrm>
+          <a:prstGeom prst="line">
+            <a:avLst/>
+          </a:prstGeom>
+          <a:ln w="19050">
+            <a:solidFill>
+              <a:srgbClr val="C00000"/>
+            </a:solidFill>
+          </a:ln>
+        </p:spPr>
+        <p:style>
+          <a:lnRef idx="1">
+            <a:schemeClr val="accent1"/>
+          </a:lnRef>
+          <a:fillRef idx="0">
+            <a:schemeClr val="accent1"/>
+          </a:fillRef>
+          <a:effectRef idx="0">
+            <a:schemeClr val="accent1"/>
+          </a:effectRef>
+          <a:fontRef idx="minor">
+            <a:schemeClr val="tx1"/>
+          </a:fontRef>
+        </p:style>
+      </p:cxnSp>
+      <p:cxnSp>
+        <p:nvCxnSpPr>
+          <p:cNvPr id="29" name="Connecteur droit 28"/>
+          <p:cNvCxnSpPr/>
+          <p:nvPr/>
+        </p:nvCxnSpPr>
+        <p:spPr>
+          <a:xfrm flipV="1">
+            <a:off x="6600056" y="1274288"/>
+            <a:ext cx="0" cy="1434632"/>
+          </a:xfrm>
+          <a:prstGeom prst="line">
+            <a:avLst/>
+          </a:prstGeom>
+          <a:ln w="19050">
+            <a:solidFill>
+              <a:srgbClr val="C00000"/>
+            </a:solidFill>
+          </a:ln>
+        </p:spPr>
+        <p:style>
+          <a:lnRef idx="1">
+            <a:schemeClr val="accent1"/>
+          </a:lnRef>
+          <a:fillRef idx="0">
+            <a:schemeClr val="accent1"/>
+          </a:fillRef>
+          <a:effectRef idx="0">
+            <a:schemeClr val="accent1"/>
+          </a:effectRef>
+          <a:fontRef idx="minor">
+            <a:schemeClr val="tx1"/>
+          </a:fontRef>
+        </p:style>
+      </p:cxnSp>
+      <p:cxnSp>
+        <p:nvCxnSpPr>
+          <p:cNvPr id="30" name="Connecteur droit 29"/>
+          <p:cNvCxnSpPr/>
+          <p:nvPr/>
+        </p:nvCxnSpPr>
+        <p:spPr>
+          <a:xfrm flipV="1">
+            <a:off x="6240016" y="1274288"/>
+            <a:ext cx="360040" cy="1"/>
+          </a:xfrm>
+          <a:prstGeom prst="line">
+            <a:avLst/>
+          </a:prstGeom>
+          <a:ln w="19050">
+            <a:solidFill>
+              <a:srgbClr val="C00000"/>
+            </a:solidFill>
+            <a:tailEnd type="stealth" w="med" len="lg"/>
+          </a:ln>
+        </p:spPr>
+        <p:style>
+          <a:lnRef idx="1">
+            <a:schemeClr val="accent1"/>
+          </a:lnRef>
+          <a:fillRef idx="0">
+            <a:schemeClr val="accent1"/>
+          </a:fillRef>
+          <a:effectRef idx="0">
+            <a:schemeClr val="accent1"/>
+          </a:effectRef>
+          <a:fontRef idx="minor">
+            <a:schemeClr val="tx1"/>
+          </a:fontRef>
+        </p:style>
+      </p:cxnSp>
+      <p:cxnSp>
+        <p:nvCxnSpPr>
+          <p:cNvPr id="33" name="Connecteur droit 32"/>
+          <p:cNvCxnSpPr/>
+          <p:nvPr/>
+        </p:nvCxnSpPr>
+        <p:spPr>
+          <a:xfrm flipV="1">
+            <a:off x="6240016" y="1433691"/>
+            <a:ext cx="360040" cy="1"/>
+          </a:xfrm>
+          <a:prstGeom prst="line">
+            <a:avLst/>
+          </a:prstGeom>
+          <a:ln w="19050">
+            <a:solidFill>
+              <a:srgbClr val="C00000"/>
+            </a:solidFill>
+            <a:tailEnd type="stealth" w="med" len="lg"/>
+          </a:ln>
+        </p:spPr>
+        <p:style>
+          <a:lnRef idx="1">
+            <a:schemeClr val="accent1"/>
+          </a:lnRef>
+          <a:fillRef idx="0">
+            <a:schemeClr val="accent1"/>
+          </a:fillRef>
+          <a:effectRef idx="0">
+            <a:schemeClr val="accent1"/>
+          </a:effectRef>
+          <a:fontRef idx="minor">
+            <a:schemeClr val="tx1"/>
+          </a:fontRef>
+        </p:style>
+      </p:cxnSp>
+      <p:cxnSp>
+        <p:nvCxnSpPr>
+          <p:cNvPr id="34" name="Connecteur droit 33"/>
+          <p:cNvCxnSpPr/>
+          <p:nvPr/>
+        </p:nvCxnSpPr>
+        <p:spPr>
+          <a:xfrm flipV="1">
+            <a:off x="6240016" y="1593094"/>
+            <a:ext cx="360040" cy="1"/>
+          </a:xfrm>
+          <a:prstGeom prst="line">
+            <a:avLst/>
+          </a:prstGeom>
+          <a:ln w="19050">
+            <a:solidFill>
+              <a:srgbClr val="C00000"/>
+            </a:solidFill>
+            <a:tailEnd type="stealth" w="med" len="lg"/>
+          </a:ln>
+        </p:spPr>
+        <p:style>
+          <a:lnRef idx="1">
+            <a:schemeClr val="accent1"/>
+          </a:lnRef>
+          <a:fillRef idx="0">
+            <a:schemeClr val="accent1"/>
+          </a:fillRef>
+          <a:effectRef idx="0">
+            <a:schemeClr val="accent1"/>
+          </a:effectRef>
+          <a:fontRef idx="minor">
+            <a:schemeClr val="tx1"/>
+          </a:fontRef>
+        </p:style>
+      </p:cxnSp>
+      <p:cxnSp>
+        <p:nvCxnSpPr>
+          <p:cNvPr id="35" name="Connecteur droit 34"/>
+          <p:cNvCxnSpPr/>
+          <p:nvPr/>
+        </p:nvCxnSpPr>
+        <p:spPr>
+          <a:xfrm flipV="1">
+            <a:off x="6240016" y="1752497"/>
+            <a:ext cx="360040" cy="1"/>
+          </a:xfrm>
+          <a:prstGeom prst="line">
+            <a:avLst/>
+          </a:prstGeom>
+          <a:ln w="19050">
+            <a:solidFill>
+              <a:srgbClr val="C00000"/>
+            </a:solidFill>
+            <a:tailEnd type="stealth" w="med" len="lg"/>
+          </a:ln>
+        </p:spPr>
+        <p:style>
+          <a:lnRef idx="1">
+            <a:schemeClr val="accent1"/>
+          </a:lnRef>
+          <a:fillRef idx="0">
+            <a:schemeClr val="accent1"/>
+          </a:fillRef>
+          <a:effectRef idx="0">
+            <a:schemeClr val="accent1"/>
+          </a:effectRef>
+          <a:fontRef idx="minor">
+            <a:schemeClr val="tx1"/>
+          </a:fontRef>
+        </p:style>
+      </p:cxnSp>
+      <p:cxnSp>
+        <p:nvCxnSpPr>
+          <p:cNvPr id="36" name="Connecteur droit 35"/>
+          <p:cNvCxnSpPr/>
+          <p:nvPr/>
+        </p:nvCxnSpPr>
+        <p:spPr>
+          <a:xfrm flipV="1">
+            <a:off x="6240016" y="1911900"/>
+            <a:ext cx="360040" cy="1"/>
+          </a:xfrm>
+          <a:prstGeom prst="line">
+            <a:avLst/>
+          </a:prstGeom>
+          <a:ln w="19050">
+            <a:solidFill>
+              <a:srgbClr val="C00000"/>
+            </a:solidFill>
+            <a:tailEnd type="stealth" w="med" len="lg"/>
+          </a:ln>
+        </p:spPr>
+        <p:style>
+          <a:lnRef idx="1">
+            <a:schemeClr val="accent1"/>
+          </a:lnRef>
+          <a:fillRef idx="0">
+            <a:schemeClr val="accent1"/>
+          </a:fillRef>
+          <a:effectRef idx="0">
+            <a:schemeClr val="accent1"/>
+          </a:effectRef>
+          <a:fontRef idx="minor">
+            <a:schemeClr val="tx1"/>
+          </a:fontRef>
+        </p:style>
+      </p:cxnSp>
+      <p:cxnSp>
+        <p:nvCxnSpPr>
+          <p:cNvPr id="37" name="Connecteur droit 36"/>
+          <p:cNvCxnSpPr/>
+          <p:nvPr/>
+        </p:nvCxnSpPr>
+        <p:spPr>
+          <a:xfrm flipV="1">
+            <a:off x="6240016" y="2071303"/>
+            <a:ext cx="360040" cy="1"/>
+          </a:xfrm>
+          <a:prstGeom prst="line">
+            <a:avLst/>
+          </a:prstGeom>
+          <a:ln w="19050">
+            <a:solidFill>
+              <a:srgbClr val="C00000"/>
+            </a:solidFill>
+            <a:tailEnd type="stealth" w="med" len="lg"/>
+          </a:ln>
+        </p:spPr>
+        <p:style>
+          <a:lnRef idx="1">
+            <a:schemeClr val="accent1"/>
+          </a:lnRef>
+          <a:fillRef idx="0">
+            <a:schemeClr val="accent1"/>
+          </a:fillRef>
+          <a:effectRef idx="0">
+            <a:schemeClr val="accent1"/>
+          </a:effectRef>
+          <a:fontRef idx="minor">
+            <a:schemeClr val="tx1"/>
+          </a:fontRef>
+        </p:style>
+      </p:cxnSp>
+      <p:cxnSp>
+        <p:nvCxnSpPr>
+          <p:cNvPr id="38" name="Connecteur droit 37"/>
+          <p:cNvCxnSpPr/>
+          <p:nvPr/>
+        </p:nvCxnSpPr>
+        <p:spPr>
+          <a:xfrm flipV="1">
+            <a:off x="6240016" y="2230706"/>
+            <a:ext cx="360040" cy="1"/>
+          </a:xfrm>
+          <a:prstGeom prst="line">
+            <a:avLst/>
+          </a:prstGeom>
+          <a:ln w="19050">
+            <a:solidFill>
+              <a:srgbClr val="C00000"/>
+            </a:solidFill>
+            <a:tailEnd type="stealth" w="med" len="lg"/>
+          </a:ln>
+        </p:spPr>
+        <p:style>
+          <a:lnRef idx="1">
+            <a:schemeClr val="accent1"/>
+          </a:lnRef>
+          <a:fillRef idx="0">
+            <a:schemeClr val="accent1"/>
+          </a:fillRef>
+          <a:effectRef idx="0">
+            <a:schemeClr val="accent1"/>
+          </a:effectRef>
+          <a:fontRef idx="minor">
+            <a:schemeClr val="tx1"/>
+          </a:fontRef>
+        </p:style>
+      </p:cxnSp>
+      <p:cxnSp>
+        <p:nvCxnSpPr>
+          <p:cNvPr id="39" name="Connecteur droit 38"/>
+          <p:cNvCxnSpPr/>
+          <p:nvPr/>
+        </p:nvCxnSpPr>
+        <p:spPr>
+          <a:xfrm flipV="1">
+            <a:off x="6240016" y="2390109"/>
+            <a:ext cx="360040" cy="1"/>
+          </a:xfrm>
+          <a:prstGeom prst="line">
+            <a:avLst/>
+          </a:prstGeom>
+          <a:ln w="19050">
+            <a:solidFill>
+              <a:srgbClr val="C00000"/>
+            </a:solidFill>
+            <a:tailEnd type="stealth" w="med" len="lg"/>
+          </a:ln>
+        </p:spPr>
+        <p:style>
+          <a:lnRef idx="1">
+            <a:schemeClr val="accent1"/>
+          </a:lnRef>
+          <a:fillRef idx="0">
+            <a:schemeClr val="accent1"/>
+          </a:fillRef>
+          <a:effectRef idx="0">
+            <a:schemeClr val="accent1"/>
+          </a:effectRef>
+          <a:fontRef idx="minor">
+            <a:schemeClr val="tx1"/>
+          </a:fontRef>
+        </p:style>
+      </p:cxnSp>
+      <p:cxnSp>
+        <p:nvCxnSpPr>
+          <p:cNvPr id="40" name="Connecteur droit 39"/>
+          <p:cNvCxnSpPr/>
+          <p:nvPr/>
+        </p:nvCxnSpPr>
+        <p:spPr>
+          <a:xfrm flipV="1">
+            <a:off x="6240016" y="2549512"/>
+            <a:ext cx="360040" cy="1"/>
+          </a:xfrm>
+          <a:prstGeom prst="line">
+            <a:avLst/>
+          </a:prstGeom>
+          <a:ln w="19050">
+            <a:solidFill>
+              <a:srgbClr val="C00000"/>
+            </a:solidFill>
+            <a:tailEnd type="stealth" w="med" len="lg"/>
+          </a:ln>
+        </p:spPr>
+        <p:style>
+          <a:lnRef idx="1">
+            <a:schemeClr val="accent1"/>
+          </a:lnRef>
+          <a:fillRef idx="0">
+            <a:schemeClr val="accent1"/>
+          </a:fillRef>
+          <a:effectRef idx="0">
+            <a:schemeClr val="accent1"/>
+          </a:effectRef>
+          <a:fontRef idx="minor">
+            <a:schemeClr val="tx1"/>
+          </a:fontRef>
+        </p:style>
+      </p:cxnSp>
+      <p:cxnSp>
+        <p:nvCxnSpPr>
+          <p:cNvPr id="41" name="Connecteur droit 40"/>
+          <p:cNvCxnSpPr/>
+          <p:nvPr/>
+        </p:nvCxnSpPr>
+        <p:spPr>
+          <a:xfrm flipV="1">
+            <a:off x="6240016" y="2708919"/>
+            <a:ext cx="360040" cy="1"/>
+          </a:xfrm>
+          <a:prstGeom prst="line">
+            <a:avLst/>
+          </a:prstGeom>
+          <a:ln w="19050">
+            <a:solidFill>
+              <a:srgbClr val="C00000"/>
+            </a:solidFill>
+            <a:tailEnd type="stealth" w="med" len="lg"/>
+          </a:ln>
+        </p:spPr>
+        <p:style>
+          <a:lnRef idx="1">
+            <a:schemeClr val="accent1"/>
+          </a:lnRef>
+          <a:fillRef idx="0">
+            <a:schemeClr val="accent1"/>
+          </a:fillRef>
+          <a:effectRef idx="0">
+            <a:schemeClr val="accent1"/>
+          </a:effectRef>
+          <a:fontRef idx="minor">
+            <a:schemeClr val="tx1"/>
+          </a:fontRef>
+        </p:style>
+      </p:cxnSp>
+      <mc:AlternateContent xmlns:mc="http://schemas.openxmlformats.org/markup-compatibility/2006">
+        <mc:Choice xmlns:a14="http://schemas.microsoft.com/office/drawing/2010/main" Requires="a14">
+          <p:sp>
+            <p:nvSpPr>
+              <p:cNvPr id="42" name="ZoneTexte 41"/>
+              <p:cNvSpPr txBox="1"/>
+              <p:nvPr/>
+            </p:nvSpPr>
+            <p:spPr>
+              <a:xfrm>
+                <a:off x="6016953" y="1834628"/>
+                <a:ext cx="128817" cy="184666"/>
+              </a:xfrm>
+              <a:prstGeom prst="rect">
+                <a:avLst/>
+              </a:prstGeom>
+              <a:noFill/>
+            </p:spPr>
+            <p:txBody>
+              <a:bodyPr wrap="none" lIns="0" tIns="0" rIns="0" bIns="0" rtlCol="0">
+                <a:spAutoFit/>
+              </a:bodyPr>
+              <a:lstStyle/>
+              <a:p>
+                <a:pPr/>
+                <a14:m>
+                  <m:oMathPara xmlns:m="http://schemas.openxmlformats.org/officeDocument/2006/math">
+                    <m:oMathParaPr>
+                      <m:jc m:val="centerGroup"/>
+                    </m:oMathParaPr>
+                    <m:oMath xmlns:m="http://schemas.openxmlformats.org/officeDocument/2006/math">
+                      <m:r>
+                        <a:rPr lang="fr-FR" sz="1200" b="0" i="1" smtClean="0">
+                          <a:latin typeface="Cambria Math" panose="02040503050406030204" pitchFamily="18" charset="0"/>
+                        </a:rPr>
+                        <m:t>𝜎</m:t>
+                      </m:r>
+                    </m:oMath>
+                  </m:oMathPara>
+                </a14:m>
+                <a:endParaRPr lang="fr-FR" sz="1200" dirty="0"/>
+              </a:p>
+            </p:txBody>
+          </p:sp>
+        </mc:Choice>
+        <mc:Fallback>
+          <p:sp>
+            <p:nvSpPr>
+              <p:cNvPr id="42" name="ZoneTexte 41"/>
+              <p:cNvSpPr txBox="1">
+                <a:spLocks noRot="1" noChangeAspect="1" noMove="1" noResize="1" noEditPoints="1" noAdjustHandles="1" noChangeArrowheads="1" noChangeShapeType="1" noTextEdit="1"/>
+              </p:cNvSpPr>
+              <p:nvPr/>
+            </p:nvSpPr>
+            <p:spPr>
+              <a:xfrm>
+                <a:off x="6016953" y="1834628"/>
+                <a:ext cx="128817" cy="184666"/>
+              </a:xfrm>
+              <a:prstGeom prst="rect">
+                <a:avLst/>
+              </a:prstGeom>
+              <a:blipFill>
+                <a:blip r:embed="rId8"/>
+                <a:stretch>
+                  <a:fillRect l="-14286" r="-19048"/>
+                </a:stretch>
+              </a:blipFill>
+            </p:spPr>
+            <p:txBody>
+              <a:bodyPr/>
+              <a:lstStyle/>
+              <a:p>
+                <a:r>
+                  <a:rPr lang="fr-FR">
+                    <a:noFill/>
+                  </a:rPr>
+                  <a:t> </a:t>
+                </a:r>
+              </a:p>
+            </p:txBody>
+          </p:sp>
+        </mc:Fallback>
+      </mc:AlternateContent>
+    </p:spTree>
+    <p:extLst>
+      <p:ext uri="{BB962C8B-B14F-4D97-AF65-F5344CB8AC3E}">
+        <p14:creationId xmlns:p14="http://schemas.microsoft.com/office/powerpoint/2010/main" val="2806653837"/>
+      </p:ext>
+    </p:extLst>
+  </p:cSld>
+  <p:clrMapOvr>
+    <a:masterClrMapping/>
+  </p:clrMapOvr>
+</p:sld>
+</file>
+
+<file path=ppt/slides/slide3.xml><?xml version="1.0" encoding="utf-8"?>
+<p:sld xmlns:a="http://schemas.openxmlformats.org/drawingml/2006/main" xmlns:r="http://schemas.openxmlformats.org/officeDocument/2006/relationships" xmlns:p="http://schemas.openxmlformats.org/presentationml/2006/main">
+  <p:cSld>
+    <p:spTree>
+      <p:nvGrpSpPr>
+        <p:cNvPr id="1" name=""/>
+        <p:cNvGrpSpPr/>
+        <p:nvPr/>
+      </p:nvGrpSpPr>
+      <p:grpSpPr>
+        <a:xfrm>
+          <a:off x="0" y="0"/>
+          <a:ext cx="0" cy="0"/>
+          <a:chOff x="0" y="0"/>
+          <a:chExt cx="0" cy="0"/>
+        </a:xfrm>
+      </p:grpSpPr>
       <p:cxnSp>
         <p:nvCxnSpPr>
           <p:cNvPr id="94" name="Connecteur droit 93"/>
@@ -6450,7 +7727,7 @@
 </p:sld>
 </file>
 
-<file path=ppt/slides/slide3.xml><?xml version="1.0" encoding="utf-8"?>
+<file path=ppt/slides/slide4.xml><?xml version="1.0" encoding="utf-8"?>
 <p:sld xmlns:a="http://schemas.openxmlformats.org/drawingml/2006/main" xmlns:r="http://schemas.openxmlformats.org/officeDocument/2006/relationships" xmlns:p="http://schemas.openxmlformats.org/presentationml/2006/main">
   <p:cSld>
     <p:spTree>
@@ -7415,7 +8692,7 @@
 </p:sld>
 </file>
 
-<file path=ppt/slides/slide4.xml><?xml version="1.0" encoding="utf-8"?>
+<file path=ppt/slides/slide5.xml><?xml version="1.0" encoding="utf-8"?>
 <p:sld xmlns:a="http://schemas.openxmlformats.org/drawingml/2006/main" xmlns:r="http://schemas.openxmlformats.org/officeDocument/2006/relationships" xmlns:p="http://schemas.openxmlformats.org/presentationml/2006/main">
   <p:cSld>
     <p:spTree>
@@ -8558,7 +9835,7 @@
 </p:sld>
 </file>
 
-<file path=ppt/slides/slide5.xml><?xml version="1.0" encoding="utf-8"?>
+<file path=ppt/slides/slide6.xml><?xml version="1.0" encoding="utf-8"?>
 <p:sld xmlns:a="http://schemas.openxmlformats.org/drawingml/2006/main" xmlns:r="http://schemas.openxmlformats.org/officeDocument/2006/relationships" xmlns:p="http://schemas.openxmlformats.org/presentationml/2006/main">
   <p:cSld>
     <p:spTree>
@@ -10753,7 +12030,7 @@
 </p:sld>
 </file>
 
-<file path=ppt/slides/slide6.xml><?xml version="1.0" encoding="utf-8"?>
+<file path=ppt/slides/slide7.xml><?xml version="1.0" encoding="utf-8"?>
 <p:sld xmlns:a="http://schemas.openxmlformats.org/drawingml/2006/main" xmlns:r="http://schemas.openxmlformats.org/officeDocument/2006/relationships" xmlns:p="http://schemas.openxmlformats.org/presentationml/2006/main">
   <p:cSld>
     <p:spTree>

--- a/02_TractionCompression/Fiche/images/Figures.pptx
+++ b/02_TractionCompression/Fiche/images/Figures.pptx
@@ -6,12 +6,13 @@
   </p:sldMasterIdLst>
   <p:sldIdLst>
     <p:sldId id="261" r:id="rId2"/>
-    <p:sldId id="262" r:id="rId3"/>
-    <p:sldId id="256" r:id="rId4"/>
-    <p:sldId id="259" r:id="rId5"/>
-    <p:sldId id="260" r:id="rId6"/>
-    <p:sldId id="257" r:id="rId7"/>
-    <p:sldId id="258" r:id="rId8"/>
+    <p:sldId id="263" r:id="rId3"/>
+    <p:sldId id="262" r:id="rId4"/>
+    <p:sldId id="256" r:id="rId5"/>
+    <p:sldId id="259" r:id="rId6"/>
+    <p:sldId id="260" r:id="rId7"/>
+    <p:sldId id="257" r:id="rId8"/>
+    <p:sldId id="258" r:id="rId9"/>
   </p:sldIdLst>
   <p:sldSz cx="12192000" cy="6858000"/>
   <p:notesSz cx="6858000" cy="9144000"/>
@@ -3602,8 +3603,8 @@
           </mc:Fallback>
         </mc:AlternateContent>
       </p:grpSp>
-      <mc:AlternateContent xmlns:mc="http://schemas.openxmlformats.org/markup-compatibility/2006">
-        <mc:Choice xmlns:a14="http://schemas.microsoft.com/office/drawing/2010/main" Requires="a14">
+      <mc:AlternateContent xmlns:mc="http://schemas.openxmlformats.org/markup-compatibility/2006" xmlns:a14="http://schemas.microsoft.com/office/drawing/2010/main">
+        <mc:Choice Requires="a14">
           <p:sp>
             <p:nvSpPr>
               <p:cNvPr id="15" name="ZoneTexte 14"/>
@@ -3665,7 +3666,7 @@
             </p:txBody>
           </p:sp>
         </mc:Choice>
-        <mc:Fallback>
+        <mc:Fallback xmlns="">
           <p:sp>
             <p:nvSpPr>
               <p:cNvPr id="15" name="ZoneTexte 14"/>
@@ -3806,8 +3807,8 @@
           </a:p>
         </p:txBody>
       </p:sp>
-      <mc:AlternateContent xmlns:mc="http://schemas.openxmlformats.org/markup-compatibility/2006">
-        <mc:Choice xmlns:a14="http://schemas.microsoft.com/office/drawing/2010/main" Requires="a14">
+      <mc:AlternateContent xmlns:mc="http://schemas.openxmlformats.org/markup-compatibility/2006" xmlns:a14="http://schemas.microsoft.com/office/drawing/2010/main">
+        <mc:Choice Requires="a14">
           <p:sp>
             <p:nvSpPr>
               <p:cNvPr id="18" name="ZoneTexte 17"/>
@@ -3863,7 +3864,7 @@
             </p:txBody>
           </p:sp>
         </mc:Choice>
-        <mc:Fallback>
+        <mc:Fallback xmlns="">
           <p:sp>
             <p:nvSpPr>
               <p:cNvPr id="18" name="ZoneTexte 17"/>
@@ -3916,6 +3917,2557 @@
 </file>
 
 <file path=ppt/slides/slide2.xml><?xml version="1.0" encoding="utf-8"?>
+<p:sld xmlns:a="http://schemas.openxmlformats.org/drawingml/2006/main" xmlns:r="http://schemas.openxmlformats.org/officeDocument/2006/relationships" xmlns:p="http://schemas.openxmlformats.org/presentationml/2006/main">
+  <p:cSld>
+    <p:spTree>
+      <p:nvGrpSpPr>
+        <p:cNvPr id="1" name=""/>
+        <p:cNvGrpSpPr/>
+        <p:nvPr/>
+      </p:nvGrpSpPr>
+      <p:grpSpPr>
+        <a:xfrm>
+          <a:off x="0" y="0"/>
+          <a:ext cx="0" cy="0"/>
+          <a:chOff x="0" y="0"/>
+          <a:chExt cx="0" cy="0"/>
+        </a:xfrm>
+      </p:grpSpPr>
+      <p:sp>
+        <p:nvSpPr>
+          <p:cNvPr id="25" name="Rectangle 24"/>
+          <p:cNvSpPr/>
+          <p:nvPr/>
+        </p:nvSpPr>
+        <p:spPr>
+          <a:xfrm>
+            <a:off x="6096000" y="1983109"/>
+            <a:ext cx="1152128" cy="1445891"/>
+          </a:xfrm>
+          <a:prstGeom prst="rect">
+            <a:avLst/>
+          </a:prstGeom>
+          <a:solidFill>
+            <a:schemeClr val="accent2">
+              <a:lumMod val="40000"/>
+              <a:lumOff val="60000"/>
+            </a:schemeClr>
+          </a:solidFill>
+          <a:ln>
+            <a:noFill/>
+          </a:ln>
+        </p:spPr>
+        <p:style>
+          <a:lnRef idx="2">
+            <a:schemeClr val="accent1">
+              <a:shade val="50000"/>
+            </a:schemeClr>
+          </a:lnRef>
+          <a:fillRef idx="1">
+            <a:schemeClr val="accent1"/>
+          </a:fillRef>
+          <a:effectRef idx="0">
+            <a:schemeClr val="accent1"/>
+          </a:effectRef>
+          <a:fontRef idx="minor">
+            <a:schemeClr val="lt1"/>
+          </a:fontRef>
+        </p:style>
+        <p:txBody>
+          <a:bodyPr rtlCol="0" anchor="ctr"/>
+          <a:lstStyle/>
+          <a:p>
+            <a:pPr algn="ctr"/>
+            <a:endParaRPr lang="fr-FR"/>
+          </a:p>
+        </p:txBody>
+      </p:sp>
+      <p:sp>
+        <p:nvSpPr>
+          <p:cNvPr id="18" name="Forme libre 17"/>
+          <p:cNvSpPr/>
+          <p:nvPr/>
+        </p:nvSpPr>
+        <p:spPr>
+          <a:xfrm>
+            <a:off x="6093280" y="1465036"/>
+            <a:ext cx="2153133" cy="543894"/>
+          </a:xfrm>
+          <a:custGeom>
+            <a:avLst/>
+            <a:gdLst>
+              <a:gd name="connsiteX0" fmla="*/ 10048 w 10048"/>
+              <a:gd name="connsiteY0" fmla="*/ 0 h 1446963"/>
+              <a:gd name="connsiteX1" fmla="*/ 0 w 10048"/>
+              <a:gd name="connsiteY1" fmla="*/ 1446963 h 1446963"/>
+              <a:gd name="connsiteX2" fmla="*/ 0 w 10048"/>
+              <a:gd name="connsiteY2" fmla="*/ 1446963 h 1446963"/>
+              <a:gd name="connsiteX0" fmla="*/ 10079 w 10079"/>
+              <a:gd name="connsiteY0" fmla="*/ 0 h 1562288"/>
+              <a:gd name="connsiteX1" fmla="*/ 31 w 10079"/>
+              <a:gd name="connsiteY1" fmla="*/ 1446963 h 1562288"/>
+              <a:gd name="connsiteX2" fmla="*/ 7183 w 10079"/>
+              <a:gd name="connsiteY2" fmla="*/ 1477108 h 1562288"/>
+              <a:gd name="connsiteX0" fmla="*/ 2896 w 2896"/>
+              <a:gd name="connsiteY0" fmla="*/ 0 h 1477108"/>
+              <a:gd name="connsiteX1" fmla="*/ 0 w 2896"/>
+              <a:gd name="connsiteY1" fmla="*/ 1477108 h 1477108"/>
+              <a:gd name="connsiteX0" fmla="*/ 20033 w 20033"/>
+              <a:gd name="connsiteY0" fmla="*/ 0 h 9660"/>
+              <a:gd name="connsiteX1" fmla="*/ 0 w 20033"/>
+              <a:gd name="connsiteY1" fmla="*/ 9660 h 9660"/>
+              <a:gd name="connsiteX0" fmla="*/ 15463 w 15463"/>
+              <a:gd name="connsiteY0" fmla="*/ 0 h 10000"/>
+              <a:gd name="connsiteX1" fmla="*/ 5463 w 15463"/>
+              <a:gd name="connsiteY1" fmla="*/ 10000 h 10000"/>
+              <a:gd name="connsiteX0" fmla="*/ 14809 w 14809"/>
+              <a:gd name="connsiteY0" fmla="*/ 0 h 10141"/>
+              <a:gd name="connsiteX1" fmla="*/ 5580 w 14809"/>
+              <a:gd name="connsiteY1" fmla="*/ 10141 h 10141"/>
+              <a:gd name="connsiteX0" fmla="*/ 790 w 13521"/>
+              <a:gd name="connsiteY0" fmla="*/ 0 h 10211"/>
+              <a:gd name="connsiteX1" fmla="*/ 13521 w 13521"/>
+              <a:gd name="connsiteY1" fmla="*/ 10211 h 10211"/>
+              <a:gd name="connsiteX0" fmla="*/ 0 w 12731"/>
+              <a:gd name="connsiteY0" fmla="*/ 0 h 10211"/>
+              <a:gd name="connsiteX1" fmla="*/ 12731 w 12731"/>
+              <a:gd name="connsiteY1" fmla="*/ 10211 h 10211"/>
+              <a:gd name="connsiteX0" fmla="*/ 2823 w 8390"/>
+              <a:gd name="connsiteY0" fmla="*/ 0 h 10281"/>
+              <a:gd name="connsiteX1" fmla="*/ 4767 w 8390"/>
+              <a:gd name="connsiteY1" fmla="*/ 10281 h 10281"/>
+              <a:gd name="connsiteX0" fmla="*/ 13899 w 16216"/>
+              <a:gd name="connsiteY0" fmla="*/ 0 h 10000"/>
+              <a:gd name="connsiteX1" fmla="*/ 16216 w 16216"/>
+              <a:gd name="connsiteY1" fmla="*/ 10000 h 10000"/>
+              <a:gd name="connsiteX0" fmla="*/ 14318 w 15717"/>
+              <a:gd name="connsiteY0" fmla="*/ 0 h 9829"/>
+              <a:gd name="connsiteX1" fmla="*/ 15717 w 15717"/>
+              <a:gd name="connsiteY1" fmla="*/ 9829 h 9829"/>
+              <a:gd name="connsiteX0" fmla="*/ 2087 w 8907"/>
+              <a:gd name="connsiteY0" fmla="*/ 0 h 10000"/>
+              <a:gd name="connsiteX1" fmla="*/ 2977 w 8907"/>
+              <a:gd name="connsiteY1" fmla="*/ 10000 h 10000"/>
+              <a:gd name="connsiteX0" fmla="*/ 88781 w 91496"/>
+              <a:gd name="connsiteY0" fmla="*/ 0 h 5569"/>
+              <a:gd name="connsiteX1" fmla="*/ 1086 w 91496"/>
+              <a:gd name="connsiteY1" fmla="*/ 5569 h 5569"/>
+              <a:gd name="connsiteX0" fmla="*/ 21766 w 21930"/>
+              <a:gd name="connsiteY0" fmla="*/ 0 h 3896"/>
+              <a:gd name="connsiteX1" fmla="*/ 65 w 21930"/>
+              <a:gd name="connsiteY1" fmla="*/ 3896 h 3896"/>
+              <a:gd name="connsiteX0" fmla="*/ 9895 w 9989"/>
+              <a:gd name="connsiteY0" fmla="*/ 0 h 11314"/>
+              <a:gd name="connsiteX1" fmla="*/ 0 w 9989"/>
+              <a:gd name="connsiteY1" fmla="*/ 10000 h 11314"/>
+              <a:gd name="connsiteX0" fmla="*/ 9906 w 10003"/>
+              <a:gd name="connsiteY0" fmla="*/ 0 h 8986"/>
+              <a:gd name="connsiteX1" fmla="*/ 0 w 10003"/>
+              <a:gd name="connsiteY1" fmla="*/ 8839 h 8986"/>
+              <a:gd name="connsiteX0" fmla="*/ 9875 w 9972"/>
+              <a:gd name="connsiteY0" fmla="*/ 0 h 1826"/>
+              <a:gd name="connsiteX1" fmla="*/ 0 w 9972"/>
+              <a:gd name="connsiteY1" fmla="*/ 1305 h 1826"/>
+              <a:gd name="connsiteX0" fmla="*/ 9505 w 9607"/>
+              <a:gd name="connsiteY0" fmla="*/ 0 h 65191"/>
+              <a:gd name="connsiteX1" fmla="*/ 0 w 9607"/>
+              <a:gd name="connsiteY1" fmla="*/ 64415 h 65191"/>
+              <a:gd name="connsiteX0" fmla="*/ 9894 w 9894"/>
+              <a:gd name="connsiteY0" fmla="*/ 0 h 10001"/>
+              <a:gd name="connsiteX1" fmla="*/ 5458 w 9894"/>
+              <a:gd name="connsiteY1" fmla="*/ 6607 h 10001"/>
+              <a:gd name="connsiteX2" fmla="*/ 0 w 9894"/>
+              <a:gd name="connsiteY2" fmla="*/ 9881 h 10001"/>
+              <a:gd name="connsiteX0" fmla="*/ 10000 w 10000"/>
+              <a:gd name="connsiteY0" fmla="*/ 6551 h 16490"/>
+              <a:gd name="connsiteX1" fmla="*/ 4918 w 10000"/>
+              <a:gd name="connsiteY1" fmla="*/ 1137 h 16490"/>
+              <a:gd name="connsiteX2" fmla="*/ 0 w 10000"/>
+              <a:gd name="connsiteY2" fmla="*/ 16431 h 16490"/>
+              <a:gd name="connsiteX0" fmla="*/ 10000 w 10000"/>
+              <a:gd name="connsiteY0" fmla="*/ 5539 h 15493"/>
+              <a:gd name="connsiteX1" fmla="*/ 4918 w 10000"/>
+              <a:gd name="connsiteY1" fmla="*/ 125 h 15493"/>
+              <a:gd name="connsiteX2" fmla="*/ 0 w 10000"/>
+              <a:gd name="connsiteY2" fmla="*/ 15419 h 15493"/>
+              <a:gd name="connsiteX0" fmla="*/ 10000 w 10000"/>
+              <a:gd name="connsiteY0" fmla="*/ 5547 h 15513"/>
+              <a:gd name="connsiteX1" fmla="*/ 4918 w 10000"/>
+              <a:gd name="connsiteY1" fmla="*/ 133 h 15513"/>
+              <a:gd name="connsiteX2" fmla="*/ 0 w 10000"/>
+              <a:gd name="connsiteY2" fmla="*/ 15427 h 15513"/>
+              <a:gd name="connsiteX0" fmla="*/ 9970 w 9970"/>
+              <a:gd name="connsiteY0" fmla="*/ 8756 h 15486"/>
+              <a:gd name="connsiteX1" fmla="*/ 4918 w 9970"/>
+              <a:gd name="connsiteY1" fmla="*/ 106 h 15486"/>
+              <a:gd name="connsiteX2" fmla="*/ 0 w 9970"/>
+              <a:gd name="connsiteY2" fmla="*/ 15400 h 15486"/>
+              <a:gd name="connsiteX0" fmla="*/ 10000 w 10000"/>
+              <a:gd name="connsiteY0" fmla="*/ 5636 h 9982"/>
+              <a:gd name="connsiteX1" fmla="*/ 4933 w 10000"/>
+              <a:gd name="connsiteY1" fmla="*/ 50 h 9982"/>
+              <a:gd name="connsiteX2" fmla="*/ 0 w 10000"/>
+              <a:gd name="connsiteY2" fmla="*/ 9926 h 9982"/>
+              <a:gd name="connsiteX0" fmla="*/ 10000 w 10000"/>
+              <a:gd name="connsiteY0" fmla="*/ 6670 h 9976"/>
+              <a:gd name="connsiteX1" fmla="*/ 4933 w 10000"/>
+              <a:gd name="connsiteY1" fmla="*/ 27 h 9976"/>
+              <a:gd name="connsiteX2" fmla="*/ 0 w 10000"/>
+              <a:gd name="connsiteY2" fmla="*/ 9921 h 9976"/>
+              <a:gd name="connsiteX0" fmla="*/ 10000 w 10000"/>
+              <a:gd name="connsiteY0" fmla="*/ 6717 h 10031"/>
+              <a:gd name="connsiteX1" fmla="*/ 4933 w 10000"/>
+              <a:gd name="connsiteY1" fmla="*/ 58 h 10031"/>
+              <a:gd name="connsiteX2" fmla="*/ 0 w 10000"/>
+              <a:gd name="connsiteY2" fmla="*/ 9976 h 10031"/>
+              <a:gd name="connsiteX0" fmla="*/ 8980 w 8980"/>
+              <a:gd name="connsiteY0" fmla="*/ 8615 h 9978"/>
+              <a:gd name="connsiteX1" fmla="*/ 4933 w 8980"/>
+              <a:gd name="connsiteY1" fmla="*/ 7 h 9978"/>
+              <a:gd name="connsiteX2" fmla="*/ 0 w 8980"/>
+              <a:gd name="connsiteY2" fmla="*/ 9925 h 9978"/>
+              <a:gd name="connsiteX0" fmla="*/ 10000 w 10000"/>
+              <a:gd name="connsiteY0" fmla="*/ 8637 h 10004"/>
+              <a:gd name="connsiteX1" fmla="*/ 5493 w 10000"/>
+              <a:gd name="connsiteY1" fmla="*/ 10 h 10004"/>
+              <a:gd name="connsiteX2" fmla="*/ 0 w 10000"/>
+              <a:gd name="connsiteY2" fmla="*/ 9950 h 10004"/>
+              <a:gd name="connsiteX0" fmla="*/ 10000 w 10000"/>
+              <a:gd name="connsiteY0" fmla="*/ 4876 h 6271"/>
+              <a:gd name="connsiteX1" fmla="*/ 3989 w 10000"/>
+              <a:gd name="connsiteY1" fmla="*/ 155 h 6271"/>
+              <a:gd name="connsiteX2" fmla="*/ 0 w 10000"/>
+              <a:gd name="connsiteY2" fmla="*/ 6189 h 6271"/>
+              <a:gd name="connsiteX0" fmla="*/ 8262 w 8262"/>
+              <a:gd name="connsiteY0" fmla="*/ 10644 h 10644"/>
+              <a:gd name="connsiteX1" fmla="*/ 3989 w 8262"/>
+              <a:gd name="connsiteY1" fmla="*/ 2 h 10644"/>
+              <a:gd name="connsiteX2" fmla="*/ 0 w 8262"/>
+              <a:gd name="connsiteY2" fmla="*/ 9624 h 10644"/>
+              <a:gd name="connsiteX0" fmla="*/ 10000 w 10000"/>
+              <a:gd name="connsiteY0" fmla="*/ 14050 h 14050"/>
+              <a:gd name="connsiteX1" fmla="*/ 5192 w 10000"/>
+              <a:gd name="connsiteY1" fmla="*/ 1 h 14050"/>
+              <a:gd name="connsiteX2" fmla="*/ 0 w 10000"/>
+              <a:gd name="connsiteY2" fmla="*/ 13092 h 14050"/>
+              <a:gd name="connsiteX0" fmla="*/ 10000 w 10000"/>
+              <a:gd name="connsiteY0" fmla="*/ 14050 h 14050"/>
+              <a:gd name="connsiteX1" fmla="*/ 5192 w 10000"/>
+              <a:gd name="connsiteY1" fmla="*/ 1 h 14050"/>
+              <a:gd name="connsiteX2" fmla="*/ 0 w 10000"/>
+              <a:gd name="connsiteY2" fmla="*/ 13092 h 14050"/>
+              <a:gd name="connsiteX0" fmla="*/ 10000 w 10000"/>
+              <a:gd name="connsiteY0" fmla="*/ 14056 h 14056"/>
+              <a:gd name="connsiteX1" fmla="*/ 5192 w 10000"/>
+              <a:gd name="connsiteY1" fmla="*/ 7 h 14056"/>
+              <a:gd name="connsiteX2" fmla="*/ 0 w 10000"/>
+              <a:gd name="connsiteY2" fmla="*/ 13098 h 14056"/>
+              <a:gd name="connsiteX0" fmla="*/ 10000 w 10000"/>
+              <a:gd name="connsiteY0" fmla="*/ 14056 h 14056"/>
+              <a:gd name="connsiteX1" fmla="*/ 5192 w 10000"/>
+              <a:gd name="connsiteY1" fmla="*/ 7 h 14056"/>
+              <a:gd name="connsiteX2" fmla="*/ 0 w 10000"/>
+              <a:gd name="connsiteY2" fmla="*/ 13098 h 14056"/>
+            </a:gdLst>
+            <a:ahLst/>
+            <a:cxnLst>
+              <a:cxn ang="0">
+                <a:pos x="connsiteX0" y="connsiteY0"/>
+              </a:cxn>
+              <a:cxn ang="0">
+                <a:pos x="connsiteX1" y="connsiteY1"/>
+              </a:cxn>
+              <a:cxn ang="0">
+                <a:pos x="connsiteX2" y="connsiteY2"/>
+              </a:cxn>
+            </a:cxnLst>
+            <a:rect l="l" t="t" r="r" b="b"/>
+            <a:pathLst>
+              <a:path w="10000" h="14056">
+                <a:moveTo>
+                  <a:pt x="10000" y="14056"/>
+                </a:moveTo>
+                <a:cubicBezTo>
+                  <a:pt x="9895" y="8023"/>
+                  <a:pt x="7749" y="-283"/>
+                  <a:pt x="5192" y="7"/>
+                </a:cubicBezTo>
+                <a:cubicBezTo>
+                  <a:pt x="2635" y="297"/>
+                  <a:pt x="3298" y="10620"/>
+                  <a:pt x="0" y="13098"/>
+                </a:cubicBezTo>
+              </a:path>
+            </a:pathLst>
+          </a:custGeom>
+          <a:solidFill>
+            <a:schemeClr val="accent2">
+              <a:lumMod val="40000"/>
+              <a:lumOff val="60000"/>
+            </a:schemeClr>
+          </a:solidFill>
+          <a:ln w="19050">
+            <a:solidFill>
+              <a:srgbClr val="C00000"/>
+            </a:solidFill>
+          </a:ln>
+        </p:spPr>
+        <p:style>
+          <a:lnRef idx="1">
+            <a:schemeClr val="accent1"/>
+          </a:lnRef>
+          <a:fillRef idx="0">
+            <a:schemeClr val="accent1"/>
+          </a:fillRef>
+          <a:effectRef idx="0">
+            <a:schemeClr val="accent1"/>
+          </a:effectRef>
+          <a:fontRef idx="minor">
+            <a:schemeClr val="tx1"/>
+          </a:fontRef>
+        </p:style>
+        <p:txBody>
+          <a:bodyPr rtlCol="0" anchor="ctr"/>
+          <a:lstStyle/>
+          <a:p>
+            <a:pPr algn="ctr"/>
+            <a:endParaRPr lang="fr-FR" dirty="0"/>
+          </a:p>
+        </p:txBody>
+      </p:sp>
+      <p:sp>
+        <p:nvSpPr>
+          <p:cNvPr id="22" name="Rectangle 21"/>
+          <p:cNvSpPr/>
+          <p:nvPr/>
+        </p:nvSpPr>
+        <p:spPr>
+          <a:xfrm>
+            <a:off x="7248128" y="1974076"/>
+            <a:ext cx="998284" cy="1454363"/>
+          </a:xfrm>
+          <a:prstGeom prst="rect">
+            <a:avLst/>
+          </a:prstGeom>
+          <a:solidFill>
+            <a:schemeClr val="accent2">
+              <a:lumMod val="60000"/>
+              <a:lumOff val="40000"/>
+            </a:schemeClr>
+          </a:solidFill>
+          <a:ln>
+            <a:noFill/>
+          </a:ln>
+        </p:spPr>
+        <p:style>
+          <a:lnRef idx="2">
+            <a:schemeClr val="accent1">
+              <a:shade val="50000"/>
+            </a:schemeClr>
+          </a:lnRef>
+          <a:fillRef idx="1">
+            <a:schemeClr val="accent1"/>
+          </a:fillRef>
+          <a:effectRef idx="0">
+            <a:schemeClr val="accent1"/>
+          </a:effectRef>
+          <a:fontRef idx="minor">
+            <a:schemeClr val="lt1"/>
+          </a:fontRef>
+        </p:style>
+        <p:txBody>
+          <a:bodyPr rtlCol="0" anchor="ctr"/>
+          <a:lstStyle/>
+          <a:p>
+            <a:pPr algn="ctr"/>
+            <a:endParaRPr lang="fr-FR"/>
+          </a:p>
+        </p:txBody>
+      </p:sp>
+      <p:sp>
+        <p:nvSpPr>
+          <p:cNvPr id="10" name="Triangle rectangle 9"/>
+          <p:cNvSpPr/>
+          <p:nvPr/>
+        </p:nvSpPr>
+        <p:spPr>
+          <a:xfrm flipH="1">
+            <a:off x="5361399" y="1974076"/>
+            <a:ext cx="734602" cy="1454924"/>
+          </a:xfrm>
+          <a:prstGeom prst="rtTriangle">
+            <a:avLst/>
+          </a:prstGeom>
+          <a:solidFill>
+            <a:schemeClr val="accent2">
+              <a:lumMod val="20000"/>
+              <a:lumOff val="80000"/>
+            </a:schemeClr>
+          </a:solidFill>
+          <a:ln>
+            <a:noFill/>
+          </a:ln>
+        </p:spPr>
+        <p:style>
+          <a:lnRef idx="2">
+            <a:schemeClr val="accent1">
+              <a:shade val="50000"/>
+            </a:schemeClr>
+          </a:lnRef>
+          <a:fillRef idx="1">
+            <a:schemeClr val="accent1"/>
+          </a:fillRef>
+          <a:effectRef idx="0">
+            <a:schemeClr val="accent1"/>
+          </a:effectRef>
+          <a:fontRef idx="minor">
+            <a:schemeClr val="lt1"/>
+          </a:fontRef>
+        </p:style>
+        <p:txBody>
+          <a:bodyPr rtlCol="0" anchor="ctr"/>
+          <a:lstStyle/>
+          <a:p>
+            <a:pPr algn="ctr"/>
+            <a:endParaRPr lang="fr-FR"/>
+          </a:p>
+        </p:txBody>
+      </p:sp>
+      <p:grpSp>
+        <p:nvGrpSpPr>
+          <p:cNvPr id="4" name="Groupe 3"/>
+          <p:cNvGrpSpPr/>
+          <p:nvPr/>
+        </p:nvGrpSpPr>
+        <p:grpSpPr>
+          <a:xfrm>
+            <a:off x="2855640" y="1460998"/>
+            <a:ext cx="1656184" cy="1982204"/>
+            <a:chOff x="1065699" y="-709083"/>
+            <a:chExt cx="3168348" cy="1982204"/>
+          </a:xfrm>
+        </p:grpSpPr>
+        <p:cxnSp>
+          <p:nvCxnSpPr>
+            <p:cNvPr id="5" name="Connecteur droit 4"/>
+            <p:cNvCxnSpPr/>
+            <p:nvPr/>
+          </p:nvCxnSpPr>
+          <p:spPr>
+            <a:xfrm flipV="1">
+              <a:off x="1065699" y="-692220"/>
+              <a:ext cx="0" cy="1963403"/>
+            </a:xfrm>
+            <a:prstGeom prst="line">
+              <a:avLst/>
+            </a:prstGeom>
+            <a:ln w="12700">
+              <a:solidFill>
+                <a:schemeClr val="accent5">
+                  <a:lumMod val="50000"/>
+                </a:schemeClr>
+              </a:solidFill>
+              <a:tailEnd type="stealth" w="med" len="lg"/>
+            </a:ln>
+          </p:spPr>
+          <p:style>
+            <a:lnRef idx="1">
+              <a:schemeClr val="accent1"/>
+            </a:lnRef>
+            <a:fillRef idx="0">
+              <a:schemeClr val="accent1"/>
+            </a:fillRef>
+            <a:effectRef idx="0">
+              <a:schemeClr val="accent1"/>
+            </a:effectRef>
+            <a:fontRef idx="minor">
+              <a:schemeClr val="tx1"/>
+            </a:fontRef>
+          </p:style>
+        </p:cxnSp>
+        <p:cxnSp>
+          <p:nvCxnSpPr>
+            <p:cNvPr id="6" name="Connecteur droit 5"/>
+            <p:cNvCxnSpPr/>
+            <p:nvPr/>
+          </p:nvCxnSpPr>
+          <p:spPr>
+            <a:xfrm>
+              <a:off x="1065699" y="1273121"/>
+              <a:ext cx="3168348" cy="0"/>
+            </a:xfrm>
+            <a:prstGeom prst="line">
+              <a:avLst/>
+            </a:prstGeom>
+            <a:ln w="12700">
+              <a:solidFill>
+                <a:schemeClr val="accent5">
+                  <a:lumMod val="50000"/>
+                </a:schemeClr>
+              </a:solidFill>
+              <a:tailEnd type="stealth" w="med" len="lg"/>
+            </a:ln>
+          </p:spPr>
+          <p:style>
+            <a:lnRef idx="1">
+              <a:schemeClr val="accent1"/>
+            </a:lnRef>
+            <a:fillRef idx="0">
+              <a:schemeClr val="accent1"/>
+            </a:fillRef>
+            <a:effectRef idx="0">
+              <a:schemeClr val="accent1"/>
+            </a:effectRef>
+            <a:fontRef idx="minor">
+              <a:schemeClr val="tx1"/>
+            </a:fontRef>
+          </p:style>
+        </p:cxnSp>
+        <mc:AlternateContent xmlns:mc="http://schemas.openxmlformats.org/markup-compatibility/2006">
+          <mc:Choice xmlns:a14="http://schemas.microsoft.com/office/drawing/2010/main" Requires="a14">
+            <p:sp>
+              <p:nvSpPr>
+                <p:cNvPr id="8" name="ZoneTexte 7"/>
+                <p:cNvSpPr txBox="1"/>
+                <p:nvPr/>
+              </p:nvSpPr>
+              <p:spPr>
+                <a:xfrm>
+                  <a:off x="4096215" y="995153"/>
+                  <a:ext cx="121700" cy="184666"/>
+                </a:xfrm>
+                <a:prstGeom prst="rect">
+                  <a:avLst/>
+                </a:prstGeom>
+                <a:noFill/>
+              </p:spPr>
+              <p:txBody>
+                <a:bodyPr wrap="none" lIns="0" tIns="0" rIns="0" bIns="0" rtlCol="0">
+                  <a:spAutoFit/>
+                </a:bodyPr>
+                <a:lstStyle/>
+                <a:p>
+                  <a:pPr/>
+                  <a14:m>
+                    <m:oMathPara xmlns:m="http://schemas.openxmlformats.org/officeDocument/2006/math">
+                      <m:oMathParaPr>
+                        <m:jc m:val="centerGroup"/>
+                      </m:oMathParaPr>
+                      <m:oMath xmlns:m="http://schemas.openxmlformats.org/officeDocument/2006/math">
+                        <m:r>
+                          <a:rPr lang="fr-FR" sz="1200" b="0" i="1" smtClean="0">
+                            <a:latin typeface="Cambria Math" panose="02040503050406030204" pitchFamily="18" charset="0"/>
+                          </a:rPr>
+                          <m:t>𝐿</m:t>
+                        </m:r>
+                      </m:oMath>
+                    </m:oMathPara>
+                  </a14:m>
+                  <a:endParaRPr lang="fr-FR" sz="1200" dirty="0"/>
+                </a:p>
+              </p:txBody>
+            </p:sp>
+          </mc:Choice>
+          <mc:Fallback>
+            <p:sp>
+              <p:nvSpPr>
+                <p:cNvPr id="8" name="ZoneTexte 7"/>
+                <p:cNvSpPr txBox="1">
+                  <a:spLocks noRot="1" noChangeAspect="1" noMove="1" noResize="1" noEditPoints="1" noAdjustHandles="1" noChangeArrowheads="1" noChangeShapeType="1" noTextEdit="1"/>
+                </p:cNvSpPr>
+                <p:nvPr/>
+              </p:nvSpPr>
+              <p:spPr>
+                <a:xfrm>
+                  <a:off x="4096215" y="995153"/>
+                  <a:ext cx="121700" cy="184666"/>
+                </a:xfrm>
+                <a:prstGeom prst="rect">
+                  <a:avLst/>
+                </a:prstGeom>
+                <a:blipFill>
+                  <a:blip r:embed="rId2"/>
+                  <a:stretch>
+                    <a:fillRect l="-81818" r="-100000" b="-3226"/>
+                  </a:stretch>
+                </a:blipFill>
+              </p:spPr>
+              <p:txBody>
+                <a:bodyPr/>
+                <a:lstStyle/>
+                <a:p>
+                  <a:r>
+                    <a:rPr lang="fr-FR">
+                      <a:noFill/>
+                    </a:rPr>
+                    <a:t> </a:t>
+                  </a:r>
+                </a:p>
+              </p:txBody>
+            </p:sp>
+          </mc:Fallback>
+        </mc:AlternateContent>
+        <mc:AlternateContent xmlns:mc="http://schemas.openxmlformats.org/markup-compatibility/2006">
+          <mc:Choice xmlns:a14="http://schemas.microsoft.com/office/drawing/2010/main" Requires="a14">
+            <p:sp>
+              <p:nvSpPr>
+                <p:cNvPr id="9" name="ZoneTexte 8"/>
+                <p:cNvSpPr txBox="1"/>
+                <p:nvPr/>
+              </p:nvSpPr>
+              <p:spPr>
+                <a:xfrm>
+                  <a:off x="1197822" y="-709083"/>
+                  <a:ext cx="135870" cy="184666"/>
+                </a:xfrm>
+                <a:prstGeom prst="rect">
+                  <a:avLst/>
+                </a:prstGeom>
+                <a:noFill/>
+              </p:spPr>
+              <p:txBody>
+                <a:bodyPr wrap="none" lIns="0" tIns="0" rIns="0" bIns="0" rtlCol="0">
+                  <a:spAutoFit/>
+                </a:bodyPr>
+                <a:lstStyle/>
+                <a:p>
+                  <a:pPr/>
+                  <a14:m>
+                    <m:oMathPara xmlns:m="http://schemas.openxmlformats.org/officeDocument/2006/math">
+                      <m:oMathParaPr>
+                        <m:jc m:val="centerGroup"/>
+                      </m:oMathParaPr>
+                      <m:oMath xmlns:m="http://schemas.openxmlformats.org/officeDocument/2006/math">
+                        <m:r>
+                          <a:rPr lang="fr-FR" sz="1200" b="0" i="1" smtClean="0">
+                            <a:latin typeface="Cambria Math" panose="02040503050406030204" pitchFamily="18" charset="0"/>
+                          </a:rPr>
+                          <m:t>𝐹</m:t>
+                        </m:r>
+                      </m:oMath>
+                    </m:oMathPara>
+                  </a14:m>
+                  <a:endParaRPr lang="fr-FR" sz="1200" dirty="0"/>
+                </a:p>
+              </p:txBody>
+            </p:sp>
+          </mc:Choice>
+          <mc:Fallback>
+            <p:sp>
+              <p:nvSpPr>
+                <p:cNvPr id="9" name="ZoneTexte 8"/>
+                <p:cNvSpPr txBox="1">
+                  <a:spLocks noRot="1" noChangeAspect="1" noMove="1" noResize="1" noEditPoints="1" noAdjustHandles="1" noChangeArrowheads="1" noChangeShapeType="1" noTextEdit="1"/>
+                </p:cNvSpPr>
+                <p:nvPr/>
+              </p:nvSpPr>
+              <p:spPr>
+                <a:xfrm>
+                  <a:off x="1197822" y="-709083"/>
+                  <a:ext cx="135870" cy="184666"/>
+                </a:xfrm>
+                <a:prstGeom prst="rect">
+                  <a:avLst/>
+                </a:prstGeom>
+                <a:blipFill>
+                  <a:blip r:embed="rId3"/>
+                  <a:stretch>
+                    <a:fillRect l="-81818" r="-118182" b="-6667"/>
+                  </a:stretch>
+                </a:blipFill>
+              </p:spPr>
+              <p:txBody>
+                <a:bodyPr/>
+                <a:lstStyle/>
+                <a:p>
+                  <a:r>
+                    <a:rPr lang="fr-FR">
+                      <a:noFill/>
+                    </a:rPr>
+                    <a:t> </a:t>
+                  </a:r>
+                </a:p>
+              </p:txBody>
+            </p:sp>
+          </mc:Fallback>
+        </mc:AlternateContent>
+      </p:grpSp>
+      <p:grpSp>
+        <p:nvGrpSpPr>
+          <p:cNvPr id="7" name="Groupe 6"/>
+          <p:cNvGrpSpPr/>
+          <p:nvPr/>
+        </p:nvGrpSpPr>
+        <p:grpSpPr>
+          <a:xfrm>
+            <a:off x="2855641" y="1645664"/>
+            <a:ext cx="1512168" cy="1795599"/>
+            <a:chOff x="1055440" y="1325106"/>
+            <a:chExt cx="2893807" cy="2116157"/>
+          </a:xfrm>
+        </p:grpSpPr>
+        <p:sp>
+          <p:nvSpPr>
+            <p:cNvPr id="13" name="Forme libre 12"/>
+            <p:cNvSpPr/>
+            <p:nvPr/>
+          </p:nvSpPr>
+          <p:spPr>
+            <a:xfrm>
+              <a:off x="1787321" y="1325106"/>
+              <a:ext cx="2161926" cy="659579"/>
+            </a:xfrm>
+            <a:custGeom>
+              <a:avLst/>
+              <a:gdLst>
+                <a:gd name="connsiteX0" fmla="*/ 10048 w 10048"/>
+                <a:gd name="connsiteY0" fmla="*/ 0 h 1446963"/>
+                <a:gd name="connsiteX1" fmla="*/ 0 w 10048"/>
+                <a:gd name="connsiteY1" fmla="*/ 1446963 h 1446963"/>
+                <a:gd name="connsiteX2" fmla="*/ 0 w 10048"/>
+                <a:gd name="connsiteY2" fmla="*/ 1446963 h 1446963"/>
+                <a:gd name="connsiteX0" fmla="*/ 10079 w 10079"/>
+                <a:gd name="connsiteY0" fmla="*/ 0 h 1562288"/>
+                <a:gd name="connsiteX1" fmla="*/ 31 w 10079"/>
+                <a:gd name="connsiteY1" fmla="*/ 1446963 h 1562288"/>
+                <a:gd name="connsiteX2" fmla="*/ 7183 w 10079"/>
+                <a:gd name="connsiteY2" fmla="*/ 1477108 h 1562288"/>
+                <a:gd name="connsiteX0" fmla="*/ 2896 w 2896"/>
+                <a:gd name="connsiteY0" fmla="*/ 0 h 1477108"/>
+                <a:gd name="connsiteX1" fmla="*/ 0 w 2896"/>
+                <a:gd name="connsiteY1" fmla="*/ 1477108 h 1477108"/>
+                <a:gd name="connsiteX0" fmla="*/ 20033 w 20033"/>
+                <a:gd name="connsiteY0" fmla="*/ 0 h 9660"/>
+                <a:gd name="connsiteX1" fmla="*/ 0 w 20033"/>
+                <a:gd name="connsiteY1" fmla="*/ 9660 h 9660"/>
+                <a:gd name="connsiteX0" fmla="*/ 15463 w 15463"/>
+                <a:gd name="connsiteY0" fmla="*/ 0 h 10000"/>
+                <a:gd name="connsiteX1" fmla="*/ 5463 w 15463"/>
+                <a:gd name="connsiteY1" fmla="*/ 10000 h 10000"/>
+                <a:gd name="connsiteX0" fmla="*/ 14809 w 14809"/>
+                <a:gd name="connsiteY0" fmla="*/ 0 h 10141"/>
+                <a:gd name="connsiteX1" fmla="*/ 5580 w 14809"/>
+                <a:gd name="connsiteY1" fmla="*/ 10141 h 10141"/>
+                <a:gd name="connsiteX0" fmla="*/ 790 w 13521"/>
+                <a:gd name="connsiteY0" fmla="*/ 0 h 10211"/>
+                <a:gd name="connsiteX1" fmla="*/ 13521 w 13521"/>
+                <a:gd name="connsiteY1" fmla="*/ 10211 h 10211"/>
+                <a:gd name="connsiteX0" fmla="*/ 0 w 12731"/>
+                <a:gd name="connsiteY0" fmla="*/ 0 h 10211"/>
+                <a:gd name="connsiteX1" fmla="*/ 12731 w 12731"/>
+                <a:gd name="connsiteY1" fmla="*/ 10211 h 10211"/>
+                <a:gd name="connsiteX0" fmla="*/ 2823 w 8390"/>
+                <a:gd name="connsiteY0" fmla="*/ 0 h 10281"/>
+                <a:gd name="connsiteX1" fmla="*/ 4767 w 8390"/>
+                <a:gd name="connsiteY1" fmla="*/ 10281 h 10281"/>
+                <a:gd name="connsiteX0" fmla="*/ 13899 w 16216"/>
+                <a:gd name="connsiteY0" fmla="*/ 0 h 10000"/>
+                <a:gd name="connsiteX1" fmla="*/ 16216 w 16216"/>
+                <a:gd name="connsiteY1" fmla="*/ 10000 h 10000"/>
+                <a:gd name="connsiteX0" fmla="*/ 14318 w 15717"/>
+                <a:gd name="connsiteY0" fmla="*/ 0 h 9829"/>
+                <a:gd name="connsiteX1" fmla="*/ 15717 w 15717"/>
+                <a:gd name="connsiteY1" fmla="*/ 9829 h 9829"/>
+                <a:gd name="connsiteX0" fmla="*/ 2087 w 8907"/>
+                <a:gd name="connsiteY0" fmla="*/ 0 h 10000"/>
+                <a:gd name="connsiteX1" fmla="*/ 2977 w 8907"/>
+                <a:gd name="connsiteY1" fmla="*/ 10000 h 10000"/>
+                <a:gd name="connsiteX0" fmla="*/ 88781 w 91496"/>
+                <a:gd name="connsiteY0" fmla="*/ 0 h 5569"/>
+                <a:gd name="connsiteX1" fmla="*/ 1086 w 91496"/>
+                <a:gd name="connsiteY1" fmla="*/ 5569 h 5569"/>
+                <a:gd name="connsiteX0" fmla="*/ 21766 w 21930"/>
+                <a:gd name="connsiteY0" fmla="*/ 0 h 3896"/>
+                <a:gd name="connsiteX1" fmla="*/ 65 w 21930"/>
+                <a:gd name="connsiteY1" fmla="*/ 3896 h 3896"/>
+                <a:gd name="connsiteX0" fmla="*/ 9895 w 9989"/>
+                <a:gd name="connsiteY0" fmla="*/ 0 h 11314"/>
+                <a:gd name="connsiteX1" fmla="*/ 0 w 9989"/>
+                <a:gd name="connsiteY1" fmla="*/ 10000 h 11314"/>
+                <a:gd name="connsiteX0" fmla="*/ 9906 w 10003"/>
+                <a:gd name="connsiteY0" fmla="*/ 0 h 8986"/>
+                <a:gd name="connsiteX1" fmla="*/ 0 w 10003"/>
+                <a:gd name="connsiteY1" fmla="*/ 8839 h 8986"/>
+                <a:gd name="connsiteX0" fmla="*/ 9875 w 9972"/>
+                <a:gd name="connsiteY0" fmla="*/ 0 h 1826"/>
+                <a:gd name="connsiteX1" fmla="*/ 0 w 9972"/>
+                <a:gd name="connsiteY1" fmla="*/ 1305 h 1826"/>
+                <a:gd name="connsiteX0" fmla="*/ 9505 w 9607"/>
+                <a:gd name="connsiteY0" fmla="*/ 0 h 65191"/>
+                <a:gd name="connsiteX1" fmla="*/ 0 w 9607"/>
+                <a:gd name="connsiteY1" fmla="*/ 64415 h 65191"/>
+                <a:gd name="connsiteX0" fmla="*/ 9894 w 9894"/>
+                <a:gd name="connsiteY0" fmla="*/ 0 h 10001"/>
+                <a:gd name="connsiteX1" fmla="*/ 5458 w 9894"/>
+                <a:gd name="connsiteY1" fmla="*/ 6607 h 10001"/>
+                <a:gd name="connsiteX2" fmla="*/ 0 w 9894"/>
+                <a:gd name="connsiteY2" fmla="*/ 9881 h 10001"/>
+                <a:gd name="connsiteX0" fmla="*/ 10000 w 10000"/>
+                <a:gd name="connsiteY0" fmla="*/ 6551 h 16490"/>
+                <a:gd name="connsiteX1" fmla="*/ 4918 w 10000"/>
+                <a:gd name="connsiteY1" fmla="*/ 1137 h 16490"/>
+                <a:gd name="connsiteX2" fmla="*/ 0 w 10000"/>
+                <a:gd name="connsiteY2" fmla="*/ 16431 h 16490"/>
+                <a:gd name="connsiteX0" fmla="*/ 10000 w 10000"/>
+                <a:gd name="connsiteY0" fmla="*/ 5539 h 15493"/>
+                <a:gd name="connsiteX1" fmla="*/ 4918 w 10000"/>
+                <a:gd name="connsiteY1" fmla="*/ 125 h 15493"/>
+                <a:gd name="connsiteX2" fmla="*/ 0 w 10000"/>
+                <a:gd name="connsiteY2" fmla="*/ 15419 h 15493"/>
+                <a:gd name="connsiteX0" fmla="*/ 10000 w 10000"/>
+                <a:gd name="connsiteY0" fmla="*/ 5547 h 15513"/>
+                <a:gd name="connsiteX1" fmla="*/ 4918 w 10000"/>
+                <a:gd name="connsiteY1" fmla="*/ 133 h 15513"/>
+                <a:gd name="connsiteX2" fmla="*/ 0 w 10000"/>
+                <a:gd name="connsiteY2" fmla="*/ 15427 h 15513"/>
+                <a:gd name="connsiteX0" fmla="*/ 9970 w 9970"/>
+                <a:gd name="connsiteY0" fmla="*/ 8756 h 15486"/>
+                <a:gd name="connsiteX1" fmla="*/ 4918 w 9970"/>
+                <a:gd name="connsiteY1" fmla="*/ 106 h 15486"/>
+                <a:gd name="connsiteX2" fmla="*/ 0 w 9970"/>
+                <a:gd name="connsiteY2" fmla="*/ 15400 h 15486"/>
+                <a:gd name="connsiteX0" fmla="*/ 10000 w 10000"/>
+                <a:gd name="connsiteY0" fmla="*/ 5636 h 9982"/>
+                <a:gd name="connsiteX1" fmla="*/ 4933 w 10000"/>
+                <a:gd name="connsiteY1" fmla="*/ 50 h 9982"/>
+                <a:gd name="connsiteX2" fmla="*/ 0 w 10000"/>
+                <a:gd name="connsiteY2" fmla="*/ 9926 h 9982"/>
+                <a:gd name="connsiteX0" fmla="*/ 10000 w 10000"/>
+                <a:gd name="connsiteY0" fmla="*/ 6670 h 9976"/>
+                <a:gd name="connsiteX1" fmla="*/ 4933 w 10000"/>
+                <a:gd name="connsiteY1" fmla="*/ 27 h 9976"/>
+                <a:gd name="connsiteX2" fmla="*/ 0 w 10000"/>
+                <a:gd name="connsiteY2" fmla="*/ 9921 h 9976"/>
+                <a:gd name="connsiteX0" fmla="*/ 10000 w 10000"/>
+                <a:gd name="connsiteY0" fmla="*/ 6717 h 10031"/>
+                <a:gd name="connsiteX1" fmla="*/ 4933 w 10000"/>
+                <a:gd name="connsiteY1" fmla="*/ 58 h 10031"/>
+                <a:gd name="connsiteX2" fmla="*/ 0 w 10000"/>
+                <a:gd name="connsiteY2" fmla="*/ 9976 h 10031"/>
+                <a:gd name="connsiteX0" fmla="*/ 8980 w 8980"/>
+                <a:gd name="connsiteY0" fmla="*/ 8615 h 9978"/>
+                <a:gd name="connsiteX1" fmla="*/ 4933 w 8980"/>
+                <a:gd name="connsiteY1" fmla="*/ 7 h 9978"/>
+                <a:gd name="connsiteX2" fmla="*/ 0 w 8980"/>
+                <a:gd name="connsiteY2" fmla="*/ 9925 h 9978"/>
+                <a:gd name="connsiteX0" fmla="*/ 10000 w 10000"/>
+                <a:gd name="connsiteY0" fmla="*/ 8637 h 10004"/>
+                <a:gd name="connsiteX1" fmla="*/ 5493 w 10000"/>
+                <a:gd name="connsiteY1" fmla="*/ 10 h 10004"/>
+                <a:gd name="connsiteX2" fmla="*/ 0 w 10000"/>
+                <a:gd name="connsiteY2" fmla="*/ 9950 h 10004"/>
+                <a:gd name="connsiteX0" fmla="*/ 10000 w 10000"/>
+                <a:gd name="connsiteY0" fmla="*/ 4876 h 6271"/>
+                <a:gd name="connsiteX1" fmla="*/ 3989 w 10000"/>
+                <a:gd name="connsiteY1" fmla="*/ 155 h 6271"/>
+                <a:gd name="connsiteX2" fmla="*/ 0 w 10000"/>
+                <a:gd name="connsiteY2" fmla="*/ 6189 h 6271"/>
+                <a:gd name="connsiteX0" fmla="*/ 8262 w 8262"/>
+                <a:gd name="connsiteY0" fmla="*/ 10644 h 10644"/>
+                <a:gd name="connsiteX1" fmla="*/ 3989 w 8262"/>
+                <a:gd name="connsiteY1" fmla="*/ 2 h 10644"/>
+                <a:gd name="connsiteX2" fmla="*/ 0 w 8262"/>
+                <a:gd name="connsiteY2" fmla="*/ 9624 h 10644"/>
+                <a:gd name="connsiteX0" fmla="*/ 10000 w 10000"/>
+                <a:gd name="connsiteY0" fmla="*/ 14050 h 14050"/>
+                <a:gd name="connsiteX1" fmla="*/ 5192 w 10000"/>
+                <a:gd name="connsiteY1" fmla="*/ 1 h 14050"/>
+                <a:gd name="connsiteX2" fmla="*/ 0 w 10000"/>
+                <a:gd name="connsiteY2" fmla="*/ 13092 h 14050"/>
+                <a:gd name="connsiteX0" fmla="*/ 10000 w 10000"/>
+                <a:gd name="connsiteY0" fmla="*/ 14050 h 14050"/>
+                <a:gd name="connsiteX1" fmla="*/ 5192 w 10000"/>
+                <a:gd name="connsiteY1" fmla="*/ 1 h 14050"/>
+                <a:gd name="connsiteX2" fmla="*/ 0 w 10000"/>
+                <a:gd name="connsiteY2" fmla="*/ 13092 h 14050"/>
+                <a:gd name="connsiteX0" fmla="*/ 10000 w 10000"/>
+                <a:gd name="connsiteY0" fmla="*/ 14056 h 14056"/>
+                <a:gd name="connsiteX1" fmla="*/ 5192 w 10000"/>
+                <a:gd name="connsiteY1" fmla="*/ 7 h 14056"/>
+                <a:gd name="connsiteX2" fmla="*/ 0 w 10000"/>
+                <a:gd name="connsiteY2" fmla="*/ 13098 h 14056"/>
+                <a:gd name="connsiteX0" fmla="*/ 10000 w 10000"/>
+                <a:gd name="connsiteY0" fmla="*/ 14056 h 14056"/>
+                <a:gd name="connsiteX1" fmla="*/ 5192 w 10000"/>
+                <a:gd name="connsiteY1" fmla="*/ 7 h 14056"/>
+                <a:gd name="connsiteX2" fmla="*/ 0 w 10000"/>
+                <a:gd name="connsiteY2" fmla="*/ 13098 h 14056"/>
+                <a:gd name="connsiteX0" fmla="*/ 9960 w 9960"/>
+                <a:gd name="connsiteY0" fmla="*/ 1723 h 20795"/>
+                <a:gd name="connsiteX1" fmla="*/ 5192 w 9960"/>
+                <a:gd name="connsiteY1" fmla="*/ 7704 h 20795"/>
+                <a:gd name="connsiteX2" fmla="*/ 0 w 9960"/>
+                <a:gd name="connsiteY2" fmla="*/ 20795 h 20795"/>
+                <a:gd name="connsiteX0" fmla="*/ 10000 w 10000"/>
+                <a:gd name="connsiteY0" fmla="*/ 0 h 9171"/>
+                <a:gd name="connsiteX1" fmla="*/ 5213 w 10000"/>
+                <a:gd name="connsiteY1" fmla="*/ 2876 h 9171"/>
+                <a:gd name="connsiteX2" fmla="*/ 0 w 10000"/>
+                <a:gd name="connsiteY2" fmla="*/ 9171 h 9171"/>
+                <a:gd name="connsiteX0" fmla="*/ 10041 w 10041"/>
+                <a:gd name="connsiteY0" fmla="*/ 0 h 9764"/>
+                <a:gd name="connsiteX1" fmla="*/ 5213 w 10041"/>
+                <a:gd name="connsiteY1" fmla="*/ 2900 h 9764"/>
+                <a:gd name="connsiteX2" fmla="*/ 0 w 10041"/>
+                <a:gd name="connsiteY2" fmla="*/ 9764 h 9764"/>
+                <a:gd name="connsiteX0" fmla="*/ 10040 w 10040"/>
+                <a:gd name="connsiteY0" fmla="*/ 0 h 9154"/>
+                <a:gd name="connsiteX1" fmla="*/ 5192 w 10040"/>
+                <a:gd name="connsiteY1" fmla="*/ 2124 h 9154"/>
+                <a:gd name="connsiteX2" fmla="*/ 0 w 10040"/>
+                <a:gd name="connsiteY2" fmla="*/ 9154 h 9154"/>
+              </a:gdLst>
+              <a:ahLst/>
+              <a:cxnLst>
+                <a:cxn ang="0">
+                  <a:pos x="connsiteX0" y="connsiteY0"/>
+                </a:cxn>
+                <a:cxn ang="0">
+                  <a:pos x="connsiteX1" y="connsiteY1"/>
+                </a:cxn>
+                <a:cxn ang="0">
+                  <a:pos x="connsiteX2" y="connsiteY2"/>
+                </a:cxn>
+              </a:cxnLst>
+              <a:rect l="l" t="t" r="r" b="b"/>
+              <a:pathLst>
+                <a:path w="10040" h="9154">
+                  <a:moveTo>
+                    <a:pt x="10040" y="0"/>
+                  </a:moveTo>
+                  <a:cubicBezTo>
+                    <a:pt x="9774" y="2319"/>
+                    <a:pt x="7748" y="1967"/>
+                    <a:pt x="5192" y="2124"/>
+                  </a:cubicBezTo>
+                  <a:cubicBezTo>
+                    <a:pt x="2635" y="2280"/>
+                    <a:pt x="3297" y="7823"/>
+                    <a:pt x="0" y="9154"/>
+                  </a:cubicBezTo>
+                </a:path>
+              </a:pathLst>
+            </a:custGeom>
+            <a:ln w="19050">
+              <a:solidFill>
+                <a:srgbClr val="C00000"/>
+              </a:solidFill>
+            </a:ln>
+          </p:spPr>
+          <p:style>
+            <a:lnRef idx="1">
+              <a:schemeClr val="accent1"/>
+            </a:lnRef>
+            <a:fillRef idx="0">
+              <a:schemeClr val="accent1"/>
+            </a:fillRef>
+            <a:effectRef idx="0">
+              <a:schemeClr val="accent1"/>
+            </a:effectRef>
+            <a:fontRef idx="minor">
+              <a:schemeClr val="tx1"/>
+            </a:fontRef>
+          </p:style>
+          <p:txBody>
+            <a:bodyPr rtlCol="0" anchor="ctr"/>
+            <a:lstStyle/>
+            <a:p>
+              <a:pPr algn="ctr"/>
+              <a:endParaRPr lang="fr-FR"/>
+            </a:p>
+          </p:txBody>
+        </p:sp>
+        <p:cxnSp>
+          <p:nvCxnSpPr>
+            <p:cNvPr id="14" name="Connecteur droit 13"/>
+            <p:cNvCxnSpPr/>
+            <p:nvPr/>
+          </p:nvCxnSpPr>
+          <p:spPr>
+            <a:xfrm flipV="1">
+              <a:off x="1055440" y="1988840"/>
+              <a:ext cx="734600" cy="1452423"/>
+            </a:xfrm>
+            <a:prstGeom prst="line">
+              <a:avLst/>
+            </a:prstGeom>
+            <a:ln w="19050">
+              <a:solidFill>
+                <a:srgbClr val="C00000"/>
+              </a:solidFill>
+            </a:ln>
+          </p:spPr>
+          <p:style>
+            <a:lnRef idx="1">
+              <a:schemeClr val="accent1"/>
+            </a:lnRef>
+            <a:fillRef idx="0">
+              <a:schemeClr val="accent1"/>
+            </a:fillRef>
+            <a:effectRef idx="0">
+              <a:schemeClr val="accent1"/>
+            </a:effectRef>
+            <a:fontRef idx="minor">
+              <a:schemeClr val="tx1"/>
+            </a:fontRef>
+          </p:style>
+        </p:cxnSp>
+      </p:grpSp>
+      <p:grpSp>
+        <p:nvGrpSpPr>
+          <p:cNvPr id="11" name="Groupe 10"/>
+          <p:cNvGrpSpPr/>
+          <p:nvPr/>
+        </p:nvGrpSpPr>
+        <p:grpSpPr>
+          <a:xfrm>
+            <a:off x="5361400" y="1196752"/>
+            <a:ext cx="3412295" cy="2264259"/>
+            <a:chOff x="1065699" y="-960504"/>
+            <a:chExt cx="3412293" cy="2264259"/>
+          </a:xfrm>
+        </p:grpSpPr>
+        <p:cxnSp>
+          <p:nvCxnSpPr>
+            <p:cNvPr id="12" name="Connecteur droit 11"/>
+            <p:cNvCxnSpPr/>
+            <p:nvPr/>
+          </p:nvCxnSpPr>
+          <p:spPr>
+            <a:xfrm flipV="1">
+              <a:off x="1065699" y="-960504"/>
+              <a:ext cx="0" cy="2231688"/>
+            </a:xfrm>
+            <a:prstGeom prst="line">
+              <a:avLst/>
+            </a:prstGeom>
+            <a:ln w="12700">
+              <a:solidFill>
+                <a:schemeClr val="accent5">
+                  <a:lumMod val="50000"/>
+                </a:schemeClr>
+              </a:solidFill>
+              <a:tailEnd type="stealth" w="med" len="lg"/>
+            </a:ln>
+          </p:spPr>
+          <p:style>
+            <a:lnRef idx="1">
+              <a:schemeClr val="accent1"/>
+            </a:lnRef>
+            <a:fillRef idx="0">
+              <a:schemeClr val="accent1"/>
+            </a:fillRef>
+            <a:effectRef idx="0">
+              <a:schemeClr val="accent1"/>
+            </a:effectRef>
+            <a:fontRef idx="minor">
+              <a:schemeClr val="tx1"/>
+            </a:fontRef>
+          </p:style>
+        </p:cxnSp>
+        <mc:AlternateContent xmlns:mc="http://schemas.openxmlformats.org/markup-compatibility/2006">
+          <mc:Choice xmlns:a14="http://schemas.microsoft.com/office/drawing/2010/main" Requires="a14">
+            <p:sp>
+              <p:nvSpPr>
+                <p:cNvPr id="16" name="ZoneTexte 15"/>
+                <p:cNvSpPr txBox="1"/>
+                <p:nvPr/>
+              </p:nvSpPr>
+              <p:spPr>
+                <a:xfrm>
+                  <a:off x="3990102" y="925510"/>
+                  <a:ext cx="487890" cy="378245"/>
+                </a:xfrm>
+                <a:prstGeom prst="rect">
+                  <a:avLst/>
+                </a:prstGeom>
+                <a:noFill/>
+              </p:spPr>
+              <p:txBody>
+                <a:bodyPr wrap="none" lIns="0" tIns="0" rIns="0" bIns="0" rtlCol="0">
+                  <a:spAutoFit/>
+                </a:bodyPr>
+                <a:lstStyle/>
+                <a:p>
+                  <a:pPr/>
+                  <a14:m>
+                    <m:oMathPara xmlns:m="http://schemas.openxmlformats.org/officeDocument/2006/math">
+                      <m:oMathParaPr>
+                        <m:jc m:val="centerGroup"/>
+                      </m:oMathParaPr>
+                      <m:oMath xmlns:m="http://schemas.openxmlformats.org/officeDocument/2006/math">
+                        <m:r>
+                          <a:rPr lang="fr-FR" sz="1200" b="0" i="1" smtClean="0">
+                            <a:latin typeface="Cambria Math" panose="02040503050406030204" pitchFamily="18" charset="0"/>
+                          </a:rPr>
+                          <m:t>𝜀</m:t>
+                        </m:r>
+                        <m:r>
+                          <a:rPr lang="fr-FR" sz="1200" b="0" i="1" smtClean="0">
+                            <a:latin typeface="Cambria Math" panose="02040503050406030204" pitchFamily="18" charset="0"/>
+                          </a:rPr>
+                          <m:t>=</m:t>
+                        </m:r>
+                        <m:f>
+                          <m:fPr>
+                            <m:ctrlPr>
+                              <a:rPr lang="fr-FR" sz="1200" b="0" i="1" smtClean="0">
+                                <a:latin typeface="Cambria Math" panose="02040503050406030204" pitchFamily="18" charset="0"/>
+                              </a:rPr>
+                            </m:ctrlPr>
+                          </m:fPr>
+                          <m:num>
+                            <m:r>
+                              <m:rPr>
+                                <m:sty m:val="p"/>
+                              </m:rPr>
+                              <a:rPr lang="fr-FR" sz="1200" b="0" i="0" smtClean="0">
+                                <a:latin typeface="Cambria Math" panose="02040503050406030204" pitchFamily="18" charset="0"/>
+                              </a:rPr>
+                              <m:t>Δ</m:t>
+                            </m:r>
+                            <m:r>
+                              <a:rPr lang="fr-FR" sz="1200" b="0" i="1" smtClean="0">
+                                <a:latin typeface="Cambria Math" panose="02040503050406030204" pitchFamily="18" charset="0"/>
+                              </a:rPr>
+                              <m:t>𝐿</m:t>
+                            </m:r>
+                          </m:num>
+                          <m:den>
+                            <m:sSub>
+                              <m:sSubPr>
+                                <m:ctrlPr>
+                                  <a:rPr lang="fr-FR" sz="1200" b="0" i="1" smtClean="0">
+                                    <a:latin typeface="Cambria Math" panose="02040503050406030204" pitchFamily="18" charset="0"/>
+                                  </a:rPr>
+                                </m:ctrlPr>
+                              </m:sSubPr>
+                              <m:e>
+                                <m:r>
+                                  <a:rPr lang="fr-FR" sz="1200" b="0" i="1" smtClean="0">
+                                    <a:latin typeface="Cambria Math" panose="02040503050406030204" pitchFamily="18" charset="0"/>
+                                  </a:rPr>
+                                  <m:t>𝐿</m:t>
+                                </m:r>
+                              </m:e>
+                              <m:sub>
+                                <m:r>
+                                  <a:rPr lang="fr-FR" sz="1200" b="0" i="1" smtClean="0">
+                                    <a:latin typeface="Cambria Math" panose="02040503050406030204" pitchFamily="18" charset="0"/>
+                                  </a:rPr>
+                                  <m:t>0</m:t>
+                                </m:r>
+                              </m:sub>
+                            </m:sSub>
+                          </m:den>
+                        </m:f>
+                      </m:oMath>
+                    </m:oMathPara>
+                  </a14:m>
+                  <a:endParaRPr lang="fr-FR" sz="1200" dirty="0"/>
+                </a:p>
+              </p:txBody>
+            </p:sp>
+          </mc:Choice>
+          <mc:Fallback>
+            <p:sp>
+              <p:nvSpPr>
+                <p:cNvPr id="16" name="ZoneTexte 15"/>
+                <p:cNvSpPr txBox="1">
+                  <a:spLocks noRot="1" noChangeAspect="1" noMove="1" noResize="1" noEditPoints="1" noAdjustHandles="1" noChangeArrowheads="1" noChangeShapeType="1" noTextEdit="1"/>
+                </p:cNvSpPr>
+                <p:nvPr/>
+              </p:nvSpPr>
+              <p:spPr>
+                <a:xfrm>
+                  <a:off x="3990102" y="925510"/>
+                  <a:ext cx="487890" cy="378245"/>
+                </a:xfrm>
+                <a:prstGeom prst="rect">
+                  <a:avLst/>
+                </a:prstGeom>
+                <a:blipFill>
+                  <a:blip r:embed="rId4"/>
+                  <a:stretch>
+                    <a:fillRect l="-3750" t="-3226" r="-6250" b="-8065"/>
+                  </a:stretch>
+                </a:blipFill>
+              </p:spPr>
+              <p:txBody>
+                <a:bodyPr/>
+                <a:lstStyle/>
+                <a:p>
+                  <a:r>
+                    <a:rPr lang="fr-FR">
+                      <a:noFill/>
+                    </a:rPr>
+                    <a:t> </a:t>
+                  </a:r>
+                </a:p>
+              </p:txBody>
+            </p:sp>
+          </mc:Fallback>
+        </mc:AlternateContent>
+        <mc:AlternateContent xmlns:mc="http://schemas.openxmlformats.org/markup-compatibility/2006">
+          <mc:Choice xmlns:a14="http://schemas.microsoft.com/office/drawing/2010/main" Requires="a14">
+            <p:sp>
+              <p:nvSpPr>
+                <p:cNvPr id="20" name="ZoneTexte 19"/>
+                <p:cNvSpPr txBox="1"/>
+                <p:nvPr/>
+              </p:nvSpPr>
+              <p:spPr>
+                <a:xfrm>
+                  <a:off x="1656283" y="277414"/>
+                  <a:ext cx="1692385" cy="184666"/>
+                </a:xfrm>
+                <a:prstGeom prst="rect">
+                  <a:avLst/>
+                </a:prstGeom>
+                <a:noFill/>
+              </p:spPr>
+              <p:txBody>
+                <a:bodyPr wrap="none" lIns="0" tIns="0" rIns="0" bIns="0" rtlCol="0">
+                  <a:spAutoFit/>
+                </a:bodyPr>
+                <a:lstStyle/>
+                <a:p>
+                  <a:pPr/>
+                  <a:r>
+                    <a:rPr lang="fr-FR" sz="1200" b="0" dirty="0"/>
+                    <a:t>Pente </a:t>
+                  </a:r>
+                  <a14:m>
+                    <m:oMath xmlns:m="http://schemas.openxmlformats.org/officeDocument/2006/math">
+                      <m:r>
+                        <a:rPr lang="fr-FR" sz="1200" b="0" i="1" smtClean="0">
+                          <a:latin typeface="Cambria Math" panose="02040503050406030204" pitchFamily="18" charset="0"/>
+                        </a:rPr>
+                        <m:t>𝐸</m:t>
+                      </m:r>
+                    </m:oMath>
+                  </a14:m>
+                  <a:r>
+                    <a:rPr lang="fr-FR" sz="1200" dirty="0"/>
+                    <a:t> : module de Young</a:t>
+                  </a:r>
+                </a:p>
+              </p:txBody>
+            </p:sp>
+          </mc:Choice>
+          <mc:Fallback>
+            <p:sp>
+              <p:nvSpPr>
+                <p:cNvPr id="20" name="ZoneTexte 19"/>
+                <p:cNvSpPr txBox="1">
+                  <a:spLocks noRot="1" noChangeAspect="1" noMove="1" noResize="1" noEditPoints="1" noAdjustHandles="1" noChangeArrowheads="1" noChangeShapeType="1" noTextEdit="1"/>
+                </p:cNvSpPr>
+                <p:nvPr/>
+              </p:nvSpPr>
+              <p:spPr>
+                <a:xfrm>
+                  <a:off x="1656283" y="277414"/>
+                  <a:ext cx="1692385" cy="184666"/>
+                </a:xfrm>
+                <a:prstGeom prst="rect">
+                  <a:avLst/>
+                </a:prstGeom>
+                <a:blipFill>
+                  <a:blip r:embed="rId5"/>
+                  <a:stretch>
+                    <a:fillRect l="-5396" t="-25806" r="-4676" b="-48387"/>
+                  </a:stretch>
+                </a:blipFill>
+              </p:spPr>
+              <p:txBody>
+                <a:bodyPr/>
+                <a:lstStyle/>
+                <a:p>
+                  <a:r>
+                    <a:rPr lang="fr-FR">
+                      <a:noFill/>
+                    </a:rPr>
+                    <a:t> </a:t>
+                  </a:r>
+                </a:p>
+              </p:txBody>
+            </p:sp>
+          </mc:Fallback>
+        </mc:AlternateContent>
+        <p:cxnSp>
+          <p:nvCxnSpPr>
+            <p:cNvPr id="15" name="Connecteur droit 14"/>
+            <p:cNvCxnSpPr/>
+            <p:nvPr/>
+          </p:nvCxnSpPr>
+          <p:spPr>
+            <a:xfrm>
+              <a:off x="1065699" y="1273121"/>
+              <a:ext cx="3168348" cy="0"/>
+            </a:xfrm>
+            <a:prstGeom prst="line">
+              <a:avLst/>
+            </a:prstGeom>
+            <a:ln w="12700">
+              <a:solidFill>
+                <a:schemeClr val="accent5">
+                  <a:lumMod val="50000"/>
+                </a:schemeClr>
+              </a:solidFill>
+              <a:tailEnd type="stealth" w="med" len="lg"/>
+            </a:ln>
+          </p:spPr>
+          <p:style>
+            <a:lnRef idx="1">
+              <a:schemeClr val="accent1"/>
+            </a:lnRef>
+            <a:fillRef idx="0">
+              <a:schemeClr val="accent1"/>
+            </a:fillRef>
+            <a:effectRef idx="0">
+              <a:schemeClr val="accent1"/>
+            </a:effectRef>
+            <a:fontRef idx="minor">
+              <a:schemeClr val="tx1"/>
+            </a:fontRef>
+          </p:style>
+        </p:cxnSp>
+      </p:grpSp>
+      <p:cxnSp>
+        <p:nvCxnSpPr>
+          <p:cNvPr id="19" name="Connecteur droit 18"/>
+          <p:cNvCxnSpPr/>
+          <p:nvPr/>
+        </p:nvCxnSpPr>
+        <p:spPr>
+          <a:xfrm flipV="1">
+            <a:off x="5361400" y="1976015"/>
+            <a:ext cx="734600" cy="1452423"/>
+          </a:xfrm>
+          <a:prstGeom prst="line">
+            <a:avLst/>
+          </a:prstGeom>
+          <a:ln w="19050">
+            <a:solidFill>
+              <a:srgbClr val="C00000"/>
+            </a:solidFill>
+          </a:ln>
+        </p:spPr>
+        <p:style>
+          <a:lnRef idx="1">
+            <a:schemeClr val="accent1"/>
+          </a:lnRef>
+          <a:fillRef idx="0">
+            <a:schemeClr val="accent1"/>
+          </a:fillRef>
+          <a:effectRef idx="0">
+            <a:schemeClr val="accent1"/>
+          </a:effectRef>
+          <a:fontRef idx="minor">
+            <a:schemeClr val="tx1"/>
+          </a:fontRef>
+        </p:style>
+      </p:cxnSp>
+      <p:sp>
+        <p:nvSpPr>
+          <p:cNvPr id="21" name="Forme libre 20"/>
+          <p:cNvSpPr/>
+          <p:nvPr/>
+        </p:nvSpPr>
+        <p:spPr>
+          <a:xfrm>
+            <a:off x="2186628" y="250007"/>
+            <a:ext cx="2161746" cy="517814"/>
+          </a:xfrm>
+          <a:custGeom>
+            <a:avLst/>
+            <a:gdLst>
+              <a:gd name="connsiteX0" fmla="*/ 10048 w 10048"/>
+              <a:gd name="connsiteY0" fmla="*/ 0 h 1446963"/>
+              <a:gd name="connsiteX1" fmla="*/ 0 w 10048"/>
+              <a:gd name="connsiteY1" fmla="*/ 1446963 h 1446963"/>
+              <a:gd name="connsiteX2" fmla="*/ 0 w 10048"/>
+              <a:gd name="connsiteY2" fmla="*/ 1446963 h 1446963"/>
+              <a:gd name="connsiteX0" fmla="*/ 10079 w 10079"/>
+              <a:gd name="connsiteY0" fmla="*/ 0 h 1562288"/>
+              <a:gd name="connsiteX1" fmla="*/ 31 w 10079"/>
+              <a:gd name="connsiteY1" fmla="*/ 1446963 h 1562288"/>
+              <a:gd name="connsiteX2" fmla="*/ 7183 w 10079"/>
+              <a:gd name="connsiteY2" fmla="*/ 1477108 h 1562288"/>
+              <a:gd name="connsiteX0" fmla="*/ 2896 w 2896"/>
+              <a:gd name="connsiteY0" fmla="*/ 0 h 1477108"/>
+              <a:gd name="connsiteX1" fmla="*/ 0 w 2896"/>
+              <a:gd name="connsiteY1" fmla="*/ 1477108 h 1477108"/>
+              <a:gd name="connsiteX0" fmla="*/ 20033 w 20033"/>
+              <a:gd name="connsiteY0" fmla="*/ 0 h 9660"/>
+              <a:gd name="connsiteX1" fmla="*/ 0 w 20033"/>
+              <a:gd name="connsiteY1" fmla="*/ 9660 h 9660"/>
+              <a:gd name="connsiteX0" fmla="*/ 15463 w 15463"/>
+              <a:gd name="connsiteY0" fmla="*/ 0 h 10000"/>
+              <a:gd name="connsiteX1" fmla="*/ 5463 w 15463"/>
+              <a:gd name="connsiteY1" fmla="*/ 10000 h 10000"/>
+              <a:gd name="connsiteX0" fmla="*/ 14809 w 14809"/>
+              <a:gd name="connsiteY0" fmla="*/ 0 h 10141"/>
+              <a:gd name="connsiteX1" fmla="*/ 5580 w 14809"/>
+              <a:gd name="connsiteY1" fmla="*/ 10141 h 10141"/>
+              <a:gd name="connsiteX0" fmla="*/ 790 w 13521"/>
+              <a:gd name="connsiteY0" fmla="*/ 0 h 10211"/>
+              <a:gd name="connsiteX1" fmla="*/ 13521 w 13521"/>
+              <a:gd name="connsiteY1" fmla="*/ 10211 h 10211"/>
+              <a:gd name="connsiteX0" fmla="*/ 0 w 12731"/>
+              <a:gd name="connsiteY0" fmla="*/ 0 h 10211"/>
+              <a:gd name="connsiteX1" fmla="*/ 12731 w 12731"/>
+              <a:gd name="connsiteY1" fmla="*/ 10211 h 10211"/>
+              <a:gd name="connsiteX0" fmla="*/ 2823 w 8390"/>
+              <a:gd name="connsiteY0" fmla="*/ 0 h 10281"/>
+              <a:gd name="connsiteX1" fmla="*/ 4767 w 8390"/>
+              <a:gd name="connsiteY1" fmla="*/ 10281 h 10281"/>
+              <a:gd name="connsiteX0" fmla="*/ 13899 w 16216"/>
+              <a:gd name="connsiteY0" fmla="*/ 0 h 10000"/>
+              <a:gd name="connsiteX1" fmla="*/ 16216 w 16216"/>
+              <a:gd name="connsiteY1" fmla="*/ 10000 h 10000"/>
+              <a:gd name="connsiteX0" fmla="*/ 14318 w 15717"/>
+              <a:gd name="connsiteY0" fmla="*/ 0 h 9829"/>
+              <a:gd name="connsiteX1" fmla="*/ 15717 w 15717"/>
+              <a:gd name="connsiteY1" fmla="*/ 9829 h 9829"/>
+              <a:gd name="connsiteX0" fmla="*/ 2087 w 8907"/>
+              <a:gd name="connsiteY0" fmla="*/ 0 h 10000"/>
+              <a:gd name="connsiteX1" fmla="*/ 2977 w 8907"/>
+              <a:gd name="connsiteY1" fmla="*/ 10000 h 10000"/>
+              <a:gd name="connsiteX0" fmla="*/ 88781 w 91496"/>
+              <a:gd name="connsiteY0" fmla="*/ 0 h 5569"/>
+              <a:gd name="connsiteX1" fmla="*/ 1086 w 91496"/>
+              <a:gd name="connsiteY1" fmla="*/ 5569 h 5569"/>
+              <a:gd name="connsiteX0" fmla="*/ 21766 w 21930"/>
+              <a:gd name="connsiteY0" fmla="*/ 0 h 3896"/>
+              <a:gd name="connsiteX1" fmla="*/ 65 w 21930"/>
+              <a:gd name="connsiteY1" fmla="*/ 3896 h 3896"/>
+              <a:gd name="connsiteX0" fmla="*/ 9895 w 9989"/>
+              <a:gd name="connsiteY0" fmla="*/ 0 h 11314"/>
+              <a:gd name="connsiteX1" fmla="*/ 0 w 9989"/>
+              <a:gd name="connsiteY1" fmla="*/ 10000 h 11314"/>
+              <a:gd name="connsiteX0" fmla="*/ 9906 w 10003"/>
+              <a:gd name="connsiteY0" fmla="*/ 0 h 8986"/>
+              <a:gd name="connsiteX1" fmla="*/ 0 w 10003"/>
+              <a:gd name="connsiteY1" fmla="*/ 8839 h 8986"/>
+              <a:gd name="connsiteX0" fmla="*/ 9875 w 9972"/>
+              <a:gd name="connsiteY0" fmla="*/ 0 h 1826"/>
+              <a:gd name="connsiteX1" fmla="*/ 0 w 9972"/>
+              <a:gd name="connsiteY1" fmla="*/ 1305 h 1826"/>
+              <a:gd name="connsiteX0" fmla="*/ 9505 w 9607"/>
+              <a:gd name="connsiteY0" fmla="*/ 0 h 65191"/>
+              <a:gd name="connsiteX1" fmla="*/ 0 w 9607"/>
+              <a:gd name="connsiteY1" fmla="*/ 64415 h 65191"/>
+              <a:gd name="connsiteX0" fmla="*/ 9894 w 9894"/>
+              <a:gd name="connsiteY0" fmla="*/ 0 h 10001"/>
+              <a:gd name="connsiteX1" fmla="*/ 5458 w 9894"/>
+              <a:gd name="connsiteY1" fmla="*/ 6607 h 10001"/>
+              <a:gd name="connsiteX2" fmla="*/ 0 w 9894"/>
+              <a:gd name="connsiteY2" fmla="*/ 9881 h 10001"/>
+              <a:gd name="connsiteX0" fmla="*/ 10000 w 10000"/>
+              <a:gd name="connsiteY0" fmla="*/ 6551 h 16490"/>
+              <a:gd name="connsiteX1" fmla="*/ 4918 w 10000"/>
+              <a:gd name="connsiteY1" fmla="*/ 1137 h 16490"/>
+              <a:gd name="connsiteX2" fmla="*/ 0 w 10000"/>
+              <a:gd name="connsiteY2" fmla="*/ 16431 h 16490"/>
+              <a:gd name="connsiteX0" fmla="*/ 10000 w 10000"/>
+              <a:gd name="connsiteY0" fmla="*/ 5539 h 15493"/>
+              <a:gd name="connsiteX1" fmla="*/ 4918 w 10000"/>
+              <a:gd name="connsiteY1" fmla="*/ 125 h 15493"/>
+              <a:gd name="connsiteX2" fmla="*/ 0 w 10000"/>
+              <a:gd name="connsiteY2" fmla="*/ 15419 h 15493"/>
+              <a:gd name="connsiteX0" fmla="*/ 10000 w 10000"/>
+              <a:gd name="connsiteY0" fmla="*/ 5547 h 15513"/>
+              <a:gd name="connsiteX1" fmla="*/ 4918 w 10000"/>
+              <a:gd name="connsiteY1" fmla="*/ 133 h 15513"/>
+              <a:gd name="connsiteX2" fmla="*/ 0 w 10000"/>
+              <a:gd name="connsiteY2" fmla="*/ 15427 h 15513"/>
+              <a:gd name="connsiteX0" fmla="*/ 9970 w 9970"/>
+              <a:gd name="connsiteY0" fmla="*/ 8756 h 15486"/>
+              <a:gd name="connsiteX1" fmla="*/ 4918 w 9970"/>
+              <a:gd name="connsiteY1" fmla="*/ 106 h 15486"/>
+              <a:gd name="connsiteX2" fmla="*/ 0 w 9970"/>
+              <a:gd name="connsiteY2" fmla="*/ 15400 h 15486"/>
+              <a:gd name="connsiteX0" fmla="*/ 10000 w 10000"/>
+              <a:gd name="connsiteY0" fmla="*/ 5636 h 9982"/>
+              <a:gd name="connsiteX1" fmla="*/ 4933 w 10000"/>
+              <a:gd name="connsiteY1" fmla="*/ 50 h 9982"/>
+              <a:gd name="connsiteX2" fmla="*/ 0 w 10000"/>
+              <a:gd name="connsiteY2" fmla="*/ 9926 h 9982"/>
+              <a:gd name="connsiteX0" fmla="*/ 10000 w 10000"/>
+              <a:gd name="connsiteY0" fmla="*/ 6670 h 9976"/>
+              <a:gd name="connsiteX1" fmla="*/ 4933 w 10000"/>
+              <a:gd name="connsiteY1" fmla="*/ 27 h 9976"/>
+              <a:gd name="connsiteX2" fmla="*/ 0 w 10000"/>
+              <a:gd name="connsiteY2" fmla="*/ 9921 h 9976"/>
+              <a:gd name="connsiteX0" fmla="*/ 10000 w 10000"/>
+              <a:gd name="connsiteY0" fmla="*/ 6717 h 10031"/>
+              <a:gd name="connsiteX1" fmla="*/ 4933 w 10000"/>
+              <a:gd name="connsiteY1" fmla="*/ 58 h 10031"/>
+              <a:gd name="connsiteX2" fmla="*/ 0 w 10000"/>
+              <a:gd name="connsiteY2" fmla="*/ 9976 h 10031"/>
+              <a:gd name="connsiteX0" fmla="*/ 8980 w 8980"/>
+              <a:gd name="connsiteY0" fmla="*/ 8615 h 9978"/>
+              <a:gd name="connsiteX1" fmla="*/ 4933 w 8980"/>
+              <a:gd name="connsiteY1" fmla="*/ 7 h 9978"/>
+              <a:gd name="connsiteX2" fmla="*/ 0 w 8980"/>
+              <a:gd name="connsiteY2" fmla="*/ 9925 h 9978"/>
+              <a:gd name="connsiteX0" fmla="*/ 10000 w 10000"/>
+              <a:gd name="connsiteY0" fmla="*/ 8637 h 10004"/>
+              <a:gd name="connsiteX1" fmla="*/ 5493 w 10000"/>
+              <a:gd name="connsiteY1" fmla="*/ 10 h 10004"/>
+              <a:gd name="connsiteX2" fmla="*/ 0 w 10000"/>
+              <a:gd name="connsiteY2" fmla="*/ 9950 h 10004"/>
+              <a:gd name="connsiteX0" fmla="*/ 10000 w 10000"/>
+              <a:gd name="connsiteY0" fmla="*/ 4876 h 6271"/>
+              <a:gd name="connsiteX1" fmla="*/ 3989 w 10000"/>
+              <a:gd name="connsiteY1" fmla="*/ 155 h 6271"/>
+              <a:gd name="connsiteX2" fmla="*/ 0 w 10000"/>
+              <a:gd name="connsiteY2" fmla="*/ 6189 h 6271"/>
+              <a:gd name="connsiteX0" fmla="*/ 8262 w 8262"/>
+              <a:gd name="connsiteY0" fmla="*/ 10644 h 10644"/>
+              <a:gd name="connsiteX1" fmla="*/ 3989 w 8262"/>
+              <a:gd name="connsiteY1" fmla="*/ 2 h 10644"/>
+              <a:gd name="connsiteX2" fmla="*/ 0 w 8262"/>
+              <a:gd name="connsiteY2" fmla="*/ 9624 h 10644"/>
+              <a:gd name="connsiteX0" fmla="*/ 10000 w 10000"/>
+              <a:gd name="connsiteY0" fmla="*/ 14050 h 14050"/>
+              <a:gd name="connsiteX1" fmla="*/ 5192 w 10000"/>
+              <a:gd name="connsiteY1" fmla="*/ 1 h 14050"/>
+              <a:gd name="connsiteX2" fmla="*/ 0 w 10000"/>
+              <a:gd name="connsiteY2" fmla="*/ 13092 h 14050"/>
+              <a:gd name="connsiteX0" fmla="*/ 10000 w 10000"/>
+              <a:gd name="connsiteY0" fmla="*/ 14050 h 14050"/>
+              <a:gd name="connsiteX1" fmla="*/ 5192 w 10000"/>
+              <a:gd name="connsiteY1" fmla="*/ 1 h 14050"/>
+              <a:gd name="connsiteX2" fmla="*/ 0 w 10000"/>
+              <a:gd name="connsiteY2" fmla="*/ 13092 h 14050"/>
+              <a:gd name="connsiteX0" fmla="*/ 10000 w 10000"/>
+              <a:gd name="connsiteY0" fmla="*/ 14056 h 14056"/>
+              <a:gd name="connsiteX1" fmla="*/ 5192 w 10000"/>
+              <a:gd name="connsiteY1" fmla="*/ 7 h 14056"/>
+              <a:gd name="connsiteX2" fmla="*/ 0 w 10000"/>
+              <a:gd name="connsiteY2" fmla="*/ 13098 h 14056"/>
+              <a:gd name="connsiteX0" fmla="*/ 10000 w 10000"/>
+              <a:gd name="connsiteY0" fmla="*/ 14056 h 14056"/>
+              <a:gd name="connsiteX1" fmla="*/ 5192 w 10000"/>
+              <a:gd name="connsiteY1" fmla="*/ 7 h 14056"/>
+              <a:gd name="connsiteX2" fmla="*/ 0 w 10000"/>
+              <a:gd name="connsiteY2" fmla="*/ 13098 h 14056"/>
+              <a:gd name="connsiteX0" fmla="*/ 10040 w 10040"/>
+              <a:gd name="connsiteY0" fmla="*/ 13382 h 13382"/>
+              <a:gd name="connsiteX1" fmla="*/ 5192 w 10040"/>
+              <a:gd name="connsiteY1" fmla="*/ 8 h 13382"/>
+              <a:gd name="connsiteX2" fmla="*/ 0 w 10040"/>
+              <a:gd name="connsiteY2" fmla="*/ 13099 h 13382"/>
+            </a:gdLst>
+            <a:ahLst/>
+            <a:cxnLst>
+              <a:cxn ang="0">
+                <a:pos x="connsiteX0" y="connsiteY0"/>
+              </a:cxn>
+              <a:cxn ang="0">
+                <a:pos x="connsiteX1" y="connsiteY1"/>
+              </a:cxn>
+              <a:cxn ang="0">
+                <a:pos x="connsiteX2" y="connsiteY2"/>
+              </a:cxn>
+            </a:cxnLst>
+            <a:rect l="l" t="t" r="r" b="b"/>
+            <a:pathLst>
+              <a:path w="10040" h="13382">
+                <a:moveTo>
+                  <a:pt x="10040" y="13382"/>
+                </a:moveTo>
+                <a:cubicBezTo>
+                  <a:pt x="9935" y="7349"/>
+                  <a:pt x="7749" y="-282"/>
+                  <a:pt x="5192" y="8"/>
+                </a:cubicBezTo>
+                <a:cubicBezTo>
+                  <a:pt x="2635" y="298"/>
+                  <a:pt x="3298" y="10621"/>
+                  <a:pt x="0" y="13099"/>
+                </a:cubicBezTo>
+              </a:path>
+            </a:pathLst>
+          </a:custGeom>
+          <a:solidFill>
+            <a:schemeClr val="accent2">
+              <a:lumMod val="60000"/>
+              <a:lumOff val="40000"/>
+            </a:schemeClr>
+          </a:solidFill>
+          <a:ln w="19050">
+            <a:solidFill>
+              <a:srgbClr val="C00000"/>
+            </a:solidFill>
+          </a:ln>
+        </p:spPr>
+        <p:style>
+          <a:lnRef idx="1">
+            <a:schemeClr val="accent1"/>
+          </a:lnRef>
+          <a:fillRef idx="0">
+            <a:schemeClr val="accent1"/>
+          </a:fillRef>
+          <a:effectRef idx="0">
+            <a:schemeClr val="accent1"/>
+          </a:effectRef>
+          <a:fontRef idx="minor">
+            <a:schemeClr val="tx1"/>
+          </a:fontRef>
+        </p:style>
+        <p:txBody>
+          <a:bodyPr rtlCol="0" anchor="ctr"/>
+          <a:lstStyle/>
+          <a:p>
+            <a:pPr algn="ctr"/>
+            <a:endParaRPr lang="fr-FR" dirty="0"/>
+          </a:p>
+        </p:txBody>
+      </p:sp>
+      <p:sp>
+        <p:nvSpPr>
+          <p:cNvPr id="23" name="Rectangle 22"/>
+          <p:cNvSpPr/>
+          <p:nvPr/>
+        </p:nvSpPr>
+        <p:spPr>
+          <a:xfrm>
+            <a:off x="2002748" y="173003"/>
+            <a:ext cx="1122317" cy="645120"/>
+          </a:xfrm>
+          <a:prstGeom prst="rect">
+            <a:avLst/>
+          </a:prstGeom>
+          <a:solidFill>
+            <a:schemeClr val="bg1"/>
+          </a:solidFill>
+          <a:ln>
+            <a:noFill/>
+          </a:ln>
+        </p:spPr>
+        <p:style>
+          <a:lnRef idx="2">
+            <a:schemeClr val="accent1">
+              <a:shade val="50000"/>
+            </a:schemeClr>
+          </a:lnRef>
+          <a:fillRef idx="1">
+            <a:schemeClr val="accent1"/>
+          </a:fillRef>
+          <a:effectRef idx="0">
+            <a:schemeClr val="accent1"/>
+          </a:effectRef>
+          <a:fontRef idx="minor">
+            <a:schemeClr val="lt1"/>
+          </a:fontRef>
+        </p:style>
+        <p:txBody>
+          <a:bodyPr rtlCol="0" anchor="ctr"/>
+          <a:lstStyle/>
+          <a:p>
+            <a:pPr algn="ctr"/>
+            <a:endParaRPr lang="fr-FR"/>
+          </a:p>
+        </p:txBody>
+      </p:sp>
+      <p:pic>
+        <p:nvPicPr>
+          <p:cNvPr id="24" name="Image 23"/>
+          <p:cNvPicPr>
+            <a:picLocks noChangeAspect="1"/>
+          </p:cNvPicPr>
+          <p:nvPr/>
+        </p:nvPicPr>
+        <p:blipFill rotWithShape="1">
+          <a:blip r:embed="rId6"/>
+          <a:srcRect l="53601"/>
+          <a:stretch/>
+        </p:blipFill>
+        <p:spPr>
+          <a:xfrm>
+            <a:off x="7248128" y="1336388"/>
+            <a:ext cx="1009855" cy="646721"/>
+          </a:xfrm>
+          <a:prstGeom prst="rect">
+            <a:avLst/>
+          </a:prstGeom>
+        </p:spPr>
+      </p:pic>
+      <p:sp>
+        <p:nvSpPr>
+          <p:cNvPr id="27" name="ZoneTexte 26"/>
+          <p:cNvSpPr txBox="1"/>
+          <p:nvPr/>
+        </p:nvSpPr>
+        <p:spPr>
+          <a:xfrm>
+            <a:off x="5543893" y="3070897"/>
+            <a:ext cx="537537" cy="307777"/>
+          </a:xfrm>
+          <a:prstGeom prst="rect">
+            <a:avLst/>
+          </a:prstGeom>
+          <a:noFill/>
+        </p:spPr>
+        <p:txBody>
+          <a:bodyPr wrap="square" lIns="0" tIns="0" rIns="0" bIns="0" rtlCol="0">
+            <a:spAutoFit/>
+          </a:bodyPr>
+          <a:lstStyle/>
+          <a:p>
+            <a:pPr algn="ctr"/>
+            <a:r>
+              <a:rPr lang="fr-FR" sz="1000" dirty="0"/>
+              <a:t>Zone élastique</a:t>
+            </a:r>
+          </a:p>
+        </p:txBody>
+      </p:sp>
+      <p:sp>
+        <p:nvSpPr>
+          <p:cNvPr id="28" name="ZoneTexte 27"/>
+          <p:cNvSpPr txBox="1"/>
+          <p:nvPr/>
+        </p:nvSpPr>
+        <p:spPr>
+          <a:xfrm>
+            <a:off x="6096001" y="3140968"/>
+            <a:ext cx="1137556" cy="153888"/>
+          </a:xfrm>
+          <a:prstGeom prst="rect">
+            <a:avLst/>
+          </a:prstGeom>
+          <a:noFill/>
+        </p:spPr>
+        <p:txBody>
+          <a:bodyPr wrap="square" lIns="0" tIns="0" rIns="0" bIns="0" rtlCol="0">
+            <a:spAutoFit/>
+          </a:bodyPr>
+          <a:lstStyle/>
+          <a:p>
+            <a:pPr algn="ctr"/>
+            <a:r>
+              <a:rPr lang="fr-FR" sz="1000" dirty="0"/>
+              <a:t>Zone plastique</a:t>
+            </a:r>
+          </a:p>
+        </p:txBody>
+      </p:sp>
+      <p:sp>
+        <p:nvSpPr>
+          <p:cNvPr id="29" name="ZoneTexte 28"/>
+          <p:cNvSpPr txBox="1"/>
+          <p:nvPr/>
+        </p:nvSpPr>
+        <p:spPr>
+          <a:xfrm>
+            <a:off x="7250989" y="3147841"/>
+            <a:ext cx="998285" cy="153888"/>
+          </a:xfrm>
+          <a:prstGeom prst="rect">
+            <a:avLst/>
+          </a:prstGeom>
+          <a:noFill/>
+        </p:spPr>
+        <p:txBody>
+          <a:bodyPr wrap="square" lIns="0" tIns="0" rIns="0" bIns="0" rtlCol="0">
+            <a:spAutoFit/>
+          </a:bodyPr>
+          <a:lstStyle/>
+          <a:p>
+            <a:pPr algn="ctr"/>
+            <a:r>
+              <a:rPr lang="fr-FR" sz="1000" dirty="0"/>
+              <a:t>Zone de striction</a:t>
+            </a:r>
+          </a:p>
+        </p:txBody>
+      </p:sp>
+      <p:cxnSp>
+        <p:nvCxnSpPr>
+          <p:cNvPr id="30" name="Connecteur droit 29"/>
+          <p:cNvCxnSpPr/>
+          <p:nvPr/>
+        </p:nvCxnSpPr>
+        <p:spPr>
+          <a:xfrm flipV="1">
+            <a:off x="7516804" y="1988840"/>
+            <a:ext cx="734600" cy="1452423"/>
+          </a:xfrm>
+          <a:prstGeom prst="line">
+            <a:avLst/>
+          </a:prstGeom>
+          <a:ln w="9525">
+            <a:solidFill>
+              <a:srgbClr val="C00000"/>
+            </a:solidFill>
+            <a:prstDash val="dash"/>
+          </a:ln>
+        </p:spPr>
+        <p:style>
+          <a:lnRef idx="1">
+            <a:schemeClr val="accent1"/>
+          </a:lnRef>
+          <a:fillRef idx="0">
+            <a:schemeClr val="accent1"/>
+          </a:fillRef>
+          <a:effectRef idx="0">
+            <a:schemeClr val="accent1"/>
+          </a:effectRef>
+          <a:fontRef idx="minor">
+            <a:schemeClr val="tx1"/>
+          </a:fontRef>
+        </p:style>
+      </p:cxnSp>
+      <mc:AlternateContent xmlns:mc="http://schemas.openxmlformats.org/markup-compatibility/2006">
+        <mc:Choice xmlns:a14="http://schemas.microsoft.com/office/drawing/2010/main" Requires="a14">
+          <p:sp>
+            <p:nvSpPr>
+              <p:cNvPr id="31" name="Rectangle 30"/>
+              <p:cNvSpPr/>
+              <p:nvPr/>
+            </p:nvSpPr>
+            <p:spPr>
+              <a:xfrm>
+                <a:off x="7169846" y="3435533"/>
+                <a:ext cx="721416" cy="469424"/>
+              </a:xfrm>
+              <a:prstGeom prst="rect">
+                <a:avLst/>
+              </a:prstGeom>
+            </p:spPr>
+            <p:txBody>
+              <a:bodyPr wrap="none">
+                <a:spAutoFit/>
+              </a:bodyPr>
+              <a:lstStyle/>
+              <a:p>
+                <a14:m>
+                  <m:oMathPara xmlns:m="http://schemas.openxmlformats.org/officeDocument/2006/math">
+                    <m:oMathParaPr>
+                      <m:jc m:val="centerGroup"/>
+                    </m:oMathParaPr>
+                    <m:oMath xmlns:m="http://schemas.openxmlformats.org/officeDocument/2006/math">
+                      <m:f>
+                        <m:fPr>
+                          <m:ctrlPr>
+                            <a:rPr lang="fr-FR" sz="1200" i="1" smtClean="0">
+                              <a:latin typeface="Cambria Math" panose="02040503050406030204" pitchFamily="18" charset="0"/>
+                            </a:rPr>
+                          </m:ctrlPr>
+                        </m:fPr>
+                        <m:num>
+                          <m:sSub>
+                            <m:sSubPr>
+                              <m:ctrlPr>
+                                <a:rPr lang="fr-FR" sz="1200" b="0" i="1" smtClean="0">
+                                  <a:latin typeface="Cambria Math" panose="02040503050406030204" pitchFamily="18" charset="0"/>
+                                </a:rPr>
+                              </m:ctrlPr>
+                            </m:sSubPr>
+                            <m:e>
+                              <m:r>
+                                <a:rPr lang="fr-FR" sz="1200" i="1">
+                                  <a:latin typeface="Cambria Math" panose="02040503050406030204" pitchFamily="18" charset="0"/>
+                                </a:rPr>
+                                <m:t>𝐿</m:t>
+                              </m:r>
+                            </m:e>
+                            <m:sub>
+                              <m:r>
+                                <a:rPr lang="fr-FR" sz="1200" b="0" i="1" smtClean="0">
+                                  <a:latin typeface="Cambria Math" panose="02040503050406030204" pitchFamily="18" charset="0"/>
+                                </a:rPr>
+                                <m:t>𝑢</m:t>
+                              </m:r>
+                            </m:sub>
+                          </m:sSub>
+                          <m:r>
+                            <a:rPr lang="fr-FR" sz="1200" b="0" i="1" smtClean="0">
+                              <a:latin typeface="Cambria Math" panose="02040503050406030204" pitchFamily="18" charset="0"/>
+                            </a:rPr>
+                            <m:t>−</m:t>
+                          </m:r>
+                          <m:sSub>
+                            <m:sSubPr>
+                              <m:ctrlPr>
+                                <a:rPr lang="fr-FR" sz="1200" b="0" i="1" smtClean="0">
+                                  <a:latin typeface="Cambria Math" panose="02040503050406030204" pitchFamily="18" charset="0"/>
+                                </a:rPr>
+                              </m:ctrlPr>
+                            </m:sSubPr>
+                            <m:e>
+                              <m:r>
+                                <a:rPr lang="fr-FR" sz="1200" b="0" i="1" smtClean="0">
+                                  <a:latin typeface="Cambria Math" panose="02040503050406030204" pitchFamily="18" charset="0"/>
+                                </a:rPr>
+                                <m:t>𝐿</m:t>
+                              </m:r>
+                            </m:e>
+                            <m:sub>
+                              <m:r>
+                                <a:rPr lang="fr-FR" sz="1200" b="0" i="1" smtClean="0">
+                                  <a:latin typeface="Cambria Math" panose="02040503050406030204" pitchFamily="18" charset="0"/>
+                                </a:rPr>
+                                <m:t>0</m:t>
+                              </m:r>
+                            </m:sub>
+                          </m:sSub>
+                        </m:num>
+                        <m:den>
+                          <m:sSub>
+                            <m:sSubPr>
+                              <m:ctrlPr>
+                                <a:rPr lang="fr-FR" sz="1200" b="0" i="1" smtClean="0">
+                                  <a:latin typeface="Cambria Math" panose="02040503050406030204" pitchFamily="18" charset="0"/>
+                                </a:rPr>
+                              </m:ctrlPr>
+                            </m:sSubPr>
+                            <m:e>
+                              <m:r>
+                                <a:rPr lang="fr-FR" sz="1200" i="1">
+                                  <a:latin typeface="Cambria Math" panose="02040503050406030204" pitchFamily="18" charset="0"/>
+                                </a:rPr>
+                                <m:t>𝐿</m:t>
+                              </m:r>
+                            </m:e>
+                            <m:sub>
+                              <m:r>
+                                <a:rPr lang="fr-FR" sz="1200" b="0" i="1" smtClean="0">
+                                  <a:latin typeface="Cambria Math" panose="02040503050406030204" pitchFamily="18" charset="0"/>
+                                </a:rPr>
+                                <m:t>0</m:t>
+                              </m:r>
+                            </m:sub>
+                          </m:sSub>
+                        </m:den>
+                      </m:f>
+                    </m:oMath>
+                  </m:oMathPara>
+                </a14:m>
+                <a:endParaRPr lang="fr-FR" sz="1200" dirty="0"/>
+              </a:p>
+            </p:txBody>
+          </p:sp>
+        </mc:Choice>
+        <mc:Fallback>
+          <p:sp>
+            <p:nvSpPr>
+              <p:cNvPr id="31" name="Rectangle 30"/>
+              <p:cNvSpPr>
+                <a:spLocks noRot="1" noChangeAspect="1" noMove="1" noResize="1" noEditPoints="1" noAdjustHandles="1" noChangeArrowheads="1" noChangeShapeType="1" noTextEdit="1"/>
+              </p:cNvSpPr>
+              <p:nvPr/>
+            </p:nvSpPr>
+            <p:spPr>
+              <a:xfrm>
+                <a:off x="7169846" y="3435533"/>
+                <a:ext cx="721416" cy="469424"/>
+              </a:xfrm>
+              <a:prstGeom prst="rect">
+                <a:avLst/>
+              </a:prstGeom>
+              <a:blipFill>
+                <a:blip r:embed="rId7"/>
+                <a:stretch>
+                  <a:fillRect/>
+                </a:stretch>
+              </a:blipFill>
+            </p:spPr>
+            <p:txBody>
+              <a:bodyPr/>
+              <a:lstStyle/>
+              <a:p>
+                <a:r>
+                  <a:rPr lang="fr-FR">
+                    <a:noFill/>
+                  </a:rPr>
+                  <a:t> </a:t>
+                </a:r>
+              </a:p>
+            </p:txBody>
+          </p:sp>
+        </mc:Fallback>
+      </mc:AlternateContent>
+      <p:cxnSp>
+        <p:nvCxnSpPr>
+          <p:cNvPr id="32" name="Connecteur droit 31"/>
+          <p:cNvCxnSpPr>
+            <a:endCxn id="18" idx="2"/>
+          </p:cNvCxnSpPr>
+          <p:nvPr/>
+        </p:nvCxnSpPr>
+        <p:spPr>
+          <a:xfrm flipV="1">
+            <a:off x="5361398" y="1971860"/>
+            <a:ext cx="731882" cy="2216"/>
+          </a:xfrm>
+          <a:prstGeom prst="line">
+            <a:avLst/>
+          </a:prstGeom>
+          <a:ln w="9525">
+            <a:solidFill>
+              <a:srgbClr val="C00000"/>
+            </a:solidFill>
+            <a:prstDash val="dash"/>
+          </a:ln>
+        </p:spPr>
+        <p:style>
+          <a:lnRef idx="1">
+            <a:schemeClr val="accent1"/>
+          </a:lnRef>
+          <a:fillRef idx="0">
+            <a:schemeClr val="accent1"/>
+          </a:fillRef>
+          <a:effectRef idx="0">
+            <a:schemeClr val="accent1"/>
+          </a:effectRef>
+          <a:fontRef idx="minor">
+            <a:schemeClr val="tx1"/>
+          </a:fontRef>
+        </p:style>
+      </p:cxnSp>
+      <p:cxnSp>
+        <p:nvCxnSpPr>
+          <p:cNvPr id="35" name="Connecteur droit 34"/>
+          <p:cNvCxnSpPr>
+            <a:endCxn id="18" idx="1"/>
+          </p:cNvCxnSpPr>
+          <p:nvPr/>
+        </p:nvCxnSpPr>
+        <p:spPr>
+          <a:xfrm>
+            <a:off x="5361398" y="1465307"/>
+            <a:ext cx="1849789" cy="0"/>
+          </a:xfrm>
+          <a:prstGeom prst="line">
+            <a:avLst/>
+          </a:prstGeom>
+          <a:ln w="9525">
+            <a:solidFill>
+              <a:srgbClr val="C00000"/>
+            </a:solidFill>
+            <a:prstDash val="dash"/>
+          </a:ln>
+        </p:spPr>
+        <p:style>
+          <a:lnRef idx="1">
+            <a:schemeClr val="accent1"/>
+          </a:lnRef>
+          <a:fillRef idx="0">
+            <a:schemeClr val="accent1"/>
+          </a:fillRef>
+          <a:effectRef idx="0">
+            <a:schemeClr val="accent1"/>
+          </a:effectRef>
+          <a:fontRef idx="minor">
+            <a:schemeClr val="tx1"/>
+          </a:fontRef>
+        </p:style>
+      </p:cxnSp>
+      <mc:AlternateContent xmlns:mc="http://schemas.openxmlformats.org/markup-compatibility/2006">
+        <mc:Choice xmlns:a14="http://schemas.microsoft.com/office/drawing/2010/main" Requires="a14">
+          <p:sp>
+            <p:nvSpPr>
+              <p:cNvPr id="39" name="ZoneTexte 38"/>
+              <p:cNvSpPr txBox="1"/>
+              <p:nvPr/>
+            </p:nvSpPr>
+            <p:spPr>
+              <a:xfrm>
+                <a:off x="5486685" y="1111301"/>
+                <a:ext cx="430373" cy="345800"/>
+              </a:xfrm>
+              <a:prstGeom prst="rect">
+                <a:avLst/>
+              </a:prstGeom>
+              <a:noFill/>
+            </p:spPr>
+            <p:txBody>
+              <a:bodyPr wrap="none" lIns="0" tIns="0" rIns="0" bIns="0" rtlCol="0">
+                <a:spAutoFit/>
+              </a:bodyPr>
+              <a:lstStyle/>
+              <a:p>
+                <a:pPr/>
+                <a14:m>
+                  <m:oMathPara xmlns:m="http://schemas.openxmlformats.org/officeDocument/2006/math">
+                    <m:oMathParaPr>
+                      <m:jc m:val="centerGroup"/>
+                    </m:oMathParaPr>
+                    <m:oMath xmlns:m="http://schemas.openxmlformats.org/officeDocument/2006/math">
+                      <m:r>
+                        <a:rPr lang="fr-FR" sz="1200" b="0" i="1" smtClean="0">
+                          <a:latin typeface="Cambria Math" panose="02040503050406030204" pitchFamily="18" charset="0"/>
+                        </a:rPr>
+                        <m:t>𝜎</m:t>
+                      </m:r>
+                      <m:r>
+                        <a:rPr lang="fr-FR" sz="1200" b="0" i="1" smtClean="0">
+                          <a:latin typeface="Cambria Math" panose="02040503050406030204" pitchFamily="18" charset="0"/>
+                        </a:rPr>
+                        <m:t>=</m:t>
+                      </m:r>
+                      <m:f>
+                        <m:fPr>
+                          <m:ctrlPr>
+                            <a:rPr lang="fr-FR" sz="1200" b="0" i="1" smtClean="0">
+                              <a:latin typeface="Cambria Math" panose="02040503050406030204" pitchFamily="18" charset="0"/>
+                            </a:rPr>
+                          </m:ctrlPr>
+                        </m:fPr>
+                        <m:num>
+                          <m:r>
+                            <a:rPr lang="fr-FR" sz="1200" b="0" i="1" smtClean="0">
+                              <a:latin typeface="Cambria Math" panose="02040503050406030204" pitchFamily="18" charset="0"/>
+                            </a:rPr>
+                            <m:t>𝐹</m:t>
+                          </m:r>
+                        </m:num>
+                        <m:den>
+                          <m:r>
+                            <a:rPr lang="fr-FR" sz="1200" b="0" i="1" smtClean="0">
+                              <a:latin typeface="Cambria Math" panose="02040503050406030204" pitchFamily="18" charset="0"/>
+                            </a:rPr>
+                            <m:t>𝑆</m:t>
+                          </m:r>
+                        </m:den>
+                      </m:f>
+                    </m:oMath>
+                  </m:oMathPara>
+                </a14:m>
+                <a:endParaRPr lang="fr-FR" sz="1200" dirty="0"/>
+              </a:p>
+            </p:txBody>
+          </p:sp>
+        </mc:Choice>
+        <mc:Fallback>
+          <p:sp>
+            <p:nvSpPr>
+              <p:cNvPr id="39" name="ZoneTexte 38"/>
+              <p:cNvSpPr txBox="1">
+                <a:spLocks noRot="1" noChangeAspect="1" noMove="1" noResize="1" noEditPoints="1" noAdjustHandles="1" noChangeArrowheads="1" noChangeShapeType="1" noTextEdit="1"/>
+              </p:cNvSpPr>
+              <p:nvPr/>
+            </p:nvSpPr>
+            <p:spPr>
+              <a:xfrm>
+                <a:off x="5486685" y="1111301"/>
+                <a:ext cx="430373" cy="345800"/>
+              </a:xfrm>
+              <a:prstGeom prst="rect">
+                <a:avLst/>
+              </a:prstGeom>
+              <a:blipFill>
+                <a:blip r:embed="rId8"/>
+                <a:stretch>
+                  <a:fillRect l="-4225" t="-1754" r="-5634" b="-14035"/>
+                </a:stretch>
+              </a:blipFill>
+            </p:spPr>
+            <p:txBody>
+              <a:bodyPr/>
+              <a:lstStyle/>
+              <a:p>
+                <a:r>
+                  <a:rPr lang="fr-FR">
+                    <a:noFill/>
+                  </a:rPr>
+                  <a:t> </a:t>
+                </a:r>
+              </a:p>
+            </p:txBody>
+          </p:sp>
+        </mc:Fallback>
+      </mc:AlternateContent>
+      <mc:AlternateContent xmlns:mc="http://schemas.openxmlformats.org/markup-compatibility/2006">
+        <mc:Choice xmlns:a14="http://schemas.microsoft.com/office/drawing/2010/main" Requires="a14">
+          <p:sp>
+            <p:nvSpPr>
+              <p:cNvPr id="43" name="Rectangle 42"/>
+              <p:cNvSpPr/>
+              <p:nvPr/>
+            </p:nvSpPr>
+            <p:spPr>
+              <a:xfrm>
+                <a:off x="5020524" y="1310910"/>
+                <a:ext cx="429220" cy="276999"/>
+              </a:xfrm>
+              <a:prstGeom prst="rect">
+                <a:avLst/>
+              </a:prstGeom>
+            </p:spPr>
+            <p:txBody>
+              <a:bodyPr wrap="none">
+                <a:spAutoFit/>
+              </a:bodyPr>
+              <a:lstStyle/>
+              <a:p>
+                <a14:m>
+                  <m:oMathPara xmlns:m="http://schemas.openxmlformats.org/officeDocument/2006/math">
+                    <m:oMathParaPr>
+                      <m:jc m:val="centerGroup"/>
+                    </m:oMathParaPr>
+                    <m:oMath xmlns:m="http://schemas.openxmlformats.org/officeDocument/2006/math">
+                      <m:sSub>
+                        <m:sSubPr>
+                          <m:ctrlPr>
+                            <a:rPr lang="fr-FR" sz="1200" b="0" i="1" smtClean="0">
+                              <a:latin typeface="Cambria Math" panose="02040503050406030204" pitchFamily="18" charset="0"/>
+                            </a:rPr>
+                          </m:ctrlPr>
+                        </m:sSubPr>
+                        <m:e>
+                          <m:r>
+                            <a:rPr lang="fr-FR" sz="1200" i="1" smtClean="0">
+                              <a:latin typeface="Cambria Math" panose="02040503050406030204" pitchFamily="18" charset="0"/>
+                            </a:rPr>
+                            <m:t>𝑅</m:t>
+                          </m:r>
+                        </m:e>
+                        <m:sub>
+                          <m:r>
+                            <a:rPr lang="fr-FR" sz="1200" b="0" i="1" smtClean="0">
+                              <a:latin typeface="Cambria Math" panose="02040503050406030204" pitchFamily="18" charset="0"/>
+                            </a:rPr>
+                            <m:t>𝑚</m:t>
+                          </m:r>
+                        </m:sub>
+                      </m:sSub>
+                    </m:oMath>
+                  </m:oMathPara>
+                </a14:m>
+                <a:endParaRPr lang="fr-FR" sz="1200" dirty="0"/>
+              </a:p>
+            </p:txBody>
+          </p:sp>
+        </mc:Choice>
+        <mc:Fallback>
+          <p:sp>
+            <p:nvSpPr>
+              <p:cNvPr id="43" name="Rectangle 42"/>
+              <p:cNvSpPr>
+                <a:spLocks noRot="1" noChangeAspect="1" noMove="1" noResize="1" noEditPoints="1" noAdjustHandles="1" noChangeArrowheads="1" noChangeShapeType="1" noTextEdit="1"/>
+              </p:cNvSpPr>
+              <p:nvPr/>
+            </p:nvSpPr>
+            <p:spPr>
+              <a:xfrm>
+                <a:off x="5020524" y="1310910"/>
+                <a:ext cx="429220" cy="276999"/>
+              </a:xfrm>
+              <a:prstGeom prst="rect">
+                <a:avLst/>
+              </a:prstGeom>
+              <a:blipFill>
+                <a:blip r:embed="rId9"/>
+                <a:stretch>
+                  <a:fillRect/>
+                </a:stretch>
+              </a:blipFill>
+            </p:spPr>
+            <p:txBody>
+              <a:bodyPr/>
+              <a:lstStyle/>
+              <a:p>
+                <a:r>
+                  <a:rPr lang="fr-FR">
+                    <a:noFill/>
+                  </a:rPr>
+                  <a:t> </a:t>
+                </a:r>
+              </a:p>
+            </p:txBody>
+          </p:sp>
+        </mc:Fallback>
+      </mc:AlternateContent>
+      <mc:AlternateContent xmlns:mc="http://schemas.openxmlformats.org/markup-compatibility/2006">
+        <mc:Choice xmlns:a14="http://schemas.microsoft.com/office/drawing/2010/main" Requires="a14">
+          <p:sp>
+            <p:nvSpPr>
+              <p:cNvPr id="44" name="Rectangle 43"/>
+              <p:cNvSpPr/>
+              <p:nvPr/>
+            </p:nvSpPr>
+            <p:spPr>
+              <a:xfrm>
+                <a:off x="5012450" y="1824691"/>
+                <a:ext cx="385810" cy="276999"/>
+              </a:xfrm>
+              <a:prstGeom prst="rect">
+                <a:avLst/>
+              </a:prstGeom>
+            </p:spPr>
+            <p:txBody>
+              <a:bodyPr wrap="none">
+                <a:spAutoFit/>
+              </a:bodyPr>
+              <a:lstStyle/>
+              <a:p>
+                <a14:m>
+                  <m:oMathPara xmlns:m="http://schemas.openxmlformats.org/officeDocument/2006/math">
+                    <m:oMathParaPr>
+                      <m:jc m:val="centerGroup"/>
+                    </m:oMathParaPr>
+                    <m:oMath xmlns:m="http://schemas.openxmlformats.org/officeDocument/2006/math">
+                      <m:sSub>
+                        <m:sSubPr>
+                          <m:ctrlPr>
+                            <a:rPr lang="fr-FR" sz="1200" b="0" i="1" smtClean="0">
+                              <a:latin typeface="Cambria Math" panose="02040503050406030204" pitchFamily="18" charset="0"/>
+                            </a:rPr>
+                          </m:ctrlPr>
+                        </m:sSubPr>
+                        <m:e>
+                          <m:r>
+                            <a:rPr lang="fr-FR" sz="1200" i="1" smtClean="0">
+                              <a:latin typeface="Cambria Math" panose="02040503050406030204" pitchFamily="18" charset="0"/>
+                            </a:rPr>
+                            <m:t>𝑅</m:t>
+                          </m:r>
+                        </m:e>
+                        <m:sub>
+                          <m:r>
+                            <a:rPr lang="fr-FR" sz="1200" b="0" i="1" smtClean="0">
+                              <a:latin typeface="Cambria Math" panose="02040503050406030204" pitchFamily="18" charset="0"/>
+                            </a:rPr>
+                            <m:t>𝑒</m:t>
+                          </m:r>
+                        </m:sub>
+                      </m:sSub>
+                    </m:oMath>
+                  </m:oMathPara>
+                </a14:m>
+                <a:endParaRPr lang="fr-FR" sz="1200" dirty="0"/>
+              </a:p>
+            </p:txBody>
+          </p:sp>
+        </mc:Choice>
+        <mc:Fallback>
+          <p:sp>
+            <p:nvSpPr>
+              <p:cNvPr id="44" name="Rectangle 43"/>
+              <p:cNvSpPr>
+                <a:spLocks noRot="1" noChangeAspect="1" noMove="1" noResize="1" noEditPoints="1" noAdjustHandles="1" noChangeArrowheads="1" noChangeShapeType="1" noTextEdit="1"/>
+              </p:cNvSpPr>
+              <p:nvPr/>
+            </p:nvSpPr>
+            <p:spPr>
+              <a:xfrm>
+                <a:off x="5012450" y="1824691"/>
+                <a:ext cx="385810" cy="276999"/>
+              </a:xfrm>
+              <a:prstGeom prst="rect">
+                <a:avLst/>
+              </a:prstGeom>
+              <a:blipFill>
+                <a:blip r:embed="rId10"/>
+                <a:stretch>
+                  <a:fillRect/>
+                </a:stretch>
+              </a:blipFill>
+            </p:spPr>
+            <p:txBody>
+              <a:bodyPr/>
+              <a:lstStyle/>
+              <a:p>
+                <a:r>
+                  <a:rPr lang="fr-FR">
+                    <a:noFill/>
+                  </a:rPr>
+                  <a:t> </a:t>
+                </a:r>
+              </a:p>
+            </p:txBody>
+          </p:sp>
+        </mc:Fallback>
+      </mc:AlternateContent>
+      <p:pic>
+        <p:nvPicPr>
+          <p:cNvPr id="45" name="Image 44"/>
+          <p:cNvPicPr>
+            <a:picLocks noChangeAspect="1"/>
+          </p:cNvPicPr>
+          <p:nvPr/>
+        </p:nvPicPr>
+        <p:blipFill>
+          <a:blip r:embed="rId11"/>
+          <a:stretch>
+            <a:fillRect/>
+          </a:stretch>
+        </p:blipFill>
+        <p:spPr>
+          <a:xfrm>
+            <a:off x="129692" y="1388061"/>
+            <a:ext cx="991032" cy="1990354"/>
+          </a:xfrm>
+          <a:prstGeom prst="rect">
+            <a:avLst/>
+          </a:prstGeom>
+        </p:spPr>
+      </p:pic>
+      <p:pic>
+        <p:nvPicPr>
+          <p:cNvPr id="46" name="Image 45"/>
+          <p:cNvPicPr>
+            <a:picLocks noChangeAspect="1"/>
+          </p:cNvPicPr>
+          <p:nvPr/>
+        </p:nvPicPr>
+        <p:blipFill>
+          <a:blip r:embed="rId12"/>
+          <a:stretch>
+            <a:fillRect/>
+          </a:stretch>
+        </p:blipFill>
+        <p:spPr>
+          <a:xfrm>
+            <a:off x="1397718" y="1566727"/>
+            <a:ext cx="1180927" cy="1728129"/>
+          </a:xfrm>
+          <a:prstGeom prst="rect">
+            <a:avLst/>
+          </a:prstGeom>
+        </p:spPr>
+      </p:pic>
+      <p:sp>
+        <p:nvSpPr>
+          <p:cNvPr id="49" name="ZoneTexte 48"/>
+          <p:cNvSpPr txBox="1"/>
+          <p:nvPr/>
+        </p:nvSpPr>
+        <p:spPr>
+          <a:xfrm>
+            <a:off x="-4805" y="3891656"/>
+            <a:ext cx="1260025" cy="184666"/>
+          </a:xfrm>
+          <a:prstGeom prst="rect">
+            <a:avLst/>
+          </a:prstGeom>
+          <a:noFill/>
+        </p:spPr>
+        <p:txBody>
+          <a:bodyPr wrap="none" lIns="0" tIns="0" rIns="0" bIns="0" rtlCol="0">
+            <a:spAutoFit/>
+          </a:bodyPr>
+          <a:lstStyle/>
+          <a:p>
+            <a:pPr/>
+            <a:r>
+              <a:rPr lang="fr-FR" sz="1200" b="0" dirty="0"/>
+              <a:t>Machine de traction</a:t>
+            </a:r>
+            <a:endParaRPr lang="fr-FR" sz="1200" dirty="0"/>
+          </a:p>
+        </p:txBody>
+      </p:sp>
+      <p:sp>
+        <p:nvSpPr>
+          <p:cNvPr id="50" name="ZoneTexte 49"/>
+          <p:cNvSpPr txBox="1"/>
+          <p:nvPr/>
+        </p:nvSpPr>
+        <p:spPr>
+          <a:xfrm>
+            <a:off x="1644657" y="3891656"/>
+            <a:ext cx="687048" cy="184666"/>
+          </a:xfrm>
+          <a:prstGeom prst="rect">
+            <a:avLst/>
+          </a:prstGeom>
+          <a:noFill/>
+        </p:spPr>
+        <p:txBody>
+          <a:bodyPr wrap="none" lIns="0" tIns="0" rIns="0" bIns="0" rtlCol="0">
+            <a:spAutoFit/>
+          </a:bodyPr>
+          <a:lstStyle/>
+          <a:p>
+            <a:pPr/>
+            <a:r>
+              <a:rPr lang="fr-FR" sz="1200" dirty="0"/>
+              <a:t>Éprouvette</a:t>
+            </a:r>
+          </a:p>
+        </p:txBody>
+      </p:sp>
+      <p:sp>
+        <p:nvSpPr>
+          <p:cNvPr id="51" name="ZoneTexte 50"/>
+          <p:cNvSpPr txBox="1"/>
+          <p:nvPr/>
+        </p:nvSpPr>
+        <p:spPr>
+          <a:xfrm>
+            <a:off x="2855640" y="3890906"/>
+            <a:ext cx="1656184" cy="186166"/>
+          </a:xfrm>
+          <a:prstGeom prst="rect">
+            <a:avLst/>
+          </a:prstGeom>
+          <a:noFill/>
+        </p:spPr>
+        <p:txBody>
+          <a:bodyPr wrap="square" lIns="0" tIns="0" rIns="0" bIns="0" rtlCol="0">
+            <a:spAutoFit/>
+          </a:bodyPr>
+          <a:lstStyle/>
+          <a:p>
+            <a:pPr algn="ctr"/>
+            <a:r>
+              <a:rPr lang="fr-FR" sz="1200" dirty="0"/>
+              <a:t>Résultat brut de l’essai</a:t>
+            </a:r>
+          </a:p>
+        </p:txBody>
+      </p:sp>
+      <p:sp>
+        <p:nvSpPr>
+          <p:cNvPr id="52" name="ZoneTexte 51"/>
+          <p:cNvSpPr txBox="1"/>
+          <p:nvPr/>
+        </p:nvSpPr>
+        <p:spPr>
+          <a:xfrm>
+            <a:off x="5398260" y="3891656"/>
+            <a:ext cx="2848152" cy="184666"/>
+          </a:xfrm>
+          <a:prstGeom prst="rect">
+            <a:avLst/>
+          </a:prstGeom>
+          <a:noFill/>
+        </p:spPr>
+        <p:txBody>
+          <a:bodyPr wrap="square" lIns="0" tIns="0" rIns="0" bIns="0" rtlCol="0">
+            <a:spAutoFit/>
+          </a:bodyPr>
+          <a:lstStyle/>
+          <a:p>
+            <a:pPr algn="ctr"/>
+            <a:r>
+              <a:rPr lang="fr-FR" sz="1200" dirty="0"/>
+              <a:t>Résultat de l’essai de traction</a:t>
+            </a:r>
+          </a:p>
+        </p:txBody>
+      </p:sp>
+    </p:spTree>
+    <p:extLst>
+      <p:ext uri="{BB962C8B-B14F-4D97-AF65-F5344CB8AC3E}">
+        <p14:creationId xmlns:p14="http://schemas.microsoft.com/office/powerpoint/2010/main" val="2768346175"/>
+      </p:ext>
+    </p:extLst>
+  </p:cSld>
+  <p:clrMapOvr>
+    <a:masterClrMapping/>
+  </p:clrMapOvr>
+</p:sld>
+</file>
+
+<file path=ppt/slides/slide3.xml><?xml version="1.0" encoding="utf-8"?>
 <p:sld xmlns:a="http://schemas.openxmlformats.org/drawingml/2006/main" xmlns:r="http://schemas.openxmlformats.org/officeDocument/2006/relationships" xmlns:p="http://schemas.openxmlformats.org/presentationml/2006/main">
   <p:cSld>
     <p:spTree>
@@ -5094,8 +7646,8 @@
           </a:fontRef>
         </p:style>
       </p:cxnSp>
-      <mc:AlternateContent xmlns:mc="http://schemas.openxmlformats.org/markup-compatibility/2006">
-        <mc:Choice xmlns:a14="http://schemas.microsoft.com/office/drawing/2010/main" Requires="a14">
+      <mc:AlternateContent xmlns:mc="http://schemas.openxmlformats.org/markup-compatibility/2006" xmlns:a14="http://schemas.microsoft.com/office/drawing/2010/main">
+        <mc:Choice Requires="a14">
           <p:sp>
             <p:nvSpPr>
               <p:cNvPr id="42" name="ZoneTexte 41"/>
@@ -5139,7 +7691,7 @@
             </p:txBody>
           </p:sp>
         </mc:Choice>
-        <mc:Fallback>
+        <mc:Fallback xmlns="">
           <p:sp>
             <p:nvSpPr>
               <p:cNvPr id="42" name="ZoneTexte 41"/>
@@ -5191,7 +7743,7 @@
 </p:sld>
 </file>
 
-<file path=ppt/slides/slide3.xml><?xml version="1.0" encoding="utf-8"?>
+<file path=ppt/slides/slide4.xml><?xml version="1.0" encoding="utf-8"?>
 <p:sld xmlns:a="http://schemas.openxmlformats.org/drawingml/2006/main" xmlns:r="http://schemas.openxmlformats.org/officeDocument/2006/relationships" xmlns:p="http://schemas.openxmlformats.org/presentationml/2006/main">
   <p:cSld>
     <p:spTree>
@@ -7727,7 +10279,7 @@
 </p:sld>
 </file>
 
-<file path=ppt/slides/slide4.xml><?xml version="1.0" encoding="utf-8"?>
+<file path=ppt/slides/slide5.xml><?xml version="1.0" encoding="utf-8"?>
 <p:sld xmlns:a="http://schemas.openxmlformats.org/drawingml/2006/main" xmlns:r="http://schemas.openxmlformats.org/officeDocument/2006/relationships" xmlns:p="http://schemas.openxmlformats.org/presentationml/2006/main">
   <p:cSld>
     <p:spTree>
@@ -8692,7 +11244,7 @@
 </p:sld>
 </file>
 
-<file path=ppt/slides/slide5.xml><?xml version="1.0" encoding="utf-8"?>
+<file path=ppt/slides/slide6.xml><?xml version="1.0" encoding="utf-8"?>
 <p:sld xmlns:a="http://schemas.openxmlformats.org/drawingml/2006/main" xmlns:r="http://schemas.openxmlformats.org/officeDocument/2006/relationships" xmlns:p="http://schemas.openxmlformats.org/presentationml/2006/main">
   <p:cSld>
     <p:spTree>
@@ -9835,7 +12387,7 @@
 </p:sld>
 </file>
 
-<file path=ppt/slides/slide6.xml><?xml version="1.0" encoding="utf-8"?>
+<file path=ppt/slides/slide7.xml><?xml version="1.0" encoding="utf-8"?>
 <p:sld xmlns:a="http://schemas.openxmlformats.org/drawingml/2006/main" xmlns:r="http://schemas.openxmlformats.org/officeDocument/2006/relationships" xmlns:p="http://schemas.openxmlformats.org/presentationml/2006/main">
   <p:cSld>
     <p:spTree>
@@ -12030,7 +14582,7 @@
 </p:sld>
 </file>
 
-<file path=ppt/slides/slide7.xml><?xml version="1.0" encoding="utf-8"?>
+<file path=ppt/slides/slide8.xml><?xml version="1.0" encoding="utf-8"?>
 <p:sld xmlns:a="http://schemas.openxmlformats.org/drawingml/2006/main" xmlns:r="http://schemas.openxmlformats.org/officeDocument/2006/relationships" xmlns:p="http://schemas.openxmlformats.org/presentationml/2006/main">
   <p:cSld>
     <p:spTree>

--- a/02_TractionCompression/Fiche/images/Figures.pptx
+++ b/02_TractionCompression/Fiche/images/Figures.pptx
@@ -5,14 +5,16 @@
     <p:sldMasterId id="2147483648" r:id="rId1"/>
   </p:sldMasterIdLst>
   <p:sldIdLst>
-    <p:sldId id="261" r:id="rId2"/>
-    <p:sldId id="263" r:id="rId3"/>
-    <p:sldId id="262" r:id="rId4"/>
-    <p:sldId id="256" r:id="rId5"/>
-    <p:sldId id="259" r:id="rId6"/>
-    <p:sldId id="260" r:id="rId7"/>
-    <p:sldId id="257" r:id="rId8"/>
-    <p:sldId id="258" r:id="rId9"/>
+    <p:sldId id="264" r:id="rId2"/>
+    <p:sldId id="265" r:id="rId3"/>
+    <p:sldId id="261" r:id="rId4"/>
+    <p:sldId id="263" r:id="rId5"/>
+    <p:sldId id="262" r:id="rId6"/>
+    <p:sldId id="256" r:id="rId7"/>
+    <p:sldId id="259" r:id="rId8"/>
+    <p:sldId id="260" r:id="rId9"/>
+    <p:sldId id="257" r:id="rId10"/>
+    <p:sldId id="258" r:id="rId11"/>
   </p:sldIdLst>
   <p:sldSz cx="12192000" cy="6858000"/>
   <p:notesSz cx="6858000" cy="9144000"/>
@@ -114,7 +116,7 @@
   <p:extLst>
     <p:ext uri="{EFAFB233-063F-42B5-8137-9DF3F51BA10A}">
       <p15:sldGuideLst xmlns:p15="http://schemas.microsoft.com/office/powerpoint/2012/main">
-        <p15:guide id="1" orient="horz" pos="2160" userDrawn="1">
+        <p15:guide id="1" orient="horz" pos="2205" userDrawn="1">
           <p15:clr>
             <a:srgbClr val="A4A3A4"/>
           </p15:clr>
@@ -311,7 +313,7 @@
           <a:p>
             <a:fld id="{AA309A6D-C09C-4548-B29A-6CF363A7E532}" type="datetimeFigureOut">
               <a:rPr lang="fr-FR" smtClean="0"/>
-              <a:t>22/07/2016</a:t>
+              <a:t>23/07/2016</a:t>
             </a:fld>
             <a:endParaRPr lang="fr-BE"/>
           </a:p>
@@ -476,7 +478,7 @@
           <a:p>
             <a:fld id="{AA309A6D-C09C-4548-B29A-6CF363A7E532}" type="datetimeFigureOut">
               <a:rPr lang="fr-FR" smtClean="0"/>
-              <a:t>22/07/2016</a:t>
+              <a:t>23/07/2016</a:t>
             </a:fld>
             <a:endParaRPr lang="fr-BE"/>
           </a:p>
@@ -651,7 +653,7 @@
           <a:p>
             <a:fld id="{AA309A6D-C09C-4548-B29A-6CF363A7E532}" type="datetimeFigureOut">
               <a:rPr lang="fr-FR" smtClean="0"/>
-              <a:t>22/07/2016</a:t>
+              <a:t>23/07/2016</a:t>
             </a:fld>
             <a:endParaRPr lang="fr-BE"/>
           </a:p>
@@ -816,7 +818,7 @@
           <a:p>
             <a:fld id="{AA309A6D-C09C-4548-B29A-6CF363A7E532}" type="datetimeFigureOut">
               <a:rPr lang="fr-FR" smtClean="0"/>
-              <a:t>22/07/2016</a:t>
+              <a:t>23/07/2016</a:t>
             </a:fld>
             <a:endParaRPr lang="fr-BE"/>
           </a:p>
@@ -1057,7 +1059,7 @@
           <a:p>
             <a:fld id="{AA309A6D-C09C-4548-B29A-6CF363A7E532}" type="datetimeFigureOut">
               <a:rPr lang="fr-FR" smtClean="0"/>
-              <a:t>22/07/2016</a:t>
+              <a:t>23/07/2016</a:t>
             </a:fld>
             <a:endParaRPr lang="fr-BE"/>
           </a:p>
@@ -1340,7 +1342,7 @@
           <a:p>
             <a:fld id="{AA309A6D-C09C-4548-B29A-6CF363A7E532}" type="datetimeFigureOut">
               <a:rPr lang="fr-FR" smtClean="0"/>
-              <a:t>22/07/2016</a:t>
+              <a:t>23/07/2016</a:t>
             </a:fld>
             <a:endParaRPr lang="fr-BE"/>
           </a:p>
@@ -1757,7 +1759,7 @@
           <a:p>
             <a:fld id="{AA309A6D-C09C-4548-B29A-6CF363A7E532}" type="datetimeFigureOut">
               <a:rPr lang="fr-FR" smtClean="0"/>
-              <a:t>22/07/2016</a:t>
+              <a:t>23/07/2016</a:t>
             </a:fld>
             <a:endParaRPr lang="fr-BE"/>
           </a:p>
@@ -1870,7 +1872,7 @@
           <a:p>
             <a:fld id="{AA309A6D-C09C-4548-B29A-6CF363A7E532}" type="datetimeFigureOut">
               <a:rPr lang="fr-FR" smtClean="0"/>
-              <a:t>22/07/2016</a:t>
+              <a:t>23/07/2016</a:t>
             </a:fld>
             <a:endParaRPr lang="fr-BE"/>
           </a:p>
@@ -1960,7 +1962,7 @@
           <a:p>
             <a:fld id="{AA309A6D-C09C-4548-B29A-6CF363A7E532}" type="datetimeFigureOut">
               <a:rPr lang="fr-FR" smtClean="0"/>
-              <a:t>22/07/2016</a:t>
+              <a:t>23/07/2016</a:t>
             </a:fld>
             <a:endParaRPr lang="fr-BE"/>
           </a:p>
@@ -2232,7 +2234,7 @@
           <a:p>
             <a:fld id="{AA309A6D-C09C-4548-B29A-6CF363A7E532}" type="datetimeFigureOut">
               <a:rPr lang="fr-FR" smtClean="0"/>
-              <a:t>22/07/2016</a:t>
+              <a:t>23/07/2016</a:t>
             </a:fld>
             <a:endParaRPr lang="fr-BE"/>
           </a:p>
@@ -2480,7 +2482,7 @@
           <a:p>
             <a:fld id="{AA309A6D-C09C-4548-B29A-6CF363A7E532}" type="datetimeFigureOut">
               <a:rPr lang="fr-FR" smtClean="0"/>
-              <a:t>22/07/2016</a:t>
+              <a:t>23/07/2016</a:t>
             </a:fld>
             <a:endParaRPr lang="fr-BE"/>
           </a:p>
@@ -2688,7 +2690,7 @@
           <a:p>
             <a:fld id="{AA309A6D-C09C-4548-B29A-6CF363A7E532}" type="datetimeFigureOut">
               <a:rPr lang="fr-FR" smtClean="0"/>
-              <a:t>22/07/2016</a:t>
+              <a:t>23/07/2016</a:t>
             </a:fld>
             <a:endParaRPr lang="fr-BE"/>
           </a:p>
@@ -3042,6 +3044,5271 @@
 </file>
 
 <file path=ppt/slides/slide1.xml><?xml version="1.0" encoding="utf-8"?>
+<p:sld xmlns:a="http://schemas.openxmlformats.org/drawingml/2006/main" xmlns:r="http://schemas.openxmlformats.org/officeDocument/2006/relationships" xmlns:p="http://schemas.openxmlformats.org/presentationml/2006/main">
+  <p:cSld>
+    <p:spTree>
+      <p:nvGrpSpPr>
+        <p:cNvPr id="1" name=""/>
+        <p:cNvGrpSpPr/>
+        <p:nvPr/>
+      </p:nvGrpSpPr>
+      <p:grpSpPr>
+        <a:xfrm>
+          <a:off x="0" y="0"/>
+          <a:ext cx="0" cy="0"/>
+          <a:chOff x="0" y="0"/>
+          <a:chExt cx="0" cy="0"/>
+        </a:xfrm>
+      </p:grpSpPr>
+      <p:sp>
+        <p:nvSpPr>
+          <p:cNvPr id="4" name="Cylindre 3"/>
+          <p:cNvSpPr/>
+          <p:nvPr/>
+        </p:nvSpPr>
+        <p:spPr>
+          <a:xfrm rot="5400000">
+            <a:off x="3073463" y="366867"/>
+            <a:ext cx="1512165" cy="3243956"/>
+          </a:xfrm>
+          <a:prstGeom prst="can">
+            <a:avLst>
+              <a:gd name="adj" fmla="val 44257"/>
+            </a:avLst>
+          </a:prstGeom>
+          <a:noFill/>
+          <a:ln w="19050">
+            <a:solidFill>
+              <a:srgbClr val="C00000"/>
+            </a:solidFill>
+          </a:ln>
+        </p:spPr>
+        <p:style>
+          <a:lnRef idx="2">
+            <a:schemeClr val="accent1">
+              <a:shade val="50000"/>
+            </a:schemeClr>
+          </a:lnRef>
+          <a:fillRef idx="1">
+            <a:schemeClr val="accent1"/>
+          </a:fillRef>
+          <a:effectRef idx="0">
+            <a:schemeClr val="accent1"/>
+          </a:effectRef>
+          <a:fontRef idx="minor">
+            <a:schemeClr val="lt1"/>
+          </a:fontRef>
+        </p:style>
+        <p:txBody>
+          <a:bodyPr rtlCol="0" anchor="ctr"/>
+          <a:lstStyle/>
+          <a:p>
+            <a:pPr algn="ctr"/>
+            <a:endParaRPr lang="fr-FR"/>
+          </a:p>
+        </p:txBody>
+      </p:sp>
+      <p:sp>
+        <p:nvSpPr>
+          <p:cNvPr id="6" name="Cylindre 5"/>
+          <p:cNvSpPr/>
+          <p:nvPr/>
+        </p:nvSpPr>
+        <p:spPr>
+          <a:xfrm rot="5400000">
+            <a:off x="2704722" y="152639"/>
+            <a:ext cx="2246052" cy="3672409"/>
+          </a:xfrm>
+          <a:prstGeom prst="can">
+            <a:avLst>
+              <a:gd name="adj" fmla="val 49894"/>
+            </a:avLst>
+          </a:prstGeom>
+          <a:noFill/>
+          <a:ln w="19050">
+            <a:solidFill>
+              <a:srgbClr val="C00000"/>
+            </a:solidFill>
+          </a:ln>
+        </p:spPr>
+        <p:style>
+          <a:lnRef idx="2">
+            <a:schemeClr val="accent1">
+              <a:shade val="50000"/>
+            </a:schemeClr>
+          </a:lnRef>
+          <a:fillRef idx="1">
+            <a:schemeClr val="accent1"/>
+          </a:fillRef>
+          <a:effectRef idx="0">
+            <a:schemeClr val="accent1"/>
+          </a:effectRef>
+          <a:fontRef idx="minor">
+            <a:schemeClr val="lt1"/>
+          </a:fontRef>
+        </p:style>
+        <p:txBody>
+          <a:bodyPr rtlCol="0" anchor="ctr"/>
+          <a:lstStyle/>
+          <a:p>
+            <a:pPr algn="ctr"/>
+            <a:endParaRPr lang="fr-FR"/>
+          </a:p>
+        </p:txBody>
+      </p:sp>
+      <p:sp>
+        <p:nvSpPr>
+          <p:cNvPr id="7" name="Ellipse 6"/>
+          <p:cNvSpPr/>
+          <p:nvPr/>
+        </p:nvSpPr>
+        <p:spPr>
+          <a:xfrm>
+            <a:off x="4943872" y="1412777"/>
+            <a:ext cx="360040" cy="1152131"/>
+          </a:xfrm>
+          <a:prstGeom prst="ellipse">
+            <a:avLst/>
+          </a:prstGeom>
+          <a:noFill/>
+          <a:ln w="19050">
+            <a:solidFill>
+              <a:srgbClr val="C00000"/>
+            </a:solidFill>
+          </a:ln>
+        </p:spPr>
+        <p:style>
+          <a:lnRef idx="2">
+            <a:schemeClr val="accent1">
+              <a:shade val="50000"/>
+            </a:schemeClr>
+          </a:lnRef>
+          <a:fillRef idx="1">
+            <a:schemeClr val="accent1"/>
+          </a:fillRef>
+          <a:effectRef idx="0">
+            <a:schemeClr val="accent1"/>
+          </a:effectRef>
+          <a:fontRef idx="minor">
+            <a:schemeClr val="lt1"/>
+          </a:fontRef>
+        </p:style>
+        <p:txBody>
+          <a:bodyPr rtlCol="0" anchor="ctr"/>
+          <a:lstStyle/>
+          <a:p>
+            <a:pPr algn="ctr"/>
+            <a:endParaRPr lang="fr-FR"/>
+          </a:p>
+        </p:txBody>
+      </p:sp>
+      <p:cxnSp>
+        <p:nvCxnSpPr>
+          <p:cNvPr id="19" name="Connecteur droit 18"/>
+          <p:cNvCxnSpPr/>
+          <p:nvPr/>
+        </p:nvCxnSpPr>
+        <p:spPr>
+          <a:xfrm>
+            <a:off x="1892134" y="1988842"/>
+            <a:ext cx="4347882" cy="0"/>
+          </a:xfrm>
+          <a:prstGeom prst="line">
+            <a:avLst/>
+          </a:prstGeom>
+          <a:ln w="9525">
+            <a:solidFill>
+              <a:srgbClr val="C00000"/>
+            </a:solidFill>
+            <a:prstDash val="lgDashDot"/>
+            <a:headEnd type="none" w="med" len="med"/>
+            <a:tailEnd type="none" w="med" len="med"/>
+          </a:ln>
+        </p:spPr>
+        <p:style>
+          <a:lnRef idx="1">
+            <a:schemeClr val="accent1"/>
+          </a:lnRef>
+          <a:fillRef idx="0">
+            <a:schemeClr val="accent1"/>
+          </a:fillRef>
+          <a:effectRef idx="0">
+            <a:schemeClr val="accent1"/>
+          </a:effectRef>
+          <a:fontRef idx="minor">
+            <a:schemeClr val="tx1"/>
+          </a:fontRef>
+        </p:style>
+      </p:cxnSp>
+      <p:cxnSp>
+        <p:nvCxnSpPr>
+          <p:cNvPr id="22" name="Connecteur droit 21"/>
+          <p:cNvCxnSpPr/>
+          <p:nvPr/>
+        </p:nvCxnSpPr>
+        <p:spPr>
+          <a:xfrm>
+            <a:off x="2503416" y="627005"/>
+            <a:ext cx="0" cy="2777605"/>
+          </a:xfrm>
+          <a:prstGeom prst="line">
+            <a:avLst/>
+          </a:prstGeom>
+          <a:ln w="9525">
+            <a:solidFill>
+              <a:srgbClr val="C00000"/>
+            </a:solidFill>
+            <a:prstDash val="lgDashDot"/>
+            <a:headEnd type="none" w="med" len="med"/>
+            <a:tailEnd type="none" w="med" len="med"/>
+          </a:ln>
+        </p:spPr>
+        <p:style>
+          <a:lnRef idx="1">
+            <a:schemeClr val="accent1"/>
+          </a:lnRef>
+          <a:fillRef idx="0">
+            <a:schemeClr val="accent1"/>
+          </a:fillRef>
+          <a:effectRef idx="0">
+            <a:schemeClr val="accent1"/>
+          </a:effectRef>
+          <a:fontRef idx="minor">
+            <a:schemeClr val="tx1"/>
+          </a:fontRef>
+        </p:style>
+      </p:cxnSp>
+      <p:cxnSp>
+        <p:nvCxnSpPr>
+          <p:cNvPr id="26" name="Connecteur droit 25"/>
+          <p:cNvCxnSpPr/>
+          <p:nvPr/>
+        </p:nvCxnSpPr>
+        <p:spPr>
+          <a:xfrm>
+            <a:off x="5134518" y="600039"/>
+            <a:ext cx="0" cy="2777605"/>
+          </a:xfrm>
+          <a:prstGeom prst="line">
+            <a:avLst/>
+          </a:prstGeom>
+          <a:ln w="9525">
+            <a:solidFill>
+              <a:srgbClr val="C00000"/>
+            </a:solidFill>
+            <a:prstDash val="lgDashDot"/>
+            <a:headEnd type="none" w="med" len="med"/>
+            <a:tailEnd type="none" w="med" len="med"/>
+          </a:ln>
+        </p:spPr>
+        <p:style>
+          <a:lnRef idx="1">
+            <a:schemeClr val="accent1"/>
+          </a:lnRef>
+          <a:fillRef idx="0">
+            <a:schemeClr val="accent1"/>
+          </a:fillRef>
+          <a:effectRef idx="0">
+            <a:schemeClr val="accent1"/>
+          </a:effectRef>
+          <a:fontRef idx="minor">
+            <a:schemeClr val="tx1"/>
+          </a:fontRef>
+        </p:style>
+      </p:cxnSp>
+      <p:cxnSp>
+        <p:nvCxnSpPr>
+          <p:cNvPr id="27" name="Connecteur droit 26"/>
+          <p:cNvCxnSpPr/>
+          <p:nvPr/>
+        </p:nvCxnSpPr>
+        <p:spPr>
+          <a:xfrm flipH="1">
+            <a:off x="4511824" y="1232762"/>
+            <a:ext cx="1296145" cy="1512166"/>
+          </a:xfrm>
+          <a:prstGeom prst="line">
+            <a:avLst/>
+          </a:prstGeom>
+          <a:ln w="9525">
+            <a:solidFill>
+              <a:srgbClr val="C00000"/>
+            </a:solidFill>
+            <a:prstDash val="lgDashDot"/>
+            <a:headEnd type="none" w="med" len="med"/>
+            <a:tailEnd type="none" w="med" len="med"/>
+          </a:ln>
+        </p:spPr>
+        <p:style>
+          <a:lnRef idx="1">
+            <a:schemeClr val="accent1"/>
+          </a:lnRef>
+          <a:fillRef idx="0">
+            <a:schemeClr val="accent1"/>
+          </a:fillRef>
+          <a:effectRef idx="0">
+            <a:schemeClr val="accent1"/>
+          </a:effectRef>
+          <a:fontRef idx="minor">
+            <a:schemeClr val="tx1"/>
+          </a:fontRef>
+        </p:style>
+      </p:cxnSp>
+      <p:cxnSp>
+        <p:nvCxnSpPr>
+          <p:cNvPr id="31" name="Connecteur droit 30"/>
+          <p:cNvCxnSpPr/>
+          <p:nvPr/>
+        </p:nvCxnSpPr>
+        <p:spPr>
+          <a:xfrm>
+            <a:off x="2546710" y="709222"/>
+            <a:ext cx="2600167" cy="218"/>
+          </a:xfrm>
+          <a:prstGeom prst="line">
+            <a:avLst/>
+          </a:prstGeom>
+          <a:noFill/>
+          <a:ln w="9525">
+            <a:solidFill>
+              <a:srgbClr val="C00000"/>
+            </a:solidFill>
+            <a:headEnd type="stealth" w="med" len="lg"/>
+            <a:tailEnd type="stealth" w="med" len="lg"/>
+          </a:ln>
+        </p:spPr>
+        <p:style>
+          <a:lnRef idx="2">
+            <a:schemeClr val="accent1">
+              <a:shade val="50000"/>
+            </a:schemeClr>
+          </a:lnRef>
+          <a:fillRef idx="1">
+            <a:schemeClr val="accent1"/>
+          </a:fillRef>
+          <a:effectRef idx="0">
+            <a:schemeClr val="accent1"/>
+          </a:effectRef>
+          <a:fontRef idx="minor">
+            <a:schemeClr val="lt1"/>
+          </a:fontRef>
+        </p:style>
+      </p:cxnSp>
+      <p:cxnSp>
+        <p:nvCxnSpPr>
+          <p:cNvPr id="34" name="Connecteur droit 33"/>
+          <p:cNvCxnSpPr/>
+          <p:nvPr/>
+        </p:nvCxnSpPr>
+        <p:spPr>
+          <a:xfrm>
+            <a:off x="2237780" y="2235130"/>
+            <a:ext cx="2706092" cy="395318"/>
+          </a:xfrm>
+          <a:prstGeom prst="line">
+            <a:avLst/>
+          </a:prstGeom>
+          <a:noFill/>
+          <a:ln w="19050">
+            <a:solidFill>
+              <a:srgbClr val="C00000"/>
+            </a:solidFill>
+          </a:ln>
+        </p:spPr>
+        <p:style>
+          <a:lnRef idx="2">
+            <a:schemeClr val="accent1">
+              <a:shade val="50000"/>
+            </a:schemeClr>
+          </a:lnRef>
+          <a:fillRef idx="1">
+            <a:schemeClr val="accent1"/>
+          </a:fillRef>
+          <a:effectRef idx="0">
+            <a:schemeClr val="accent1"/>
+          </a:effectRef>
+          <a:fontRef idx="minor">
+            <a:schemeClr val="lt1"/>
+          </a:fontRef>
+        </p:style>
+      </p:cxnSp>
+      <p:cxnSp>
+        <p:nvCxnSpPr>
+          <p:cNvPr id="38" name="Connecteur droit 37"/>
+          <p:cNvCxnSpPr/>
+          <p:nvPr/>
+        </p:nvCxnSpPr>
+        <p:spPr>
+          <a:xfrm flipH="1">
+            <a:off x="4799856" y="1988842"/>
+            <a:ext cx="359380" cy="125646"/>
+          </a:xfrm>
+          <a:prstGeom prst="line">
+            <a:avLst/>
+          </a:prstGeom>
+          <a:noFill/>
+          <a:ln w="19050">
+            <a:solidFill>
+              <a:srgbClr val="C00000"/>
+            </a:solidFill>
+          </a:ln>
+        </p:spPr>
+        <p:style>
+          <a:lnRef idx="2">
+            <a:schemeClr val="accent1">
+              <a:shade val="50000"/>
+            </a:schemeClr>
+          </a:lnRef>
+          <a:fillRef idx="1">
+            <a:schemeClr val="accent1"/>
+          </a:fillRef>
+          <a:effectRef idx="0">
+            <a:schemeClr val="accent1"/>
+          </a:effectRef>
+          <a:fontRef idx="minor">
+            <a:schemeClr val="lt1"/>
+          </a:fontRef>
+        </p:style>
+      </p:cxnSp>
+      <p:cxnSp>
+        <p:nvCxnSpPr>
+          <p:cNvPr id="41" name="Connecteur droit 40"/>
+          <p:cNvCxnSpPr/>
+          <p:nvPr/>
+        </p:nvCxnSpPr>
+        <p:spPr>
+          <a:xfrm flipH="1">
+            <a:off x="4943873" y="1988841"/>
+            <a:ext cx="215363" cy="641607"/>
+          </a:xfrm>
+          <a:prstGeom prst="line">
+            <a:avLst/>
+          </a:prstGeom>
+          <a:noFill/>
+          <a:ln w="19050">
+            <a:solidFill>
+              <a:srgbClr val="C00000"/>
+            </a:solidFill>
+          </a:ln>
+        </p:spPr>
+        <p:style>
+          <a:lnRef idx="2">
+            <a:schemeClr val="accent1">
+              <a:shade val="50000"/>
+            </a:schemeClr>
+          </a:lnRef>
+          <a:fillRef idx="1">
+            <a:schemeClr val="accent1"/>
+          </a:fillRef>
+          <a:effectRef idx="0">
+            <a:schemeClr val="accent1"/>
+          </a:effectRef>
+          <a:fontRef idx="minor">
+            <a:schemeClr val="lt1"/>
+          </a:fontRef>
+        </p:style>
+      </p:cxnSp>
+      <p:cxnSp>
+        <p:nvCxnSpPr>
+          <p:cNvPr id="44" name="Connecteur droit 43"/>
+          <p:cNvCxnSpPr/>
+          <p:nvPr/>
+        </p:nvCxnSpPr>
+        <p:spPr>
+          <a:xfrm flipH="1">
+            <a:off x="4861959" y="1988840"/>
+            <a:ext cx="284920" cy="506117"/>
+          </a:xfrm>
+          <a:prstGeom prst="line">
+            <a:avLst/>
+          </a:prstGeom>
+          <a:noFill/>
+          <a:ln w="9525">
+            <a:solidFill>
+              <a:srgbClr val="C00000"/>
+            </a:solidFill>
+          </a:ln>
+        </p:spPr>
+        <p:style>
+          <a:lnRef idx="2">
+            <a:schemeClr val="accent1">
+              <a:shade val="50000"/>
+            </a:schemeClr>
+          </a:lnRef>
+          <a:fillRef idx="1">
+            <a:schemeClr val="accent1"/>
+          </a:fillRef>
+          <a:effectRef idx="0">
+            <a:schemeClr val="accent1"/>
+          </a:effectRef>
+          <a:fontRef idx="minor">
+            <a:schemeClr val="lt1"/>
+          </a:fontRef>
+        </p:style>
+      </p:cxnSp>
+      <p:cxnSp>
+        <p:nvCxnSpPr>
+          <p:cNvPr id="50" name="Connecteur droit 49"/>
+          <p:cNvCxnSpPr/>
+          <p:nvPr/>
+        </p:nvCxnSpPr>
+        <p:spPr>
+          <a:xfrm>
+            <a:off x="2223514" y="2238354"/>
+            <a:ext cx="2649907" cy="243079"/>
+          </a:xfrm>
+          <a:prstGeom prst="line">
+            <a:avLst/>
+          </a:prstGeom>
+          <a:noFill/>
+          <a:ln w="9525">
+            <a:solidFill>
+              <a:srgbClr val="C00000"/>
+            </a:solidFill>
+          </a:ln>
+        </p:spPr>
+        <p:style>
+          <a:lnRef idx="2">
+            <a:schemeClr val="accent1">
+              <a:shade val="50000"/>
+            </a:schemeClr>
+          </a:lnRef>
+          <a:fillRef idx="1">
+            <a:schemeClr val="accent1"/>
+          </a:fillRef>
+          <a:effectRef idx="0">
+            <a:schemeClr val="accent1"/>
+          </a:effectRef>
+          <a:fontRef idx="minor">
+            <a:schemeClr val="lt1"/>
+          </a:fontRef>
+        </p:style>
+      </p:cxnSp>
+      <p:cxnSp>
+        <p:nvCxnSpPr>
+          <p:cNvPr id="54" name="Connecteur droit 53"/>
+          <p:cNvCxnSpPr/>
+          <p:nvPr/>
+        </p:nvCxnSpPr>
+        <p:spPr>
+          <a:xfrm flipH="1" flipV="1">
+            <a:off x="2237779" y="1774421"/>
+            <a:ext cx="333067" cy="214420"/>
+          </a:xfrm>
+          <a:prstGeom prst="line">
+            <a:avLst/>
+          </a:prstGeom>
+          <a:noFill/>
+          <a:ln w="9525">
+            <a:solidFill>
+              <a:srgbClr val="C00000"/>
+            </a:solidFill>
+          </a:ln>
+        </p:spPr>
+        <p:style>
+          <a:lnRef idx="2">
+            <a:schemeClr val="accent1">
+              <a:shade val="50000"/>
+            </a:schemeClr>
+          </a:lnRef>
+          <a:fillRef idx="1">
+            <a:schemeClr val="accent1"/>
+          </a:fillRef>
+          <a:effectRef idx="0">
+            <a:schemeClr val="accent1"/>
+          </a:effectRef>
+          <a:fontRef idx="minor">
+            <a:schemeClr val="lt1"/>
+          </a:fontRef>
+        </p:style>
+      </p:cxnSp>
+      <p:cxnSp>
+        <p:nvCxnSpPr>
+          <p:cNvPr id="58" name="Connecteur droit 57"/>
+          <p:cNvCxnSpPr/>
+          <p:nvPr/>
+        </p:nvCxnSpPr>
+        <p:spPr>
+          <a:xfrm flipH="1">
+            <a:off x="2225422" y="2003570"/>
+            <a:ext cx="333065" cy="218036"/>
+          </a:xfrm>
+          <a:prstGeom prst="line">
+            <a:avLst/>
+          </a:prstGeom>
+          <a:noFill/>
+          <a:ln w="9525">
+            <a:solidFill>
+              <a:srgbClr val="C00000"/>
+            </a:solidFill>
+          </a:ln>
+        </p:spPr>
+        <p:style>
+          <a:lnRef idx="2">
+            <a:schemeClr val="accent1">
+              <a:shade val="50000"/>
+            </a:schemeClr>
+          </a:lnRef>
+          <a:fillRef idx="1">
+            <a:schemeClr val="accent1"/>
+          </a:fillRef>
+          <a:effectRef idx="0">
+            <a:schemeClr val="accent1"/>
+          </a:effectRef>
+          <a:fontRef idx="minor">
+            <a:schemeClr val="lt1"/>
+          </a:fontRef>
+        </p:style>
+      </p:cxnSp>
+      <p:cxnSp>
+        <p:nvCxnSpPr>
+          <p:cNvPr id="62" name="Connecteur droit 61"/>
+          <p:cNvCxnSpPr/>
+          <p:nvPr/>
+        </p:nvCxnSpPr>
+        <p:spPr>
+          <a:xfrm>
+            <a:off x="2223673" y="1771001"/>
+            <a:ext cx="2572587" cy="346711"/>
+          </a:xfrm>
+          <a:prstGeom prst="line">
+            <a:avLst/>
+          </a:prstGeom>
+          <a:noFill/>
+          <a:ln w="19050">
+            <a:solidFill>
+              <a:srgbClr val="C00000"/>
+            </a:solidFill>
+          </a:ln>
+        </p:spPr>
+        <p:style>
+          <a:lnRef idx="2">
+            <a:schemeClr val="accent1">
+              <a:shade val="50000"/>
+            </a:schemeClr>
+          </a:lnRef>
+          <a:fillRef idx="1">
+            <a:schemeClr val="accent1"/>
+          </a:fillRef>
+          <a:effectRef idx="0">
+            <a:schemeClr val="accent1"/>
+          </a:effectRef>
+          <a:fontRef idx="minor">
+            <a:schemeClr val="lt1"/>
+          </a:fontRef>
+        </p:style>
+      </p:cxnSp>
+      <mc:AlternateContent xmlns:mc="http://schemas.openxmlformats.org/markup-compatibility/2006">
+        <mc:Choice xmlns:a14="http://schemas.microsoft.com/office/drawing/2010/main" Requires="a14">
+          <p:sp>
+            <p:nvSpPr>
+              <p:cNvPr id="64" name="ZoneTexte 63"/>
+              <p:cNvSpPr txBox="1"/>
+              <p:nvPr/>
+            </p:nvSpPr>
+            <p:spPr>
+              <a:xfrm>
+                <a:off x="3722014" y="456354"/>
+                <a:ext cx="211468" cy="184666"/>
+              </a:xfrm>
+              <a:prstGeom prst="rect">
+                <a:avLst/>
+              </a:prstGeom>
+              <a:noFill/>
+            </p:spPr>
+            <p:txBody>
+              <a:bodyPr wrap="none" lIns="0" tIns="0" rIns="0" bIns="0" rtlCol="0">
+                <a:spAutoFit/>
+              </a:bodyPr>
+              <a:lstStyle/>
+              <a:p>
+                <a:pPr/>
+                <a14:m>
+                  <m:oMathPara xmlns:m="http://schemas.openxmlformats.org/officeDocument/2006/math">
+                    <m:oMathParaPr>
+                      <m:jc m:val="centerGroup"/>
+                    </m:oMathParaPr>
+                    <m:oMath xmlns:m="http://schemas.openxmlformats.org/officeDocument/2006/math">
+                      <m:r>
+                        <a:rPr lang="fr-FR" sz="1200" b="0" i="1" smtClean="0">
+                          <a:latin typeface="Cambria Math" panose="02040503050406030204" pitchFamily="18" charset="0"/>
+                        </a:rPr>
+                        <m:t>𝑑𝑥</m:t>
+                      </m:r>
+                    </m:oMath>
+                  </m:oMathPara>
+                </a14:m>
+                <a:endParaRPr lang="fr-FR" sz="1200" dirty="0"/>
+              </a:p>
+            </p:txBody>
+          </p:sp>
+        </mc:Choice>
+        <mc:Fallback>
+          <p:sp>
+            <p:nvSpPr>
+              <p:cNvPr id="64" name="ZoneTexte 63"/>
+              <p:cNvSpPr txBox="1">
+                <a:spLocks noRot="1" noChangeAspect="1" noMove="1" noResize="1" noEditPoints="1" noAdjustHandles="1" noChangeArrowheads="1" noChangeShapeType="1" noTextEdit="1"/>
+              </p:cNvSpPr>
+              <p:nvPr/>
+            </p:nvSpPr>
+            <p:spPr>
+              <a:xfrm>
+                <a:off x="3722014" y="456354"/>
+                <a:ext cx="211468" cy="184666"/>
+              </a:xfrm>
+              <a:prstGeom prst="rect">
+                <a:avLst/>
+              </a:prstGeom>
+              <a:blipFill>
+                <a:blip r:embed="rId2"/>
+                <a:stretch>
+                  <a:fillRect l="-20588" r="-14706" b="-6667"/>
+                </a:stretch>
+              </a:blipFill>
+            </p:spPr>
+            <p:txBody>
+              <a:bodyPr/>
+              <a:lstStyle/>
+              <a:p>
+                <a:r>
+                  <a:rPr lang="fr-FR">
+                    <a:noFill/>
+                  </a:rPr>
+                  <a:t> </a:t>
+                </a:r>
+              </a:p>
+            </p:txBody>
+          </p:sp>
+        </mc:Fallback>
+      </mc:AlternateContent>
+      <p:sp>
+        <p:nvSpPr>
+          <p:cNvPr id="66" name="Arc 65"/>
+          <p:cNvSpPr/>
+          <p:nvPr/>
+        </p:nvSpPr>
+        <p:spPr>
+          <a:xfrm>
+            <a:off x="4852066" y="1423941"/>
+            <a:ext cx="439012" cy="1206508"/>
+          </a:xfrm>
+          <a:prstGeom prst="arc">
+            <a:avLst>
+              <a:gd name="adj1" fmla="val 6002674"/>
+              <a:gd name="adj2" fmla="val 6718308"/>
+            </a:avLst>
+          </a:prstGeom>
+          <a:noFill/>
+          <a:ln w="9525">
+            <a:solidFill>
+              <a:srgbClr val="C00000"/>
+            </a:solidFill>
+            <a:headEnd type="stealth" w="sm" len="med"/>
+            <a:tailEnd type="none" w="med" len="med"/>
+          </a:ln>
+        </p:spPr>
+        <p:style>
+          <a:lnRef idx="2">
+            <a:schemeClr val="accent1">
+              <a:shade val="50000"/>
+            </a:schemeClr>
+          </a:lnRef>
+          <a:fillRef idx="1">
+            <a:schemeClr val="accent1"/>
+          </a:fillRef>
+          <a:effectRef idx="0">
+            <a:schemeClr val="accent1"/>
+          </a:effectRef>
+          <a:fontRef idx="minor">
+            <a:schemeClr val="lt1"/>
+          </a:fontRef>
+        </p:style>
+        <p:txBody>
+          <a:bodyPr rtlCol="0" anchor="ctr"/>
+          <a:lstStyle/>
+          <a:p>
+            <a:pPr algn="ctr"/>
+            <a:endParaRPr lang="fr-FR"/>
+          </a:p>
+        </p:txBody>
+      </p:sp>
+      <p:sp>
+        <p:nvSpPr>
+          <p:cNvPr id="67" name="Arc 66"/>
+          <p:cNvSpPr/>
+          <p:nvPr/>
+        </p:nvSpPr>
+        <p:spPr>
+          <a:xfrm>
+            <a:off x="4085536" y="1957309"/>
+            <a:ext cx="439012" cy="1206508"/>
+          </a:xfrm>
+          <a:prstGeom prst="arc">
+            <a:avLst>
+              <a:gd name="adj1" fmla="val 17569542"/>
+              <a:gd name="adj2" fmla="val 19918628"/>
+            </a:avLst>
+          </a:prstGeom>
+          <a:noFill/>
+          <a:ln w="9525">
+            <a:solidFill>
+              <a:srgbClr val="C00000"/>
+            </a:solidFill>
+            <a:headEnd type="none" w="sm" len="med"/>
+            <a:tailEnd type="stealth" w="sm" len="med"/>
+          </a:ln>
+        </p:spPr>
+        <p:style>
+          <a:lnRef idx="2">
+            <a:schemeClr val="accent1">
+              <a:shade val="50000"/>
+            </a:schemeClr>
+          </a:lnRef>
+          <a:fillRef idx="1">
+            <a:schemeClr val="accent1"/>
+          </a:fillRef>
+          <a:effectRef idx="0">
+            <a:schemeClr val="accent1"/>
+          </a:effectRef>
+          <a:fontRef idx="minor">
+            <a:schemeClr val="lt1"/>
+          </a:fontRef>
+        </p:style>
+        <p:txBody>
+          <a:bodyPr rtlCol="0" anchor="ctr"/>
+          <a:lstStyle/>
+          <a:p>
+            <a:pPr algn="ctr"/>
+            <a:endParaRPr lang="fr-FR" dirty="0"/>
+          </a:p>
+        </p:txBody>
+      </p:sp>
+      <p:sp>
+        <p:nvSpPr>
+          <p:cNvPr id="68" name="Arc 67"/>
+          <p:cNvSpPr/>
+          <p:nvPr/>
+        </p:nvSpPr>
+        <p:spPr>
+          <a:xfrm>
+            <a:off x="4088649" y="1957309"/>
+            <a:ext cx="439012" cy="1206508"/>
+          </a:xfrm>
+          <a:prstGeom prst="arc">
+            <a:avLst>
+              <a:gd name="adj1" fmla="val 301297"/>
+              <a:gd name="adj2" fmla="val 3578028"/>
+            </a:avLst>
+          </a:prstGeom>
+          <a:noFill/>
+          <a:ln w="9525">
+            <a:solidFill>
+              <a:srgbClr val="C00000"/>
+            </a:solidFill>
+            <a:headEnd type="stealth" w="sm" len="med"/>
+            <a:tailEnd type="none" w="sm" len="med"/>
+          </a:ln>
+        </p:spPr>
+        <p:style>
+          <a:lnRef idx="2">
+            <a:schemeClr val="accent1">
+              <a:shade val="50000"/>
+            </a:schemeClr>
+          </a:lnRef>
+          <a:fillRef idx="1">
+            <a:schemeClr val="accent1"/>
+          </a:fillRef>
+          <a:effectRef idx="0">
+            <a:schemeClr val="accent1"/>
+          </a:effectRef>
+          <a:fontRef idx="minor">
+            <a:schemeClr val="lt1"/>
+          </a:fontRef>
+        </p:style>
+        <p:txBody>
+          <a:bodyPr rtlCol="0" anchor="ctr"/>
+          <a:lstStyle/>
+          <a:p>
+            <a:pPr algn="ctr"/>
+            <a:endParaRPr lang="fr-FR" dirty="0"/>
+          </a:p>
+        </p:txBody>
+      </p:sp>
+      <mc:AlternateContent xmlns:mc="http://schemas.openxmlformats.org/markup-compatibility/2006">
+        <mc:Choice xmlns:a14="http://schemas.microsoft.com/office/drawing/2010/main" Requires="a14">
+          <p:sp>
+            <p:nvSpPr>
+              <p:cNvPr id="72" name="ZoneTexte 71"/>
+              <p:cNvSpPr txBox="1"/>
+              <p:nvPr/>
+            </p:nvSpPr>
+            <p:spPr>
+              <a:xfrm>
+                <a:off x="4198756" y="2152955"/>
+                <a:ext cx="209288" cy="184666"/>
+              </a:xfrm>
+              <a:prstGeom prst="rect">
+                <a:avLst/>
+              </a:prstGeom>
+              <a:noFill/>
+            </p:spPr>
+            <p:txBody>
+              <a:bodyPr wrap="none" lIns="0" tIns="0" rIns="0" bIns="0" rtlCol="0">
+                <a:spAutoFit/>
+              </a:bodyPr>
+              <a:lstStyle/>
+              <a:p>
+                <a:pPr/>
+                <a14:m>
+                  <m:oMathPara xmlns:m="http://schemas.openxmlformats.org/officeDocument/2006/math">
+                    <m:oMathParaPr>
+                      <m:jc m:val="centerGroup"/>
+                    </m:oMathParaPr>
+                    <m:oMath xmlns:m="http://schemas.openxmlformats.org/officeDocument/2006/math">
+                      <m:r>
+                        <a:rPr lang="fr-FR" sz="1200" b="0" i="1" smtClean="0">
+                          <a:latin typeface="Cambria Math" panose="02040503050406030204" pitchFamily="18" charset="0"/>
+                        </a:rPr>
+                        <m:t>𝑑</m:t>
+                      </m:r>
+                      <m:r>
+                        <a:rPr lang="fr-FR" sz="1200" b="0" i="1" smtClean="0">
+                          <a:latin typeface="Cambria Math" panose="02040503050406030204" pitchFamily="18" charset="0"/>
+                        </a:rPr>
+                        <m:t>𝛾</m:t>
+                      </m:r>
+                    </m:oMath>
+                  </m:oMathPara>
+                </a14:m>
+                <a:endParaRPr lang="fr-FR" sz="1200" dirty="0"/>
+              </a:p>
+            </p:txBody>
+          </p:sp>
+        </mc:Choice>
+        <mc:Fallback>
+          <p:sp>
+            <p:nvSpPr>
+              <p:cNvPr id="72" name="ZoneTexte 71"/>
+              <p:cNvSpPr txBox="1">
+                <a:spLocks noRot="1" noChangeAspect="1" noMove="1" noResize="1" noEditPoints="1" noAdjustHandles="1" noChangeArrowheads="1" noChangeShapeType="1" noTextEdit="1"/>
+              </p:cNvSpPr>
+              <p:nvPr/>
+            </p:nvSpPr>
+            <p:spPr>
+              <a:xfrm>
+                <a:off x="4198756" y="2152955"/>
+                <a:ext cx="209288" cy="184666"/>
+              </a:xfrm>
+              <a:prstGeom prst="rect">
+                <a:avLst/>
+              </a:prstGeom>
+              <a:blipFill>
+                <a:blip r:embed="rId3"/>
+                <a:stretch>
+                  <a:fillRect l="-26471" t="-3333" r="-23529" b="-33333"/>
+                </a:stretch>
+              </a:blipFill>
+            </p:spPr>
+            <p:txBody>
+              <a:bodyPr/>
+              <a:lstStyle/>
+              <a:p>
+                <a:r>
+                  <a:rPr lang="fr-FR">
+                    <a:noFill/>
+                  </a:rPr>
+                  <a:t> </a:t>
+                </a:r>
+              </a:p>
+            </p:txBody>
+          </p:sp>
+        </mc:Fallback>
+      </mc:AlternateContent>
+      <mc:AlternateContent xmlns:mc="http://schemas.openxmlformats.org/markup-compatibility/2006">
+        <mc:Choice xmlns:a14="http://schemas.microsoft.com/office/drawing/2010/main" Requires="a14">
+          <p:sp>
+            <p:nvSpPr>
+              <p:cNvPr id="73" name="ZoneTexte 72"/>
+              <p:cNvSpPr txBox="1"/>
+              <p:nvPr/>
+            </p:nvSpPr>
+            <p:spPr>
+              <a:xfrm>
+                <a:off x="4973527" y="2524713"/>
+                <a:ext cx="232563" cy="184666"/>
+              </a:xfrm>
+              <a:prstGeom prst="rect">
+                <a:avLst/>
+              </a:prstGeom>
+              <a:noFill/>
+            </p:spPr>
+            <p:txBody>
+              <a:bodyPr wrap="none" lIns="0" tIns="0" rIns="0" bIns="0" rtlCol="0">
+                <a:spAutoFit/>
+              </a:bodyPr>
+              <a:lstStyle/>
+              <a:p>
+                <a:pPr/>
+                <a14:m>
+                  <m:oMathPara xmlns:m="http://schemas.openxmlformats.org/officeDocument/2006/math">
+                    <m:oMathParaPr>
+                      <m:jc m:val="centerGroup"/>
+                    </m:oMathParaPr>
+                    <m:oMath xmlns:m="http://schemas.openxmlformats.org/officeDocument/2006/math">
+                      <m:r>
+                        <a:rPr lang="fr-FR" sz="1200" b="0" i="1" smtClean="0">
+                          <a:latin typeface="Cambria Math" panose="02040503050406030204" pitchFamily="18" charset="0"/>
+                        </a:rPr>
+                        <m:t>𝑑</m:t>
+                      </m:r>
+                      <m:r>
+                        <a:rPr lang="fr-FR" sz="1200" b="0" i="1" smtClean="0">
+                          <a:latin typeface="Cambria Math" panose="02040503050406030204" pitchFamily="18" charset="0"/>
+                        </a:rPr>
+                        <m:t>𝜑</m:t>
+                      </m:r>
+                    </m:oMath>
+                  </m:oMathPara>
+                </a14:m>
+                <a:endParaRPr lang="fr-FR" sz="1200" dirty="0"/>
+              </a:p>
+            </p:txBody>
+          </p:sp>
+        </mc:Choice>
+        <mc:Fallback>
+          <p:sp>
+            <p:nvSpPr>
+              <p:cNvPr id="73" name="ZoneTexte 72"/>
+              <p:cNvSpPr txBox="1">
+                <a:spLocks noRot="1" noChangeAspect="1" noMove="1" noResize="1" noEditPoints="1" noAdjustHandles="1" noChangeArrowheads="1" noChangeShapeType="1" noTextEdit="1"/>
+              </p:cNvSpPr>
+              <p:nvPr/>
+            </p:nvSpPr>
+            <p:spPr>
+              <a:xfrm>
+                <a:off x="4973527" y="2524713"/>
+                <a:ext cx="232563" cy="184666"/>
+              </a:xfrm>
+              <a:prstGeom prst="rect">
+                <a:avLst/>
+              </a:prstGeom>
+              <a:blipFill>
+                <a:blip r:embed="rId4"/>
+                <a:stretch>
+                  <a:fillRect l="-23684" t="-3333" r="-21053" b="-33333"/>
+                </a:stretch>
+              </a:blipFill>
+            </p:spPr>
+            <p:txBody>
+              <a:bodyPr/>
+              <a:lstStyle/>
+              <a:p>
+                <a:r>
+                  <a:rPr lang="fr-FR">
+                    <a:noFill/>
+                  </a:rPr>
+                  <a:t> </a:t>
+                </a:r>
+              </a:p>
+            </p:txBody>
+          </p:sp>
+        </mc:Fallback>
+      </mc:AlternateContent>
+      <p:cxnSp>
+        <p:nvCxnSpPr>
+          <p:cNvPr id="74" name="Connecteur droit 73"/>
+          <p:cNvCxnSpPr/>
+          <p:nvPr/>
+        </p:nvCxnSpPr>
+        <p:spPr>
+          <a:xfrm flipV="1">
+            <a:off x="5146877" y="1398050"/>
+            <a:ext cx="185104" cy="590791"/>
+          </a:xfrm>
+          <a:prstGeom prst="line">
+            <a:avLst/>
+          </a:prstGeom>
+          <a:noFill/>
+          <a:ln w="9525">
+            <a:solidFill>
+              <a:srgbClr val="C00000"/>
+            </a:solidFill>
+            <a:headEnd type="none" w="sm" len="med"/>
+            <a:tailEnd type="stealth" w="sm" len="med"/>
+          </a:ln>
+        </p:spPr>
+        <p:style>
+          <a:lnRef idx="2">
+            <a:schemeClr val="accent1">
+              <a:shade val="50000"/>
+            </a:schemeClr>
+          </a:lnRef>
+          <a:fillRef idx="1">
+            <a:schemeClr val="accent1"/>
+          </a:fillRef>
+          <a:effectRef idx="0">
+            <a:schemeClr val="accent1"/>
+          </a:effectRef>
+          <a:fontRef idx="minor">
+            <a:schemeClr val="lt1"/>
+          </a:fontRef>
+        </p:style>
+      </p:cxnSp>
+      <mc:AlternateContent xmlns:mc="http://schemas.openxmlformats.org/markup-compatibility/2006">
+        <mc:Choice xmlns:a14="http://schemas.microsoft.com/office/drawing/2010/main" Requires="a14">
+          <p:sp>
+            <p:nvSpPr>
+              <p:cNvPr id="78" name="ZoneTexte 77"/>
+              <p:cNvSpPr txBox="1"/>
+              <p:nvPr/>
+            </p:nvSpPr>
+            <p:spPr>
+              <a:xfrm>
+                <a:off x="5333929" y="1213384"/>
+                <a:ext cx="112403" cy="184666"/>
+              </a:xfrm>
+              <a:prstGeom prst="rect">
+                <a:avLst/>
+              </a:prstGeom>
+              <a:noFill/>
+            </p:spPr>
+            <p:txBody>
+              <a:bodyPr wrap="none" lIns="0" tIns="0" rIns="0" bIns="0" rtlCol="0">
+                <a:spAutoFit/>
+              </a:bodyPr>
+              <a:lstStyle/>
+              <a:p>
+                <a:pPr/>
+                <a14:m>
+                  <m:oMathPara xmlns:m="http://schemas.openxmlformats.org/officeDocument/2006/math">
+                    <m:oMathParaPr>
+                      <m:jc m:val="centerGroup"/>
+                    </m:oMathParaPr>
+                    <m:oMath xmlns:m="http://schemas.openxmlformats.org/officeDocument/2006/math">
+                      <m:r>
+                        <a:rPr lang="fr-FR" sz="1200" b="0" i="1" smtClean="0">
+                          <a:latin typeface="Cambria Math" panose="02040503050406030204" pitchFamily="18" charset="0"/>
+                        </a:rPr>
+                        <m:t>𝑟</m:t>
+                      </m:r>
+                    </m:oMath>
+                  </m:oMathPara>
+                </a14:m>
+                <a:endParaRPr lang="fr-FR" sz="1200" dirty="0"/>
+              </a:p>
+            </p:txBody>
+          </p:sp>
+        </mc:Choice>
+        <mc:Fallback>
+          <p:sp>
+            <p:nvSpPr>
+              <p:cNvPr id="78" name="ZoneTexte 77"/>
+              <p:cNvSpPr txBox="1">
+                <a:spLocks noRot="1" noChangeAspect="1" noMove="1" noResize="1" noEditPoints="1" noAdjustHandles="1" noChangeArrowheads="1" noChangeShapeType="1" noTextEdit="1"/>
+              </p:cNvSpPr>
+              <p:nvPr/>
+            </p:nvSpPr>
+            <p:spPr>
+              <a:xfrm>
+                <a:off x="5333929" y="1213384"/>
+                <a:ext cx="112403" cy="184666"/>
+              </a:xfrm>
+              <a:prstGeom prst="rect">
+                <a:avLst/>
+              </a:prstGeom>
+              <a:blipFill>
+                <a:blip r:embed="rId5"/>
+                <a:stretch>
+                  <a:fillRect l="-22222" r="-16667"/>
+                </a:stretch>
+              </a:blipFill>
+            </p:spPr>
+            <p:txBody>
+              <a:bodyPr/>
+              <a:lstStyle/>
+              <a:p>
+                <a:r>
+                  <a:rPr lang="fr-FR">
+                    <a:noFill/>
+                  </a:rPr>
+                  <a:t> </a:t>
+                </a:r>
+              </a:p>
+            </p:txBody>
+          </p:sp>
+        </mc:Fallback>
+      </mc:AlternateContent>
+      <p:grpSp>
+        <p:nvGrpSpPr>
+          <p:cNvPr id="79" name="Groupe 78"/>
+          <p:cNvGrpSpPr/>
+          <p:nvPr/>
+        </p:nvGrpSpPr>
+        <p:grpSpPr>
+          <a:xfrm>
+            <a:off x="1704630" y="1202860"/>
+            <a:ext cx="1557720" cy="1333560"/>
+            <a:chOff x="-54172" y="836300"/>
+            <a:chExt cx="1557720" cy="1333560"/>
+          </a:xfrm>
+        </p:grpSpPr>
+        <p:cxnSp>
+          <p:nvCxnSpPr>
+            <p:cNvPr id="80" name="Connecteur droit 79"/>
+            <p:cNvCxnSpPr>
+              <a:stCxn id="16" idx="7"/>
+            </p:cNvCxnSpPr>
+            <p:nvPr/>
+          </p:nvCxnSpPr>
+          <p:spPr>
+            <a:xfrm flipH="1">
+              <a:off x="5114" y="1635688"/>
+              <a:ext cx="727290" cy="534172"/>
+            </a:xfrm>
+            <a:prstGeom prst="line">
+              <a:avLst/>
+            </a:prstGeom>
+            <a:ln w="12700">
+              <a:solidFill>
+                <a:schemeClr val="accent5">
+                  <a:lumMod val="50000"/>
+                </a:schemeClr>
+              </a:solidFill>
+              <a:tailEnd type="stealth" w="med" len="lg"/>
+            </a:ln>
+          </p:spPr>
+          <p:style>
+            <a:lnRef idx="1">
+              <a:schemeClr val="accent1"/>
+            </a:lnRef>
+            <a:fillRef idx="0">
+              <a:schemeClr val="accent1"/>
+            </a:fillRef>
+            <a:effectRef idx="0">
+              <a:schemeClr val="accent1"/>
+            </a:effectRef>
+            <a:fontRef idx="minor">
+              <a:schemeClr val="tx1"/>
+            </a:fontRef>
+          </p:style>
+        </p:cxnSp>
+        <p:grpSp>
+          <p:nvGrpSpPr>
+            <p:cNvPr id="8" name="Groupe 7"/>
+            <p:cNvGrpSpPr/>
+            <p:nvPr/>
+          </p:nvGrpSpPr>
+          <p:grpSpPr>
+            <a:xfrm>
+              <a:off x="-54172" y="836300"/>
+              <a:ext cx="1557720" cy="1288241"/>
+              <a:chOff x="267298" y="487400"/>
+              <a:chExt cx="1557719" cy="1288241"/>
+            </a:xfrm>
+          </p:grpSpPr>
+          <p:cxnSp>
+            <p:nvCxnSpPr>
+              <p:cNvPr id="9" name="Connecteur droit 8"/>
+              <p:cNvCxnSpPr/>
+              <p:nvPr/>
+            </p:nvCxnSpPr>
+            <p:spPr>
+              <a:xfrm flipV="1">
+                <a:off x="1065699" y="536583"/>
+                <a:ext cx="0" cy="734599"/>
+              </a:xfrm>
+              <a:prstGeom prst="line">
+                <a:avLst/>
+              </a:prstGeom>
+              <a:ln w="12700">
+                <a:solidFill>
+                  <a:schemeClr val="accent5">
+                    <a:lumMod val="50000"/>
+                  </a:schemeClr>
+                </a:solidFill>
+                <a:tailEnd type="stealth" w="med" len="lg"/>
+              </a:ln>
+            </p:spPr>
+            <p:style>
+              <a:lnRef idx="1">
+                <a:schemeClr val="accent1"/>
+              </a:lnRef>
+              <a:fillRef idx="0">
+                <a:schemeClr val="accent1"/>
+              </a:fillRef>
+              <a:effectRef idx="0">
+                <a:schemeClr val="accent1"/>
+              </a:effectRef>
+              <a:fontRef idx="minor">
+                <a:schemeClr val="tx1"/>
+              </a:fontRef>
+            </p:style>
+          </p:cxnSp>
+          <p:grpSp>
+            <p:nvGrpSpPr>
+              <p:cNvPr id="11" name="Groupe 10"/>
+              <p:cNvGrpSpPr/>
+              <p:nvPr/>
+            </p:nvGrpSpPr>
+            <p:grpSpPr>
+              <a:xfrm>
+                <a:off x="1012602" y="1220060"/>
+                <a:ext cx="108000" cy="108000"/>
+                <a:chOff x="1009427" y="1223235"/>
+                <a:chExt cx="108000" cy="108000"/>
+              </a:xfrm>
+            </p:grpSpPr>
+            <p:sp>
+              <p:nvSpPr>
+                <p:cNvPr id="15" name="Ellipse 14"/>
+                <p:cNvSpPr/>
+                <p:nvPr/>
+              </p:nvSpPr>
+              <p:spPr>
+                <a:xfrm>
+                  <a:off x="1009427" y="1223235"/>
+                  <a:ext cx="108000" cy="108000"/>
+                </a:xfrm>
+                <a:prstGeom prst="ellipse">
+                  <a:avLst/>
+                </a:prstGeom>
+                <a:solidFill>
+                  <a:schemeClr val="bg1"/>
+                </a:solidFill>
+                <a:ln w="12700">
+                  <a:solidFill>
+                    <a:schemeClr val="accent5">
+                      <a:lumMod val="50000"/>
+                    </a:schemeClr>
+                  </a:solidFill>
+                  <a:tailEnd type="stealth" w="med" len="lg"/>
+                </a:ln>
+              </p:spPr>
+              <p:style>
+                <a:lnRef idx="1">
+                  <a:schemeClr val="accent1"/>
+                </a:lnRef>
+                <a:fillRef idx="0">
+                  <a:schemeClr val="accent1"/>
+                </a:fillRef>
+                <a:effectRef idx="0">
+                  <a:schemeClr val="accent1"/>
+                </a:effectRef>
+                <a:fontRef idx="minor">
+                  <a:schemeClr val="tx1"/>
+                </a:fontRef>
+              </p:style>
+              <p:txBody>
+                <a:bodyPr rtlCol="0" anchor="ctr"/>
+                <a:lstStyle/>
+                <a:p>
+                  <a:pPr algn="ctr"/>
+                  <a:endParaRPr lang="fr-FR"/>
+                </a:p>
+              </p:txBody>
+            </p:sp>
+            <p:sp>
+              <p:nvSpPr>
+                <p:cNvPr id="16" name="Ellipse 15"/>
+                <p:cNvSpPr/>
+                <p:nvPr/>
+              </p:nvSpPr>
+              <p:spPr>
+                <a:xfrm flipH="1" flipV="1">
+                  <a:off x="1045427" y="1259235"/>
+                  <a:ext cx="36000" cy="36000"/>
+                </a:xfrm>
+                <a:prstGeom prst="ellipse">
+                  <a:avLst/>
+                </a:prstGeom>
+                <a:solidFill>
+                  <a:schemeClr val="accent5">
+                    <a:lumMod val="50000"/>
+                  </a:schemeClr>
+                </a:solidFill>
+                <a:ln w="12700">
+                  <a:solidFill>
+                    <a:schemeClr val="accent5">
+                      <a:lumMod val="50000"/>
+                    </a:schemeClr>
+                  </a:solidFill>
+                  <a:tailEnd type="stealth" w="med" len="lg"/>
+                </a:ln>
+              </p:spPr>
+              <p:style>
+                <a:lnRef idx="1">
+                  <a:schemeClr val="accent1"/>
+                </a:lnRef>
+                <a:fillRef idx="0">
+                  <a:schemeClr val="accent1"/>
+                </a:fillRef>
+                <a:effectRef idx="0">
+                  <a:schemeClr val="accent1"/>
+                </a:effectRef>
+                <a:fontRef idx="minor">
+                  <a:schemeClr val="tx1"/>
+                </a:fontRef>
+              </p:style>
+              <p:txBody>
+                <a:bodyPr rtlCol="0" anchor="ctr"/>
+                <a:lstStyle/>
+                <a:p>
+                  <a:pPr algn="ctr"/>
+                  <a:endParaRPr lang="fr-FR"/>
+                </a:p>
+              </p:txBody>
+            </p:sp>
+          </p:grpSp>
+          <mc:AlternateContent xmlns:mc="http://schemas.openxmlformats.org/markup-compatibility/2006" xmlns:a14="http://schemas.microsoft.com/office/drawing/2010/main">
+            <mc:Choice Requires="a14">
+              <p:sp>
+                <p:nvSpPr>
+                  <p:cNvPr id="12" name="ZoneTexte 11"/>
+                  <p:cNvSpPr txBox="1"/>
+                  <p:nvPr/>
+                </p:nvSpPr>
+                <p:spPr>
+                  <a:xfrm>
+                    <a:off x="1703317" y="1037793"/>
+                    <a:ext cx="121700" cy="184666"/>
+                  </a:xfrm>
+                  <a:prstGeom prst="rect">
+                    <a:avLst/>
+                  </a:prstGeom>
+                  <a:noFill/>
+                </p:spPr>
+                <p:txBody>
+                  <a:bodyPr wrap="none" lIns="0" tIns="0" rIns="0" bIns="0" rtlCol="0">
+                    <a:spAutoFit/>
+                  </a:bodyPr>
+                  <a:lstStyle/>
+                  <a:p>
+                    <a:pPr/>
+                    <a14:m>
+                      <m:oMathPara xmlns:m="http://schemas.openxmlformats.org/officeDocument/2006/math">
+                        <m:oMathParaPr>
+                          <m:jc m:val="centerGroup"/>
+                        </m:oMathParaPr>
+                        <m:oMath xmlns:m="http://schemas.openxmlformats.org/officeDocument/2006/math">
+                          <m:acc>
+                            <m:accPr>
+                              <m:chr m:val="⃗"/>
+                              <m:ctrlPr>
+                                <a:rPr lang="fr-FR" sz="1200" i="1">
+                                  <a:latin typeface="Cambria Math" panose="02040503050406030204" pitchFamily="18" charset="0"/>
+                                </a:rPr>
+                              </m:ctrlPr>
+                            </m:accPr>
+                            <m:e>
+                              <m:r>
+                                <a:rPr lang="fr-FR" sz="1200" i="1">
+                                  <a:latin typeface="Cambria Math" panose="02040503050406030204" pitchFamily="18" charset="0"/>
+                                </a:rPr>
+                                <m:t>𝑥</m:t>
+                              </m:r>
+                            </m:e>
+                          </m:acc>
+                        </m:oMath>
+                      </m:oMathPara>
+                    </a14:m>
+                    <a:endParaRPr lang="fr-FR" sz="1200" dirty="0"/>
+                  </a:p>
+                </p:txBody>
+              </p:sp>
+            </mc:Choice>
+            <mc:Fallback xmlns="">
+              <p:sp>
+                <p:nvSpPr>
+                  <p:cNvPr id="44" name="ZoneTexte 43"/>
+                  <p:cNvSpPr txBox="1">
+                    <a:spLocks noRot="1" noChangeAspect="1" noMove="1" noResize="1" noEditPoints="1" noAdjustHandles="1" noChangeArrowheads="1" noChangeShapeType="1" noTextEdit="1"/>
+                  </p:cNvSpPr>
+                  <p:nvPr/>
+                </p:nvSpPr>
+                <p:spPr>
+                  <a:xfrm>
+                    <a:off x="1703317" y="1037793"/>
+                    <a:ext cx="121700" cy="184666"/>
+                  </a:xfrm>
+                  <a:prstGeom prst="rect">
+                    <a:avLst/>
+                  </a:prstGeom>
+                  <a:blipFill>
+                    <a:blip r:embed="rId6"/>
+                    <a:stretch>
+                      <a:fillRect l="-20000" t="-25806" r="-85000"/>
+                    </a:stretch>
+                  </a:blipFill>
+                </p:spPr>
+                <p:txBody>
+                  <a:bodyPr/>
+                  <a:lstStyle/>
+                  <a:p>
+                    <a:r>
+                      <a:rPr lang="fr-FR">
+                        <a:noFill/>
+                      </a:rPr>
+                      <a:t> </a:t>
+                    </a:r>
+                  </a:p>
+                </p:txBody>
+              </p:sp>
+            </mc:Fallback>
+          </mc:AlternateContent>
+          <mc:AlternateContent xmlns:mc="http://schemas.openxmlformats.org/markup-compatibility/2006" xmlns:a14="http://schemas.microsoft.com/office/drawing/2010/main">
+            <mc:Choice Requires="a14">
+              <p:sp>
+                <p:nvSpPr>
+                  <p:cNvPr id="13" name="ZoneTexte 12"/>
+                  <p:cNvSpPr txBox="1"/>
+                  <p:nvPr/>
+                </p:nvSpPr>
+                <p:spPr>
+                  <a:xfrm>
+                    <a:off x="1121257" y="487400"/>
+                    <a:ext cx="124458" cy="184666"/>
+                  </a:xfrm>
+                  <a:prstGeom prst="rect">
+                    <a:avLst/>
+                  </a:prstGeom>
+                  <a:noFill/>
+                </p:spPr>
+                <p:txBody>
+                  <a:bodyPr wrap="none" lIns="0" tIns="0" rIns="0" bIns="0" rtlCol="0">
+                    <a:spAutoFit/>
+                  </a:bodyPr>
+                  <a:lstStyle/>
+                  <a:p>
+                    <a:pPr/>
+                    <a14:m>
+                      <m:oMathPara xmlns:m="http://schemas.openxmlformats.org/officeDocument/2006/math">
+                        <m:oMathParaPr>
+                          <m:jc m:val="centerGroup"/>
+                        </m:oMathParaPr>
+                        <m:oMath xmlns:m="http://schemas.openxmlformats.org/officeDocument/2006/math">
+                          <m:acc>
+                            <m:accPr>
+                              <m:chr m:val="⃗"/>
+                              <m:ctrlPr>
+                                <a:rPr lang="fr-FR" sz="1200" i="1">
+                                  <a:latin typeface="Cambria Math" panose="02040503050406030204" pitchFamily="18" charset="0"/>
+                                </a:rPr>
+                              </m:ctrlPr>
+                            </m:accPr>
+                            <m:e>
+                              <m:r>
+                                <a:rPr lang="fr-FR" sz="1200" i="1">
+                                  <a:latin typeface="Cambria Math" panose="02040503050406030204" pitchFamily="18" charset="0"/>
+                                </a:rPr>
+                                <m:t>𝑦</m:t>
+                              </m:r>
+                            </m:e>
+                          </m:acc>
+                        </m:oMath>
+                      </m:oMathPara>
+                    </a14:m>
+                    <a:endParaRPr lang="fr-FR" sz="1200" dirty="0"/>
+                  </a:p>
+                </p:txBody>
+              </p:sp>
+            </mc:Choice>
+            <mc:Fallback xmlns="">
+              <p:sp>
+                <p:nvSpPr>
+                  <p:cNvPr id="45" name="ZoneTexte 44"/>
+                  <p:cNvSpPr txBox="1">
+                    <a:spLocks noRot="1" noChangeAspect="1" noMove="1" noResize="1" noEditPoints="1" noAdjustHandles="1" noChangeArrowheads="1" noChangeShapeType="1" noTextEdit="1"/>
+                  </p:cNvSpPr>
+                  <p:nvPr/>
+                </p:nvSpPr>
+                <p:spPr>
+                  <a:xfrm>
+                    <a:off x="1121257" y="487400"/>
+                    <a:ext cx="124458" cy="184666"/>
+                  </a:xfrm>
+                  <a:prstGeom prst="rect">
+                    <a:avLst/>
+                  </a:prstGeom>
+                  <a:blipFill>
+                    <a:blip r:embed="rId7"/>
+                    <a:stretch>
+                      <a:fillRect l="-30000" t="-26667" r="-85000" b="-23333"/>
+                    </a:stretch>
+                  </a:blipFill>
+                </p:spPr>
+                <p:txBody>
+                  <a:bodyPr/>
+                  <a:lstStyle/>
+                  <a:p>
+                    <a:r>
+                      <a:rPr lang="fr-FR">
+                        <a:noFill/>
+                      </a:rPr>
+                      <a:t> </a:t>
+                    </a:r>
+                  </a:p>
+                </p:txBody>
+              </p:sp>
+            </mc:Fallback>
+          </mc:AlternateContent>
+          <mc:AlternateContent xmlns:mc="http://schemas.openxmlformats.org/markup-compatibility/2006">
+            <mc:Choice xmlns:a14="http://schemas.microsoft.com/office/drawing/2010/main" Requires="a14">
+              <p:sp>
+                <p:nvSpPr>
+                  <p:cNvPr id="14" name="ZoneTexte 13"/>
+                  <p:cNvSpPr txBox="1"/>
+                  <p:nvPr/>
+                </p:nvSpPr>
+                <p:spPr>
+                  <a:xfrm>
+                    <a:off x="267298" y="1590975"/>
+                    <a:ext cx="111634" cy="184666"/>
+                  </a:xfrm>
+                  <a:prstGeom prst="rect">
+                    <a:avLst/>
+                  </a:prstGeom>
+                  <a:noFill/>
+                </p:spPr>
+                <p:txBody>
+                  <a:bodyPr wrap="none" lIns="0" tIns="0" rIns="0" bIns="0" rtlCol="0">
+                    <a:spAutoFit/>
+                  </a:bodyPr>
+                  <a:lstStyle/>
+                  <a:p>
+                    <a:pPr/>
+                    <a14:m>
+                      <m:oMathPara xmlns:m="http://schemas.openxmlformats.org/officeDocument/2006/math">
+                        <m:oMathParaPr>
+                          <m:jc m:val="centerGroup"/>
+                        </m:oMathParaPr>
+                        <m:oMath xmlns:m="http://schemas.openxmlformats.org/officeDocument/2006/math">
+                          <m:acc>
+                            <m:accPr>
+                              <m:chr m:val="⃗"/>
+                              <m:ctrlPr>
+                                <a:rPr lang="fr-FR" sz="1200" i="1" smtClean="0">
+                                  <a:latin typeface="Cambria Math" panose="02040503050406030204" pitchFamily="18" charset="0"/>
+                                </a:rPr>
+                              </m:ctrlPr>
+                            </m:accPr>
+                            <m:e>
+                              <m:r>
+                                <a:rPr lang="fr-FR" sz="1200" b="0" i="1" smtClean="0">
+                                  <a:latin typeface="Cambria Math" panose="02040503050406030204" pitchFamily="18" charset="0"/>
+                                </a:rPr>
+                                <m:t>𝑧</m:t>
+                              </m:r>
+                            </m:e>
+                          </m:acc>
+                        </m:oMath>
+                      </m:oMathPara>
+                    </a14:m>
+                    <a:endParaRPr lang="fr-FR" sz="1200" dirty="0"/>
+                  </a:p>
+                </p:txBody>
+              </p:sp>
+            </mc:Choice>
+            <mc:Fallback>
+              <p:sp>
+                <p:nvSpPr>
+                  <p:cNvPr id="14" name="ZoneTexte 13"/>
+                  <p:cNvSpPr txBox="1">
+                    <a:spLocks noRot="1" noChangeAspect="1" noMove="1" noResize="1" noEditPoints="1" noAdjustHandles="1" noChangeArrowheads="1" noChangeShapeType="1" noTextEdit="1"/>
+                  </p:cNvSpPr>
+                  <p:nvPr/>
+                </p:nvSpPr>
+                <p:spPr>
+                  <a:xfrm>
+                    <a:off x="267298" y="1590975"/>
+                    <a:ext cx="111634" cy="184666"/>
+                  </a:xfrm>
+                  <a:prstGeom prst="rect">
+                    <a:avLst/>
+                  </a:prstGeom>
+                  <a:blipFill>
+                    <a:blip r:embed="rId8"/>
+                    <a:stretch>
+                      <a:fillRect l="-22222" t="-25806" r="-94444"/>
+                    </a:stretch>
+                  </a:blipFill>
+                </p:spPr>
+                <p:txBody>
+                  <a:bodyPr/>
+                  <a:lstStyle/>
+                  <a:p>
+                    <a:r>
+                      <a:rPr lang="fr-FR">
+                        <a:noFill/>
+                      </a:rPr>
+                      <a:t> </a:t>
+                    </a:r>
+                  </a:p>
+                </p:txBody>
+              </p:sp>
+            </mc:Fallback>
+          </mc:AlternateContent>
+        </p:grpSp>
+        <p:cxnSp>
+          <p:nvCxnSpPr>
+            <p:cNvPr id="17" name="Connecteur droit 16"/>
+            <p:cNvCxnSpPr/>
+            <p:nvPr/>
+          </p:nvCxnSpPr>
+          <p:spPr>
+            <a:xfrm rot="5400000" flipV="1">
+              <a:off x="1111531" y="1254721"/>
+              <a:ext cx="0" cy="734600"/>
+            </a:xfrm>
+            <a:prstGeom prst="line">
+              <a:avLst/>
+            </a:prstGeom>
+            <a:ln w="12700">
+              <a:solidFill>
+                <a:schemeClr val="accent5">
+                  <a:lumMod val="50000"/>
+                </a:schemeClr>
+              </a:solidFill>
+              <a:tailEnd type="stealth" w="med" len="lg"/>
+            </a:ln>
+          </p:spPr>
+          <p:style>
+            <a:lnRef idx="1">
+              <a:schemeClr val="accent1"/>
+            </a:lnRef>
+            <a:fillRef idx="0">
+              <a:schemeClr val="accent1"/>
+            </a:fillRef>
+            <a:effectRef idx="0">
+              <a:schemeClr val="accent1"/>
+            </a:effectRef>
+            <a:fontRef idx="minor">
+              <a:schemeClr val="tx1"/>
+            </a:fontRef>
+          </p:style>
+        </p:cxnSp>
+      </p:grpSp>
+      <p:sp>
+        <p:nvSpPr>
+          <p:cNvPr id="85" name="Ellipse 84"/>
+          <p:cNvSpPr/>
+          <p:nvPr/>
+        </p:nvSpPr>
+        <p:spPr>
+          <a:xfrm>
+            <a:off x="6964851" y="1439741"/>
+            <a:ext cx="360040" cy="1152131"/>
+          </a:xfrm>
+          <a:prstGeom prst="ellipse">
+            <a:avLst/>
+          </a:prstGeom>
+          <a:solidFill>
+            <a:schemeClr val="accent2">
+              <a:lumMod val="20000"/>
+              <a:lumOff val="80000"/>
+            </a:schemeClr>
+          </a:solidFill>
+          <a:ln w="19050">
+            <a:solidFill>
+              <a:srgbClr val="C00000"/>
+            </a:solidFill>
+          </a:ln>
+        </p:spPr>
+        <p:style>
+          <a:lnRef idx="2">
+            <a:schemeClr val="accent1">
+              <a:shade val="50000"/>
+            </a:schemeClr>
+          </a:lnRef>
+          <a:fillRef idx="1">
+            <a:schemeClr val="accent1"/>
+          </a:fillRef>
+          <a:effectRef idx="0">
+            <a:schemeClr val="accent1"/>
+          </a:effectRef>
+          <a:fontRef idx="minor">
+            <a:schemeClr val="lt1"/>
+          </a:fontRef>
+        </p:style>
+        <p:txBody>
+          <a:bodyPr rtlCol="0" anchor="ctr"/>
+          <a:lstStyle/>
+          <a:p>
+            <a:pPr algn="ctr"/>
+            <a:endParaRPr lang="fr-FR"/>
+          </a:p>
+        </p:txBody>
+      </p:sp>
+    </p:spTree>
+    <p:extLst>
+      <p:ext uri="{BB962C8B-B14F-4D97-AF65-F5344CB8AC3E}">
+        <p14:creationId xmlns:p14="http://schemas.microsoft.com/office/powerpoint/2010/main" val="2554600322"/>
+      </p:ext>
+    </p:extLst>
+  </p:cSld>
+  <p:clrMapOvr>
+    <a:masterClrMapping/>
+  </p:clrMapOvr>
+</p:sld>
+</file>
+
+<file path=ppt/slides/slide10.xml><?xml version="1.0" encoding="utf-8"?>
+<p:sld xmlns:a="http://schemas.openxmlformats.org/drawingml/2006/main" xmlns:r="http://schemas.openxmlformats.org/officeDocument/2006/relationships" xmlns:p="http://schemas.openxmlformats.org/presentationml/2006/main">
+  <p:cSld>
+    <p:spTree>
+      <p:nvGrpSpPr>
+        <p:cNvPr id="1" name=""/>
+        <p:cNvGrpSpPr/>
+        <p:nvPr/>
+      </p:nvGrpSpPr>
+      <p:grpSpPr>
+        <a:xfrm>
+          <a:off x="0" y="0"/>
+          <a:ext cx="0" cy="0"/>
+          <a:chOff x="0" y="0"/>
+          <a:chExt cx="0" cy="0"/>
+        </a:xfrm>
+      </p:grpSpPr>
+      <p:sp>
+        <p:nvSpPr>
+          <p:cNvPr id="12" name="Forme libre 11"/>
+          <p:cNvSpPr/>
+          <p:nvPr/>
+        </p:nvSpPr>
+        <p:spPr>
+          <a:xfrm>
+            <a:off x="3659793" y="2356939"/>
+            <a:ext cx="1035439" cy="1065919"/>
+          </a:xfrm>
+          <a:custGeom>
+            <a:avLst/>
+            <a:gdLst>
+              <a:gd name="connsiteX0" fmla="*/ 689368 w 1195867"/>
+              <a:gd name="connsiteY0" fmla="*/ 0 h 1814779"/>
+              <a:gd name="connsiteX1" fmla="*/ 1195804 w 1195867"/>
+              <a:gd name="connsiteY1" fmla="*/ 745588 h 1814779"/>
+              <a:gd name="connsiteX2" fmla="*/ 661232 w 1195867"/>
+              <a:gd name="connsiteY2" fmla="*/ 1814732 h 1814779"/>
+              <a:gd name="connsiteX3" fmla="*/ 51 w 1195867"/>
+              <a:gd name="connsiteY3" fmla="*/ 703385 h 1814779"/>
+              <a:gd name="connsiteX4" fmla="*/ 633097 w 1195867"/>
+              <a:gd name="connsiteY4" fmla="*/ 14068 h 1814779"/>
+              <a:gd name="connsiteX0" fmla="*/ 689368 w 1195867"/>
+              <a:gd name="connsiteY0" fmla="*/ 0 h 1814779"/>
+              <a:gd name="connsiteX1" fmla="*/ 1195804 w 1195867"/>
+              <a:gd name="connsiteY1" fmla="*/ 745588 h 1814779"/>
+              <a:gd name="connsiteX2" fmla="*/ 661232 w 1195867"/>
+              <a:gd name="connsiteY2" fmla="*/ 1814732 h 1814779"/>
+              <a:gd name="connsiteX3" fmla="*/ 51 w 1195867"/>
+              <a:gd name="connsiteY3" fmla="*/ 703385 h 1814779"/>
+              <a:gd name="connsiteX4" fmla="*/ 633097 w 1195867"/>
+              <a:gd name="connsiteY4" fmla="*/ 14068 h 1814779"/>
+              <a:gd name="connsiteX5" fmla="*/ 689368 w 1195867"/>
+              <a:gd name="connsiteY5" fmla="*/ 0 h 1814779"/>
+              <a:gd name="connsiteX0" fmla="*/ 692618 w 1199117"/>
+              <a:gd name="connsiteY0" fmla="*/ 0 h 1814779"/>
+              <a:gd name="connsiteX1" fmla="*/ 1199054 w 1199117"/>
+              <a:gd name="connsiteY1" fmla="*/ 745588 h 1814779"/>
+              <a:gd name="connsiteX2" fmla="*/ 664482 w 1199117"/>
+              <a:gd name="connsiteY2" fmla="*/ 1814732 h 1814779"/>
+              <a:gd name="connsiteX3" fmla="*/ 3301 w 1199117"/>
+              <a:gd name="connsiteY3" fmla="*/ 703385 h 1814779"/>
+              <a:gd name="connsiteX4" fmla="*/ 479185 w 1199117"/>
+              <a:gd name="connsiteY4" fmla="*/ 40262 h 1814779"/>
+              <a:gd name="connsiteX5" fmla="*/ 692618 w 1199117"/>
+              <a:gd name="connsiteY5" fmla="*/ 0 h 1814779"/>
+              <a:gd name="connsiteX0" fmla="*/ 868830 w 1205140"/>
+              <a:gd name="connsiteY0" fmla="*/ 0 h 1793348"/>
+              <a:gd name="connsiteX1" fmla="*/ 1199054 w 1205140"/>
+              <a:gd name="connsiteY1" fmla="*/ 724157 h 1793348"/>
+              <a:gd name="connsiteX2" fmla="*/ 664482 w 1205140"/>
+              <a:gd name="connsiteY2" fmla="*/ 1793301 h 1793348"/>
+              <a:gd name="connsiteX3" fmla="*/ 3301 w 1205140"/>
+              <a:gd name="connsiteY3" fmla="*/ 681954 h 1793348"/>
+              <a:gd name="connsiteX4" fmla="*/ 479185 w 1205140"/>
+              <a:gd name="connsiteY4" fmla="*/ 18831 h 1793348"/>
+              <a:gd name="connsiteX5" fmla="*/ 868830 w 1205140"/>
+              <a:gd name="connsiteY5" fmla="*/ 0 h 1793348"/>
+              <a:gd name="connsiteX0" fmla="*/ 868830 w 1202396"/>
+              <a:gd name="connsiteY0" fmla="*/ 67 h 1793415"/>
+              <a:gd name="connsiteX1" fmla="*/ 1199054 w 1202396"/>
+              <a:gd name="connsiteY1" fmla="*/ 724224 h 1793415"/>
+              <a:gd name="connsiteX2" fmla="*/ 664482 w 1202396"/>
+              <a:gd name="connsiteY2" fmla="*/ 1793368 h 1793415"/>
+              <a:gd name="connsiteX3" fmla="*/ 3301 w 1202396"/>
+              <a:gd name="connsiteY3" fmla="*/ 682021 h 1793415"/>
+              <a:gd name="connsiteX4" fmla="*/ 479185 w 1202396"/>
+              <a:gd name="connsiteY4" fmla="*/ 18898 h 1793415"/>
+              <a:gd name="connsiteX5" fmla="*/ 868830 w 1202396"/>
+              <a:gd name="connsiteY5" fmla="*/ 67 h 1793415"/>
+              <a:gd name="connsiteX0" fmla="*/ 869816 w 1203382"/>
+              <a:gd name="connsiteY0" fmla="*/ 67 h 1793415"/>
+              <a:gd name="connsiteX1" fmla="*/ 1200040 w 1203382"/>
+              <a:gd name="connsiteY1" fmla="*/ 724224 h 1793415"/>
+              <a:gd name="connsiteX2" fmla="*/ 665468 w 1203382"/>
+              <a:gd name="connsiteY2" fmla="*/ 1793368 h 1793415"/>
+              <a:gd name="connsiteX3" fmla="*/ 4287 w 1203382"/>
+              <a:gd name="connsiteY3" fmla="*/ 682021 h 1793415"/>
+              <a:gd name="connsiteX4" fmla="*/ 480171 w 1203382"/>
+              <a:gd name="connsiteY4" fmla="*/ 18898 h 1793415"/>
+              <a:gd name="connsiteX5" fmla="*/ 869816 w 1203382"/>
+              <a:gd name="connsiteY5" fmla="*/ 67 h 1793415"/>
+              <a:gd name="connsiteX0" fmla="*/ 869816 w 1203924"/>
+              <a:gd name="connsiteY0" fmla="*/ 112 h 1793460"/>
+              <a:gd name="connsiteX1" fmla="*/ 1200040 w 1203924"/>
+              <a:gd name="connsiteY1" fmla="*/ 724269 h 1793460"/>
+              <a:gd name="connsiteX2" fmla="*/ 665468 w 1203924"/>
+              <a:gd name="connsiteY2" fmla="*/ 1793413 h 1793460"/>
+              <a:gd name="connsiteX3" fmla="*/ 4287 w 1203924"/>
+              <a:gd name="connsiteY3" fmla="*/ 682066 h 1793460"/>
+              <a:gd name="connsiteX4" fmla="*/ 480171 w 1203924"/>
+              <a:gd name="connsiteY4" fmla="*/ 18943 h 1793460"/>
+              <a:gd name="connsiteX5" fmla="*/ 869816 w 1203924"/>
+              <a:gd name="connsiteY5" fmla="*/ 112 h 1793460"/>
+              <a:gd name="connsiteX0" fmla="*/ 869816 w 1203846"/>
+              <a:gd name="connsiteY0" fmla="*/ 11377 h 1804725"/>
+              <a:gd name="connsiteX1" fmla="*/ 1200040 w 1203846"/>
+              <a:gd name="connsiteY1" fmla="*/ 735534 h 1804725"/>
+              <a:gd name="connsiteX2" fmla="*/ 665468 w 1203846"/>
+              <a:gd name="connsiteY2" fmla="*/ 1804678 h 1804725"/>
+              <a:gd name="connsiteX3" fmla="*/ 4287 w 1203846"/>
+              <a:gd name="connsiteY3" fmla="*/ 693331 h 1804725"/>
+              <a:gd name="connsiteX4" fmla="*/ 480171 w 1203846"/>
+              <a:gd name="connsiteY4" fmla="*/ 30208 h 1804725"/>
+              <a:gd name="connsiteX5" fmla="*/ 869816 w 1203846"/>
+              <a:gd name="connsiteY5" fmla="*/ 11377 h 1804725"/>
+              <a:gd name="connsiteX0" fmla="*/ 866940 w 1204197"/>
+              <a:gd name="connsiteY0" fmla="*/ 11377 h 1239647"/>
+              <a:gd name="connsiteX1" fmla="*/ 1197164 w 1204197"/>
+              <a:gd name="connsiteY1" fmla="*/ 735534 h 1239647"/>
+              <a:gd name="connsiteX2" fmla="*/ 573692 w 1204197"/>
+              <a:gd name="connsiteY2" fmla="*/ 1239528 h 1239647"/>
+              <a:gd name="connsiteX3" fmla="*/ 1411 w 1204197"/>
+              <a:gd name="connsiteY3" fmla="*/ 693331 h 1239647"/>
+              <a:gd name="connsiteX4" fmla="*/ 477295 w 1204197"/>
+              <a:gd name="connsiteY4" fmla="*/ 30208 h 1239647"/>
+              <a:gd name="connsiteX5" fmla="*/ 866940 w 1204197"/>
+              <a:gd name="connsiteY5" fmla="*/ 11377 h 1239647"/>
+            </a:gdLst>
+            <a:ahLst/>
+            <a:cxnLst>
+              <a:cxn ang="0">
+                <a:pos x="connsiteX0" y="connsiteY0"/>
+              </a:cxn>
+              <a:cxn ang="0">
+                <a:pos x="connsiteX1" y="connsiteY1"/>
+              </a:cxn>
+              <a:cxn ang="0">
+                <a:pos x="connsiteX2" y="connsiteY2"/>
+              </a:cxn>
+              <a:cxn ang="0">
+                <a:pos x="connsiteX3" y="connsiteY3"/>
+              </a:cxn>
+              <a:cxn ang="0">
+                <a:pos x="connsiteX4" y="connsiteY4"/>
+              </a:cxn>
+              <a:cxn ang="0">
+                <a:pos x="connsiteX5" y="connsiteY5"/>
+              </a:cxn>
+            </a:cxnLst>
+            <a:rect l="l" t="t" r="r" b="b"/>
+            <a:pathLst>
+              <a:path w="1204197" h="1239647">
+                <a:moveTo>
+                  <a:pt x="866940" y="11377"/>
+                </a:moveTo>
+                <a:cubicBezTo>
+                  <a:pt x="1029909" y="52053"/>
+                  <a:pt x="1246039" y="530842"/>
+                  <a:pt x="1197164" y="735534"/>
+                </a:cubicBezTo>
+                <a:cubicBezTo>
+                  <a:pt x="1148289" y="940226"/>
+                  <a:pt x="772984" y="1246562"/>
+                  <a:pt x="573692" y="1239528"/>
+                </a:cubicBezTo>
+                <a:cubicBezTo>
+                  <a:pt x="374400" y="1232494"/>
+                  <a:pt x="17477" y="894884"/>
+                  <a:pt x="1411" y="693331"/>
+                </a:cubicBezTo>
+                <a:cubicBezTo>
+                  <a:pt x="-14655" y="491778"/>
+                  <a:pt x="104170" y="48241"/>
+                  <a:pt x="477295" y="30208"/>
+                </a:cubicBezTo>
+                <a:cubicBezTo>
+                  <a:pt x="607177" y="23931"/>
+                  <a:pt x="739439" y="-20446"/>
+                  <a:pt x="866940" y="11377"/>
+                </a:cubicBezTo>
+                <a:close/>
+              </a:path>
+            </a:pathLst>
+          </a:custGeom>
+          <a:ln w="19050">
+            <a:solidFill>
+              <a:srgbClr val="C00000"/>
+            </a:solidFill>
+          </a:ln>
+        </p:spPr>
+        <p:style>
+          <a:lnRef idx="1">
+            <a:schemeClr val="accent1"/>
+          </a:lnRef>
+          <a:fillRef idx="0">
+            <a:schemeClr val="accent1"/>
+          </a:fillRef>
+          <a:effectRef idx="0">
+            <a:schemeClr val="accent1"/>
+          </a:effectRef>
+          <a:fontRef idx="minor">
+            <a:schemeClr val="tx1"/>
+          </a:fontRef>
+        </p:style>
+        <p:txBody>
+          <a:bodyPr rtlCol="0" anchor="ctr"/>
+          <a:lstStyle/>
+          <a:p>
+            <a:pPr algn="ctr"/>
+            <a:endParaRPr lang="fr-FR" dirty="0"/>
+          </a:p>
+        </p:txBody>
+      </p:sp>
+      <p:sp>
+        <p:nvSpPr>
+          <p:cNvPr id="2" name="Forme libre 1"/>
+          <p:cNvSpPr/>
+          <p:nvPr/>
+        </p:nvSpPr>
+        <p:spPr>
+          <a:xfrm>
+            <a:off x="1799255" y="1979530"/>
+            <a:ext cx="1204197" cy="1239647"/>
+          </a:xfrm>
+          <a:custGeom>
+            <a:avLst/>
+            <a:gdLst>
+              <a:gd name="connsiteX0" fmla="*/ 689368 w 1195867"/>
+              <a:gd name="connsiteY0" fmla="*/ 0 h 1814779"/>
+              <a:gd name="connsiteX1" fmla="*/ 1195804 w 1195867"/>
+              <a:gd name="connsiteY1" fmla="*/ 745588 h 1814779"/>
+              <a:gd name="connsiteX2" fmla="*/ 661232 w 1195867"/>
+              <a:gd name="connsiteY2" fmla="*/ 1814732 h 1814779"/>
+              <a:gd name="connsiteX3" fmla="*/ 51 w 1195867"/>
+              <a:gd name="connsiteY3" fmla="*/ 703385 h 1814779"/>
+              <a:gd name="connsiteX4" fmla="*/ 633097 w 1195867"/>
+              <a:gd name="connsiteY4" fmla="*/ 14068 h 1814779"/>
+              <a:gd name="connsiteX0" fmla="*/ 689368 w 1195867"/>
+              <a:gd name="connsiteY0" fmla="*/ 0 h 1814779"/>
+              <a:gd name="connsiteX1" fmla="*/ 1195804 w 1195867"/>
+              <a:gd name="connsiteY1" fmla="*/ 745588 h 1814779"/>
+              <a:gd name="connsiteX2" fmla="*/ 661232 w 1195867"/>
+              <a:gd name="connsiteY2" fmla="*/ 1814732 h 1814779"/>
+              <a:gd name="connsiteX3" fmla="*/ 51 w 1195867"/>
+              <a:gd name="connsiteY3" fmla="*/ 703385 h 1814779"/>
+              <a:gd name="connsiteX4" fmla="*/ 633097 w 1195867"/>
+              <a:gd name="connsiteY4" fmla="*/ 14068 h 1814779"/>
+              <a:gd name="connsiteX5" fmla="*/ 689368 w 1195867"/>
+              <a:gd name="connsiteY5" fmla="*/ 0 h 1814779"/>
+              <a:gd name="connsiteX0" fmla="*/ 692618 w 1199117"/>
+              <a:gd name="connsiteY0" fmla="*/ 0 h 1814779"/>
+              <a:gd name="connsiteX1" fmla="*/ 1199054 w 1199117"/>
+              <a:gd name="connsiteY1" fmla="*/ 745588 h 1814779"/>
+              <a:gd name="connsiteX2" fmla="*/ 664482 w 1199117"/>
+              <a:gd name="connsiteY2" fmla="*/ 1814732 h 1814779"/>
+              <a:gd name="connsiteX3" fmla="*/ 3301 w 1199117"/>
+              <a:gd name="connsiteY3" fmla="*/ 703385 h 1814779"/>
+              <a:gd name="connsiteX4" fmla="*/ 479185 w 1199117"/>
+              <a:gd name="connsiteY4" fmla="*/ 40262 h 1814779"/>
+              <a:gd name="connsiteX5" fmla="*/ 692618 w 1199117"/>
+              <a:gd name="connsiteY5" fmla="*/ 0 h 1814779"/>
+              <a:gd name="connsiteX0" fmla="*/ 868830 w 1205140"/>
+              <a:gd name="connsiteY0" fmla="*/ 0 h 1793348"/>
+              <a:gd name="connsiteX1" fmla="*/ 1199054 w 1205140"/>
+              <a:gd name="connsiteY1" fmla="*/ 724157 h 1793348"/>
+              <a:gd name="connsiteX2" fmla="*/ 664482 w 1205140"/>
+              <a:gd name="connsiteY2" fmla="*/ 1793301 h 1793348"/>
+              <a:gd name="connsiteX3" fmla="*/ 3301 w 1205140"/>
+              <a:gd name="connsiteY3" fmla="*/ 681954 h 1793348"/>
+              <a:gd name="connsiteX4" fmla="*/ 479185 w 1205140"/>
+              <a:gd name="connsiteY4" fmla="*/ 18831 h 1793348"/>
+              <a:gd name="connsiteX5" fmla="*/ 868830 w 1205140"/>
+              <a:gd name="connsiteY5" fmla="*/ 0 h 1793348"/>
+              <a:gd name="connsiteX0" fmla="*/ 868830 w 1202396"/>
+              <a:gd name="connsiteY0" fmla="*/ 67 h 1793415"/>
+              <a:gd name="connsiteX1" fmla="*/ 1199054 w 1202396"/>
+              <a:gd name="connsiteY1" fmla="*/ 724224 h 1793415"/>
+              <a:gd name="connsiteX2" fmla="*/ 664482 w 1202396"/>
+              <a:gd name="connsiteY2" fmla="*/ 1793368 h 1793415"/>
+              <a:gd name="connsiteX3" fmla="*/ 3301 w 1202396"/>
+              <a:gd name="connsiteY3" fmla="*/ 682021 h 1793415"/>
+              <a:gd name="connsiteX4" fmla="*/ 479185 w 1202396"/>
+              <a:gd name="connsiteY4" fmla="*/ 18898 h 1793415"/>
+              <a:gd name="connsiteX5" fmla="*/ 868830 w 1202396"/>
+              <a:gd name="connsiteY5" fmla="*/ 67 h 1793415"/>
+              <a:gd name="connsiteX0" fmla="*/ 869816 w 1203382"/>
+              <a:gd name="connsiteY0" fmla="*/ 67 h 1793415"/>
+              <a:gd name="connsiteX1" fmla="*/ 1200040 w 1203382"/>
+              <a:gd name="connsiteY1" fmla="*/ 724224 h 1793415"/>
+              <a:gd name="connsiteX2" fmla="*/ 665468 w 1203382"/>
+              <a:gd name="connsiteY2" fmla="*/ 1793368 h 1793415"/>
+              <a:gd name="connsiteX3" fmla="*/ 4287 w 1203382"/>
+              <a:gd name="connsiteY3" fmla="*/ 682021 h 1793415"/>
+              <a:gd name="connsiteX4" fmla="*/ 480171 w 1203382"/>
+              <a:gd name="connsiteY4" fmla="*/ 18898 h 1793415"/>
+              <a:gd name="connsiteX5" fmla="*/ 869816 w 1203382"/>
+              <a:gd name="connsiteY5" fmla="*/ 67 h 1793415"/>
+              <a:gd name="connsiteX0" fmla="*/ 869816 w 1203924"/>
+              <a:gd name="connsiteY0" fmla="*/ 112 h 1793460"/>
+              <a:gd name="connsiteX1" fmla="*/ 1200040 w 1203924"/>
+              <a:gd name="connsiteY1" fmla="*/ 724269 h 1793460"/>
+              <a:gd name="connsiteX2" fmla="*/ 665468 w 1203924"/>
+              <a:gd name="connsiteY2" fmla="*/ 1793413 h 1793460"/>
+              <a:gd name="connsiteX3" fmla="*/ 4287 w 1203924"/>
+              <a:gd name="connsiteY3" fmla="*/ 682066 h 1793460"/>
+              <a:gd name="connsiteX4" fmla="*/ 480171 w 1203924"/>
+              <a:gd name="connsiteY4" fmla="*/ 18943 h 1793460"/>
+              <a:gd name="connsiteX5" fmla="*/ 869816 w 1203924"/>
+              <a:gd name="connsiteY5" fmla="*/ 112 h 1793460"/>
+              <a:gd name="connsiteX0" fmla="*/ 869816 w 1203846"/>
+              <a:gd name="connsiteY0" fmla="*/ 11377 h 1804725"/>
+              <a:gd name="connsiteX1" fmla="*/ 1200040 w 1203846"/>
+              <a:gd name="connsiteY1" fmla="*/ 735534 h 1804725"/>
+              <a:gd name="connsiteX2" fmla="*/ 665468 w 1203846"/>
+              <a:gd name="connsiteY2" fmla="*/ 1804678 h 1804725"/>
+              <a:gd name="connsiteX3" fmla="*/ 4287 w 1203846"/>
+              <a:gd name="connsiteY3" fmla="*/ 693331 h 1804725"/>
+              <a:gd name="connsiteX4" fmla="*/ 480171 w 1203846"/>
+              <a:gd name="connsiteY4" fmla="*/ 30208 h 1804725"/>
+              <a:gd name="connsiteX5" fmla="*/ 869816 w 1203846"/>
+              <a:gd name="connsiteY5" fmla="*/ 11377 h 1804725"/>
+              <a:gd name="connsiteX0" fmla="*/ 866940 w 1204197"/>
+              <a:gd name="connsiteY0" fmla="*/ 11377 h 1239647"/>
+              <a:gd name="connsiteX1" fmla="*/ 1197164 w 1204197"/>
+              <a:gd name="connsiteY1" fmla="*/ 735534 h 1239647"/>
+              <a:gd name="connsiteX2" fmla="*/ 573692 w 1204197"/>
+              <a:gd name="connsiteY2" fmla="*/ 1239528 h 1239647"/>
+              <a:gd name="connsiteX3" fmla="*/ 1411 w 1204197"/>
+              <a:gd name="connsiteY3" fmla="*/ 693331 h 1239647"/>
+              <a:gd name="connsiteX4" fmla="*/ 477295 w 1204197"/>
+              <a:gd name="connsiteY4" fmla="*/ 30208 h 1239647"/>
+              <a:gd name="connsiteX5" fmla="*/ 866940 w 1204197"/>
+              <a:gd name="connsiteY5" fmla="*/ 11377 h 1239647"/>
+            </a:gdLst>
+            <a:ahLst/>
+            <a:cxnLst>
+              <a:cxn ang="0">
+                <a:pos x="connsiteX0" y="connsiteY0"/>
+              </a:cxn>
+              <a:cxn ang="0">
+                <a:pos x="connsiteX1" y="connsiteY1"/>
+              </a:cxn>
+              <a:cxn ang="0">
+                <a:pos x="connsiteX2" y="connsiteY2"/>
+              </a:cxn>
+              <a:cxn ang="0">
+                <a:pos x="connsiteX3" y="connsiteY3"/>
+              </a:cxn>
+              <a:cxn ang="0">
+                <a:pos x="connsiteX4" y="connsiteY4"/>
+              </a:cxn>
+              <a:cxn ang="0">
+                <a:pos x="connsiteX5" y="connsiteY5"/>
+              </a:cxn>
+            </a:cxnLst>
+            <a:rect l="l" t="t" r="r" b="b"/>
+            <a:pathLst>
+              <a:path w="1204197" h="1239647">
+                <a:moveTo>
+                  <a:pt x="866940" y="11377"/>
+                </a:moveTo>
+                <a:cubicBezTo>
+                  <a:pt x="1029909" y="52053"/>
+                  <a:pt x="1246039" y="530842"/>
+                  <a:pt x="1197164" y="735534"/>
+                </a:cubicBezTo>
+                <a:cubicBezTo>
+                  <a:pt x="1148289" y="940226"/>
+                  <a:pt x="772984" y="1246562"/>
+                  <a:pt x="573692" y="1239528"/>
+                </a:cubicBezTo>
+                <a:cubicBezTo>
+                  <a:pt x="374400" y="1232494"/>
+                  <a:pt x="17477" y="894884"/>
+                  <a:pt x="1411" y="693331"/>
+                </a:cubicBezTo>
+                <a:cubicBezTo>
+                  <a:pt x="-14655" y="491778"/>
+                  <a:pt x="104170" y="48241"/>
+                  <a:pt x="477295" y="30208"/>
+                </a:cubicBezTo>
+                <a:cubicBezTo>
+                  <a:pt x="607177" y="23931"/>
+                  <a:pt x="739439" y="-20446"/>
+                  <a:pt x="866940" y="11377"/>
+                </a:cubicBezTo>
+                <a:close/>
+              </a:path>
+            </a:pathLst>
+          </a:custGeom>
+          <a:ln w="19050">
+            <a:solidFill>
+              <a:schemeClr val="accent5">
+                <a:lumMod val="50000"/>
+              </a:schemeClr>
+            </a:solidFill>
+          </a:ln>
+        </p:spPr>
+        <p:style>
+          <a:lnRef idx="1">
+            <a:schemeClr val="accent1"/>
+          </a:lnRef>
+          <a:fillRef idx="0">
+            <a:schemeClr val="accent1"/>
+          </a:fillRef>
+          <a:effectRef idx="0">
+            <a:schemeClr val="accent1"/>
+          </a:effectRef>
+          <a:fontRef idx="minor">
+            <a:schemeClr val="tx1"/>
+          </a:fontRef>
+        </p:style>
+        <p:txBody>
+          <a:bodyPr rtlCol="0" anchor="ctr"/>
+          <a:lstStyle/>
+          <a:p>
+            <a:pPr algn="ctr"/>
+            <a:endParaRPr lang="fr-FR" dirty="0"/>
+          </a:p>
+        </p:txBody>
+      </p:sp>
+      <p:sp>
+        <p:nvSpPr>
+          <p:cNvPr id="4" name="Forme libre 3"/>
+          <p:cNvSpPr/>
+          <p:nvPr/>
+        </p:nvSpPr>
+        <p:spPr>
+          <a:xfrm>
+            <a:off x="5951984" y="3011001"/>
+            <a:ext cx="784504" cy="807599"/>
+          </a:xfrm>
+          <a:custGeom>
+            <a:avLst/>
+            <a:gdLst>
+              <a:gd name="connsiteX0" fmla="*/ 689368 w 1195867"/>
+              <a:gd name="connsiteY0" fmla="*/ 0 h 1814779"/>
+              <a:gd name="connsiteX1" fmla="*/ 1195804 w 1195867"/>
+              <a:gd name="connsiteY1" fmla="*/ 745588 h 1814779"/>
+              <a:gd name="connsiteX2" fmla="*/ 661232 w 1195867"/>
+              <a:gd name="connsiteY2" fmla="*/ 1814732 h 1814779"/>
+              <a:gd name="connsiteX3" fmla="*/ 51 w 1195867"/>
+              <a:gd name="connsiteY3" fmla="*/ 703385 h 1814779"/>
+              <a:gd name="connsiteX4" fmla="*/ 633097 w 1195867"/>
+              <a:gd name="connsiteY4" fmla="*/ 14068 h 1814779"/>
+              <a:gd name="connsiteX0" fmla="*/ 689368 w 1195867"/>
+              <a:gd name="connsiteY0" fmla="*/ 0 h 1814779"/>
+              <a:gd name="connsiteX1" fmla="*/ 1195804 w 1195867"/>
+              <a:gd name="connsiteY1" fmla="*/ 745588 h 1814779"/>
+              <a:gd name="connsiteX2" fmla="*/ 661232 w 1195867"/>
+              <a:gd name="connsiteY2" fmla="*/ 1814732 h 1814779"/>
+              <a:gd name="connsiteX3" fmla="*/ 51 w 1195867"/>
+              <a:gd name="connsiteY3" fmla="*/ 703385 h 1814779"/>
+              <a:gd name="connsiteX4" fmla="*/ 633097 w 1195867"/>
+              <a:gd name="connsiteY4" fmla="*/ 14068 h 1814779"/>
+              <a:gd name="connsiteX5" fmla="*/ 689368 w 1195867"/>
+              <a:gd name="connsiteY5" fmla="*/ 0 h 1814779"/>
+              <a:gd name="connsiteX0" fmla="*/ 692618 w 1199117"/>
+              <a:gd name="connsiteY0" fmla="*/ 0 h 1814779"/>
+              <a:gd name="connsiteX1" fmla="*/ 1199054 w 1199117"/>
+              <a:gd name="connsiteY1" fmla="*/ 745588 h 1814779"/>
+              <a:gd name="connsiteX2" fmla="*/ 664482 w 1199117"/>
+              <a:gd name="connsiteY2" fmla="*/ 1814732 h 1814779"/>
+              <a:gd name="connsiteX3" fmla="*/ 3301 w 1199117"/>
+              <a:gd name="connsiteY3" fmla="*/ 703385 h 1814779"/>
+              <a:gd name="connsiteX4" fmla="*/ 479185 w 1199117"/>
+              <a:gd name="connsiteY4" fmla="*/ 40262 h 1814779"/>
+              <a:gd name="connsiteX5" fmla="*/ 692618 w 1199117"/>
+              <a:gd name="connsiteY5" fmla="*/ 0 h 1814779"/>
+              <a:gd name="connsiteX0" fmla="*/ 868830 w 1205140"/>
+              <a:gd name="connsiteY0" fmla="*/ 0 h 1793348"/>
+              <a:gd name="connsiteX1" fmla="*/ 1199054 w 1205140"/>
+              <a:gd name="connsiteY1" fmla="*/ 724157 h 1793348"/>
+              <a:gd name="connsiteX2" fmla="*/ 664482 w 1205140"/>
+              <a:gd name="connsiteY2" fmla="*/ 1793301 h 1793348"/>
+              <a:gd name="connsiteX3" fmla="*/ 3301 w 1205140"/>
+              <a:gd name="connsiteY3" fmla="*/ 681954 h 1793348"/>
+              <a:gd name="connsiteX4" fmla="*/ 479185 w 1205140"/>
+              <a:gd name="connsiteY4" fmla="*/ 18831 h 1793348"/>
+              <a:gd name="connsiteX5" fmla="*/ 868830 w 1205140"/>
+              <a:gd name="connsiteY5" fmla="*/ 0 h 1793348"/>
+              <a:gd name="connsiteX0" fmla="*/ 868830 w 1202396"/>
+              <a:gd name="connsiteY0" fmla="*/ 67 h 1793415"/>
+              <a:gd name="connsiteX1" fmla="*/ 1199054 w 1202396"/>
+              <a:gd name="connsiteY1" fmla="*/ 724224 h 1793415"/>
+              <a:gd name="connsiteX2" fmla="*/ 664482 w 1202396"/>
+              <a:gd name="connsiteY2" fmla="*/ 1793368 h 1793415"/>
+              <a:gd name="connsiteX3" fmla="*/ 3301 w 1202396"/>
+              <a:gd name="connsiteY3" fmla="*/ 682021 h 1793415"/>
+              <a:gd name="connsiteX4" fmla="*/ 479185 w 1202396"/>
+              <a:gd name="connsiteY4" fmla="*/ 18898 h 1793415"/>
+              <a:gd name="connsiteX5" fmla="*/ 868830 w 1202396"/>
+              <a:gd name="connsiteY5" fmla="*/ 67 h 1793415"/>
+              <a:gd name="connsiteX0" fmla="*/ 869816 w 1203382"/>
+              <a:gd name="connsiteY0" fmla="*/ 67 h 1793415"/>
+              <a:gd name="connsiteX1" fmla="*/ 1200040 w 1203382"/>
+              <a:gd name="connsiteY1" fmla="*/ 724224 h 1793415"/>
+              <a:gd name="connsiteX2" fmla="*/ 665468 w 1203382"/>
+              <a:gd name="connsiteY2" fmla="*/ 1793368 h 1793415"/>
+              <a:gd name="connsiteX3" fmla="*/ 4287 w 1203382"/>
+              <a:gd name="connsiteY3" fmla="*/ 682021 h 1793415"/>
+              <a:gd name="connsiteX4" fmla="*/ 480171 w 1203382"/>
+              <a:gd name="connsiteY4" fmla="*/ 18898 h 1793415"/>
+              <a:gd name="connsiteX5" fmla="*/ 869816 w 1203382"/>
+              <a:gd name="connsiteY5" fmla="*/ 67 h 1793415"/>
+              <a:gd name="connsiteX0" fmla="*/ 869816 w 1203924"/>
+              <a:gd name="connsiteY0" fmla="*/ 112 h 1793460"/>
+              <a:gd name="connsiteX1" fmla="*/ 1200040 w 1203924"/>
+              <a:gd name="connsiteY1" fmla="*/ 724269 h 1793460"/>
+              <a:gd name="connsiteX2" fmla="*/ 665468 w 1203924"/>
+              <a:gd name="connsiteY2" fmla="*/ 1793413 h 1793460"/>
+              <a:gd name="connsiteX3" fmla="*/ 4287 w 1203924"/>
+              <a:gd name="connsiteY3" fmla="*/ 682066 h 1793460"/>
+              <a:gd name="connsiteX4" fmla="*/ 480171 w 1203924"/>
+              <a:gd name="connsiteY4" fmla="*/ 18943 h 1793460"/>
+              <a:gd name="connsiteX5" fmla="*/ 869816 w 1203924"/>
+              <a:gd name="connsiteY5" fmla="*/ 112 h 1793460"/>
+              <a:gd name="connsiteX0" fmla="*/ 869816 w 1203846"/>
+              <a:gd name="connsiteY0" fmla="*/ 11377 h 1804725"/>
+              <a:gd name="connsiteX1" fmla="*/ 1200040 w 1203846"/>
+              <a:gd name="connsiteY1" fmla="*/ 735534 h 1804725"/>
+              <a:gd name="connsiteX2" fmla="*/ 665468 w 1203846"/>
+              <a:gd name="connsiteY2" fmla="*/ 1804678 h 1804725"/>
+              <a:gd name="connsiteX3" fmla="*/ 4287 w 1203846"/>
+              <a:gd name="connsiteY3" fmla="*/ 693331 h 1804725"/>
+              <a:gd name="connsiteX4" fmla="*/ 480171 w 1203846"/>
+              <a:gd name="connsiteY4" fmla="*/ 30208 h 1804725"/>
+              <a:gd name="connsiteX5" fmla="*/ 869816 w 1203846"/>
+              <a:gd name="connsiteY5" fmla="*/ 11377 h 1804725"/>
+              <a:gd name="connsiteX0" fmla="*/ 866940 w 1204197"/>
+              <a:gd name="connsiteY0" fmla="*/ 11377 h 1239647"/>
+              <a:gd name="connsiteX1" fmla="*/ 1197164 w 1204197"/>
+              <a:gd name="connsiteY1" fmla="*/ 735534 h 1239647"/>
+              <a:gd name="connsiteX2" fmla="*/ 573692 w 1204197"/>
+              <a:gd name="connsiteY2" fmla="*/ 1239528 h 1239647"/>
+              <a:gd name="connsiteX3" fmla="*/ 1411 w 1204197"/>
+              <a:gd name="connsiteY3" fmla="*/ 693331 h 1239647"/>
+              <a:gd name="connsiteX4" fmla="*/ 477295 w 1204197"/>
+              <a:gd name="connsiteY4" fmla="*/ 30208 h 1239647"/>
+              <a:gd name="connsiteX5" fmla="*/ 866940 w 1204197"/>
+              <a:gd name="connsiteY5" fmla="*/ 11377 h 1239647"/>
+            </a:gdLst>
+            <a:ahLst/>
+            <a:cxnLst>
+              <a:cxn ang="0">
+                <a:pos x="connsiteX0" y="connsiteY0"/>
+              </a:cxn>
+              <a:cxn ang="0">
+                <a:pos x="connsiteX1" y="connsiteY1"/>
+              </a:cxn>
+              <a:cxn ang="0">
+                <a:pos x="connsiteX2" y="connsiteY2"/>
+              </a:cxn>
+              <a:cxn ang="0">
+                <a:pos x="connsiteX3" y="connsiteY3"/>
+              </a:cxn>
+              <a:cxn ang="0">
+                <a:pos x="connsiteX4" y="connsiteY4"/>
+              </a:cxn>
+              <a:cxn ang="0">
+                <a:pos x="connsiteX5" y="connsiteY5"/>
+              </a:cxn>
+            </a:cxnLst>
+            <a:rect l="l" t="t" r="r" b="b"/>
+            <a:pathLst>
+              <a:path w="1204197" h="1239647">
+                <a:moveTo>
+                  <a:pt x="866940" y="11377"/>
+                </a:moveTo>
+                <a:cubicBezTo>
+                  <a:pt x="1029909" y="52053"/>
+                  <a:pt x="1246039" y="530842"/>
+                  <a:pt x="1197164" y="735534"/>
+                </a:cubicBezTo>
+                <a:cubicBezTo>
+                  <a:pt x="1148289" y="940226"/>
+                  <a:pt x="772984" y="1246562"/>
+                  <a:pt x="573692" y="1239528"/>
+                </a:cubicBezTo>
+                <a:cubicBezTo>
+                  <a:pt x="374400" y="1232494"/>
+                  <a:pt x="17477" y="894884"/>
+                  <a:pt x="1411" y="693331"/>
+                </a:cubicBezTo>
+                <a:cubicBezTo>
+                  <a:pt x="-14655" y="491778"/>
+                  <a:pt x="104170" y="48241"/>
+                  <a:pt x="477295" y="30208"/>
+                </a:cubicBezTo>
+                <a:cubicBezTo>
+                  <a:pt x="607177" y="23931"/>
+                  <a:pt x="739439" y="-20446"/>
+                  <a:pt x="866940" y="11377"/>
+                </a:cubicBezTo>
+                <a:close/>
+              </a:path>
+            </a:pathLst>
+          </a:custGeom>
+          <a:ln w="19050">
+            <a:solidFill>
+              <a:schemeClr val="accent5">
+                <a:lumMod val="50000"/>
+              </a:schemeClr>
+            </a:solidFill>
+          </a:ln>
+        </p:spPr>
+        <p:style>
+          <a:lnRef idx="1">
+            <a:schemeClr val="accent1"/>
+          </a:lnRef>
+          <a:fillRef idx="0">
+            <a:schemeClr val="accent1"/>
+          </a:fillRef>
+          <a:effectRef idx="0">
+            <a:schemeClr val="accent1"/>
+          </a:effectRef>
+          <a:fontRef idx="minor">
+            <a:schemeClr val="tx1"/>
+          </a:fontRef>
+        </p:style>
+        <p:txBody>
+          <a:bodyPr rtlCol="0" anchor="ctr"/>
+          <a:lstStyle/>
+          <a:p>
+            <a:pPr algn="ctr"/>
+            <a:endParaRPr lang="fr-FR" dirty="0"/>
+          </a:p>
+        </p:txBody>
+      </p:sp>
+      <p:sp>
+        <p:nvSpPr>
+          <p:cNvPr id="3" name="Rectangle 2"/>
+          <p:cNvSpPr/>
+          <p:nvPr/>
+        </p:nvSpPr>
+        <p:spPr>
+          <a:xfrm rot="759252">
+            <a:off x="5853395" y="2732103"/>
+            <a:ext cx="527791" cy="1152128"/>
+          </a:xfrm>
+          <a:prstGeom prst="rect">
+            <a:avLst/>
+          </a:prstGeom>
+          <a:solidFill>
+            <a:schemeClr val="bg1"/>
+          </a:solidFill>
+          <a:ln>
+            <a:noFill/>
+          </a:ln>
+        </p:spPr>
+        <p:style>
+          <a:lnRef idx="2">
+            <a:schemeClr val="accent1">
+              <a:shade val="50000"/>
+            </a:schemeClr>
+          </a:lnRef>
+          <a:fillRef idx="1">
+            <a:schemeClr val="accent1"/>
+          </a:fillRef>
+          <a:effectRef idx="0">
+            <a:schemeClr val="accent1"/>
+          </a:effectRef>
+          <a:fontRef idx="minor">
+            <a:schemeClr val="lt1"/>
+          </a:fontRef>
+        </p:style>
+        <p:txBody>
+          <a:bodyPr rtlCol="0" anchor="ctr"/>
+          <a:lstStyle/>
+          <a:p>
+            <a:pPr algn="ctr"/>
+            <a:endParaRPr lang="fr-FR"/>
+          </a:p>
+        </p:txBody>
+      </p:sp>
+      <p:sp>
+        <p:nvSpPr>
+          <p:cNvPr id="8" name="Forme libre 7"/>
+          <p:cNvSpPr/>
+          <p:nvPr/>
+        </p:nvSpPr>
+        <p:spPr>
+          <a:xfrm>
+            <a:off x="5951984" y="3011000"/>
+            <a:ext cx="784504" cy="807599"/>
+          </a:xfrm>
+          <a:custGeom>
+            <a:avLst/>
+            <a:gdLst>
+              <a:gd name="connsiteX0" fmla="*/ 689368 w 1195867"/>
+              <a:gd name="connsiteY0" fmla="*/ 0 h 1814779"/>
+              <a:gd name="connsiteX1" fmla="*/ 1195804 w 1195867"/>
+              <a:gd name="connsiteY1" fmla="*/ 745588 h 1814779"/>
+              <a:gd name="connsiteX2" fmla="*/ 661232 w 1195867"/>
+              <a:gd name="connsiteY2" fmla="*/ 1814732 h 1814779"/>
+              <a:gd name="connsiteX3" fmla="*/ 51 w 1195867"/>
+              <a:gd name="connsiteY3" fmla="*/ 703385 h 1814779"/>
+              <a:gd name="connsiteX4" fmla="*/ 633097 w 1195867"/>
+              <a:gd name="connsiteY4" fmla="*/ 14068 h 1814779"/>
+              <a:gd name="connsiteX0" fmla="*/ 689368 w 1195867"/>
+              <a:gd name="connsiteY0" fmla="*/ 0 h 1814779"/>
+              <a:gd name="connsiteX1" fmla="*/ 1195804 w 1195867"/>
+              <a:gd name="connsiteY1" fmla="*/ 745588 h 1814779"/>
+              <a:gd name="connsiteX2" fmla="*/ 661232 w 1195867"/>
+              <a:gd name="connsiteY2" fmla="*/ 1814732 h 1814779"/>
+              <a:gd name="connsiteX3" fmla="*/ 51 w 1195867"/>
+              <a:gd name="connsiteY3" fmla="*/ 703385 h 1814779"/>
+              <a:gd name="connsiteX4" fmla="*/ 633097 w 1195867"/>
+              <a:gd name="connsiteY4" fmla="*/ 14068 h 1814779"/>
+              <a:gd name="connsiteX5" fmla="*/ 689368 w 1195867"/>
+              <a:gd name="connsiteY5" fmla="*/ 0 h 1814779"/>
+              <a:gd name="connsiteX0" fmla="*/ 692618 w 1199117"/>
+              <a:gd name="connsiteY0" fmla="*/ 0 h 1814779"/>
+              <a:gd name="connsiteX1" fmla="*/ 1199054 w 1199117"/>
+              <a:gd name="connsiteY1" fmla="*/ 745588 h 1814779"/>
+              <a:gd name="connsiteX2" fmla="*/ 664482 w 1199117"/>
+              <a:gd name="connsiteY2" fmla="*/ 1814732 h 1814779"/>
+              <a:gd name="connsiteX3" fmla="*/ 3301 w 1199117"/>
+              <a:gd name="connsiteY3" fmla="*/ 703385 h 1814779"/>
+              <a:gd name="connsiteX4" fmla="*/ 479185 w 1199117"/>
+              <a:gd name="connsiteY4" fmla="*/ 40262 h 1814779"/>
+              <a:gd name="connsiteX5" fmla="*/ 692618 w 1199117"/>
+              <a:gd name="connsiteY5" fmla="*/ 0 h 1814779"/>
+              <a:gd name="connsiteX0" fmla="*/ 868830 w 1205140"/>
+              <a:gd name="connsiteY0" fmla="*/ 0 h 1793348"/>
+              <a:gd name="connsiteX1" fmla="*/ 1199054 w 1205140"/>
+              <a:gd name="connsiteY1" fmla="*/ 724157 h 1793348"/>
+              <a:gd name="connsiteX2" fmla="*/ 664482 w 1205140"/>
+              <a:gd name="connsiteY2" fmla="*/ 1793301 h 1793348"/>
+              <a:gd name="connsiteX3" fmla="*/ 3301 w 1205140"/>
+              <a:gd name="connsiteY3" fmla="*/ 681954 h 1793348"/>
+              <a:gd name="connsiteX4" fmla="*/ 479185 w 1205140"/>
+              <a:gd name="connsiteY4" fmla="*/ 18831 h 1793348"/>
+              <a:gd name="connsiteX5" fmla="*/ 868830 w 1205140"/>
+              <a:gd name="connsiteY5" fmla="*/ 0 h 1793348"/>
+              <a:gd name="connsiteX0" fmla="*/ 868830 w 1202396"/>
+              <a:gd name="connsiteY0" fmla="*/ 67 h 1793415"/>
+              <a:gd name="connsiteX1" fmla="*/ 1199054 w 1202396"/>
+              <a:gd name="connsiteY1" fmla="*/ 724224 h 1793415"/>
+              <a:gd name="connsiteX2" fmla="*/ 664482 w 1202396"/>
+              <a:gd name="connsiteY2" fmla="*/ 1793368 h 1793415"/>
+              <a:gd name="connsiteX3" fmla="*/ 3301 w 1202396"/>
+              <a:gd name="connsiteY3" fmla="*/ 682021 h 1793415"/>
+              <a:gd name="connsiteX4" fmla="*/ 479185 w 1202396"/>
+              <a:gd name="connsiteY4" fmla="*/ 18898 h 1793415"/>
+              <a:gd name="connsiteX5" fmla="*/ 868830 w 1202396"/>
+              <a:gd name="connsiteY5" fmla="*/ 67 h 1793415"/>
+              <a:gd name="connsiteX0" fmla="*/ 869816 w 1203382"/>
+              <a:gd name="connsiteY0" fmla="*/ 67 h 1793415"/>
+              <a:gd name="connsiteX1" fmla="*/ 1200040 w 1203382"/>
+              <a:gd name="connsiteY1" fmla="*/ 724224 h 1793415"/>
+              <a:gd name="connsiteX2" fmla="*/ 665468 w 1203382"/>
+              <a:gd name="connsiteY2" fmla="*/ 1793368 h 1793415"/>
+              <a:gd name="connsiteX3" fmla="*/ 4287 w 1203382"/>
+              <a:gd name="connsiteY3" fmla="*/ 682021 h 1793415"/>
+              <a:gd name="connsiteX4" fmla="*/ 480171 w 1203382"/>
+              <a:gd name="connsiteY4" fmla="*/ 18898 h 1793415"/>
+              <a:gd name="connsiteX5" fmla="*/ 869816 w 1203382"/>
+              <a:gd name="connsiteY5" fmla="*/ 67 h 1793415"/>
+              <a:gd name="connsiteX0" fmla="*/ 869816 w 1203924"/>
+              <a:gd name="connsiteY0" fmla="*/ 112 h 1793460"/>
+              <a:gd name="connsiteX1" fmla="*/ 1200040 w 1203924"/>
+              <a:gd name="connsiteY1" fmla="*/ 724269 h 1793460"/>
+              <a:gd name="connsiteX2" fmla="*/ 665468 w 1203924"/>
+              <a:gd name="connsiteY2" fmla="*/ 1793413 h 1793460"/>
+              <a:gd name="connsiteX3" fmla="*/ 4287 w 1203924"/>
+              <a:gd name="connsiteY3" fmla="*/ 682066 h 1793460"/>
+              <a:gd name="connsiteX4" fmla="*/ 480171 w 1203924"/>
+              <a:gd name="connsiteY4" fmla="*/ 18943 h 1793460"/>
+              <a:gd name="connsiteX5" fmla="*/ 869816 w 1203924"/>
+              <a:gd name="connsiteY5" fmla="*/ 112 h 1793460"/>
+              <a:gd name="connsiteX0" fmla="*/ 869816 w 1203846"/>
+              <a:gd name="connsiteY0" fmla="*/ 11377 h 1804725"/>
+              <a:gd name="connsiteX1" fmla="*/ 1200040 w 1203846"/>
+              <a:gd name="connsiteY1" fmla="*/ 735534 h 1804725"/>
+              <a:gd name="connsiteX2" fmla="*/ 665468 w 1203846"/>
+              <a:gd name="connsiteY2" fmla="*/ 1804678 h 1804725"/>
+              <a:gd name="connsiteX3" fmla="*/ 4287 w 1203846"/>
+              <a:gd name="connsiteY3" fmla="*/ 693331 h 1804725"/>
+              <a:gd name="connsiteX4" fmla="*/ 480171 w 1203846"/>
+              <a:gd name="connsiteY4" fmla="*/ 30208 h 1804725"/>
+              <a:gd name="connsiteX5" fmla="*/ 869816 w 1203846"/>
+              <a:gd name="connsiteY5" fmla="*/ 11377 h 1804725"/>
+              <a:gd name="connsiteX0" fmla="*/ 866940 w 1204197"/>
+              <a:gd name="connsiteY0" fmla="*/ 11377 h 1239647"/>
+              <a:gd name="connsiteX1" fmla="*/ 1197164 w 1204197"/>
+              <a:gd name="connsiteY1" fmla="*/ 735534 h 1239647"/>
+              <a:gd name="connsiteX2" fmla="*/ 573692 w 1204197"/>
+              <a:gd name="connsiteY2" fmla="*/ 1239528 h 1239647"/>
+              <a:gd name="connsiteX3" fmla="*/ 1411 w 1204197"/>
+              <a:gd name="connsiteY3" fmla="*/ 693331 h 1239647"/>
+              <a:gd name="connsiteX4" fmla="*/ 477295 w 1204197"/>
+              <a:gd name="connsiteY4" fmla="*/ 30208 h 1239647"/>
+              <a:gd name="connsiteX5" fmla="*/ 866940 w 1204197"/>
+              <a:gd name="connsiteY5" fmla="*/ 11377 h 1239647"/>
+            </a:gdLst>
+            <a:ahLst/>
+            <a:cxnLst>
+              <a:cxn ang="0">
+                <a:pos x="connsiteX0" y="connsiteY0"/>
+              </a:cxn>
+              <a:cxn ang="0">
+                <a:pos x="connsiteX1" y="connsiteY1"/>
+              </a:cxn>
+              <a:cxn ang="0">
+                <a:pos x="connsiteX2" y="connsiteY2"/>
+              </a:cxn>
+              <a:cxn ang="0">
+                <a:pos x="connsiteX3" y="connsiteY3"/>
+              </a:cxn>
+              <a:cxn ang="0">
+                <a:pos x="connsiteX4" y="connsiteY4"/>
+              </a:cxn>
+              <a:cxn ang="0">
+                <a:pos x="connsiteX5" y="connsiteY5"/>
+              </a:cxn>
+            </a:cxnLst>
+            <a:rect l="l" t="t" r="r" b="b"/>
+            <a:pathLst>
+              <a:path w="1204197" h="1239647">
+                <a:moveTo>
+                  <a:pt x="866940" y="11377"/>
+                </a:moveTo>
+                <a:cubicBezTo>
+                  <a:pt x="1029909" y="52053"/>
+                  <a:pt x="1246039" y="530842"/>
+                  <a:pt x="1197164" y="735534"/>
+                </a:cubicBezTo>
+                <a:cubicBezTo>
+                  <a:pt x="1148289" y="940226"/>
+                  <a:pt x="772984" y="1246562"/>
+                  <a:pt x="573692" y="1239528"/>
+                </a:cubicBezTo>
+                <a:cubicBezTo>
+                  <a:pt x="374400" y="1232494"/>
+                  <a:pt x="17477" y="894884"/>
+                  <a:pt x="1411" y="693331"/>
+                </a:cubicBezTo>
+                <a:cubicBezTo>
+                  <a:pt x="-14655" y="491778"/>
+                  <a:pt x="104170" y="48241"/>
+                  <a:pt x="477295" y="30208"/>
+                </a:cubicBezTo>
+                <a:cubicBezTo>
+                  <a:pt x="607177" y="23931"/>
+                  <a:pt x="739439" y="-20446"/>
+                  <a:pt x="866940" y="11377"/>
+                </a:cubicBezTo>
+                <a:close/>
+              </a:path>
+            </a:pathLst>
+          </a:custGeom>
+          <a:ln w="9525">
+            <a:solidFill>
+              <a:schemeClr val="accent5">
+                <a:lumMod val="50000"/>
+              </a:schemeClr>
+            </a:solidFill>
+            <a:prstDash val="dash"/>
+          </a:ln>
+        </p:spPr>
+        <p:style>
+          <a:lnRef idx="1">
+            <a:schemeClr val="accent1"/>
+          </a:lnRef>
+          <a:fillRef idx="0">
+            <a:schemeClr val="accent1"/>
+          </a:fillRef>
+          <a:effectRef idx="0">
+            <a:schemeClr val="accent1"/>
+          </a:effectRef>
+          <a:fontRef idx="minor">
+            <a:schemeClr val="tx1"/>
+          </a:fontRef>
+        </p:style>
+        <p:txBody>
+          <a:bodyPr rtlCol="0" anchor="ctr"/>
+          <a:lstStyle/>
+          <a:p>
+            <a:pPr algn="ctr"/>
+            <a:endParaRPr lang="fr-FR" dirty="0"/>
+          </a:p>
+        </p:txBody>
+      </p:sp>
+      <p:sp>
+        <p:nvSpPr>
+          <p:cNvPr id="9" name="Rectangle 8"/>
+          <p:cNvSpPr/>
+          <p:nvPr/>
+        </p:nvSpPr>
+        <p:spPr>
+          <a:xfrm rot="759252">
+            <a:off x="3518894" y="2039910"/>
+            <a:ext cx="727284" cy="1587604"/>
+          </a:xfrm>
+          <a:prstGeom prst="rect">
+            <a:avLst/>
+          </a:prstGeom>
+          <a:solidFill>
+            <a:schemeClr val="bg1"/>
+          </a:solidFill>
+          <a:ln>
+            <a:noFill/>
+          </a:ln>
+        </p:spPr>
+        <p:style>
+          <a:lnRef idx="2">
+            <a:schemeClr val="accent1">
+              <a:shade val="50000"/>
+            </a:schemeClr>
+          </a:lnRef>
+          <a:fillRef idx="1">
+            <a:schemeClr val="accent1"/>
+          </a:fillRef>
+          <a:effectRef idx="0">
+            <a:schemeClr val="accent1"/>
+          </a:effectRef>
+          <a:fontRef idx="minor">
+            <a:schemeClr val="lt1"/>
+          </a:fontRef>
+        </p:style>
+        <p:txBody>
+          <a:bodyPr rtlCol="0" anchor="ctr"/>
+          <a:lstStyle/>
+          <a:p>
+            <a:pPr algn="ctr"/>
+            <a:endParaRPr lang="fr-FR"/>
+          </a:p>
+        </p:txBody>
+      </p:sp>
+      <p:sp>
+        <p:nvSpPr>
+          <p:cNvPr id="5" name="Forme libre 4"/>
+          <p:cNvSpPr/>
+          <p:nvPr/>
+        </p:nvSpPr>
+        <p:spPr>
+          <a:xfrm>
+            <a:off x="2639616" y="1979530"/>
+            <a:ext cx="3838575" cy="1031471"/>
+          </a:xfrm>
+          <a:custGeom>
+            <a:avLst/>
+            <a:gdLst>
+              <a:gd name="connsiteX0" fmla="*/ 0 w 3838575"/>
+              <a:gd name="connsiteY0" fmla="*/ 0 h 1031471"/>
+              <a:gd name="connsiteX1" fmla="*/ 1381125 w 3838575"/>
+              <a:gd name="connsiteY1" fmla="*/ 266700 h 1031471"/>
+              <a:gd name="connsiteX2" fmla="*/ 3371850 w 3838575"/>
+              <a:gd name="connsiteY2" fmla="*/ 914400 h 1031471"/>
+              <a:gd name="connsiteX3" fmla="*/ 3838575 w 3838575"/>
+              <a:gd name="connsiteY3" fmla="*/ 1028700 h 1031471"/>
+            </a:gdLst>
+            <a:ahLst/>
+            <a:cxnLst>
+              <a:cxn ang="0">
+                <a:pos x="connsiteX0" y="connsiteY0"/>
+              </a:cxn>
+              <a:cxn ang="0">
+                <a:pos x="connsiteX1" y="connsiteY1"/>
+              </a:cxn>
+              <a:cxn ang="0">
+                <a:pos x="connsiteX2" y="connsiteY2"/>
+              </a:cxn>
+              <a:cxn ang="0">
+                <a:pos x="connsiteX3" y="connsiteY3"/>
+              </a:cxn>
+            </a:cxnLst>
+            <a:rect l="l" t="t" r="r" b="b"/>
+            <a:pathLst>
+              <a:path w="3838575" h="1031471">
+                <a:moveTo>
+                  <a:pt x="0" y="0"/>
+                </a:moveTo>
+                <a:cubicBezTo>
+                  <a:pt x="409575" y="57150"/>
+                  <a:pt x="819150" y="114300"/>
+                  <a:pt x="1381125" y="266700"/>
+                </a:cubicBezTo>
+                <a:cubicBezTo>
+                  <a:pt x="1943100" y="419100"/>
+                  <a:pt x="2962275" y="787400"/>
+                  <a:pt x="3371850" y="914400"/>
+                </a:cubicBezTo>
+                <a:cubicBezTo>
+                  <a:pt x="3781425" y="1041400"/>
+                  <a:pt x="3810000" y="1035050"/>
+                  <a:pt x="3838575" y="1028700"/>
+                </a:cubicBezTo>
+              </a:path>
+            </a:pathLst>
+          </a:custGeom>
+          <a:ln w="19050">
+            <a:solidFill>
+              <a:schemeClr val="accent5">
+                <a:lumMod val="50000"/>
+              </a:schemeClr>
+            </a:solidFill>
+          </a:ln>
+        </p:spPr>
+        <p:style>
+          <a:lnRef idx="1">
+            <a:schemeClr val="accent1"/>
+          </a:lnRef>
+          <a:fillRef idx="0">
+            <a:schemeClr val="accent1"/>
+          </a:fillRef>
+          <a:effectRef idx="0">
+            <a:schemeClr val="accent1"/>
+          </a:effectRef>
+          <a:fontRef idx="minor">
+            <a:schemeClr val="tx1"/>
+          </a:fontRef>
+        </p:style>
+        <p:txBody>
+          <a:bodyPr rtlCol="0" anchor="ctr"/>
+          <a:lstStyle/>
+          <a:p>
+            <a:pPr algn="ctr"/>
+            <a:endParaRPr lang="fr-FR"/>
+          </a:p>
+        </p:txBody>
+      </p:sp>
+      <p:sp>
+        <p:nvSpPr>
+          <p:cNvPr id="6" name="Forme libre 5"/>
+          <p:cNvSpPr/>
+          <p:nvPr/>
+        </p:nvSpPr>
+        <p:spPr>
+          <a:xfrm>
+            <a:off x="2427274" y="3219177"/>
+            <a:ext cx="3884750" cy="599423"/>
+          </a:xfrm>
+          <a:custGeom>
+            <a:avLst/>
+            <a:gdLst>
+              <a:gd name="connsiteX0" fmla="*/ 0 w 3838575"/>
+              <a:gd name="connsiteY0" fmla="*/ 0 h 1031471"/>
+              <a:gd name="connsiteX1" fmla="*/ 1381125 w 3838575"/>
+              <a:gd name="connsiteY1" fmla="*/ 266700 h 1031471"/>
+              <a:gd name="connsiteX2" fmla="*/ 3371850 w 3838575"/>
+              <a:gd name="connsiteY2" fmla="*/ 914400 h 1031471"/>
+              <a:gd name="connsiteX3" fmla="*/ 3838575 w 3838575"/>
+              <a:gd name="connsiteY3" fmla="*/ 1028700 h 1031471"/>
+            </a:gdLst>
+            <a:ahLst/>
+            <a:cxnLst>
+              <a:cxn ang="0">
+                <a:pos x="connsiteX0" y="connsiteY0"/>
+              </a:cxn>
+              <a:cxn ang="0">
+                <a:pos x="connsiteX1" y="connsiteY1"/>
+              </a:cxn>
+              <a:cxn ang="0">
+                <a:pos x="connsiteX2" y="connsiteY2"/>
+              </a:cxn>
+              <a:cxn ang="0">
+                <a:pos x="connsiteX3" y="connsiteY3"/>
+              </a:cxn>
+            </a:cxnLst>
+            <a:rect l="l" t="t" r="r" b="b"/>
+            <a:pathLst>
+              <a:path w="3838575" h="1031471">
+                <a:moveTo>
+                  <a:pt x="0" y="0"/>
+                </a:moveTo>
+                <a:cubicBezTo>
+                  <a:pt x="409575" y="57150"/>
+                  <a:pt x="819150" y="114300"/>
+                  <a:pt x="1381125" y="266700"/>
+                </a:cubicBezTo>
+                <a:cubicBezTo>
+                  <a:pt x="1943100" y="419100"/>
+                  <a:pt x="2962275" y="787400"/>
+                  <a:pt x="3371850" y="914400"/>
+                </a:cubicBezTo>
+                <a:cubicBezTo>
+                  <a:pt x="3781425" y="1041400"/>
+                  <a:pt x="3810000" y="1035050"/>
+                  <a:pt x="3838575" y="1028700"/>
+                </a:cubicBezTo>
+              </a:path>
+            </a:pathLst>
+          </a:custGeom>
+          <a:ln w="19050">
+            <a:solidFill>
+              <a:schemeClr val="accent5">
+                <a:lumMod val="50000"/>
+              </a:schemeClr>
+            </a:solidFill>
+          </a:ln>
+        </p:spPr>
+        <p:style>
+          <a:lnRef idx="1">
+            <a:schemeClr val="accent1"/>
+          </a:lnRef>
+          <a:fillRef idx="0">
+            <a:schemeClr val="accent1"/>
+          </a:fillRef>
+          <a:effectRef idx="0">
+            <a:schemeClr val="accent1"/>
+          </a:effectRef>
+          <a:fontRef idx="minor">
+            <a:schemeClr val="tx1"/>
+          </a:fontRef>
+        </p:style>
+        <p:txBody>
+          <a:bodyPr rtlCol="0" anchor="ctr"/>
+          <a:lstStyle/>
+          <a:p>
+            <a:pPr algn="ctr"/>
+            <a:endParaRPr lang="fr-FR"/>
+          </a:p>
+        </p:txBody>
+      </p:sp>
+      <p:sp>
+        <p:nvSpPr>
+          <p:cNvPr id="13" name="Forme libre 12"/>
+          <p:cNvSpPr/>
+          <p:nvPr/>
+        </p:nvSpPr>
+        <p:spPr>
+          <a:xfrm>
+            <a:off x="3647728" y="2362626"/>
+            <a:ext cx="1035439" cy="1065919"/>
+          </a:xfrm>
+          <a:custGeom>
+            <a:avLst/>
+            <a:gdLst>
+              <a:gd name="connsiteX0" fmla="*/ 689368 w 1195867"/>
+              <a:gd name="connsiteY0" fmla="*/ 0 h 1814779"/>
+              <a:gd name="connsiteX1" fmla="*/ 1195804 w 1195867"/>
+              <a:gd name="connsiteY1" fmla="*/ 745588 h 1814779"/>
+              <a:gd name="connsiteX2" fmla="*/ 661232 w 1195867"/>
+              <a:gd name="connsiteY2" fmla="*/ 1814732 h 1814779"/>
+              <a:gd name="connsiteX3" fmla="*/ 51 w 1195867"/>
+              <a:gd name="connsiteY3" fmla="*/ 703385 h 1814779"/>
+              <a:gd name="connsiteX4" fmla="*/ 633097 w 1195867"/>
+              <a:gd name="connsiteY4" fmla="*/ 14068 h 1814779"/>
+              <a:gd name="connsiteX0" fmla="*/ 689368 w 1195867"/>
+              <a:gd name="connsiteY0" fmla="*/ 0 h 1814779"/>
+              <a:gd name="connsiteX1" fmla="*/ 1195804 w 1195867"/>
+              <a:gd name="connsiteY1" fmla="*/ 745588 h 1814779"/>
+              <a:gd name="connsiteX2" fmla="*/ 661232 w 1195867"/>
+              <a:gd name="connsiteY2" fmla="*/ 1814732 h 1814779"/>
+              <a:gd name="connsiteX3" fmla="*/ 51 w 1195867"/>
+              <a:gd name="connsiteY3" fmla="*/ 703385 h 1814779"/>
+              <a:gd name="connsiteX4" fmla="*/ 633097 w 1195867"/>
+              <a:gd name="connsiteY4" fmla="*/ 14068 h 1814779"/>
+              <a:gd name="connsiteX5" fmla="*/ 689368 w 1195867"/>
+              <a:gd name="connsiteY5" fmla="*/ 0 h 1814779"/>
+              <a:gd name="connsiteX0" fmla="*/ 692618 w 1199117"/>
+              <a:gd name="connsiteY0" fmla="*/ 0 h 1814779"/>
+              <a:gd name="connsiteX1" fmla="*/ 1199054 w 1199117"/>
+              <a:gd name="connsiteY1" fmla="*/ 745588 h 1814779"/>
+              <a:gd name="connsiteX2" fmla="*/ 664482 w 1199117"/>
+              <a:gd name="connsiteY2" fmla="*/ 1814732 h 1814779"/>
+              <a:gd name="connsiteX3" fmla="*/ 3301 w 1199117"/>
+              <a:gd name="connsiteY3" fmla="*/ 703385 h 1814779"/>
+              <a:gd name="connsiteX4" fmla="*/ 479185 w 1199117"/>
+              <a:gd name="connsiteY4" fmla="*/ 40262 h 1814779"/>
+              <a:gd name="connsiteX5" fmla="*/ 692618 w 1199117"/>
+              <a:gd name="connsiteY5" fmla="*/ 0 h 1814779"/>
+              <a:gd name="connsiteX0" fmla="*/ 868830 w 1205140"/>
+              <a:gd name="connsiteY0" fmla="*/ 0 h 1793348"/>
+              <a:gd name="connsiteX1" fmla="*/ 1199054 w 1205140"/>
+              <a:gd name="connsiteY1" fmla="*/ 724157 h 1793348"/>
+              <a:gd name="connsiteX2" fmla="*/ 664482 w 1205140"/>
+              <a:gd name="connsiteY2" fmla="*/ 1793301 h 1793348"/>
+              <a:gd name="connsiteX3" fmla="*/ 3301 w 1205140"/>
+              <a:gd name="connsiteY3" fmla="*/ 681954 h 1793348"/>
+              <a:gd name="connsiteX4" fmla="*/ 479185 w 1205140"/>
+              <a:gd name="connsiteY4" fmla="*/ 18831 h 1793348"/>
+              <a:gd name="connsiteX5" fmla="*/ 868830 w 1205140"/>
+              <a:gd name="connsiteY5" fmla="*/ 0 h 1793348"/>
+              <a:gd name="connsiteX0" fmla="*/ 868830 w 1202396"/>
+              <a:gd name="connsiteY0" fmla="*/ 67 h 1793415"/>
+              <a:gd name="connsiteX1" fmla="*/ 1199054 w 1202396"/>
+              <a:gd name="connsiteY1" fmla="*/ 724224 h 1793415"/>
+              <a:gd name="connsiteX2" fmla="*/ 664482 w 1202396"/>
+              <a:gd name="connsiteY2" fmla="*/ 1793368 h 1793415"/>
+              <a:gd name="connsiteX3" fmla="*/ 3301 w 1202396"/>
+              <a:gd name="connsiteY3" fmla="*/ 682021 h 1793415"/>
+              <a:gd name="connsiteX4" fmla="*/ 479185 w 1202396"/>
+              <a:gd name="connsiteY4" fmla="*/ 18898 h 1793415"/>
+              <a:gd name="connsiteX5" fmla="*/ 868830 w 1202396"/>
+              <a:gd name="connsiteY5" fmla="*/ 67 h 1793415"/>
+              <a:gd name="connsiteX0" fmla="*/ 869816 w 1203382"/>
+              <a:gd name="connsiteY0" fmla="*/ 67 h 1793415"/>
+              <a:gd name="connsiteX1" fmla="*/ 1200040 w 1203382"/>
+              <a:gd name="connsiteY1" fmla="*/ 724224 h 1793415"/>
+              <a:gd name="connsiteX2" fmla="*/ 665468 w 1203382"/>
+              <a:gd name="connsiteY2" fmla="*/ 1793368 h 1793415"/>
+              <a:gd name="connsiteX3" fmla="*/ 4287 w 1203382"/>
+              <a:gd name="connsiteY3" fmla="*/ 682021 h 1793415"/>
+              <a:gd name="connsiteX4" fmla="*/ 480171 w 1203382"/>
+              <a:gd name="connsiteY4" fmla="*/ 18898 h 1793415"/>
+              <a:gd name="connsiteX5" fmla="*/ 869816 w 1203382"/>
+              <a:gd name="connsiteY5" fmla="*/ 67 h 1793415"/>
+              <a:gd name="connsiteX0" fmla="*/ 869816 w 1203924"/>
+              <a:gd name="connsiteY0" fmla="*/ 112 h 1793460"/>
+              <a:gd name="connsiteX1" fmla="*/ 1200040 w 1203924"/>
+              <a:gd name="connsiteY1" fmla="*/ 724269 h 1793460"/>
+              <a:gd name="connsiteX2" fmla="*/ 665468 w 1203924"/>
+              <a:gd name="connsiteY2" fmla="*/ 1793413 h 1793460"/>
+              <a:gd name="connsiteX3" fmla="*/ 4287 w 1203924"/>
+              <a:gd name="connsiteY3" fmla="*/ 682066 h 1793460"/>
+              <a:gd name="connsiteX4" fmla="*/ 480171 w 1203924"/>
+              <a:gd name="connsiteY4" fmla="*/ 18943 h 1793460"/>
+              <a:gd name="connsiteX5" fmla="*/ 869816 w 1203924"/>
+              <a:gd name="connsiteY5" fmla="*/ 112 h 1793460"/>
+              <a:gd name="connsiteX0" fmla="*/ 869816 w 1203846"/>
+              <a:gd name="connsiteY0" fmla="*/ 11377 h 1804725"/>
+              <a:gd name="connsiteX1" fmla="*/ 1200040 w 1203846"/>
+              <a:gd name="connsiteY1" fmla="*/ 735534 h 1804725"/>
+              <a:gd name="connsiteX2" fmla="*/ 665468 w 1203846"/>
+              <a:gd name="connsiteY2" fmla="*/ 1804678 h 1804725"/>
+              <a:gd name="connsiteX3" fmla="*/ 4287 w 1203846"/>
+              <a:gd name="connsiteY3" fmla="*/ 693331 h 1804725"/>
+              <a:gd name="connsiteX4" fmla="*/ 480171 w 1203846"/>
+              <a:gd name="connsiteY4" fmla="*/ 30208 h 1804725"/>
+              <a:gd name="connsiteX5" fmla="*/ 869816 w 1203846"/>
+              <a:gd name="connsiteY5" fmla="*/ 11377 h 1804725"/>
+              <a:gd name="connsiteX0" fmla="*/ 866940 w 1204197"/>
+              <a:gd name="connsiteY0" fmla="*/ 11377 h 1239647"/>
+              <a:gd name="connsiteX1" fmla="*/ 1197164 w 1204197"/>
+              <a:gd name="connsiteY1" fmla="*/ 735534 h 1239647"/>
+              <a:gd name="connsiteX2" fmla="*/ 573692 w 1204197"/>
+              <a:gd name="connsiteY2" fmla="*/ 1239528 h 1239647"/>
+              <a:gd name="connsiteX3" fmla="*/ 1411 w 1204197"/>
+              <a:gd name="connsiteY3" fmla="*/ 693331 h 1239647"/>
+              <a:gd name="connsiteX4" fmla="*/ 477295 w 1204197"/>
+              <a:gd name="connsiteY4" fmla="*/ 30208 h 1239647"/>
+              <a:gd name="connsiteX5" fmla="*/ 866940 w 1204197"/>
+              <a:gd name="connsiteY5" fmla="*/ 11377 h 1239647"/>
+            </a:gdLst>
+            <a:ahLst/>
+            <a:cxnLst>
+              <a:cxn ang="0">
+                <a:pos x="connsiteX0" y="connsiteY0"/>
+              </a:cxn>
+              <a:cxn ang="0">
+                <a:pos x="connsiteX1" y="connsiteY1"/>
+              </a:cxn>
+              <a:cxn ang="0">
+                <a:pos x="connsiteX2" y="connsiteY2"/>
+              </a:cxn>
+              <a:cxn ang="0">
+                <a:pos x="connsiteX3" y="connsiteY3"/>
+              </a:cxn>
+              <a:cxn ang="0">
+                <a:pos x="connsiteX4" y="connsiteY4"/>
+              </a:cxn>
+              <a:cxn ang="0">
+                <a:pos x="connsiteX5" y="connsiteY5"/>
+              </a:cxn>
+            </a:cxnLst>
+            <a:rect l="l" t="t" r="r" b="b"/>
+            <a:pathLst>
+              <a:path w="1204197" h="1239647">
+                <a:moveTo>
+                  <a:pt x="866940" y="11377"/>
+                </a:moveTo>
+                <a:cubicBezTo>
+                  <a:pt x="1029909" y="52053"/>
+                  <a:pt x="1246039" y="530842"/>
+                  <a:pt x="1197164" y="735534"/>
+                </a:cubicBezTo>
+                <a:cubicBezTo>
+                  <a:pt x="1148289" y="940226"/>
+                  <a:pt x="772984" y="1246562"/>
+                  <a:pt x="573692" y="1239528"/>
+                </a:cubicBezTo>
+                <a:cubicBezTo>
+                  <a:pt x="374400" y="1232494"/>
+                  <a:pt x="17477" y="894884"/>
+                  <a:pt x="1411" y="693331"/>
+                </a:cubicBezTo>
+                <a:cubicBezTo>
+                  <a:pt x="-14655" y="491778"/>
+                  <a:pt x="104170" y="48241"/>
+                  <a:pt x="477295" y="30208"/>
+                </a:cubicBezTo>
+                <a:cubicBezTo>
+                  <a:pt x="607177" y="23931"/>
+                  <a:pt x="739439" y="-20446"/>
+                  <a:pt x="866940" y="11377"/>
+                </a:cubicBezTo>
+                <a:close/>
+              </a:path>
+            </a:pathLst>
+          </a:custGeom>
+          <a:solidFill>
+            <a:schemeClr val="accent2">
+              <a:lumMod val="20000"/>
+              <a:lumOff val="80000"/>
+            </a:schemeClr>
+          </a:solidFill>
+          <a:ln w="9525">
+            <a:noFill/>
+            <a:prstDash val="dash"/>
+          </a:ln>
+        </p:spPr>
+        <p:style>
+          <a:lnRef idx="1">
+            <a:schemeClr val="accent1"/>
+          </a:lnRef>
+          <a:fillRef idx="0">
+            <a:schemeClr val="accent1"/>
+          </a:fillRef>
+          <a:effectRef idx="0">
+            <a:schemeClr val="accent1"/>
+          </a:effectRef>
+          <a:fontRef idx="minor">
+            <a:schemeClr val="tx1"/>
+          </a:fontRef>
+        </p:style>
+        <p:txBody>
+          <a:bodyPr rtlCol="0" anchor="ctr"/>
+          <a:lstStyle/>
+          <a:p>
+            <a:pPr algn="ctr"/>
+            <a:endParaRPr lang="fr-FR" dirty="0"/>
+          </a:p>
+        </p:txBody>
+      </p:sp>
+      <p:sp>
+        <p:nvSpPr>
+          <p:cNvPr id="10" name="Forme libre 9"/>
+          <p:cNvSpPr/>
+          <p:nvPr/>
+        </p:nvSpPr>
+        <p:spPr>
+          <a:xfrm>
+            <a:off x="3661796" y="2356939"/>
+            <a:ext cx="1035439" cy="1065919"/>
+          </a:xfrm>
+          <a:custGeom>
+            <a:avLst/>
+            <a:gdLst>
+              <a:gd name="connsiteX0" fmla="*/ 689368 w 1195867"/>
+              <a:gd name="connsiteY0" fmla="*/ 0 h 1814779"/>
+              <a:gd name="connsiteX1" fmla="*/ 1195804 w 1195867"/>
+              <a:gd name="connsiteY1" fmla="*/ 745588 h 1814779"/>
+              <a:gd name="connsiteX2" fmla="*/ 661232 w 1195867"/>
+              <a:gd name="connsiteY2" fmla="*/ 1814732 h 1814779"/>
+              <a:gd name="connsiteX3" fmla="*/ 51 w 1195867"/>
+              <a:gd name="connsiteY3" fmla="*/ 703385 h 1814779"/>
+              <a:gd name="connsiteX4" fmla="*/ 633097 w 1195867"/>
+              <a:gd name="connsiteY4" fmla="*/ 14068 h 1814779"/>
+              <a:gd name="connsiteX0" fmla="*/ 689368 w 1195867"/>
+              <a:gd name="connsiteY0" fmla="*/ 0 h 1814779"/>
+              <a:gd name="connsiteX1" fmla="*/ 1195804 w 1195867"/>
+              <a:gd name="connsiteY1" fmla="*/ 745588 h 1814779"/>
+              <a:gd name="connsiteX2" fmla="*/ 661232 w 1195867"/>
+              <a:gd name="connsiteY2" fmla="*/ 1814732 h 1814779"/>
+              <a:gd name="connsiteX3" fmla="*/ 51 w 1195867"/>
+              <a:gd name="connsiteY3" fmla="*/ 703385 h 1814779"/>
+              <a:gd name="connsiteX4" fmla="*/ 633097 w 1195867"/>
+              <a:gd name="connsiteY4" fmla="*/ 14068 h 1814779"/>
+              <a:gd name="connsiteX5" fmla="*/ 689368 w 1195867"/>
+              <a:gd name="connsiteY5" fmla="*/ 0 h 1814779"/>
+              <a:gd name="connsiteX0" fmla="*/ 692618 w 1199117"/>
+              <a:gd name="connsiteY0" fmla="*/ 0 h 1814779"/>
+              <a:gd name="connsiteX1" fmla="*/ 1199054 w 1199117"/>
+              <a:gd name="connsiteY1" fmla="*/ 745588 h 1814779"/>
+              <a:gd name="connsiteX2" fmla="*/ 664482 w 1199117"/>
+              <a:gd name="connsiteY2" fmla="*/ 1814732 h 1814779"/>
+              <a:gd name="connsiteX3" fmla="*/ 3301 w 1199117"/>
+              <a:gd name="connsiteY3" fmla="*/ 703385 h 1814779"/>
+              <a:gd name="connsiteX4" fmla="*/ 479185 w 1199117"/>
+              <a:gd name="connsiteY4" fmla="*/ 40262 h 1814779"/>
+              <a:gd name="connsiteX5" fmla="*/ 692618 w 1199117"/>
+              <a:gd name="connsiteY5" fmla="*/ 0 h 1814779"/>
+              <a:gd name="connsiteX0" fmla="*/ 868830 w 1205140"/>
+              <a:gd name="connsiteY0" fmla="*/ 0 h 1793348"/>
+              <a:gd name="connsiteX1" fmla="*/ 1199054 w 1205140"/>
+              <a:gd name="connsiteY1" fmla="*/ 724157 h 1793348"/>
+              <a:gd name="connsiteX2" fmla="*/ 664482 w 1205140"/>
+              <a:gd name="connsiteY2" fmla="*/ 1793301 h 1793348"/>
+              <a:gd name="connsiteX3" fmla="*/ 3301 w 1205140"/>
+              <a:gd name="connsiteY3" fmla="*/ 681954 h 1793348"/>
+              <a:gd name="connsiteX4" fmla="*/ 479185 w 1205140"/>
+              <a:gd name="connsiteY4" fmla="*/ 18831 h 1793348"/>
+              <a:gd name="connsiteX5" fmla="*/ 868830 w 1205140"/>
+              <a:gd name="connsiteY5" fmla="*/ 0 h 1793348"/>
+              <a:gd name="connsiteX0" fmla="*/ 868830 w 1202396"/>
+              <a:gd name="connsiteY0" fmla="*/ 67 h 1793415"/>
+              <a:gd name="connsiteX1" fmla="*/ 1199054 w 1202396"/>
+              <a:gd name="connsiteY1" fmla="*/ 724224 h 1793415"/>
+              <a:gd name="connsiteX2" fmla="*/ 664482 w 1202396"/>
+              <a:gd name="connsiteY2" fmla="*/ 1793368 h 1793415"/>
+              <a:gd name="connsiteX3" fmla="*/ 3301 w 1202396"/>
+              <a:gd name="connsiteY3" fmla="*/ 682021 h 1793415"/>
+              <a:gd name="connsiteX4" fmla="*/ 479185 w 1202396"/>
+              <a:gd name="connsiteY4" fmla="*/ 18898 h 1793415"/>
+              <a:gd name="connsiteX5" fmla="*/ 868830 w 1202396"/>
+              <a:gd name="connsiteY5" fmla="*/ 67 h 1793415"/>
+              <a:gd name="connsiteX0" fmla="*/ 869816 w 1203382"/>
+              <a:gd name="connsiteY0" fmla="*/ 67 h 1793415"/>
+              <a:gd name="connsiteX1" fmla="*/ 1200040 w 1203382"/>
+              <a:gd name="connsiteY1" fmla="*/ 724224 h 1793415"/>
+              <a:gd name="connsiteX2" fmla="*/ 665468 w 1203382"/>
+              <a:gd name="connsiteY2" fmla="*/ 1793368 h 1793415"/>
+              <a:gd name="connsiteX3" fmla="*/ 4287 w 1203382"/>
+              <a:gd name="connsiteY3" fmla="*/ 682021 h 1793415"/>
+              <a:gd name="connsiteX4" fmla="*/ 480171 w 1203382"/>
+              <a:gd name="connsiteY4" fmla="*/ 18898 h 1793415"/>
+              <a:gd name="connsiteX5" fmla="*/ 869816 w 1203382"/>
+              <a:gd name="connsiteY5" fmla="*/ 67 h 1793415"/>
+              <a:gd name="connsiteX0" fmla="*/ 869816 w 1203924"/>
+              <a:gd name="connsiteY0" fmla="*/ 112 h 1793460"/>
+              <a:gd name="connsiteX1" fmla="*/ 1200040 w 1203924"/>
+              <a:gd name="connsiteY1" fmla="*/ 724269 h 1793460"/>
+              <a:gd name="connsiteX2" fmla="*/ 665468 w 1203924"/>
+              <a:gd name="connsiteY2" fmla="*/ 1793413 h 1793460"/>
+              <a:gd name="connsiteX3" fmla="*/ 4287 w 1203924"/>
+              <a:gd name="connsiteY3" fmla="*/ 682066 h 1793460"/>
+              <a:gd name="connsiteX4" fmla="*/ 480171 w 1203924"/>
+              <a:gd name="connsiteY4" fmla="*/ 18943 h 1793460"/>
+              <a:gd name="connsiteX5" fmla="*/ 869816 w 1203924"/>
+              <a:gd name="connsiteY5" fmla="*/ 112 h 1793460"/>
+              <a:gd name="connsiteX0" fmla="*/ 869816 w 1203846"/>
+              <a:gd name="connsiteY0" fmla="*/ 11377 h 1804725"/>
+              <a:gd name="connsiteX1" fmla="*/ 1200040 w 1203846"/>
+              <a:gd name="connsiteY1" fmla="*/ 735534 h 1804725"/>
+              <a:gd name="connsiteX2" fmla="*/ 665468 w 1203846"/>
+              <a:gd name="connsiteY2" fmla="*/ 1804678 h 1804725"/>
+              <a:gd name="connsiteX3" fmla="*/ 4287 w 1203846"/>
+              <a:gd name="connsiteY3" fmla="*/ 693331 h 1804725"/>
+              <a:gd name="connsiteX4" fmla="*/ 480171 w 1203846"/>
+              <a:gd name="connsiteY4" fmla="*/ 30208 h 1804725"/>
+              <a:gd name="connsiteX5" fmla="*/ 869816 w 1203846"/>
+              <a:gd name="connsiteY5" fmla="*/ 11377 h 1804725"/>
+              <a:gd name="connsiteX0" fmla="*/ 866940 w 1204197"/>
+              <a:gd name="connsiteY0" fmla="*/ 11377 h 1239647"/>
+              <a:gd name="connsiteX1" fmla="*/ 1197164 w 1204197"/>
+              <a:gd name="connsiteY1" fmla="*/ 735534 h 1239647"/>
+              <a:gd name="connsiteX2" fmla="*/ 573692 w 1204197"/>
+              <a:gd name="connsiteY2" fmla="*/ 1239528 h 1239647"/>
+              <a:gd name="connsiteX3" fmla="*/ 1411 w 1204197"/>
+              <a:gd name="connsiteY3" fmla="*/ 693331 h 1239647"/>
+              <a:gd name="connsiteX4" fmla="*/ 477295 w 1204197"/>
+              <a:gd name="connsiteY4" fmla="*/ 30208 h 1239647"/>
+              <a:gd name="connsiteX5" fmla="*/ 866940 w 1204197"/>
+              <a:gd name="connsiteY5" fmla="*/ 11377 h 1239647"/>
+            </a:gdLst>
+            <a:ahLst/>
+            <a:cxnLst>
+              <a:cxn ang="0">
+                <a:pos x="connsiteX0" y="connsiteY0"/>
+              </a:cxn>
+              <a:cxn ang="0">
+                <a:pos x="connsiteX1" y="connsiteY1"/>
+              </a:cxn>
+              <a:cxn ang="0">
+                <a:pos x="connsiteX2" y="connsiteY2"/>
+              </a:cxn>
+              <a:cxn ang="0">
+                <a:pos x="connsiteX3" y="connsiteY3"/>
+              </a:cxn>
+              <a:cxn ang="0">
+                <a:pos x="connsiteX4" y="connsiteY4"/>
+              </a:cxn>
+              <a:cxn ang="0">
+                <a:pos x="connsiteX5" y="connsiteY5"/>
+              </a:cxn>
+            </a:cxnLst>
+            <a:rect l="l" t="t" r="r" b="b"/>
+            <a:pathLst>
+              <a:path w="1204197" h="1239647">
+                <a:moveTo>
+                  <a:pt x="866940" y="11377"/>
+                </a:moveTo>
+                <a:cubicBezTo>
+                  <a:pt x="1029909" y="52053"/>
+                  <a:pt x="1246039" y="530842"/>
+                  <a:pt x="1197164" y="735534"/>
+                </a:cubicBezTo>
+                <a:cubicBezTo>
+                  <a:pt x="1148289" y="940226"/>
+                  <a:pt x="772984" y="1246562"/>
+                  <a:pt x="573692" y="1239528"/>
+                </a:cubicBezTo>
+                <a:cubicBezTo>
+                  <a:pt x="374400" y="1232494"/>
+                  <a:pt x="17477" y="894884"/>
+                  <a:pt x="1411" y="693331"/>
+                </a:cubicBezTo>
+                <a:cubicBezTo>
+                  <a:pt x="-14655" y="491778"/>
+                  <a:pt x="104170" y="48241"/>
+                  <a:pt x="477295" y="30208"/>
+                </a:cubicBezTo>
+                <a:cubicBezTo>
+                  <a:pt x="607177" y="23931"/>
+                  <a:pt x="739439" y="-20446"/>
+                  <a:pt x="866940" y="11377"/>
+                </a:cubicBezTo>
+                <a:close/>
+              </a:path>
+            </a:pathLst>
+          </a:custGeom>
+          <a:noFill/>
+          <a:ln w="9525">
+            <a:solidFill>
+              <a:srgbClr val="C00000"/>
+            </a:solidFill>
+            <a:prstDash val="dash"/>
+          </a:ln>
+        </p:spPr>
+        <p:style>
+          <a:lnRef idx="1">
+            <a:schemeClr val="accent1"/>
+          </a:lnRef>
+          <a:fillRef idx="0">
+            <a:schemeClr val="accent1"/>
+          </a:fillRef>
+          <a:effectRef idx="0">
+            <a:schemeClr val="accent1"/>
+          </a:effectRef>
+          <a:fontRef idx="minor">
+            <a:schemeClr val="tx1"/>
+          </a:fontRef>
+        </p:style>
+        <p:txBody>
+          <a:bodyPr rtlCol="0" anchor="ctr"/>
+          <a:lstStyle/>
+          <a:p>
+            <a:pPr algn="ctr"/>
+            <a:endParaRPr lang="fr-FR" dirty="0"/>
+          </a:p>
+        </p:txBody>
+      </p:sp>
+      <p:sp>
+        <p:nvSpPr>
+          <p:cNvPr id="7" name="Forme libre 6"/>
+          <p:cNvSpPr/>
+          <p:nvPr/>
+        </p:nvSpPr>
+        <p:spPr>
+          <a:xfrm>
+            <a:off x="1919536" y="2543857"/>
+            <a:ext cx="4968552" cy="993193"/>
+          </a:xfrm>
+          <a:custGeom>
+            <a:avLst/>
+            <a:gdLst>
+              <a:gd name="connsiteX0" fmla="*/ 0 w 3838575"/>
+              <a:gd name="connsiteY0" fmla="*/ 0 h 1031471"/>
+              <a:gd name="connsiteX1" fmla="*/ 1381125 w 3838575"/>
+              <a:gd name="connsiteY1" fmla="*/ 266700 h 1031471"/>
+              <a:gd name="connsiteX2" fmla="*/ 3371850 w 3838575"/>
+              <a:gd name="connsiteY2" fmla="*/ 914400 h 1031471"/>
+              <a:gd name="connsiteX3" fmla="*/ 3838575 w 3838575"/>
+              <a:gd name="connsiteY3" fmla="*/ 1028700 h 1031471"/>
+            </a:gdLst>
+            <a:ahLst/>
+            <a:cxnLst>
+              <a:cxn ang="0">
+                <a:pos x="connsiteX0" y="connsiteY0"/>
+              </a:cxn>
+              <a:cxn ang="0">
+                <a:pos x="connsiteX1" y="connsiteY1"/>
+              </a:cxn>
+              <a:cxn ang="0">
+                <a:pos x="connsiteX2" y="connsiteY2"/>
+              </a:cxn>
+              <a:cxn ang="0">
+                <a:pos x="connsiteX3" y="connsiteY3"/>
+              </a:cxn>
+            </a:cxnLst>
+            <a:rect l="l" t="t" r="r" b="b"/>
+            <a:pathLst>
+              <a:path w="3838575" h="1031471">
+                <a:moveTo>
+                  <a:pt x="0" y="0"/>
+                </a:moveTo>
+                <a:cubicBezTo>
+                  <a:pt x="409575" y="57150"/>
+                  <a:pt x="819150" y="114300"/>
+                  <a:pt x="1381125" y="266700"/>
+                </a:cubicBezTo>
+                <a:cubicBezTo>
+                  <a:pt x="1943100" y="419100"/>
+                  <a:pt x="2962275" y="787400"/>
+                  <a:pt x="3371850" y="914400"/>
+                </a:cubicBezTo>
+                <a:cubicBezTo>
+                  <a:pt x="3781425" y="1041400"/>
+                  <a:pt x="3810000" y="1035050"/>
+                  <a:pt x="3838575" y="1028700"/>
+                </a:cubicBezTo>
+              </a:path>
+            </a:pathLst>
+          </a:custGeom>
+          <a:ln w="9525">
+            <a:solidFill>
+              <a:schemeClr val="accent5">
+                <a:lumMod val="50000"/>
+              </a:schemeClr>
+            </a:solidFill>
+            <a:prstDash val="lgDashDot"/>
+          </a:ln>
+        </p:spPr>
+        <p:style>
+          <a:lnRef idx="1">
+            <a:schemeClr val="accent1"/>
+          </a:lnRef>
+          <a:fillRef idx="0">
+            <a:schemeClr val="accent1"/>
+          </a:fillRef>
+          <a:effectRef idx="0">
+            <a:schemeClr val="accent1"/>
+          </a:effectRef>
+          <a:fontRef idx="minor">
+            <a:schemeClr val="tx1"/>
+          </a:fontRef>
+        </p:style>
+        <p:txBody>
+          <a:bodyPr rtlCol="0" anchor="ctr"/>
+          <a:lstStyle/>
+          <a:p>
+            <a:pPr algn="ctr"/>
+            <a:endParaRPr lang="fr-FR"/>
+          </a:p>
+        </p:txBody>
+      </p:sp>
+      <p:sp>
+        <p:nvSpPr>
+          <p:cNvPr id="14" name="Parallélogramme 13"/>
+          <p:cNvSpPr/>
+          <p:nvPr/>
+        </p:nvSpPr>
+        <p:spPr>
+          <a:xfrm rot="990713">
+            <a:off x="3408660" y="2142109"/>
+            <a:ext cx="1610567" cy="1481510"/>
+          </a:xfrm>
+          <a:prstGeom prst="parallelogram">
+            <a:avLst/>
+          </a:prstGeom>
+          <a:noFill/>
+          <a:ln w="9525">
+            <a:solidFill>
+              <a:srgbClr val="C00000"/>
+            </a:solidFill>
+          </a:ln>
+        </p:spPr>
+        <p:style>
+          <a:lnRef idx="2">
+            <a:schemeClr val="accent1">
+              <a:shade val="50000"/>
+            </a:schemeClr>
+          </a:lnRef>
+          <a:fillRef idx="1">
+            <a:schemeClr val="accent1"/>
+          </a:fillRef>
+          <a:effectRef idx="0">
+            <a:schemeClr val="accent1"/>
+          </a:effectRef>
+          <a:fontRef idx="minor">
+            <a:schemeClr val="lt1"/>
+          </a:fontRef>
+        </p:style>
+        <p:txBody>
+          <a:bodyPr rtlCol="0" anchor="ctr"/>
+          <a:lstStyle/>
+          <a:p>
+            <a:pPr algn="ctr"/>
+            <a:endParaRPr lang="fr-FR"/>
+          </a:p>
+        </p:txBody>
+      </p:sp>
+      <p:grpSp>
+        <p:nvGrpSpPr>
+          <p:cNvPr id="29" name="Groupe 28"/>
+          <p:cNvGrpSpPr/>
+          <p:nvPr/>
+        </p:nvGrpSpPr>
+        <p:grpSpPr>
+          <a:xfrm>
+            <a:off x="1616224" y="1796234"/>
+            <a:ext cx="1584000" cy="1584000"/>
+            <a:chOff x="1635274" y="1834334"/>
+            <a:chExt cx="1584000" cy="1584000"/>
+          </a:xfrm>
+        </p:grpSpPr>
+        <p:cxnSp>
+          <p:nvCxnSpPr>
+            <p:cNvPr id="17" name="Connecteur droit 16"/>
+            <p:cNvCxnSpPr/>
+            <p:nvPr/>
+          </p:nvCxnSpPr>
+          <p:spPr>
+            <a:xfrm flipH="1">
+              <a:off x="2427274" y="1834334"/>
+              <a:ext cx="0" cy="1584000"/>
+            </a:xfrm>
+            <a:prstGeom prst="line">
+              <a:avLst/>
+            </a:prstGeom>
+            <a:ln w="9525">
+              <a:solidFill>
+                <a:schemeClr val="accent5">
+                  <a:lumMod val="50000"/>
+                </a:schemeClr>
+              </a:solidFill>
+              <a:prstDash val="lgDashDot"/>
+            </a:ln>
+          </p:spPr>
+          <p:style>
+            <a:lnRef idx="1">
+              <a:schemeClr val="accent1"/>
+            </a:lnRef>
+            <a:fillRef idx="0">
+              <a:schemeClr val="accent1"/>
+            </a:fillRef>
+            <a:effectRef idx="0">
+              <a:schemeClr val="accent1"/>
+            </a:effectRef>
+            <a:fontRef idx="minor">
+              <a:schemeClr val="tx1"/>
+            </a:fontRef>
+          </p:style>
+        </p:cxnSp>
+        <p:cxnSp>
+          <p:nvCxnSpPr>
+            <p:cNvPr id="21" name="Connecteur droit 20"/>
+            <p:cNvCxnSpPr/>
+            <p:nvPr/>
+          </p:nvCxnSpPr>
+          <p:spPr>
+            <a:xfrm rot="5400000" flipH="1">
+              <a:off x="2427274" y="1834334"/>
+              <a:ext cx="0" cy="1584000"/>
+            </a:xfrm>
+            <a:prstGeom prst="line">
+              <a:avLst/>
+            </a:prstGeom>
+            <a:ln w="9525">
+              <a:solidFill>
+                <a:schemeClr val="accent5">
+                  <a:lumMod val="50000"/>
+                </a:schemeClr>
+              </a:solidFill>
+              <a:prstDash val="lgDashDot"/>
+            </a:ln>
+          </p:spPr>
+          <p:style>
+            <a:lnRef idx="1">
+              <a:schemeClr val="accent1"/>
+            </a:lnRef>
+            <a:fillRef idx="0">
+              <a:schemeClr val="accent1"/>
+            </a:fillRef>
+            <a:effectRef idx="0">
+              <a:schemeClr val="accent1"/>
+            </a:effectRef>
+            <a:fontRef idx="minor">
+              <a:schemeClr val="tx1"/>
+            </a:fontRef>
+          </p:style>
+        </p:cxnSp>
+      </p:grpSp>
+      <p:grpSp>
+        <p:nvGrpSpPr>
+          <p:cNvPr id="28" name="Groupe 27"/>
+          <p:cNvGrpSpPr/>
+          <p:nvPr/>
+        </p:nvGrpSpPr>
+        <p:grpSpPr>
+          <a:xfrm>
+            <a:off x="5733608" y="2802477"/>
+            <a:ext cx="1224000" cy="1224000"/>
+            <a:chOff x="5733608" y="2802477"/>
+            <a:chExt cx="1224000" cy="1224000"/>
+          </a:xfrm>
+        </p:grpSpPr>
+        <p:cxnSp>
+          <p:nvCxnSpPr>
+            <p:cNvPr id="22" name="Connecteur droit 21"/>
+            <p:cNvCxnSpPr/>
+            <p:nvPr/>
+          </p:nvCxnSpPr>
+          <p:spPr>
+            <a:xfrm flipH="1">
+              <a:off x="6345608" y="2802477"/>
+              <a:ext cx="0" cy="1224000"/>
+            </a:xfrm>
+            <a:prstGeom prst="line">
+              <a:avLst/>
+            </a:prstGeom>
+            <a:ln w="9525">
+              <a:solidFill>
+                <a:schemeClr val="accent5">
+                  <a:lumMod val="50000"/>
+                </a:schemeClr>
+              </a:solidFill>
+              <a:prstDash val="lgDashDot"/>
+            </a:ln>
+          </p:spPr>
+          <p:style>
+            <a:lnRef idx="1">
+              <a:schemeClr val="accent1"/>
+            </a:lnRef>
+            <a:fillRef idx="0">
+              <a:schemeClr val="accent1"/>
+            </a:fillRef>
+            <a:effectRef idx="0">
+              <a:schemeClr val="accent1"/>
+            </a:effectRef>
+            <a:fontRef idx="minor">
+              <a:schemeClr val="tx1"/>
+            </a:fontRef>
+          </p:style>
+        </p:cxnSp>
+        <p:cxnSp>
+          <p:nvCxnSpPr>
+            <p:cNvPr id="23" name="Connecteur droit 22"/>
+            <p:cNvCxnSpPr/>
+            <p:nvPr/>
+          </p:nvCxnSpPr>
+          <p:spPr>
+            <a:xfrm rot="5400000" flipH="1">
+              <a:off x="6345608" y="2802477"/>
+              <a:ext cx="0" cy="1224000"/>
+            </a:xfrm>
+            <a:prstGeom prst="line">
+              <a:avLst/>
+            </a:prstGeom>
+            <a:ln w="9525">
+              <a:solidFill>
+                <a:schemeClr val="accent5">
+                  <a:lumMod val="50000"/>
+                </a:schemeClr>
+              </a:solidFill>
+              <a:prstDash val="lgDashDot"/>
+            </a:ln>
+          </p:spPr>
+          <p:style>
+            <a:lnRef idx="1">
+              <a:schemeClr val="accent1"/>
+            </a:lnRef>
+            <a:fillRef idx="0">
+              <a:schemeClr val="accent1"/>
+            </a:fillRef>
+            <a:effectRef idx="0">
+              <a:schemeClr val="accent1"/>
+            </a:effectRef>
+            <a:fontRef idx="minor">
+              <a:schemeClr val="tx1"/>
+            </a:fontRef>
+          </p:style>
+        </p:cxnSp>
+      </p:grpSp>
+      <p:sp>
+        <p:nvSpPr>
+          <p:cNvPr id="33" name="Ellipse 32"/>
+          <p:cNvSpPr/>
+          <p:nvPr/>
+        </p:nvSpPr>
+        <p:spPr>
+          <a:xfrm>
+            <a:off x="4135141" y="2878644"/>
+            <a:ext cx="45719" cy="45719"/>
+          </a:xfrm>
+          <a:prstGeom prst="ellipse">
+            <a:avLst/>
+          </a:prstGeom>
+          <a:solidFill>
+            <a:schemeClr val="accent5">
+              <a:lumMod val="50000"/>
+            </a:schemeClr>
+          </a:solidFill>
+          <a:ln>
+            <a:solidFill>
+              <a:schemeClr val="accent5">
+                <a:lumMod val="50000"/>
+              </a:schemeClr>
+            </a:solidFill>
+          </a:ln>
+        </p:spPr>
+        <p:style>
+          <a:lnRef idx="2">
+            <a:schemeClr val="accent1">
+              <a:shade val="50000"/>
+            </a:schemeClr>
+          </a:lnRef>
+          <a:fillRef idx="1">
+            <a:schemeClr val="accent1"/>
+          </a:fillRef>
+          <a:effectRef idx="0">
+            <a:schemeClr val="accent1"/>
+          </a:effectRef>
+          <a:fontRef idx="minor">
+            <a:schemeClr val="lt1"/>
+          </a:fontRef>
+        </p:style>
+        <p:txBody>
+          <a:bodyPr rtlCol="0" anchor="ctr"/>
+          <a:lstStyle/>
+          <a:p>
+            <a:pPr algn="ctr"/>
+            <a:endParaRPr lang="fr-FR"/>
+          </a:p>
+        </p:txBody>
+      </p:sp>
+      <mc:AlternateContent xmlns:mc="http://schemas.openxmlformats.org/markup-compatibility/2006" xmlns:a14="http://schemas.microsoft.com/office/drawing/2010/main">
+        <mc:Choice Requires="a14">
+          <p:sp>
+            <p:nvSpPr>
+              <p:cNvPr id="34" name="ZoneTexte 33"/>
+              <p:cNvSpPr txBox="1"/>
+              <p:nvPr/>
+            </p:nvSpPr>
+            <p:spPr>
+              <a:xfrm>
+                <a:off x="4162962" y="2702817"/>
+                <a:ext cx="138179" cy="184666"/>
+              </a:xfrm>
+              <a:prstGeom prst="rect">
+                <a:avLst/>
+              </a:prstGeom>
+              <a:noFill/>
+            </p:spPr>
+            <p:txBody>
+              <a:bodyPr wrap="none" lIns="0" tIns="0" rIns="0" bIns="0" rtlCol="0">
+                <a:spAutoFit/>
+              </a:bodyPr>
+              <a:lstStyle/>
+              <a:p>
+                <a:pPr/>
+                <a14:m>
+                  <m:oMathPara xmlns:m="http://schemas.openxmlformats.org/officeDocument/2006/math">
+                    <m:oMathParaPr>
+                      <m:jc m:val="centerGroup"/>
+                    </m:oMathParaPr>
+                    <m:oMath xmlns:m="http://schemas.openxmlformats.org/officeDocument/2006/math">
+                      <m:r>
+                        <a:rPr lang="fr-FR" sz="1200" b="0" i="1" smtClean="0">
+                          <a:latin typeface="Cambria Math" panose="02040503050406030204" pitchFamily="18" charset="0"/>
+                        </a:rPr>
+                        <m:t>𝐺</m:t>
+                      </m:r>
+                    </m:oMath>
+                  </m:oMathPara>
+                </a14:m>
+                <a:endParaRPr lang="fr-FR" sz="1200" dirty="0"/>
+              </a:p>
+            </p:txBody>
+          </p:sp>
+        </mc:Choice>
+        <mc:Fallback xmlns="">
+          <p:sp>
+            <p:nvSpPr>
+              <p:cNvPr id="34" name="ZoneTexte 33"/>
+              <p:cNvSpPr txBox="1">
+                <a:spLocks noRot="1" noChangeAspect="1" noMove="1" noResize="1" noEditPoints="1" noAdjustHandles="1" noChangeArrowheads="1" noChangeShapeType="1" noTextEdit="1"/>
+              </p:cNvSpPr>
+              <p:nvPr/>
+            </p:nvSpPr>
+            <p:spPr>
+              <a:xfrm>
+                <a:off x="4162962" y="2702817"/>
+                <a:ext cx="138179" cy="184666"/>
+              </a:xfrm>
+              <a:prstGeom prst="rect">
+                <a:avLst/>
+              </a:prstGeom>
+              <a:blipFill>
+                <a:blip r:embed="rId2"/>
+                <a:stretch>
+                  <a:fillRect l="-26087" r="-21739" b="-3226"/>
+                </a:stretch>
+              </a:blipFill>
+            </p:spPr>
+            <p:txBody>
+              <a:bodyPr/>
+              <a:lstStyle/>
+              <a:p>
+                <a:r>
+                  <a:rPr lang="fr-FR">
+                    <a:noFill/>
+                  </a:rPr>
+                  <a:t> </a:t>
+                </a:r>
+              </a:p>
+            </p:txBody>
+          </p:sp>
+        </mc:Fallback>
+      </mc:AlternateContent>
+      <mc:AlternateContent xmlns:mc="http://schemas.openxmlformats.org/markup-compatibility/2006" xmlns:a14="http://schemas.microsoft.com/office/drawing/2010/main">
+        <mc:Choice Requires="a14">
+          <p:sp>
+            <p:nvSpPr>
+              <p:cNvPr id="35" name="ZoneTexte 34"/>
+              <p:cNvSpPr txBox="1"/>
+              <p:nvPr/>
+            </p:nvSpPr>
+            <p:spPr>
+              <a:xfrm>
+                <a:off x="3954245" y="2402932"/>
+                <a:ext cx="120033" cy="184666"/>
+              </a:xfrm>
+              <a:prstGeom prst="rect">
+                <a:avLst/>
+              </a:prstGeom>
+              <a:noFill/>
+            </p:spPr>
+            <p:txBody>
+              <a:bodyPr wrap="none" lIns="0" tIns="0" rIns="0" bIns="0" rtlCol="0">
+                <a:spAutoFit/>
+              </a:bodyPr>
+              <a:lstStyle/>
+              <a:p>
+                <a:pPr/>
+                <a14:m>
+                  <m:oMathPara xmlns:m="http://schemas.openxmlformats.org/officeDocument/2006/math">
+                    <m:oMathParaPr>
+                      <m:jc m:val="centerGroup"/>
+                    </m:oMathParaPr>
+                    <m:oMath xmlns:m="http://schemas.openxmlformats.org/officeDocument/2006/math">
+                      <m:r>
+                        <a:rPr lang="fr-FR" sz="1200" b="0" i="1" smtClean="0">
+                          <a:latin typeface="Cambria Math" panose="02040503050406030204" pitchFamily="18" charset="0"/>
+                        </a:rPr>
+                        <m:t>𝑆</m:t>
+                      </m:r>
+                    </m:oMath>
+                  </m:oMathPara>
+                </a14:m>
+                <a:endParaRPr lang="fr-FR" sz="1200" dirty="0"/>
+              </a:p>
+            </p:txBody>
+          </p:sp>
+        </mc:Choice>
+        <mc:Fallback xmlns="">
+          <p:sp>
+            <p:nvSpPr>
+              <p:cNvPr id="35" name="ZoneTexte 34"/>
+              <p:cNvSpPr txBox="1">
+                <a:spLocks noRot="1" noChangeAspect="1" noMove="1" noResize="1" noEditPoints="1" noAdjustHandles="1" noChangeArrowheads="1" noChangeShapeType="1" noTextEdit="1"/>
+              </p:cNvSpPr>
+              <p:nvPr/>
+            </p:nvSpPr>
+            <p:spPr>
+              <a:xfrm>
+                <a:off x="3954245" y="2402932"/>
+                <a:ext cx="120033" cy="184666"/>
+              </a:xfrm>
+              <a:prstGeom prst="rect">
+                <a:avLst/>
+              </a:prstGeom>
+              <a:blipFill>
+                <a:blip r:embed="rId3"/>
+                <a:stretch>
+                  <a:fillRect l="-31579" r="-31579" b="-6667"/>
+                </a:stretch>
+              </a:blipFill>
+            </p:spPr>
+            <p:txBody>
+              <a:bodyPr/>
+              <a:lstStyle/>
+              <a:p>
+                <a:r>
+                  <a:rPr lang="fr-FR">
+                    <a:noFill/>
+                  </a:rPr>
+                  <a:t> </a:t>
+                </a:r>
+              </a:p>
+            </p:txBody>
+          </p:sp>
+        </mc:Fallback>
+      </mc:AlternateContent>
+      <mc:AlternateContent xmlns:mc="http://schemas.openxmlformats.org/markup-compatibility/2006" xmlns:a14="http://schemas.microsoft.com/office/drawing/2010/main">
+        <mc:Choice Requires="a14">
+          <p:sp>
+            <p:nvSpPr>
+              <p:cNvPr id="36" name="ZoneTexte 35"/>
+              <p:cNvSpPr txBox="1"/>
+              <p:nvPr/>
+            </p:nvSpPr>
+            <p:spPr>
+              <a:xfrm>
+                <a:off x="2239337" y="2365401"/>
+                <a:ext cx="134524" cy="184666"/>
+              </a:xfrm>
+              <a:prstGeom prst="rect">
+                <a:avLst/>
+              </a:prstGeom>
+              <a:noFill/>
+            </p:spPr>
+            <p:txBody>
+              <a:bodyPr wrap="none" lIns="0" tIns="0" rIns="0" bIns="0" rtlCol="0">
+                <a:spAutoFit/>
+              </a:bodyPr>
+              <a:lstStyle/>
+              <a:p>
+                <a:pPr/>
+                <a14:m>
+                  <m:oMathPara xmlns:m="http://schemas.openxmlformats.org/officeDocument/2006/math">
+                    <m:oMathParaPr>
+                      <m:jc m:val="centerGroup"/>
+                    </m:oMathParaPr>
+                    <m:oMath xmlns:m="http://schemas.openxmlformats.org/officeDocument/2006/math">
+                      <m:r>
+                        <a:rPr lang="fr-FR" sz="1200" b="0" i="1" smtClean="0">
+                          <a:latin typeface="Cambria Math" panose="02040503050406030204" pitchFamily="18" charset="0"/>
+                        </a:rPr>
+                        <m:t>𝐴</m:t>
+                      </m:r>
+                    </m:oMath>
+                  </m:oMathPara>
+                </a14:m>
+                <a:endParaRPr lang="fr-FR" sz="1200" dirty="0"/>
+              </a:p>
+            </p:txBody>
+          </p:sp>
+        </mc:Choice>
+        <mc:Fallback xmlns="">
+          <p:sp>
+            <p:nvSpPr>
+              <p:cNvPr id="36" name="ZoneTexte 35"/>
+              <p:cNvSpPr txBox="1">
+                <a:spLocks noRot="1" noChangeAspect="1" noMove="1" noResize="1" noEditPoints="1" noAdjustHandles="1" noChangeArrowheads="1" noChangeShapeType="1" noTextEdit="1"/>
+              </p:cNvSpPr>
+              <p:nvPr/>
+            </p:nvSpPr>
+            <p:spPr>
+              <a:xfrm>
+                <a:off x="2239337" y="2365401"/>
+                <a:ext cx="134524" cy="184666"/>
+              </a:xfrm>
+              <a:prstGeom prst="rect">
+                <a:avLst/>
+              </a:prstGeom>
+              <a:blipFill>
+                <a:blip r:embed="rId4"/>
+                <a:stretch>
+                  <a:fillRect l="-27273" r="-27273" b="-6667"/>
+                </a:stretch>
+              </a:blipFill>
+            </p:spPr>
+            <p:txBody>
+              <a:bodyPr/>
+              <a:lstStyle/>
+              <a:p>
+                <a:r>
+                  <a:rPr lang="fr-FR">
+                    <a:noFill/>
+                  </a:rPr>
+                  <a:t> </a:t>
+                </a:r>
+              </a:p>
+            </p:txBody>
+          </p:sp>
+        </mc:Fallback>
+      </mc:AlternateContent>
+      <mc:AlternateContent xmlns:mc="http://schemas.openxmlformats.org/markup-compatibility/2006" xmlns:a14="http://schemas.microsoft.com/office/drawing/2010/main">
+        <mc:Choice Requires="a14">
+          <p:sp>
+            <p:nvSpPr>
+              <p:cNvPr id="37" name="ZoneTexte 36"/>
+              <p:cNvSpPr txBox="1"/>
+              <p:nvPr/>
+            </p:nvSpPr>
+            <p:spPr>
+              <a:xfrm>
+                <a:off x="6325195" y="3229811"/>
+                <a:ext cx="140359" cy="184666"/>
+              </a:xfrm>
+              <a:prstGeom prst="rect">
+                <a:avLst/>
+              </a:prstGeom>
+              <a:noFill/>
+            </p:spPr>
+            <p:txBody>
+              <a:bodyPr wrap="none" lIns="0" tIns="0" rIns="0" bIns="0" rtlCol="0">
+                <a:spAutoFit/>
+              </a:bodyPr>
+              <a:lstStyle/>
+              <a:p>
+                <a:pPr/>
+                <a14:m>
+                  <m:oMathPara xmlns:m="http://schemas.openxmlformats.org/officeDocument/2006/math">
+                    <m:oMathParaPr>
+                      <m:jc m:val="centerGroup"/>
+                    </m:oMathParaPr>
+                    <m:oMath xmlns:m="http://schemas.openxmlformats.org/officeDocument/2006/math">
+                      <m:r>
+                        <a:rPr lang="fr-FR" sz="1200" b="0" i="1" smtClean="0">
+                          <a:latin typeface="Cambria Math" panose="02040503050406030204" pitchFamily="18" charset="0"/>
+                        </a:rPr>
+                        <m:t>𝐵</m:t>
+                      </m:r>
+                    </m:oMath>
+                  </m:oMathPara>
+                </a14:m>
+                <a:endParaRPr lang="fr-FR" sz="1200" dirty="0"/>
+              </a:p>
+            </p:txBody>
+          </p:sp>
+        </mc:Choice>
+        <mc:Fallback xmlns="">
+          <p:sp>
+            <p:nvSpPr>
+              <p:cNvPr id="37" name="ZoneTexte 36"/>
+              <p:cNvSpPr txBox="1">
+                <a:spLocks noRot="1" noChangeAspect="1" noMove="1" noResize="1" noEditPoints="1" noAdjustHandles="1" noChangeArrowheads="1" noChangeShapeType="1" noTextEdit="1"/>
+              </p:cNvSpPr>
+              <p:nvPr/>
+            </p:nvSpPr>
+            <p:spPr>
+              <a:xfrm>
+                <a:off x="6325195" y="3229811"/>
+                <a:ext cx="140359" cy="184666"/>
+              </a:xfrm>
+              <a:prstGeom prst="rect">
+                <a:avLst/>
+              </a:prstGeom>
+              <a:blipFill>
+                <a:blip r:embed="rId5"/>
+                <a:stretch>
+                  <a:fillRect l="-26087" r="-21739" b="-6667"/>
+                </a:stretch>
+              </a:blipFill>
+            </p:spPr>
+            <p:txBody>
+              <a:bodyPr/>
+              <a:lstStyle/>
+              <a:p>
+                <a:r>
+                  <a:rPr lang="fr-FR">
+                    <a:noFill/>
+                  </a:rPr>
+                  <a:t> </a:t>
+                </a:r>
+              </a:p>
+            </p:txBody>
+          </p:sp>
+        </mc:Fallback>
+      </mc:AlternateContent>
+    </p:spTree>
+    <p:extLst>
+      <p:ext uri="{BB962C8B-B14F-4D97-AF65-F5344CB8AC3E}">
+        <p14:creationId xmlns:p14="http://schemas.microsoft.com/office/powerpoint/2010/main" val="888028349"/>
+      </p:ext>
+    </p:extLst>
+  </p:cSld>
+  <p:clrMapOvr>
+    <a:masterClrMapping/>
+  </p:clrMapOvr>
+</p:sld>
+</file>
+
+<file path=ppt/slides/slide2.xml><?xml version="1.0" encoding="utf-8"?>
+<p:sld xmlns:a="http://schemas.openxmlformats.org/drawingml/2006/main" xmlns:r="http://schemas.openxmlformats.org/officeDocument/2006/relationships" xmlns:p="http://schemas.openxmlformats.org/presentationml/2006/main">
+  <p:cSld>
+    <p:spTree>
+      <p:nvGrpSpPr>
+        <p:cNvPr id="1" name=""/>
+        <p:cNvGrpSpPr/>
+        <p:nvPr/>
+      </p:nvGrpSpPr>
+      <p:grpSpPr>
+        <a:xfrm>
+          <a:off x="0" y="0"/>
+          <a:ext cx="0" cy="0"/>
+          <a:chOff x="0" y="0"/>
+          <a:chExt cx="0" cy="0"/>
+        </a:xfrm>
+      </p:grpSpPr>
+      <p:grpSp>
+        <p:nvGrpSpPr>
+          <p:cNvPr id="79" name="Groupe 78"/>
+          <p:cNvGrpSpPr/>
+          <p:nvPr/>
+        </p:nvGrpSpPr>
+        <p:grpSpPr>
+          <a:xfrm>
+            <a:off x="932604" y="1048096"/>
+            <a:ext cx="1019439" cy="1000793"/>
+            <a:chOff x="-98636" y="676167"/>
+            <a:chExt cx="1019439" cy="1000793"/>
+          </a:xfrm>
+        </p:grpSpPr>
+        <p:cxnSp>
+          <p:nvCxnSpPr>
+            <p:cNvPr id="80" name="Connecteur droit 79"/>
+            <p:cNvCxnSpPr>
+              <a:stCxn id="15" idx="2"/>
+              <a:endCxn id="7" idx="2"/>
+            </p:cNvCxnSpPr>
+            <p:nvPr/>
+          </p:nvCxnSpPr>
+          <p:spPr>
+            <a:xfrm flipH="1" flipV="1">
+              <a:off x="23738" y="1622279"/>
+              <a:ext cx="667395" cy="681"/>
+            </a:xfrm>
+            <a:prstGeom prst="line">
+              <a:avLst/>
+            </a:prstGeom>
+            <a:ln w="12700">
+              <a:solidFill>
+                <a:schemeClr val="accent5">
+                  <a:lumMod val="50000"/>
+                </a:schemeClr>
+              </a:solidFill>
+              <a:tailEnd type="stealth" w="med" len="lg"/>
+            </a:ln>
+          </p:spPr>
+          <p:style>
+            <a:lnRef idx="1">
+              <a:schemeClr val="accent1"/>
+            </a:lnRef>
+            <a:fillRef idx="0">
+              <a:schemeClr val="accent1"/>
+            </a:fillRef>
+            <a:effectRef idx="0">
+              <a:schemeClr val="accent1"/>
+            </a:effectRef>
+            <a:fontRef idx="minor">
+              <a:schemeClr val="tx1"/>
+            </a:fontRef>
+          </p:style>
+        </p:cxnSp>
+        <p:grpSp>
+          <p:nvGrpSpPr>
+            <p:cNvPr id="8" name="Groupe 7"/>
+            <p:cNvGrpSpPr/>
+            <p:nvPr/>
+          </p:nvGrpSpPr>
+          <p:grpSpPr>
+            <a:xfrm>
+              <a:off x="-98636" y="676167"/>
+              <a:ext cx="1019439" cy="1000793"/>
+              <a:chOff x="222834" y="327267"/>
+              <a:chExt cx="1019438" cy="1000793"/>
+            </a:xfrm>
+          </p:grpSpPr>
+          <p:cxnSp>
+            <p:nvCxnSpPr>
+              <p:cNvPr id="9" name="Connecteur droit 8"/>
+              <p:cNvCxnSpPr/>
+              <p:nvPr/>
+            </p:nvCxnSpPr>
+            <p:spPr>
+              <a:xfrm flipV="1">
+                <a:off x="1065699" y="536583"/>
+                <a:ext cx="0" cy="734599"/>
+              </a:xfrm>
+              <a:prstGeom prst="line">
+                <a:avLst/>
+              </a:prstGeom>
+              <a:ln w="12700">
+                <a:solidFill>
+                  <a:schemeClr val="accent5">
+                    <a:lumMod val="50000"/>
+                  </a:schemeClr>
+                </a:solidFill>
+                <a:tailEnd type="stealth" w="med" len="lg"/>
+              </a:ln>
+            </p:spPr>
+            <p:style>
+              <a:lnRef idx="1">
+                <a:schemeClr val="accent1"/>
+              </a:lnRef>
+              <a:fillRef idx="0">
+                <a:schemeClr val="accent1"/>
+              </a:fillRef>
+              <a:effectRef idx="0">
+                <a:schemeClr val="accent1"/>
+              </a:effectRef>
+              <a:fontRef idx="minor">
+                <a:schemeClr val="tx1"/>
+              </a:fontRef>
+            </p:style>
+          </p:cxnSp>
+          <p:grpSp>
+            <p:nvGrpSpPr>
+              <p:cNvPr id="11" name="Groupe 10"/>
+              <p:cNvGrpSpPr/>
+              <p:nvPr/>
+            </p:nvGrpSpPr>
+            <p:grpSpPr>
+              <a:xfrm>
+                <a:off x="1012602" y="1220060"/>
+                <a:ext cx="108000" cy="108000"/>
+                <a:chOff x="1009427" y="1223235"/>
+                <a:chExt cx="108000" cy="108000"/>
+              </a:xfrm>
+            </p:grpSpPr>
+            <p:sp>
+              <p:nvSpPr>
+                <p:cNvPr id="15" name="Ellipse 14"/>
+                <p:cNvSpPr/>
+                <p:nvPr/>
+              </p:nvSpPr>
+              <p:spPr>
+                <a:xfrm>
+                  <a:off x="1009427" y="1223235"/>
+                  <a:ext cx="108000" cy="108000"/>
+                </a:xfrm>
+                <a:prstGeom prst="ellipse">
+                  <a:avLst/>
+                </a:prstGeom>
+                <a:solidFill>
+                  <a:schemeClr val="bg1"/>
+                </a:solidFill>
+                <a:ln w="12700">
+                  <a:solidFill>
+                    <a:schemeClr val="accent5">
+                      <a:lumMod val="50000"/>
+                    </a:schemeClr>
+                  </a:solidFill>
+                  <a:tailEnd type="stealth" w="med" len="lg"/>
+                </a:ln>
+              </p:spPr>
+              <p:style>
+                <a:lnRef idx="1">
+                  <a:schemeClr val="accent1"/>
+                </a:lnRef>
+                <a:fillRef idx="0">
+                  <a:schemeClr val="accent1"/>
+                </a:fillRef>
+                <a:effectRef idx="0">
+                  <a:schemeClr val="accent1"/>
+                </a:effectRef>
+                <a:fontRef idx="minor">
+                  <a:schemeClr val="tx1"/>
+                </a:fontRef>
+              </p:style>
+              <p:txBody>
+                <a:bodyPr rtlCol="0" anchor="ctr"/>
+                <a:lstStyle/>
+                <a:p>
+                  <a:pPr algn="ctr"/>
+                  <a:endParaRPr lang="fr-FR"/>
+                </a:p>
+              </p:txBody>
+            </p:sp>
+            <p:sp>
+              <p:nvSpPr>
+                <p:cNvPr id="16" name="Ellipse 15"/>
+                <p:cNvSpPr/>
+                <p:nvPr/>
+              </p:nvSpPr>
+              <p:spPr>
+                <a:xfrm flipH="1" flipV="1">
+                  <a:off x="1045427" y="1259235"/>
+                  <a:ext cx="36000" cy="36000"/>
+                </a:xfrm>
+                <a:prstGeom prst="ellipse">
+                  <a:avLst/>
+                </a:prstGeom>
+                <a:solidFill>
+                  <a:schemeClr val="accent5">
+                    <a:lumMod val="50000"/>
+                  </a:schemeClr>
+                </a:solidFill>
+                <a:ln w="12700">
+                  <a:solidFill>
+                    <a:schemeClr val="accent5">
+                      <a:lumMod val="50000"/>
+                    </a:schemeClr>
+                  </a:solidFill>
+                  <a:tailEnd type="stealth" w="med" len="lg"/>
+                </a:ln>
+              </p:spPr>
+              <p:style>
+                <a:lnRef idx="1">
+                  <a:schemeClr val="accent1"/>
+                </a:lnRef>
+                <a:fillRef idx="0">
+                  <a:schemeClr val="accent1"/>
+                </a:fillRef>
+                <a:effectRef idx="0">
+                  <a:schemeClr val="accent1"/>
+                </a:effectRef>
+                <a:fontRef idx="minor">
+                  <a:schemeClr val="tx1"/>
+                </a:fontRef>
+              </p:style>
+              <p:txBody>
+                <a:bodyPr rtlCol="0" anchor="ctr"/>
+                <a:lstStyle/>
+                <a:p>
+                  <a:pPr algn="ctr"/>
+                  <a:endParaRPr lang="fr-FR"/>
+                </a:p>
+              </p:txBody>
+            </p:sp>
+          </p:grpSp>
+          <mc:AlternateContent xmlns:mc="http://schemas.openxmlformats.org/markup-compatibility/2006">
+            <mc:Choice xmlns:a14="http://schemas.microsoft.com/office/drawing/2010/main" Requires="a14">
+              <p:sp>
+                <p:nvSpPr>
+                  <p:cNvPr id="12" name="ZoneTexte 11"/>
+                  <p:cNvSpPr txBox="1"/>
+                  <p:nvPr/>
+                </p:nvSpPr>
+                <p:spPr>
+                  <a:xfrm>
+                    <a:off x="906014" y="1030532"/>
+                    <a:ext cx="121700" cy="184666"/>
+                  </a:xfrm>
+                  <a:prstGeom prst="rect">
+                    <a:avLst/>
+                  </a:prstGeom>
+                  <a:noFill/>
+                </p:spPr>
+                <p:txBody>
+                  <a:bodyPr wrap="none" lIns="0" tIns="0" rIns="0" bIns="0" rtlCol="0">
+                    <a:spAutoFit/>
+                  </a:bodyPr>
+                  <a:lstStyle/>
+                  <a:p>
+                    <a:pPr/>
+                    <a14:m>
+                      <m:oMathPara xmlns:m="http://schemas.openxmlformats.org/officeDocument/2006/math">
+                        <m:oMathParaPr>
+                          <m:jc m:val="centerGroup"/>
+                        </m:oMathParaPr>
+                        <m:oMath xmlns:m="http://schemas.openxmlformats.org/officeDocument/2006/math">
+                          <m:acc>
+                            <m:accPr>
+                              <m:chr m:val="⃗"/>
+                              <m:ctrlPr>
+                                <a:rPr lang="fr-FR" sz="1200" i="1">
+                                  <a:latin typeface="Cambria Math" panose="02040503050406030204" pitchFamily="18" charset="0"/>
+                                </a:rPr>
+                              </m:ctrlPr>
+                            </m:accPr>
+                            <m:e>
+                              <m:r>
+                                <a:rPr lang="fr-FR" sz="1200" i="1">
+                                  <a:latin typeface="Cambria Math" panose="02040503050406030204" pitchFamily="18" charset="0"/>
+                                </a:rPr>
+                                <m:t>𝑥</m:t>
+                              </m:r>
+                            </m:e>
+                          </m:acc>
+                        </m:oMath>
+                      </m:oMathPara>
+                    </a14:m>
+                    <a:endParaRPr lang="fr-FR" sz="1200" dirty="0"/>
+                  </a:p>
+                </p:txBody>
+              </p:sp>
+            </mc:Choice>
+            <mc:Fallback>
+              <p:sp>
+                <p:nvSpPr>
+                  <p:cNvPr id="12" name="ZoneTexte 11"/>
+                  <p:cNvSpPr txBox="1">
+                    <a:spLocks noRot="1" noChangeAspect="1" noMove="1" noResize="1" noEditPoints="1" noAdjustHandles="1" noChangeArrowheads="1" noChangeShapeType="1" noTextEdit="1"/>
+                  </p:cNvSpPr>
+                  <p:nvPr/>
+                </p:nvSpPr>
+                <p:spPr>
+                  <a:xfrm>
+                    <a:off x="906014" y="1030532"/>
+                    <a:ext cx="121700" cy="184666"/>
+                  </a:xfrm>
+                  <a:prstGeom prst="rect">
+                    <a:avLst/>
+                  </a:prstGeom>
+                  <a:blipFill>
+                    <a:blip r:embed="rId2"/>
+                    <a:stretch>
+                      <a:fillRect l="-15000" t="-25806" r="-90000"/>
+                    </a:stretch>
+                  </a:blipFill>
+                </p:spPr>
+                <p:txBody>
+                  <a:bodyPr/>
+                  <a:lstStyle/>
+                  <a:p>
+                    <a:r>
+                      <a:rPr lang="fr-FR">
+                        <a:noFill/>
+                      </a:rPr>
+                      <a:t> </a:t>
+                    </a:r>
+                  </a:p>
+                </p:txBody>
+              </p:sp>
+            </mc:Fallback>
+          </mc:AlternateContent>
+          <mc:AlternateContent xmlns:mc="http://schemas.openxmlformats.org/markup-compatibility/2006">
+            <mc:Choice xmlns:a14="http://schemas.microsoft.com/office/drawing/2010/main" Requires="a14">
+              <p:sp>
+                <p:nvSpPr>
+                  <p:cNvPr id="13" name="ZoneTexte 12"/>
+                  <p:cNvSpPr txBox="1"/>
+                  <p:nvPr/>
+                </p:nvSpPr>
+                <p:spPr>
+                  <a:xfrm>
+                    <a:off x="1117814" y="327267"/>
+                    <a:ext cx="124458" cy="184666"/>
+                  </a:xfrm>
+                  <a:prstGeom prst="rect">
+                    <a:avLst/>
+                  </a:prstGeom>
+                  <a:noFill/>
+                </p:spPr>
+                <p:txBody>
+                  <a:bodyPr wrap="none" lIns="0" tIns="0" rIns="0" bIns="0" rtlCol="0">
+                    <a:spAutoFit/>
+                  </a:bodyPr>
+                  <a:lstStyle/>
+                  <a:p>
+                    <a:pPr/>
+                    <a14:m>
+                      <m:oMathPara xmlns:m="http://schemas.openxmlformats.org/officeDocument/2006/math">
+                        <m:oMathParaPr>
+                          <m:jc m:val="centerGroup"/>
+                        </m:oMathParaPr>
+                        <m:oMath xmlns:m="http://schemas.openxmlformats.org/officeDocument/2006/math">
+                          <m:acc>
+                            <m:accPr>
+                              <m:chr m:val="⃗"/>
+                              <m:ctrlPr>
+                                <a:rPr lang="fr-FR" sz="1200" i="1">
+                                  <a:latin typeface="Cambria Math" panose="02040503050406030204" pitchFamily="18" charset="0"/>
+                                </a:rPr>
+                              </m:ctrlPr>
+                            </m:accPr>
+                            <m:e>
+                              <m:r>
+                                <a:rPr lang="fr-FR" sz="1200" i="1">
+                                  <a:latin typeface="Cambria Math" panose="02040503050406030204" pitchFamily="18" charset="0"/>
+                                </a:rPr>
+                                <m:t>𝑦</m:t>
+                              </m:r>
+                            </m:e>
+                          </m:acc>
+                        </m:oMath>
+                      </m:oMathPara>
+                    </a14:m>
+                    <a:endParaRPr lang="fr-FR" sz="1200" dirty="0"/>
+                  </a:p>
+                </p:txBody>
+              </p:sp>
+            </mc:Choice>
+            <mc:Fallback>
+              <p:sp>
+                <p:nvSpPr>
+                  <p:cNvPr id="13" name="ZoneTexte 12"/>
+                  <p:cNvSpPr txBox="1">
+                    <a:spLocks noRot="1" noChangeAspect="1" noMove="1" noResize="1" noEditPoints="1" noAdjustHandles="1" noChangeArrowheads="1" noChangeShapeType="1" noTextEdit="1"/>
+                  </p:cNvSpPr>
+                  <p:nvPr/>
+                </p:nvSpPr>
+                <p:spPr>
+                  <a:xfrm>
+                    <a:off x="1117814" y="327267"/>
+                    <a:ext cx="124458" cy="184666"/>
+                  </a:xfrm>
+                  <a:prstGeom prst="rect">
+                    <a:avLst/>
+                  </a:prstGeom>
+                  <a:blipFill>
+                    <a:blip r:embed="rId3"/>
+                    <a:stretch>
+                      <a:fillRect l="-30000" t="-30000" r="-85000" b="-23333"/>
+                    </a:stretch>
+                  </a:blipFill>
+                </p:spPr>
+                <p:txBody>
+                  <a:bodyPr/>
+                  <a:lstStyle/>
+                  <a:p>
+                    <a:r>
+                      <a:rPr lang="fr-FR">
+                        <a:noFill/>
+                      </a:rPr>
+                      <a:t> </a:t>
+                    </a:r>
+                  </a:p>
+                </p:txBody>
+              </p:sp>
+            </mc:Fallback>
+          </mc:AlternateContent>
+          <mc:AlternateContent xmlns:mc="http://schemas.openxmlformats.org/markup-compatibility/2006">
+            <mc:Choice xmlns:a14="http://schemas.microsoft.com/office/drawing/2010/main" Requires="a14">
+              <p:sp>
+                <p:nvSpPr>
+                  <p:cNvPr id="14" name="ZoneTexte 13"/>
+                  <p:cNvSpPr txBox="1"/>
+                  <p:nvPr/>
+                </p:nvSpPr>
+                <p:spPr>
+                  <a:xfrm>
+                    <a:off x="222834" y="1096239"/>
+                    <a:ext cx="111634" cy="184666"/>
+                  </a:xfrm>
+                  <a:prstGeom prst="rect">
+                    <a:avLst/>
+                  </a:prstGeom>
+                  <a:noFill/>
+                </p:spPr>
+                <p:txBody>
+                  <a:bodyPr wrap="none" lIns="0" tIns="0" rIns="0" bIns="0" rtlCol="0">
+                    <a:spAutoFit/>
+                  </a:bodyPr>
+                  <a:lstStyle/>
+                  <a:p>
+                    <a:pPr/>
+                    <a14:m>
+                      <m:oMathPara xmlns:m="http://schemas.openxmlformats.org/officeDocument/2006/math">
+                        <m:oMathParaPr>
+                          <m:jc m:val="centerGroup"/>
+                        </m:oMathParaPr>
+                        <m:oMath xmlns:m="http://schemas.openxmlformats.org/officeDocument/2006/math">
+                          <m:acc>
+                            <m:accPr>
+                              <m:chr m:val="⃗"/>
+                              <m:ctrlPr>
+                                <a:rPr lang="fr-FR" sz="1200" i="1" smtClean="0">
+                                  <a:latin typeface="Cambria Math" panose="02040503050406030204" pitchFamily="18" charset="0"/>
+                                </a:rPr>
+                              </m:ctrlPr>
+                            </m:accPr>
+                            <m:e>
+                              <m:r>
+                                <a:rPr lang="fr-FR" sz="1200" b="0" i="1" smtClean="0">
+                                  <a:latin typeface="Cambria Math" panose="02040503050406030204" pitchFamily="18" charset="0"/>
+                                </a:rPr>
+                                <m:t>𝑧</m:t>
+                              </m:r>
+                            </m:e>
+                          </m:acc>
+                        </m:oMath>
+                      </m:oMathPara>
+                    </a14:m>
+                    <a:endParaRPr lang="fr-FR" sz="1200" dirty="0"/>
+                  </a:p>
+                </p:txBody>
+              </p:sp>
+            </mc:Choice>
+            <mc:Fallback>
+              <p:sp>
+                <p:nvSpPr>
+                  <p:cNvPr id="14" name="ZoneTexte 13"/>
+                  <p:cNvSpPr txBox="1">
+                    <a:spLocks noRot="1" noChangeAspect="1" noMove="1" noResize="1" noEditPoints="1" noAdjustHandles="1" noChangeArrowheads="1" noChangeShapeType="1" noTextEdit="1"/>
+                  </p:cNvSpPr>
+                  <p:nvPr/>
+                </p:nvSpPr>
+                <p:spPr>
+                  <a:xfrm>
+                    <a:off x="222834" y="1096239"/>
+                    <a:ext cx="111634" cy="184666"/>
+                  </a:xfrm>
+                  <a:prstGeom prst="rect">
+                    <a:avLst/>
+                  </a:prstGeom>
+                  <a:blipFill>
+                    <a:blip r:embed="rId4"/>
+                    <a:stretch>
+                      <a:fillRect l="-22222" t="-26667" r="-94444"/>
+                    </a:stretch>
+                  </a:blipFill>
+                </p:spPr>
+                <p:txBody>
+                  <a:bodyPr/>
+                  <a:lstStyle/>
+                  <a:p>
+                    <a:r>
+                      <a:rPr lang="fr-FR">
+                        <a:noFill/>
+                      </a:rPr>
+                      <a:t> </a:t>
+                    </a:r>
+                  </a:p>
+                </p:txBody>
+              </p:sp>
+            </mc:Fallback>
+          </mc:AlternateContent>
+        </p:grpSp>
+      </p:grpSp>
+      <p:grpSp>
+        <p:nvGrpSpPr>
+          <p:cNvPr id="10" name="Groupe 9"/>
+          <p:cNvGrpSpPr/>
+          <p:nvPr/>
+        </p:nvGrpSpPr>
+        <p:grpSpPr>
+          <a:xfrm>
+            <a:off x="873324" y="1092554"/>
+            <a:ext cx="1803308" cy="1803308"/>
+            <a:chOff x="1083579" y="1114152"/>
+            <a:chExt cx="1803308" cy="1803308"/>
+          </a:xfrm>
+        </p:grpSpPr>
+        <p:sp>
+          <p:nvSpPr>
+            <p:cNvPr id="7" name="Ellipse 6"/>
+            <p:cNvSpPr/>
+            <p:nvPr/>
+          </p:nvSpPr>
+          <p:spPr>
+            <a:xfrm>
+              <a:off x="1265233" y="1295806"/>
+              <a:ext cx="1440000" cy="1440000"/>
+            </a:xfrm>
+            <a:prstGeom prst="ellipse">
+              <a:avLst/>
+            </a:prstGeom>
+            <a:noFill/>
+            <a:ln w="19050">
+              <a:solidFill>
+                <a:srgbClr val="C00000"/>
+              </a:solidFill>
+            </a:ln>
+          </p:spPr>
+          <p:style>
+            <a:lnRef idx="2">
+              <a:schemeClr val="accent1">
+                <a:shade val="50000"/>
+              </a:schemeClr>
+            </a:lnRef>
+            <a:fillRef idx="1">
+              <a:schemeClr val="accent1"/>
+            </a:fillRef>
+            <a:effectRef idx="0">
+              <a:schemeClr val="accent1"/>
+            </a:effectRef>
+            <a:fontRef idx="minor">
+              <a:schemeClr val="lt1"/>
+            </a:fontRef>
+          </p:style>
+          <p:txBody>
+            <a:bodyPr rtlCol="0" anchor="ctr"/>
+            <a:lstStyle/>
+            <a:p>
+              <a:pPr algn="ctr"/>
+              <a:endParaRPr lang="fr-FR"/>
+            </a:p>
+          </p:txBody>
+        </p:sp>
+        <p:cxnSp>
+          <p:nvCxnSpPr>
+            <p:cNvPr id="22" name="Connecteur droit 21"/>
+            <p:cNvCxnSpPr/>
+            <p:nvPr/>
+          </p:nvCxnSpPr>
+          <p:spPr>
+            <a:xfrm>
+              <a:off x="1989209" y="1114152"/>
+              <a:ext cx="0" cy="1803308"/>
+            </a:xfrm>
+            <a:prstGeom prst="line">
+              <a:avLst/>
+            </a:prstGeom>
+            <a:ln w="9525">
+              <a:solidFill>
+                <a:srgbClr val="C00000"/>
+              </a:solidFill>
+              <a:prstDash val="lgDashDot"/>
+              <a:headEnd type="none" w="med" len="med"/>
+              <a:tailEnd type="none" w="med" len="med"/>
+            </a:ln>
+          </p:spPr>
+          <p:style>
+            <a:lnRef idx="1">
+              <a:schemeClr val="accent1"/>
+            </a:lnRef>
+            <a:fillRef idx="0">
+              <a:schemeClr val="accent1"/>
+            </a:fillRef>
+            <a:effectRef idx="0">
+              <a:schemeClr val="accent1"/>
+            </a:effectRef>
+            <a:fontRef idx="minor">
+              <a:schemeClr val="tx1"/>
+            </a:fontRef>
+          </p:style>
+        </p:cxnSp>
+        <p:cxnSp>
+          <p:nvCxnSpPr>
+            <p:cNvPr id="42" name="Connecteur droit 41"/>
+            <p:cNvCxnSpPr/>
+            <p:nvPr/>
+          </p:nvCxnSpPr>
+          <p:spPr>
+            <a:xfrm rot="5400000">
+              <a:off x="1985233" y="1116816"/>
+              <a:ext cx="0" cy="1803308"/>
+            </a:xfrm>
+            <a:prstGeom prst="line">
+              <a:avLst/>
+            </a:prstGeom>
+            <a:ln w="9525">
+              <a:solidFill>
+                <a:srgbClr val="C00000"/>
+              </a:solidFill>
+              <a:prstDash val="lgDashDot"/>
+              <a:headEnd type="none" w="med" len="med"/>
+              <a:tailEnd type="none" w="med" len="med"/>
+            </a:ln>
+          </p:spPr>
+          <p:style>
+            <a:lnRef idx="1">
+              <a:schemeClr val="accent1"/>
+            </a:lnRef>
+            <a:fillRef idx="0">
+              <a:schemeClr val="accent1"/>
+            </a:fillRef>
+            <a:effectRef idx="0">
+              <a:schemeClr val="accent1"/>
+            </a:effectRef>
+            <a:fontRef idx="minor">
+              <a:schemeClr val="tx1"/>
+            </a:fontRef>
+          </p:style>
+        </p:cxnSp>
+      </p:grpSp>
+      <p:grpSp>
+        <p:nvGrpSpPr>
+          <p:cNvPr id="102" name="Groupe 101"/>
+          <p:cNvGrpSpPr/>
+          <p:nvPr/>
+        </p:nvGrpSpPr>
+        <p:grpSpPr>
+          <a:xfrm rot="19800000">
+            <a:off x="1054978" y="1711475"/>
+            <a:ext cx="1440000" cy="580362"/>
+            <a:chOff x="1054978" y="2921605"/>
+            <a:chExt cx="1440000" cy="580362"/>
+          </a:xfrm>
+        </p:grpSpPr>
+        <p:sp>
+          <p:nvSpPr>
+            <p:cNvPr id="88" name="Triangle rectangle 87"/>
+            <p:cNvSpPr/>
+            <p:nvPr/>
+          </p:nvSpPr>
+          <p:spPr>
+            <a:xfrm rot="10800000" flipH="1">
+              <a:off x="1062206" y="3216571"/>
+              <a:ext cx="712968" cy="285396"/>
+            </a:xfrm>
+            <a:prstGeom prst="rtTriangle">
+              <a:avLst/>
+            </a:prstGeom>
+            <a:solidFill>
+              <a:schemeClr val="accent2">
+                <a:lumMod val="20000"/>
+                <a:lumOff val="80000"/>
+              </a:schemeClr>
+            </a:solidFill>
+            <a:ln>
+              <a:noFill/>
+            </a:ln>
+          </p:spPr>
+          <p:style>
+            <a:lnRef idx="2">
+              <a:schemeClr val="accent1">
+                <a:shade val="50000"/>
+              </a:schemeClr>
+            </a:lnRef>
+            <a:fillRef idx="1">
+              <a:schemeClr val="accent1"/>
+            </a:fillRef>
+            <a:effectRef idx="0">
+              <a:schemeClr val="accent1"/>
+            </a:effectRef>
+            <a:fontRef idx="minor">
+              <a:schemeClr val="lt1"/>
+            </a:fontRef>
+          </p:style>
+          <p:txBody>
+            <a:bodyPr rtlCol="0" anchor="ctr"/>
+            <a:lstStyle/>
+            <a:p>
+              <a:pPr algn="ctr"/>
+              <a:endParaRPr lang="fr-FR"/>
+            </a:p>
+          </p:txBody>
+        </p:sp>
+        <p:sp>
+          <p:nvSpPr>
+            <p:cNvPr id="87" name="Triangle rectangle 86"/>
+            <p:cNvSpPr/>
+            <p:nvPr/>
+          </p:nvSpPr>
+          <p:spPr>
+            <a:xfrm rot="10800000" flipV="1">
+              <a:off x="1782009" y="2921605"/>
+              <a:ext cx="712968" cy="285396"/>
+            </a:xfrm>
+            <a:prstGeom prst="rtTriangle">
+              <a:avLst/>
+            </a:prstGeom>
+            <a:solidFill>
+              <a:schemeClr val="accent2">
+                <a:lumMod val="20000"/>
+                <a:lumOff val="80000"/>
+              </a:schemeClr>
+            </a:solidFill>
+            <a:ln>
+              <a:noFill/>
+            </a:ln>
+          </p:spPr>
+          <p:style>
+            <a:lnRef idx="2">
+              <a:schemeClr val="accent1">
+                <a:shade val="50000"/>
+              </a:schemeClr>
+            </a:lnRef>
+            <a:fillRef idx="1">
+              <a:schemeClr val="accent1"/>
+            </a:fillRef>
+            <a:effectRef idx="0">
+              <a:schemeClr val="accent1"/>
+            </a:effectRef>
+            <a:fontRef idx="minor">
+              <a:schemeClr val="lt1"/>
+            </a:fontRef>
+          </p:style>
+          <p:txBody>
+            <a:bodyPr rtlCol="0" anchor="ctr"/>
+            <a:lstStyle/>
+            <a:p>
+              <a:pPr algn="ctr"/>
+              <a:endParaRPr lang="fr-FR"/>
+            </a:p>
+          </p:txBody>
+        </p:sp>
+        <p:cxnSp>
+          <p:nvCxnSpPr>
+            <p:cNvPr id="82" name="Connecteur droit 81"/>
+            <p:cNvCxnSpPr/>
+            <p:nvPr/>
+          </p:nvCxnSpPr>
+          <p:spPr>
+            <a:xfrm flipH="1">
+              <a:off x="1054978" y="3212976"/>
+              <a:ext cx="1440000" cy="0"/>
+            </a:xfrm>
+            <a:prstGeom prst="line">
+              <a:avLst/>
+            </a:prstGeom>
+            <a:noFill/>
+            <a:ln w="19050">
+              <a:solidFill>
+                <a:srgbClr val="C00000"/>
+              </a:solidFill>
+            </a:ln>
+          </p:spPr>
+          <p:style>
+            <a:lnRef idx="2">
+              <a:schemeClr val="accent1">
+                <a:shade val="50000"/>
+              </a:schemeClr>
+            </a:lnRef>
+            <a:fillRef idx="1">
+              <a:schemeClr val="accent1"/>
+            </a:fillRef>
+            <a:effectRef idx="0">
+              <a:schemeClr val="accent1"/>
+            </a:effectRef>
+            <a:fontRef idx="minor">
+              <a:schemeClr val="lt1"/>
+            </a:fontRef>
+          </p:style>
+        </p:cxnSp>
+        <p:cxnSp>
+          <p:nvCxnSpPr>
+            <p:cNvPr id="83" name="Connecteur droit 82"/>
+            <p:cNvCxnSpPr/>
+            <p:nvPr/>
+          </p:nvCxnSpPr>
+          <p:spPr>
+            <a:xfrm flipH="1">
+              <a:off x="1054978" y="2925515"/>
+              <a:ext cx="1440000" cy="574923"/>
+            </a:xfrm>
+            <a:prstGeom prst="line">
+              <a:avLst/>
+            </a:prstGeom>
+            <a:noFill/>
+            <a:ln w="9525">
+              <a:solidFill>
+                <a:srgbClr val="C00000"/>
+              </a:solidFill>
+            </a:ln>
+          </p:spPr>
+          <p:style>
+            <a:lnRef idx="2">
+              <a:schemeClr val="accent1">
+                <a:shade val="50000"/>
+              </a:schemeClr>
+            </a:lnRef>
+            <a:fillRef idx="1">
+              <a:schemeClr val="accent1"/>
+            </a:fillRef>
+            <a:effectRef idx="0">
+              <a:schemeClr val="accent1"/>
+            </a:effectRef>
+            <a:fontRef idx="minor">
+              <a:schemeClr val="lt1"/>
+            </a:fontRef>
+          </p:style>
+        </p:cxnSp>
+        <p:cxnSp>
+          <p:nvCxnSpPr>
+            <p:cNvPr id="86" name="Connecteur droit 85"/>
+            <p:cNvCxnSpPr/>
+            <p:nvPr/>
+          </p:nvCxnSpPr>
+          <p:spPr>
+            <a:xfrm flipV="1">
+              <a:off x="2494978" y="2926312"/>
+              <a:ext cx="0" cy="289617"/>
+            </a:xfrm>
+            <a:prstGeom prst="line">
+              <a:avLst/>
+            </a:prstGeom>
+            <a:noFill/>
+            <a:ln w="9525">
+              <a:solidFill>
+                <a:srgbClr val="C00000"/>
+              </a:solidFill>
+              <a:headEnd type="none" w="sm" len="med"/>
+              <a:tailEnd type="stealth" w="sm" len="med"/>
+            </a:ln>
+          </p:spPr>
+          <p:style>
+            <a:lnRef idx="2">
+              <a:schemeClr val="accent1">
+                <a:shade val="50000"/>
+              </a:schemeClr>
+            </a:lnRef>
+            <a:fillRef idx="1">
+              <a:schemeClr val="accent1"/>
+            </a:fillRef>
+            <a:effectRef idx="0">
+              <a:schemeClr val="accent1"/>
+            </a:effectRef>
+            <a:fontRef idx="minor">
+              <a:schemeClr val="lt1"/>
+            </a:fontRef>
+          </p:style>
+        </p:cxnSp>
+        <p:cxnSp>
+          <p:nvCxnSpPr>
+            <p:cNvPr id="89" name="Connecteur droit 88"/>
+            <p:cNvCxnSpPr/>
+            <p:nvPr/>
+          </p:nvCxnSpPr>
+          <p:spPr>
+            <a:xfrm flipV="1">
+              <a:off x="2351584" y="2978701"/>
+              <a:ext cx="0" cy="235071"/>
+            </a:xfrm>
+            <a:prstGeom prst="line">
+              <a:avLst/>
+            </a:prstGeom>
+            <a:noFill/>
+            <a:ln w="9525">
+              <a:solidFill>
+                <a:srgbClr val="C00000"/>
+              </a:solidFill>
+              <a:headEnd type="none" w="sm" len="med"/>
+              <a:tailEnd type="stealth" w="sm" len="med"/>
+            </a:ln>
+          </p:spPr>
+          <p:style>
+            <a:lnRef idx="2">
+              <a:schemeClr val="accent1">
+                <a:shade val="50000"/>
+              </a:schemeClr>
+            </a:lnRef>
+            <a:fillRef idx="1">
+              <a:schemeClr val="accent1"/>
+            </a:fillRef>
+            <a:effectRef idx="0">
+              <a:schemeClr val="accent1"/>
+            </a:effectRef>
+            <a:fontRef idx="minor">
+              <a:schemeClr val="lt1"/>
+            </a:fontRef>
+          </p:style>
+        </p:cxnSp>
+        <p:cxnSp>
+          <p:nvCxnSpPr>
+            <p:cNvPr id="90" name="Connecteur droit 89"/>
+            <p:cNvCxnSpPr/>
+            <p:nvPr/>
+          </p:nvCxnSpPr>
+          <p:spPr>
+            <a:xfrm flipV="1">
+              <a:off x="2208190" y="3036418"/>
+              <a:ext cx="0" cy="177354"/>
+            </a:xfrm>
+            <a:prstGeom prst="line">
+              <a:avLst/>
+            </a:prstGeom>
+            <a:noFill/>
+            <a:ln w="9525">
+              <a:solidFill>
+                <a:srgbClr val="C00000"/>
+              </a:solidFill>
+              <a:headEnd type="none" w="sm" len="med"/>
+              <a:tailEnd type="stealth" w="sm" len="med"/>
+            </a:ln>
+          </p:spPr>
+          <p:style>
+            <a:lnRef idx="2">
+              <a:schemeClr val="accent1">
+                <a:shade val="50000"/>
+              </a:schemeClr>
+            </a:lnRef>
+            <a:fillRef idx="1">
+              <a:schemeClr val="accent1"/>
+            </a:fillRef>
+            <a:effectRef idx="0">
+              <a:schemeClr val="accent1"/>
+            </a:effectRef>
+            <a:fontRef idx="minor">
+              <a:schemeClr val="lt1"/>
+            </a:fontRef>
+          </p:style>
+        </p:cxnSp>
+        <p:cxnSp>
+          <p:nvCxnSpPr>
+            <p:cNvPr id="91" name="Connecteur droit 90"/>
+            <p:cNvCxnSpPr/>
+            <p:nvPr/>
+          </p:nvCxnSpPr>
+          <p:spPr>
+            <a:xfrm flipV="1">
+              <a:off x="2063027" y="3101005"/>
+              <a:ext cx="0" cy="112767"/>
+            </a:xfrm>
+            <a:prstGeom prst="line">
+              <a:avLst/>
+            </a:prstGeom>
+            <a:noFill/>
+            <a:ln w="9525">
+              <a:solidFill>
+                <a:srgbClr val="C00000"/>
+              </a:solidFill>
+              <a:headEnd type="none" w="sm" len="med"/>
+              <a:tailEnd type="stealth" w="sm" len="med"/>
+            </a:ln>
+          </p:spPr>
+          <p:style>
+            <a:lnRef idx="2">
+              <a:schemeClr val="accent1">
+                <a:shade val="50000"/>
+              </a:schemeClr>
+            </a:lnRef>
+            <a:fillRef idx="1">
+              <a:schemeClr val="accent1"/>
+            </a:fillRef>
+            <a:effectRef idx="0">
+              <a:schemeClr val="accent1"/>
+            </a:effectRef>
+            <a:fontRef idx="minor">
+              <a:schemeClr val="lt1"/>
+            </a:fontRef>
+          </p:style>
+        </p:cxnSp>
+        <p:cxnSp>
+          <p:nvCxnSpPr>
+            <p:cNvPr id="95" name="Connecteur droit 94"/>
+            <p:cNvCxnSpPr/>
+            <p:nvPr/>
+          </p:nvCxnSpPr>
+          <p:spPr>
+            <a:xfrm>
+              <a:off x="1491220" y="3213772"/>
+              <a:ext cx="0" cy="108804"/>
+            </a:xfrm>
+            <a:prstGeom prst="line">
+              <a:avLst/>
+            </a:prstGeom>
+            <a:noFill/>
+            <a:ln w="9525">
+              <a:solidFill>
+                <a:srgbClr val="C00000"/>
+              </a:solidFill>
+              <a:headEnd type="none" w="sm" len="med"/>
+              <a:tailEnd type="stealth" w="sm" len="med"/>
+            </a:ln>
+          </p:spPr>
+          <p:style>
+            <a:lnRef idx="2">
+              <a:schemeClr val="accent1">
+                <a:shade val="50000"/>
+              </a:schemeClr>
+            </a:lnRef>
+            <a:fillRef idx="1">
+              <a:schemeClr val="accent1"/>
+            </a:fillRef>
+            <a:effectRef idx="0">
+              <a:schemeClr val="accent1"/>
+            </a:effectRef>
+            <a:fontRef idx="minor">
+              <a:schemeClr val="lt1"/>
+            </a:fontRef>
+          </p:style>
+        </p:cxnSp>
+        <p:cxnSp>
+          <p:nvCxnSpPr>
+            <p:cNvPr id="96" name="Connecteur droit 95"/>
+            <p:cNvCxnSpPr/>
+            <p:nvPr/>
+          </p:nvCxnSpPr>
+          <p:spPr>
+            <a:xfrm>
+              <a:off x="1347826" y="3215929"/>
+              <a:ext cx="0" cy="167255"/>
+            </a:xfrm>
+            <a:prstGeom prst="line">
+              <a:avLst/>
+            </a:prstGeom>
+            <a:noFill/>
+            <a:ln w="9525">
+              <a:solidFill>
+                <a:srgbClr val="C00000"/>
+              </a:solidFill>
+              <a:headEnd type="none" w="sm" len="med"/>
+              <a:tailEnd type="stealth" w="sm" len="med"/>
+            </a:ln>
+          </p:spPr>
+          <p:style>
+            <a:lnRef idx="2">
+              <a:schemeClr val="accent1">
+                <a:shade val="50000"/>
+              </a:schemeClr>
+            </a:lnRef>
+            <a:fillRef idx="1">
+              <a:schemeClr val="accent1"/>
+            </a:fillRef>
+            <a:effectRef idx="0">
+              <a:schemeClr val="accent1"/>
+            </a:effectRef>
+            <a:fontRef idx="minor">
+              <a:schemeClr val="lt1"/>
+            </a:fontRef>
+          </p:style>
+        </p:cxnSp>
+        <p:cxnSp>
+          <p:nvCxnSpPr>
+            <p:cNvPr id="97" name="Connecteur droit 96"/>
+            <p:cNvCxnSpPr/>
+            <p:nvPr/>
+          </p:nvCxnSpPr>
+          <p:spPr>
+            <a:xfrm>
+              <a:off x="1199456" y="3215929"/>
+              <a:ext cx="0" cy="227133"/>
+            </a:xfrm>
+            <a:prstGeom prst="line">
+              <a:avLst/>
+            </a:prstGeom>
+            <a:noFill/>
+            <a:ln w="9525">
+              <a:solidFill>
+                <a:srgbClr val="C00000"/>
+              </a:solidFill>
+              <a:headEnd type="none" w="sm" len="med"/>
+              <a:tailEnd type="stealth" w="sm" len="med"/>
+            </a:ln>
+          </p:spPr>
+          <p:style>
+            <a:lnRef idx="2">
+              <a:schemeClr val="accent1">
+                <a:shade val="50000"/>
+              </a:schemeClr>
+            </a:lnRef>
+            <a:fillRef idx="1">
+              <a:schemeClr val="accent1"/>
+            </a:fillRef>
+            <a:effectRef idx="0">
+              <a:schemeClr val="accent1"/>
+            </a:effectRef>
+            <a:fontRef idx="minor">
+              <a:schemeClr val="lt1"/>
+            </a:fontRef>
+          </p:style>
+        </p:cxnSp>
+        <p:cxnSp>
+          <p:nvCxnSpPr>
+            <p:cNvPr id="98" name="Connecteur droit 97"/>
+            <p:cNvCxnSpPr/>
+            <p:nvPr/>
+          </p:nvCxnSpPr>
+          <p:spPr>
+            <a:xfrm>
+              <a:off x="1061038" y="3211391"/>
+              <a:ext cx="0" cy="289617"/>
+            </a:xfrm>
+            <a:prstGeom prst="line">
+              <a:avLst/>
+            </a:prstGeom>
+            <a:noFill/>
+            <a:ln w="9525">
+              <a:solidFill>
+                <a:srgbClr val="C00000"/>
+              </a:solidFill>
+              <a:headEnd type="none" w="sm" len="med"/>
+              <a:tailEnd type="stealth" w="sm" len="med"/>
+            </a:ln>
+          </p:spPr>
+          <p:style>
+            <a:lnRef idx="2">
+              <a:schemeClr val="accent1">
+                <a:shade val="50000"/>
+              </a:schemeClr>
+            </a:lnRef>
+            <a:fillRef idx="1">
+              <a:schemeClr val="accent1"/>
+            </a:fillRef>
+            <a:effectRef idx="0">
+              <a:schemeClr val="accent1"/>
+            </a:effectRef>
+            <a:fontRef idx="minor">
+              <a:schemeClr val="lt1"/>
+            </a:fontRef>
+          </p:style>
+        </p:cxnSp>
+      </p:grpSp>
+    </p:spTree>
+    <p:extLst>
+      <p:ext uri="{BB962C8B-B14F-4D97-AF65-F5344CB8AC3E}">
+        <p14:creationId xmlns:p14="http://schemas.microsoft.com/office/powerpoint/2010/main" val="3719769289"/>
+      </p:ext>
+    </p:extLst>
+  </p:cSld>
+  <p:clrMapOvr>
+    <a:masterClrMapping/>
+  </p:clrMapOvr>
+</p:sld>
+</file>
+
+<file path=ppt/slides/slide3.xml><?xml version="1.0" encoding="utf-8"?>
 <p:sld xmlns:a="http://schemas.openxmlformats.org/drawingml/2006/main" xmlns:r="http://schemas.openxmlformats.org/officeDocument/2006/relationships" xmlns:p="http://schemas.openxmlformats.org/presentationml/2006/main">
   <p:cSld>
     <p:spTree>
@@ -3916,7 +9183,7 @@
 </p:sld>
 </file>
 
-<file path=ppt/slides/slide2.xml><?xml version="1.0" encoding="utf-8"?>
+<file path=ppt/slides/slide4.xml><?xml version="1.0" encoding="utf-8"?>
 <p:sld xmlns:a="http://schemas.openxmlformats.org/drawingml/2006/main" xmlns:r="http://schemas.openxmlformats.org/officeDocument/2006/relationships" xmlns:p="http://schemas.openxmlformats.org/presentationml/2006/main">
   <p:cSld>
     <p:spTree>
@@ -4423,8 +9690,8 @@
             </a:fontRef>
           </p:style>
         </p:cxnSp>
-        <mc:AlternateContent xmlns:mc="http://schemas.openxmlformats.org/markup-compatibility/2006">
-          <mc:Choice xmlns:a14="http://schemas.microsoft.com/office/drawing/2010/main" Requires="a14">
+        <mc:AlternateContent xmlns:mc="http://schemas.openxmlformats.org/markup-compatibility/2006" xmlns:a14="http://schemas.microsoft.com/office/drawing/2010/main">
+          <mc:Choice Requires="a14">
             <p:sp>
               <p:nvSpPr>
                 <p:cNvPr id="8" name="ZoneTexte 7"/>
@@ -4468,7 +9735,7 @@
               </p:txBody>
             </p:sp>
           </mc:Choice>
-          <mc:Fallback>
+          <mc:Fallback xmlns="">
             <p:sp>
               <p:nvSpPr>
                 <p:cNvPr id="8" name="ZoneTexte 7"/>
@@ -4507,8 +9774,8 @@
             </p:sp>
           </mc:Fallback>
         </mc:AlternateContent>
-        <mc:AlternateContent xmlns:mc="http://schemas.openxmlformats.org/markup-compatibility/2006">
-          <mc:Choice xmlns:a14="http://schemas.microsoft.com/office/drawing/2010/main" Requires="a14">
+        <mc:AlternateContent xmlns:mc="http://schemas.openxmlformats.org/markup-compatibility/2006" xmlns:a14="http://schemas.microsoft.com/office/drawing/2010/main">
+          <mc:Choice Requires="a14">
             <p:sp>
               <p:nvSpPr>
                 <p:cNvPr id="9" name="ZoneTexte 8"/>
@@ -4552,7 +9819,7 @@
               </p:txBody>
             </p:sp>
           </mc:Choice>
-          <mc:Fallback>
+          <mc:Fallback xmlns="">
             <p:sp>
               <p:nvSpPr>
                 <p:cNvPr id="9" name="ZoneTexte 8"/>
@@ -4965,8 +10232,8 @@
             </a:fontRef>
           </p:style>
         </p:cxnSp>
-        <mc:AlternateContent xmlns:mc="http://schemas.openxmlformats.org/markup-compatibility/2006">
-          <mc:Choice xmlns:a14="http://schemas.microsoft.com/office/drawing/2010/main" Requires="a14">
+        <mc:AlternateContent xmlns:mc="http://schemas.openxmlformats.org/markup-compatibility/2006" xmlns:a14="http://schemas.microsoft.com/office/drawing/2010/main">
+          <mc:Choice Requires="a14">
             <p:sp>
               <p:nvSpPr>
                 <p:cNvPr id="16" name="ZoneTexte 15"/>
@@ -5069,7 +10336,7 @@
               </p:txBody>
             </p:sp>
           </mc:Choice>
-          <mc:Fallback>
+          <mc:Fallback xmlns="">
             <p:sp>
               <p:nvSpPr>
                 <p:cNvPr id="16" name="ZoneTexte 15"/>
@@ -5108,8 +10375,8 @@
             </p:sp>
           </mc:Fallback>
         </mc:AlternateContent>
-        <mc:AlternateContent xmlns:mc="http://schemas.openxmlformats.org/markup-compatibility/2006">
-          <mc:Choice xmlns:a14="http://schemas.microsoft.com/office/drawing/2010/main" Requires="a14">
+        <mc:AlternateContent xmlns:mc="http://schemas.openxmlformats.org/markup-compatibility/2006" xmlns:a14="http://schemas.microsoft.com/office/drawing/2010/main">
+          <mc:Choice Requires="a14">
             <p:sp>
               <p:nvSpPr>
                 <p:cNvPr id="20" name="ZoneTexte 19"/>
@@ -5132,7 +10399,6 @@
                 </a:bodyPr>
                 <a:lstStyle/>
                 <a:p>
-                  <a:pPr/>
                   <a:r>
                     <a:rPr lang="fr-FR" sz="1200" b="0" dirty="0"/>
                     <a:t>Pente </a:t>
@@ -5155,7 +10421,7 @@
               </p:txBody>
             </p:sp>
           </mc:Choice>
-          <mc:Fallback>
+          <mc:Fallback xmlns="">
             <p:sp>
               <p:nvSpPr>
                 <p:cNvPr id="20" name="ZoneTexte 19"/>
@@ -5722,8 +10988,8 @@
           </a:fontRef>
         </p:style>
       </p:cxnSp>
-      <mc:AlternateContent xmlns:mc="http://schemas.openxmlformats.org/markup-compatibility/2006">
-        <mc:Choice xmlns:a14="http://schemas.microsoft.com/office/drawing/2010/main" Requires="a14">
+      <mc:AlternateContent xmlns:mc="http://schemas.openxmlformats.org/markup-compatibility/2006" xmlns:a14="http://schemas.microsoft.com/office/drawing/2010/main">
+        <mc:Choice Requires="a14">
           <p:sp>
             <p:nvSpPr>
               <p:cNvPr id="31" name="Rectangle 30"/>
@@ -5745,6 +11011,7 @@
               </a:bodyPr>
               <a:lstStyle/>
               <a:p>
+                <a:pPr/>
                 <a14:m>
                   <m:oMathPara xmlns:m="http://schemas.openxmlformats.org/officeDocument/2006/math">
                     <m:oMathParaPr>
@@ -5853,7 +11120,7 @@
             </p:txBody>
           </p:sp>
         </mc:Choice>
-        <mc:Fallback>
+        <mc:Fallback xmlns="">
           <p:sp>
             <p:nvSpPr>
               <p:cNvPr id="31" name="Rectangle 30"/>
@@ -5968,8 +11235,8 @@
           </a:fontRef>
         </p:style>
       </p:cxnSp>
-      <mc:AlternateContent xmlns:mc="http://schemas.openxmlformats.org/markup-compatibility/2006">
-        <mc:Choice xmlns:a14="http://schemas.microsoft.com/office/drawing/2010/main" Requires="a14">
+      <mc:AlternateContent xmlns:mc="http://schemas.openxmlformats.org/markup-compatibility/2006" xmlns:a14="http://schemas.microsoft.com/office/drawing/2010/main">
+        <mc:Choice Requires="a14">
           <p:sp>
             <p:nvSpPr>
               <p:cNvPr id="39" name="ZoneTexte 38"/>
@@ -6044,7 +11311,7 @@
             </p:txBody>
           </p:sp>
         </mc:Choice>
-        <mc:Fallback>
+        <mc:Fallback xmlns="">
           <p:sp>
             <p:nvSpPr>
               <p:cNvPr id="39" name="ZoneTexte 38"/>
@@ -6083,8 +11350,8 @@
           </p:sp>
         </mc:Fallback>
       </mc:AlternateContent>
-      <mc:AlternateContent xmlns:mc="http://schemas.openxmlformats.org/markup-compatibility/2006">
-        <mc:Choice xmlns:a14="http://schemas.microsoft.com/office/drawing/2010/main" Requires="a14">
+      <mc:AlternateContent xmlns:mc="http://schemas.openxmlformats.org/markup-compatibility/2006" xmlns:a14="http://schemas.microsoft.com/office/drawing/2010/main">
+        <mc:Choice Requires="a14">
           <p:sp>
             <p:nvSpPr>
               <p:cNvPr id="43" name="Rectangle 42"/>
@@ -6106,6 +11373,7 @@
               </a:bodyPr>
               <a:lstStyle/>
               <a:p>
+                <a:pPr/>
                 <a14:m>
                   <m:oMathPara xmlns:m="http://schemas.openxmlformats.org/officeDocument/2006/math">
                     <m:oMathParaPr>
@@ -6145,7 +11413,7 @@
             </p:txBody>
           </p:sp>
         </mc:Choice>
-        <mc:Fallback>
+        <mc:Fallback xmlns="">
           <p:sp>
             <p:nvSpPr>
               <p:cNvPr id="43" name="Rectangle 42"/>
@@ -6184,8 +11452,8 @@
           </p:sp>
         </mc:Fallback>
       </mc:AlternateContent>
-      <mc:AlternateContent xmlns:mc="http://schemas.openxmlformats.org/markup-compatibility/2006">
-        <mc:Choice xmlns:a14="http://schemas.microsoft.com/office/drawing/2010/main" Requires="a14">
+      <mc:AlternateContent xmlns:mc="http://schemas.openxmlformats.org/markup-compatibility/2006" xmlns:a14="http://schemas.microsoft.com/office/drawing/2010/main">
+        <mc:Choice Requires="a14">
           <p:sp>
             <p:nvSpPr>
               <p:cNvPr id="44" name="Rectangle 43"/>
@@ -6207,6 +11475,7 @@
               </a:bodyPr>
               <a:lstStyle/>
               <a:p>
+                <a:pPr/>
                 <a14:m>
                   <m:oMathPara xmlns:m="http://schemas.openxmlformats.org/officeDocument/2006/math">
                     <m:oMathParaPr>
@@ -6246,7 +11515,7 @@
             </p:txBody>
           </p:sp>
         </mc:Choice>
-        <mc:Fallback>
+        <mc:Fallback xmlns="">
           <p:sp>
             <p:nvSpPr>
               <p:cNvPr id="44" name="Rectangle 43"/>
@@ -6355,7 +11624,6 @@
           </a:bodyPr>
           <a:lstStyle/>
           <a:p>
-            <a:pPr/>
             <a:r>
               <a:rPr lang="fr-FR" sz="1200" b="0" dirty="0"/>
               <a:t>Machine de traction</a:t>
@@ -6386,7 +11654,6 @@
           </a:bodyPr>
           <a:lstStyle/>
           <a:p>
-            <a:pPr/>
             <a:r>
               <a:rPr lang="fr-FR" sz="1200" dirty="0"/>
               <a:t>Éprouvette</a:t>
@@ -6467,7 +11734,7 @@
 </p:sld>
 </file>
 
-<file path=ppt/slides/slide3.xml><?xml version="1.0" encoding="utf-8"?>
+<file path=ppt/slides/slide5.xml><?xml version="1.0" encoding="utf-8"?>
 <p:sld xmlns:a="http://schemas.openxmlformats.org/drawingml/2006/main" xmlns:r="http://schemas.openxmlformats.org/officeDocument/2006/relationships" xmlns:p="http://schemas.openxmlformats.org/presentationml/2006/main">
   <p:cSld>
     <p:spTree>
@@ -7743,7 +13010,7 @@
 </p:sld>
 </file>
 
-<file path=ppt/slides/slide4.xml><?xml version="1.0" encoding="utf-8"?>
+<file path=ppt/slides/slide6.xml><?xml version="1.0" encoding="utf-8"?>
 <p:sld xmlns:a="http://schemas.openxmlformats.org/drawingml/2006/main" xmlns:r="http://schemas.openxmlformats.org/officeDocument/2006/relationships" xmlns:p="http://schemas.openxmlformats.org/presentationml/2006/main">
   <p:cSld>
     <p:spTree>
@@ -10279,7 +15546,7 @@
 </p:sld>
 </file>
 
-<file path=ppt/slides/slide5.xml><?xml version="1.0" encoding="utf-8"?>
+<file path=ppt/slides/slide7.xml><?xml version="1.0" encoding="utf-8"?>
 <p:sld xmlns:a="http://schemas.openxmlformats.org/drawingml/2006/main" xmlns:r="http://schemas.openxmlformats.org/officeDocument/2006/relationships" xmlns:p="http://schemas.openxmlformats.org/presentationml/2006/main">
   <p:cSld>
     <p:spTree>
@@ -11244,7 +16511,7 @@
 </p:sld>
 </file>
 
-<file path=ppt/slides/slide6.xml><?xml version="1.0" encoding="utf-8"?>
+<file path=ppt/slides/slide8.xml><?xml version="1.0" encoding="utf-8"?>
 <p:sld xmlns:a="http://schemas.openxmlformats.org/drawingml/2006/main" xmlns:r="http://schemas.openxmlformats.org/officeDocument/2006/relationships" xmlns:p="http://schemas.openxmlformats.org/presentationml/2006/main">
   <p:cSld>
     <p:spTree>
@@ -12387,7 +17654,7 @@
 </p:sld>
 </file>
 
-<file path=ppt/slides/slide7.xml><?xml version="1.0" encoding="utf-8"?>
+<file path=ppt/slides/slide9.xml><?xml version="1.0" encoding="utf-8"?>
 <p:sld xmlns:a="http://schemas.openxmlformats.org/drawingml/2006/main" xmlns:r="http://schemas.openxmlformats.org/officeDocument/2006/relationships" xmlns:p="http://schemas.openxmlformats.org/presentationml/2006/main">
   <p:cSld>
     <p:spTree>
@@ -14582,2274 +19849,6 @@
 </p:sld>
 </file>
 
-<file path=ppt/slides/slide8.xml><?xml version="1.0" encoding="utf-8"?>
-<p:sld xmlns:a="http://schemas.openxmlformats.org/drawingml/2006/main" xmlns:r="http://schemas.openxmlformats.org/officeDocument/2006/relationships" xmlns:p="http://schemas.openxmlformats.org/presentationml/2006/main">
-  <p:cSld>
-    <p:spTree>
-      <p:nvGrpSpPr>
-        <p:cNvPr id="1" name=""/>
-        <p:cNvGrpSpPr/>
-        <p:nvPr/>
-      </p:nvGrpSpPr>
-      <p:grpSpPr>
-        <a:xfrm>
-          <a:off x="0" y="0"/>
-          <a:ext cx="0" cy="0"/>
-          <a:chOff x="0" y="0"/>
-          <a:chExt cx="0" cy="0"/>
-        </a:xfrm>
-      </p:grpSpPr>
-      <p:sp>
-        <p:nvSpPr>
-          <p:cNvPr id="12" name="Forme libre 11"/>
-          <p:cNvSpPr/>
-          <p:nvPr/>
-        </p:nvSpPr>
-        <p:spPr>
-          <a:xfrm>
-            <a:off x="3659793" y="2356939"/>
-            <a:ext cx="1035439" cy="1065919"/>
-          </a:xfrm>
-          <a:custGeom>
-            <a:avLst/>
-            <a:gdLst>
-              <a:gd name="connsiteX0" fmla="*/ 689368 w 1195867"/>
-              <a:gd name="connsiteY0" fmla="*/ 0 h 1814779"/>
-              <a:gd name="connsiteX1" fmla="*/ 1195804 w 1195867"/>
-              <a:gd name="connsiteY1" fmla="*/ 745588 h 1814779"/>
-              <a:gd name="connsiteX2" fmla="*/ 661232 w 1195867"/>
-              <a:gd name="connsiteY2" fmla="*/ 1814732 h 1814779"/>
-              <a:gd name="connsiteX3" fmla="*/ 51 w 1195867"/>
-              <a:gd name="connsiteY3" fmla="*/ 703385 h 1814779"/>
-              <a:gd name="connsiteX4" fmla="*/ 633097 w 1195867"/>
-              <a:gd name="connsiteY4" fmla="*/ 14068 h 1814779"/>
-              <a:gd name="connsiteX0" fmla="*/ 689368 w 1195867"/>
-              <a:gd name="connsiteY0" fmla="*/ 0 h 1814779"/>
-              <a:gd name="connsiteX1" fmla="*/ 1195804 w 1195867"/>
-              <a:gd name="connsiteY1" fmla="*/ 745588 h 1814779"/>
-              <a:gd name="connsiteX2" fmla="*/ 661232 w 1195867"/>
-              <a:gd name="connsiteY2" fmla="*/ 1814732 h 1814779"/>
-              <a:gd name="connsiteX3" fmla="*/ 51 w 1195867"/>
-              <a:gd name="connsiteY3" fmla="*/ 703385 h 1814779"/>
-              <a:gd name="connsiteX4" fmla="*/ 633097 w 1195867"/>
-              <a:gd name="connsiteY4" fmla="*/ 14068 h 1814779"/>
-              <a:gd name="connsiteX5" fmla="*/ 689368 w 1195867"/>
-              <a:gd name="connsiteY5" fmla="*/ 0 h 1814779"/>
-              <a:gd name="connsiteX0" fmla="*/ 692618 w 1199117"/>
-              <a:gd name="connsiteY0" fmla="*/ 0 h 1814779"/>
-              <a:gd name="connsiteX1" fmla="*/ 1199054 w 1199117"/>
-              <a:gd name="connsiteY1" fmla="*/ 745588 h 1814779"/>
-              <a:gd name="connsiteX2" fmla="*/ 664482 w 1199117"/>
-              <a:gd name="connsiteY2" fmla="*/ 1814732 h 1814779"/>
-              <a:gd name="connsiteX3" fmla="*/ 3301 w 1199117"/>
-              <a:gd name="connsiteY3" fmla="*/ 703385 h 1814779"/>
-              <a:gd name="connsiteX4" fmla="*/ 479185 w 1199117"/>
-              <a:gd name="connsiteY4" fmla="*/ 40262 h 1814779"/>
-              <a:gd name="connsiteX5" fmla="*/ 692618 w 1199117"/>
-              <a:gd name="connsiteY5" fmla="*/ 0 h 1814779"/>
-              <a:gd name="connsiteX0" fmla="*/ 868830 w 1205140"/>
-              <a:gd name="connsiteY0" fmla="*/ 0 h 1793348"/>
-              <a:gd name="connsiteX1" fmla="*/ 1199054 w 1205140"/>
-              <a:gd name="connsiteY1" fmla="*/ 724157 h 1793348"/>
-              <a:gd name="connsiteX2" fmla="*/ 664482 w 1205140"/>
-              <a:gd name="connsiteY2" fmla="*/ 1793301 h 1793348"/>
-              <a:gd name="connsiteX3" fmla="*/ 3301 w 1205140"/>
-              <a:gd name="connsiteY3" fmla="*/ 681954 h 1793348"/>
-              <a:gd name="connsiteX4" fmla="*/ 479185 w 1205140"/>
-              <a:gd name="connsiteY4" fmla="*/ 18831 h 1793348"/>
-              <a:gd name="connsiteX5" fmla="*/ 868830 w 1205140"/>
-              <a:gd name="connsiteY5" fmla="*/ 0 h 1793348"/>
-              <a:gd name="connsiteX0" fmla="*/ 868830 w 1202396"/>
-              <a:gd name="connsiteY0" fmla="*/ 67 h 1793415"/>
-              <a:gd name="connsiteX1" fmla="*/ 1199054 w 1202396"/>
-              <a:gd name="connsiteY1" fmla="*/ 724224 h 1793415"/>
-              <a:gd name="connsiteX2" fmla="*/ 664482 w 1202396"/>
-              <a:gd name="connsiteY2" fmla="*/ 1793368 h 1793415"/>
-              <a:gd name="connsiteX3" fmla="*/ 3301 w 1202396"/>
-              <a:gd name="connsiteY3" fmla="*/ 682021 h 1793415"/>
-              <a:gd name="connsiteX4" fmla="*/ 479185 w 1202396"/>
-              <a:gd name="connsiteY4" fmla="*/ 18898 h 1793415"/>
-              <a:gd name="connsiteX5" fmla="*/ 868830 w 1202396"/>
-              <a:gd name="connsiteY5" fmla="*/ 67 h 1793415"/>
-              <a:gd name="connsiteX0" fmla="*/ 869816 w 1203382"/>
-              <a:gd name="connsiteY0" fmla="*/ 67 h 1793415"/>
-              <a:gd name="connsiteX1" fmla="*/ 1200040 w 1203382"/>
-              <a:gd name="connsiteY1" fmla="*/ 724224 h 1793415"/>
-              <a:gd name="connsiteX2" fmla="*/ 665468 w 1203382"/>
-              <a:gd name="connsiteY2" fmla="*/ 1793368 h 1793415"/>
-              <a:gd name="connsiteX3" fmla="*/ 4287 w 1203382"/>
-              <a:gd name="connsiteY3" fmla="*/ 682021 h 1793415"/>
-              <a:gd name="connsiteX4" fmla="*/ 480171 w 1203382"/>
-              <a:gd name="connsiteY4" fmla="*/ 18898 h 1793415"/>
-              <a:gd name="connsiteX5" fmla="*/ 869816 w 1203382"/>
-              <a:gd name="connsiteY5" fmla="*/ 67 h 1793415"/>
-              <a:gd name="connsiteX0" fmla="*/ 869816 w 1203924"/>
-              <a:gd name="connsiteY0" fmla="*/ 112 h 1793460"/>
-              <a:gd name="connsiteX1" fmla="*/ 1200040 w 1203924"/>
-              <a:gd name="connsiteY1" fmla="*/ 724269 h 1793460"/>
-              <a:gd name="connsiteX2" fmla="*/ 665468 w 1203924"/>
-              <a:gd name="connsiteY2" fmla="*/ 1793413 h 1793460"/>
-              <a:gd name="connsiteX3" fmla="*/ 4287 w 1203924"/>
-              <a:gd name="connsiteY3" fmla="*/ 682066 h 1793460"/>
-              <a:gd name="connsiteX4" fmla="*/ 480171 w 1203924"/>
-              <a:gd name="connsiteY4" fmla="*/ 18943 h 1793460"/>
-              <a:gd name="connsiteX5" fmla="*/ 869816 w 1203924"/>
-              <a:gd name="connsiteY5" fmla="*/ 112 h 1793460"/>
-              <a:gd name="connsiteX0" fmla="*/ 869816 w 1203846"/>
-              <a:gd name="connsiteY0" fmla="*/ 11377 h 1804725"/>
-              <a:gd name="connsiteX1" fmla="*/ 1200040 w 1203846"/>
-              <a:gd name="connsiteY1" fmla="*/ 735534 h 1804725"/>
-              <a:gd name="connsiteX2" fmla="*/ 665468 w 1203846"/>
-              <a:gd name="connsiteY2" fmla="*/ 1804678 h 1804725"/>
-              <a:gd name="connsiteX3" fmla="*/ 4287 w 1203846"/>
-              <a:gd name="connsiteY3" fmla="*/ 693331 h 1804725"/>
-              <a:gd name="connsiteX4" fmla="*/ 480171 w 1203846"/>
-              <a:gd name="connsiteY4" fmla="*/ 30208 h 1804725"/>
-              <a:gd name="connsiteX5" fmla="*/ 869816 w 1203846"/>
-              <a:gd name="connsiteY5" fmla="*/ 11377 h 1804725"/>
-              <a:gd name="connsiteX0" fmla="*/ 866940 w 1204197"/>
-              <a:gd name="connsiteY0" fmla="*/ 11377 h 1239647"/>
-              <a:gd name="connsiteX1" fmla="*/ 1197164 w 1204197"/>
-              <a:gd name="connsiteY1" fmla="*/ 735534 h 1239647"/>
-              <a:gd name="connsiteX2" fmla="*/ 573692 w 1204197"/>
-              <a:gd name="connsiteY2" fmla="*/ 1239528 h 1239647"/>
-              <a:gd name="connsiteX3" fmla="*/ 1411 w 1204197"/>
-              <a:gd name="connsiteY3" fmla="*/ 693331 h 1239647"/>
-              <a:gd name="connsiteX4" fmla="*/ 477295 w 1204197"/>
-              <a:gd name="connsiteY4" fmla="*/ 30208 h 1239647"/>
-              <a:gd name="connsiteX5" fmla="*/ 866940 w 1204197"/>
-              <a:gd name="connsiteY5" fmla="*/ 11377 h 1239647"/>
-            </a:gdLst>
-            <a:ahLst/>
-            <a:cxnLst>
-              <a:cxn ang="0">
-                <a:pos x="connsiteX0" y="connsiteY0"/>
-              </a:cxn>
-              <a:cxn ang="0">
-                <a:pos x="connsiteX1" y="connsiteY1"/>
-              </a:cxn>
-              <a:cxn ang="0">
-                <a:pos x="connsiteX2" y="connsiteY2"/>
-              </a:cxn>
-              <a:cxn ang="0">
-                <a:pos x="connsiteX3" y="connsiteY3"/>
-              </a:cxn>
-              <a:cxn ang="0">
-                <a:pos x="connsiteX4" y="connsiteY4"/>
-              </a:cxn>
-              <a:cxn ang="0">
-                <a:pos x="connsiteX5" y="connsiteY5"/>
-              </a:cxn>
-            </a:cxnLst>
-            <a:rect l="l" t="t" r="r" b="b"/>
-            <a:pathLst>
-              <a:path w="1204197" h="1239647">
-                <a:moveTo>
-                  <a:pt x="866940" y="11377"/>
-                </a:moveTo>
-                <a:cubicBezTo>
-                  <a:pt x="1029909" y="52053"/>
-                  <a:pt x="1246039" y="530842"/>
-                  <a:pt x="1197164" y="735534"/>
-                </a:cubicBezTo>
-                <a:cubicBezTo>
-                  <a:pt x="1148289" y="940226"/>
-                  <a:pt x="772984" y="1246562"/>
-                  <a:pt x="573692" y="1239528"/>
-                </a:cubicBezTo>
-                <a:cubicBezTo>
-                  <a:pt x="374400" y="1232494"/>
-                  <a:pt x="17477" y="894884"/>
-                  <a:pt x="1411" y="693331"/>
-                </a:cubicBezTo>
-                <a:cubicBezTo>
-                  <a:pt x="-14655" y="491778"/>
-                  <a:pt x="104170" y="48241"/>
-                  <a:pt x="477295" y="30208"/>
-                </a:cubicBezTo>
-                <a:cubicBezTo>
-                  <a:pt x="607177" y="23931"/>
-                  <a:pt x="739439" y="-20446"/>
-                  <a:pt x="866940" y="11377"/>
-                </a:cubicBezTo>
-                <a:close/>
-              </a:path>
-            </a:pathLst>
-          </a:custGeom>
-          <a:ln w="19050">
-            <a:solidFill>
-              <a:srgbClr val="C00000"/>
-            </a:solidFill>
-          </a:ln>
-        </p:spPr>
-        <p:style>
-          <a:lnRef idx="1">
-            <a:schemeClr val="accent1"/>
-          </a:lnRef>
-          <a:fillRef idx="0">
-            <a:schemeClr val="accent1"/>
-          </a:fillRef>
-          <a:effectRef idx="0">
-            <a:schemeClr val="accent1"/>
-          </a:effectRef>
-          <a:fontRef idx="minor">
-            <a:schemeClr val="tx1"/>
-          </a:fontRef>
-        </p:style>
-        <p:txBody>
-          <a:bodyPr rtlCol="0" anchor="ctr"/>
-          <a:lstStyle/>
-          <a:p>
-            <a:pPr algn="ctr"/>
-            <a:endParaRPr lang="fr-FR" dirty="0"/>
-          </a:p>
-        </p:txBody>
-      </p:sp>
-      <p:sp>
-        <p:nvSpPr>
-          <p:cNvPr id="2" name="Forme libre 1"/>
-          <p:cNvSpPr/>
-          <p:nvPr/>
-        </p:nvSpPr>
-        <p:spPr>
-          <a:xfrm>
-            <a:off x="1799255" y="1979530"/>
-            <a:ext cx="1204197" cy="1239647"/>
-          </a:xfrm>
-          <a:custGeom>
-            <a:avLst/>
-            <a:gdLst>
-              <a:gd name="connsiteX0" fmla="*/ 689368 w 1195867"/>
-              <a:gd name="connsiteY0" fmla="*/ 0 h 1814779"/>
-              <a:gd name="connsiteX1" fmla="*/ 1195804 w 1195867"/>
-              <a:gd name="connsiteY1" fmla="*/ 745588 h 1814779"/>
-              <a:gd name="connsiteX2" fmla="*/ 661232 w 1195867"/>
-              <a:gd name="connsiteY2" fmla="*/ 1814732 h 1814779"/>
-              <a:gd name="connsiteX3" fmla="*/ 51 w 1195867"/>
-              <a:gd name="connsiteY3" fmla="*/ 703385 h 1814779"/>
-              <a:gd name="connsiteX4" fmla="*/ 633097 w 1195867"/>
-              <a:gd name="connsiteY4" fmla="*/ 14068 h 1814779"/>
-              <a:gd name="connsiteX0" fmla="*/ 689368 w 1195867"/>
-              <a:gd name="connsiteY0" fmla="*/ 0 h 1814779"/>
-              <a:gd name="connsiteX1" fmla="*/ 1195804 w 1195867"/>
-              <a:gd name="connsiteY1" fmla="*/ 745588 h 1814779"/>
-              <a:gd name="connsiteX2" fmla="*/ 661232 w 1195867"/>
-              <a:gd name="connsiteY2" fmla="*/ 1814732 h 1814779"/>
-              <a:gd name="connsiteX3" fmla="*/ 51 w 1195867"/>
-              <a:gd name="connsiteY3" fmla="*/ 703385 h 1814779"/>
-              <a:gd name="connsiteX4" fmla="*/ 633097 w 1195867"/>
-              <a:gd name="connsiteY4" fmla="*/ 14068 h 1814779"/>
-              <a:gd name="connsiteX5" fmla="*/ 689368 w 1195867"/>
-              <a:gd name="connsiteY5" fmla="*/ 0 h 1814779"/>
-              <a:gd name="connsiteX0" fmla="*/ 692618 w 1199117"/>
-              <a:gd name="connsiteY0" fmla="*/ 0 h 1814779"/>
-              <a:gd name="connsiteX1" fmla="*/ 1199054 w 1199117"/>
-              <a:gd name="connsiteY1" fmla="*/ 745588 h 1814779"/>
-              <a:gd name="connsiteX2" fmla="*/ 664482 w 1199117"/>
-              <a:gd name="connsiteY2" fmla="*/ 1814732 h 1814779"/>
-              <a:gd name="connsiteX3" fmla="*/ 3301 w 1199117"/>
-              <a:gd name="connsiteY3" fmla="*/ 703385 h 1814779"/>
-              <a:gd name="connsiteX4" fmla="*/ 479185 w 1199117"/>
-              <a:gd name="connsiteY4" fmla="*/ 40262 h 1814779"/>
-              <a:gd name="connsiteX5" fmla="*/ 692618 w 1199117"/>
-              <a:gd name="connsiteY5" fmla="*/ 0 h 1814779"/>
-              <a:gd name="connsiteX0" fmla="*/ 868830 w 1205140"/>
-              <a:gd name="connsiteY0" fmla="*/ 0 h 1793348"/>
-              <a:gd name="connsiteX1" fmla="*/ 1199054 w 1205140"/>
-              <a:gd name="connsiteY1" fmla="*/ 724157 h 1793348"/>
-              <a:gd name="connsiteX2" fmla="*/ 664482 w 1205140"/>
-              <a:gd name="connsiteY2" fmla="*/ 1793301 h 1793348"/>
-              <a:gd name="connsiteX3" fmla="*/ 3301 w 1205140"/>
-              <a:gd name="connsiteY3" fmla="*/ 681954 h 1793348"/>
-              <a:gd name="connsiteX4" fmla="*/ 479185 w 1205140"/>
-              <a:gd name="connsiteY4" fmla="*/ 18831 h 1793348"/>
-              <a:gd name="connsiteX5" fmla="*/ 868830 w 1205140"/>
-              <a:gd name="connsiteY5" fmla="*/ 0 h 1793348"/>
-              <a:gd name="connsiteX0" fmla="*/ 868830 w 1202396"/>
-              <a:gd name="connsiteY0" fmla="*/ 67 h 1793415"/>
-              <a:gd name="connsiteX1" fmla="*/ 1199054 w 1202396"/>
-              <a:gd name="connsiteY1" fmla="*/ 724224 h 1793415"/>
-              <a:gd name="connsiteX2" fmla="*/ 664482 w 1202396"/>
-              <a:gd name="connsiteY2" fmla="*/ 1793368 h 1793415"/>
-              <a:gd name="connsiteX3" fmla="*/ 3301 w 1202396"/>
-              <a:gd name="connsiteY3" fmla="*/ 682021 h 1793415"/>
-              <a:gd name="connsiteX4" fmla="*/ 479185 w 1202396"/>
-              <a:gd name="connsiteY4" fmla="*/ 18898 h 1793415"/>
-              <a:gd name="connsiteX5" fmla="*/ 868830 w 1202396"/>
-              <a:gd name="connsiteY5" fmla="*/ 67 h 1793415"/>
-              <a:gd name="connsiteX0" fmla="*/ 869816 w 1203382"/>
-              <a:gd name="connsiteY0" fmla="*/ 67 h 1793415"/>
-              <a:gd name="connsiteX1" fmla="*/ 1200040 w 1203382"/>
-              <a:gd name="connsiteY1" fmla="*/ 724224 h 1793415"/>
-              <a:gd name="connsiteX2" fmla="*/ 665468 w 1203382"/>
-              <a:gd name="connsiteY2" fmla="*/ 1793368 h 1793415"/>
-              <a:gd name="connsiteX3" fmla="*/ 4287 w 1203382"/>
-              <a:gd name="connsiteY3" fmla="*/ 682021 h 1793415"/>
-              <a:gd name="connsiteX4" fmla="*/ 480171 w 1203382"/>
-              <a:gd name="connsiteY4" fmla="*/ 18898 h 1793415"/>
-              <a:gd name="connsiteX5" fmla="*/ 869816 w 1203382"/>
-              <a:gd name="connsiteY5" fmla="*/ 67 h 1793415"/>
-              <a:gd name="connsiteX0" fmla="*/ 869816 w 1203924"/>
-              <a:gd name="connsiteY0" fmla="*/ 112 h 1793460"/>
-              <a:gd name="connsiteX1" fmla="*/ 1200040 w 1203924"/>
-              <a:gd name="connsiteY1" fmla="*/ 724269 h 1793460"/>
-              <a:gd name="connsiteX2" fmla="*/ 665468 w 1203924"/>
-              <a:gd name="connsiteY2" fmla="*/ 1793413 h 1793460"/>
-              <a:gd name="connsiteX3" fmla="*/ 4287 w 1203924"/>
-              <a:gd name="connsiteY3" fmla="*/ 682066 h 1793460"/>
-              <a:gd name="connsiteX4" fmla="*/ 480171 w 1203924"/>
-              <a:gd name="connsiteY4" fmla="*/ 18943 h 1793460"/>
-              <a:gd name="connsiteX5" fmla="*/ 869816 w 1203924"/>
-              <a:gd name="connsiteY5" fmla="*/ 112 h 1793460"/>
-              <a:gd name="connsiteX0" fmla="*/ 869816 w 1203846"/>
-              <a:gd name="connsiteY0" fmla="*/ 11377 h 1804725"/>
-              <a:gd name="connsiteX1" fmla="*/ 1200040 w 1203846"/>
-              <a:gd name="connsiteY1" fmla="*/ 735534 h 1804725"/>
-              <a:gd name="connsiteX2" fmla="*/ 665468 w 1203846"/>
-              <a:gd name="connsiteY2" fmla="*/ 1804678 h 1804725"/>
-              <a:gd name="connsiteX3" fmla="*/ 4287 w 1203846"/>
-              <a:gd name="connsiteY3" fmla="*/ 693331 h 1804725"/>
-              <a:gd name="connsiteX4" fmla="*/ 480171 w 1203846"/>
-              <a:gd name="connsiteY4" fmla="*/ 30208 h 1804725"/>
-              <a:gd name="connsiteX5" fmla="*/ 869816 w 1203846"/>
-              <a:gd name="connsiteY5" fmla="*/ 11377 h 1804725"/>
-              <a:gd name="connsiteX0" fmla="*/ 866940 w 1204197"/>
-              <a:gd name="connsiteY0" fmla="*/ 11377 h 1239647"/>
-              <a:gd name="connsiteX1" fmla="*/ 1197164 w 1204197"/>
-              <a:gd name="connsiteY1" fmla="*/ 735534 h 1239647"/>
-              <a:gd name="connsiteX2" fmla="*/ 573692 w 1204197"/>
-              <a:gd name="connsiteY2" fmla="*/ 1239528 h 1239647"/>
-              <a:gd name="connsiteX3" fmla="*/ 1411 w 1204197"/>
-              <a:gd name="connsiteY3" fmla="*/ 693331 h 1239647"/>
-              <a:gd name="connsiteX4" fmla="*/ 477295 w 1204197"/>
-              <a:gd name="connsiteY4" fmla="*/ 30208 h 1239647"/>
-              <a:gd name="connsiteX5" fmla="*/ 866940 w 1204197"/>
-              <a:gd name="connsiteY5" fmla="*/ 11377 h 1239647"/>
-            </a:gdLst>
-            <a:ahLst/>
-            <a:cxnLst>
-              <a:cxn ang="0">
-                <a:pos x="connsiteX0" y="connsiteY0"/>
-              </a:cxn>
-              <a:cxn ang="0">
-                <a:pos x="connsiteX1" y="connsiteY1"/>
-              </a:cxn>
-              <a:cxn ang="0">
-                <a:pos x="connsiteX2" y="connsiteY2"/>
-              </a:cxn>
-              <a:cxn ang="0">
-                <a:pos x="connsiteX3" y="connsiteY3"/>
-              </a:cxn>
-              <a:cxn ang="0">
-                <a:pos x="connsiteX4" y="connsiteY4"/>
-              </a:cxn>
-              <a:cxn ang="0">
-                <a:pos x="connsiteX5" y="connsiteY5"/>
-              </a:cxn>
-            </a:cxnLst>
-            <a:rect l="l" t="t" r="r" b="b"/>
-            <a:pathLst>
-              <a:path w="1204197" h="1239647">
-                <a:moveTo>
-                  <a:pt x="866940" y="11377"/>
-                </a:moveTo>
-                <a:cubicBezTo>
-                  <a:pt x="1029909" y="52053"/>
-                  <a:pt x="1246039" y="530842"/>
-                  <a:pt x="1197164" y="735534"/>
-                </a:cubicBezTo>
-                <a:cubicBezTo>
-                  <a:pt x="1148289" y="940226"/>
-                  <a:pt x="772984" y="1246562"/>
-                  <a:pt x="573692" y="1239528"/>
-                </a:cubicBezTo>
-                <a:cubicBezTo>
-                  <a:pt x="374400" y="1232494"/>
-                  <a:pt x="17477" y="894884"/>
-                  <a:pt x="1411" y="693331"/>
-                </a:cubicBezTo>
-                <a:cubicBezTo>
-                  <a:pt x="-14655" y="491778"/>
-                  <a:pt x="104170" y="48241"/>
-                  <a:pt x="477295" y="30208"/>
-                </a:cubicBezTo>
-                <a:cubicBezTo>
-                  <a:pt x="607177" y="23931"/>
-                  <a:pt x="739439" y="-20446"/>
-                  <a:pt x="866940" y="11377"/>
-                </a:cubicBezTo>
-                <a:close/>
-              </a:path>
-            </a:pathLst>
-          </a:custGeom>
-          <a:ln w="19050">
-            <a:solidFill>
-              <a:schemeClr val="accent5">
-                <a:lumMod val="50000"/>
-              </a:schemeClr>
-            </a:solidFill>
-          </a:ln>
-        </p:spPr>
-        <p:style>
-          <a:lnRef idx="1">
-            <a:schemeClr val="accent1"/>
-          </a:lnRef>
-          <a:fillRef idx="0">
-            <a:schemeClr val="accent1"/>
-          </a:fillRef>
-          <a:effectRef idx="0">
-            <a:schemeClr val="accent1"/>
-          </a:effectRef>
-          <a:fontRef idx="minor">
-            <a:schemeClr val="tx1"/>
-          </a:fontRef>
-        </p:style>
-        <p:txBody>
-          <a:bodyPr rtlCol="0" anchor="ctr"/>
-          <a:lstStyle/>
-          <a:p>
-            <a:pPr algn="ctr"/>
-            <a:endParaRPr lang="fr-FR" dirty="0"/>
-          </a:p>
-        </p:txBody>
-      </p:sp>
-      <p:sp>
-        <p:nvSpPr>
-          <p:cNvPr id="4" name="Forme libre 3"/>
-          <p:cNvSpPr/>
-          <p:nvPr/>
-        </p:nvSpPr>
-        <p:spPr>
-          <a:xfrm>
-            <a:off x="5951984" y="3011001"/>
-            <a:ext cx="784504" cy="807599"/>
-          </a:xfrm>
-          <a:custGeom>
-            <a:avLst/>
-            <a:gdLst>
-              <a:gd name="connsiteX0" fmla="*/ 689368 w 1195867"/>
-              <a:gd name="connsiteY0" fmla="*/ 0 h 1814779"/>
-              <a:gd name="connsiteX1" fmla="*/ 1195804 w 1195867"/>
-              <a:gd name="connsiteY1" fmla="*/ 745588 h 1814779"/>
-              <a:gd name="connsiteX2" fmla="*/ 661232 w 1195867"/>
-              <a:gd name="connsiteY2" fmla="*/ 1814732 h 1814779"/>
-              <a:gd name="connsiteX3" fmla="*/ 51 w 1195867"/>
-              <a:gd name="connsiteY3" fmla="*/ 703385 h 1814779"/>
-              <a:gd name="connsiteX4" fmla="*/ 633097 w 1195867"/>
-              <a:gd name="connsiteY4" fmla="*/ 14068 h 1814779"/>
-              <a:gd name="connsiteX0" fmla="*/ 689368 w 1195867"/>
-              <a:gd name="connsiteY0" fmla="*/ 0 h 1814779"/>
-              <a:gd name="connsiteX1" fmla="*/ 1195804 w 1195867"/>
-              <a:gd name="connsiteY1" fmla="*/ 745588 h 1814779"/>
-              <a:gd name="connsiteX2" fmla="*/ 661232 w 1195867"/>
-              <a:gd name="connsiteY2" fmla="*/ 1814732 h 1814779"/>
-              <a:gd name="connsiteX3" fmla="*/ 51 w 1195867"/>
-              <a:gd name="connsiteY3" fmla="*/ 703385 h 1814779"/>
-              <a:gd name="connsiteX4" fmla="*/ 633097 w 1195867"/>
-              <a:gd name="connsiteY4" fmla="*/ 14068 h 1814779"/>
-              <a:gd name="connsiteX5" fmla="*/ 689368 w 1195867"/>
-              <a:gd name="connsiteY5" fmla="*/ 0 h 1814779"/>
-              <a:gd name="connsiteX0" fmla="*/ 692618 w 1199117"/>
-              <a:gd name="connsiteY0" fmla="*/ 0 h 1814779"/>
-              <a:gd name="connsiteX1" fmla="*/ 1199054 w 1199117"/>
-              <a:gd name="connsiteY1" fmla="*/ 745588 h 1814779"/>
-              <a:gd name="connsiteX2" fmla="*/ 664482 w 1199117"/>
-              <a:gd name="connsiteY2" fmla="*/ 1814732 h 1814779"/>
-              <a:gd name="connsiteX3" fmla="*/ 3301 w 1199117"/>
-              <a:gd name="connsiteY3" fmla="*/ 703385 h 1814779"/>
-              <a:gd name="connsiteX4" fmla="*/ 479185 w 1199117"/>
-              <a:gd name="connsiteY4" fmla="*/ 40262 h 1814779"/>
-              <a:gd name="connsiteX5" fmla="*/ 692618 w 1199117"/>
-              <a:gd name="connsiteY5" fmla="*/ 0 h 1814779"/>
-              <a:gd name="connsiteX0" fmla="*/ 868830 w 1205140"/>
-              <a:gd name="connsiteY0" fmla="*/ 0 h 1793348"/>
-              <a:gd name="connsiteX1" fmla="*/ 1199054 w 1205140"/>
-              <a:gd name="connsiteY1" fmla="*/ 724157 h 1793348"/>
-              <a:gd name="connsiteX2" fmla="*/ 664482 w 1205140"/>
-              <a:gd name="connsiteY2" fmla="*/ 1793301 h 1793348"/>
-              <a:gd name="connsiteX3" fmla="*/ 3301 w 1205140"/>
-              <a:gd name="connsiteY3" fmla="*/ 681954 h 1793348"/>
-              <a:gd name="connsiteX4" fmla="*/ 479185 w 1205140"/>
-              <a:gd name="connsiteY4" fmla="*/ 18831 h 1793348"/>
-              <a:gd name="connsiteX5" fmla="*/ 868830 w 1205140"/>
-              <a:gd name="connsiteY5" fmla="*/ 0 h 1793348"/>
-              <a:gd name="connsiteX0" fmla="*/ 868830 w 1202396"/>
-              <a:gd name="connsiteY0" fmla="*/ 67 h 1793415"/>
-              <a:gd name="connsiteX1" fmla="*/ 1199054 w 1202396"/>
-              <a:gd name="connsiteY1" fmla="*/ 724224 h 1793415"/>
-              <a:gd name="connsiteX2" fmla="*/ 664482 w 1202396"/>
-              <a:gd name="connsiteY2" fmla="*/ 1793368 h 1793415"/>
-              <a:gd name="connsiteX3" fmla="*/ 3301 w 1202396"/>
-              <a:gd name="connsiteY3" fmla="*/ 682021 h 1793415"/>
-              <a:gd name="connsiteX4" fmla="*/ 479185 w 1202396"/>
-              <a:gd name="connsiteY4" fmla="*/ 18898 h 1793415"/>
-              <a:gd name="connsiteX5" fmla="*/ 868830 w 1202396"/>
-              <a:gd name="connsiteY5" fmla="*/ 67 h 1793415"/>
-              <a:gd name="connsiteX0" fmla="*/ 869816 w 1203382"/>
-              <a:gd name="connsiteY0" fmla="*/ 67 h 1793415"/>
-              <a:gd name="connsiteX1" fmla="*/ 1200040 w 1203382"/>
-              <a:gd name="connsiteY1" fmla="*/ 724224 h 1793415"/>
-              <a:gd name="connsiteX2" fmla="*/ 665468 w 1203382"/>
-              <a:gd name="connsiteY2" fmla="*/ 1793368 h 1793415"/>
-              <a:gd name="connsiteX3" fmla="*/ 4287 w 1203382"/>
-              <a:gd name="connsiteY3" fmla="*/ 682021 h 1793415"/>
-              <a:gd name="connsiteX4" fmla="*/ 480171 w 1203382"/>
-              <a:gd name="connsiteY4" fmla="*/ 18898 h 1793415"/>
-              <a:gd name="connsiteX5" fmla="*/ 869816 w 1203382"/>
-              <a:gd name="connsiteY5" fmla="*/ 67 h 1793415"/>
-              <a:gd name="connsiteX0" fmla="*/ 869816 w 1203924"/>
-              <a:gd name="connsiteY0" fmla="*/ 112 h 1793460"/>
-              <a:gd name="connsiteX1" fmla="*/ 1200040 w 1203924"/>
-              <a:gd name="connsiteY1" fmla="*/ 724269 h 1793460"/>
-              <a:gd name="connsiteX2" fmla="*/ 665468 w 1203924"/>
-              <a:gd name="connsiteY2" fmla="*/ 1793413 h 1793460"/>
-              <a:gd name="connsiteX3" fmla="*/ 4287 w 1203924"/>
-              <a:gd name="connsiteY3" fmla="*/ 682066 h 1793460"/>
-              <a:gd name="connsiteX4" fmla="*/ 480171 w 1203924"/>
-              <a:gd name="connsiteY4" fmla="*/ 18943 h 1793460"/>
-              <a:gd name="connsiteX5" fmla="*/ 869816 w 1203924"/>
-              <a:gd name="connsiteY5" fmla="*/ 112 h 1793460"/>
-              <a:gd name="connsiteX0" fmla="*/ 869816 w 1203846"/>
-              <a:gd name="connsiteY0" fmla="*/ 11377 h 1804725"/>
-              <a:gd name="connsiteX1" fmla="*/ 1200040 w 1203846"/>
-              <a:gd name="connsiteY1" fmla="*/ 735534 h 1804725"/>
-              <a:gd name="connsiteX2" fmla="*/ 665468 w 1203846"/>
-              <a:gd name="connsiteY2" fmla="*/ 1804678 h 1804725"/>
-              <a:gd name="connsiteX3" fmla="*/ 4287 w 1203846"/>
-              <a:gd name="connsiteY3" fmla="*/ 693331 h 1804725"/>
-              <a:gd name="connsiteX4" fmla="*/ 480171 w 1203846"/>
-              <a:gd name="connsiteY4" fmla="*/ 30208 h 1804725"/>
-              <a:gd name="connsiteX5" fmla="*/ 869816 w 1203846"/>
-              <a:gd name="connsiteY5" fmla="*/ 11377 h 1804725"/>
-              <a:gd name="connsiteX0" fmla="*/ 866940 w 1204197"/>
-              <a:gd name="connsiteY0" fmla="*/ 11377 h 1239647"/>
-              <a:gd name="connsiteX1" fmla="*/ 1197164 w 1204197"/>
-              <a:gd name="connsiteY1" fmla="*/ 735534 h 1239647"/>
-              <a:gd name="connsiteX2" fmla="*/ 573692 w 1204197"/>
-              <a:gd name="connsiteY2" fmla="*/ 1239528 h 1239647"/>
-              <a:gd name="connsiteX3" fmla="*/ 1411 w 1204197"/>
-              <a:gd name="connsiteY3" fmla="*/ 693331 h 1239647"/>
-              <a:gd name="connsiteX4" fmla="*/ 477295 w 1204197"/>
-              <a:gd name="connsiteY4" fmla="*/ 30208 h 1239647"/>
-              <a:gd name="connsiteX5" fmla="*/ 866940 w 1204197"/>
-              <a:gd name="connsiteY5" fmla="*/ 11377 h 1239647"/>
-            </a:gdLst>
-            <a:ahLst/>
-            <a:cxnLst>
-              <a:cxn ang="0">
-                <a:pos x="connsiteX0" y="connsiteY0"/>
-              </a:cxn>
-              <a:cxn ang="0">
-                <a:pos x="connsiteX1" y="connsiteY1"/>
-              </a:cxn>
-              <a:cxn ang="0">
-                <a:pos x="connsiteX2" y="connsiteY2"/>
-              </a:cxn>
-              <a:cxn ang="0">
-                <a:pos x="connsiteX3" y="connsiteY3"/>
-              </a:cxn>
-              <a:cxn ang="0">
-                <a:pos x="connsiteX4" y="connsiteY4"/>
-              </a:cxn>
-              <a:cxn ang="0">
-                <a:pos x="connsiteX5" y="connsiteY5"/>
-              </a:cxn>
-            </a:cxnLst>
-            <a:rect l="l" t="t" r="r" b="b"/>
-            <a:pathLst>
-              <a:path w="1204197" h="1239647">
-                <a:moveTo>
-                  <a:pt x="866940" y="11377"/>
-                </a:moveTo>
-                <a:cubicBezTo>
-                  <a:pt x="1029909" y="52053"/>
-                  <a:pt x="1246039" y="530842"/>
-                  <a:pt x="1197164" y="735534"/>
-                </a:cubicBezTo>
-                <a:cubicBezTo>
-                  <a:pt x="1148289" y="940226"/>
-                  <a:pt x="772984" y="1246562"/>
-                  <a:pt x="573692" y="1239528"/>
-                </a:cubicBezTo>
-                <a:cubicBezTo>
-                  <a:pt x="374400" y="1232494"/>
-                  <a:pt x="17477" y="894884"/>
-                  <a:pt x="1411" y="693331"/>
-                </a:cubicBezTo>
-                <a:cubicBezTo>
-                  <a:pt x="-14655" y="491778"/>
-                  <a:pt x="104170" y="48241"/>
-                  <a:pt x="477295" y="30208"/>
-                </a:cubicBezTo>
-                <a:cubicBezTo>
-                  <a:pt x="607177" y="23931"/>
-                  <a:pt x="739439" y="-20446"/>
-                  <a:pt x="866940" y="11377"/>
-                </a:cubicBezTo>
-                <a:close/>
-              </a:path>
-            </a:pathLst>
-          </a:custGeom>
-          <a:ln w="19050">
-            <a:solidFill>
-              <a:schemeClr val="accent5">
-                <a:lumMod val="50000"/>
-              </a:schemeClr>
-            </a:solidFill>
-          </a:ln>
-        </p:spPr>
-        <p:style>
-          <a:lnRef idx="1">
-            <a:schemeClr val="accent1"/>
-          </a:lnRef>
-          <a:fillRef idx="0">
-            <a:schemeClr val="accent1"/>
-          </a:fillRef>
-          <a:effectRef idx="0">
-            <a:schemeClr val="accent1"/>
-          </a:effectRef>
-          <a:fontRef idx="minor">
-            <a:schemeClr val="tx1"/>
-          </a:fontRef>
-        </p:style>
-        <p:txBody>
-          <a:bodyPr rtlCol="0" anchor="ctr"/>
-          <a:lstStyle/>
-          <a:p>
-            <a:pPr algn="ctr"/>
-            <a:endParaRPr lang="fr-FR" dirty="0"/>
-          </a:p>
-        </p:txBody>
-      </p:sp>
-      <p:sp>
-        <p:nvSpPr>
-          <p:cNvPr id="3" name="Rectangle 2"/>
-          <p:cNvSpPr/>
-          <p:nvPr/>
-        </p:nvSpPr>
-        <p:spPr>
-          <a:xfrm rot="759252">
-            <a:off x="5853395" y="2732103"/>
-            <a:ext cx="527791" cy="1152128"/>
-          </a:xfrm>
-          <a:prstGeom prst="rect">
-            <a:avLst/>
-          </a:prstGeom>
-          <a:solidFill>
-            <a:schemeClr val="bg1"/>
-          </a:solidFill>
-          <a:ln>
-            <a:noFill/>
-          </a:ln>
-        </p:spPr>
-        <p:style>
-          <a:lnRef idx="2">
-            <a:schemeClr val="accent1">
-              <a:shade val="50000"/>
-            </a:schemeClr>
-          </a:lnRef>
-          <a:fillRef idx="1">
-            <a:schemeClr val="accent1"/>
-          </a:fillRef>
-          <a:effectRef idx="0">
-            <a:schemeClr val="accent1"/>
-          </a:effectRef>
-          <a:fontRef idx="minor">
-            <a:schemeClr val="lt1"/>
-          </a:fontRef>
-        </p:style>
-        <p:txBody>
-          <a:bodyPr rtlCol="0" anchor="ctr"/>
-          <a:lstStyle/>
-          <a:p>
-            <a:pPr algn="ctr"/>
-            <a:endParaRPr lang="fr-FR"/>
-          </a:p>
-        </p:txBody>
-      </p:sp>
-      <p:sp>
-        <p:nvSpPr>
-          <p:cNvPr id="8" name="Forme libre 7"/>
-          <p:cNvSpPr/>
-          <p:nvPr/>
-        </p:nvSpPr>
-        <p:spPr>
-          <a:xfrm>
-            <a:off x="5951984" y="3011000"/>
-            <a:ext cx="784504" cy="807599"/>
-          </a:xfrm>
-          <a:custGeom>
-            <a:avLst/>
-            <a:gdLst>
-              <a:gd name="connsiteX0" fmla="*/ 689368 w 1195867"/>
-              <a:gd name="connsiteY0" fmla="*/ 0 h 1814779"/>
-              <a:gd name="connsiteX1" fmla="*/ 1195804 w 1195867"/>
-              <a:gd name="connsiteY1" fmla="*/ 745588 h 1814779"/>
-              <a:gd name="connsiteX2" fmla="*/ 661232 w 1195867"/>
-              <a:gd name="connsiteY2" fmla="*/ 1814732 h 1814779"/>
-              <a:gd name="connsiteX3" fmla="*/ 51 w 1195867"/>
-              <a:gd name="connsiteY3" fmla="*/ 703385 h 1814779"/>
-              <a:gd name="connsiteX4" fmla="*/ 633097 w 1195867"/>
-              <a:gd name="connsiteY4" fmla="*/ 14068 h 1814779"/>
-              <a:gd name="connsiteX0" fmla="*/ 689368 w 1195867"/>
-              <a:gd name="connsiteY0" fmla="*/ 0 h 1814779"/>
-              <a:gd name="connsiteX1" fmla="*/ 1195804 w 1195867"/>
-              <a:gd name="connsiteY1" fmla="*/ 745588 h 1814779"/>
-              <a:gd name="connsiteX2" fmla="*/ 661232 w 1195867"/>
-              <a:gd name="connsiteY2" fmla="*/ 1814732 h 1814779"/>
-              <a:gd name="connsiteX3" fmla="*/ 51 w 1195867"/>
-              <a:gd name="connsiteY3" fmla="*/ 703385 h 1814779"/>
-              <a:gd name="connsiteX4" fmla="*/ 633097 w 1195867"/>
-              <a:gd name="connsiteY4" fmla="*/ 14068 h 1814779"/>
-              <a:gd name="connsiteX5" fmla="*/ 689368 w 1195867"/>
-              <a:gd name="connsiteY5" fmla="*/ 0 h 1814779"/>
-              <a:gd name="connsiteX0" fmla="*/ 692618 w 1199117"/>
-              <a:gd name="connsiteY0" fmla="*/ 0 h 1814779"/>
-              <a:gd name="connsiteX1" fmla="*/ 1199054 w 1199117"/>
-              <a:gd name="connsiteY1" fmla="*/ 745588 h 1814779"/>
-              <a:gd name="connsiteX2" fmla="*/ 664482 w 1199117"/>
-              <a:gd name="connsiteY2" fmla="*/ 1814732 h 1814779"/>
-              <a:gd name="connsiteX3" fmla="*/ 3301 w 1199117"/>
-              <a:gd name="connsiteY3" fmla="*/ 703385 h 1814779"/>
-              <a:gd name="connsiteX4" fmla="*/ 479185 w 1199117"/>
-              <a:gd name="connsiteY4" fmla="*/ 40262 h 1814779"/>
-              <a:gd name="connsiteX5" fmla="*/ 692618 w 1199117"/>
-              <a:gd name="connsiteY5" fmla="*/ 0 h 1814779"/>
-              <a:gd name="connsiteX0" fmla="*/ 868830 w 1205140"/>
-              <a:gd name="connsiteY0" fmla="*/ 0 h 1793348"/>
-              <a:gd name="connsiteX1" fmla="*/ 1199054 w 1205140"/>
-              <a:gd name="connsiteY1" fmla="*/ 724157 h 1793348"/>
-              <a:gd name="connsiteX2" fmla="*/ 664482 w 1205140"/>
-              <a:gd name="connsiteY2" fmla="*/ 1793301 h 1793348"/>
-              <a:gd name="connsiteX3" fmla="*/ 3301 w 1205140"/>
-              <a:gd name="connsiteY3" fmla="*/ 681954 h 1793348"/>
-              <a:gd name="connsiteX4" fmla="*/ 479185 w 1205140"/>
-              <a:gd name="connsiteY4" fmla="*/ 18831 h 1793348"/>
-              <a:gd name="connsiteX5" fmla="*/ 868830 w 1205140"/>
-              <a:gd name="connsiteY5" fmla="*/ 0 h 1793348"/>
-              <a:gd name="connsiteX0" fmla="*/ 868830 w 1202396"/>
-              <a:gd name="connsiteY0" fmla="*/ 67 h 1793415"/>
-              <a:gd name="connsiteX1" fmla="*/ 1199054 w 1202396"/>
-              <a:gd name="connsiteY1" fmla="*/ 724224 h 1793415"/>
-              <a:gd name="connsiteX2" fmla="*/ 664482 w 1202396"/>
-              <a:gd name="connsiteY2" fmla="*/ 1793368 h 1793415"/>
-              <a:gd name="connsiteX3" fmla="*/ 3301 w 1202396"/>
-              <a:gd name="connsiteY3" fmla="*/ 682021 h 1793415"/>
-              <a:gd name="connsiteX4" fmla="*/ 479185 w 1202396"/>
-              <a:gd name="connsiteY4" fmla="*/ 18898 h 1793415"/>
-              <a:gd name="connsiteX5" fmla="*/ 868830 w 1202396"/>
-              <a:gd name="connsiteY5" fmla="*/ 67 h 1793415"/>
-              <a:gd name="connsiteX0" fmla="*/ 869816 w 1203382"/>
-              <a:gd name="connsiteY0" fmla="*/ 67 h 1793415"/>
-              <a:gd name="connsiteX1" fmla="*/ 1200040 w 1203382"/>
-              <a:gd name="connsiteY1" fmla="*/ 724224 h 1793415"/>
-              <a:gd name="connsiteX2" fmla="*/ 665468 w 1203382"/>
-              <a:gd name="connsiteY2" fmla="*/ 1793368 h 1793415"/>
-              <a:gd name="connsiteX3" fmla="*/ 4287 w 1203382"/>
-              <a:gd name="connsiteY3" fmla="*/ 682021 h 1793415"/>
-              <a:gd name="connsiteX4" fmla="*/ 480171 w 1203382"/>
-              <a:gd name="connsiteY4" fmla="*/ 18898 h 1793415"/>
-              <a:gd name="connsiteX5" fmla="*/ 869816 w 1203382"/>
-              <a:gd name="connsiteY5" fmla="*/ 67 h 1793415"/>
-              <a:gd name="connsiteX0" fmla="*/ 869816 w 1203924"/>
-              <a:gd name="connsiteY0" fmla="*/ 112 h 1793460"/>
-              <a:gd name="connsiteX1" fmla="*/ 1200040 w 1203924"/>
-              <a:gd name="connsiteY1" fmla="*/ 724269 h 1793460"/>
-              <a:gd name="connsiteX2" fmla="*/ 665468 w 1203924"/>
-              <a:gd name="connsiteY2" fmla="*/ 1793413 h 1793460"/>
-              <a:gd name="connsiteX3" fmla="*/ 4287 w 1203924"/>
-              <a:gd name="connsiteY3" fmla="*/ 682066 h 1793460"/>
-              <a:gd name="connsiteX4" fmla="*/ 480171 w 1203924"/>
-              <a:gd name="connsiteY4" fmla="*/ 18943 h 1793460"/>
-              <a:gd name="connsiteX5" fmla="*/ 869816 w 1203924"/>
-              <a:gd name="connsiteY5" fmla="*/ 112 h 1793460"/>
-              <a:gd name="connsiteX0" fmla="*/ 869816 w 1203846"/>
-              <a:gd name="connsiteY0" fmla="*/ 11377 h 1804725"/>
-              <a:gd name="connsiteX1" fmla="*/ 1200040 w 1203846"/>
-              <a:gd name="connsiteY1" fmla="*/ 735534 h 1804725"/>
-              <a:gd name="connsiteX2" fmla="*/ 665468 w 1203846"/>
-              <a:gd name="connsiteY2" fmla="*/ 1804678 h 1804725"/>
-              <a:gd name="connsiteX3" fmla="*/ 4287 w 1203846"/>
-              <a:gd name="connsiteY3" fmla="*/ 693331 h 1804725"/>
-              <a:gd name="connsiteX4" fmla="*/ 480171 w 1203846"/>
-              <a:gd name="connsiteY4" fmla="*/ 30208 h 1804725"/>
-              <a:gd name="connsiteX5" fmla="*/ 869816 w 1203846"/>
-              <a:gd name="connsiteY5" fmla="*/ 11377 h 1804725"/>
-              <a:gd name="connsiteX0" fmla="*/ 866940 w 1204197"/>
-              <a:gd name="connsiteY0" fmla="*/ 11377 h 1239647"/>
-              <a:gd name="connsiteX1" fmla="*/ 1197164 w 1204197"/>
-              <a:gd name="connsiteY1" fmla="*/ 735534 h 1239647"/>
-              <a:gd name="connsiteX2" fmla="*/ 573692 w 1204197"/>
-              <a:gd name="connsiteY2" fmla="*/ 1239528 h 1239647"/>
-              <a:gd name="connsiteX3" fmla="*/ 1411 w 1204197"/>
-              <a:gd name="connsiteY3" fmla="*/ 693331 h 1239647"/>
-              <a:gd name="connsiteX4" fmla="*/ 477295 w 1204197"/>
-              <a:gd name="connsiteY4" fmla="*/ 30208 h 1239647"/>
-              <a:gd name="connsiteX5" fmla="*/ 866940 w 1204197"/>
-              <a:gd name="connsiteY5" fmla="*/ 11377 h 1239647"/>
-            </a:gdLst>
-            <a:ahLst/>
-            <a:cxnLst>
-              <a:cxn ang="0">
-                <a:pos x="connsiteX0" y="connsiteY0"/>
-              </a:cxn>
-              <a:cxn ang="0">
-                <a:pos x="connsiteX1" y="connsiteY1"/>
-              </a:cxn>
-              <a:cxn ang="0">
-                <a:pos x="connsiteX2" y="connsiteY2"/>
-              </a:cxn>
-              <a:cxn ang="0">
-                <a:pos x="connsiteX3" y="connsiteY3"/>
-              </a:cxn>
-              <a:cxn ang="0">
-                <a:pos x="connsiteX4" y="connsiteY4"/>
-              </a:cxn>
-              <a:cxn ang="0">
-                <a:pos x="connsiteX5" y="connsiteY5"/>
-              </a:cxn>
-            </a:cxnLst>
-            <a:rect l="l" t="t" r="r" b="b"/>
-            <a:pathLst>
-              <a:path w="1204197" h="1239647">
-                <a:moveTo>
-                  <a:pt x="866940" y="11377"/>
-                </a:moveTo>
-                <a:cubicBezTo>
-                  <a:pt x="1029909" y="52053"/>
-                  <a:pt x="1246039" y="530842"/>
-                  <a:pt x="1197164" y="735534"/>
-                </a:cubicBezTo>
-                <a:cubicBezTo>
-                  <a:pt x="1148289" y="940226"/>
-                  <a:pt x="772984" y="1246562"/>
-                  <a:pt x="573692" y="1239528"/>
-                </a:cubicBezTo>
-                <a:cubicBezTo>
-                  <a:pt x="374400" y="1232494"/>
-                  <a:pt x="17477" y="894884"/>
-                  <a:pt x="1411" y="693331"/>
-                </a:cubicBezTo>
-                <a:cubicBezTo>
-                  <a:pt x="-14655" y="491778"/>
-                  <a:pt x="104170" y="48241"/>
-                  <a:pt x="477295" y="30208"/>
-                </a:cubicBezTo>
-                <a:cubicBezTo>
-                  <a:pt x="607177" y="23931"/>
-                  <a:pt x="739439" y="-20446"/>
-                  <a:pt x="866940" y="11377"/>
-                </a:cubicBezTo>
-                <a:close/>
-              </a:path>
-            </a:pathLst>
-          </a:custGeom>
-          <a:ln w="9525">
-            <a:solidFill>
-              <a:schemeClr val="accent5">
-                <a:lumMod val="50000"/>
-              </a:schemeClr>
-            </a:solidFill>
-            <a:prstDash val="dash"/>
-          </a:ln>
-        </p:spPr>
-        <p:style>
-          <a:lnRef idx="1">
-            <a:schemeClr val="accent1"/>
-          </a:lnRef>
-          <a:fillRef idx="0">
-            <a:schemeClr val="accent1"/>
-          </a:fillRef>
-          <a:effectRef idx="0">
-            <a:schemeClr val="accent1"/>
-          </a:effectRef>
-          <a:fontRef idx="minor">
-            <a:schemeClr val="tx1"/>
-          </a:fontRef>
-        </p:style>
-        <p:txBody>
-          <a:bodyPr rtlCol="0" anchor="ctr"/>
-          <a:lstStyle/>
-          <a:p>
-            <a:pPr algn="ctr"/>
-            <a:endParaRPr lang="fr-FR" dirty="0"/>
-          </a:p>
-        </p:txBody>
-      </p:sp>
-      <p:sp>
-        <p:nvSpPr>
-          <p:cNvPr id="9" name="Rectangle 8"/>
-          <p:cNvSpPr/>
-          <p:nvPr/>
-        </p:nvSpPr>
-        <p:spPr>
-          <a:xfrm rot="759252">
-            <a:off x="3518894" y="2039910"/>
-            <a:ext cx="727284" cy="1587604"/>
-          </a:xfrm>
-          <a:prstGeom prst="rect">
-            <a:avLst/>
-          </a:prstGeom>
-          <a:solidFill>
-            <a:schemeClr val="bg1"/>
-          </a:solidFill>
-          <a:ln>
-            <a:noFill/>
-          </a:ln>
-        </p:spPr>
-        <p:style>
-          <a:lnRef idx="2">
-            <a:schemeClr val="accent1">
-              <a:shade val="50000"/>
-            </a:schemeClr>
-          </a:lnRef>
-          <a:fillRef idx="1">
-            <a:schemeClr val="accent1"/>
-          </a:fillRef>
-          <a:effectRef idx="0">
-            <a:schemeClr val="accent1"/>
-          </a:effectRef>
-          <a:fontRef idx="minor">
-            <a:schemeClr val="lt1"/>
-          </a:fontRef>
-        </p:style>
-        <p:txBody>
-          <a:bodyPr rtlCol="0" anchor="ctr"/>
-          <a:lstStyle/>
-          <a:p>
-            <a:pPr algn="ctr"/>
-            <a:endParaRPr lang="fr-FR"/>
-          </a:p>
-        </p:txBody>
-      </p:sp>
-      <p:sp>
-        <p:nvSpPr>
-          <p:cNvPr id="5" name="Forme libre 4"/>
-          <p:cNvSpPr/>
-          <p:nvPr/>
-        </p:nvSpPr>
-        <p:spPr>
-          <a:xfrm>
-            <a:off x="2639616" y="1979530"/>
-            <a:ext cx="3838575" cy="1031471"/>
-          </a:xfrm>
-          <a:custGeom>
-            <a:avLst/>
-            <a:gdLst>
-              <a:gd name="connsiteX0" fmla="*/ 0 w 3838575"/>
-              <a:gd name="connsiteY0" fmla="*/ 0 h 1031471"/>
-              <a:gd name="connsiteX1" fmla="*/ 1381125 w 3838575"/>
-              <a:gd name="connsiteY1" fmla="*/ 266700 h 1031471"/>
-              <a:gd name="connsiteX2" fmla="*/ 3371850 w 3838575"/>
-              <a:gd name="connsiteY2" fmla="*/ 914400 h 1031471"/>
-              <a:gd name="connsiteX3" fmla="*/ 3838575 w 3838575"/>
-              <a:gd name="connsiteY3" fmla="*/ 1028700 h 1031471"/>
-            </a:gdLst>
-            <a:ahLst/>
-            <a:cxnLst>
-              <a:cxn ang="0">
-                <a:pos x="connsiteX0" y="connsiteY0"/>
-              </a:cxn>
-              <a:cxn ang="0">
-                <a:pos x="connsiteX1" y="connsiteY1"/>
-              </a:cxn>
-              <a:cxn ang="0">
-                <a:pos x="connsiteX2" y="connsiteY2"/>
-              </a:cxn>
-              <a:cxn ang="0">
-                <a:pos x="connsiteX3" y="connsiteY3"/>
-              </a:cxn>
-            </a:cxnLst>
-            <a:rect l="l" t="t" r="r" b="b"/>
-            <a:pathLst>
-              <a:path w="3838575" h="1031471">
-                <a:moveTo>
-                  <a:pt x="0" y="0"/>
-                </a:moveTo>
-                <a:cubicBezTo>
-                  <a:pt x="409575" y="57150"/>
-                  <a:pt x="819150" y="114300"/>
-                  <a:pt x="1381125" y="266700"/>
-                </a:cubicBezTo>
-                <a:cubicBezTo>
-                  <a:pt x="1943100" y="419100"/>
-                  <a:pt x="2962275" y="787400"/>
-                  <a:pt x="3371850" y="914400"/>
-                </a:cubicBezTo>
-                <a:cubicBezTo>
-                  <a:pt x="3781425" y="1041400"/>
-                  <a:pt x="3810000" y="1035050"/>
-                  <a:pt x="3838575" y="1028700"/>
-                </a:cubicBezTo>
-              </a:path>
-            </a:pathLst>
-          </a:custGeom>
-          <a:ln w="19050">
-            <a:solidFill>
-              <a:schemeClr val="accent5">
-                <a:lumMod val="50000"/>
-              </a:schemeClr>
-            </a:solidFill>
-          </a:ln>
-        </p:spPr>
-        <p:style>
-          <a:lnRef idx="1">
-            <a:schemeClr val="accent1"/>
-          </a:lnRef>
-          <a:fillRef idx="0">
-            <a:schemeClr val="accent1"/>
-          </a:fillRef>
-          <a:effectRef idx="0">
-            <a:schemeClr val="accent1"/>
-          </a:effectRef>
-          <a:fontRef idx="minor">
-            <a:schemeClr val="tx1"/>
-          </a:fontRef>
-        </p:style>
-        <p:txBody>
-          <a:bodyPr rtlCol="0" anchor="ctr"/>
-          <a:lstStyle/>
-          <a:p>
-            <a:pPr algn="ctr"/>
-            <a:endParaRPr lang="fr-FR"/>
-          </a:p>
-        </p:txBody>
-      </p:sp>
-      <p:sp>
-        <p:nvSpPr>
-          <p:cNvPr id="6" name="Forme libre 5"/>
-          <p:cNvSpPr/>
-          <p:nvPr/>
-        </p:nvSpPr>
-        <p:spPr>
-          <a:xfrm>
-            <a:off x="2427274" y="3219177"/>
-            <a:ext cx="3884750" cy="599423"/>
-          </a:xfrm>
-          <a:custGeom>
-            <a:avLst/>
-            <a:gdLst>
-              <a:gd name="connsiteX0" fmla="*/ 0 w 3838575"/>
-              <a:gd name="connsiteY0" fmla="*/ 0 h 1031471"/>
-              <a:gd name="connsiteX1" fmla="*/ 1381125 w 3838575"/>
-              <a:gd name="connsiteY1" fmla="*/ 266700 h 1031471"/>
-              <a:gd name="connsiteX2" fmla="*/ 3371850 w 3838575"/>
-              <a:gd name="connsiteY2" fmla="*/ 914400 h 1031471"/>
-              <a:gd name="connsiteX3" fmla="*/ 3838575 w 3838575"/>
-              <a:gd name="connsiteY3" fmla="*/ 1028700 h 1031471"/>
-            </a:gdLst>
-            <a:ahLst/>
-            <a:cxnLst>
-              <a:cxn ang="0">
-                <a:pos x="connsiteX0" y="connsiteY0"/>
-              </a:cxn>
-              <a:cxn ang="0">
-                <a:pos x="connsiteX1" y="connsiteY1"/>
-              </a:cxn>
-              <a:cxn ang="0">
-                <a:pos x="connsiteX2" y="connsiteY2"/>
-              </a:cxn>
-              <a:cxn ang="0">
-                <a:pos x="connsiteX3" y="connsiteY3"/>
-              </a:cxn>
-            </a:cxnLst>
-            <a:rect l="l" t="t" r="r" b="b"/>
-            <a:pathLst>
-              <a:path w="3838575" h="1031471">
-                <a:moveTo>
-                  <a:pt x="0" y="0"/>
-                </a:moveTo>
-                <a:cubicBezTo>
-                  <a:pt x="409575" y="57150"/>
-                  <a:pt x="819150" y="114300"/>
-                  <a:pt x="1381125" y="266700"/>
-                </a:cubicBezTo>
-                <a:cubicBezTo>
-                  <a:pt x="1943100" y="419100"/>
-                  <a:pt x="2962275" y="787400"/>
-                  <a:pt x="3371850" y="914400"/>
-                </a:cubicBezTo>
-                <a:cubicBezTo>
-                  <a:pt x="3781425" y="1041400"/>
-                  <a:pt x="3810000" y="1035050"/>
-                  <a:pt x="3838575" y="1028700"/>
-                </a:cubicBezTo>
-              </a:path>
-            </a:pathLst>
-          </a:custGeom>
-          <a:ln w="19050">
-            <a:solidFill>
-              <a:schemeClr val="accent5">
-                <a:lumMod val="50000"/>
-              </a:schemeClr>
-            </a:solidFill>
-          </a:ln>
-        </p:spPr>
-        <p:style>
-          <a:lnRef idx="1">
-            <a:schemeClr val="accent1"/>
-          </a:lnRef>
-          <a:fillRef idx="0">
-            <a:schemeClr val="accent1"/>
-          </a:fillRef>
-          <a:effectRef idx="0">
-            <a:schemeClr val="accent1"/>
-          </a:effectRef>
-          <a:fontRef idx="minor">
-            <a:schemeClr val="tx1"/>
-          </a:fontRef>
-        </p:style>
-        <p:txBody>
-          <a:bodyPr rtlCol="0" anchor="ctr"/>
-          <a:lstStyle/>
-          <a:p>
-            <a:pPr algn="ctr"/>
-            <a:endParaRPr lang="fr-FR"/>
-          </a:p>
-        </p:txBody>
-      </p:sp>
-      <p:sp>
-        <p:nvSpPr>
-          <p:cNvPr id="13" name="Forme libre 12"/>
-          <p:cNvSpPr/>
-          <p:nvPr/>
-        </p:nvSpPr>
-        <p:spPr>
-          <a:xfrm>
-            <a:off x="3647728" y="2362626"/>
-            <a:ext cx="1035439" cy="1065919"/>
-          </a:xfrm>
-          <a:custGeom>
-            <a:avLst/>
-            <a:gdLst>
-              <a:gd name="connsiteX0" fmla="*/ 689368 w 1195867"/>
-              <a:gd name="connsiteY0" fmla="*/ 0 h 1814779"/>
-              <a:gd name="connsiteX1" fmla="*/ 1195804 w 1195867"/>
-              <a:gd name="connsiteY1" fmla="*/ 745588 h 1814779"/>
-              <a:gd name="connsiteX2" fmla="*/ 661232 w 1195867"/>
-              <a:gd name="connsiteY2" fmla="*/ 1814732 h 1814779"/>
-              <a:gd name="connsiteX3" fmla="*/ 51 w 1195867"/>
-              <a:gd name="connsiteY3" fmla="*/ 703385 h 1814779"/>
-              <a:gd name="connsiteX4" fmla="*/ 633097 w 1195867"/>
-              <a:gd name="connsiteY4" fmla="*/ 14068 h 1814779"/>
-              <a:gd name="connsiteX0" fmla="*/ 689368 w 1195867"/>
-              <a:gd name="connsiteY0" fmla="*/ 0 h 1814779"/>
-              <a:gd name="connsiteX1" fmla="*/ 1195804 w 1195867"/>
-              <a:gd name="connsiteY1" fmla="*/ 745588 h 1814779"/>
-              <a:gd name="connsiteX2" fmla="*/ 661232 w 1195867"/>
-              <a:gd name="connsiteY2" fmla="*/ 1814732 h 1814779"/>
-              <a:gd name="connsiteX3" fmla="*/ 51 w 1195867"/>
-              <a:gd name="connsiteY3" fmla="*/ 703385 h 1814779"/>
-              <a:gd name="connsiteX4" fmla="*/ 633097 w 1195867"/>
-              <a:gd name="connsiteY4" fmla="*/ 14068 h 1814779"/>
-              <a:gd name="connsiteX5" fmla="*/ 689368 w 1195867"/>
-              <a:gd name="connsiteY5" fmla="*/ 0 h 1814779"/>
-              <a:gd name="connsiteX0" fmla="*/ 692618 w 1199117"/>
-              <a:gd name="connsiteY0" fmla="*/ 0 h 1814779"/>
-              <a:gd name="connsiteX1" fmla="*/ 1199054 w 1199117"/>
-              <a:gd name="connsiteY1" fmla="*/ 745588 h 1814779"/>
-              <a:gd name="connsiteX2" fmla="*/ 664482 w 1199117"/>
-              <a:gd name="connsiteY2" fmla="*/ 1814732 h 1814779"/>
-              <a:gd name="connsiteX3" fmla="*/ 3301 w 1199117"/>
-              <a:gd name="connsiteY3" fmla="*/ 703385 h 1814779"/>
-              <a:gd name="connsiteX4" fmla="*/ 479185 w 1199117"/>
-              <a:gd name="connsiteY4" fmla="*/ 40262 h 1814779"/>
-              <a:gd name="connsiteX5" fmla="*/ 692618 w 1199117"/>
-              <a:gd name="connsiteY5" fmla="*/ 0 h 1814779"/>
-              <a:gd name="connsiteX0" fmla="*/ 868830 w 1205140"/>
-              <a:gd name="connsiteY0" fmla="*/ 0 h 1793348"/>
-              <a:gd name="connsiteX1" fmla="*/ 1199054 w 1205140"/>
-              <a:gd name="connsiteY1" fmla="*/ 724157 h 1793348"/>
-              <a:gd name="connsiteX2" fmla="*/ 664482 w 1205140"/>
-              <a:gd name="connsiteY2" fmla="*/ 1793301 h 1793348"/>
-              <a:gd name="connsiteX3" fmla="*/ 3301 w 1205140"/>
-              <a:gd name="connsiteY3" fmla="*/ 681954 h 1793348"/>
-              <a:gd name="connsiteX4" fmla="*/ 479185 w 1205140"/>
-              <a:gd name="connsiteY4" fmla="*/ 18831 h 1793348"/>
-              <a:gd name="connsiteX5" fmla="*/ 868830 w 1205140"/>
-              <a:gd name="connsiteY5" fmla="*/ 0 h 1793348"/>
-              <a:gd name="connsiteX0" fmla="*/ 868830 w 1202396"/>
-              <a:gd name="connsiteY0" fmla="*/ 67 h 1793415"/>
-              <a:gd name="connsiteX1" fmla="*/ 1199054 w 1202396"/>
-              <a:gd name="connsiteY1" fmla="*/ 724224 h 1793415"/>
-              <a:gd name="connsiteX2" fmla="*/ 664482 w 1202396"/>
-              <a:gd name="connsiteY2" fmla="*/ 1793368 h 1793415"/>
-              <a:gd name="connsiteX3" fmla="*/ 3301 w 1202396"/>
-              <a:gd name="connsiteY3" fmla="*/ 682021 h 1793415"/>
-              <a:gd name="connsiteX4" fmla="*/ 479185 w 1202396"/>
-              <a:gd name="connsiteY4" fmla="*/ 18898 h 1793415"/>
-              <a:gd name="connsiteX5" fmla="*/ 868830 w 1202396"/>
-              <a:gd name="connsiteY5" fmla="*/ 67 h 1793415"/>
-              <a:gd name="connsiteX0" fmla="*/ 869816 w 1203382"/>
-              <a:gd name="connsiteY0" fmla="*/ 67 h 1793415"/>
-              <a:gd name="connsiteX1" fmla="*/ 1200040 w 1203382"/>
-              <a:gd name="connsiteY1" fmla="*/ 724224 h 1793415"/>
-              <a:gd name="connsiteX2" fmla="*/ 665468 w 1203382"/>
-              <a:gd name="connsiteY2" fmla="*/ 1793368 h 1793415"/>
-              <a:gd name="connsiteX3" fmla="*/ 4287 w 1203382"/>
-              <a:gd name="connsiteY3" fmla="*/ 682021 h 1793415"/>
-              <a:gd name="connsiteX4" fmla="*/ 480171 w 1203382"/>
-              <a:gd name="connsiteY4" fmla="*/ 18898 h 1793415"/>
-              <a:gd name="connsiteX5" fmla="*/ 869816 w 1203382"/>
-              <a:gd name="connsiteY5" fmla="*/ 67 h 1793415"/>
-              <a:gd name="connsiteX0" fmla="*/ 869816 w 1203924"/>
-              <a:gd name="connsiteY0" fmla="*/ 112 h 1793460"/>
-              <a:gd name="connsiteX1" fmla="*/ 1200040 w 1203924"/>
-              <a:gd name="connsiteY1" fmla="*/ 724269 h 1793460"/>
-              <a:gd name="connsiteX2" fmla="*/ 665468 w 1203924"/>
-              <a:gd name="connsiteY2" fmla="*/ 1793413 h 1793460"/>
-              <a:gd name="connsiteX3" fmla="*/ 4287 w 1203924"/>
-              <a:gd name="connsiteY3" fmla="*/ 682066 h 1793460"/>
-              <a:gd name="connsiteX4" fmla="*/ 480171 w 1203924"/>
-              <a:gd name="connsiteY4" fmla="*/ 18943 h 1793460"/>
-              <a:gd name="connsiteX5" fmla="*/ 869816 w 1203924"/>
-              <a:gd name="connsiteY5" fmla="*/ 112 h 1793460"/>
-              <a:gd name="connsiteX0" fmla="*/ 869816 w 1203846"/>
-              <a:gd name="connsiteY0" fmla="*/ 11377 h 1804725"/>
-              <a:gd name="connsiteX1" fmla="*/ 1200040 w 1203846"/>
-              <a:gd name="connsiteY1" fmla="*/ 735534 h 1804725"/>
-              <a:gd name="connsiteX2" fmla="*/ 665468 w 1203846"/>
-              <a:gd name="connsiteY2" fmla="*/ 1804678 h 1804725"/>
-              <a:gd name="connsiteX3" fmla="*/ 4287 w 1203846"/>
-              <a:gd name="connsiteY3" fmla="*/ 693331 h 1804725"/>
-              <a:gd name="connsiteX4" fmla="*/ 480171 w 1203846"/>
-              <a:gd name="connsiteY4" fmla="*/ 30208 h 1804725"/>
-              <a:gd name="connsiteX5" fmla="*/ 869816 w 1203846"/>
-              <a:gd name="connsiteY5" fmla="*/ 11377 h 1804725"/>
-              <a:gd name="connsiteX0" fmla="*/ 866940 w 1204197"/>
-              <a:gd name="connsiteY0" fmla="*/ 11377 h 1239647"/>
-              <a:gd name="connsiteX1" fmla="*/ 1197164 w 1204197"/>
-              <a:gd name="connsiteY1" fmla="*/ 735534 h 1239647"/>
-              <a:gd name="connsiteX2" fmla="*/ 573692 w 1204197"/>
-              <a:gd name="connsiteY2" fmla="*/ 1239528 h 1239647"/>
-              <a:gd name="connsiteX3" fmla="*/ 1411 w 1204197"/>
-              <a:gd name="connsiteY3" fmla="*/ 693331 h 1239647"/>
-              <a:gd name="connsiteX4" fmla="*/ 477295 w 1204197"/>
-              <a:gd name="connsiteY4" fmla="*/ 30208 h 1239647"/>
-              <a:gd name="connsiteX5" fmla="*/ 866940 w 1204197"/>
-              <a:gd name="connsiteY5" fmla="*/ 11377 h 1239647"/>
-            </a:gdLst>
-            <a:ahLst/>
-            <a:cxnLst>
-              <a:cxn ang="0">
-                <a:pos x="connsiteX0" y="connsiteY0"/>
-              </a:cxn>
-              <a:cxn ang="0">
-                <a:pos x="connsiteX1" y="connsiteY1"/>
-              </a:cxn>
-              <a:cxn ang="0">
-                <a:pos x="connsiteX2" y="connsiteY2"/>
-              </a:cxn>
-              <a:cxn ang="0">
-                <a:pos x="connsiteX3" y="connsiteY3"/>
-              </a:cxn>
-              <a:cxn ang="0">
-                <a:pos x="connsiteX4" y="connsiteY4"/>
-              </a:cxn>
-              <a:cxn ang="0">
-                <a:pos x="connsiteX5" y="connsiteY5"/>
-              </a:cxn>
-            </a:cxnLst>
-            <a:rect l="l" t="t" r="r" b="b"/>
-            <a:pathLst>
-              <a:path w="1204197" h="1239647">
-                <a:moveTo>
-                  <a:pt x="866940" y="11377"/>
-                </a:moveTo>
-                <a:cubicBezTo>
-                  <a:pt x="1029909" y="52053"/>
-                  <a:pt x="1246039" y="530842"/>
-                  <a:pt x="1197164" y="735534"/>
-                </a:cubicBezTo>
-                <a:cubicBezTo>
-                  <a:pt x="1148289" y="940226"/>
-                  <a:pt x="772984" y="1246562"/>
-                  <a:pt x="573692" y="1239528"/>
-                </a:cubicBezTo>
-                <a:cubicBezTo>
-                  <a:pt x="374400" y="1232494"/>
-                  <a:pt x="17477" y="894884"/>
-                  <a:pt x="1411" y="693331"/>
-                </a:cubicBezTo>
-                <a:cubicBezTo>
-                  <a:pt x="-14655" y="491778"/>
-                  <a:pt x="104170" y="48241"/>
-                  <a:pt x="477295" y="30208"/>
-                </a:cubicBezTo>
-                <a:cubicBezTo>
-                  <a:pt x="607177" y="23931"/>
-                  <a:pt x="739439" y="-20446"/>
-                  <a:pt x="866940" y="11377"/>
-                </a:cubicBezTo>
-                <a:close/>
-              </a:path>
-            </a:pathLst>
-          </a:custGeom>
-          <a:solidFill>
-            <a:schemeClr val="accent2">
-              <a:lumMod val="20000"/>
-              <a:lumOff val="80000"/>
-            </a:schemeClr>
-          </a:solidFill>
-          <a:ln w="9525">
-            <a:noFill/>
-            <a:prstDash val="dash"/>
-          </a:ln>
-        </p:spPr>
-        <p:style>
-          <a:lnRef idx="1">
-            <a:schemeClr val="accent1"/>
-          </a:lnRef>
-          <a:fillRef idx="0">
-            <a:schemeClr val="accent1"/>
-          </a:fillRef>
-          <a:effectRef idx="0">
-            <a:schemeClr val="accent1"/>
-          </a:effectRef>
-          <a:fontRef idx="minor">
-            <a:schemeClr val="tx1"/>
-          </a:fontRef>
-        </p:style>
-        <p:txBody>
-          <a:bodyPr rtlCol="0" anchor="ctr"/>
-          <a:lstStyle/>
-          <a:p>
-            <a:pPr algn="ctr"/>
-            <a:endParaRPr lang="fr-FR" dirty="0"/>
-          </a:p>
-        </p:txBody>
-      </p:sp>
-      <p:sp>
-        <p:nvSpPr>
-          <p:cNvPr id="10" name="Forme libre 9"/>
-          <p:cNvSpPr/>
-          <p:nvPr/>
-        </p:nvSpPr>
-        <p:spPr>
-          <a:xfrm>
-            <a:off x="3661796" y="2356939"/>
-            <a:ext cx="1035439" cy="1065919"/>
-          </a:xfrm>
-          <a:custGeom>
-            <a:avLst/>
-            <a:gdLst>
-              <a:gd name="connsiteX0" fmla="*/ 689368 w 1195867"/>
-              <a:gd name="connsiteY0" fmla="*/ 0 h 1814779"/>
-              <a:gd name="connsiteX1" fmla="*/ 1195804 w 1195867"/>
-              <a:gd name="connsiteY1" fmla="*/ 745588 h 1814779"/>
-              <a:gd name="connsiteX2" fmla="*/ 661232 w 1195867"/>
-              <a:gd name="connsiteY2" fmla="*/ 1814732 h 1814779"/>
-              <a:gd name="connsiteX3" fmla="*/ 51 w 1195867"/>
-              <a:gd name="connsiteY3" fmla="*/ 703385 h 1814779"/>
-              <a:gd name="connsiteX4" fmla="*/ 633097 w 1195867"/>
-              <a:gd name="connsiteY4" fmla="*/ 14068 h 1814779"/>
-              <a:gd name="connsiteX0" fmla="*/ 689368 w 1195867"/>
-              <a:gd name="connsiteY0" fmla="*/ 0 h 1814779"/>
-              <a:gd name="connsiteX1" fmla="*/ 1195804 w 1195867"/>
-              <a:gd name="connsiteY1" fmla="*/ 745588 h 1814779"/>
-              <a:gd name="connsiteX2" fmla="*/ 661232 w 1195867"/>
-              <a:gd name="connsiteY2" fmla="*/ 1814732 h 1814779"/>
-              <a:gd name="connsiteX3" fmla="*/ 51 w 1195867"/>
-              <a:gd name="connsiteY3" fmla="*/ 703385 h 1814779"/>
-              <a:gd name="connsiteX4" fmla="*/ 633097 w 1195867"/>
-              <a:gd name="connsiteY4" fmla="*/ 14068 h 1814779"/>
-              <a:gd name="connsiteX5" fmla="*/ 689368 w 1195867"/>
-              <a:gd name="connsiteY5" fmla="*/ 0 h 1814779"/>
-              <a:gd name="connsiteX0" fmla="*/ 692618 w 1199117"/>
-              <a:gd name="connsiteY0" fmla="*/ 0 h 1814779"/>
-              <a:gd name="connsiteX1" fmla="*/ 1199054 w 1199117"/>
-              <a:gd name="connsiteY1" fmla="*/ 745588 h 1814779"/>
-              <a:gd name="connsiteX2" fmla="*/ 664482 w 1199117"/>
-              <a:gd name="connsiteY2" fmla="*/ 1814732 h 1814779"/>
-              <a:gd name="connsiteX3" fmla="*/ 3301 w 1199117"/>
-              <a:gd name="connsiteY3" fmla="*/ 703385 h 1814779"/>
-              <a:gd name="connsiteX4" fmla="*/ 479185 w 1199117"/>
-              <a:gd name="connsiteY4" fmla="*/ 40262 h 1814779"/>
-              <a:gd name="connsiteX5" fmla="*/ 692618 w 1199117"/>
-              <a:gd name="connsiteY5" fmla="*/ 0 h 1814779"/>
-              <a:gd name="connsiteX0" fmla="*/ 868830 w 1205140"/>
-              <a:gd name="connsiteY0" fmla="*/ 0 h 1793348"/>
-              <a:gd name="connsiteX1" fmla="*/ 1199054 w 1205140"/>
-              <a:gd name="connsiteY1" fmla="*/ 724157 h 1793348"/>
-              <a:gd name="connsiteX2" fmla="*/ 664482 w 1205140"/>
-              <a:gd name="connsiteY2" fmla="*/ 1793301 h 1793348"/>
-              <a:gd name="connsiteX3" fmla="*/ 3301 w 1205140"/>
-              <a:gd name="connsiteY3" fmla="*/ 681954 h 1793348"/>
-              <a:gd name="connsiteX4" fmla="*/ 479185 w 1205140"/>
-              <a:gd name="connsiteY4" fmla="*/ 18831 h 1793348"/>
-              <a:gd name="connsiteX5" fmla="*/ 868830 w 1205140"/>
-              <a:gd name="connsiteY5" fmla="*/ 0 h 1793348"/>
-              <a:gd name="connsiteX0" fmla="*/ 868830 w 1202396"/>
-              <a:gd name="connsiteY0" fmla="*/ 67 h 1793415"/>
-              <a:gd name="connsiteX1" fmla="*/ 1199054 w 1202396"/>
-              <a:gd name="connsiteY1" fmla="*/ 724224 h 1793415"/>
-              <a:gd name="connsiteX2" fmla="*/ 664482 w 1202396"/>
-              <a:gd name="connsiteY2" fmla="*/ 1793368 h 1793415"/>
-              <a:gd name="connsiteX3" fmla="*/ 3301 w 1202396"/>
-              <a:gd name="connsiteY3" fmla="*/ 682021 h 1793415"/>
-              <a:gd name="connsiteX4" fmla="*/ 479185 w 1202396"/>
-              <a:gd name="connsiteY4" fmla="*/ 18898 h 1793415"/>
-              <a:gd name="connsiteX5" fmla="*/ 868830 w 1202396"/>
-              <a:gd name="connsiteY5" fmla="*/ 67 h 1793415"/>
-              <a:gd name="connsiteX0" fmla="*/ 869816 w 1203382"/>
-              <a:gd name="connsiteY0" fmla="*/ 67 h 1793415"/>
-              <a:gd name="connsiteX1" fmla="*/ 1200040 w 1203382"/>
-              <a:gd name="connsiteY1" fmla="*/ 724224 h 1793415"/>
-              <a:gd name="connsiteX2" fmla="*/ 665468 w 1203382"/>
-              <a:gd name="connsiteY2" fmla="*/ 1793368 h 1793415"/>
-              <a:gd name="connsiteX3" fmla="*/ 4287 w 1203382"/>
-              <a:gd name="connsiteY3" fmla="*/ 682021 h 1793415"/>
-              <a:gd name="connsiteX4" fmla="*/ 480171 w 1203382"/>
-              <a:gd name="connsiteY4" fmla="*/ 18898 h 1793415"/>
-              <a:gd name="connsiteX5" fmla="*/ 869816 w 1203382"/>
-              <a:gd name="connsiteY5" fmla="*/ 67 h 1793415"/>
-              <a:gd name="connsiteX0" fmla="*/ 869816 w 1203924"/>
-              <a:gd name="connsiteY0" fmla="*/ 112 h 1793460"/>
-              <a:gd name="connsiteX1" fmla="*/ 1200040 w 1203924"/>
-              <a:gd name="connsiteY1" fmla="*/ 724269 h 1793460"/>
-              <a:gd name="connsiteX2" fmla="*/ 665468 w 1203924"/>
-              <a:gd name="connsiteY2" fmla="*/ 1793413 h 1793460"/>
-              <a:gd name="connsiteX3" fmla="*/ 4287 w 1203924"/>
-              <a:gd name="connsiteY3" fmla="*/ 682066 h 1793460"/>
-              <a:gd name="connsiteX4" fmla="*/ 480171 w 1203924"/>
-              <a:gd name="connsiteY4" fmla="*/ 18943 h 1793460"/>
-              <a:gd name="connsiteX5" fmla="*/ 869816 w 1203924"/>
-              <a:gd name="connsiteY5" fmla="*/ 112 h 1793460"/>
-              <a:gd name="connsiteX0" fmla="*/ 869816 w 1203846"/>
-              <a:gd name="connsiteY0" fmla="*/ 11377 h 1804725"/>
-              <a:gd name="connsiteX1" fmla="*/ 1200040 w 1203846"/>
-              <a:gd name="connsiteY1" fmla="*/ 735534 h 1804725"/>
-              <a:gd name="connsiteX2" fmla="*/ 665468 w 1203846"/>
-              <a:gd name="connsiteY2" fmla="*/ 1804678 h 1804725"/>
-              <a:gd name="connsiteX3" fmla="*/ 4287 w 1203846"/>
-              <a:gd name="connsiteY3" fmla="*/ 693331 h 1804725"/>
-              <a:gd name="connsiteX4" fmla="*/ 480171 w 1203846"/>
-              <a:gd name="connsiteY4" fmla="*/ 30208 h 1804725"/>
-              <a:gd name="connsiteX5" fmla="*/ 869816 w 1203846"/>
-              <a:gd name="connsiteY5" fmla="*/ 11377 h 1804725"/>
-              <a:gd name="connsiteX0" fmla="*/ 866940 w 1204197"/>
-              <a:gd name="connsiteY0" fmla="*/ 11377 h 1239647"/>
-              <a:gd name="connsiteX1" fmla="*/ 1197164 w 1204197"/>
-              <a:gd name="connsiteY1" fmla="*/ 735534 h 1239647"/>
-              <a:gd name="connsiteX2" fmla="*/ 573692 w 1204197"/>
-              <a:gd name="connsiteY2" fmla="*/ 1239528 h 1239647"/>
-              <a:gd name="connsiteX3" fmla="*/ 1411 w 1204197"/>
-              <a:gd name="connsiteY3" fmla="*/ 693331 h 1239647"/>
-              <a:gd name="connsiteX4" fmla="*/ 477295 w 1204197"/>
-              <a:gd name="connsiteY4" fmla="*/ 30208 h 1239647"/>
-              <a:gd name="connsiteX5" fmla="*/ 866940 w 1204197"/>
-              <a:gd name="connsiteY5" fmla="*/ 11377 h 1239647"/>
-            </a:gdLst>
-            <a:ahLst/>
-            <a:cxnLst>
-              <a:cxn ang="0">
-                <a:pos x="connsiteX0" y="connsiteY0"/>
-              </a:cxn>
-              <a:cxn ang="0">
-                <a:pos x="connsiteX1" y="connsiteY1"/>
-              </a:cxn>
-              <a:cxn ang="0">
-                <a:pos x="connsiteX2" y="connsiteY2"/>
-              </a:cxn>
-              <a:cxn ang="0">
-                <a:pos x="connsiteX3" y="connsiteY3"/>
-              </a:cxn>
-              <a:cxn ang="0">
-                <a:pos x="connsiteX4" y="connsiteY4"/>
-              </a:cxn>
-              <a:cxn ang="0">
-                <a:pos x="connsiteX5" y="connsiteY5"/>
-              </a:cxn>
-            </a:cxnLst>
-            <a:rect l="l" t="t" r="r" b="b"/>
-            <a:pathLst>
-              <a:path w="1204197" h="1239647">
-                <a:moveTo>
-                  <a:pt x="866940" y="11377"/>
-                </a:moveTo>
-                <a:cubicBezTo>
-                  <a:pt x="1029909" y="52053"/>
-                  <a:pt x="1246039" y="530842"/>
-                  <a:pt x="1197164" y="735534"/>
-                </a:cubicBezTo>
-                <a:cubicBezTo>
-                  <a:pt x="1148289" y="940226"/>
-                  <a:pt x="772984" y="1246562"/>
-                  <a:pt x="573692" y="1239528"/>
-                </a:cubicBezTo>
-                <a:cubicBezTo>
-                  <a:pt x="374400" y="1232494"/>
-                  <a:pt x="17477" y="894884"/>
-                  <a:pt x="1411" y="693331"/>
-                </a:cubicBezTo>
-                <a:cubicBezTo>
-                  <a:pt x="-14655" y="491778"/>
-                  <a:pt x="104170" y="48241"/>
-                  <a:pt x="477295" y="30208"/>
-                </a:cubicBezTo>
-                <a:cubicBezTo>
-                  <a:pt x="607177" y="23931"/>
-                  <a:pt x="739439" y="-20446"/>
-                  <a:pt x="866940" y="11377"/>
-                </a:cubicBezTo>
-                <a:close/>
-              </a:path>
-            </a:pathLst>
-          </a:custGeom>
-          <a:noFill/>
-          <a:ln w="9525">
-            <a:solidFill>
-              <a:srgbClr val="C00000"/>
-            </a:solidFill>
-            <a:prstDash val="dash"/>
-          </a:ln>
-        </p:spPr>
-        <p:style>
-          <a:lnRef idx="1">
-            <a:schemeClr val="accent1"/>
-          </a:lnRef>
-          <a:fillRef idx="0">
-            <a:schemeClr val="accent1"/>
-          </a:fillRef>
-          <a:effectRef idx="0">
-            <a:schemeClr val="accent1"/>
-          </a:effectRef>
-          <a:fontRef idx="minor">
-            <a:schemeClr val="tx1"/>
-          </a:fontRef>
-        </p:style>
-        <p:txBody>
-          <a:bodyPr rtlCol="0" anchor="ctr"/>
-          <a:lstStyle/>
-          <a:p>
-            <a:pPr algn="ctr"/>
-            <a:endParaRPr lang="fr-FR" dirty="0"/>
-          </a:p>
-        </p:txBody>
-      </p:sp>
-      <p:sp>
-        <p:nvSpPr>
-          <p:cNvPr id="7" name="Forme libre 6"/>
-          <p:cNvSpPr/>
-          <p:nvPr/>
-        </p:nvSpPr>
-        <p:spPr>
-          <a:xfrm>
-            <a:off x="1919536" y="2543857"/>
-            <a:ext cx="4968552" cy="993193"/>
-          </a:xfrm>
-          <a:custGeom>
-            <a:avLst/>
-            <a:gdLst>
-              <a:gd name="connsiteX0" fmla="*/ 0 w 3838575"/>
-              <a:gd name="connsiteY0" fmla="*/ 0 h 1031471"/>
-              <a:gd name="connsiteX1" fmla="*/ 1381125 w 3838575"/>
-              <a:gd name="connsiteY1" fmla="*/ 266700 h 1031471"/>
-              <a:gd name="connsiteX2" fmla="*/ 3371850 w 3838575"/>
-              <a:gd name="connsiteY2" fmla="*/ 914400 h 1031471"/>
-              <a:gd name="connsiteX3" fmla="*/ 3838575 w 3838575"/>
-              <a:gd name="connsiteY3" fmla="*/ 1028700 h 1031471"/>
-            </a:gdLst>
-            <a:ahLst/>
-            <a:cxnLst>
-              <a:cxn ang="0">
-                <a:pos x="connsiteX0" y="connsiteY0"/>
-              </a:cxn>
-              <a:cxn ang="0">
-                <a:pos x="connsiteX1" y="connsiteY1"/>
-              </a:cxn>
-              <a:cxn ang="0">
-                <a:pos x="connsiteX2" y="connsiteY2"/>
-              </a:cxn>
-              <a:cxn ang="0">
-                <a:pos x="connsiteX3" y="connsiteY3"/>
-              </a:cxn>
-            </a:cxnLst>
-            <a:rect l="l" t="t" r="r" b="b"/>
-            <a:pathLst>
-              <a:path w="3838575" h="1031471">
-                <a:moveTo>
-                  <a:pt x="0" y="0"/>
-                </a:moveTo>
-                <a:cubicBezTo>
-                  <a:pt x="409575" y="57150"/>
-                  <a:pt x="819150" y="114300"/>
-                  <a:pt x="1381125" y="266700"/>
-                </a:cubicBezTo>
-                <a:cubicBezTo>
-                  <a:pt x="1943100" y="419100"/>
-                  <a:pt x="2962275" y="787400"/>
-                  <a:pt x="3371850" y="914400"/>
-                </a:cubicBezTo>
-                <a:cubicBezTo>
-                  <a:pt x="3781425" y="1041400"/>
-                  <a:pt x="3810000" y="1035050"/>
-                  <a:pt x="3838575" y="1028700"/>
-                </a:cubicBezTo>
-              </a:path>
-            </a:pathLst>
-          </a:custGeom>
-          <a:ln w="9525">
-            <a:solidFill>
-              <a:schemeClr val="accent5">
-                <a:lumMod val="50000"/>
-              </a:schemeClr>
-            </a:solidFill>
-            <a:prstDash val="lgDashDot"/>
-          </a:ln>
-        </p:spPr>
-        <p:style>
-          <a:lnRef idx="1">
-            <a:schemeClr val="accent1"/>
-          </a:lnRef>
-          <a:fillRef idx="0">
-            <a:schemeClr val="accent1"/>
-          </a:fillRef>
-          <a:effectRef idx="0">
-            <a:schemeClr val="accent1"/>
-          </a:effectRef>
-          <a:fontRef idx="minor">
-            <a:schemeClr val="tx1"/>
-          </a:fontRef>
-        </p:style>
-        <p:txBody>
-          <a:bodyPr rtlCol="0" anchor="ctr"/>
-          <a:lstStyle/>
-          <a:p>
-            <a:pPr algn="ctr"/>
-            <a:endParaRPr lang="fr-FR"/>
-          </a:p>
-        </p:txBody>
-      </p:sp>
-      <p:sp>
-        <p:nvSpPr>
-          <p:cNvPr id="14" name="Parallélogramme 13"/>
-          <p:cNvSpPr/>
-          <p:nvPr/>
-        </p:nvSpPr>
-        <p:spPr>
-          <a:xfrm rot="990713">
-            <a:off x="3408660" y="2142109"/>
-            <a:ext cx="1610567" cy="1481510"/>
-          </a:xfrm>
-          <a:prstGeom prst="parallelogram">
-            <a:avLst/>
-          </a:prstGeom>
-          <a:noFill/>
-          <a:ln w="9525">
-            <a:solidFill>
-              <a:srgbClr val="C00000"/>
-            </a:solidFill>
-          </a:ln>
-        </p:spPr>
-        <p:style>
-          <a:lnRef idx="2">
-            <a:schemeClr val="accent1">
-              <a:shade val="50000"/>
-            </a:schemeClr>
-          </a:lnRef>
-          <a:fillRef idx="1">
-            <a:schemeClr val="accent1"/>
-          </a:fillRef>
-          <a:effectRef idx="0">
-            <a:schemeClr val="accent1"/>
-          </a:effectRef>
-          <a:fontRef idx="minor">
-            <a:schemeClr val="lt1"/>
-          </a:fontRef>
-        </p:style>
-        <p:txBody>
-          <a:bodyPr rtlCol="0" anchor="ctr"/>
-          <a:lstStyle/>
-          <a:p>
-            <a:pPr algn="ctr"/>
-            <a:endParaRPr lang="fr-FR"/>
-          </a:p>
-        </p:txBody>
-      </p:sp>
-      <p:grpSp>
-        <p:nvGrpSpPr>
-          <p:cNvPr id="29" name="Groupe 28"/>
-          <p:cNvGrpSpPr/>
-          <p:nvPr/>
-        </p:nvGrpSpPr>
-        <p:grpSpPr>
-          <a:xfrm>
-            <a:off x="1616224" y="1796234"/>
-            <a:ext cx="1584000" cy="1584000"/>
-            <a:chOff x="1635274" y="1834334"/>
-            <a:chExt cx="1584000" cy="1584000"/>
-          </a:xfrm>
-        </p:grpSpPr>
-        <p:cxnSp>
-          <p:nvCxnSpPr>
-            <p:cNvPr id="17" name="Connecteur droit 16"/>
-            <p:cNvCxnSpPr/>
-            <p:nvPr/>
-          </p:nvCxnSpPr>
-          <p:spPr>
-            <a:xfrm flipH="1">
-              <a:off x="2427274" y="1834334"/>
-              <a:ext cx="0" cy="1584000"/>
-            </a:xfrm>
-            <a:prstGeom prst="line">
-              <a:avLst/>
-            </a:prstGeom>
-            <a:ln w="9525">
-              <a:solidFill>
-                <a:schemeClr val="accent5">
-                  <a:lumMod val="50000"/>
-                </a:schemeClr>
-              </a:solidFill>
-              <a:prstDash val="lgDashDot"/>
-            </a:ln>
-          </p:spPr>
-          <p:style>
-            <a:lnRef idx="1">
-              <a:schemeClr val="accent1"/>
-            </a:lnRef>
-            <a:fillRef idx="0">
-              <a:schemeClr val="accent1"/>
-            </a:fillRef>
-            <a:effectRef idx="0">
-              <a:schemeClr val="accent1"/>
-            </a:effectRef>
-            <a:fontRef idx="minor">
-              <a:schemeClr val="tx1"/>
-            </a:fontRef>
-          </p:style>
-        </p:cxnSp>
-        <p:cxnSp>
-          <p:nvCxnSpPr>
-            <p:cNvPr id="21" name="Connecteur droit 20"/>
-            <p:cNvCxnSpPr/>
-            <p:nvPr/>
-          </p:nvCxnSpPr>
-          <p:spPr>
-            <a:xfrm rot="5400000" flipH="1">
-              <a:off x="2427274" y="1834334"/>
-              <a:ext cx="0" cy="1584000"/>
-            </a:xfrm>
-            <a:prstGeom prst="line">
-              <a:avLst/>
-            </a:prstGeom>
-            <a:ln w="9525">
-              <a:solidFill>
-                <a:schemeClr val="accent5">
-                  <a:lumMod val="50000"/>
-                </a:schemeClr>
-              </a:solidFill>
-              <a:prstDash val="lgDashDot"/>
-            </a:ln>
-          </p:spPr>
-          <p:style>
-            <a:lnRef idx="1">
-              <a:schemeClr val="accent1"/>
-            </a:lnRef>
-            <a:fillRef idx="0">
-              <a:schemeClr val="accent1"/>
-            </a:fillRef>
-            <a:effectRef idx="0">
-              <a:schemeClr val="accent1"/>
-            </a:effectRef>
-            <a:fontRef idx="minor">
-              <a:schemeClr val="tx1"/>
-            </a:fontRef>
-          </p:style>
-        </p:cxnSp>
-      </p:grpSp>
-      <p:grpSp>
-        <p:nvGrpSpPr>
-          <p:cNvPr id="28" name="Groupe 27"/>
-          <p:cNvGrpSpPr/>
-          <p:nvPr/>
-        </p:nvGrpSpPr>
-        <p:grpSpPr>
-          <a:xfrm>
-            <a:off x="5733608" y="2802477"/>
-            <a:ext cx="1224000" cy="1224000"/>
-            <a:chOff x="5733608" y="2802477"/>
-            <a:chExt cx="1224000" cy="1224000"/>
-          </a:xfrm>
-        </p:grpSpPr>
-        <p:cxnSp>
-          <p:nvCxnSpPr>
-            <p:cNvPr id="22" name="Connecteur droit 21"/>
-            <p:cNvCxnSpPr/>
-            <p:nvPr/>
-          </p:nvCxnSpPr>
-          <p:spPr>
-            <a:xfrm flipH="1">
-              <a:off x="6345608" y="2802477"/>
-              <a:ext cx="0" cy="1224000"/>
-            </a:xfrm>
-            <a:prstGeom prst="line">
-              <a:avLst/>
-            </a:prstGeom>
-            <a:ln w="9525">
-              <a:solidFill>
-                <a:schemeClr val="accent5">
-                  <a:lumMod val="50000"/>
-                </a:schemeClr>
-              </a:solidFill>
-              <a:prstDash val="lgDashDot"/>
-            </a:ln>
-          </p:spPr>
-          <p:style>
-            <a:lnRef idx="1">
-              <a:schemeClr val="accent1"/>
-            </a:lnRef>
-            <a:fillRef idx="0">
-              <a:schemeClr val="accent1"/>
-            </a:fillRef>
-            <a:effectRef idx="0">
-              <a:schemeClr val="accent1"/>
-            </a:effectRef>
-            <a:fontRef idx="minor">
-              <a:schemeClr val="tx1"/>
-            </a:fontRef>
-          </p:style>
-        </p:cxnSp>
-        <p:cxnSp>
-          <p:nvCxnSpPr>
-            <p:cNvPr id="23" name="Connecteur droit 22"/>
-            <p:cNvCxnSpPr/>
-            <p:nvPr/>
-          </p:nvCxnSpPr>
-          <p:spPr>
-            <a:xfrm rot="5400000" flipH="1">
-              <a:off x="6345608" y="2802477"/>
-              <a:ext cx="0" cy="1224000"/>
-            </a:xfrm>
-            <a:prstGeom prst="line">
-              <a:avLst/>
-            </a:prstGeom>
-            <a:ln w="9525">
-              <a:solidFill>
-                <a:schemeClr val="accent5">
-                  <a:lumMod val="50000"/>
-                </a:schemeClr>
-              </a:solidFill>
-              <a:prstDash val="lgDashDot"/>
-            </a:ln>
-          </p:spPr>
-          <p:style>
-            <a:lnRef idx="1">
-              <a:schemeClr val="accent1"/>
-            </a:lnRef>
-            <a:fillRef idx="0">
-              <a:schemeClr val="accent1"/>
-            </a:fillRef>
-            <a:effectRef idx="0">
-              <a:schemeClr val="accent1"/>
-            </a:effectRef>
-            <a:fontRef idx="minor">
-              <a:schemeClr val="tx1"/>
-            </a:fontRef>
-          </p:style>
-        </p:cxnSp>
-      </p:grpSp>
-      <p:sp>
-        <p:nvSpPr>
-          <p:cNvPr id="33" name="Ellipse 32"/>
-          <p:cNvSpPr/>
-          <p:nvPr/>
-        </p:nvSpPr>
-        <p:spPr>
-          <a:xfrm>
-            <a:off x="4135141" y="2878644"/>
-            <a:ext cx="45719" cy="45719"/>
-          </a:xfrm>
-          <a:prstGeom prst="ellipse">
-            <a:avLst/>
-          </a:prstGeom>
-          <a:solidFill>
-            <a:schemeClr val="accent5">
-              <a:lumMod val="50000"/>
-            </a:schemeClr>
-          </a:solidFill>
-          <a:ln>
-            <a:solidFill>
-              <a:schemeClr val="accent5">
-                <a:lumMod val="50000"/>
-              </a:schemeClr>
-            </a:solidFill>
-          </a:ln>
-        </p:spPr>
-        <p:style>
-          <a:lnRef idx="2">
-            <a:schemeClr val="accent1">
-              <a:shade val="50000"/>
-            </a:schemeClr>
-          </a:lnRef>
-          <a:fillRef idx="1">
-            <a:schemeClr val="accent1"/>
-          </a:fillRef>
-          <a:effectRef idx="0">
-            <a:schemeClr val="accent1"/>
-          </a:effectRef>
-          <a:fontRef idx="minor">
-            <a:schemeClr val="lt1"/>
-          </a:fontRef>
-        </p:style>
-        <p:txBody>
-          <a:bodyPr rtlCol="0" anchor="ctr"/>
-          <a:lstStyle/>
-          <a:p>
-            <a:pPr algn="ctr"/>
-            <a:endParaRPr lang="fr-FR"/>
-          </a:p>
-        </p:txBody>
-      </p:sp>
-      <mc:AlternateContent xmlns:mc="http://schemas.openxmlformats.org/markup-compatibility/2006" xmlns:a14="http://schemas.microsoft.com/office/drawing/2010/main">
-        <mc:Choice Requires="a14">
-          <p:sp>
-            <p:nvSpPr>
-              <p:cNvPr id="34" name="ZoneTexte 33"/>
-              <p:cNvSpPr txBox="1"/>
-              <p:nvPr/>
-            </p:nvSpPr>
-            <p:spPr>
-              <a:xfrm>
-                <a:off x="4162962" y="2702817"/>
-                <a:ext cx="138179" cy="184666"/>
-              </a:xfrm>
-              <a:prstGeom prst="rect">
-                <a:avLst/>
-              </a:prstGeom>
-              <a:noFill/>
-            </p:spPr>
-            <p:txBody>
-              <a:bodyPr wrap="none" lIns="0" tIns="0" rIns="0" bIns="0" rtlCol="0">
-                <a:spAutoFit/>
-              </a:bodyPr>
-              <a:lstStyle/>
-              <a:p>
-                <a:pPr/>
-                <a14:m>
-                  <m:oMathPara xmlns:m="http://schemas.openxmlformats.org/officeDocument/2006/math">
-                    <m:oMathParaPr>
-                      <m:jc m:val="centerGroup"/>
-                    </m:oMathParaPr>
-                    <m:oMath xmlns:m="http://schemas.openxmlformats.org/officeDocument/2006/math">
-                      <m:r>
-                        <a:rPr lang="fr-FR" sz="1200" b="0" i="1" smtClean="0">
-                          <a:latin typeface="Cambria Math" panose="02040503050406030204" pitchFamily="18" charset="0"/>
-                        </a:rPr>
-                        <m:t>𝐺</m:t>
-                      </m:r>
-                    </m:oMath>
-                  </m:oMathPara>
-                </a14:m>
-                <a:endParaRPr lang="fr-FR" sz="1200" dirty="0"/>
-              </a:p>
-            </p:txBody>
-          </p:sp>
-        </mc:Choice>
-        <mc:Fallback xmlns="">
-          <p:sp>
-            <p:nvSpPr>
-              <p:cNvPr id="34" name="ZoneTexte 33"/>
-              <p:cNvSpPr txBox="1">
-                <a:spLocks noRot="1" noChangeAspect="1" noMove="1" noResize="1" noEditPoints="1" noAdjustHandles="1" noChangeArrowheads="1" noChangeShapeType="1" noTextEdit="1"/>
-              </p:cNvSpPr>
-              <p:nvPr/>
-            </p:nvSpPr>
-            <p:spPr>
-              <a:xfrm>
-                <a:off x="4162962" y="2702817"/>
-                <a:ext cx="138179" cy="184666"/>
-              </a:xfrm>
-              <a:prstGeom prst="rect">
-                <a:avLst/>
-              </a:prstGeom>
-              <a:blipFill>
-                <a:blip r:embed="rId2"/>
-                <a:stretch>
-                  <a:fillRect l="-26087" r="-21739" b="-3226"/>
-                </a:stretch>
-              </a:blipFill>
-            </p:spPr>
-            <p:txBody>
-              <a:bodyPr/>
-              <a:lstStyle/>
-              <a:p>
-                <a:r>
-                  <a:rPr lang="fr-FR">
-                    <a:noFill/>
-                  </a:rPr>
-                  <a:t> </a:t>
-                </a:r>
-              </a:p>
-            </p:txBody>
-          </p:sp>
-        </mc:Fallback>
-      </mc:AlternateContent>
-      <mc:AlternateContent xmlns:mc="http://schemas.openxmlformats.org/markup-compatibility/2006" xmlns:a14="http://schemas.microsoft.com/office/drawing/2010/main">
-        <mc:Choice Requires="a14">
-          <p:sp>
-            <p:nvSpPr>
-              <p:cNvPr id="35" name="ZoneTexte 34"/>
-              <p:cNvSpPr txBox="1"/>
-              <p:nvPr/>
-            </p:nvSpPr>
-            <p:spPr>
-              <a:xfrm>
-                <a:off x="3954245" y="2402932"/>
-                <a:ext cx="120033" cy="184666"/>
-              </a:xfrm>
-              <a:prstGeom prst="rect">
-                <a:avLst/>
-              </a:prstGeom>
-              <a:noFill/>
-            </p:spPr>
-            <p:txBody>
-              <a:bodyPr wrap="none" lIns="0" tIns="0" rIns="0" bIns="0" rtlCol="0">
-                <a:spAutoFit/>
-              </a:bodyPr>
-              <a:lstStyle/>
-              <a:p>
-                <a:pPr/>
-                <a14:m>
-                  <m:oMathPara xmlns:m="http://schemas.openxmlformats.org/officeDocument/2006/math">
-                    <m:oMathParaPr>
-                      <m:jc m:val="centerGroup"/>
-                    </m:oMathParaPr>
-                    <m:oMath xmlns:m="http://schemas.openxmlformats.org/officeDocument/2006/math">
-                      <m:r>
-                        <a:rPr lang="fr-FR" sz="1200" b="0" i="1" smtClean="0">
-                          <a:latin typeface="Cambria Math" panose="02040503050406030204" pitchFamily="18" charset="0"/>
-                        </a:rPr>
-                        <m:t>𝑆</m:t>
-                      </m:r>
-                    </m:oMath>
-                  </m:oMathPara>
-                </a14:m>
-                <a:endParaRPr lang="fr-FR" sz="1200" dirty="0"/>
-              </a:p>
-            </p:txBody>
-          </p:sp>
-        </mc:Choice>
-        <mc:Fallback xmlns="">
-          <p:sp>
-            <p:nvSpPr>
-              <p:cNvPr id="35" name="ZoneTexte 34"/>
-              <p:cNvSpPr txBox="1">
-                <a:spLocks noRot="1" noChangeAspect="1" noMove="1" noResize="1" noEditPoints="1" noAdjustHandles="1" noChangeArrowheads="1" noChangeShapeType="1" noTextEdit="1"/>
-              </p:cNvSpPr>
-              <p:nvPr/>
-            </p:nvSpPr>
-            <p:spPr>
-              <a:xfrm>
-                <a:off x="3954245" y="2402932"/>
-                <a:ext cx="120033" cy="184666"/>
-              </a:xfrm>
-              <a:prstGeom prst="rect">
-                <a:avLst/>
-              </a:prstGeom>
-              <a:blipFill>
-                <a:blip r:embed="rId3"/>
-                <a:stretch>
-                  <a:fillRect l="-31579" r="-31579" b="-6667"/>
-                </a:stretch>
-              </a:blipFill>
-            </p:spPr>
-            <p:txBody>
-              <a:bodyPr/>
-              <a:lstStyle/>
-              <a:p>
-                <a:r>
-                  <a:rPr lang="fr-FR">
-                    <a:noFill/>
-                  </a:rPr>
-                  <a:t> </a:t>
-                </a:r>
-              </a:p>
-            </p:txBody>
-          </p:sp>
-        </mc:Fallback>
-      </mc:AlternateContent>
-      <mc:AlternateContent xmlns:mc="http://schemas.openxmlformats.org/markup-compatibility/2006" xmlns:a14="http://schemas.microsoft.com/office/drawing/2010/main">
-        <mc:Choice Requires="a14">
-          <p:sp>
-            <p:nvSpPr>
-              <p:cNvPr id="36" name="ZoneTexte 35"/>
-              <p:cNvSpPr txBox="1"/>
-              <p:nvPr/>
-            </p:nvSpPr>
-            <p:spPr>
-              <a:xfrm>
-                <a:off x="2239337" y="2365401"/>
-                <a:ext cx="134524" cy="184666"/>
-              </a:xfrm>
-              <a:prstGeom prst="rect">
-                <a:avLst/>
-              </a:prstGeom>
-              <a:noFill/>
-            </p:spPr>
-            <p:txBody>
-              <a:bodyPr wrap="none" lIns="0" tIns="0" rIns="0" bIns="0" rtlCol="0">
-                <a:spAutoFit/>
-              </a:bodyPr>
-              <a:lstStyle/>
-              <a:p>
-                <a:pPr/>
-                <a14:m>
-                  <m:oMathPara xmlns:m="http://schemas.openxmlformats.org/officeDocument/2006/math">
-                    <m:oMathParaPr>
-                      <m:jc m:val="centerGroup"/>
-                    </m:oMathParaPr>
-                    <m:oMath xmlns:m="http://schemas.openxmlformats.org/officeDocument/2006/math">
-                      <m:r>
-                        <a:rPr lang="fr-FR" sz="1200" b="0" i="1" smtClean="0">
-                          <a:latin typeface="Cambria Math" panose="02040503050406030204" pitchFamily="18" charset="0"/>
-                        </a:rPr>
-                        <m:t>𝐴</m:t>
-                      </m:r>
-                    </m:oMath>
-                  </m:oMathPara>
-                </a14:m>
-                <a:endParaRPr lang="fr-FR" sz="1200" dirty="0"/>
-              </a:p>
-            </p:txBody>
-          </p:sp>
-        </mc:Choice>
-        <mc:Fallback xmlns="">
-          <p:sp>
-            <p:nvSpPr>
-              <p:cNvPr id="36" name="ZoneTexte 35"/>
-              <p:cNvSpPr txBox="1">
-                <a:spLocks noRot="1" noChangeAspect="1" noMove="1" noResize="1" noEditPoints="1" noAdjustHandles="1" noChangeArrowheads="1" noChangeShapeType="1" noTextEdit="1"/>
-              </p:cNvSpPr>
-              <p:nvPr/>
-            </p:nvSpPr>
-            <p:spPr>
-              <a:xfrm>
-                <a:off x="2239337" y="2365401"/>
-                <a:ext cx="134524" cy="184666"/>
-              </a:xfrm>
-              <a:prstGeom prst="rect">
-                <a:avLst/>
-              </a:prstGeom>
-              <a:blipFill>
-                <a:blip r:embed="rId4"/>
-                <a:stretch>
-                  <a:fillRect l="-27273" r="-27273" b="-6667"/>
-                </a:stretch>
-              </a:blipFill>
-            </p:spPr>
-            <p:txBody>
-              <a:bodyPr/>
-              <a:lstStyle/>
-              <a:p>
-                <a:r>
-                  <a:rPr lang="fr-FR">
-                    <a:noFill/>
-                  </a:rPr>
-                  <a:t> </a:t>
-                </a:r>
-              </a:p>
-            </p:txBody>
-          </p:sp>
-        </mc:Fallback>
-      </mc:AlternateContent>
-      <mc:AlternateContent xmlns:mc="http://schemas.openxmlformats.org/markup-compatibility/2006" xmlns:a14="http://schemas.microsoft.com/office/drawing/2010/main">
-        <mc:Choice Requires="a14">
-          <p:sp>
-            <p:nvSpPr>
-              <p:cNvPr id="37" name="ZoneTexte 36"/>
-              <p:cNvSpPr txBox="1"/>
-              <p:nvPr/>
-            </p:nvSpPr>
-            <p:spPr>
-              <a:xfrm>
-                <a:off x="6325195" y="3229811"/>
-                <a:ext cx="140359" cy="184666"/>
-              </a:xfrm>
-              <a:prstGeom prst="rect">
-                <a:avLst/>
-              </a:prstGeom>
-              <a:noFill/>
-            </p:spPr>
-            <p:txBody>
-              <a:bodyPr wrap="none" lIns="0" tIns="0" rIns="0" bIns="0" rtlCol="0">
-                <a:spAutoFit/>
-              </a:bodyPr>
-              <a:lstStyle/>
-              <a:p>
-                <a:pPr/>
-                <a14:m>
-                  <m:oMathPara xmlns:m="http://schemas.openxmlformats.org/officeDocument/2006/math">
-                    <m:oMathParaPr>
-                      <m:jc m:val="centerGroup"/>
-                    </m:oMathParaPr>
-                    <m:oMath xmlns:m="http://schemas.openxmlformats.org/officeDocument/2006/math">
-                      <m:r>
-                        <a:rPr lang="fr-FR" sz="1200" b="0" i="1" smtClean="0">
-                          <a:latin typeface="Cambria Math" panose="02040503050406030204" pitchFamily="18" charset="0"/>
-                        </a:rPr>
-                        <m:t>𝐵</m:t>
-                      </m:r>
-                    </m:oMath>
-                  </m:oMathPara>
-                </a14:m>
-                <a:endParaRPr lang="fr-FR" sz="1200" dirty="0"/>
-              </a:p>
-            </p:txBody>
-          </p:sp>
-        </mc:Choice>
-        <mc:Fallback xmlns="">
-          <p:sp>
-            <p:nvSpPr>
-              <p:cNvPr id="37" name="ZoneTexte 36"/>
-              <p:cNvSpPr txBox="1">
-                <a:spLocks noRot="1" noChangeAspect="1" noMove="1" noResize="1" noEditPoints="1" noAdjustHandles="1" noChangeArrowheads="1" noChangeShapeType="1" noTextEdit="1"/>
-              </p:cNvSpPr>
-              <p:nvPr/>
-            </p:nvSpPr>
-            <p:spPr>
-              <a:xfrm>
-                <a:off x="6325195" y="3229811"/>
-                <a:ext cx="140359" cy="184666"/>
-              </a:xfrm>
-              <a:prstGeom prst="rect">
-                <a:avLst/>
-              </a:prstGeom>
-              <a:blipFill>
-                <a:blip r:embed="rId5"/>
-                <a:stretch>
-                  <a:fillRect l="-26087" r="-21739" b="-6667"/>
-                </a:stretch>
-              </a:blipFill>
-            </p:spPr>
-            <p:txBody>
-              <a:bodyPr/>
-              <a:lstStyle/>
-              <a:p>
-                <a:r>
-                  <a:rPr lang="fr-FR">
-                    <a:noFill/>
-                  </a:rPr>
-                  <a:t> </a:t>
-                </a:r>
-              </a:p>
-            </p:txBody>
-          </p:sp>
-        </mc:Fallback>
-      </mc:AlternateContent>
-    </p:spTree>
-    <p:extLst>
-      <p:ext uri="{BB962C8B-B14F-4D97-AF65-F5344CB8AC3E}">
-        <p14:creationId xmlns:p14="http://schemas.microsoft.com/office/powerpoint/2010/main" val="888028349"/>
-      </p:ext>
-    </p:extLst>
-  </p:cSld>
-  <p:clrMapOvr>
-    <a:masterClrMapping/>
-  </p:clrMapOvr>
-</p:sld>
-</file>
-
 <file path=ppt/theme/theme1.xml><?xml version="1.0" encoding="utf-8"?>
 <a:theme xmlns:a="http://schemas.openxmlformats.org/drawingml/2006/main" name="Thème Office">
   <a:themeElements>

--- a/02_TractionCompression/Fiche/images/Figures.pptx
+++ b/02_TractionCompression/Fiche/images/Figures.pptx
@@ -6,15 +6,17 @@
   </p:sldMasterIdLst>
   <p:sldIdLst>
     <p:sldId id="264" r:id="rId2"/>
-    <p:sldId id="265" r:id="rId3"/>
-    <p:sldId id="261" r:id="rId4"/>
-    <p:sldId id="263" r:id="rId5"/>
-    <p:sldId id="262" r:id="rId6"/>
-    <p:sldId id="256" r:id="rId7"/>
-    <p:sldId id="259" r:id="rId8"/>
-    <p:sldId id="260" r:id="rId9"/>
-    <p:sldId id="257" r:id="rId10"/>
-    <p:sldId id="258" r:id="rId11"/>
+    <p:sldId id="267" r:id="rId3"/>
+    <p:sldId id="265" r:id="rId4"/>
+    <p:sldId id="261" r:id="rId5"/>
+    <p:sldId id="263" r:id="rId6"/>
+    <p:sldId id="262" r:id="rId7"/>
+    <p:sldId id="266" r:id="rId8"/>
+    <p:sldId id="256" r:id="rId9"/>
+    <p:sldId id="259" r:id="rId10"/>
+    <p:sldId id="260" r:id="rId11"/>
+    <p:sldId id="257" r:id="rId12"/>
+    <p:sldId id="258" r:id="rId13"/>
   </p:sldIdLst>
   <p:sldSz cx="12192000" cy="6858000"/>
   <p:notesSz cx="6858000" cy="9144000"/>
@@ -116,7 +118,7 @@
   <p:extLst>
     <p:ext uri="{EFAFB233-063F-42B5-8137-9DF3F51BA10A}">
       <p15:sldGuideLst xmlns:p15="http://schemas.microsoft.com/office/powerpoint/2012/main">
-        <p15:guide id="1" orient="horz" pos="2205" userDrawn="1">
+        <p15:guide id="1" orient="horz" pos="2160" userDrawn="1">
           <p15:clr>
             <a:srgbClr val="A4A3A4"/>
           </p15:clr>
@@ -313,7 +315,7 @@
           <a:p>
             <a:fld id="{AA309A6D-C09C-4548-B29A-6CF363A7E532}" type="datetimeFigureOut">
               <a:rPr lang="fr-FR" smtClean="0"/>
-              <a:t>23/07/2016</a:t>
+              <a:t>25/07/2016</a:t>
             </a:fld>
             <a:endParaRPr lang="fr-BE"/>
           </a:p>
@@ -478,7 +480,7 @@
           <a:p>
             <a:fld id="{AA309A6D-C09C-4548-B29A-6CF363A7E532}" type="datetimeFigureOut">
               <a:rPr lang="fr-FR" smtClean="0"/>
-              <a:t>23/07/2016</a:t>
+              <a:t>25/07/2016</a:t>
             </a:fld>
             <a:endParaRPr lang="fr-BE"/>
           </a:p>
@@ -653,7 +655,7 @@
           <a:p>
             <a:fld id="{AA309A6D-C09C-4548-B29A-6CF363A7E532}" type="datetimeFigureOut">
               <a:rPr lang="fr-FR" smtClean="0"/>
-              <a:t>23/07/2016</a:t>
+              <a:t>25/07/2016</a:t>
             </a:fld>
             <a:endParaRPr lang="fr-BE"/>
           </a:p>
@@ -818,7 +820,7 @@
           <a:p>
             <a:fld id="{AA309A6D-C09C-4548-B29A-6CF363A7E532}" type="datetimeFigureOut">
               <a:rPr lang="fr-FR" smtClean="0"/>
-              <a:t>23/07/2016</a:t>
+              <a:t>25/07/2016</a:t>
             </a:fld>
             <a:endParaRPr lang="fr-BE"/>
           </a:p>
@@ -1059,7 +1061,7 @@
           <a:p>
             <a:fld id="{AA309A6D-C09C-4548-B29A-6CF363A7E532}" type="datetimeFigureOut">
               <a:rPr lang="fr-FR" smtClean="0"/>
-              <a:t>23/07/2016</a:t>
+              <a:t>25/07/2016</a:t>
             </a:fld>
             <a:endParaRPr lang="fr-BE"/>
           </a:p>
@@ -1342,7 +1344,7 @@
           <a:p>
             <a:fld id="{AA309A6D-C09C-4548-B29A-6CF363A7E532}" type="datetimeFigureOut">
               <a:rPr lang="fr-FR" smtClean="0"/>
-              <a:t>23/07/2016</a:t>
+              <a:t>25/07/2016</a:t>
             </a:fld>
             <a:endParaRPr lang="fr-BE"/>
           </a:p>
@@ -1759,7 +1761,7 @@
           <a:p>
             <a:fld id="{AA309A6D-C09C-4548-B29A-6CF363A7E532}" type="datetimeFigureOut">
               <a:rPr lang="fr-FR" smtClean="0"/>
-              <a:t>23/07/2016</a:t>
+              <a:t>25/07/2016</a:t>
             </a:fld>
             <a:endParaRPr lang="fr-BE"/>
           </a:p>
@@ -1872,7 +1874,7 @@
           <a:p>
             <a:fld id="{AA309A6D-C09C-4548-B29A-6CF363A7E532}" type="datetimeFigureOut">
               <a:rPr lang="fr-FR" smtClean="0"/>
-              <a:t>23/07/2016</a:t>
+              <a:t>25/07/2016</a:t>
             </a:fld>
             <a:endParaRPr lang="fr-BE"/>
           </a:p>
@@ -1962,7 +1964,7 @@
           <a:p>
             <a:fld id="{AA309A6D-C09C-4548-B29A-6CF363A7E532}" type="datetimeFigureOut">
               <a:rPr lang="fr-FR" smtClean="0"/>
-              <a:t>23/07/2016</a:t>
+              <a:t>25/07/2016</a:t>
             </a:fld>
             <a:endParaRPr lang="fr-BE"/>
           </a:p>
@@ -2234,7 +2236,7 @@
           <a:p>
             <a:fld id="{AA309A6D-C09C-4548-B29A-6CF363A7E532}" type="datetimeFigureOut">
               <a:rPr lang="fr-FR" smtClean="0"/>
-              <a:t>23/07/2016</a:t>
+              <a:t>25/07/2016</a:t>
             </a:fld>
             <a:endParaRPr lang="fr-BE"/>
           </a:p>
@@ -2482,7 +2484,7 @@
           <a:p>
             <a:fld id="{AA309A6D-C09C-4548-B29A-6CF363A7E532}" type="datetimeFigureOut">
               <a:rPr lang="fr-FR" smtClean="0"/>
-              <a:t>23/07/2016</a:t>
+              <a:t>25/07/2016</a:t>
             </a:fld>
             <a:endParaRPr lang="fr-BE"/>
           </a:p>
@@ -2690,7 +2692,7 @@
           <a:p>
             <a:fld id="{AA309A6D-C09C-4548-B29A-6CF363A7E532}" type="datetimeFigureOut">
               <a:rPr lang="fr-FR" smtClean="0"/>
-              <a:t>23/07/2016</a:t>
+              <a:t>25/07/2016</a:t>
             </a:fld>
             <a:endParaRPr lang="fr-BE"/>
           </a:p>
@@ -3698,8 +3700,8 @@
           </a:fontRef>
         </p:style>
       </p:cxnSp>
-      <mc:AlternateContent xmlns:mc="http://schemas.openxmlformats.org/markup-compatibility/2006">
-        <mc:Choice xmlns:a14="http://schemas.microsoft.com/office/drawing/2010/main" Requires="a14">
+      <mc:AlternateContent xmlns:mc="http://schemas.openxmlformats.org/markup-compatibility/2006" xmlns:a14="http://schemas.microsoft.com/office/drawing/2010/main">
+        <mc:Choice Requires="a14">
           <p:sp>
             <p:nvSpPr>
               <p:cNvPr id="64" name="ZoneTexte 63"/>
@@ -3743,7 +3745,7 @@
             </p:txBody>
           </p:sp>
         </mc:Choice>
-        <mc:Fallback>
+        <mc:Fallback xmlns="">
           <p:sp>
             <p:nvSpPr>
               <p:cNvPr id="64" name="ZoneTexte 63"/>
@@ -3935,8 +3937,8 @@
           </a:p>
         </p:txBody>
       </p:sp>
-      <mc:AlternateContent xmlns:mc="http://schemas.openxmlformats.org/markup-compatibility/2006">
-        <mc:Choice xmlns:a14="http://schemas.microsoft.com/office/drawing/2010/main" Requires="a14">
+      <mc:AlternateContent xmlns:mc="http://schemas.openxmlformats.org/markup-compatibility/2006" xmlns:a14="http://schemas.microsoft.com/office/drawing/2010/main">
+        <mc:Choice Requires="a14">
           <p:sp>
             <p:nvSpPr>
               <p:cNvPr id="72" name="ZoneTexte 71"/>
@@ -3986,7 +3988,7 @@
             </p:txBody>
           </p:sp>
         </mc:Choice>
-        <mc:Fallback>
+        <mc:Fallback xmlns="">
           <p:sp>
             <p:nvSpPr>
               <p:cNvPr id="72" name="ZoneTexte 71"/>
@@ -4025,8 +4027,8 @@
           </p:sp>
         </mc:Fallback>
       </mc:AlternateContent>
-      <mc:AlternateContent xmlns:mc="http://schemas.openxmlformats.org/markup-compatibility/2006">
-        <mc:Choice xmlns:a14="http://schemas.microsoft.com/office/drawing/2010/main" Requires="a14">
+      <mc:AlternateContent xmlns:mc="http://schemas.openxmlformats.org/markup-compatibility/2006" xmlns:a14="http://schemas.microsoft.com/office/drawing/2010/main">
+        <mc:Choice Requires="a14">
           <p:sp>
             <p:nvSpPr>
               <p:cNvPr id="73" name="ZoneTexte 72"/>
@@ -4076,7 +4078,7 @@
             </p:txBody>
           </p:sp>
         </mc:Choice>
-        <mc:Fallback>
+        <mc:Fallback xmlns="">
           <p:sp>
             <p:nvSpPr>
               <p:cNvPr id="73" name="ZoneTexte 72"/>
@@ -4155,8 +4157,8 @@
           </a:fontRef>
         </p:style>
       </p:cxnSp>
-      <mc:AlternateContent xmlns:mc="http://schemas.openxmlformats.org/markup-compatibility/2006">
-        <mc:Choice xmlns:a14="http://schemas.microsoft.com/office/drawing/2010/main" Requires="a14">
+      <mc:AlternateContent xmlns:mc="http://schemas.openxmlformats.org/markup-compatibility/2006" xmlns:a14="http://schemas.microsoft.com/office/drawing/2010/main">
+        <mc:Choice Requires="a14">
           <p:sp>
             <p:nvSpPr>
               <p:cNvPr id="78" name="ZoneTexte 77"/>
@@ -4200,7 +4202,7 @@
             </p:txBody>
           </p:sp>
         </mc:Choice>
-        <mc:Fallback>
+        <mc:Fallback xmlns="">
           <p:sp>
             <p:nvSpPr>
               <p:cNvPr id="78" name="ZoneTexte 77"/>
@@ -4652,8 +4654,8 @@
               </p:sp>
             </mc:Fallback>
           </mc:AlternateContent>
-          <mc:AlternateContent xmlns:mc="http://schemas.openxmlformats.org/markup-compatibility/2006">
-            <mc:Choice xmlns:a14="http://schemas.microsoft.com/office/drawing/2010/main" Requires="a14">
+          <mc:AlternateContent xmlns:mc="http://schemas.openxmlformats.org/markup-compatibility/2006" xmlns:a14="http://schemas.microsoft.com/office/drawing/2010/main">
+            <mc:Choice Requires="a14">
               <p:sp>
                 <p:nvSpPr>
                   <p:cNvPr id="14" name="ZoneTexte 13"/>
@@ -4709,7 +4711,7 @@
                 </p:txBody>
               </p:sp>
             </mc:Choice>
-            <mc:Fallback>
+            <mc:Fallback xmlns="">
               <p:sp>
                 <p:nvSpPr>
                   <p:cNvPr id="14" name="ZoneTexte 13"/>
@@ -4853,6 +4855,3344 @@
 </file>
 
 <file path=ppt/slides/slide10.xml><?xml version="1.0" encoding="utf-8"?>
+<p:sld xmlns:a="http://schemas.openxmlformats.org/drawingml/2006/main" xmlns:r="http://schemas.openxmlformats.org/officeDocument/2006/relationships" xmlns:p="http://schemas.openxmlformats.org/presentationml/2006/main">
+  <p:cSld>
+    <p:spTree>
+      <p:nvGrpSpPr>
+        <p:cNvPr id="1" name=""/>
+        <p:cNvGrpSpPr/>
+        <p:nvPr/>
+      </p:nvGrpSpPr>
+      <p:grpSpPr>
+        <a:xfrm>
+          <a:off x="0" y="0"/>
+          <a:ext cx="0" cy="0"/>
+          <a:chOff x="0" y="0"/>
+          <a:chExt cx="0" cy="0"/>
+        </a:xfrm>
+      </p:grpSpPr>
+      <p:cxnSp>
+        <p:nvCxnSpPr>
+          <p:cNvPr id="37" name="Connecteur droit 36"/>
+          <p:cNvCxnSpPr/>
+          <p:nvPr/>
+        </p:nvCxnSpPr>
+        <p:spPr>
+          <a:xfrm>
+            <a:off x="1775520" y="3148480"/>
+            <a:ext cx="1361715" cy="0"/>
+          </a:xfrm>
+          <a:prstGeom prst="line">
+            <a:avLst/>
+          </a:prstGeom>
+          <a:ln w="19050">
+            <a:solidFill>
+              <a:schemeClr val="accent5">
+                <a:lumMod val="50000"/>
+              </a:schemeClr>
+            </a:solidFill>
+          </a:ln>
+        </p:spPr>
+        <p:style>
+          <a:lnRef idx="1">
+            <a:schemeClr val="accent1"/>
+          </a:lnRef>
+          <a:fillRef idx="0">
+            <a:schemeClr val="accent1"/>
+          </a:fillRef>
+          <a:effectRef idx="0">
+            <a:schemeClr val="accent1"/>
+          </a:effectRef>
+          <a:fontRef idx="minor">
+            <a:schemeClr val="tx1"/>
+          </a:fontRef>
+        </p:style>
+      </p:cxnSp>
+      <p:cxnSp>
+        <p:nvCxnSpPr>
+          <p:cNvPr id="41" name="Connecteur droit 40"/>
+          <p:cNvCxnSpPr/>
+          <p:nvPr/>
+        </p:nvCxnSpPr>
+        <p:spPr>
+          <a:xfrm>
+            <a:off x="1775520" y="3709520"/>
+            <a:ext cx="1440159" cy="0"/>
+          </a:xfrm>
+          <a:prstGeom prst="line">
+            <a:avLst/>
+          </a:prstGeom>
+          <a:ln w="19050">
+            <a:solidFill>
+              <a:schemeClr val="accent5">
+                <a:lumMod val="50000"/>
+              </a:schemeClr>
+            </a:solidFill>
+          </a:ln>
+        </p:spPr>
+        <p:style>
+          <a:lnRef idx="1">
+            <a:schemeClr val="accent1"/>
+          </a:lnRef>
+          <a:fillRef idx="0">
+            <a:schemeClr val="accent1"/>
+          </a:fillRef>
+          <a:effectRef idx="0">
+            <a:schemeClr val="accent1"/>
+          </a:effectRef>
+          <a:fontRef idx="minor">
+            <a:schemeClr val="tx1"/>
+          </a:fontRef>
+        </p:style>
+      </p:cxnSp>
+      <p:cxnSp>
+        <p:nvCxnSpPr>
+          <p:cNvPr id="89" name="Connecteur droit 88"/>
+          <p:cNvCxnSpPr/>
+          <p:nvPr/>
+        </p:nvCxnSpPr>
+        <p:spPr>
+          <a:xfrm>
+            <a:off x="1677473" y="3432778"/>
+            <a:ext cx="1898247" cy="0"/>
+          </a:xfrm>
+          <a:prstGeom prst="line">
+            <a:avLst/>
+          </a:prstGeom>
+          <a:ln w="9525">
+            <a:solidFill>
+              <a:schemeClr val="accent5">
+                <a:lumMod val="50000"/>
+              </a:schemeClr>
+            </a:solidFill>
+            <a:prstDash val="lgDashDot"/>
+          </a:ln>
+        </p:spPr>
+        <p:style>
+          <a:lnRef idx="1">
+            <a:schemeClr val="accent1"/>
+          </a:lnRef>
+          <a:fillRef idx="0">
+            <a:schemeClr val="accent1"/>
+          </a:fillRef>
+          <a:effectRef idx="0">
+            <a:schemeClr val="accent1"/>
+          </a:effectRef>
+          <a:fontRef idx="minor">
+            <a:schemeClr val="tx1"/>
+          </a:fontRef>
+        </p:style>
+      </p:cxnSp>
+      <p:sp>
+        <p:nvSpPr>
+          <p:cNvPr id="2" name="Éclair 1"/>
+          <p:cNvSpPr/>
+          <p:nvPr/>
+        </p:nvSpPr>
+        <p:spPr>
+          <a:xfrm>
+            <a:off x="1839966" y="2669194"/>
+            <a:ext cx="386079" cy="432048"/>
+          </a:xfrm>
+          <a:prstGeom prst="lightningBolt">
+            <a:avLst/>
+          </a:prstGeom>
+          <a:solidFill>
+            <a:srgbClr val="FFC000"/>
+          </a:solidFill>
+          <a:ln>
+            <a:solidFill>
+              <a:srgbClr val="C00000"/>
+            </a:solidFill>
+          </a:ln>
+        </p:spPr>
+        <p:style>
+          <a:lnRef idx="2">
+            <a:schemeClr val="accent1">
+              <a:shade val="50000"/>
+            </a:schemeClr>
+          </a:lnRef>
+          <a:fillRef idx="1">
+            <a:schemeClr val="accent1"/>
+          </a:fillRef>
+          <a:effectRef idx="0">
+            <a:schemeClr val="accent1"/>
+          </a:effectRef>
+          <a:fontRef idx="minor">
+            <a:schemeClr val="lt1"/>
+          </a:fontRef>
+        </p:style>
+        <p:txBody>
+          <a:bodyPr rtlCol="0" anchor="ctr"/>
+          <a:lstStyle/>
+          <a:p>
+            <a:pPr algn="ctr"/>
+            <a:endParaRPr lang="fr-FR" dirty="0"/>
+          </a:p>
+        </p:txBody>
+      </p:sp>
+      <mc:AlternateContent xmlns:mc="http://schemas.openxmlformats.org/markup-compatibility/2006" xmlns:a14="http://schemas.microsoft.com/office/drawing/2010/main">
+        <mc:Choice Requires="a14">
+          <p:sp>
+            <p:nvSpPr>
+              <p:cNvPr id="3" name="ZoneTexte 2"/>
+              <p:cNvSpPr txBox="1"/>
+              <p:nvPr/>
+            </p:nvSpPr>
+            <p:spPr>
+              <a:xfrm>
+                <a:off x="1011484" y="2802967"/>
+                <a:ext cx="852990" cy="184666"/>
+              </a:xfrm>
+              <a:prstGeom prst="rect">
+                <a:avLst/>
+              </a:prstGeom>
+              <a:noFill/>
+            </p:spPr>
+            <p:txBody>
+              <a:bodyPr wrap="none" lIns="0" tIns="0" rIns="0" bIns="0" rtlCol="0">
+                <a:spAutoFit/>
+              </a:bodyPr>
+              <a:lstStyle/>
+              <a:p>
+                <a:pPr/>
+                <a14:m>
+                  <m:oMathPara xmlns:m="http://schemas.openxmlformats.org/officeDocument/2006/math">
+                    <m:oMathParaPr>
+                      <m:jc m:val="centerGroup"/>
+                    </m:oMathParaPr>
+                    <m:oMath xmlns:m="http://schemas.openxmlformats.org/officeDocument/2006/math">
+                      <m:d>
+                        <m:dPr>
+                          <m:begChr m:val="{"/>
+                          <m:endChr m:val="}"/>
+                          <m:ctrlPr>
+                            <a:rPr lang="fr-FR" sz="1200" i="1" smtClean="0">
+                              <a:latin typeface="Cambria Math" panose="02040503050406030204" pitchFamily="18" charset="0"/>
+                            </a:rPr>
+                          </m:ctrlPr>
+                        </m:dPr>
+                        <m:e>
+                          <m:r>
+                            <a:rPr lang="fr-FR" sz="1200" i="1" smtClean="0">
+                              <a:latin typeface="Cambria Math" panose="02040503050406030204" pitchFamily="18" charset="0"/>
+                              <a:ea typeface="Cambria Math" panose="02040503050406030204" pitchFamily="18" charset="0"/>
+                            </a:rPr>
+                            <m:t>𝒯</m:t>
+                          </m:r>
+                          <m:d>
+                            <m:dPr>
+                              <m:ctrlPr>
+                                <a:rPr lang="fr-FR" sz="1200" i="1" smtClean="0">
+                                  <a:latin typeface="Cambria Math" panose="02040503050406030204" pitchFamily="18" charset="0"/>
+                                  <a:ea typeface="Cambria Math" panose="02040503050406030204" pitchFamily="18" charset="0"/>
+                                </a:rPr>
+                              </m:ctrlPr>
+                            </m:dPr>
+                            <m:e>
+                              <m:r>
+                                <m:rPr>
+                                  <m:sty m:val="p"/>
+                                </m:rPr>
+                                <a:rPr lang="fr-FR" sz="1200" b="0" i="0" smtClean="0">
+                                  <a:latin typeface="Cambria Math" panose="02040503050406030204" pitchFamily="18" charset="0"/>
+                                  <a:ea typeface="Cambria Math" panose="02040503050406030204" pitchFamily="18" charset="0"/>
+                                </a:rPr>
+                                <m:t>ext</m:t>
+                              </m:r>
+                              <m:r>
+                                <a:rPr lang="fr-FR" sz="1200" b="0" i="1" smtClean="0">
+                                  <a:latin typeface="Cambria Math" panose="02040503050406030204" pitchFamily="18" charset="0"/>
+                                  <a:ea typeface="Cambria Math" panose="02040503050406030204" pitchFamily="18" charset="0"/>
+                                </a:rPr>
+                                <m:t>→</m:t>
+                              </m:r>
+                              <m:r>
+                                <m:rPr>
+                                  <m:sty m:val="p"/>
+                                </m:rPr>
+                                <a:rPr lang="fr-FR" sz="1200" b="0" i="0" smtClean="0">
+                                  <a:latin typeface="Cambria Math" panose="02040503050406030204" pitchFamily="18" charset="0"/>
+                                  <a:ea typeface="Cambria Math" panose="02040503050406030204" pitchFamily="18" charset="0"/>
+                                </a:rPr>
+                                <m:t>I</m:t>
+                              </m:r>
+                            </m:e>
+                          </m:d>
+                        </m:e>
+                      </m:d>
+                    </m:oMath>
+                  </m:oMathPara>
+                </a14:m>
+                <a:endParaRPr lang="fr-FR" dirty="0"/>
+              </a:p>
+            </p:txBody>
+          </p:sp>
+        </mc:Choice>
+        <mc:Fallback xmlns="">
+          <p:sp>
+            <p:nvSpPr>
+              <p:cNvPr id="3" name="ZoneTexte 2"/>
+              <p:cNvSpPr txBox="1">
+                <a:spLocks noRot="1" noChangeAspect="1" noMove="1" noResize="1" noEditPoints="1" noAdjustHandles="1" noChangeArrowheads="1" noChangeShapeType="1" noTextEdit="1"/>
+              </p:cNvSpPr>
+              <p:nvPr/>
+            </p:nvSpPr>
+            <p:spPr>
+              <a:xfrm>
+                <a:off x="1011484" y="2802967"/>
+                <a:ext cx="852990" cy="184666"/>
+              </a:xfrm>
+              <a:prstGeom prst="rect">
+                <a:avLst/>
+              </a:prstGeom>
+              <a:blipFill>
+                <a:blip r:embed="rId2"/>
+                <a:stretch>
+                  <a:fillRect b="-6667"/>
+                </a:stretch>
+              </a:blipFill>
+            </p:spPr>
+            <p:txBody>
+              <a:bodyPr/>
+              <a:lstStyle/>
+              <a:p>
+                <a:r>
+                  <a:rPr lang="fr-FR">
+                    <a:noFill/>
+                  </a:rPr>
+                  <a:t> </a:t>
+                </a:r>
+              </a:p>
+            </p:txBody>
+          </p:sp>
+        </mc:Fallback>
+      </mc:AlternateContent>
+      <p:sp>
+        <p:nvSpPr>
+          <p:cNvPr id="4" name="Forme libre 3"/>
+          <p:cNvSpPr/>
+          <p:nvPr/>
+        </p:nvSpPr>
+        <p:spPr>
+          <a:xfrm rot="21318374">
+            <a:off x="3066056" y="3011556"/>
+            <a:ext cx="238540" cy="834887"/>
+          </a:xfrm>
+          <a:custGeom>
+            <a:avLst/>
+            <a:gdLst>
+              <a:gd name="connsiteX0" fmla="*/ 0 w 238540"/>
+              <a:gd name="connsiteY0" fmla="*/ 0 h 834887"/>
+              <a:gd name="connsiteX1" fmla="*/ 238540 w 238540"/>
+              <a:gd name="connsiteY1" fmla="*/ 834887 h 834887"/>
+              <a:gd name="connsiteX0" fmla="*/ 0 w 238540"/>
+              <a:gd name="connsiteY0" fmla="*/ 0 h 834887"/>
+              <a:gd name="connsiteX1" fmla="*/ 238540 w 238540"/>
+              <a:gd name="connsiteY1" fmla="*/ 834887 h 834887"/>
+              <a:gd name="connsiteX0" fmla="*/ 0 w 238540"/>
+              <a:gd name="connsiteY0" fmla="*/ 0 h 834887"/>
+              <a:gd name="connsiteX1" fmla="*/ 238540 w 238540"/>
+              <a:gd name="connsiteY1" fmla="*/ 834887 h 834887"/>
+            </a:gdLst>
+            <a:ahLst/>
+            <a:cxnLst>
+              <a:cxn ang="0">
+                <a:pos x="connsiteX0" y="connsiteY0"/>
+              </a:cxn>
+              <a:cxn ang="0">
+                <a:pos x="connsiteX1" y="connsiteY1"/>
+              </a:cxn>
+            </a:cxnLst>
+            <a:rect l="l" t="t" r="r" b="b"/>
+            <a:pathLst>
+              <a:path w="238540" h="834887">
+                <a:moveTo>
+                  <a:pt x="0" y="0"/>
+                </a:moveTo>
+                <a:cubicBezTo>
+                  <a:pt x="243840" y="66260"/>
+                  <a:pt x="-45056" y="744772"/>
+                  <a:pt x="238540" y="834887"/>
+                </a:cubicBezTo>
+              </a:path>
+            </a:pathLst>
+          </a:custGeom>
+          <a:noFill/>
+          <a:ln>
+            <a:solidFill>
+              <a:srgbClr val="C00000"/>
+            </a:solidFill>
+          </a:ln>
+        </p:spPr>
+        <p:style>
+          <a:lnRef idx="2">
+            <a:schemeClr val="accent1">
+              <a:shade val="50000"/>
+            </a:schemeClr>
+          </a:lnRef>
+          <a:fillRef idx="1">
+            <a:schemeClr val="accent1"/>
+          </a:fillRef>
+          <a:effectRef idx="0">
+            <a:schemeClr val="accent1"/>
+          </a:effectRef>
+          <a:fontRef idx="minor">
+            <a:schemeClr val="lt1"/>
+          </a:fontRef>
+        </p:style>
+        <p:txBody>
+          <a:bodyPr rtlCol="0" anchor="ctr"/>
+          <a:lstStyle/>
+          <a:p>
+            <a:pPr algn="ctr"/>
+            <a:endParaRPr lang="fr-FR"/>
+          </a:p>
+        </p:txBody>
+      </p:sp>
+      <mc:AlternateContent xmlns:mc="http://schemas.openxmlformats.org/markup-compatibility/2006" xmlns:a14="http://schemas.microsoft.com/office/drawing/2010/main">
+        <mc:Choice Requires="a14">
+          <p:sp>
+            <p:nvSpPr>
+              <p:cNvPr id="5" name="Ellipse 4"/>
+              <p:cNvSpPr/>
+              <p:nvPr/>
+            </p:nvSpPr>
+            <p:spPr>
+              <a:xfrm>
+                <a:off x="2423592" y="3186396"/>
+                <a:ext cx="216024" cy="216024"/>
+              </a:xfrm>
+              <a:prstGeom prst="ellipse">
+                <a:avLst/>
+              </a:prstGeom>
+              <a:solidFill>
+                <a:schemeClr val="accent5">
+                  <a:lumMod val="20000"/>
+                  <a:lumOff val="80000"/>
+                </a:schemeClr>
+              </a:solidFill>
+              <a:ln w="19050">
+                <a:solidFill>
+                  <a:schemeClr val="accent5">
+                    <a:lumMod val="50000"/>
+                  </a:schemeClr>
+                </a:solidFill>
+              </a:ln>
+            </p:spPr>
+            <p:style>
+              <a:lnRef idx="2">
+                <a:schemeClr val="accent1">
+                  <a:shade val="50000"/>
+                </a:schemeClr>
+              </a:lnRef>
+              <a:fillRef idx="1">
+                <a:schemeClr val="accent1"/>
+              </a:fillRef>
+              <a:effectRef idx="0">
+                <a:schemeClr val="accent1"/>
+              </a:effectRef>
+              <a:fontRef idx="minor">
+                <a:schemeClr val="lt1"/>
+              </a:fontRef>
+            </p:style>
+            <p:txBody>
+              <a:bodyPr lIns="0" tIns="0" rIns="0" bIns="0" rtlCol="0" anchor="ctr"/>
+              <a:lstStyle/>
+              <a:p>
+                <a:pPr algn="ctr"/>
+                <a14:m>
+                  <m:oMathPara xmlns:m="http://schemas.openxmlformats.org/officeDocument/2006/math">
+                    <m:oMathParaPr>
+                      <m:jc m:val="centerGroup"/>
+                    </m:oMathParaPr>
+                    <m:oMath xmlns:m="http://schemas.openxmlformats.org/officeDocument/2006/math">
+                      <m:r>
+                        <a:rPr lang="fr-FR" sz="1050" b="1" i="0" smtClean="0">
+                          <a:solidFill>
+                            <a:schemeClr val="tx1"/>
+                          </a:solidFill>
+                          <a:latin typeface="Cambria Math" panose="02040503050406030204" pitchFamily="18" charset="0"/>
+                        </a:rPr>
+                        <m:t>𝐈</m:t>
+                      </m:r>
+                    </m:oMath>
+                  </m:oMathPara>
+                </a14:m>
+                <a:endParaRPr lang="fr-FR" b="1" dirty="0"/>
+              </a:p>
+            </p:txBody>
+          </p:sp>
+        </mc:Choice>
+        <mc:Fallback xmlns="">
+          <p:sp>
+            <p:nvSpPr>
+              <p:cNvPr id="5" name="Ellipse 4"/>
+              <p:cNvSpPr>
+                <a:spLocks noRot="1" noChangeAspect="1" noMove="1" noResize="1" noEditPoints="1" noAdjustHandles="1" noChangeArrowheads="1" noChangeShapeType="1" noTextEdit="1"/>
+              </p:cNvSpPr>
+              <p:nvPr/>
+            </p:nvSpPr>
+            <p:spPr>
+              <a:xfrm>
+                <a:off x="2423592" y="3186396"/>
+                <a:ext cx="216024" cy="216024"/>
+              </a:xfrm>
+              <a:prstGeom prst="ellipse">
+                <a:avLst/>
+              </a:prstGeom>
+              <a:blipFill>
+                <a:blip r:embed="rId3"/>
+                <a:stretch>
+                  <a:fillRect/>
+                </a:stretch>
+              </a:blipFill>
+              <a:ln w="19050">
+                <a:solidFill>
+                  <a:schemeClr val="accent5">
+                    <a:lumMod val="50000"/>
+                  </a:schemeClr>
+                </a:solidFill>
+              </a:ln>
+            </p:spPr>
+            <p:txBody>
+              <a:bodyPr/>
+              <a:lstStyle/>
+              <a:p>
+                <a:r>
+                  <a:rPr lang="fr-FR">
+                    <a:noFill/>
+                  </a:rPr>
+                  <a:t> </a:t>
+                </a:r>
+              </a:p>
+            </p:txBody>
+          </p:sp>
+        </mc:Fallback>
+      </mc:AlternateContent>
+      <mc:AlternateContent xmlns:mc="http://schemas.openxmlformats.org/markup-compatibility/2006" xmlns:a14="http://schemas.microsoft.com/office/drawing/2010/main">
+        <mc:Choice Requires="a14">
+          <p:sp>
+            <p:nvSpPr>
+              <p:cNvPr id="7" name="Rectangle 6"/>
+              <p:cNvSpPr/>
+              <p:nvPr/>
+            </p:nvSpPr>
+            <p:spPr>
+              <a:xfrm>
+                <a:off x="3182800" y="3167390"/>
+                <a:ext cx="311111" cy="261610"/>
+              </a:xfrm>
+              <a:prstGeom prst="rect">
+                <a:avLst/>
+              </a:prstGeom>
+            </p:spPr>
+            <p:txBody>
+              <a:bodyPr wrap="none">
+                <a:spAutoFit/>
+              </a:bodyPr>
+              <a:lstStyle/>
+              <a:p>
+                <a:pPr/>
+                <a14:m>
+                  <m:oMathPara xmlns:m="http://schemas.openxmlformats.org/officeDocument/2006/math">
+                    <m:oMathParaPr>
+                      <m:jc m:val="centerGroup"/>
+                    </m:oMathParaPr>
+                    <m:oMath xmlns:m="http://schemas.openxmlformats.org/officeDocument/2006/math">
+                      <m:r>
+                        <a:rPr lang="fr-FR" sz="1100" b="0" i="1" smtClean="0">
+                          <a:latin typeface="Cambria Math" panose="02040503050406030204" pitchFamily="18" charset="0"/>
+                        </a:rPr>
+                        <m:t>𝐺</m:t>
+                      </m:r>
+                    </m:oMath>
+                  </m:oMathPara>
+                </a14:m>
+                <a:endParaRPr lang="fr-FR" sz="1100" i="1" dirty="0"/>
+              </a:p>
+            </p:txBody>
+          </p:sp>
+        </mc:Choice>
+        <mc:Fallback xmlns="">
+          <p:sp>
+            <p:nvSpPr>
+              <p:cNvPr id="7" name="Rectangle 6"/>
+              <p:cNvSpPr>
+                <a:spLocks noRot="1" noChangeAspect="1" noMove="1" noResize="1" noEditPoints="1" noAdjustHandles="1" noChangeArrowheads="1" noChangeShapeType="1" noTextEdit="1"/>
+              </p:cNvSpPr>
+              <p:nvPr/>
+            </p:nvSpPr>
+            <p:spPr>
+              <a:xfrm>
+                <a:off x="3182800" y="3167390"/>
+                <a:ext cx="311111" cy="261610"/>
+              </a:xfrm>
+              <a:prstGeom prst="rect">
+                <a:avLst/>
+              </a:prstGeom>
+              <a:blipFill>
+                <a:blip r:embed="rId4"/>
+                <a:stretch>
+                  <a:fillRect/>
+                </a:stretch>
+              </a:blipFill>
+            </p:spPr>
+            <p:txBody>
+              <a:bodyPr/>
+              <a:lstStyle/>
+              <a:p>
+                <a:r>
+                  <a:rPr lang="fr-FR">
+                    <a:noFill/>
+                  </a:rPr>
+                  <a:t> </a:t>
+                </a:r>
+              </a:p>
+            </p:txBody>
+          </p:sp>
+        </mc:Fallback>
+      </mc:AlternateContent>
+      <p:cxnSp>
+        <p:nvCxnSpPr>
+          <p:cNvPr id="14" name="Connecteur droit 13"/>
+          <p:cNvCxnSpPr/>
+          <p:nvPr/>
+        </p:nvCxnSpPr>
+        <p:spPr>
+          <a:xfrm>
+            <a:off x="1775518" y="3148480"/>
+            <a:ext cx="2" cy="561040"/>
+          </a:xfrm>
+          <a:prstGeom prst="line">
+            <a:avLst/>
+          </a:prstGeom>
+          <a:ln w="19050">
+            <a:solidFill>
+              <a:schemeClr val="accent5">
+                <a:lumMod val="50000"/>
+              </a:schemeClr>
+            </a:solidFill>
+          </a:ln>
+        </p:spPr>
+        <p:style>
+          <a:lnRef idx="1">
+            <a:schemeClr val="accent1"/>
+          </a:lnRef>
+          <a:fillRef idx="0">
+            <a:schemeClr val="accent1"/>
+          </a:fillRef>
+          <a:effectRef idx="0">
+            <a:schemeClr val="accent1"/>
+          </a:effectRef>
+          <a:fontRef idx="minor">
+            <a:schemeClr val="tx1"/>
+          </a:fontRef>
+        </p:style>
+      </p:cxnSp>
+      <p:grpSp>
+        <p:nvGrpSpPr>
+          <p:cNvPr id="20" name="Groupe 19"/>
+          <p:cNvGrpSpPr/>
+          <p:nvPr/>
+        </p:nvGrpSpPr>
+        <p:grpSpPr>
+          <a:xfrm>
+            <a:off x="2983732" y="2652517"/>
+            <a:ext cx="949354" cy="998588"/>
+            <a:chOff x="875664" y="487400"/>
+            <a:chExt cx="949353" cy="998588"/>
+          </a:xfrm>
+        </p:grpSpPr>
+        <p:cxnSp>
+          <p:nvCxnSpPr>
+            <p:cNvPr id="21" name="Connecteur droit 20"/>
+            <p:cNvCxnSpPr/>
+            <p:nvPr/>
+          </p:nvCxnSpPr>
+          <p:spPr>
+            <a:xfrm flipV="1">
+              <a:off x="1065699" y="536583"/>
+              <a:ext cx="0" cy="734599"/>
+            </a:xfrm>
+            <a:prstGeom prst="line">
+              <a:avLst/>
+            </a:prstGeom>
+            <a:ln w="12700">
+              <a:solidFill>
+                <a:schemeClr val="accent5">
+                  <a:lumMod val="50000"/>
+                </a:schemeClr>
+              </a:solidFill>
+              <a:tailEnd type="stealth" w="med" len="lg"/>
+            </a:ln>
+          </p:spPr>
+          <p:style>
+            <a:lnRef idx="1">
+              <a:schemeClr val="accent1"/>
+            </a:lnRef>
+            <a:fillRef idx="0">
+              <a:schemeClr val="accent1"/>
+            </a:fillRef>
+            <a:effectRef idx="0">
+              <a:schemeClr val="accent1"/>
+            </a:effectRef>
+            <a:fontRef idx="minor">
+              <a:schemeClr val="tx1"/>
+            </a:fontRef>
+          </p:style>
+        </p:cxnSp>
+        <p:cxnSp>
+          <p:nvCxnSpPr>
+            <p:cNvPr id="22" name="Connecteur droit 21"/>
+            <p:cNvCxnSpPr/>
+            <p:nvPr/>
+          </p:nvCxnSpPr>
+          <p:spPr>
+            <a:xfrm rot="5400000" flipV="1">
+              <a:off x="1432999" y="905821"/>
+              <a:ext cx="0" cy="734599"/>
+            </a:xfrm>
+            <a:prstGeom prst="line">
+              <a:avLst/>
+            </a:prstGeom>
+            <a:ln w="12700">
+              <a:solidFill>
+                <a:schemeClr val="accent5">
+                  <a:lumMod val="50000"/>
+                </a:schemeClr>
+              </a:solidFill>
+              <a:tailEnd type="stealth" w="med" len="lg"/>
+            </a:ln>
+          </p:spPr>
+          <p:style>
+            <a:lnRef idx="1">
+              <a:schemeClr val="accent1"/>
+            </a:lnRef>
+            <a:fillRef idx="0">
+              <a:schemeClr val="accent1"/>
+            </a:fillRef>
+            <a:effectRef idx="0">
+              <a:schemeClr val="accent1"/>
+            </a:effectRef>
+            <a:fontRef idx="minor">
+              <a:schemeClr val="tx1"/>
+            </a:fontRef>
+          </p:style>
+        </p:cxnSp>
+        <p:grpSp>
+          <p:nvGrpSpPr>
+            <p:cNvPr id="23" name="Groupe 22"/>
+            <p:cNvGrpSpPr/>
+            <p:nvPr/>
+          </p:nvGrpSpPr>
+          <p:grpSpPr>
+            <a:xfrm>
+              <a:off x="1012602" y="1220060"/>
+              <a:ext cx="108000" cy="108000"/>
+              <a:chOff x="1009427" y="1223235"/>
+              <a:chExt cx="108000" cy="108000"/>
+            </a:xfrm>
+          </p:grpSpPr>
+          <p:sp>
+            <p:nvSpPr>
+              <p:cNvPr id="26" name="Ellipse 25"/>
+              <p:cNvSpPr/>
+              <p:nvPr/>
+            </p:nvSpPr>
+            <p:spPr>
+              <a:xfrm>
+                <a:off x="1009427" y="1223235"/>
+                <a:ext cx="108000" cy="108000"/>
+              </a:xfrm>
+              <a:prstGeom prst="ellipse">
+                <a:avLst/>
+              </a:prstGeom>
+              <a:solidFill>
+                <a:schemeClr val="bg1"/>
+              </a:solidFill>
+              <a:ln w="12700">
+                <a:solidFill>
+                  <a:schemeClr val="accent5">
+                    <a:lumMod val="50000"/>
+                  </a:schemeClr>
+                </a:solidFill>
+                <a:tailEnd type="stealth" w="med" len="lg"/>
+              </a:ln>
+            </p:spPr>
+            <p:style>
+              <a:lnRef idx="1">
+                <a:schemeClr val="accent1"/>
+              </a:lnRef>
+              <a:fillRef idx="0">
+                <a:schemeClr val="accent1"/>
+              </a:fillRef>
+              <a:effectRef idx="0">
+                <a:schemeClr val="accent1"/>
+              </a:effectRef>
+              <a:fontRef idx="minor">
+                <a:schemeClr val="tx1"/>
+              </a:fontRef>
+            </p:style>
+            <p:txBody>
+              <a:bodyPr rtlCol="0" anchor="ctr"/>
+              <a:lstStyle/>
+              <a:p>
+                <a:pPr algn="ctr"/>
+                <a:endParaRPr lang="fr-FR"/>
+              </a:p>
+            </p:txBody>
+          </p:sp>
+          <p:sp>
+            <p:nvSpPr>
+              <p:cNvPr id="27" name="Ellipse 26"/>
+              <p:cNvSpPr/>
+              <p:nvPr/>
+            </p:nvSpPr>
+            <p:spPr>
+              <a:xfrm flipH="1" flipV="1">
+                <a:off x="1045427" y="1259235"/>
+                <a:ext cx="36000" cy="36000"/>
+              </a:xfrm>
+              <a:prstGeom prst="ellipse">
+                <a:avLst/>
+              </a:prstGeom>
+              <a:solidFill>
+                <a:schemeClr val="accent5">
+                  <a:lumMod val="50000"/>
+                </a:schemeClr>
+              </a:solidFill>
+              <a:ln w="12700">
+                <a:solidFill>
+                  <a:schemeClr val="accent5">
+                    <a:lumMod val="50000"/>
+                  </a:schemeClr>
+                </a:solidFill>
+                <a:tailEnd type="stealth" w="med" len="lg"/>
+              </a:ln>
+            </p:spPr>
+            <p:style>
+              <a:lnRef idx="1">
+                <a:schemeClr val="accent1"/>
+              </a:lnRef>
+              <a:fillRef idx="0">
+                <a:schemeClr val="accent1"/>
+              </a:fillRef>
+              <a:effectRef idx="0">
+                <a:schemeClr val="accent1"/>
+              </a:effectRef>
+              <a:fontRef idx="minor">
+                <a:schemeClr val="tx1"/>
+              </a:fontRef>
+            </p:style>
+            <p:txBody>
+              <a:bodyPr rtlCol="0" anchor="ctr"/>
+              <a:lstStyle/>
+              <a:p>
+                <a:pPr algn="ctr"/>
+                <a:endParaRPr lang="fr-FR"/>
+              </a:p>
+            </p:txBody>
+          </p:sp>
+        </p:grpSp>
+        <mc:AlternateContent xmlns:mc="http://schemas.openxmlformats.org/markup-compatibility/2006" xmlns:a14="http://schemas.microsoft.com/office/drawing/2010/main">
+          <mc:Choice Requires="a14">
+            <p:sp>
+              <p:nvSpPr>
+                <p:cNvPr id="24" name="ZoneTexte 23"/>
+                <p:cNvSpPr txBox="1"/>
+                <p:nvPr/>
+              </p:nvSpPr>
+              <p:spPr>
+                <a:xfrm>
+                  <a:off x="1703317" y="1037793"/>
+                  <a:ext cx="121700" cy="184666"/>
+                </a:xfrm>
+                <a:prstGeom prst="rect">
+                  <a:avLst/>
+                </a:prstGeom>
+                <a:noFill/>
+              </p:spPr>
+              <p:txBody>
+                <a:bodyPr wrap="none" lIns="0" tIns="0" rIns="0" bIns="0" rtlCol="0">
+                  <a:spAutoFit/>
+                </a:bodyPr>
+                <a:lstStyle/>
+                <a:p>
+                  <a:pPr/>
+                  <a14:m>
+                    <m:oMathPara xmlns:m="http://schemas.openxmlformats.org/officeDocument/2006/math">
+                      <m:oMathParaPr>
+                        <m:jc m:val="centerGroup"/>
+                      </m:oMathParaPr>
+                      <m:oMath xmlns:m="http://schemas.openxmlformats.org/officeDocument/2006/math">
+                        <m:acc>
+                          <m:accPr>
+                            <m:chr m:val="⃗"/>
+                            <m:ctrlPr>
+                              <a:rPr lang="fr-FR" sz="1200" i="1">
+                                <a:latin typeface="Cambria Math" panose="02040503050406030204" pitchFamily="18" charset="0"/>
+                              </a:rPr>
+                            </m:ctrlPr>
+                          </m:accPr>
+                          <m:e>
+                            <m:r>
+                              <a:rPr lang="fr-FR" sz="1200" i="1">
+                                <a:latin typeface="Cambria Math" panose="02040503050406030204" pitchFamily="18" charset="0"/>
+                              </a:rPr>
+                              <m:t>𝑥</m:t>
+                            </m:r>
+                          </m:e>
+                        </m:acc>
+                      </m:oMath>
+                    </m:oMathPara>
+                  </a14:m>
+                  <a:endParaRPr lang="fr-FR" sz="1200" dirty="0"/>
+                </a:p>
+              </p:txBody>
+            </p:sp>
+          </mc:Choice>
+          <mc:Fallback xmlns="">
+            <p:sp>
+              <p:nvSpPr>
+                <p:cNvPr id="44" name="ZoneTexte 43"/>
+                <p:cNvSpPr txBox="1">
+                  <a:spLocks noRot="1" noChangeAspect="1" noMove="1" noResize="1" noEditPoints="1" noAdjustHandles="1" noChangeArrowheads="1" noChangeShapeType="1" noTextEdit="1"/>
+                </p:cNvSpPr>
+                <p:nvPr/>
+              </p:nvSpPr>
+              <p:spPr>
+                <a:xfrm>
+                  <a:off x="1703317" y="1037793"/>
+                  <a:ext cx="121700" cy="184666"/>
+                </a:xfrm>
+                <a:prstGeom prst="rect">
+                  <a:avLst/>
+                </a:prstGeom>
+                <a:blipFill>
+                  <a:blip r:embed="rId5"/>
+                  <a:stretch>
+                    <a:fillRect l="-20000" t="-25806" r="-85000"/>
+                  </a:stretch>
+                </a:blipFill>
+              </p:spPr>
+              <p:txBody>
+                <a:bodyPr/>
+                <a:lstStyle/>
+                <a:p>
+                  <a:r>
+                    <a:rPr lang="fr-FR">
+                      <a:noFill/>
+                    </a:rPr>
+                    <a:t> </a:t>
+                  </a:r>
+                </a:p>
+              </p:txBody>
+            </p:sp>
+          </mc:Fallback>
+        </mc:AlternateContent>
+        <mc:AlternateContent xmlns:mc="http://schemas.openxmlformats.org/markup-compatibility/2006" xmlns:a14="http://schemas.microsoft.com/office/drawing/2010/main">
+          <mc:Choice Requires="a14">
+            <p:sp>
+              <p:nvSpPr>
+                <p:cNvPr id="25" name="ZoneTexte 24"/>
+                <p:cNvSpPr txBox="1"/>
+                <p:nvPr/>
+              </p:nvSpPr>
+              <p:spPr>
+                <a:xfrm>
+                  <a:off x="1121257" y="487400"/>
+                  <a:ext cx="124458" cy="184666"/>
+                </a:xfrm>
+                <a:prstGeom prst="rect">
+                  <a:avLst/>
+                </a:prstGeom>
+                <a:noFill/>
+              </p:spPr>
+              <p:txBody>
+                <a:bodyPr wrap="none" lIns="0" tIns="0" rIns="0" bIns="0" rtlCol="0">
+                  <a:spAutoFit/>
+                </a:bodyPr>
+                <a:lstStyle/>
+                <a:p>
+                  <a:pPr/>
+                  <a14:m>
+                    <m:oMathPara xmlns:m="http://schemas.openxmlformats.org/officeDocument/2006/math">
+                      <m:oMathParaPr>
+                        <m:jc m:val="centerGroup"/>
+                      </m:oMathParaPr>
+                      <m:oMath xmlns:m="http://schemas.openxmlformats.org/officeDocument/2006/math">
+                        <m:acc>
+                          <m:accPr>
+                            <m:chr m:val="⃗"/>
+                            <m:ctrlPr>
+                              <a:rPr lang="fr-FR" sz="1200" i="1">
+                                <a:latin typeface="Cambria Math" panose="02040503050406030204" pitchFamily="18" charset="0"/>
+                              </a:rPr>
+                            </m:ctrlPr>
+                          </m:accPr>
+                          <m:e>
+                            <m:r>
+                              <a:rPr lang="fr-FR" sz="1200" i="1">
+                                <a:latin typeface="Cambria Math" panose="02040503050406030204" pitchFamily="18" charset="0"/>
+                              </a:rPr>
+                              <m:t>𝑦</m:t>
+                            </m:r>
+                          </m:e>
+                        </m:acc>
+                      </m:oMath>
+                    </m:oMathPara>
+                  </a14:m>
+                  <a:endParaRPr lang="fr-FR" sz="1200" dirty="0"/>
+                </a:p>
+              </p:txBody>
+            </p:sp>
+          </mc:Choice>
+          <mc:Fallback xmlns="">
+            <p:sp>
+              <p:nvSpPr>
+                <p:cNvPr id="45" name="ZoneTexte 44"/>
+                <p:cNvSpPr txBox="1">
+                  <a:spLocks noRot="1" noChangeAspect="1" noMove="1" noResize="1" noEditPoints="1" noAdjustHandles="1" noChangeArrowheads="1" noChangeShapeType="1" noTextEdit="1"/>
+                </p:cNvSpPr>
+                <p:nvPr/>
+              </p:nvSpPr>
+              <p:spPr>
+                <a:xfrm>
+                  <a:off x="1121257" y="487400"/>
+                  <a:ext cx="124458" cy="184666"/>
+                </a:xfrm>
+                <a:prstGeom prst="rect">
+                  <a:avLst/>
+                </a:prstGeom>
+                <a:blipFill>
+                  <a:blip r:embed="rId6"/>
+                  <a:stretch>
+                    <a:fillRect l="-30000" t="-26667" r="-85000" b="-23333"/>
+                  </a:stretch>
+                </a:blipFill>
+              </p:spPr>
+              <p:txBody>
+                <a:bodyPr/>
+                <a:lstStyle/>
+                <a:p>
+                  <a:r>
+                    <a:rPr lang="fr-FR">
+                      <a:noFill/>
+                    </a:rPr>
+                    <a:t> </a:t>
+                  </a:r>
+                </a:p>
+              </p:txBody>
+            </p:sp>
+          </mc:Fallback>
+        </mc:AlternateContent>
+        <mc:AlternateContent xmlns:mc="http://schemas.openxmlformats.org/markup-compatibility/2006" xmlns:a14="http://schemas.microsoft.com/office/drawing/2010/main">
+          <mc:Choice Requires="a14">
+            <p:sp>
+              <p:nvSpPr>
+                <p:cNvPr id="28" name="ZoneTexte 27"/>
+                <p:cNvSpPr txBox="1"/>
+                <p:nvPr/>
+              </p:nvSpPr>
+              <p:spPr>
+                <a:xfrm>
+                  <a:off x="875664" y="1301322"/>
+                  <a:ext cx="111634" cy="184666"/>
+                </a:xfrm>
+                <a:prstGeom prst="rect">
+                  <a:avLst/>
+                </a:prstGeom>
+                <a:noFill/>
+              </p:spPr>
+              <p:txBody>
+                <a:bodyPr wrap="none" lIns="0" tIns="0" rIns="0" bIns="0" rtlCol="0">
+                  <a:spAutoFit/>
+                </a:bodyPr>
+                <a:lstStyle/>
+                <a:p>
+                  <a:pPr/>
+                  <a14:m>
+                    <m:oMathPara xmlns:m="http://schemas.openxmlformats.org/officeDocument/2006/math">
+                      <m:oMathParaPr>
+                        <m:jc m:val="centerGroup"/>
+                      </m:oMathParaPr>
+                      <m:oMath xmlns:m="http://schemas.openxmlformats.org/officeDocument/2006/math">
+                        <m:acc>
+                          <m:accPr>
+                            <m:chr m:val="⃗"/>
+                            <m:ctrlPr>
+                              <a:rPr lang="fr-FR" sz="1200" i="1" smtClean="0">
+                                <a:latin typeface="Cambria Math" panose="02040503050406030204" pitchFamily="18" charset="0"/>
+                              </a:rPr>
+                            </m:ctrlPr>
+                          </m:accPr>
+                          <m:e>
+                            <m:r>
+                              <a:rPr lang="fr-FR" sz="1200" b="0" i="1" smtClean="0">
+                                <a:latin typeface="Cambria Math" panose="02040503050406030204" pitchFamily="18" charset="0"/>
+                              </a:rPr>
+                              <m:t>𝑧</m:t>
+                            </m:r>
+                          </m:e>
+                        </m:acc>
+                      </m:oMath>
+                    </m:oMathPara>
+                  </a14:m>
+                  <a:endParaRPr lang="fr-FR" sz="1200" dirty="0"/>
+                </a:p>
+              </p:txBody>
+            </p:sp>
+          </mc:Choice>
+          <mc:Fallback xmlns="">
+            <p:sp>
+              <p:nvSpPr>
+                <p:cNvPr id="28" name="ZoneTexte 27"/>
+                <p:cNvSpPr txBox="1">
+                  <a:spLocks noRot="1" noChangeAspect="1" noMove="1" noResize="1" noEditPoints="1" noAdjustHandles="1" noChangeArrowheads="1" noChangeShapeType="1" noTextEdit="1"/>
+                </p:cNvSpPr>
+                <p:nvPr/>
+              </p:nvSpPr>
+              <p:spPr>
+                <a:xfrm>
+                  <a:off x="875664" y="1301322"/>
+                  <a:ext cx="111634" cy="184666"/>
+                </a:xfrm>
+                <a:prstGeom prst="rect">
+                  <a:avLst/>
+                </a:prstGeom>
+                <a:blipFill>
+                  <a:blip r:embed="rId7"/>
+                  <a:stretch>
+                    <a:fillRect l="-15789" t="-30000" r="-89474"/>
+                  </a:stretch>
+                </a:blipFill>
+              </p:spPr>
+              <p:txBody>
+                <a:bodyPr/>
+                <a:lstStyle/>
+                <a:p>
+                  <a:r>
+                    <a:rPr lang="fr-FR">
+                      <a:noFill/>
+                    </a:rPr>
+                    <a:t> </a:t>
+                  </a:r>
+                </a:p>
+              </p:txBody>
+            </p:sp>
+          </mc:Fallback>
+        </mc:AlternateContent>
+      </p:grpSp>
+    </p:spTree>
+    <p:extLst>
+      <p:ext uri="{BB962C8B-B14F-4D97-AF65-F5344CB8AC3E}">
+        <p14:creationId xmlns:p14="http://schemas.microsoft.com/office/powerpoint/2010/main" val="45625492"/>
+      </p:ext>
+    </p:extLst>
+  </p:cSld>
+  <p:clrMapOvr>
+    <a:masterClrMapping/>
+  </p:clrMapOvr>
+</p:sld>
+</file>
+
+<file path=ppt/slides/slide11.xml><?xml version="1.0" encoding="utf-8"?>
+<p:sld xmlns:a="http://schemas.openxmlformats.org/drawingml/2006/main" xmlns:r="http://schemas.openxmlformats.org/officeDocument/2006/relationships" xmlns:p="http://schemas.openxmlformats.org/presentationml/2006/main">
+  <p:cSld>
+    <p:spTree>
+      <p:nvGrpSpPr>
+        <p:cNvPr id="1" name=""/>
+        <p:cNvGrpSpPr/>
+        <p:nvPr/>
+      </p:nvGrpSpPr>
+      <p:grpSpPr>
+        <a:xfrm>
+          <a:off x="0" y="0"/>
+          <a:ext cx="0" cy="0"/>
+          <a:chOff x="0" y="0"/>
+          <a:chExt cx="0" cy="0"/>
+        </a:xfrm>
+      </p:grpSpPr>
+      <p:cxnSp>
+        <p:nvCxnSpPr>
+          <p:cNvPr id="5" name="Connecteur droit 4"/>
+          <p:cNvCxnSpPr/>
+          <p:nvPr/>
+        </p:nvCxnSpPr>
+        <p:spPr>
+          <a:xfrm flipV="1">
+            <a:off x="1775520" y="1700808"/>
+            <a:ext cx="0" cy="1008112"/>
+          </a:xfrm>
+          <a:prstGeom prst="line">
+            <a:avLst/>
+          </a:prstGeom>
+          <a:ln>
+            <a:solidFill>
+              <a:schemeClr val="accent5">
+                <a:lumMod val="50000"/>
+              </a:schemeClr>
+            </a:solidFill>
+            <a:tailEnd type="stealth" w="med" len="lg"/>
+          </a:ln>
+        </p:spPr>
+        <p:style>
+          <a:lnRef idx="1">
+            <a:schemeClr val="accent1"/>
+          </a:lnRef>
+          <a:fillRef idx="0">
+            <a:schemeClr val="accent1"/>
+          </a:fillRef>
+          <a:effectRef idx="0">
+            <a:schemeClr val="accent1"/>
+          </a:effectRef>
+          <a:fontRef idx="minor">
+            <a:schemeClr val="tx1"/>
+          </a:fontRef>
+        </p:style>
+      </p:cxnSp>
+      <p:cxnSp>
+        <p:nvCxnSpPr>
+          <p:cNvPr id="8" name="Connecteur droit 7"/>
+          <p:cNvCxnSpPr/>
+          <p:nvPr/>
+        </p:nvCxnSpPr>
+        <p:spPr>
+          <a:xfrm>
+            <a:off x="1775520" y="2708920"/>
+            <a:ext cx="1440160" cy="0"/>
+          </a:xfrm>
+          <a:prstGeom prst="line">
+            <a:avLst/>
+          </a:prstGeom>
+          <a:ln>
+            <a:solidFill>
+              <a:schemeClr val="accent5">
+                <a:lumMod val="50000"/>
+              </a:schemeClr>
+            </a:solidFill>
+            <a:tailEnd type="stealth" w="med" len="lg"/>
+          </a:ln>
+        </p:spPr>
+        <p:style>
+          <a:lnRef idx="1">
+            <a:schemeClr val="accent1"/>
+          </a:lnRef>
+          <a:fillRef idx="0">
+            <a:schemeClr val="accent1"/>
+          </a:fillRef>
+          <a:effectRef idx="0">
+            <a:schemeClr val="accent1"/>
+          </a:effectRef>
+          <a:fontRef idx="minor">
+            <a:schemeClr val="tx1"/>
+          </a:fontRef>
+        </p:style>
+      </p:cxnSp>
+      <mc:AlternateContent xmlns:mc="http://schemas.openxmlformats.org/markup-compatibility/2006" xmlns:a14="http://schemas.microsoft.com/office/drawing/2010/main">
+        <mc:Choice Requires="a14">
+          <p:sp>
+            <p:nvSpPr>
+              <p:cNvPr id="13" name="ZoneTexte 12"/>
+              <p:cNvSpPr txBox="1"/>
+              <p:nvPr/>
+            </p:nvSpPr>
+            <p:spPr>
+              <a:xfrm>
+                <a:off x="1847528" y="1742934"/>
+                <a:ext cx="358368" cy="288156"/>
+              </a:xfrm>
+              <a:prstGeom prst="rect">
+                <a:avLst/>
+              </a:prstGeom>
+              <a:noFill/>
+            </p:spPr>
+            <p:txBody>
+              <a:bodyPr wrap="none" lIns="0" tIns="0" rIns="0" bIns="0" rtlCol="0">
+                <a:spAutoFit/>
+              </a:bodyPr>
+              <a:lstStyle/>
+              <a:p>
+                <a:pPr/>
+                <a14:m>
+                  <m:oMathPara xmlns:m="http://schemas.openxmlformats.org/officeDocument/2006/math">
+                    <m:oMathParaPr>
+                      <m:jc m:val="centerGroup"/>
+                    </m:oMathParaPr>
+                    <m:oMath xmlns:m="http://schemas.openxmlformats.org/officeDocument/2006/math">
+                      <m:r>
+                        <a:rPr lang="fr-FR" sz="1000" b="0" i="1" smtClean="0">
+                          <a:latin typeface="Cambria Math" panose="02040503050406030204" pitchFamily="18" charset="0"/>
+                        </a:rPr>
+                        <m:t>𝜎</m:t>
+                      </m:r>
+                      <m:r>
+                        <a:rPr lang="fr-FR" sz="1000" b="0" i="1" smtClean="0">
+                          <a:latin typeface="Cambria Math" panose="02040503050406030204" pitchFamily="18" charset="0"/>
+                        </a:rPr>
+                        <m:t>=</m:t>
+                      </m:r>
+                      <m:f>
+                        <m:fPr>
+                          <m:ctrlPr>
+                            <a:rPr lang="fr-FR" sz="1000" b="0" i="1" smtClean="0">
+                              <a:latin typeface="Cambria Math" panose="02040503050406030204" pitchFamily="18" charset="0"/>
+                            </a:rPr>
+                          </m:ctrlPr>
+                        </m:fPr>
+                        <m:num>
+                          <m:r>
+                            <a:rPr lang="fr-FR" sz="1000" b="0" i="1" smtClean="0">
+                              <a:latin typeface="Cambria Math" panose="02040503050406030204" pitchFamily="18" charset="0"/>
+                            </a:rPr>
+                            <m:t>𝐹</m:t>
+                          </m:r>
+                        </m:num>
+                        <m:den>
+                          <m:r>
+                            <a:rPr lang="fr-FR" sz="1000" b="0" i="1" smtClean="0">
+                              <a:latin typeface="Cambria Math" panose="02040503050406030204" pitchFamily="18" charset="0"/>
+                            </a:rPr>
+                            <m:t>𝑆</m:t>
+                          </m:r>
+                        </m:den>
+                      </m:f>
+                    </m:oMath>
+                  </m:oMathPara>
+                </a14:m>
+                <a:endParaRPr lang="fr-FR" sz="1000" dirty="0"/>
+              </a:p>
+            </p:txBody>
+          </p:sp>
+        </mc:Choice>
+        <mc:Fallback xmlns="">
+          <p:sp>
+            <p:nvSpPr>
+              <p:cNvPr id="13" name="ZoneTexte 12"/>
+              <p:cNvSpPr txBox="1">
+                <a:spLocks noRot="1" noChangeAspect="1" noMove="1" noResize="1" noEditPoints="1" noAdjustHandles="1" noChangeArrowheads="1" noChangeShapeType="1" noTextEdit="1"/>
+              </p:cNvSpPr>
+              <p:nvPr/>
+            </p:nvSpPr>
+            <p:spPr>
+              <a:xfrm>
+                <a:off x="1847528" y="1742934"/>
+                <a:ext cx="358368" cy="288156"/>
+              </a:xfrm>
+              <a:prstGeom prst="rect">
+                <a:avLst/>
+              </a:prstGeom>
+              <a:blipFill>
+                <a:blip r:embed="rId2"/>
+                <a:stretch>
+                  <a:fillRect l="-3390" t="-2128" r="-6780" b="-14894"/>
+                </a:stretch>
+              </a:blipFill>
+            </p:spPr>
+            <p:txBody>
+              <a:bodyPr/>
+              <a:lstStyle/>
+              <a:p>
+                <a:r>
+                  <a:rPr lang="fr-FR">
+                    <a:noFill/>
+                  </a:rPr>
+                  <a:t> </a:t>
+                </a:r>
+              </a:p>
+            </p:txBody>
+          </p:sp>
+        </mc:Fallback>
+      </mc:AlternateContent>
+      <mc:AlternateContent xmlns:mc="http://schemas.openxmlformats.org/markup-compatibility/2006" xmlns:a14="http://schemas.microsoft.com/office/drawing/2010/main">
+        <mc:Choice Requires="a14">
+          <p:sp>
+            <p:nvSpPr>
+              <p:cNvPr id="14" name="ZoneTexte 13"/>
+              <p:cNvSpPr txBox="1"/>
+              <p:nvPr/>
+            </p:nvSpPr>
+            <p:spPr>
+              <a:xfrm>
+                <a:off x="2809094" y="2348880"/>
+                <a:ext cx="406586" cy="289182"/>
+              </a:xfrm>
+              <a:prstGeom prst="rect">
+                <a:avLst/>
+              </a:prstGeom>
+              <a:noFill/>
+            </p:spPr>
+            <p:txBody>
+              <a:bodyPr wrap="none" lIns="0" tIns="0" rIns="0" bIns="0" rtlCol="0">
+                <a:spAutoFit/>
+              </a:bodyPr>
+              <a:lstStyle/>
+              <a:p>
+                <a:pPr/>
+                <a14:m>
+                  <m:oMathPara xmlns:m="http://schemas.openxmlformats.org/officeDocument/2006/math">
+                    <m:oMathParaPr>
+                      <m:jc m:val="centerGroup"/>
+                    </m:oMathParaPr>
+                    <m:oMath xmlns:m="http://schemas.openxmlformats.org/officeDocument/2006/math">
+                      <m:r>
+                        <a:rPr lang="fr-FR" sz="1000" b="0" i="1" smtClean="0">
+                          <a:latin typeface="Cambria Math" panose="02040503050406030204" pitchFamily="18" charset="0"/>
+                        </a:rPr>
+                        <m:t>𝜀</m:t>
+                      </m:r>
+                      <m:r>
+                        <a:rPr lang="fr-FR" sz="1000" b="0" i="1" smtClean="0">
+                          <a:latin typeface="Cambria Math" panose="02040503050406030204" pitchFamily="18" charset="0"/>
+                        </a:rPr>
+                        <m:t>=</m:t>
+                      </m:r>
+                      <m:f>
+                        <m:fPr>
+                          <m:ctrlPr>
+                            <a:rPr lang="fr-FR" sz="1000" b="0" i="1" smtClean="0">
+                              <a:latin typeface="Cambria Math" panose="02040503050406030204" pitchFamily="18" charset="0"/>
+                            </a:rPr>
+                          </m:ctrlPr>
+                        </m:fPr>
+                        <m:num>
+                          <m:r>
+                            <m:rPr>
+                              <m:sty m:val="p"/>
+                            </m:rPr>
+                            <a:rPr lang="fr-FR" sz="1000" b="0" i="0" smtClean="0">
+                              <a:latin typeface="Cambria Math" panose="02040503050406030204" pitchFamily="18" charset="0"/>
+                            </a:rPr>
+                            <m:t>Δ</m:t>
+                          </m:r>
+                          <m:r>
+                            <a:rPr lang="fr-FR" sz="1000" b="0" i="1" smtClean="0">
+                              <a:latin typeface="Cambria Math" panose="02040503050406030204" pitchFamily="18" charset="0"/>
+                            </a:rPr>
+                            <m:t>𝐿</m:t>
+                          </m:r>
+                        </m:num>
+                        <m:den>
+                          <m:r>
+                            <a:rPr lang="fr-FR" sz="1000" b="0" i="1" smtClean="0">
+                              <a:latin typeface="Cambria Math" panose="02040503050406030204" pitchFamily="18" charset="0"/>
+                            </a:rPr>
+                            <m:t>𝐿</m:t>
+                          </m:r>
+                        </m:den>
+                      </m:f>
+                    </m:oMath>
+                  </m:oMathPara>
+                </a14:m>
+                <a:endParaRPr lang="fr-FR" sz="1000" dirty="0"/>
+              </a:p>
+            </p:txBody>
+          </p:sp>
+        </mc:Choice>
+        <mc:Fallback xmlns="">
+          <p:sp>
+            <p:nvSpPr>
+              <p:cNvPr id="14" name="ZoneTexte 13"/>
+              <p:cNvSpPr txBox="1">
+                <a:spLocks noRot="1" noChangeAspect="1" noMove="1" noResize="1" noEditPoints="1" noAdjustHandles="1" noChangeArrowheads="1" noChangeShapeType="1" noTextEdit="1"/>
+              </p:cNvSpPr>
+              <p:nvPr/>
+            </p:nvSpPr>
+            <p:spPr>
+              <a:xfrm>
+                <a:off x="2809094" y="2348880"/>
+                <a:ext cx="406586" cy="289182"/>
+              </a:xfrm>
+              <a:prstGeom prst="rect">
+                <a:avLst/>
+              </a:prstGeom>
+              <a:blipFill>
+                <a:blip r:embed="rId3"/>
+                <a:stretch>
+                  <a:fillRect l="-4478" t="-2083" r="-5970" b="-14583"/>
+                </a:stretch>
+              </a:blipFill>
+            </p:spPr>
+            <p:txBody>
+              <a:bodyPr/>
+              <a:lstStyle/>
+              <a:p>
+                <a:r>
+                  <a:rPr lang="fr-FR">
+                    <a:noFill/>
+                  </a:rPr>
+                  <a:t> </a:t>
+                </a:r>
+              </a:p>
+            </p:txBody>
+          </p:sp>
+        </mc:Fallback>
+      </mc:AlternateContent>
+      <p:cxnSp>
+        <p:nvCxnSpPr>
+          <p:cNvPr id="16" name="Connecteur droit 15"/>
+          <p:cNvCxnSpPr/>
+          <p:nvPr/>
+        </p:nvCxnSpPr>
+        <p:spPr>
+          <a:xfrm flipV="1">
+            <a:off x="1775520" y="2031090"/>
+            <a:ext cx="1236867" cy="677831"/>
+          </a:xfrm>
+          <a:prstGeom prst="line">
+            <a:avLst/>
+          </a:prstGeom>
+          <a:ln w="19050">
+            <a:solidFill>
+              <a:srgbClr val="C00000"/>
+            </a:solidFill>
+          </a:ln>
+        </p:spPr>
+        <p:style>
+          <a:lnRef idx="1">
+            <a:schemeClr val="accent1"/>
+          </a:lnRef>
+          <a:fillRef idx="0">
+            <a:schemeClr val="accent1"/>
+          </a:fillRef>
+          <a:effectRef idx="0">
+            <a:schemeClr val="accent1"/>
+          </a:effectRef>
+          <a:fontRef idx="minor">
+            <a:schemeClr val="tx1"/>
+          </a:fontRef>
+        </p:style>
+      </p:cxnSp>
+      <p:sp>
+        <p:nvSpPr>
+          <p:cNvPr id="20" name="ZoneTexte 19"/>
+          <p:cNvSpPr txBox="1"/>
+          <p:nvPr/>
+        </p:nvSpPr>
+        <p:spPr>
+          <a:xfrm>
+            <a:off x="1784822" y="2779778"/>
+            <a:ext cx="1430858" cy="307777"/>
+          </a:xfrm>
+          <a:prstGeom prst="rect">
+            <a:avLst/>
+          </a:prstGeom>
+          <a:noFill/>
+        </p:spPr>
+        <p:txBody>
+          <a:bodyPr wrap="square" lIns="0" tIns="0" rIns="0" bIns="0" rtlCol="0">
+            <a:spAutoFit/>
+          </a:bodyPr>
+          <a:lstStyle/>
+          <a:p>
+            <a:pPr algn="ctr"/>
+            <a:r>
+              <a:rPr lang="fr-FR" sz="1000" dirty="0"/>
+              <a:t>Comportement élastique </a:t>
+            </a:r>
+          </a:p>
+          <a:p>
+            <a:pPr algn="ctr"/>
+            <a:r>
+              <a:rPr lang="fr-FR" sz="1000" dirty="0"/>
+              <a:t>linéaire</a:t>
+            </a:r>
+          </a:p>
+        </p:txBody>
+      </p:sp>
+      <p:cxnSp>
+        <p:nvCxnSpPr>
+          <p:cNvPr id="23" name="Connecteur droit 22"/>
+          <p:cNvCxnSpPr/>
+          <p:nvPr/>
+        </p:nvCxnSpPr>
+        <p:spPr>
+          <a:xfrm flipV="1">
+            <a:off x="2002767" y="2139737"/>
+            <a:ext cx="973962" cy="533754"/>
+          </a:xfrm>
+          <a:prstGeom prst="line">
+            <a:avLst/>
+          </a:prstGeom>
+          <a:ln w="9525">
+            <a:solidFill>
+              <a:srgbClr val="C00000"/>
+            </a:solidFill>
+            <a:headEnd type="stealth" w="med" len="lg"/>
+            <a:tailEnd type="none" w="med" len="lg"/>
+          </a:ln>
+        </p:spPr>
+        <p:style>
+          <a:lnRef idx="1">
+            <a:schemeClr val="accent1"/>
+          </a:lnRef>
+          <a:fillRef idx="0">
+            <a:schemeClr val="accent1"/>
+          </a:fillRef>
+          <a:effectRef idx="0">
+            <a:schemeClr val="accent1"/>
+          </a:effectRef>
+          <a:fontRef idx="minor">
+            <a:schemeClr val="tx1"/>
+          </a:fontRef>
+        </p:style>
+      </p:cxnSp>
+      <p:cxnSp>
+        <p:nvCxnSpPr>
+          <p:cNvPr id="25" name="Connecteur droit 24"/>
+          <p:cNvCxnSpPr/>
+          <p:nvPr/>
+        </p:nvCxnSpPr>
+        <p:spPr>
+          <a:xfrm flipV="1">
+            <a:off x="1901120" y="2031090"/>
+            <a:ext cx="973962" cy="533754"/>
+          </a:xfrm>
+          <a:prstGeom prst="line">
+            <a:avLst/>
+          </a:prstGeom>
+          <a:ln w="9525">
+            <a:solidFill>
+              <a:srgbClr val="C00000"/>
+            </a:solidFill>
+            <a:headEnd type="none" w="med" len="lg"/>
+            <a:tailEnd type="stealth" w="med" len="lg"/>
+          </a:ln>
+        </p:spPr>
+        <p:style>
+          <a:lnRef idx="1">
+            <a:schemeClr val="accent1"/>
+          </a:lnRef>
+          <a:fillRef idx="0">
+            <a:schemeClr val="accent1"/>
+          </a:fillRef>
+          <a:effectRef idx="0">
+            <a:schemeClr val="accent1"/>
+          </a:effectRef>
+          <a:fontRef idx="minor">
+            <a:schemeClr val="tx1"/>
+          </a:fontRef>
+        </p:style>
+      </p:cxnSp>
+      <p:sp>
+        <p:nvSpPr>
+          <p:cNvPr id="26" name="ZoneTexte 25"/>
+          <p:cNvSpPr txBox="1"/>
+          <p:nvPr/>
+        </p:nvSpPr>
+        <p:spPr>
+          <a:xfrm rot="19876552">
+            <a:off x="2077252" y="2174818"/>
+            <a:ext cx="514564" cy="123111"/>
+          </a:xfrm>
+          <a:prstGeom prst="rect">
+            <a:avLst/>
+          </a:prstGeom>
+          <a:noFill/>
+        </p:spPr>
+        <p:txBody>
+          <a:bodyPr wrap="none" lIns="0" tIns="0" rIns="0" bIns="0" rtlCol="0">
+            <a:spAutoFit/>
+          </a:bodyPr>
+          <a:lstStyle/>
+          <a:p>
+            <a:r>
+              <a:rPr lang="fr-FR" sz="800" dirty="0"/>
+              <a:t>Chargement</a:t>
+            </a:r>
+            <a:endParaRPr lang="fr-FR" sz="1000" dirty="0"/>
+          </a:p>
+        </p:txBody>
+      </p:sp>
+      <p:sp>
+        <p:nvSpPr>
+          <p:cNvPr id="27" name="ZoneTexte 26"/>
+          <p:cNvSpPr txBox="1"/>
+          <p:nvPr/>
+        </p:nvSpPr>
+        <p:spPr>
+          <a:xfrm rot="19876552">
+            <a:off x="2255935" y="2370126"/>
+            <a:ext cx="617157" cy="123111"/>
+          </a:xfrm>
+          <a:prstGeom prst="rect">
+            <a:avLst/>
+          </a:prstGeom>
+          <a:noFill/>
+        </p:spPr>
+        <p:txBody>
+          <a:bodyPr wrap="none" lIns="0" tIns="0" rIns="0" bIns="0" rtlCol="0">
+            <a:spAutoFit/>
+          </a:bodyPr>
+          <a:lstStyle/>
+          <a:p>
+            <a:r>
+              <a:rPr lang="fr-FR" sz="800" dirty="0"/>
+              <a:t>Déchargement</a:t>
+            </a:r>
+            <a:endParaRPr lang="fr-FR" sz="1000" dirty="0"/>
+          </a:p>
+        </p:txBody>
+      </p:sp>
+      <p:cxnSp>
+        <p:nvCxnSpPr>
+          <p:cNvPr id="28" name="Connecteur droit 27"/>
+          <p:cNvCxnSpPr/>
+          <p:nvPr/>
+        </p:nvCxnSpPr>
+        <p:spPr>
+          <a:xfrm flipV="1">
+            <a:off x="3935760" y="1700808"/>
+            <a:ext cx="0" cy="1008112"/>
+          </a:xfrm>
+          <a:prstGeom prst="line">
+            <a:avLst/>
+          </a:prstGeom>
+          <a:ln>
+            <a:solidFill>
+              <a:schemeClr val="accent5">
+                <a:lumMod val="50000"/>
+              </a:schemeClr>
+            </a:solidFill>
+            <a:tailEnd type="stealth" w="med" len="lg"/>
+          </a:ln>
+        </p:spPr>
+        <p:style>
+          <a:lnRef idx="1">
+            <a:schemeClr val="accent1"/>
+          </a:lnRef>
+          <a:fillRef idx="0">
+            <a:schemeClr val="accent1"/>
+          </a:fillRef>
+          <a:effectRef idx="0">
+            <a:schemeClr val="accent1"/>
+          </a:effectRef>
+          <a:fontRef idx="minor">
+            <a:schemeClr val="tx1"/>
+          </a:fontRef>
+        </p:style>
+      </p:cxnSp>
+      <p:cxnSp>
+        <p:nvCxnSpPr>
+          <p:cNvPr id="29" name="Connecteur droit 28"/>
+          <p:cNvCxnSpPr/>
+          <p:nvPr/>
+        </p:nvCxnSpPr>
+        <p:spPr>
+          <a:xfrm>
+            <a:off x="3935760" y="2708920"/>
+            <a:ext cx="1440160" cy="0"/>
+          </a:xfrm>
+          <a:prstGeom prst="line">
+            <a:avLst/>
+          </a:prstGeom>
+          <a:ln>
+            <a:solidFill>
+              <a:schemeClr val="accent5">
+                <a:lumMod val="50000"/>
+              </a:schemeClr>
+            </a:solidFill>
+            <a:tailEnd type="stealth" w="med" len="lg"/>
+          </a:ln>
+        </p:spPr>
+        <p:style>
+          <a:lnRef idx="1">
+            <a:schemeClr val="accent1"/>
+          </a:lnRef>
+          <a:fillRef idx="0">
+            <a:schemeClr val="accent1"/>
+          </a:fillRef>
+          <a:effectRef idx="0">
+            <a:schemeClr val="accent1"/>
+          </a:effectRef>
+          <a:fontRef idx="minor">
+            <a:schemeClr val="tx1"/>
+          </a:fontRef>
+        </p:style>
+      </p:cxnSp>
+      <mc:AlternateContent xmlns:mc="http://schemas.openxmlformats.org/markup-compatibility/2006" xmlns:a14="http://schemas.microsoft.com/office/drawing/2010/main">
+        <mc:Choice Requires="a14">
+          <p:sp>
+            <p:nvSpPr>
+              <p:cNvPr id="30" name="ZoneTexte 29"/>
+              <p:cNvSpPr txBox="1"/>
+              <p:nvPr/>
+            </p:nvSpPr>
+            <p:spPr>
+              <a:xfrm>
+                <a:off x="4007768" y="1742934"/>
+                <a:ext cx="358368" cy="288156"/>
+              </a:xfrm>
+              <a:prstGeom prst="rect">
+                <a:avLst/>
+              </a:prstGeom>
+              <a:noFill/>
+            </p:spPr>
+            <p:txBody>
+              <a:bodyPr wrap="none" lIns="0" tIns="0" rIns="0" bIns="0" rtlCol="0">
+                <a:spAutoFit/>
+              </a:bodyPr>
+              <a:lstStyle/>
+              <a:p>
+                <a:pPr/>
+                <a14:m>
+                  <m:oMathPara xmlns:m="http://schemas.openxmlformats.org/officeDocument/2006/math">
+                    <m:oMathParaPr>
+                      <m:jc m:val="centerGroup"/>
+                    </m:oMathParaPr>
+                    <m:oMath xmlns:m="http://schemas.openxmlformats.org/officeDocument/2006/math">
+                      <m:r>
+                        <a:rPr lang="fr-FR" sz="1000" b="0" i="1" smtClean="0">
+                          <a:latin typeface="Cambria Math" panose="02040503050406030204" pitchFamily="18" charset="0"/>
+                        </a:rPr>
+                        <m:t>𝜎</m:t>
+                      </m:r>
+                      <m:r>
+                        <a:rPr lang="fr-FR" sz="1000" b="0" i="1" smtClean="0">
+                          <a:latin typeface="Cambria Math" panose="02040503050406030204" pitchFamily="18" charset="0"/>
+                        </a:rPr>
+                        <m:t>=</m:t>
+                      </m:r>
+                      <m:f>
+                        <m:fPr>
+                          <m:ctrlPr>
+                            <a:rPr lang="fr-FR" sz="1000" b="0" i="1" smtClean="0">
+                              <a:latin typeface="Cambria Math" panose="02040503050406030204" pitchFamily="18" charset="0"/>
+                            </a:rPr>
+                          </m:ctrlPr>
+                        </m:fPr>
+                        <m:num>
+                          <m:r>
+                            <a:rPr lang="fr-FR" sz="1000" b="0" i="1" smtClean="0">
+                              <a:latin typeface="Cambria Math" panose="02040503050406030204" pitchFamily="18" charset="0"/>
+                            </a:rPr>
+                            <m:t>𝐹</m:t>
+                          </m:r>
+                        </m:num>
+                        <m:den>
+                          <m:r>
+                            <a:rPr lang="fr-FR" sz="1000" b="0" i="1" smtClean="0">
+                              <a:latin typeface="Cambria Math" panose="02040503050406030204" pitchFamily="18" charset="0"/>
+                            </a:rPr>
+                            <m:t>𝑆</m:t>
+                          </m:r>
+                        </m:den>
+                      </m:f>
+                    </m:oMath>
+                  </m:oMathPara>
+                </a14:m>
+                <a:endParaRPr lang="fr-FR" sz="1000" dirty="0"/>
+              </a:p>
+            </p:txBody>
+          </p:sp>
+        </mc:Choice>
+        <mc:Fallback xmlns="">
+          <p:sp>
+            <p:nvSpPr>
+              <p:cNvPr id="30" name="ZoneTexte 29"/>
+              <p:cNvSpPr txBox="1">
+                <a:spLocks noRot="1" noChangeAspect="1" noMove="1" noResize="1" noEditPoints="1" noAdjustHandles="1" noChangeArrowheads="1" noChangeShapeType="1" noTextEdit="1"/>
+              </p:cNvSpPr>
+              <p:nvPr/>
+            </p:nvSpPr>
+            <p:spPr>
+              <a:xfrm>
+                <a:off x="4007768" y="1742934"/>
+                <a:ext cx="358368" cy="288156"/>
+              </a:xfrm>
+              <a:prstGeom prst="rect">
+                <a:avLst/>
+              </a:prstGeom>
+              <a:blipFill>
+                <a:blip r:embed="rId2"/>
+                <a:stretch>
+                  <a:fillRect l="-3390" t="-2128" r="-6780" b="-14894"/>
+                </a:stretch>
+              </a:blipFill>
+            </p:spPr>
+            <p:txBody>
+              <a:bodyPr/>
+              <a:lstStyle/>
+              <a:p>
+                <a:r>
+                  <a:rPr lang="fr-FR">
+                    <a:noFill/>
+                  </a:rPr>
+                  <a:t> </a:t>
+                </a:r>
+              </a:p>
+            </p:txBody>
+          </p:sp>
+        </mc:Fallback>
+      </mc:AlternateContent>
+      <mc:AlternateContent xmlns:mc="http://schemas.openxmlformats.org/markup-compatibility/2006" xmlns:a14="http://schemas.microsoft.com/office/drawing/2010/main">
+        <mc:Choice Requires="a14">
+          <p:sp>
+            <p:nvSpPr>
+              <p:cNvPr id="31" name="ZoneTexte 30"/>
+              <p:cNvSpPr txBox="1"/>
+              <p:nvPr/>
+            </p:nvSpPr>
+            <p:spPr>
+              <a:xfrm>
+                <a:off x="4969334" y="2348880"/>
+                <a:ext cx="406586" cy="289182"/>
+              </a:xfrm>
+              <a:prstGeom prst="rect">
+                <a:avLst/>
+              </a:prstGeom>
+              <a:noFill/>
+            </p:spPr>
+            <p:txBody>
+              <a:bodyPr wrap="none" lIns="0" tIns="0" rIns="0" bIns="0" rtlCol="0">
+                <a:spAutoFit/>
+              </a:bodyPr>
+              <a:lstStyle/>
+              <a:p>
+                <a:pPr/>
+                <a14:m>
+                  <m:oMathPara xmlns:m="http://schemas.openxmlformats.org/officeDocument/2006/math">
+                    <m:oMathParaPr>
+                      <m:jc m:val="centerGroup"/>
+                    </m:oMathParaPr>
+                    <m:oMath xmlns:m="http://schemas.openxmlformats.org/officeDocument/2006/math">
+                      <m:r>
+                        <a:rPr lang="fr-FR" sz="1000" b="0" i="1" smtClean="0">
+                          <a:latin typeface="Cambria Math" panose="02040503050406030204" pitchFamily="18" charset="0"/>
+                        </a:rPr>
+                        <m:t>𝜀</m:t>
+                      </m:r>
+                      <m:r>
+                        <a:rPr lang="fr-FR" sz="1000" b="0" i="1" smtClean="0">
+                          <a:latin typeface="Cambria Math" panose="02040503050406030204" pitchFamily="18" charset="0"/>
+                        </a:rPr>
+                        <m:t>=</m:t>
+                      </m:r>
+                      <m:f>
+                        <m:fPr>
+                          <m:ctrlPr>
+                            <a:rPr lang="fr-FR" sz="1000" b="0" i="1" smtClean="0">
+                              <a:latin typeface="Cambria Math" panose="02040503050406030204" pitchFamily="18" charset="0"/>
+                            </a:rPr>
+                          </m:ctrlPr>
+                        </m:fPr>
+                        <m:num>
+                          <m:r>
+                            <m:rPr>
+                              <m:sty m:val="p"/>
+                            </m:rPr>
+                            <a:rPr lang="fr-FR" sz="1000" b="0" i="0" smtClean="0">
+                              <a:latin typeface="Cambria Math" panose="02040503050406030204" pitchFamily="18" charset="0"/>
+                            </a:rPr>
+                            <m:t>Δ</m:t>
+                          </m:r>
+                          <m:r>
+                            <a:rPr lang="fr-FR" sz="1000" b="0" i="1" smtClean="0">
+                              <a:latin typeface="Cambria Math" panose="02040503050406030204" pitchFamily="18" charset="0"/>
+                            </a:rPr>
+                            <m:t>𝐿</m:t>
+                          </m:r>
+                        </m:num>
+                        <m:den>
+                          <m:r>
+                            <a:rPr lang="fr-FR" sz="1000" b="0" i="1" smtClean="0">
+                              <a:latin typeface="Cambria Math" panose="02040503050406030204" pitchFamily="18" charset="0"/>
+                            </a:rPr>
+                            <m:t>𝐿</m:t>
+                          </m:r>
+                        </m:den>
+                      </m:f>
+                    </m:oMath>
+                  </m:oMathPara>
+                </a14:m>
+                <a:endParaRPr lang="fr-FR" sz="1000" dirty="0"/>
+              </a:p>
+            </p:txBody>
+          </p:sp>
+        </mc:Choice>
+        <mc:Fallback xmlns="">
+          <p:sp>
+            <p:nvSpPr>
+              <p:cNvPr id="31" name="ZoneTexte 30"/>
+              <p:cNvSpPr txBox="1">
+                <a:spLocks noRot="1" noChangeAspect="1" noMove="1" noResize="1" noEditPoints="1" noAdjustHandles="1" noChangeArrowheads="1" noChangeShapeType="1" noTextEdit="1"/>
+              </p:cNvSpPr>
+              <p:nvPr/>
+            </p:nvSpPr>
+            <p:spPr>
+              <a:xfrm>
+                <a:off x="4969334" y="2348880"/>
+                <a:ext cx="406586" cy="289182"/>
+              </a:xfrm>
+              <a:prstGeom prst="rect">
+                <a:avLst/>
+              </a:prstGeom>
+              <a:blipFill>
+                <a:blip r:embed="rId4"/>
+                <a:stretch>
+                  <a:fillRect l="-2985" t="-2083" r="-7463" b="-14583"/>
+                </a:stretch>
+              </a:blipFill>
+            </p:spPr>
+            <p:txBody>
+              <a:bodyPr/>
+              <a:lstStyle/>
+              <a:p>
+                <a:r>
+                  <a:rPr lang="fr-FR">
+                    <a:noFill/>
+                  </a:rPr>
+                  <a:t> </a:t>
+                </a:r>
+              </a:p>
+            </p:txBody>
+          </p:sp>
+        </mc:Fallback>
+      </mc:AlternateContent>
+      <p:sp>
+        <p:nvSpPr>
+          <p:cNvPr id="33" name="ZoneTexte 32"/>
+          <p:cNvSpPr txBox="1"/>
+          <p:nvPr/>
+        </p:nvSpPr>
+        <p:spPr>
+          <a:xfrm>
+            <a:off x="3945063" y="2779778"/>
+            <a:ext cx="1430858" cy="307777"/>
+          </a:xfrm>
+          <a:prstGeom prst="rect">
+            <a:avLst/>
+          </a:prstGeom>
+          <a:noFill/>
+        </p:spPr>
+        <p:txBody>
+          <a:bodyPr wrap="square" lIns="0" tIns="0" rIns="0" bIns="0" rtlCol="0">
+            <a:spAutoFit/>
+          </a:bodyPr>
+          <a:lstStyle/>
+          <a:p>
+            <a:pPr algn="ctr"/>
+            <a:r>
+              <a:rPr lang="fr-FR" sz="1000" dirty="0"/>
+              <a:t>Comportement élastique non linéaire</a:t>
+            </a:r>
+          </a:p>
+        </p:txBody>
+      </p:sp>
+      <p:sp>
+        <p:nvSpPr>
+          <p:cNvPr id="36" name="ZoneTexte 35"/>
+          <p:cNvSpPr txBox="1"/>
+          <p:nvPr/>
+        </p:nvSpPr>
+        <p:spPr>
+          <a:xfrm rot="19876552">
+            <a:off x="4323666" y="2058783"/>
+            <a:ext cx="514564" cy="123111"/>
+          </a:xfrm>
+          <a:prstGeom prst="rect">
+            <a:avLst/>
+          </a:prstGeom>
+          <a:noFill/>
+        </p:spPr>
+        <p:txBody>
+          <a:bodyPr wrap="none" lIns="0" tIns="0" rIns="0" bIns="0" rtlCol="0">
+            <a:spAutoFit/>
+          </a:bodyPr>
+          <a:lstStyle/>
+          <a:p>
+            <a:r>
+              <a:rPr lang="fr-FR" sz="800" dirty="0"/>
+              <a:t>Chargement</a:t>
+            </a:r>
+            <a:endParaRPr lang="fr-FR" sz="1000" dirty="0"/>
+          </a:p>
+        </p:txBody>
+      </p:sp>
+      <p:sp>
+        <p:nvSpPr>
+          <p:cNvPr id="37" name="ZoneTexte 36"/>
+          <p:cNvSpPr txBox="1"/>
+          <p:nvPr/>
+        </p:nvSpPr>
+        <p:spPr>
+          <a:xfrm rot="19876552">
+            <a:off x="4589897" y="2305109"/>
+            <a:ext cx="617157" cy="123111"/>
+          </a:xfrm>
+          <a:prstGeom prst="rect">
+            <a:avLst/>
+          </a:prstGeom>
+          <a:noFill/>
+        </p:spPr>
+        <p:txBody>
+          <a:bodyPr wrap="none" lIns="0" tIns="0" rIns="0" bIns="0" rtlCol="0">
+            <a:spAutoFit/>
+          </a:bodyPr>
+          <a:lstStyle/>
+          <a:p>
+            <a:r>
+              <a:rPr lang="fr-FR" sz="800" dirty="0"/>
+              <a:t>Déchargement</a:t>
+            </a:r>
+            <a:endParaRPr lang="fr-FR" sz="1000" dirty="0"/>
+          </a:p>
+        </p:txBody>
+      </p:sp>
+      <p:sp>
+        <p:nvSpPr>
+          <p:cNvPr id="38" name="Forme libre 37"/>
+          <p:cNvSpPr/>
+          <p:nvPr/>
+        </p:nvSpPr>
+        <p:spPr>
+          <a:xfrm>
+            <a:off x="3931171" y="1999630"/>
+            <a:ext cx="1270000" cy="698500"/>
+          </a:xfrm>
+          <a:custGeom>
+            <a:avLst/>
+            <a:gdLst>
+              <a:gd name="connsiteX0" fmla="*/ 0 w 1270000"/>
+              <a:gd name="connsiteY0" fmla="*/ 698500 h 698500"/>
+              <a:gd name="connsiteX1" fmla="*/ 1270000 w 1270000"/>
+              <a:gd name="connsiteY1" fmla="*/ 0 h 698500"/>
+              <a:gd name="connsiteX2" fmla="*/ 1270000 w 1270000"/>
+              <a:gd name="connsiteY2" fmla="*/ 0 h 698500"/>
+              <a:gd name="connsiteX0" fmla="*/ 0 w 1270000"/>
+              <a:gd name="connsiteY0" fmla="*/ 698500 h 698500"/>
+              <a:gd name="connsiteX1" fmla="*/ 1270000 w 1270000"/>
+              <a:gd name="connsiteY1" fmla="*/ 0 h 698500"/>
+              <a:gd name="connsiteX2" fmla="*/ 1270000 w 1270000"/>
+              <a:gd name="connsiteY2" fmla="*/ 0 h 698500"/>
+              <a:gd name="connsiteX0" fmla="*/ 0 w 1270000"/>
+              <a:gd name="connsiteY0" fmla="*/ 698500 h 698500"/>
+              <a:gd name="connsiteX1" fmla="*/ 1270000 w 1270000"/>
+              <a:gd name="connsiteY1" fmla="*/ 0 h 698500"/>
+              <a:gd name="connsiteX2" fmla="*/ 1270000 w 1270000"/>
+              <a:gd name="connsiteY2" fmla="*/ 0 h 698500"/>
+            </a:gdLst>
+            <a:ahLst/>
+            <a:cxnLst>
+              <a:cxn ang="0">
+                <a:pos x="connsiteX0" y="connsiteY0"/>
+              </a:cxn>
+              <a:cxn ang="0">
+                <a:pos x="connsiteX1" y="connsiteY1"/>
+              </a:cxn>
+              <a:cxn ang="0">
+                <a:pos x="connsiteX2" y="connsiteY2"/>
+              </a:cxn>
+            </a:cxnLst>
+            <a:rect l="l" t="t" r="r" b="b"/>
+            <a:pathLst>
+              <a:path w="1270000" h="698500">
+                <a:moveTo>
+                  <a:pt x="0" y="698500"/>
+                </a:moveTo>
+                <a:cubicBezTo>
+                  <a:pt x="632883" y="637117"/>
+                  <a:pt x="624417" y="143933"/>
+                  <a:pt x="1270000" y="0"/>
+                </a:cubicBezTo>
+                <a:lnTo>
+                  <a:pt x="1270000" y="0"/>
+                </a:lnTo>
+              </a:path>
+            </a:pathLst>
+          </a:custGeom>
+          <a:ln w="19050">
+            <a:solidFill>
+              <a:srgbClr val="C00000"/>
+            </a:solidFill>
+          </a:ln>
+        </p:spPr>
+        <p:style>
+          <a:lnRef idx="1">
+            <a:schemeClr val="accent1"/>
+          </a:lnRef>
+          <a:fillRef idx="0">
+            <a:schemeClr val="accent1"/>
+          </a:fillRef>
+          <a:effectRef idx="0">
+            <a:schemeClr val="accent1"/>
+          </a:effectRef>
+          <a:fontRef idx="minor">
+            <a:schemeClr val="tx1"/>
+          </a:fontRef>
+        </p:style>
+        <p:txBody>
+          <a:bodyPr rtlCol="0" anchor="ctr"/>
+          <a:lstStyle/>
+          <a:p>
+            <a:pPr algn="ctr"/>
+            <a:endParaRPr lang="fr-FR"/>
+          </a:p>
+        </p:txBody>
+      </p:sp>
+      <p:sp>
+        <p:nvSpPr>
+          <p:cNvPr id="39" name="Forme libre 38"/>
+          <p:cNvSpPr/>
+          <p:nvPr/>
+        </p:nvSpPr>
+        <p:spPr>
+          <a:xfrm>
+            <a:off x="4313798" y="2084090"/>
+            <a:ext cx="812800" cy="565150"/>
+          </a:xfrm>
+          <a:custGeom>
+            <a:avLst/>
+            <a:gdLst>
+              <a:gd name="connsiteX0" fmla="*/ 0 w 1270000"/>
+              <a:gd name="connsiteY0" fmla="*/ 698500 h 698500"/>
+              <a:gd name="connsiteX1" fmla="*/ 1270000 w 1270000"/>
+              <a:gd name="connsiteY1" fmla="*/ 0 h 698500"/>
+              <a:gd name="connsiteX2" fmla="*/ 1270000 w 1270000"/>
+              <a:gd name="connsiteY2" fmla="*/ 0 h 698500"/>
+              <a:gd name="connsiteX0" fmla="*/ 0 w 1270000"/>
+              <a:gd name="connsiteY0" fmla="*/ 698500 h 698500"/>
+              <a:gd name="connsiteX1" fmla="*/ 1270000 w 1270000"/>
+              <a:gd name="connsiteY1" fmla="*/ 0 h 698500"/>
+              <a:gd name="connsiteX2" fmla="*/ 1270000 w 1270000"/>
+              <a:gd name="connsiteY2" fmla="*/ 0 h 698500"/>
+              <a:gd name="connsiteX0" fmla="*/ 0 w 1270000"/>
+              <a:gd name="connsiteY0" fmla="*/ 698500 h 698500"/>
+              <a:gd name="connsiteX1" fmla="*/ 1270000 w 1270000"/>
+              <a:gd name="connsiteY1" fmla="*/ 0 h 698500"/>
+              <a:gd name="connsiteX2" fmla="*/ 1270000 w 1270000"/>
+              <a:gd name="connsiteY2" fmla="*/ 0 h 698500"/>
+              <a:gd name="connsiteX0" fmla="*/ 0 w 1473200"/>
+              <a:gd name="connsiteY0" fmla="*/ 705467 h 705467"/>
+              <a:gd name="connsiteX1" fmla="*/ 1270000 w 1473200"/>
+              <a:gd name="connsiteY1" fmla="*/ 6967 h 705467"/>
+              <a:gd name="connsiteX2" fmla="*/ 1473200 w 1473200"/>
+              <a:gd name="connsiteY2" fmla="*/ 368917 h 705467"/>
+              <a:gd name="connsiteX0" fmla="*/ 0 w 1473200"/>
+              <a:gd name="connsiteY0" fmla="*/ 606778 h 606778"/>
+              <a:gd name="connsiteX1" fmla="*/ 742950 w 1473200"/>
+              <a:gd name="connsiteY1" fmla="*/ 9878 h 606778"/>
+              <a:gd name="connsiteX2" fmla="*/ 1473200 w 1473200"/>
+              <a:gd name="connsiteY2" fmla="*/ 270228 h 606778"/>
+              <a:gd name="connsiteX0" fmla="*/ 0 w 742950"/>
+              <a:gd name="connsiteY0" fmla="*/ 596900 h 596900"/>
+              <a:gd name="connsiteX1" fmla="*/ 742950 w 742950"/>
+              <a:gd name="connsiteY1" fmla="*/ 0 h 596900"/>
+              <a:gd name="connsiteX0" fmla="*/ 0 w 863600"/>
+              <a:gd name="connsiteY0" fmla="*/ 603250 h 603250"/>
+              <a:gd name="connsiteX1" fmla="*/ 863600 w 863600"/>
+              <a:gd name="connsiteY1" fmla="*/ 0 h 603250"/>
+              <a:gd name="connsiteX0" fmla="*/ 0 w 806450"/>
+              <a:gd name="connsiteY0" fmla="*/ 520700 h 520700"/>
+              <a:gd name="connsiteX1" fmla="*/ 806450 w 806450"/>
+              <a:gd name="connsiteY1" fmla="*/ 0 h 520700"/>
+              <a:gd name="connsiteX0" fmla="*/ 0 w 806450"/>
+              <a:gd name="connsiteY0" fmla="*/ 520700 h 520700"/>
+              <a:gd name="connsiteX1" fmla="*/ 806450 w 806450"/>
+              <a:gd name="connsiteY1" fmla="*/ 0 h 520700"/>
+              <a:gd name="connsiteX0" fmla="*/ 0 w 812800"/>
+              <a:gd name="connsiteY0" fmla="*/ 565150 h 565150"/>
+              <a:gd name="connsiteX1" fmla="*/ 812800 w 812800"/>
+              <a:gd name="connsiteY1" fmla="*/ 0 h 565150"/>
+              <a:gd name="connsiteX0" fmla="*/ 0 w 812800"/>
+              <a:gd name="connsiteY0" fmla="*/ 565150 h 565150"/>
+              <a:gd name="connsiteX1" fmla="*/ 812800 w 812800"/>
+              <a:gd name="connsiteY1" fmla="*/ 0 h 565150"/>
+              <a:gd name="connsiteX0" fmla="*/ 0 w 812800"/>
+              <a:gd name="connsiteY0" fmla="*/ 565150 h 565150"/>
+              <a:gd name="connsiteX1" fmla="*/ 812800 w 812800"/>
+              <a:gd name="connsiteY1" fmla="*/ 0 h 565150"/>
+            </a:gdLst>
+            <a:ahLst/>
+            <a:cxnLst>
+              <a:cxn ang="0">
+                <a:pos x="connsiteX0" y="connsiteY0"/>
+              </a:cxn>
+              <a:cxn ang="0">
+                <a:pos x="connsiteX1" y="connsiteY1"/>
+              </a:cxn>
+            </a:cxnLst>
+            <a:rect l="l" t="t" r="r" b="b"/>
+            <a:pathLst>
+              <a:path w="812800" h="565150">
+                <a:moveTo>
+                  <a:pt x="0" y="565150"/>
+                </a:moveTo>
+                <a:cubicBezTo>
+                  <a:pt x="423333" y="306917"/>
+                  <a:pt x="351367" y="176742"/>
+                  <a:pt x="812800" y="0"/>
+                </a:cubicBezTo>
+              </a:path>
+            </a:pathLst>
+          </a:custGeom>
+          <a:ln w="9525">
+            <a:solidFill>
+              <a:srgbClr val="C00000"/>
+            </a:solidFill>
+            <a:headEnd type="stealth" w="med" len="lg"/>
+            <a:tailEnd type="none" w="med" len="lg"/>
+          </a:ln>
+        </p:spPr>
+        <p:style>
+          <a:lnRef idx="1">
+            <a:schemeClr val="accent1"/>
+          </a:lnRef>
+          <a:fillRef idx="0">
+            <a:schemeClr val="accent1"/>
+          </a:fillRef>
+          <a:effectRef idx="0">
+            <a:schemeClr val="accent1"/>
+          </a:effectRef>
+          <a:fontRef idx="minor">
+            <a:schemeClr val="tx1"/>
+          </a:fontRef>
+        </p:style>
+        <p:txBody>
+          <a:bodyPr rtlCol="0" anchor="ctr"/>
+          <a:lstStyle/>
+          <a:p>
+            <a:pPr algn="ctr"/>
+            <a:endParaRPr lang="fr-FR"/>
+          </a:p>
+        </p:txBody>
+      </p:sp>
+      <p:sp>
+        <p:nvSpPr>
+          <p:cNvPr id="40" name="Forme libre 39"/>
+          <p:cNvSpPr/>
+          <p:nvPr/>
+        </p:nvSpPr>
+        <p:spPr>
+          <a:xfrm>
+            <a:off x="4259972" y="1967926"/>
+            <a:ext cx="812800" cy="565150"/>
+          </a:xfrm>
+          <a:custGeom>
+            <a:avLst/>
+            <a:gdLst>
+              <a:gd name="connsiteX0" fmla="*/ 0 w 1270000"/>
+              <a:gd name="connsiteY0" fmla="*/ 698500 h 698500"/>
+              <a:gd name="connsiteX1" fmla="*/ 1270000 w 1270000"/>
+              <a:gd name="connsiteY1" fmla="*/ 0 h 698500"/>
+              <a:gd name="connsiteX2" fmla="*/ 1270000 w 1270000"/>
+              <a:gd name="connsiteY2" fmla="*/ 0 h 698500"/>
+              <a:gd name="connsiteX0" fmla="*/ 0 w 1270000"/>
+              <a:gd name="connsiteY0" fmla="*/ 698500 h 698500"/>
+              <a:gd name="connsiteX1" fmla="*/ 1270000 w 1270000"/>
+              <a:gd name="connsiteY1" fmla="*/ 0 h 698500"/>
+              <a:gd name="connsiteX2" fmla="*/ 1270000 w 1270000"/>
+              <a:gd name="connsiteY2" fmla="*/ 0 h 698500"/>
+              <a:gd name="connsiteX0" fmla="*/ 0 w 1270000"/>
+              <a:gd name="connsiteY0" fmla="*/ 698500 h 698500"/>
+              <a:gd name="connsiteX1" fmla="*/ 1270000 w 1270000"/>
+              <a:gd name="connsiteY1" fmla="*/ 0 h 698500"/>
+              <a:gd name="connsiteX2" fmla="*/ 1270000 w 1270000"/>
+              <a:gd name="connsiteY2" fmla="*/ 0 h 698500"/>
+              <a:gd name="connsiteX0" fmla="*/ 0 w 1473200"/>
+              <a:gd name="connsiteY0" fmla="*/ 705467 h 705467"/>
+              <a:gd name="connsiteX1" fmla="*/ 1270000 w 1473200"/>
+              <a:gd name="connsiteY1" fmla="*/ 6967 h 705467"/>
+              <a:gd name="connsiteX2" fmla="*/ 1473200 w 1473200"/>
+              <a:gd name="connsiteY2" fmla="*/ 368917 h 705467"/>
+              <a:gd name="connsiteX0" fmla="*/ 0 w 1473200"/>
+              <a:gd name="connsiteY0" fmla="*/ 606778 h 606778"/>
+              <a:gd name="connsiteX1" fmla="*/ 742950 w 1473200"/>
+              <a:gd name="connsiteY1" fmla="*/ 9878 h 606778"/>
+              <a:gd name="connsiteX2" fmla="*/ 1473200 w 1473200"/>
+              <a:gd name="connsiteY2" fmla="*/ 270228 h 606778"/>
+              <a:gd name="connsiteX0" fmla="*/ 0 w 742950"/>
+              <a:gd name="connsiteY0" fmla="*/ 596900 h 596900"/>
+              <a:gd name="connsiteX1" fmla="*/ 742950 w 742950"/>
+              <a:gd name="connsiteY1" fmla="*/ 0 h 596900"/>
+              <a:gd name="connsiteX0" fmla="*/ 0 w 863600"/>
+              <a:gd name="connsiteY0" fmla="*/ 603250 h 603250"/>
+              <a:gd name="connsiteX1" fmla="*/ 863600 w 863600"/>
+              <a:gd name="connsiteY1" fmla="*/ 0 h 603250"/>
+              <a:gd name="connsiteX0" fmla="*/ 0 w 806450"/>
+              <a:gd name="connsiteY0" fmla="*/ 520700 h 520700"/>
+              <a:gd name="connsiteX1" fmla="*/ 806450 w 806450"/>
+              <a:gd name="connsiteY1" fmla="*/ 0 h 520700"/>
+              <a:gd name="connsiteX0" fmla="*/ 0 w 806450"/>
+              <a:gd name="connsiteY0" fmla="*/ 520700 h 520700"/>
+              <a:gd name="connsiteX1" fmla="*/ 806450 w 806450"/>
+              <a:gd name="connsiteY1" fmla="*/ 0 h 520700"/>
+              <a:gd name="connsiteX0" fmla="*/ 0 w 812800"/>
+              <a:gd name="connsiteY0" fmla="*/ 565150 h 565150"/>
+              <a:gd name="connsiteX1" fmla="*/ 812800 w 812800"/>
+              <a:gd name="connsiteY1" fmla="*/ 0 h 565150"/>
+              <a:gd name="connsiteX0" fmla="*/ 0 w 812800"/>
+              <a:gd name="connsiteY0" fmla="*/ 565150 h 565150"/>
+              <a:gd name="connsiteX1" fmla="*/ 812800 w 812800"/>
+              <a:gd name="connsiteY1" fmla="*/ 0 h 565150"/>
+              <a:gd name="connsiteX0" fmla="*/ 0 w 812800"/>
+              <a:gd name="connsiteY0" fmla="*/ 565150 h 565150"/>
+              <a:gd name="connsiteX1" fmla="*/ 812800 w 812800"/>
+              <a:gd name="connsiteY1" fmla="*/ 0 h 565150"/>
+            </a:gdLst>
+            <a:ahLst/>
+            <a:cxnLst>
+              <a:cxn ang="0">
+                <a:pos x="connsiteX0" y="connsiteY0"/>
+              </a:cxn>
+              <a:cxn ang="0">
+                <a:pos x="connsiteX1" y="connsiteY1"/>
+              </a:cxn>
+            </a:cxnLst>
+            <a:rect l="l" t="t" r="r" b="b"/>
+            <a:pathLst>
+              <a:path w="812800" h="565150">
+                <a:moveTo>
+                  <a:pt x="0" y="565150"/>
+                </a:moveTo>
+                <a:cubicBezTo>
+                  <a:pt x="423333" y="306917"/>
+                  <a:pt x="351367" y="176742"/>
+                  <a:pt x="812800" y="0"/>
+                </a:cubicBezTo>
+              </a:path>
+            </a:pathLst>
+          </a:custGeom>
+          <a:ln w="9525">
+            <a:solidFill>
+              <a:srgbClr val="C00000"/>
+            </a:solidFill>
+            <a:headEnd type="none" w="med" len="lg"/>
+            <a:tailEnd type="stealth" w="med" len="lg"/>
+          </a:ln>
+        </p:spPr>
+        <p:style>
+          <a:lnRef idx="1">
+            <a:schemeClr val="accent1"/>
+          </a:lnRef>
+          <a:fillRef idx="0">
+            <a:schemeClr val="accent1"/>
+          </a:fillRef>
+          <a:effectRef idx="0">
+            <a:schemeClr val="accent1"/>
+          </a:effectRef>
+          <a:fontRef idx="minor">
+            <a:schemeClr val="tx1"/>
+          </a:fontRef>
+        </p:style>
+        <p:txBody>
+          <a:bodyPr rtlCol="0" anchor="ctr"/>
+          <a:lstStyle/>
+          <a:p>
+            <a:pPr algn="ctr"/>
+            <a:endParaRPr lang="fr-FR"/>
+          </a:p>
+        </p:txBody>
+      </p:sp>
+      <p:cxnSp>
+        <p:nvCxnSpPr>
+          <p:cNvPr id="41" name="Connecteur droit 40"/>
+          <p:cNvCxnSpPr/>
+          <p:nvPr/>
+        </p:nvCxnSpPr>
+        <p:spPr>
+          <a:xfrm flipV="1">
+            <a:off x="6096000" y="1707292"/>
+            <a:ext cx="0" cy="1008112"/>
+          </a:xfrm>
+          <a:prstGeom prst="line">
+            <a:avLst/>
+          </a:prstGeom>
+          <a:ln>
+            <a:solidFill>
+              <a:schemeClr val="accent5">
+                <a:lumMod val="50000"/>
+              </a:schemeClr>
+            </a:solidFill>
+            <a:tailEnd type="stealth" w="med" len="lg"/>
+          </a:ln>
+        </p:spPr>
+        <p:style>
+          <a:lnRef idx="1">
+            <a:schemeClr val="accent1"/>
+          </a:lnRef>
+          <a:fillRef idx="0">
+            <a:schemeClr val="accent1"/>
+          </a:fillRef>
+          <a:effectRef idx="0">
+            <a:schemeClr val="accent1"/>
+          </a:effectRef>
+          <a:fontRef idx="minor">
+            <a:schemeClr val="tx1"/>
+          </a:fontRef>
+        </p:style>
+      </p:cxnSp>
+      <p:cxnSp>
+        <p:nvCxnSpPr>
+          <p:cNvPr id="42" name="Connecteur droit 41"/>
+          <p:cNvCxnSpPr/>
+          <p:nvPr/>
+        </p:nvCxnSpPr>
+        <p:spPr>
+          <a:xfrm>
+            <a:off x="6096000" y="2715404"/>
+            <a:ext cx="1440160" cy="0"/>
+          </a:xfrm>
+          <a:prstGeom prst="line">
+            <a:avLst/>
+          </a:prstGeom>
+          <a:ln>
+            <a:solidFill>
+              <a:schemeClr val="accent5">
+                <a:lumMod val="50000"/>
+              </a:schemeClr>
+            </a:solidFill>
+            <a:tailEnd type="stealth" w="med" len="lg"/>
+          </a:ln>
+        </p:spPr>
+        <p:style>
+          <a:lnRef idx="1">
+            <a:schemeClr val="accent1"/>
+          </a:lnRef>
+          <a:fillRef idx="0">
+            <a:schemeClr val="accent1"/>
+          </a:fillRef>
+          <a:effectRef idx="0">
+            <a:schemeClr val="accent1"/>
+          </a:effectRef>
+          <a:fontRef idx="minor">
+            <a:schemeClr val="tx1"/>
+          </a:fontRef>
+        </p:style>
+      </p:cxnSp>
+      <mc:AlternateContent xmlns:mc="http://schemas.openxmlformats.org/markup-compatibility/2006" xmlns:a14="http://schemas.microsoft.com/office/drawing/2010/main">
+        <mc:Choice Requires="a14">
+          <p:sp>
+            <p:nvSpPr>
+              <p:cNvPr id="43" name="ZoneTexte 42"/>
+              <p:cNvSpPr txBox="1"/>
+              <p:nvPr/>
+            </p:nvSpPr>
+            <p:spPr>
+              <a:xfrm>
+                <a:off x="6168008" y="1749418"/>
+                <a:ext cx="358368" cy="288156"/>
+              </a:xfrm>
+              <a:prstGeom prst="rect">
+                <a:avLst/>
+              </a:prstGeom>
+              <a:noFill/>
+            </p:spPr>
+            <p:txBody>
+              <a:bodyPr wrap="none" lIns="0" tIns="0" rIns="0" bIns="0" rtlCol="0">
+                <a:spAutoFit/>
+              </a:bodyPr>
+              <a:lstStyle/>
+              <a:p>
+                <a:pPr/>
+                <a14:m>
+                  <m:oMathPara xmlns:m="http://schemas.openxmlformats.org/officeDocument/2006/math">
+                    <m:oMathParaPr>
+                      <m:jc m:val="centerGroup"/>
+                    </m:oMathParaPr>
+                    <m:oMath xmlns:m="http://schemas.openxmlformats.org/officeDocument/2006/math">
+                      <m:r>
+                        <a:rPr lang="fr-FR" sz="1000" b="0" i="1" smtClean="0">
+                          <a:latin typeface="Cambria Math" panose="02040503050406030204" pitchFamily="18" charset="0"/>
+                        </a:rPr>
+                        <m:t>𝜎</m:t>
+                      </m:r>
+                      <m:r>
+                        <a:rPr lang="fr-FR" sz="1000" b="0" i="1" smtClean="0">
+                          <a:latin typeface="Cambria Math" panose="02040503050406030204" pitchFamily="18" charset="0"/>
+                        </a:rPr>
+                        <m:t>=</m:t>
+                      </m:r>
+                      <m:f>
+                        <m:fPr>
+                          <m:ctrlPr>
+                            <a:rPr lang="fr-FR" sz="1000" b="0" i="1" smtClean="0">
+                              <a:latin typeface="Cambria Math" panose="02040503050406030204" pitchFamily="18" charset="0"/>
+                            </a:rPr>
+                          </m:ctrlPr>
+                        </m:fPr>
+                        <m:num>
+                          <m:r>
+                            <a:rPr lang="fr-FR" sz="1000" b="0" i="1" smtClean="0">
+                              <a:latin typeface="Cambria Math" panose="02040503050406030204" pitchFamily="18" charset="0"/>
+                            </a:rPr>
+                            <m:t>𝐹</m:t>
+                          </m:r>
+                        </m:num>
+                        <m:den>
+                          <m:r>
+                            <a:rPr lang="fr-FR" sz="1000" b="0" i="1" smtClean="0">
+                              <a:latin typeface="Cambria Math" panose="02040503050406030204" pitchFamily="18" charset="0"/>
+                            </a:rPr>
+                            <m:t>𝑆</m:t>
+                          </m:r>
+                        </m:den>
+                      </m:f>
+                    </m:oMath>
+                  </m:oMathPara>
+                </a14:m>
+                <a:endParaRPr lang="fr-FR" sz="1000" dirty="0"/>
+              </a:p>
+            </p:txBody>
+          </p:sp>
+        </mc:Choice>
+        <mc:Fallback xmlns="">
+          <p:sp>
+            <p:nvSpPr>
+              <p:cNvPr id="43" name="ZoneTexte 42"/>
+              <p:cNvSpPr txBox="1">
+                <a:spLocks noRot="1" noChangeAspect="1" noMove="1" noResize="1" noEditPoints="1" noAdjustHandles="1" noChangeArrowheads="1" noChangeShapeType="1" noTextEdit="1"/>
+              </p:cNvSpPr>
+              <p:nvPr/>
+            </p:nvSpPr>
+            <p:spPr>
+              <a:xfrm>
+                <a:off x="6168008" y="1749418"/>
+                <a:ext cx="358368" cy="288156"/>
+              </a:xfrm>
+              <a:prstGeom prst="rect">
+                <a:avLst/>
+              </a:prstGeom>
+              <a:blipFill>
+                <a:blip r:embed="rId5"/>
+                <a:stretch>
+                  <a:fillRect l="-5085" t="-2128" r="-5085" b="-14894"/>
+                </a:stretch>
+              </a:blipFill>
+            </p:spPr>
+            <p:txBody>
+              <a:bodyPr/>
+              <a:lstStyle/>
+              <a:p>
+                <a:r>
+                  <a:rPr lang="fr-FR">
+                    <a:noFill/>
+                  </a:rPr>
+                  <a:t> </a:t>
+                </a:r>
+              </a:p>
+            </p:txBody>
+          </p:sp>
+        </mc:Fallback>
+      </mc:AlternateContent>
+      <mc:AlternateContent xmlns:mc="http://schemas.openxmlformats.org/markup-compatibility/2006" xmlns:a14="http://schemas.microsoft.com/office/drawing/2010/main">
+        <mc:Choice Requires="a14">
+          <p:sp>
+            <p:nvSpPr>
+              <p:cNvPr id="44" name="ZoneTexte 43"/>
+              <p:cNvSpPr txBox="1"/>
+              <p:nvPr/>
+            </p:nvSpPr>
+            <p:spPr>
+              <a:xfrm>
+                <a:off x="7129574" y="2355364"/>
+                <a:ext cx="406586" cy="289182"/>
+              </a:xfrm>
+              <a:prstGeom prst="rect">
+                <a:avLst/>
+              </a:prstGeom>
+              <a:noFill/>
+            </p:spPr>
+            <p:txBody>
+              <a:bodyPr wrap="none" lIns="0" tIns="0" rIns="0" bIns="0" rtlCol="0">
+                <a:spAutoFit/>
+              </a:bodyPr>
+              <a:lstStyle/>
+              <a:p>
+                <a:pPr/>
+                <a14:m>
+                  <m:oMathPara xmlns:m="http://schemas.openxmlformats.org/officeDocument/2006/math">
+                    <m:oMathParaPr>
+                      <m:jc m:val="centerGroup"/>
+                    </m:oMathParaPr>
+                    <m:oMath xmlns:m="http://schemas.openxmlformats.org/officeDocument/2006/math">
+                      <m:r>
+                        <a:rPr lang="fr-FR" sz="1000" b="0" i="1" smtClean="0">
+                          <a:latin typeface="Cambria Math" panose="02040503050406030204" pitchFamily="18" charset="0"/>
+                        </a:rPr>
+                        <m:t>𝜀</m:t>
+                      </m:r>
+                      <m:r>
+                        <a:rPr lang="fr-FR" sz="1000" b="0" i="1" smtClean="0">
+                          <a:latin typeface="Cambria Math" panose="02040503050406030204" pitchFamily="18" charset="0"/>
+                        </a:rPr>
+                        <m:t>=</m:t>
+                      </m:r>
+                      <m:f>
+                        <m:fPr>
+                          <m:ctrlPr>
+                            <a:rPr lang="fr-FR" sz="1000" b="0" i="1" smtClean="0">
+                              <a:latin typeface="Cambria Math" panose="02040503050406030204" pitchFamily="18" charset="0"/>
+                            </a:rPr>
+                          </m:ctrlPr>
+                        </m:fPr>
+                        <m:num>
+                          <m:r>
+                            <m:rPr>
+                              <m:sty m:val="p"/>
+                            </m:rPr>
+                            <a:rPr lang="fr-FR" sz="1000" b="0" i="0" smtClean="0">
+                              <a:latin typeface="Cambria Math" panose="02040503050406030204" pitchFamily="18" charset="0"/>
+                            </a:rPr>
+                            <m:t>Δ</m:t>
+                          </m:r>
+                          <m:r>
+                            <a:rPr lang="fr-FR" sz="1000" b="0" i="1" smtClean="0">
+                              <a:latin typeface="Cambria Math" panose="02040503050406030204" pitchFamily="18" charset="0"/>
+                            </a:rPr>
+                            <m:t>𝐿</m:t>
+                          </m:r>
+                        </m:num>
+                        <m:den>
+                          <m:r>
+                            <a:rPr lang="fr-FR" sz="1000" b="0" i="1" smtClean="0">
+                              <a:latin typeface="Cambria Math" panose="02040503050406030204" pitchFamily="18" charset="0"/>
+                            </a:rPr>
+                            <m:t>𝐿</m:t>
+                          </m:r>
+                        </m:den>
+                      </m:f>
+                    </m:oMath>
+                  </m:oMathPara>
+                </a14:m>
+                <a:endParaRPr lang="fr-FR" sz="1000" dirty="0"/>
+              </a:p>
+            </p:txBody>
+          </p:sp>
+        </mc:Choice>
+        <mc:Fallback xmlns="">
+          <p:sp>
+            <p:nvSpPr>
+              <p:cNvPr id="44" name="ZoneTexte 43"/>
+              <p:cNvSpPr txBox="1">
+                <a:spLocks noRot="1" noChangeAspect="1" noMove="1" noResize="1" noEditPoints="1" noAdjustHandles="1" noChangeArrowheads="1" noChangeShapeType="1" noTextEdit="1"/>
+              </p:cNvSpPr>
+              <p:nvPr/>
+            </p:nvSpPr>
+            <p:spPr>
+              <a:xfrm>
+                <a:off x="7129574" y="2355364"/>
+                <a:ext cx="406586" cy="289182"/>
+              </a:xfrm>
+              <a:prstGeom prst="rect">
+                <a:avLst/>
+              </a:prstGeom>
+              <a:blipFill>
+                <a:blip r:embed="rId3"/>
+                <a:stretch>
+                  <a:fillRect l="-4545" t="-2083" r="-7576" b="-14583"/>
+                </a:stretch>
+              </a:blipFill>
+            </p:spPr>
+            <p:txBody>
+              <a:bodyPr/>
+              <a:lstStyle/>
+              <a:p>
+                <a:r>
+                  <a:rPr lang="fr-FR">
+                    <a:noFill/>
+                  </a:rPr>
+                  <a:t> </a:t>
+                </a:r>
+              </a:p>
+            </p:txBody>
+          </p:sp>
+        </mc:Fallback>
+      </mc:AlternateContent>
+      <p:sp>
+        <p:nvSpPr>
+          <p:cNvPr id="45" name="ZoneTexte 44"/>
+          <p:cNvSpPr txBox="1"/>
+          <p:nvPr/>
+        </p:nvSpPr>
+        <p:spPr>
+          <a:xfrm>
+            <a:off x="6105303" y="2786262"/>
+            <a:ext cx="1430858" cy="307777"/>
+          </a:xfrm>
+          <a:prstGeom prst="rect">
+            <a:avLst/>
+          </a:prstGeom>
+          <a:noFill/>
+        </p:spPr>
+        <p:txBody>
+          <a:bodyPr wrap="square" lIns="0" tIns="0" rIns="0" bIns="0" rtlCol="0">
+            <a:spAutoFit/>
+          </a:bodyPr>
+          <a:lstStyle/>
+          <a:p>
+            <a:pPr algn="ctr"/>
+            <a:r>
+              <a:rPr lang="fr-FR" sz="1000" dirty="0"/>
+              <a:t>Comportement </a:t>
+            </a:r>
+          </a:p>
+          <a:p>
+            <a:pPr algn="ctr"/>
+            <a:r>
+              <a:rPr lang="fr-FR" sz="1000" dirty="0"/>
+              <a:t>non élastique non linéaire</a:t>
+            </a:r>
+          </a:p>
+        </p:txBody>
+      </p:sp>
+      <p:sp>
+        <p:nvSpPr>
+          <p:cNvPr id="46" name="ZoneTexte 45"/>
+          <p:cNvSpPr txBox="1"/>
+          <p:nvPr/>
+        </p:nvSpPr>
+        <p:spPr>
+          <a:xfrm rot="19876552">
+            <a:off x="6352677" y="2034161"/>
+            <a:ext cx="514564" cy="123111"/>
+          </a:xfrm>
+          <a:prstGeom prst="rect">
+            <a:avLst/>
+          </a:prstGeom>
+          <a:noFill/>
+        </p:spPr>
+        <p:txBody>
+          <a:bodyPr wrap="none" lIns="0" tIns="0" rIns="0" bIns="0" rtlCol="0">
+            <a:spAutoFit/>
+          </a:bodyPr>
+          <a:lstStyle/>
+          <a:p>
+            <a:r>
+              <a:rPr lang="fr-FR" sz="800" dirty="0"/>
+              <a:t>Chargement</a:t>
+            </a:r>
+            <a:endParaRPr lang="fr-FR" sz="1000" dirty="0"/>
+          </a:p>
+        </p:txBody>
+      </p:sp>
+      <p:sp>
+        <p:nvSpPr>
+          <p:cNvPr id="47" name="ZoneTexte 46"/>
+          <p:cNvSpPr txBox="1"/>
+          <p:nvPr/>
+        </p:nvSpPr>
+        <p:spPr>
+          <a:xfrm rot="19178383">
+            <a:off x="6898246" y="2276990"/>
+            <a:ext cx="617157" cy="123111"/>
+          </a:xfrm>
+          <a:prstGeom prst="rect">
+            <a:avLst/>
+          </a:prstGeom>
+          <a:noFill/>
+        </p:spPr>
+        <p:txBody>
+          <a:bodyPr wrap="none" lIns="0" tIns="0" rIns="0" bIns="0" rtlCol="0">
+            <a:spAutoFit/>
+          </a:bodyPr>
+          <a:lstStyle/>
+          <a:p>
+            <a:r>
+              <a:rPr lang="fr-FR" sz="800" dirty="0"/>
+              <a:t>Déchargement</a:t>
+            </a:r>
+            <a:endParaRPr lang="fr-FR" sz="1000" dirty="0"/>
+          </a:p>
+        </p:txBody>
+      </p:sp>
+      <p:sp>
+        <p:nvSpPr>
+          <p:cNvPr id="48" name="Forme libre 47"/>
+          <p:cNvSpPr/>
+          <p:nvPr/>
+        </p:nvSpPr>
+        <p:spPr>
+          <a:xfrm>
+            <a:off x="6091411" y="2006114"/>
+            <a:ext cx="1270000" cy="698500"/>
+          </a:xfrm>
+          <a:custGeom>
+            <a:avLst/>
+            <a:gdLst>
+              <a:gd name="connsiteX0" fmla="*/ 0 w 1270000"/>
+              <a:gd name="connsiteY0" fmla="*/ 698500 h 698500"/>
+              <a:gd name="connsiteX1" fmla="*/ 1270000 w 1270000"/>
+              <a:gd name="connsiteY1" fmla="*/ 0 h 698500"/>
+              <a:gd name="connsiteX2" fmla="*/ 1270000 w 1270000"/>
+              <a:gd name="connsiteY2" fmla="*/ 0 h 698500"/>
+              <a:gd name="connsiteX0" fmla="*/ 0 w 1270000"/>
+              <a:gd name="connsiteY0" fmla="*/ 698500 h 698500"/>
+              <a:gd name="connsiteX1" fmla="*/ 1270000 w 1270000"/>
+              <a:gd name="connsiteY1" fmla="*/ 0 h 698500"/>
+              <a:gd name="connsiteX2" fmla="*/ 1270000 w 1270000"/>
+              <a:gd name="connsiteY2" fmla="*/ 0 h 698500"/>
+              <a:gd name="connsiteX0" fmla="*/ 0 w 1270000"/>
+              <a:gd name="connsiteY0" fmla="*/ 698500 h 698500"/>
+              <a:gd name="connsiteX1" fmla="*/ 1270000 w 1270000"/>
+              <a:gd name="connsiteY1" fmla="*/ 0 h 698500"/>
+              <a:gd name="connsiteX2" fmla="*/ 1270000 w 1270000"/>
+              <a:gd name="connsiteY2" fmla="*/ 0 h 698500"/>
+              <a:gd name="connsiteX0" fmla="*/ 0 w 1270000"/>
+              <a:gd name="connsiteY0" fmla="*/ 698500 h 698500"/>
+              <a:gd name="connsiteX1" fmla="*/ 1270000 w 1270000"/>
+              <a:gd name="connsiteY1" fmla="*/ 0 h 698500"/>
+              <a:gd name="connsiteX2" fmla="*/ 1270000 w 1270000"/>
+              <a:gd name="connsiteY2" fmla="*/ 0 h 698500"/>
+              <a:gd name="connsiteX0" fmla="*/ 0 w 1270000"/>
+              <a:gd name="connsiteY0" fmla="*/ 698500 h 698500"/>
+              <a:gd name="connsiteX1" fmla="*/ 1270000 w 1270000"/>
+              <a:gd name="connsiteY1" fmla="*/ 0 h 698500"/>
+              <a:gd name="connsiteX2" fmla="*/ 1270000 w 1270000"/>
+              <a:gd name="connsiteY2" fmla="*/ 0 h 698500"/>
+              <a:gd name="connsiteX0" fmla="*/ 0 w 1270000"/>
+              <a:gd name="connsiteY0" fmla="*/ 698500 h 698500"/>
+              <a:gd name="connsiteX1" fmla="*/ 1270000 w 1270000"/>
+              <a:gd name="connsiteY1" fmla="*/ 0 h 698500"/>
+              <a:gd name="connsiteX2" fmla="*/ 1270000 w 1270000"/>
+              <a:gd name="connsiteY2" fmla="*/ 0 h 698500"/>
+            </a:gdLst>
+            <a:ahLst/>
+            <a:cxnLst>
+              <a:cxn ang="0">
+                <a:pos x="connsiteX0" y="connsiteY0"/>
+              </a:cxn>
+              <a:cxn ang="0">
+                <a:pos x="connsiteX1" y="connsiteY1"/>
+              </a:cxn>
+              <a:cxn ang="0">
+                <a:pos x="connsiteX2" y="connsiteY2"/>
+              </a:cxn>
+            </a:cxnLst>
+            <a:rect l="l" t="t" r="r" b="b"/>
+            <a:pathLst>
+              <a:path w="1270000" h="698500">
+                <a:moveTo>
+                  <a:pt x="0" y="698500"/>
+                </a:moveTo>
+                <a:cubicBezTo>
+                  <a:pt x="419523" y="599017"/>
+                  <a:pt x="731097" y="14393"/>
+                  <a:pt x="1270000" y="0"/>
+                </a:cubicBezTo>
+                <a:lnTo>
+                  <a:pt x="1270000" y="0"/>
+                </a:lnTo>
+              </a:path>
+            </a:pathLst>
+          </a:custGeom>
+          <a:ln w="19050">
+            <a:solidFill>
+              <a:srgbClr val="C00000"/>
+            </a:solidFill>
+          </a:ln>
+        </p:spPr>
+        <p:style>
+          <a:lnRef idx="1">
+            <a:schemeClr val="accent1"/>
+          </a:lnRef>
+          <a:fillRef idx="0">
+            <a:schemeClr val="accent1"/>
+          </a:fillRef>
+          <a:effectRef idx="0">
+            <a:schemeClr val="accent1"/>
+          </a:effectRef>
+          <a:fontRef idx="minor">
+            <a:schemeClr val="tx1"/>
+          </a:fontRef>
+        </p:style>
+        <p:txBody>
+          <a:bodyPr rtlCol="0" anchor="ctr"/>
+          <a:lstStyle/>
+          <a:p>
+            <a:pPr algn="ctr"/>
+            <a:endParaRPr lang="fr-FR"/>
+          </a:p>
+        </p:txBody>
+      </p:sp>
+      <p:sp>
+        <p:nvSpPr>
+          <p:cNvPr id="49" name="Forme libre 48"/>
+          <p:cNvSpPr/>
+          <p:nvPr/>
+        </p:nvSpPr>
+        <p:spPr>
+          <a:xfrm rot="21185219">
+            <a:off x="6648466" y="2170052"/>
+            <a:ext cx="674438" cy="489725"/>
+          </a:xfrm>
+          <a:custGeom>
+            <a:avLst/>
+            <a:gdLst>
+              <a:gd name="connsiteX0" fmla="*/ 0 w 1270000"/>
+              <a:gd name="connsiteY0" fmla="*/ 698500 h 698500"/>
+              <a:gd name="connsiteX1" fmla="*/ 1270000 w 1270000"/>
+              <a:gd name="connsiteY1" fmla="*/ 0 h 698500"/>
+              <a:gd name="connsiteX2" fmla="*/ 1270000 w 1270000"/>
+              <a:gd name="connsiteY2" fmla="*/ 0 h 698500"/>
+              <a:gd name="connsiteX0" fmla="*/ 0 w 1270000"/>
+              <a:gd name="connsiteY0" fmla="*/ 698500 h 698500"/>
+              <a:gd name="connsiteX1" fmla="*/ 1270000 w 1270000"/>
+              <a:gd name="connsiteY1" fmla="*/ 0 h 698500"/>
+              <a:gd name="connsiteX2" fmla="*/ 1270000 w 1270000"/>
+              <a:gd name="connsiteY2" fmla="*/ 0 h 698500"/>
+              <a:gd name="connsiteX0" fmla="*/ 0 w 1270000"/>
+              <a:gd name="connsiteY0" fmla="*/ 698500 h 698500"/>
+              <a:gd name="connsiteX1" fmla="*/ 1270000 w 1270000"/>
+              <a:gd name="connsiteY1" fmla="*/ 0 h 698500"/>
+              <a:gd name="connsiteX2" fmla="*/ 1270000 w 1270000"/>
+              <a:gd name="connsiteY2" fmla="*/ 0 h 698500"/>
+              <a:gd name="connsiteX0" fmla="*/ 0 w 1473200"/>
+              <a:gd name="connsiteY0" fmla="*/ 705467 h 705467"/>
+              <a:gd name="connsiteX1" fmla="*/ 1270000 w 1473200"/>
+              <a:gd name="connsiteY1" fmla="*/ 6967 h 705467"/>
+              <a:gd name="connsiteX2" fmla="*/ 1473200 w 1473200"/>
+              <a:gd name="connsiteY2" fmla="*/ 368917 h 705467"/>
+              <a:gd name="connsiteX0" fmla="*/ 0 w 1473200"/>
+              <a:gd name="connsiteY0" fmla="*/ 606778 h 606778"/>
+              <a:gd name="connsiteX1" fmla="*/ 742950 w 1473200"/>
+              <a:gd name="connsiteY1" fmla="*/ 9878 h 606778"/>
+              <a:gd name="connsiteX2" fmla="*/ 1473200 w 1473200"/>
+              <a:gd name="connsiteY2" fmla="*/ 270228 h 606778"/>
+              <a:gd name="connsiteX0" fmla="*/ 0 w 742950"/>
+              <a:gd name="connsiteY0" fmla="*/ 596900 h 596900"/>
+              <a:gd name="connsiteX1" fmla="*/ 742950 w 742950"/>
+              <a:gd name="connsiteY1" fmla="*/ 0 h 596900"/>
+              <a:gd name="connsiteX0" fmla="*/ 0 w 863600"/>
+              <a:gd name="connsiteY0" fmla="*/ 603250 h 603250"/>
+              <a:gd name="connsiteX1" fmla="*/ 863600 w 863600"/>
+              <a:gd name="connsiteY1" fmla="*/ 0 h 603250"/>
+              <a:gd name="connsiteX0" fmla="*/ 0 w 806450"/>
+              <a:gd name="connsiteY0" fmla="*/ 520700 h 520700"/>
+              <a:gd name="connsiteX1" fmla="*/ 806450 w 806450"/>
+              <a:gd name="connsiteY1" fmla="*/ 0 h 520700"/>
+              <a:gd name="connsiteX0" fmla="*/ 0 w 806450"/>
+              <a:gd name="connsiteY0" fmla="*/ 520700 h 520700"/>
+              <a:gd name="connsiteX1" fmla="*/ 806450 w 806450"/>
+              <a:gd name="connsiteY1" fmla="*/ 0 h 520700"/>
+              <a:gd name="connsiteX0" fmla="*/ 0 w 812800"/>
+              <a:gd name="connsiteY0" fmla="*/ 565150 h 565150"/>
+              <a:gd name="connsiteX1" fmla="*/ 812800 w 812800"/>
+              <a:gd name="connsiteY1" fmla="*/ 0 h 565150"/>
+              <a:gd name="connsiteX0" fmla="*/ 0 w 812800"/>
+              <a:gd name="connsiteY0" fmla="*/ 565150 h 565150"/>
+              <a:gd name="connsiteX1" fmla="*/ 812800 w 812800"/>
+              <a:gd name="connsiteY1" fmla="*/ 0 h 565150"/>
+              <a:gd name="connsiteX0" fmla="*/ 0 w 812800"/>
+              <a:gd name="connsiteY0" fmla="*/ 565150 h 565150"/>
+              <a:gd name="connsiteX1" fmla="*/ 812800 w 812800"/>
+              <a:gd name="connsiteY1" fmla="*/ 0 h 565150"/>
+              <a:gd name="connsiteX0" fmla="*/ 0 w 812800"/>
+              <a:gd name="connsiteY0" fmla="*/ 565150 h 565150"/>
+              <a:gd name="connsiteX1" fmla="*/ 812800 w 812800"/>
+              <a:gd name="connsiteY1" fmla="*/ 0 h 565150"/>
+              <a:gd name="connsiteX0" fmla="*/ 0 w 816130"/>
+              <a:gd name="connsiteY0" fmla="*/ 592611 h 592611"/>
+              <a:gd name="connsiteX1" fmla="*/ 816130 w 816130"/>
+              <a:gd name="connsiteY1" fmla="*/ 0 h 592611"/>
+            </a:gdLst>
+            <a:ahLst/>
+            <a:cxnLst>
+              <a:cxn ang="0">
+                <a:pos x="connsiteX0" y="connsiteY0"/>
+              </a:cxn>
+              <a:cxn ang="0">
+                <a:pos x="connsiteX1" y="connsiteY1"/>
+              </a:cxn>
+            </a:cxnLst>
+            <a:rect l="l" t="t" r="r" b="b"/>
+            <a:pathLst>
+              <a:path w="816130" h="592611">
+                <a:moveTo>
+                  <a:pt x="0" y="592611"/>
+                </a:moveTo>
+                <a:cubicBezTo>
+                  <a:pt x="461334" y="404004"/>
+                  <a:pt x="354697" y="176742"/>
+                  <a:pt x="816130" y="0"/>
+                </a:cubicBezTo>
+              </a:path>
+            </a:pathLst>
+          </a:custGeom>
+          <a:ln w="9525">
+            <a:solidFill>
+              <a:srgbClr val="C00000"/>
+            </a:solidFill>
+            <a:headEnd type="stealth" w="med" len="lg"/>
+            <a:tailEnd type="none" w="med" len="lg"/>
+          </a:ln>
+        </p:spPr>
+        <p:style>
+          <a:lnRef idx="1">
+            <a:schemeClr val="accent1"/>
+          </a:lnRef>
+          <a:fillRef idx="0">
+            <a:schemeClr val="accent1"/>
+          </a:fillRef>
+          <a:effectRef idx="0">
+            <a:schemeClr val="accent1"/>
+          </a:effectRef>
+          <a:fontRef idx="minor">
+            <a:schemeClr val="tx1"/>
+          </a:fontRef>
+        </p:style>
+        <p:txBody>
+          <a:bodyPr rtlCol="0" anchor="ctr"/>
+          <a:lstStyle/>
+          <a:p>
+            <a:pPr algn="ctr"/>
+            <a:endParaRPr lang="fr-FR"/>
+          </a:p>
+        </p:txBody>
+      </p:sp>
+      <p:sp>
+        <p:nvSpPr>
+          <p:cNvPr id="50" name="Forme libre 49"/>
+          <p:cNvSpPr/>
+          <p:nvPr/>
+        </p:nvSpPr>
+        <p:spPr>
+          <a:xfrm>
+            <a:off x="6311668" y="1964505"/>
+            <a:ext cx="828040" cy="511810"/>
+          </a:xfrm>
+          <a:custGeom>
+            <a:avLst/>
+            <a:gdLst>
+              <a:gd name="connsiteX0" fmla="*/ 0 w 1270000"/>
+              <a:gd name="connsiteY0" fmla="*/ 698500 h 698500"/>
+              <a:gd name="connsiteX1" fmla="*/ 1270000 w 1270000"/>
+              <a:gd name="connsiteY1" fmla="*/ 0 h 698500"/>
+              <a:gd name="connsiteX2" fmla="*/ 1270000 w 1270000"/>
+              <a:gd name="connsiteY2" fmla="*/ 0 h 698500"/>
+              <a:gd name="connsiteX0" fmla="*/ 0 w 1270000"/>
+              <a:gd name="connsiteY0" fmla="*/ 698500 h 698500"/>
+              <a:gd name="connsiteX1" fmla="*/ 1270000 w 1270000"/>
+              <a:gd name="connsiteY1" fmla="*/ 0 h 698500"/>
+              <a:gd name="connsiteX2" fmla="*/ 1270000 w 1270000"/>
+              <a:gd name="connsiteY2" fmla="*/ 0 h 698500"/>
+              <a:gd name="connsiteX0" fmla="*/ 0 w 1270000"/>
+              <a:gd name="connsiteY0" fmla="*/ 698500 h 698500"/>
+              <a:gd name="connsiteX1" fmla="*/ 1270000 w 1270000"/>
+              <a:gd name="connsiteY1" fmla="*/ 0 h 698500"/>
+              <a:gd name="connsiteX2" fmla="*/ 1270000 w 1270000"/>
+              <a:gd name="connsiteY2" fmla="*/ 0 h 698500"/>
+              <a:gd name="connsiteX0" fmla="*/ 0 w 1473200"/>
+              <a:gd name="connsiteY0" fmla="*/ 705467 h 705467"/>
+              <a:gd name="connsiteX1" fmla="*/ 1270000 w 1473200"/>
+              <a:gd name="connsiteY1" fmla="*/ 6967 h 705467"/>
+              <a:gd name="connsiteX2" fmla="*/ 1473200 w 1473200"/>
+              <a:gd name="connsiteY2" fmla="*/ 368917 h 705467"/>
+              <a:gd name="connsiteX0" fmla="*/ 0 w 1473200"/>
+              <a:gd name="connsiteY0" fmla="*/ 606778 h 606778"/>
+              <a:gd name="connsiteX1" fmla="*/ 742950 w 1473200"/>
+              <a:gd name="connsiteY1" fmla="*/ 9878 h 606778"/>
+              <a:gd name="connsiteX2" fmla="*/ 1473200 w 1473200"/>
+              <a:gd name="connsiteY2" fmla="*/ 270228 h 606778"/>
+              <a:gd name="connsiteX0" fmla="*/ 0 w 742950"/>
+              <a:gd name="connsiteY0" fmla="*/ 596900 h 596900"/>
+              <a:gd name="connsiteX1" fmla="*/ 742950 w 742950"/>
+              <a:gd name="connsiteY1" fmla="*/ 0 h 596900"/>
+              <a:gd name="connsiteX0" fmla="*/ 0 w 863600"/>
+              <a:gd name="connsiteY0" fmla="*/ 603250 h 603250"/>
+              <a:gd name="connsiteX1" fmla="*/ 863600 w 863600"/>
+              <a:gd name="connsiteY1" fmla="*/ 0 h 603250"/>
+              <a:gd name="connsiteX0" fmla="*/ 0 w 806450"/>
+              <a:gd name="connsiteY0" fmla="*/ 520700 h 520700"/>
+              <a:gd name="connsiteX1" fmla="*/ 806450 w 806450"/>
+              <a:gd name="connsiteY1" fmla="*/ 0 h 520700"/>
+              <a:gd name="connsiteX0" fmla="*/ 0 w 806450"/>
+              <a:gd name="connsiteY0" fmla="*/ 520700 h 520700"/>
+              <a:gd name="connsiteX1" fmla="*/ 806450 w 806450"/>
+              <a:gd name="connsiteY1" fmla="*/ 0 h 520700"/>
+              <a:gd name="connsiteX0" fmla="*/ 0 w 812800"/>
+              <a:gd name="connsiteY0" fmla="*/ 565150 h 565150"/>
+              <a:gd name="connsiteX1" fmla="*/ 812800 w 812800"/>
+              <a:gd name="connsiteY1" fmla="*/ 0 h 565150"/>
+              <a:gd name="connsiteX0" fmla="*/ 0 w 812800"/>
+              <a:gd name="connsiteY0" fmla="*/ 565150 h 565150"/>
+              <a:gd name="connsiteX1" fmla="*/ 812800 w 812800"/>
+              <a:gd name="connsiteY1" fmla="*/ 0 h 565150"/>
+              <a:gd name="connsiteX0" fmla="*/ 0 w 812800"/>
+              <a:gd name="connsiteY0" fmla="*/ 565150 h 565150"/>
+              <a:gd name="connsiteX1" fmla="*/ 812800 w 812800"/>
+              <a:gd name="connsiteY1" fmla="*/ 0 h 565150"/>
+              <a:gd name="connsiteX0" fmla="*/ 0 w 828040"/>
+              <a:gd name="connsiteY0" fmla="*/ 511810 h 511810"/>
+              <a:gd name="connsiteX1" fmla="*/ 828040 w 828040"/>
+              <a:gd name="connsiteY1" fmla="*/ 0 h 511810"/>
+            </a:gdLst>
+            <a:ahLst/>
+            <a:cxnLst>
+              <a:cxn ang="0">
+                <a:pos x="connsiteX0" y="connsiteY0"/>
+              </a:cxn>
+              <a:cxn ang="0">
+                <a:pos x="connsiteX1" y="connsiteY1"/>
+              </a:cxn>
+            </a:cxnLst>
+            <a:rect l="l" t="t" r="r" b="b"/>
+            <a:pathLst>
+              <a:path w="828040" h="511810">
+                <a:moveTo>
+                  <a:pt x="0" y="511810"/>
+                </a:moveTo>
+                <a:cubicBezTo>
+                  <a:pt x="423333" y="253577"/>
+                  <a:pt x="366607" y="176742"/>
+                  <a:pt x="828040" y="0"/>
+                </a:cubicBezTo>
+              </a:path>
+            </a:pathLst>
+          </a:custGeom>
+          <a:ln w="9525">
+            <a:solidFill>
+              <a:srgbClr val="C00000"/>
+            </a:solidFill>
+            <a:headEnd type="none" w="med" len="lg"/>
+            <a:tailEnd type="stealth" w="med" len="lg"/>
+          </a:ln>
+        </p:spPr>
+        <p:style>
+          <a:lnRef idx="1">
+            <a:schemeClr val="accent1"/>
+          </a:lnRef>
+          <a:fillRef idx="0">
+            <a:schemeClr val="accent1"/>
+          </a:fillRef>
+          <a:effectRef idx="0">
+            <a:schemeClr val="accent1"/>
+          </a:effectRef>
+          <a:fontRef idx="minor">
+            <a:schemeClr val="tx1"/>
+          </a:fontRef>
+        </p:style>
+        <p:txBody>
+          <a:bodyPr rtlCol="0" anchor="ctr"/>
+          <a:lstStyle/>
+          <a:p>
+            <a:pPr algn="ctr"/>
+            <a:endParaRPr lang="fr-FR"/>
+          </a:p>
+        </p:txBody>
+      </p:sp>
+      <p:sp>
+        <p:nvSpPr>
+          <p:cNvPr id="51" name="Forme libre 50"/>
+          <p:cNvSpPr/>
+          <p:nvPr/>
+        </p:nvSpPr>
+        <p:spPr>
+          <a:xfrm>
+            <a:off x="6475947" y="2016904"/>
+            <a:ext cx="866140" cy="698500"/>
+          </a:xfrm>
+          <a:custGeom>
+            <a:avLst/>
+            <a:gdLst>
+              <a:gd name="connsiteX0" fmla="*/ 0 w 1270000"/>
+              <a:gd name="connsiteY0" fmla="*/ 698500 h 698500"/>
+              <a:gd name="connsiteX1" fmla="*/ 1270000 w 1270000"/>
+              <a:gd name="connsiteY1" fmla="*/ 0 h 698500"/>
+              <a:gd name="connsiteX2" fmla="*/ 1270000 w 1270000"/>
+              <a:gd name="connsiteY2" fmla="*/ 0 h 698500"/>
+              <a:gd name="connsiteX0" fmla="*/ 0 w 1270000"/>
+              <a:gd name="connsiteY0" fmla="*/ 698500 h 698500"/>
+              <a:gd name="connsiteX1" fmla="*/ 1270000 w 1270000"/>
+              <a:gd name="connsiteY1" fmla="*/ 0 h 698500"/>
+              <a:gd name="connsiteX2" fmla="*/ 1270000 w 1270000"/>
+              <a:gd name="connsiteY2" fmla="*/ 0 h 698500"/>
+              <a:gd name="connsiteX0" fmla="*/ 0 w 1270000"/>
+              <a:gd name="connsiteY0" fmla="*/ 698500 h 698500"/>
+              <a:gd name="connsiteX1" fmla="*/ 1270000 w 1270000"/>
+              <a:gd name="connsiteY1" fmla="*/ 0 h 698500"/>
+              <a:gd name="connsiteX2" fmla="*/ 1270000 w 1270000"/>
+              <a:gd name="connsiteY2" fmla="*/ 0 h 698500"/>
+              <a:gd name="connsiteX0" fmla="*/ 0 w 1296163"/>
+              <a:gd name="connsiteY0" fmla="*/ 750240 h 750240"/>
+              <a:gd name="connsiteX1" fmla="*/ 1270000 w 1296163"/>
+              <a:gd name="connsiteY1" fmla="*/ 51740 h 750240"/>
+              <a:gd name="connsiteX2" fmla="*/ 820420 w 1296163"/>
+              <a:gd name="connsiteY2" fmla="*/ 51740 h 750240"/>
+              <a:gd name="connsiteX0" fmla="*/ 0 w 820420"/>
+              <a:gd name="connsiteY0" fmla="*/ 698500 h 698500"/>
+              <a:gd name="connsiteX1" fmla="*/ 820420 w 820420"/>
+              <a:gd name="connsiteY1" fmla="*/ 0 h 698500"/>
+              <a:gd name="connsiteX0" fmla="*/ 0 w 866140"/>
+              <a:gd name="connsiteY0" fmla="*/ 698500 h 698500"/>
+              <a:gd name="connsiteX1" fmla="*/ 866140 w 866140"/>
+              <a:gd name="connsiteY1" fmla="*/ 0 h 698500"/>
+              <a:gd name="connsiteX0" fmla="*/ 0 w 866140"/>
+              <a:gd name="connsiteY0" fmla="*/ 698500 h 698500"/>
+              <a:gd name="connsiteX1" fmla="*/ 866140 w 866140"/>
+              <a:gd name="connsiteY1" fmla="*/ 0 h 698500"/>
+              <a:gd name="connsiteX0" fmla="*/ 0 w 866140"/>
+              <a:gd name="connsiteY0" fmla="*/ 698500 h 698500"/>
+              <a:gd name="connsiteX1" fmla="*/ 866140 w 866140"/>
+              <a:gd name="connsiteY1" fmla="*/ 0 h 698500"/>
+            </a:gdLst>
+            <a:ahLst/>
+            <a:cxnLst>
+              <a:cxn ang="0">
+                <a:pos x="connsiteX0" y="connsiteY0"/>
+              </a:cxn>
+              <a:cxn ang="0">
+                <a:pos x="connsiteX1" y="connsiteY1"/>
+              </a:cxn>
+            </a:cxnLst>
+            <a:rect l="l" t="t" r="r" b="b"/>
+            <a:pathLst>
+              <a:path w="866140" h="698500">
+                <a:moveTo>
+                  <a:pt x="0" y="698500"/>
+                </a:moveTo>
+                <a:cubicBezTo>
+                  <a:pt x="532553" y="473287"/>
+                  <a:pt x="364067" y="202353"/>
+                  <a:pt x="866140" y="0"/>
+                </a:cubicBezTo>
+              </a:path>
+            </a:pathLst>
+          </a:custGeom>
+          <a:ln w="19050">
+            <a:solidFill>
+              <a:srgbClr val="C00000"/>
+            </a:solidFill>
+          </a:ln>
+        </p:spPr>
+        <p:style>
+          <a:lnRef idx="1">
+            <a:schemeClr val="accent1"/>
+          </a:lnRef>
+          <a:fillRef idx="0">
+            <a:schemeClr val="accent1"/>
+          </a:fillRef>
+          <a:effectRef idx="0">
+            <a:schemeClr val="accent1"/>
+          </a:effectRef>
+          <a:fontRef idx="minor">
+            <a:schemeClr val="tx1"/>
+          </a:fontRef>
+        </p:style>
+        <p:txBody>
+          <a:bodyPr rtlCol="0" anchor="ctr"/>
+          <a:lstStyle/>
+          <a:p>
+            <a:pPr algn="ctr"/>
+            <a:endParaRPr lang="fr-FR"/>
+          </a:p>
+        </p:txBody>
+      </p:sp>
+    </p:spTree>
+    <p:extLst>
+      <p:ext uri="{BB962C8B-B14F-4D97-AF65-F5344CB8AC3E}">
+        <p14:creationId xmlns:p14="http://schemas.microsoft.com/office/powerpoint/2010/main" val="1569879834"/>
+      </p:ext>
+    </p:extLst>
+  </p:cSld>
+  <p:clrMapOvr>
+    <a:masterClrMapping/>
+  </p:clrMapOvr>
+</p:sld>
+</file>
+
+<file path=ppt/slides/slide12.xml><?xml version="1.0" encoding="utf-8"?>
 <p:sld xmlns:a="http://schemas.openxmlformats.org/drawingml/2006/main" xmlns:r="http://schemas.openxmlformats.org/officeDocument/2006/relationships" xmlns:p="http://schemas.openxmlformats.org/presentationml/2006/main">
   <p:cSld>
     <p:spTree>
@@ -7137,6 +10477,1357 @@
           <a:chExt cx="0" cy="0"/>
         </a:xfrm>
       </p:grpSpPr>
+      <p:sp>
+        <p:nvSpPr>
+          <p:cNvPr id="21" name="Forme libre 20"/>
+          <p:cNvSpPr/>
+          <p:nvPr/>
+        </p:nvSpPr>
+        <p:spPr>
+          <a:xfrm>
+            <a:off x="5373722" y="3063890"/>
+            <a:ext cx="1447442" cy="101309"/>
+          </a:xfrm>
+          <a:custGeom>
+            <a:avLst/>
+            <a:gdLst>
+              <a:gd name="connsiteX0" fmla="*/ 0 w 1447439"/>
+              <a:gd name="connsiteY0" fmla="*/ 0 h 82339"/>
+              <a:gd name="connsiteX1" fmla="*/ 741054 w 1447439"/>
+              <a:gd name="connsiteY1" fmla="*/ 82339 h 82339"/>
+              <a:gd name="connsiteX2" fmla="*/ 1447439 w 1447439"/>
+              <a:gd name="connsiteY2" fmla="*/ 0 h 82339"/>
+              <a:gd name="connsiteX3" fmla="*/ 1447439 w 1447439"/>
+              <a:gd name="connsiteY3" fmla="*/ 0 h 82339"/>
+              <a:gd name="connsiteX0" fmla="*/ 0 w 1469002"/>
+              <a:gd name="connsiteY0" fmla="*/ 4029 h 242379"/>
+              <a:gd name="connsiteX1" fmla="*/ 741054 w 1469002"/>
+              <a:gd name="connsiteY1" fmla="*/ 86368 h 242379"/>
+              <a:gd name="connsiteX2" fmla="*/ 1447439 w 1469002"/>
+              <a:gd name="connsiteY2" fmla="*/ 4029 h 242379"/>
+              <a:gd name="connsiteX3" fmla="*/ 1269759 w 1469002"/>
+              <a:gd name="connsiteY3" fmla="*/ 242379 h 242379"/>
+              <a:gd name="connsiteX0" fmla="*/ 0 w 1447439"/>
+              <a:gd name="connsiteY0" fmla="*/ 4029 h 86368"/>
+              <a:gd name="connsiteX1" fmla="*/ 741054 w 1447439"/>
+              <a:gd name="connsiteY1" fmla="*/ 86368 h 86368"/>
+              <a:gd name="connsiteX2" fmla="*/ 1447439 w 1447439"/>
+              <a:gd name="connsiteY2" fmla="*/ 4029 h 86368"/>
+              <a:gd name="connsiteX0" fmla="*/ 3 w 1447442"/>
+              <a:gd name="connsiteY0" fmla="*/ 4029 h 104540"/>
+              <a:gd name="connsiteX1" fmla="*/ 741057 w 1447442"/>
+              <a:gd name="connsiteY1" fmla="*/ 86368 h 104540"/>
+              <a:gd name="connsiteX2" fmla="*/ 1447442 w 1447442"/>
+              <a:gd name="connsiteY2" fmla="*/ 4029 h 104540"/>
+              <a:gd name="connsiteX0" fmla="*/ 3 w 1447442"/>
+              <a:gd name="connsiteY0" fmla="*/ 0 h 101309"/>
+              <a:gd name="connsiteX1" fmla="*/ 741057 w 1447442"/>
+              <a:gd name="connsiteY1" fmla="*/ 82339 h 101309"/>
+              <a:gd name="connsiteX2" fmla="*/ 1447442 w 1447442"/>
+              <a:gd name="connsiteY2" fmla="*/ 0 h 101309"/>
+            </a:gdLst>
+            <a:ahLst/>
+            <a:cxnLst>
+              <a:cxn ang="0">
+                <a:pos x="connsiteX0" y="connsiteY0"/>
+              </a:cxn>
+              <a:cxn ang="0">
+                <a:pos x="connsiteX1" y="connsiteY1"/>
+              </a:cxn>
+              <a:cxn ang="0">
+                <a:pos x="connsiteX2" y="connsiteY2"/>
+              </a:cxn>
+            </a:cxnLst>
+            <a:rect l="l" t="t" r="r" b="b"/>
+            <a:pathLst>
+              <a:path w="1447442" h="101309">
+                <a:moveTo>
+                  <a:pt x="3" y="0"/>
+                </a:moveTo>
+                <a:cubicBezTo>
+                  <a:pt x="-1441" y="158177"/>
+                  <a:pt x="499817" y="82339"/>
+                  <a:pt x="741057" y="82339"/>
+                </a:cubicBezTo>
+                <a:cubicBezTo>
+                  <a:pt x="982297" y="82339"/>
+                  <a:pt x="1441664" y="160345"/>
+                  <a:pt x="1447442" y="0"/>
+                </a:cubicBezTo>
+              </a:path>
+            </a:pathLst>
+          </a:custGeom>
+          <a:solidFill>
+            <a:schemeClr val="accent5">
+              <a:lumMod val="20000"/>
+              <a:lumOff val="80000"/>
+            </a:schemeClr>
+          </a:solidFill>
+          <a:ln w="19050">
+            <a:solidFill>
+              <a:schemeClr val="accent5">
+                <a:lumMod val="50000"/>
+              </a:schemeClr>
+            </a:solidFill>
+          </a:ln>
+        </p:spPr>
+        <p:style>
+          <a:lnRef idx="1">
+            <a:schemeClr val="accent1"/>
+          </a:lnRef>
+          <a:fillRef idx="0">
+            <a:schemeClr val="accent1"/>
+          </a:fillRef>
+          <a:effectRef idx="0">
+            <a:schemeClr val="accent1"/>
+          </a:effectRef>
+          <a:fontRef idx="minor">
+            <a:schemeClr val="tx1"/>
+          </a:fontRef>
+        </p:style>
+        <p:txBody>
+          <a:bodyPr rtlCol="0" anchor="ctr"/>
+          <a:lstStyle/>
+          <a:p>
+            <a:pPr algn="ctr"/>
+            <a:endParaRPr lang="fr-FR"/>
+          </a:p>
+        </p:txBody>
+      </p:sp>
+      <p:sp>
+        <p:nvSpPr>
+          <p:cNvPr id="6" name="Forme libre 5"/>
+          <p:cNvSpPr/>
+          <p:nvPr/>
+        </p:nvSpPr>
+        <p:spPr>
+          <a:xfrm>
+            <a:off x="3937000" y="2711450"/>
+            <a:ext cx="4324350" cy="141486"/>
+          </a:xfrm>
+          <a:custGeom>
+            <a:avLst/>
+            <a:gdLst>
+              <a:gd name="connsiteX0" fmla="*/ 0 w 4324350"/>
+              <a:gd name="connsiteY0" fmla="*/ 0 h 349254"/>
+              <a:gd name="connsiteX1" fmla="*/ 2165350 w 4324350"/>
+              <a:gd name="connsiteY1" fmla="*/ 349250 h 349254"/>
+              <a:gd name="connsiteX2" fmla="*/ 4324350 w 4324350"/>
+              <a:gd name="connsiteY2" fmla="*/ 6350 h 349254"/>
+            </a:gdLst>
+            <a:ahLst/>
+            <a:cxnLst>
+              <a:cxn ang="0">
+                <a:pos x="connsiteX0" y="connsiteY0"/>
+              </a:cxn>
+              <a:cxn ang="0">
+                <a:pos x="connsiteX1" y="connsiteY1"/>
+              </a:cxn>
+              <a:cxn ang="0">
+                <a:pos x="connsiteX2" y="connsiteY2"/>
+              </a:cxn>
+            </a:cxnLst>
+            <a:rect l="l" t="t" r="r" b="b"/>
+            <a:pathLst>
+              <a:path w="4324350" h="349254">
+                <a:moveTo>
+                  <a:pt x="0" y="0"/>
+                </a:moveTo>
+                <a:cubicBezTo>
+                  <a:pt x="722312" y="174096"/>
+                  <a:pt x="1444625" y="348192"/>
+                  <a:pt x="2165350" y="349250"/>
+                </a:cubicBezTo>
+                <a:cubicBezTo>
+                  <a:pt x="2886075" y="350308"/>
+                  <a:pt x="3605212" y="178329"/>
+                  <a:pt x="4324350" y="6350"/>
+                </a:cubicBezTo>
+              </a:path>
+            </a:pathLst>
+          </a:custGeom>
+          <a:noFill/>
+          <a:ln w="19050">
+            <a:solidFill>
+              <a:srgbClr val="C00000"/>
+            </a:solidFill>
+          </a:ln>
+        </p:spPr>
+        <p:style>
+          <a:lnRef idx="2">
+            <a:schemeClr val="accent1">
+              <a:shade val="50000"/>
+            </a:schemeClr>
+          </a:lnRef>
+          <a:fillRef idx="1">
+            <a:schemeClr val="accent1"/>
+          </a:fillRef>
+          <a:effectRef idx="0">
+            <a:schemeClr val="accent1"/>
+          </a:effectRef>
+          <a:fontRef idx="minor">
+            <a:schemeClr val="lt1"/>
+          </a:fontRef>
+        </p:style>
+        <p:txBody>
+          <a:bodyPr rtlCol="0" anchor="ctr"/>
+          <a:lstStyle/>
+          <a:p>
+            <a:pPr algn="ctr"/>
+            <a:endParaRPr lang="fr-FR"/>
+          </a:p>
+        </p:txBody>
+      </p:sp>
+      <p:sp>
+        <p:nvSpPr>
+          <p:cNvPr id="7" name="Forme libre 6"/>
+          <p:cNvSpPr/>
+          <p:nvPr/>
+        </p:nvSpPr>
+        <p:spPr>
+          <a:xfrm>
+            <a:off x="3933825" y="2788295"/>
+            <a:ext cx="4324350" cy="141486"/>
+          </a:xfrm>
+          <a:custGeom>
+            <a:avLst/>
+            <a:gdLst>
+              <a:gd name="connsiteX0" fmla="*/ 0 w 4324350"/>
+              <a:gd name="connsiteY0" fmla="*/ 0 h 349254"/>
+              <a:gd name="connsiteX1" fmla="*/ 2165350 w 4324350"/>
+              <a:gd name="connsiteY1" fmla="*/ 349250 h 349254"/>
+              <a:gd name="connsiteX2" fmla="*/ 4324350 w 4324350"/>
+              <a:gd name="connsiteY2" fmla="*/ 6350 h 349254"/>
+            </a:gdLst>
+            <a:ahLst/>
+            <a:cxnLst>
+              <a:cxn ang="0">
+                <a:pos x="connsiteX0" y="connsiteY0"/>
+              </a:cxn>
+              <a:cxn ang="0">
+                <a:pos x="connsiteX1" y="connsiteY1"/>
+              </a:cxn>
+              <a:cxn ang="0">
+                <a:pos x="connsiteX2" y="connsiteY2"/>
+              </a:cxn>
+            </a:cxnLst>
+            <a:rect l="l" t="t" r="r" b="b"/>
+            <a:pathLst>
+              <a:path w="4324350" h="349254">
+                <a:moveTo>
+                  <a:pt x="0" y="0"/>
+                </a:moveTo>
+                <a:cubicBezTo>
+                  <a:pt x="722312" y="174096"/>
+                  <a:pt x="1444625" y="348192"/>
+                  <a:pt x="2165350" y="349250"/>
+                </a:cubicBezTo>
+                <a:cubicBezTo>
+                  <a:pt x="2886075" y="350308"/>
+                  <a:pt x="3605212" y="178329"/>
+                  <a:pt x="4324350" y="6350"/>
+                </a:cubicBezTo>
+              </a:path>
+            </a:pathLst>
+          </a:custGeom>
+          <a:noFill/>
+          <a:ln w="19050">
+            <a:solidFill>
+              <a:srgbClr val="C00000"/>
+            </a:solidFill>
+          </a:ln>
+        </p:spPr>
+        <p:style>
+          <a:lnRef idx="2">
+            <a:schemeClr val="accent1">
+              <a:shade val="50000"/>
+            </a:schemeClr>
+          </a:lnRef>
+          <a:fillRef idx="1">
+            <a:schemeClr val="accent1"/>
+          </a:fillRef>
+          <a:effectRef idx="0">
+            <a:schemeClr val="accent1"/>
+          </a:effectRef>
+          <a:fontRef idx="minor">
+            <a:schemeClr val="lt1"/>
+          </a:fontRef>
+        </p:style>
+        <p:txBody>
+          <a:bodyPr rtlCol="0" anchor="ctr"/>
+          <a:lstStyle/>
+          <a:p>
+            <a:pPr algn="ctr"/>
+            <a:endParaRPr lang="fr-FR"/>
+          </a:p>
+        </p:txBody>
+      </p:sp>
+      <p:cxnSp>
+        <p:nvCxnSpPr>
+          <p:cNvPr id="9" name="Connecteur droit 8"/>
+          <p:cNvCxnSpPr>
+            <a:stCxn id="6" idx="0"/>
+            <a:endCxn id="7" idx="0"/>
+          </p:cNvCxnSpPr>
+          <p:nvPr/>
+        </p:nvCxnSpPr>
+        <p:spPr>
+          <a:xfrm flipH="1">
+            <a:off x="3933825" y="2711450"/>
+            <a:ext cx="0" cy="76845"/>
+          </a:xfrm>
+          <a:prstGeom prst="line">
+            <a:avLst/>
+          </a:prstGeom>
+          <a:noFill/>
+          <a:ln w="19050">
+            <a:solidFill>
+              <a:srgbClr val="C00000"/>
+            </a:solidFill>
+          </a:ln>
+        </p:spPr>
+        <p:style>
+          <a:lnRef idx="2">
+            <a:schemeClr val="accent1">
+              <a:shade val="50000"/>
+            </a:schemeClr>
+          </a:lnRef>
+          <a:fillRef idx="1">
+            <a:schemeClr val="accent1"/>
+          </a:fillRef>
+          <a:effectRef idx="0">
+            <a:schemeClr val="accent1"/>
+          </a:effectRef>
+          <a:fontRef idx="minor">
+            <a:schemeClr val="lt1"/>
+          </a:fontRef>
+        </p:style>
+      </p:cxnSp>
+      <p:cxnSp>
+        <p:nvCxnSpPr>
+          <p:cNvPr id="10" name="Connecteur droit 9"/>
+          <p:cNvCxnSpPr/>
+          <p:nvPr/>
+        </p:nvCxnSpPr>
+        <p:spPr>
+          <a:xfrm flipH="1">
+            <a:off x="8255000" y="2715830"/>
+            <a:ext cx="0" cy="76845"/>
+          </a:xfrm>
+          <a:prstGeom prst="line">
+            <a:avLst/>
+          </a:prstGeom>
+          <a:noFill/>
+          <a:ln w="19050">
+            <a:solidFill>
+              <a:srgbClr val="C00000"/>
+            </a:solidFill>
+          </a:ln>
+        </p:spPr>
+        <p:style>
+          <a:lnRef idx="2">
+            <a:schemeClr val="accent1">
+              <a:shade val="50000"/>
+            </a:schemeClr>
+          </a:lnRef>
+          <a:fillRef idx="1">
+            <a:schemeClr val="accent1"/>
+          </a:fillRef>
+          <a:effectRef idx="0">
+            <a:schemeClr val="accent1"/>
+          </a:effectRef>
+          <a:fontRef idx="minor">
+            <a:schemeClr val="lt1"/>
+          </a:fontRef>
+        </p:style>
+      </p:cxnSp>
+      <p:sp>
+        <p:nvSpPr>
+          <p:cNvPr id="11" name="Ellipse 10"/>
+          <p:cNvSpPr/>
+          <p:nvPr/>
+        </p:nvSpPr>
+        <p:spPr>
+          <a:xfrm>
+            <a:off x="3861060" y="2791170"/>
+            <a:ext cx="139179" cy="139179"/>
+          </a:xfrm>
+          <a:prstGeom prst="ellipse">
+            <a:avLst/>
+          </a:prstGeom>
+          <a:noFill/>
+          <a:ln w="19050">
+            <a:solidFill>
+              <a:srgbClr val="C00000"/>
+            </a:solidFill>
+          </a:ln>
+        </p:spPr>
+        <p:style>
+          <a:lnRef idx="2">
+            <a:schemeClr val="accent1">
+              <a:shade val="50000"/>
+            </a:schemeClr>
+          </a:lnRef>
+          <a:fillRef idx="1">
+            <a:schemeClr val="accent1"/>
+          </a:fillRef>
+          <a:effectRef idx="0">
+            <a:schemeClr val="accent1"/>
+          </a:effectRef>
+          <a:fontRef idx="minor">
+            <a:schemeClr val="lt1"/>
+          </a:fontRef>
+        </p:style>
+        <p:txBody>
+          <a:bodyPr rtlCol="0" anchor="ctr"/>
+          <a:lstStyle/>
+          <a:p>
+            <a:pPr algn="ctr"/>
+            <a:endParaRPr lang="fr-FR"/>
+          </a:p>
+        </p:txBody>
+      </p:sp>
+      <p:sp>
+        <p:nvSpPr>
+          <p:cNvPr id="12" name="Ellipse 11"/>
+          <p:cNvSpPr/>
+          <p:nvPr/>
+        </p:nvSpPr>
+        <p:spPr>
+          <a:xfrm>
+            <a:off x="8185410" y="2791170"/>
+            <a:ext cx="139179" cy="139179"/>
+          </a:xfrm>
+          <a:prstGeom prst="ellipse">
+            <a:avLst/>
+          </a:prstGeom>
+          <a:noFill/>
+          <a:ln w="19050">
+            <a:solidFill>
+              <a:srgbClr val="C00000"/>
+            </a:solidFill>
+          </a:ln>
+        </p:spPr>
+        <p:style>
+          <a:lnRef idx="2">
+            <a:schemeClr val="accent1">
+              <a:shade val="50000"/>
+            </a:schemeClr>
+          </a:lnRef>
+          <a:fillRef idx="1">
+            <a:schemeClr val="accent1"/>
+          </a:fillRef>
+          <a:effectRef idx="0">
+            <a:schemeClr val="accent1"/>
+          </a:effectRef>
+          <a:fontRef idx="minor">
+            <a:schemeClr val="lt1"/>
+          </a:fontRef>
+        </p:style>
+        <p:txBody>
+          <a:bodyPr rtlCol="0" anchor="ctr"/>
+          <a:lstStyle/>
+          <a:p>
+            <a:pPr algn="ctr"/>
+            <a:endParaRPr lang="fr-FR"/>
+          </a:p>
+        </p:txBody>
+      </p:sp>
+      <p:cxnSp>
+        <p:nvCxnSpPr>
+          <p:cNvPr id="14" name="Connecteur droit 13"/>
+          <p:cNvCxnSpPr>
+            <a:stCxn id="11" idx="4"/>
+          </p:cNvCxnSpPr>
+          <p:nvPr/>
+        </p:nvCxnSpPr>
+        <p:spPr>
+          <a:xfrm flipH="1">
+            <a:off x="3930649" y="2930349"/>
+            <a:ext cx="1" cy="138611"/>
+          </a:xfrm>
+          <a:prstGeom prst="line">
+            <a:avLst/>
+          </a:prstGeom>
+          <a:ln w="19050">
+            <a:solidFill>
+              <a:schemeClr val="accent5">
+                <a:lumMod val="50000"/>
+              </a:schemeClr>
+            </a:solidFill>
+          </a:ln>
+        </p:spPr>
+        <p:style>
+          <a:lnRef idx="1">
+            <a:schemeClr val="accent1"/>
+          </a:lnRef>
+          <a:fillRef idx="0">
+            <a:schemeClr val="accent1"/>
+          </a:fillRef>
+          <a:effectRef idx="0">
+            <a:schemeClr val="accent1"/>
+          </a:effectRef>
+          <a:fontRef idx="minor">
+            <a:schemeClr val="tx1"/>
+          </a:fontRef>
+        </p:style>
+      </p:cxnSp>
+      <p:cxnSp>
+        <p:nvCxnSpPr>
+          <p:cNvPr id="15" name="Connecteur droit 14"/>
+          <p:cNvCxnSpPr/>
+          <p:nvPr/>
+        </p:nvCxnSpPr>
+        <p:spPr>
+          <a:xfrm flipH="1">
+            <a:off x="8261350" y="2925401"/>
+            <a:ext cx="1" cy="138611"/>
+          </a:xfrm>
+          <a:prstGeom prst="line">
+            <a:avLst/>
+          </a:prstGeom>
+          <a:ln w="19050">
+            <a:solidFill>
+              <a:schemeClr val="accent5">
+                <a:lumMod val="50000"/>
+              </a:schemeClr>
+            </a:solidFill>
+          </a:ln>
+        </p:spPr>
+        <p:style>
+          <a:lnRef idx="1">
+            <a:schemeClr val="accent1"/>
+          </a:lnRef>
+          <a:fillRef idx="0">
+            <a:schemeClr val="accent1"/>
+          </a:fillRef>
+          <a:effectRef idx="0">
+            <a:schemeClr val="accent1"/>
+          </a:effectRef>
+          <a:fontRef idx="minor">
+            <a:schemeClr val="tx1"/>
+          </a:fontRef>
+        </p:style>
+      </p:cxnSp>
+      <p:cxnSp>
+        <p:nvCxnSpPr>
+          <p:cNvPr id="17" name="Connecteur droit 16"/>
+          <p:cNvCxnSpPr/>
+          <p:nvPr/>
+        </p:nvCxnSpPr>
+        <p:spPr>
+          <a:xfrm flipH="1" flipV="1">
+            <a:off x="3933825" y="3062507"/>
+            <a:ext cx="4327525" cy="1505"/>
+          </a:xfrm>
+          <a:prstGeom prst="line">
+            <a:avLst/>
+          </a:prstGeom>
+          <a:ln w="19050">
+            <a:solidFill>
+              <a:schemeClr val="accent5">
+                <a:lumMod val="50000"/>
+              </a:schemeClr>
+            </a:solidFill>
+          </a:ln>
+        </p:spPr>
+        <p:style>
+          <a:lnRef idx="1">
+            <a:schemeClr val="accent1"/>
+          </a:lnRef>
+          <a:fillRef idx="0">
+            <a:schemeClr val="accent1"/>
+          </a:fillRef>
+          <a:effectRef idx="0">
+            <a:schemeClr val="accent1"/>
+          </a:effectRef>
+          <a:fontRef idx="minor">
+            <a:schemeClr val="tx1"/>
+          </a:fontRef>
+        </p:style>
+      </p:cxnSp>
+      <p:grpSp>
+        <p:nvGrpSpPr>
+          <p:cNvPr id="22" name="Groupe 21"/>
+          <p:cNvGrpSpPr/>
+          <p:nvPr/>
+        </p:nvGrpSpPr>
+        <p:grpSpPr>
+          <a:xfrm>
+            <a:off x="3748987" y="1958139"/>
+            <a:ext cx="949354" cy="998588"/>
+            <a:chOff x="875664" y="487400"/>
+            <a:chExt cx="949353" cy="998588"/>
+          </a:xfrm>
+        </p:grpSpPr>
+        <p:cxnSp>
+          <p:nvCxnSpPr>
+            <p:cNvPr id="23" name="Connecteur droit 22"/>
+            <p:cNvCxnSpPr/>
+            <p:nvPr/>
+          </p:nvCxnSpPr>
+          <p:spPr>
+            <a:xfrm flipV="1">
+              <a:off x="1065699" y="536583"/>
+              <a:ext cx="0" cy="734599"/>
+            </a:xfrm>
+            <a:prstGeom prst="line">
+              <a:avLst/>
+            </a:prstGeom>
+            <a:ln w="12700">
+              <a:solidFill>
+                <a:schemeClr val="accent5">
+                  <a:lumMod val="50000"/>
+                </a:schemeClr>
+              </a:solidFill>
+              <a:tailEnd type="stealth" w="med" len="lg"/>
+            </a:ln>
+          </p:spPr>
+          <p:style>
+            <a:lnRef idx="1">
+              <a:schemeClr val="accent1"/>
+            </a:lnRef>
+            <a:fillRef idx="0">
+              <a:schemeClr val="accent1"/>
+            </a:fillRef>
+            <a:effectRef idx="0">
+              <a:schemeClr val="accent1"/>
+            </a:effectRef>
+            <a:fontRef idx="minor">
+              <a:schemeClr val="tx1"/>
+            </a:fontRef>
+          </p:style>
+        </p:cxnSp>
+        <p:cxnSp>
+          <p:nvCxnSpPr>
+            <p:cNvPr id="24" name="Connecteur droit 23"/>
+            <p:cNvCxnSpPr/>
+            <p:nvPr/>
+          </p:nvCxnSpPr>
+          <p:spPr>
+            <a:xfrm rot="5400000" flipV="1">
+              <a:off x="1432999" y="905821"/>
+              <a:ext cx="0" cy="734599"/>
+            </a:xfrm>
+            <a:prstGeom prst="line">
+              <a:avLst/>
+            </a:prstGeom>
+            <a:ln w="12700">
+              <a:solidFill>
+                <a:schemeClr val="accent5">
+                  <a:lumMod val="50000"/>
+                </a:schemeClr>
+              </a:solidFill>
+              <a:tailEnd type="stealth" w="med" len="lg"/>
+            </a:ln>
+          </p:spPr>
+          <p:style>
+            <a:lnRef idx="1">
+              <a:schemeClr val="accent1"/>
+            </a:lnRef>
+            <a:fillRef idx="0">
+              <a:schemeClr val="accent1"/>
+            </a:fillRef>
+            <a:effectRef idx="0">
+              <a:schemeClr val="accent1"/>
+            </a:effectRef>
+            <a:fontRef idx="minor">
+              <a:schemeClr val="tx1"/>
+            </a:fontRef>
+          </p:style>
+        </p:cxnSp>
+        <p:grpSp>
+          <p:nvGrpSpPr>
+            <p:cNvPr id="25" name="Groupe 24"/>
+            <p:cNvGrpSpPr/>
+            <p:nvPr/>
+          </p:nvGrpSpPr>
+          <p:grpSpPr>
+            <a:xfrm>
+              <a:off x="1012602" y="1220060"/>
+              <a:ext cx="108000" cy="108000"/>
+              <a:chOff x="1009427" y="1223235"/>
+              <a:chExt cx="108000" cy="108000"/>
+            </a:xfrm>
+          </p:grpSpPr>
+          <p:sp>
+            <p:nvSpPr>
+              <p:cNvPr id="29" name="Ellipse 28"/>
+              <p:cNvSpPr/>
+              <p:nvPr/>
+            </p:nvSpPr>
+            <p:spPr>
+              <a:xfrm>
+                <a:off x="1009427" y="1223235"/>
+                <a:ext cx="108000" cy="108000"/>
+              </a:xfrm>
+              <a:prstGeom prst="ellipse">
+                <a:avLst/>
+              </a:prstGeom>
+              <a:solidFill>
+                <a:schemeClr val="bg1"/>
+              </a:solidFill>
+              <a:ln w="12700">
+                <a:solidFill>
+                  <a:schemeClr val="accent5">
+                    <a:lumMod val="50000"/>
+                  </a:schemeClr>
+                </a:solidFill>
+                <a:tailEnd type="stealth" w="med" len="lg"/>
+              </a:ln>
+            </p:spPr>
+            <p:style>
+              <a:lnRef idx="1">
+                <a:schemeClr val="accent1"/>
+              </a:lnRef>
+              <a:fillRef idx="0">
+                <a:schemeClr val="accent1"/>
+              </a:fillRef>
+              <a:effectRef idx="0">
+                <a:schemeClr val="accent1"/>
+              </a:effectRef>
+              <a:fontRef idx="minor">
+                <a:schemeClr val="tx1"/>
+              </a:fontRef>
+            </p:style>
+            <p:txBody>
+              <a:bodyPr rtlCol="0" anchor="ctr"/>
+              <a:lstStyle/>
+              <a:p>
+                <a:pPr algn="ctr"/>
+                <a:endParaRPr lang="fr-FR"/>
+              </a:p>
+            </p:txBody>
+          </p:sp>
+          <p:sp>
+            <p:nvSpPr>
+              <p:cNvPr id="30" name="Ellipse 29"/>
+              <p:cNvSpPr/>
+              <p:nvPr/>
+            </p:nvSpPr>
+            <p:spPr>
+              <a:xfrm flipH="1" flipV="1">
+                <a:off x="1045427" y="1259235"/>
+                <a:ext cx="36000" cy="36000"/>
+              </a:xfrm>
+              <a:prstGeom prst="ellipse">
+                <a:avLst/>
+              </a:prstGeom>
+              <a:solidFill>
+                <a:schemeClr val="accent5">
+                  <a:lumMod val="50000"/>
+                </a:schemeClr>
+              </a:solidFill>
+              <a:ln w="12700">
+                <a:solidFill>
+                  <a:schemeClr val="accent5">
+                    <a:lumMod val="50000"/>
+                  </a:schemeClr>
+                </a:solidFill>
+                <a:tailEnd type="stealth" w="med" len="lg"/>
+              </a:ln>
+            </p:spPr>
+            <p:style>
+              <a:lnRef idx="1">
+                <a:schemeClr val="accent1"/>
+              </a:lnRef>
+              <a:fillRef idx="0">
+                <a:schemeClr val="accent1"/>
+              </a:fillRef>
+              <a:effectRef idx="0">
+                <a:schemeClr val="accent1"/>
+              </a:effectRef>
+              <a:fontRef idx="minor">
+                <a:schemeClr val="tx1"/>
+              </a:fontRef>
+            </p:style>
+            <p:txBody>
+              <a:bodyPr rtlCol="0" anchor="ctr"/>
+              <a:lstStyle/>
+              <a:p>
+                <a:pPr algn="ctr"/>
+                <a:endParaRPr lang="fr-FR"/>
+              </a:p>
+            </p:txBody>
+          </p:sp>
+        </p:grpSp>
+        <mc:AlternateContent xmlns:mc="http://schemas.openxmlformats.org/markup-compatibility/2006" xmlns:a14="http://schemas.microsoft.com/office/drawing/2010/main">
+          <mc:Choice Requires="a14">
+            <p:sp>
+              <p:nvSpPr>
+                <p:cNvPr id="26" name="ZoneTexte 25"/>
+                <p:cNvSpPr txBox="1"/>
+                <p:nvPr/>
+              </p:nvSpPr>
+              <p:spPr>
+                <a:xfrm>
+                  <a:off x="1703317" y="1037793"/>
+                  <a:ext cx="121700" cy="184666"/>
+                </a:xfrm>
+                <a:prstGeom prst="rect">
+                  <a:avLst/>
+                </a:prstGeom>
+                <a:noFill/>
+              </p:spPr>
+              <p:txBody>
+                <a:bodyPr wrap="none" lIns="0" tIns="0" rIns="0" bIns="0" rtlCol="0">
+                  <a:spAutoFit/>
+                </a:bodyPr>
+                <a:lstStyle/>
+                <a:p>
+                  <a:pPr/>
+                  <a14:m>
+                    <m:oMathPara xmlns:m="http://schemas.openxmlformats.org/officeDocument/2006/math">
+                      <m:oMathParaPr>
+                        <m:jc m:val="centerGroup"/>
+                      </m:oMathParaPr>
+                      <m:oMath xmlns:m="http://schemas.openxmlformats.org/officeDocument/2006/math">
+                        <m:acc>
+                          <m:accPr>
+                            <m:chr m:val="⃗"/>
+                            <m:ctrlPr>
+                              <a:rPr lang="fr-FR" sz="1200" i="1">
+                                <a:latin typeface="Cambria Math" panose="02040503050406030204" pitchFamily="18" charset="0"/>
+                              </a:rPr>
+                            </m:ctrlPr>
+                          </m:accPr>
+                          <m:e>
+                            <m:r>
+                              <a:rPr lang="fr-FR" sz="1200" i="1">
+                                <a:latin typeface="Cambria Math" panose="02040503050406030204" pitchFamily="18" charset="0"/>
+                              </a:rPr>
+                              <m:t>𝑥</m:t>
+                            </m:r>
+                          </m:e>
+                        </m:acc>
+                      </m:oMath>
+                    </m:oMathPara>
+                  </a14:m>
+                  <a:endParaRPr lang="fr-FR" sz="1200" dirty="0"/>
+                </a:p>
+              </p:txBody>
+            </p:sp>
+          </mc:Choice>
+          <mc:Fallback xmlns="">
+            <p:sp>
+              <p:nvSpPr>
+                <p:cNvPr id="44" name="ZoneTexte 43"/>
+                <p:cNvSpPr txBox="1">
+                  <a:spLocks noRot="1" noChangeAspect="1" noMove="1" noResize="1" noEditPoints="1" noAdjustHandles="1" noChangeArrowheads="1" noChangeShapeType="1" noTextEdit="1"/>
+                </p:cNvSpPr>
+                <p:nvPr/>
+              </p:nvSpPr>
+              <p:spPr>
+                <a:xfrm>
+                  <a:off x="1703317" y="1037793"/>
+                  <a:ext cx="121700" cy="184666"/>
+                </a:xfrm>
+                <a:prstGeom prst="rect">
+                  <a:avLst/>
+                </a:prstGeom>
+                <a:blipFill>
+                  <a:blip r:embed="rId5"/>
+                  <a:stretch>
+                    <a:fillRect l="-20000" t="-25806" r="-85000"/>
+                  </a:stretch>
+                </a:blipFill>
+              </p:spPr>
+              <p:txBody>
+                <a:bodyPr/>
+                <a:lstStyle/>
+                <a:p>
+                  <a:r>
+                    <a:rPr lang="fr-FR">
+                      <a:noFill/>
+                    </a:rPr>
+                    <a:t> </a:t>
+                  </a:r>
+                </a:p>
+              </p:txBody>
+            </p:sp>
+          </mc:Fallback>
+        </mc:AlternateContent>
+        <mc:AlternateContent xmlns:mc="http://schemas.openxmlformats.org/markup-compatibility/2006" xmlns:a14="http://schemas.microsoft.com/office/drawing/2010/main">
+          <mc:Choice Requires="a14">
+            <p:sp>
+              <p:nvSpPr>
+                <p:cNvPr id="27" name="ZoneTexte 26"/>
+                <p:cNvSpPr txBox="1"/>
+                <p:nvPr/>
+              </p:nvSpPr>
+              <p:spPr>
+                <a:xfrm>
+                  <a:off x="1121257" y="487400"/>
+                  <a:ext cx="124458" cy="184666"/>
+                </a:xfrm>
+                <a:prstGeom prst="rect">
+                  <a:avLst/>
+                </a:prstGeom>
+                <a:noFill/>
+              </p:spPr>
+              <p:txBody>
+                <a:bodyPr wrap="none" lIns="0" tIns="0" rIns="0" bIns="0" rtlCol="0">
+                  <a:spAutoFit/>
+                </a:bodyPr>
+                <a:lstStyle/>
+                <a:p>
+                  <a:pPr/>
+                  <a14:m>
+                    <m:oMathPara xmlns:m="http://schemas.openxmlformats.org/officeDocument/2006/math">
+                      <m:oMathParaPr>
+                        <m:jc m:val="centerGroup"/>
+                      </m:oMathParaPr>
+                      <m:oMath xmlns:m="http://schemas.openxmlformats.org/officeDocument/2006/math">
+                        <m:acc>
+                          <m:accPr>
+                            <m:chr m:val="⃗"/>
+                            <m:ctrlPr>
+                              <a:rPr lang="fr-FR" sz="1200" i="1">
+                                <a:latin typeface="Cambria Math" panose="02040503050406030204" pitchFamily="18" charset="0"/>
+                              </a:rPr>
+                            </m:ctrlPr>
+                          </m:accPr>
+                          <m:e>
+                            <m:r>
+                              <a:rPr lang="fr-FR" sz="1200" i="1">
+                                <a:latin typeface="Cambria Math" panose="02040503050406030204" pitchFamily="18" charset="0"/>
+                              </a:rPr>
+                              <m:t>𝑦</m:t>
+                            </m:r>
+                          </m:e>
+                        </m:acc>
+                      </m:oMath>
+                    </m:oMathPara>
+                  </a14:m>
+                  <a:endParaRPr lang="fr-FR" sz="1200" dirty="0"/>
+                </a:p>
+              </p:txBody>
+            </p:sp>
+          </mc:Choice>
+          <mc:Fallback xmlns="">
+            <p:sp>
+              <p:nvSpPr>
+                <p:cNvPr id="45" name="ZoneTexte 44"/>
+                <p:cNvSpPr txBox="1">
+                  <a:spLocks noRot="1" noChangeAspect="1" noMove="1" noResize="1" noEditPoints="1" noAdjustHandles="1" noChangeArrowheads="1" noChangeShapeType="1" noTextEdit="1"/>
+                </p:cNvSpPr>
+                <p:nvPr/>
+              </p:nvSpPr>
+              <p:spPr>
+                <a:xfrm>
+                  <a:off x="1121257" y="487400"/>
+                  <a:ext cx="124458" cy="184666"/>
+                </a:xfrm>
+                <a:prstGeom prst="rect">
+                  <a:avLst/>
+                </a:prstGeom>
+                <a:blipFill>
+                  <a:blip r:embed="rId6"/>
+                  <a:stretch>
+                    <a:fillRect l="-30000" t="-26667" r="-85000" b="-23333"/>
+                  </a:stretch>
+                </a:blipFill>
+              </p:spPr>
+              <p:txBody>
+                <a:bodyPr/>
+                <a:lstStyle/>
+                <a:p>
+                  <a:r>
+                    <a:rPr lang="fr-FR">
+                      <a:noFill/>
+                    </a:rPr>
+                    <a:t> </a:t>
+                  </a:r>
+                </a:p>
+              </p:txBody>
+            </p:sp>
+          </mc:Fallback>
+        </mc:AlternateContent>
+        <mc:AlternateContent xmlns:mc="http://schemas.openxmlformats.org/markup-compatibility/2006" xmlns:a14="http://schemas.microsoft.com/office/drawing/2010/main">
+          <mc:Choice Requires="a14">
+            <p:sp>
+              <p:nvSpPr>
+                <p:cNvPr id="28" name="ZoneTexte 27"/>
+                <p:cNvSpPr txBox="1"/>
+                <p:nvPr/>
+              </p:nvSpPr>
+              <p:spPr>
+                <a:xfrm>
+                  <a:off x="875664" y="1301322"/>
+                  <a:ext cx="111634" cy="184666"/>
+                </a:xfrm>
+                <a:prstGeom prst="rect">
+                  <a:avLst/>
+                </a:prstGeom>
+                <a:noFill/>
+              </p:spPr>
+              <p:txBody>
+                <a:bodyPr wrap="none" lIns="0" tIns="0" rIns="0" bIns="0" rtlCol="0">
+                  <a:spAutoFit/>
+                </a:bodyPr>
+                <a:lstStyle/>
+                <a:p>
+                  <a:pPr/>
+                  <a14:m>
+                    <m:oMathPara xmlns:m="http://schemas.openxmlformats.org/officeDocument/2006/math">
+                      <m:oMathParaPr>
+                        <m:jc m:val="centerGroup"/>
+                      </m:oMathParaPr>
+                      <m:oMath xmlns:m="http://schemas.openxmlformats.org/officeDocument/2006/math">
+                        <m:acc>
+                          <m:accPr>
+                            <m:chr m:val="⃗"/>
+                            <m:ctrlPr>
+                              <a:rPr lang="fr-FR" sz="1200" i="1" smtClean="0">
+                                <a:latin typeface="Cambria Math" panose="02040503050406030204" pitchFamily="18" charset="0"/>
+                              </a:rPr>
+                            </m:ctrlPr>
+                          </m:accPr>
+                          <m:e>
+                            <m:r>
+                              <a:rPr lang="fr-FR" sz="1200" b="0" i="1" smtClean="0">
+                                <a:latin typeface="Cambria Math" panose="02040503050406030204" pitchFamily="18" charset="0"/>
+                              </a:rPr>
+                              <m:t>𝑧</m:t>
+                            </m:r>
+                          </m:e>
+                        </m:acc>
+                      </m:oMath>
+                    </m:oMathPara>
+                  </a14:m>
+                  <a:endParaRPr lang="fr-FR" sz="1200" dirty="0"/>
+                </a:p>
+              </p:txBody>
+            </p:sp>
+          </mc:Choice>
+          <mc:Fallback xmlns="">
+            <p:sp>
+              <p:nvSpPr>
+                <p:cNvPr id="28" name="ZoneTexte 27"/>
+                <p:cNvSpPr txBox="1">
+                  <a:spLocks noRot="1" noChangeAspect="1" noMove="1" noResize="1" noEditPoints="1" noAdjustHandles="1" noChangeArrowheads="1" noChangeShapeType="1" noTextEdit="1"/>
+                </p:cNvSpPr>
+                <p:nvPr/>
+              </p:nvSpPr>
+              <p:spPr>
+                <a:xfrm>
+                  <a:off x="875664" y="1301322"/>
+                  <a:ext cx="111634" cy="184666"/>
+                </a:xfrm>
+                <a:prstGeom prst="rect">
+                  <a:avLst/>
+                </a:prstGeom>
+                <a:blipFill>
+                  <a:blip r:embed="rId7"/>
+                  <a:stretch>
+                    <a:fillRect l="-15789" t="-30000" r="-89474"/>
+                  </a:stretch>
+                </a:blipFill>
+              </p:spPr>
+              <p:txBody>
+                <a:bodyPr/>
+                <a:lstStyle/>
+                <a:p>
+                  <a:r>
+                    <a:rPr lang="fr-FR">
+                      <a:noFill/>
+                    </a:rPr>
+                    <a:t> </a:t>
+                  </a:r>
+                </a:p>
+              </p:txBody>
+            </p:sp>
+          </mc:Fallback>
+        </mc:AlternateContent>
+      </p:grpSp>
+      <p:cxnSp>
+        <p:nvCxnSpPr>
+          <p:cNvPr id="31" name="Connecteur droit 30"/>
+          <p:cNvCxnSpPr/>
+          <p:nvPr/>
+        </p:nvCxnSpPr>
+        <p:spPr>
+          <a:xfrm>
+            <a:off x="6096000" y="2420888"/>
+            <a:ext cx="0" cy="320873"/>
+          </a:xfrm>
+          <a:prstGeom prst="line">
+            <a:avLst/>
+          </a:prstGeom>
+          <a:ln w="12700">
+            <a:solidFill>
+              <a:schemeClr val="accent5">
+                <a:lumMod val="50000"/>
+              </a:schemeClr>
+            </a:solidFill>
+            <a:tailEnd type="stealth" w="med" len="lg"/>
+          </a:ln>
+        </p:spPr>
+        <p:style>
+          <a:lnRef idx="1">
+            <a:schemeClr val="accent1"/>
+          </a:lnRef>
+          <a:fillRef idx="0">
+            <a:schemeClr val="accent1"/>
+          </a:fillRef>
+          <a:effectRef idx="0">
+            <a:schemeClr val="accent1"/>
+          </a:effectRef>
+          <a:fontRef idx="minor">
+            <a:schemeClr val="tx1"/>
+          </a:fontRef>
+        </p:style>
+      </p:cxnSp>
+      <p:cxnSp>
+        <p:nvCxnSpPr>
+          <p:cNvPr id="32" name="Connecteur droit 31"/>
+          <p:cNvCxnSpPr/>
+          <p:nvPr/>
+        </p:nvCxnSpPr>
+        <p:spPr>
+          <a:xfrm>
+            <a:off x="3921925" y="2741761"/>
+            <a:ext cx="3038171" cy="3038"/>
+          </a:xfrm>
+          <a:prstGeom prst="line">
+            <a:avLst/>
+          </a:prstGeom>
+          <a:ln w="9525">
+            <a:solidFill>
+              <a:schemeClr val="accent5">
+                <a:lumMod val="50000"/>
+              </a:schemeClr>
+            </a:solidFill>
+            <a:prstDash val="lgDashDot"/>
+            <a:headEnd type="none" w="med" len="med"/>
+            <a:tailEnd type="none" w="med" len="med"/>
+          </a:ln>
+        </p:spPr>
+        <p:style>
+          <a:lnRef idx="1">
+            <a:schemeClr val="accent1"/>
+          </a:lnRef>
+          <a:fillRef idx="0">
+            <a:schemeClr val="accent1"/>
+          </a:fillRef>
+          <a:effectRef idx="0">
+            <a:schemeClr val="accent1"/>
+          </a:effectRef>
+          <a:fontRef idx="minor">
+            <a:schemeClr val="tx1"/>
+          </a:fontRef>
+        </p:style>
+      </p:cxnSp>
+      <p:cxnSp>
+        <p:nvCxnSpPr>
+          <p:cNvPr id="35" name="Connecteur droit 34"/>
+          <p:cNvCxnSpPr/>
+          <p:nvPr/>
+        </p:nvCxnSpPr>
+        <p:spPr>
+          <a:xfrm>
+            <a:off x="3923810" y="2888136"/>
+            <a:ext cx="3038171" cy="3038"/>
+          </a:xfrm>
+          <a:prstGeom prst="line">
+            <a:avLst/>
+          </a:prstGeom>
+          <a:ln w="9525">
+            <a:solidFill>
+              <a:schemeClr val="accent5">
+                <a:lumMod val="50000"/>
+              </a:schemeClr>
+            </a:solidFill>
+            <a:prstDash val="lgDashDot"/>
+            <a:headEnd type="none" w="med" len="med"/>
+            <a:tailEnd type="none" w="med" len="med"/>
+          </a:ln>
+        </p:spPr>
+        <p:style>
+          <a:lnRef idx="1">
+            <a:schemeClr val="accent1"/>
+          </a:lnRef>
+          <a:fillRef idx="0">
+            <a:schemeClr val="accent1"/>
+          </a:fillRef>
+          <a:effectRef idx="0">
+            <a:schemeClr val="accent1"/>
+          </a:effectRef>
+          <a:fontRef idx="minor">
+            <a:schemeClr val="tx1"/>
+          </a:fontRef>
+        </p:style>
+      </p:cxnSp>
+      <p:cxnSp>
+        <p:nvCxnSpPr>
+          <p:cNvPr id="37" name="Connecteur droit 36"/>
+          <p:cNvCxnSpPr/>
+          <p:nvPr/>
+        </p:nvCxnSpPr>
+        <p:spPr>
+          <a:xfrm flipV="1">
+            <a:off x="6099289" y="2893867"/>
+            <a:ext cx="0" cy="320873"/>
+          </a:xfrm>
+          <a:prstGeom prst="line">
+            <a:avLst/>
+          </a:prstGeom>
+          <a:ln w="12700">
+            <a:solidFill>
+              <a:schemeClr val="accent5">
+                <a:lumMod val="50000"/>
+              </a:schemeClr>
+            </a:solidFill>
+            <a:tailEnd type="stealth" w="med" len="lg"/>
+          </a:ln>
+        </p:spPr>
+        <p:style>
+          <a:lnRef idx="1">
+            <a:schemeClr val="accent1"/>
+          </a:lnRef>
+          <a:fillRef idx="0">
+            <a:schemeClr val="accent1"/>
+          </a:fillRef>
+          <a:effectRef idx="0">
+            <a:schemeClr val="accent1"/>
+          </a:effectRef>
+          <a:fontRef idx="minor">
+            <a:schemeClr val="tx1"/>
+          </a:fontRef>
+        </p:style>
+      </p:cxnSp>
+      <mc:AlternateContent xmlns:mc="http://schemas.openxmlformats.org/markup-compatibility/2006">
+        <mc:Choice xmlns:a14="http://schemas.microsoft.com/office/drawing/2010/main" Requires="a14">
+          <p:sp>
+            <p:nvSpPr>
+              <p:cNvPr id="38" name="ZoneTexte 37"/>
+              <p:cNvSpPr txBox="1"/>
+              <p:nvPr/>
+            </p:nvSpPr>
+            <p:spPr>
+              <a:xfrm>
+                <a:off x="6096000" y="2218222"/>
+                <a:ext cx="339131" cy="184666"/>
+              </a:xfrm>
+              <a:prstGeom prst="rect">
+                <a:avLst/>
+              </a:prstGeom>
+              <a:noFill/>
+            </p:spPr>
+            <p:txBody>
+              <a:bodyPr wrap="none" lIns="0" tIns="0" rIns="0" bIns="0" rtlCol="0">
+                <a:spAutoFit/>
+              </a:bodyPr>
+              <a:lstStyle/>
+              <a:p>
+                <a:pPr/>
+                <a14:m>
+                  <m:oMathPara xmlns:m="http://schemas.openxmlformats.org/officeDocument/2006/math">
+                    <m:oMathParaPr>
+                      <m:jc m:val="centerGroup"/>
+                    </m:oMathParaPr>
+                    <m:oMath xmlns:m="http://schemas.openxmlformats.org/officeDocument/2006/math">
+                      <m:r>
+                        <a:rPr lang="fr-FR" sz="1200" b="0" i="1" smtClean="0">
+                          <a:latin typeface="Cambria Math" panose="02040503050406030204" pitchFamily="18" charset="0"/>
+                        </a:rPr>
+                        <m:t>𝑦</m:t>
+                      </m:r>
+                      <m:r>
+                        <a:rPr lang="fr-FR" sz="1200" b="0" i="1" smtClean="0">
+                          <a:latin typeface="Cambria Math" panose="02040503050406030204" pitchFamily="18" charset="0"/>
+                        </a:rPr>
+                        <m:t>(</m:t>
+                      </m:r>
+                      <m:r>
+                        <a:rPr lang="fr-FR" sz="1200" b="0" i="1" smtClean="0">
+                          <a:latin typeface="Cambria Math" panose="02040503050406030204" pitchFamily="18" charset="0"/>
+                        </a:rPr>
+                        <m:t>𝑥</m:t>
+                      </m:r>
+                      <m:r>
+                        <a:rPr lang="fr-FR" sz="1200" b="0" i="1" smtClean="0">
+                          <a:latin typeface="Cambria Math" panose="02040503050406030204" pitchFamily="18" charset="0"/>
+                        </a:rPr>
+                        <m:t>)</m:t>
+                      </m:r>
+                    </m:oMath>
+                  </m:oMathPara>
+                </a14:m>
+                <a:endParaRPr lang="fr-FR" sz="1200" dirty="0"/>
+              </a:p>
+            </p:txBody>
+          </p:sp>
+        </mc:Choice>
+        <mc:Fallback>
+          <p:sp>
+            <p:nvSpPr>
+              <p:cNvPr id="38" name="ZoneTexte 37"/>
+              <p:cNvSpPr txBox="1">
+                <a:spLocks noRot="1" noChangeAspect="1" noMove="1" noResize="1" noEditPoints="1" noAdjustHandles="1" noChangeArrowheads="1" noChangeShapeType="1" noTextEdit="1"/>
+              </p:cNvSpPr>
+              <p:nvPr/>
+            </p:nvSpPr>
+            <p:spPr>
+              <a:xfrm>
+                <a:off x="6096000" y="2218222"/>
+                <a:ext cx="339131" cy="184666"/>
+              </a:xfrm>
+              <a:prstGeom prst="rect">
+                <a:avLst/>
+              </a:prstGeom>
+              <a:blipFill>
+                <a:blip r:embed="rId8"/>
+                <a:stretch>
+                  <a:fillRect l="-10714" t="-6667" r="-14286" b="-36667"/>
+                </a:stretch>
+              </a:blipFill>
+            </p:spPr>
+            <p:txBody>
+              <a:bodyPr/>
+              <a:lstStyle/>
+              <a:p>
+                <a:r>
+                  <a:rPr lang="fr-FR">
+                    <a:noFill/>
+                  </a:rPr>
+                  <a:t> </a:t>
+                </a:r>
+              </a:p>
+            </p:txBody>
+          </p:sp>
+        </mc:Fallback>
+      </mc:AlternateContent>
+    </p:spTree>
+    <p:extLst>
+      <p:ext uri="{BB962C8B-B14F-4D97-AF65-F5344CB8AC3E}">
+        <p14:creationId xmlns:p14="http://schemas.microsoft.com/office/powerpoint/2010/main" val="749228031"/>
+      </p:ext>
+    </p:extLst>
+  </p:cSld>
+  <p:clrMapOvr>
+    <a:masterClrMapping/>
+  </p:clrMapOvr>
+</p:sld>
+</file>
+
+<file path=ppt/slides/slide3.xml><?xml version="1.0" encoding="utf-8"?>
+<p:sld xmlns:a="http://schemas.openxmlformats.org/drawingml/2006/main" xmlns:r="http://schemas.openxmlformats.org/officeDocument/2006/relationships" xmlns:p="http://schemas.openxmlformats.org/presentationml/2006/main">
+  <p:cSld>
+    <p:spTree>
+      <p:nvGrpSpPr>
+        <p:cNvPr id="1" name=""/>
+        <p:cNvGrpSpPr/>
+        <p:nvPr/>
+      </p:nvGrpSpPr>
+      <p:grpSpPr>
+        <a:xfrm>
+          <a:off x="0" y="0"/>
+          <a:ext cx="0" cy="0"/>
+          <a:chOff x="0" y="0"/>
+          <a:chExt cx="0" cy="0"/>
+        </a:xfrm>
+      </p:grpSpPr>
       <p:grpSp>
         <p:nvGrpSpPr>
           <p:cNvPr id="79" name="Groupe 78"/>
@@ -7359,8 +12050,8 @@
               </p:txBody>
             </p:sp>
           </p:grpSp>
-          <mc:AlternateContent xmlns:mc="http://schemas.openxmlformats.org/markup-compatibility/2006">
-            <mc:Choice xmlns:a14="http://schemas.microsoft.com/office/drawing/2010/main" Requires="a14">
+          <mc:AlternateContent xmlns:mc="http://schemas.openxmlformats.org/markup-compatibility/2006" xmlns:a14="http://schemas.microsoft.com/office/drawing/2010/main">
+            <mc:Choice Requires="a14">
               <p:sp>
                 <p:nvSpPr>
                   <p:cNvPr id="12" name="ZoneTexte 11"/>
@@ -7416,7 +12107,7 @@
                 </p:txBody>
               </p:sp>
             </mc:Choice>
-            <mc:Fallback>
+            <mc:Fallback xmlns="">
               <p:sp>
                 <p:nvSpPr>
                   <p:cNvPr id="12" name="ZoneTexte 11"/>
@@ -7455,8 +12146,8 @@
               </p:sp>
             </mc:Fallback>
           </mc:AlternateContent>
-          <mc:AlternateContent xmlns:mc="http://schemas.openxmlformats.org/markup-compatibility/2006">
-            <mc:Choice xmlns:a14="http://schemas.microsoft.com/office/drawing/2010/main" Requires="a14">
+          <mc:AlternateContent xmlns:mc="http://schemas.openxmlformats.org/markup-compatibility/2006" xmlns:a14="http://schemas.microsoft.com/office/drawing/2010/main">
+            <mc:Choice Requires="a14">
               <p:sp>
                 <p:nvSpPr>
                   <p:cNvPr id="13" name="ZoneTexte 12"/>
@@ -7512,7 +12203,7 @@
                 </p:txBody>
               </p:sp>
             </mc:Choice>
-            <mc:Fallback>
+            <mc:Fallback xmlns="">
               <p:sp>
                 <p:nvSpPr>
                   <p:cNvPr id="13" name="ZoneTexte 12"/>
@@ -7551,8 +12242,8 @@
               </p:sp>
             </mc:Fallback>
           </mc:AlternateContent>
-          <mc:AlternateContent xmlns:mc="http://schemas.openxmlformats.org/markup-compatibility/2006">
-            <mc:Choice xmlns:a14="http://schemas.microsoft.com/office/drawing/2010/main" Requires="a14">
+          <mc:AlternateContent xmlns:mc="http://schemas.openxmlformats.org/markup-compatibility/2006" xmlns:a14="http://schemas.microsoft.com/office/drawing/2010/main">
+            <mc:Choice Requires="a14">
               <p:sp>
                 <p:nvSpPr>
                   <p:cNvPr id="14" name="ZoneTexte 13"/>
@@ -7608,7 +12299,7 @@
                 </p:txBody>
               </p:sp>
             </mc:Choice>
-            <mc:Fallback>
+            <mc:Fallback xmlns="">
               <p:sp>
                 <p:nvSpPr>
                   <p:cNvPr id="14" name="ZoneTexte 13"/>
@@ -8308,7 +12999,7 @@
 </p:sld>
 </file>
 
-<file path=ppt/slides/slide3.xml><?xml version="1.0" encoding="utf-8"?>
+<file path=ppt/slides/slide4.xml><?xml version="1.0" encoding="utf-8"?>
 <p:sld xmlns:a="http://schemas.openxmlformats.org/drawingml/2006/main" xmlns:r="http://schemas.openxmlformats.org/officeDocument/2006/relationships" xmlns:p="http://schemas.openxmlformats.org/presentationml/2006/main">
   <p:cSld>
     <p:spTree>
@@ -9183,7 +13874,7 @@
 </p:sld>
 </file>
 
-<file path=ppt/slides/slide4.xml><?xml version="1.0" encoding="utf-8"?>
+<file path=ppt/slides/slide5.xml><?xml version="1.0" encoding="utf-8"?>
 <p:sld xmlns:a="http://schemas.openxmlformats.org/drawingml/2006/main" xmlns:r="http://schemas.openxmlformats.org/officeDocument/2006/relationships" xmlns:p="http://schemas.openxmlformats.org/presentationml/2006/main">
   <p:cSld>
     <p:spTree>
@@ -11734,7 +16425,1313 @@
 </p:sld>
 </file>
 
-<file path=ppt/slides/slide5.xml><?xml version="1.0" encoding="utf-8"?>
+<file path=ppt/slides/slide6.xml><?xml version="1.0" encoding="utf-8"?>
+<p:sld xmlns:a="http://schemas.openxmlformats.org/drawingml/2006/main" xmlns:r="http://schemas.openxmlformats.org/officeDocument/2006/relationships" xmlns:p="http://schemas.openxmlformats.org/presentationml/2006/main">
+  <p:cSld>
+    <p:spTree>
+      <p:nvGrpSpPr>
+        <p:cNvPr id="1" name=""/>
+        <p:cNvGrpSpPr/>
+        <p:nvPr/>
+      </p:nvGrpSpPr>
+      <p:grpSpPr>
+        <a:xfrm>
+          <a:off x="0" y="0"/>
+          <a:ext cx="0" cy="0"/>
+          <a:chOff x="0" y="0"/>
+          <a:chExt cx="0" cy="0"/>
+        </a:xfrm>
+      </p:grpSpPr>
+      <p:grpSp>
+        <p:nvGrpSpPr>
+          <p:cNvPr id="6" name="Groupe 5"/>
+          <p:cNvGrpSpPr/>
+          <p:nvPr/>
+        </p:nvGrpSpPr>
+        <p:grpSpPr>
+          <a:xfrm>
+            <a:off x="4288248" y="1214634"/>
+            <a:ext cx="949354" cy="998588"/>
+            <a:chOff x="875664" y="487400"/>
+            <a:chExt cx="949353" cy="998588"/>
+          </a:xfrm>
+        </p:grpSpPr>
+        <p:cxnSp>
+          <p:nvCxnSpPr>
+            <p:cNvPr id="7" name="Connecteur droit 6"/>
+            <p:cNvCxnSpPr/>
+            <p:nvPr/>
+          </p:nvCxnSpPr>
+          <p:spPr>
+            <a:xfrm flipV="1">
+              <a:off x="1065699" y="536583"/>
+              <a:ext cx="0" cy="734599"/>
+            </a:xfrm>
+            <a:prstGeom prst="line">
+              <a:avLst/>
+            </a:prstGeom>
+            <a:ln w="12700">
+              <a:solidFill>
+                <a:schemeClr val="accent5">
+                  <a:lumMod val="50000"/>
+                </a:schemeClr>
+              </a:solidFill>
+              <a:tailEnd type="stealth" w="med" len="lg"/>
+            </a:ln>
+          </p:spPr>
+          <p:style>
+            <a:lnRef idx="1">
+              <a:schemeClr val="accent1"/>
+            </a:lnRef>
+            <a:fillRef idx="0">
+              <a:schemeClr val="accent1"/>
+            </a:fillRef>
+            <a:effectRef idx="0">
+              <a:schemeClr val="accent1"/>
+            </a:effectRef>
+            <a:fontRef idx="minor">
+              <a:schemeClr val="tx1"/>
+            </a:fontRef>
+          </p:style>
+        </p:cxnSp>
+        <p:cxnSp>
+          <p:nvCxnSpPr>
+            <p:cNvPr id="8" name="Connecteur droit 7"/>
+            <p:cNvCxnSpPr/>
+            <p:nvPr/>
+          </p:nvCxnSpPr>
+          <p:spPr>
+            <a:xfrm rot="5400000" flipV="1">
+              <a:off x="1432999" y="905821"/>
+              <a:ext cx="0" cy="734599"/>
+            </a:xfrm>
+            <a:prstGeom prst="line">
+              <a:avLst/>
+            </a:prstGeom>
+            <a:ln w="12700">
+              <a:solidFill>
+                <a:schemeClr val="accent5">
+                  <a:lumMod val="50000"/>
+                </a:schemeClr>
+              </a:solidFill>
+              <a:tailEnd type="stealth" w="med" len="lg"/>
+            </a:ln>
+          </p:spPr>
+          <p:style>
+            <a:lnRef idx="1">
+              <a:schemeClr val="accent1"/>
+            </a:lnRef>
+            <a:fillRef idx="0">
+              <a:schemeClr val="accent1"/>
+            </a:fillRef>
+            <a:effectRef idx="0">
+              <a:schemeClr val="accent1"/>
+            </a:effectRef>
+            <a:fontRef idx="minor">
+              <a:schemeClr val="tx1"/>
+            </a:fontRef>
+          </p:style>
+        </p:cxnSp>
+        <p:grpSp>
+          <p:nvGrpSpPr>
+            <p:cNvPr id="9" name="Groupe 8"/>
+            <p:cNvGrpSpPr/>
+            <p:nvPr/>
+          </p:nvGrpSpPr>
+          <p:grpSpPr>
+            <a:xfrm>
+              <a:off x="1012602" y="1220060"/>
+              <a:ext cx="108000" cy="108000"/>
+              <a:chOff x="1009427" y="1223235"/>
+              <a:chExt cx="108000" cy="108000"/>
+            </a:xfrm>
+          </p:grpSpPr>
+          <p:sp>
+            <p:nvSpPr>
+              <p:cNvPr id="13" name="Ellipse 12"/>
+              <p:cNvSpPr/>
+              <p:nvPr/>
+            </p:nvSpPr>
+            <p:spPr>
+              <a:xfrm>
+                <a:off x="1009427" y="1223235"/>
+                <a:ext cx="108000" cy="108000"/>
+              </a:xfrm>
+              <a:prstGeom prst="ellipse">
+                <a:avLst/>
+              </a:prstGeom>
+              <a:solidFill>
+                <a:schemeClr val="bg1"/>
+              </a:solidFill>
+              <a:ln w="12700">
+                <a:solidFill>
+                  <a:schemeClr val="accent5">
+                    <a:lumMod val="50000"/>
+                  </a:schemeClr>
+                </a:solidFill>
+                <a:tailEnd type="stealth" w="med" len="lg"/>
+              </a:ln>
+            </p:spPr>
+            <p:style>
+              <a:lnRef idx="1">
+                <a:schemeClr val="accent1"/>
+              </a:lnRef>
+              <a:fillRef idx="0">
+                <a:schemeClr val="accent1"/>
+              </a:fillRef>
+              <a:effectRef idx="0">
+                <a:schemeClr val="accent1"/>
+              </a:effectRef>
+              <a:fontRef idx="minor">
+                <a:schemeClr val="tx1"/>
+              </a:fontRef>
+            </p:style>
+            <p:txBody>
+              <a:bodyPr rtlCol="0" anchor="ctr"/>
+              <a:lstStyle/>
+              <a:p>
+                <a:pPr algn="ctr"/>
+                <a:endParaRPr lang="fr-FR"/>
+              </a:p>
+            </p:txBody>
+          </p:sp>
+          <p:sp>
+            <p:nvSpPr>
+              <p:cNvPr id="14" name="Ellipse 13"/>
+              <p:cNvSpPr/>
+              <p:nvPr/>
+            </p:nvSpPr>
+            <p:spPr>
+              <a:xfrm flipH="1" flipV="1">
+                <a:off x="1045427" y="1259235"/>
+                <a:ext cx="36000" cy="36000"/>
+              </a:xfrm>
+              <a:prstGeom prst="ellipse">
+                <a:avLst/>
+              </a:prstGeom>
+              <a:solidFill>
+                <a:schemeClr val="accent5">
+                  <a:lumMod val="50000"/>
+                </a:schemeClr>
+              </a:solidFill>
+              <a:ln w="12700">
+                <a:solidFill>
+                  <a:schemeClr val="accent5">
+                    <a:lumMod val="50000"/>
+                  </a:schemeClr>
+                </a:solidFill>
+                <a:tailEnd type="stealth" w="med" len="lg"/>
+              </a:ln>
+            </p:spPr>
+            <p:style>
+              <a:lnRef idx="1">
+                <a:schemeClr val="accent1"/>
+              </a:lnRef>
+              <a:fillRef idx="0">
+                <a:schemeClr val="accent1"/>
+              </a:fillRef>
+              <a:effectRef idx="0">
+                <a:schemeClr val="accent1"/>
+              </a:effectRef>
+              <a:fontRef idx="minor">
+                <a:schemeClr val="tx1"/>
+              </a:fontRef>
+            </p:style>
+            <p:txBody>
+              <a:bodyPr rtlCol="0" anchor="ctr"/>
+              <a:lstStyle/>
+              <a:p>
+                <a:pPr algn="ctr"/>
+                <a:endParaRPr lang="fr-FR"/>
+              </a:p>
+            </p:txBody>
+          </p:sp>
+        </p:grpSp>
+        <mc:AlternateContent xmlns:mc="http://schemas.openxmlformats.org/markup-compatibility/2006" xmlns:a14="http://schemas.microsoft.com/office/drawing/2010/main">
+          <mc:Choice Requires="a14">
+            <p:sp>
+              <p:nvSpPr>
+                <p:cNvPr id="10" name="ZoneTexte 9"/>
+                <p:cNvSpPr txBox="1"/>
+                <p:nvPr/>
+              </p:nvSpPr>
+              <p:spPr>
+                <a:xfrm>
+                  <a:off x="1703317" y="1037793"/>
+                  <a:ext cx="121700" cy="184666"/>
+                </a:xfrm>
+                <a:prstGeom prst="rect">
+                  <a:avLst/>
+                </a:prstGeom>
+                <a:noFill/>
+              </p:spPr>
+              <p:txBody>
+                <a:bodyPr wrap="none" lIns="0" tIns="0" rIns="0" bIns="0" rtlCol="0">
+                  <a:spAutoFit/>
+                </a:bodyPr>
+                <a:lstStyle/>
+                <a:p>
+                  <a:pPr/>
+                  <a14:m>
+                    <m:oMathPara xmlns:m="http://schemas.openxmlformats.org/officeDocument/2006/math">
+                      <m:oMathParaPr>
+                        <m:jc m:val="centerGroup"/>
+                      </m:oMathParaPr>
+                      <m:oMath xmlns:m="http://schemas.openxmlformats.org/officeDocument/2006/math">
+                        <m:acc>
+                          <m:accPr>
+                            <m:chr m:val="⃗"/>
+                            <m:ctrlPr>
+                              <a:rPr lang="fr-FR" sz="1200" i="1">
+                                <a:latin typeface="Cambria Math" panose="02040503050406030204" pitchFamily="18" charset="0"/>
+                              </a:rPr>
+                            </m:ctrlPr>
+                          </m:accPr>
+                          <m:e>
+                            <m:r>
+                              <a:rPr lang="fr-FR" sz="1200" i="1">
+                                <a:latin typeface="Cambria Math" panose="02040503050406030204" pitchFamily="18" charset="0"/>
+                              </a:rPr>
+                              <m:t>𝑥</m:t>
+                            </m:r>
+                          </m:e>
+                        </m:acc>
+                      </m:oMath>
+                    </m:oMathPara>
+                  </a14:m>
+                  <a:endParaRPr lang="fr-FR" sz="1200" dirty="0"/>
+                </a:p>
+              </p:txBody>
+            </p:sp>
+          </mc:Choice>
+          <mc:Fallback xmlns="">
+            <p:sp>
+              <p:nvSpPr>
+                <p:cNvPr id="44" name="ZoneTexte 43"/>
+                <p:cNvSpPr txBox="1">
+                  <a:spLocks noRot="1" noChangeAspect="1" noMove="1" noResize="1" noEditPoints="1" noAdjustHandles="1" noChangeArrowheads="1" noChangeShapeType="1" noTextEdit="1"/>
+                </p:cNvSpPr>
+                <p:nvPr/>
+              </p:nvSpPr>
+              <p:spPr>
+                <a:xfrm>
+                  <a:off x="1703317" y="1037793"/>
+                  <a:ext cx="121700" cy="184666"/>
+                </a:xfrm>
+                <a:prstGeom prst="rect">
+                  <a:avLst/>
+                </a:prstGeom>
+                <a:blipFill>
+                  <a:blip r:embed="rId5"/>
+                  <a:stretch>
+                    <a:fillRect l="-20000" t="-25806" r="-85000"/>
+                  </a:stretch>
+                </a:blipFill>
+              </p:spPr>
+              <p:txBody>
+                <a:bodyPr/>
+                <a:lstStyle/>
+                <a:p>
+                  <a:r>
+                    <a:rPr lang="fr-FR">
+                      <a:noFill/>
+                    </a:rPr>
+                    <a:t> </a:t>
+                  </a:r>
+                </a:p>
+              </p:txBody>
+            </p:sp>
+          </mc:Fallback>
+        </mc:AlternateContent>
+        <mc:AlternateContent xmlns:mc="http://schemas.openxmlformats.org/markup-compatibility/2006" xmlns:a14="http://schemas.microsoft.com/office/drawing/2010/main">
+          <mc:Choice Requires="a14">
+            <p:sp>
+              <p:nvSpPr>
+                <p:cNvPr id="11" name="ZoneTexte 10"/>
+                <p:cNvSpPr txBox="1"/>
+                <p:nvPr/>
+              </p:nvSpPr>
+              <p:spPr>
+                <a:xfrm>
+                  <a:off x="1121257" y="487400"/>
+                  <a:ext cx="124458" cy="184666"/>
+                </a:xfrm>
+                <a:prstGeom prst="rect">
+                  <a:avLst/>
+                </a:prstGeom>
+                <a:noFill/>
+              </p:spPr>
+              <p:txBody>
+                <a:bodyPr wrap="none" lIns="0" tIns="0" rIns="0" bIns="0" rtlCol="0">
+                  <a:spAutoFit/>
+                </a:bodyPr>
+                <a:lstStyle/>
+                <a:p>
+                  <a:pPr/>
+                  <a14:m>
+                    <m:oMathPara xmlns:m="http://schemas.openxmlformats.org/officeDocument/2006/math">
+                      <m:oMathParaPr>
+                        <m:jc m:val="centerGroup"/>
+                      </m:oMathParaPr>
+                      <m:oMath xmlns:m="http://schemas.openxmlformats.org/officeDocument/2006/math">
+                        <m:acc>
+                          <m:accPr>
+                            <m:chr m:val="⃗"/>
+                            <m:ctrlPr>
+                              <a:rPr lang="fr-FR" sz="1200" i="1">
+                                <a:latin typeface="Cambria Math" panose="02040503050406030204" pitchFamily="18" charset="0"/>
+                              </a:rPr>
+                            </m:ctrlPr>
+                          </m:accPr>
+                          <m:e>
+                            <m:r>
+                              <a:rPr lang="fr-FR" sz="1200" i="1">
+                                <a:latin typeface="Cambria Math" panose="02040503050406030204" pitchFamily="18" charset="0"/>
+                              </a:rPr>
+                              <m:t>𝑦</m:t>
+                            </m:r>
+                          </m:e>
+                        </m:acc>
+                      </m:oMath>
+                    </m:oMathPara>
+                  </a14:m>
+                  <a:endParaRPr lang="fr-FR" sz="1200" dirty="0"/>
+                </a:p>
+              </p:txBody>
+            </p:sp>
+          </mc:Choice>
+          <mc:Fallback xmlns="">
+            <p:sp>
+              <p:nvSpPr>
+                <p:cNvPr id="45" name="ZoneTexte 44"/>
+                <p:cNvSpPr txBox="1">
+                  <a:spLocks noRot="1" noChangeAspect="1" noMove="1" noResize="1" noEditPoints="1" noAdjustHandles="1" noChangeArrowheads="1" noChangeShapeType="1" noTextEdit="1"/>
+                </p:cNvSpPr>
+                <p:nvPr/>
+              </p:nvSpPr>
+              <p:spPr>
+                <a:xfrm>
+                  <a:off x="1121257" y="487400"/>
+                  <a:ext cx="124458" cy="184666"/>
+                </a:xfrm>
+                <a:prstGeom prst="rect">
+                  <a:avLst/>
+                </a:prstGeom>
+                <a:blipFill>
+                  <a:blip r:embed="rId6"/>
+                  <a:stretch>
+                    <a:fillRect l="-30000" t="-26667" r="-85000" b="-23333"/>
+                  </a:stretch>
+                </a:blipFill>
+              </p:spPr>
+              <p:txBody>
+                <a:bodyPr/>
+                <a:lstStyle/>
+                <a:p>
+                  <a:r>
+                    <a:rPr lang="fr-FR">
+                      <a:noFill/>
+                    </a:rPr>
+                    <a:t> </a:t>
+                  </a:r>
+                </a:p>
+              </p:txBody>
+            </p:sp>
+          </mc:Fallback>
+        </mc:AlternateContent>
+        <mc:AlternateContent xmlns:mc="http://schemas.openxmlformats.org/markup-compatibility/2006" xmlns:a14="http://schemas.microsoft.com/office/drawing/2010/main">
+          <mc:Choice Requires="a14">
+            <p:sp>
+              <p:nvSpPr>
+                <p:cNvPr id="12" name="ZoneTexte 11"/>
+                <p:cNvSpPr txBox="1"/>
+                <p:nvPr/>
+              </p:nvSpPr>
+              <p:spPr>
+                <a:xfrm>
+                  <a:off x="875664" y="1301322"/>
+                  <a:ext cx="111634" cy="184666"/>
+                </a:xfrm>
+                <a:prstGeom prst="rect">
+                  <a:avLst/>
+                </a:prstGeom>
+                <a:noFill/>
+              </p:spPr>
+              <p:txBody>
+                <a:bodyPr wrap="none" lIns="0" tIns="0" rIns="0" bIns="0" rtlCol="0">
+                  <a:spAutoFit/>
+                </a:bodyPr>
+                <a:lstStyle/>
+                <a:p>
+                  <a:pPr/>
+                  <a14:m>
+                    <m:oMathPara xmlns:m="http://schemas.openxmlformats.org/officeDocument/2006/math">
+                      <m:oMathParaPr>
+                        <m:jc m:val="centerGroup"/>
+                      </m:oMathParaPr>
+                      <m:oMath xmlns:m="http://schemas.openxmlformats.org/officeDocument/2006/math">
+                        <m:acc>
+                          <m:accPr>
+                            <m:chr m:val="⃗"/>
+                            <m:ctrlPr>
+                              <a:rPr lang="fr-FR" sz="1200" i="1" smtClean="0">
+                                <a:latin typeface="Cambria Math" panose="02040503050406030204" pitchFamily="18" charset="0"/>
+                              </a:rPr>
+                            </m:ctrlPr>
+                          </m:accPr>
+                          <m:e>
+                            <m:r>
+                              <a:rPr lang="fr-FR" sz="1200" b="0" i="1" smtClean="0">
+                                <a:latin typeface="Cambria Math" panose="02040503050406030204" pitchFamily="18" charset="0"/>
+                              </a:rPr>
+                              <m:t>𝑧</m:t>
+                            </m:r>
+                          </m:e>
+                        </m:acc>
+                      </m:oMath>
+                    </m:oMathPara>
+                  </a14:m>
+                  <a:endParaRPr lang="fr-FR" sz="1200" dirty="0"/>
+                </a:p>
+              </p:txBody>
+            </p:sp>
+          </mc:Choice>
+          <mc:Fallback xmlns="">
+            <p:sp>
+              <p:nvSpPr>
+                <p:cNvPr id="28" name="ZoneTexte 27"/>
+                <p:cNvSpPr txBox="1">
+                  <a:spLocks noRot="1" noChangeAspect="1" noMove="1" noResize="1" noEditPoints="1" noAdjustHandles="1" noChangeArrowheads="1" noChangeShapeType="1" noTextEdit="1"/>
+                </p:cNvSpPr>
+                <p:nvPr/>
+              </p:nvSpPr>
+              <p:spPr>
+                <a:xfrm>
+                  <a:off x="875664" y="1301322"/>
+                  <a:ext cx="111634" cy="184666"/>
+                </a:xfrm>
+                <a:prstGeom prst="rect">
+                  <a:avLst/>
+                </a:prstGeom>
+                <a:blipFill>
+                  <a:blip r:embed="rId7"/>
+                  <a:stretch>
+                    <a:fillRect l="-15789" t="-30000" r="-89474"/>
+                  </a:stretch>
+                </a:blipFill>
+              </p:spPr>
+              <p:txBody>
+                <a:bodyPr/>
+                <a:lstStyle/>
+                <a:p>
+                  <a:r>
+                    <a:rPr lang="fr-FR">
+                      <a:noFill/>
+                    </a:rPr>
+                    <a:t> </a:t>
+                  </a:r>
+                </a:p>
+              </p:txBody>
+            </p:sp>
+          </mc:Fallback>
+        </mc:AlternateContent>
+      </p:grpSp>
+      <p:sp>
+        <p:nvSpPr>
+          <p:cNvPr id="3" name="Forme libre 2"/>
+          <p:cNvSpPr/>
+          <p:nvPr/>
+        </p:nvSpPr>
+        <p:spPr>
+          <a:xfrm>
+            <a:off x="4624112" y="1274288"/>
+            <a:ext cx="153172" cy="1434632"/>
+          </a:xfrm>
+          <a:custGeom>
+            <a:avLst/>
+            <a:gdLst>
+              <a:gd name="connsiteX0" fmla="*/ 10048 w 10048"/>
+              <a:gd name="connsiteY0" fmla="*/ 0 h 1446963"/>
+              <a:gd name="connsiteX1" fmla="*/ 0 w 10048"/>
+              <a:gd name="connsiteY1" fmla="*/ 1446963 h 1446963"/>
+              <a:gd name="connsiteX2" fmla="*/ 0 w 10048"/>
+              <a:gd name="connsiteY2" fmla="*/ 1446963 h 1446963"/>
+              <a:gd name="connsiteX0" fmla="*/ 10079 w 10079"/>
+              <a:gd name="connsiteY0" fmla="*/ 0 h 1562288"/>
+              <a:gd name="connsiteX1" fmla="*/ 31 w 10079"/>
+              <a:gd name="connsiteY1" fmla="*/ 1446963 h 1562288"/>
+              <a:gd name="connsiteX2" fmla="*/ 7183 w 10079"/>
+              <a:gd name="connsiteY2" fmla="*/ 1477108 h 1562288"/>
+              <a:gd name="connsiteX0" fmla="*/ 2896 w 2896"/>
+              <a:gd name="connsiteY0" fmla="*/ 0 h 1477108"/>
+              <a:gd name="connsiteX1" fmla="*/ 0 w 2896"/>
+              <a:gd name="connsiteY1" fmla="*/ 1477108 h 1477108"/>
+              <a:gd name="connsiteX0" fmla="*/ 20033 w 20033"/>
+              <a:gd name="connsiteY0" fmla="*/ 0 h 9660"/>
+              <a:gd name="connsiteX1" fmla="*/ 0 w 20033"/>
+              <a:gd name="connsiteY1" fmla="*/ 9660 h 9660"/>
+              <a:gd name="connsiteX0" fmla="*/ 15463 w 15463"/>
+              <a:gd name="connsiteY0" fmla="*/ 0 h 10000"/>
+              <a:gd name="connsiteX1" fmla="*/ 5463 w 15463"/>
+              <a:gd name="connsiteY1" fmla="*/ 10000 h 10000"/>
+              <a:gd name="connsiteX0" fmla="*/ 14809 w 14809"/>
+              <a:gd name="connsiteY0" fmla="*/ 0 h 10141"/>
+              <a:gd name="connsiteX1" fmla="*/ 5580 w 14809"/>
+              <a:gd name="connsiteY1" fmla="*/ 10141 h 10141"/>
+              <a:gd name="connsiteX0" fmla="*/ 790 w 13521"/>
+              <a:gd name="connsiteY0" fmla="*/ 0 h 10211"/>
+              <a:gd name="connsiteX1" fmla="*/ 13521 w 13521"/>
+              <a:gd name="connsiteY1" fmla="*/ 10211 h 10211"/>
+              <a:gd name="connsiteX0" fmla="*/ 0 w 12731"/>
+              <a:gd name="connsiteY0" fmla="*/ 0 h 10211"/>
+              <a:gd name="connsiteX1" fmla="*/ 12731 w 12731"/>
+              <a:gd name="connsiteY1" fmla="*/ 10211 h 10211"/>
+              <a:gd name="connsiteX0" fmla="*/ 2823 w 8390"/>
+              <a:gd name="connsiteY0" fmla="*/ 0 h 10281"/>
+              <a:gd name="connsiteX1" fmla="*/ 4767 w 8390"/>
+              <a:gd name="connsiteY1" fmla="*/ 10281 h 10281"/>
+              <a:gd name="connsiteX0" fmla="*/ 13899 w 16216"/>
+              <a:gd name="connsiteY0" fmla="*/ 0 h 10000"/>
+              <a:gd name="connsiteX1" fmla="*/ 16216 w 16216"/>
+              <a:gd name="connsiteY1" fmla="*/ 10000 h 10000"/>
+              <a:gd name="connsiteX0" fmla="*/ 14318 w 15717"/>
+              <a:gd name="connsiteY0" fmla="*/ 0 h 9829"/>
+              <a:gd name="connsiteX1" fmla="*/ 15717 w 15717"/>
+              <a:gd name="connsiteY1" fmla="*/ 9829 h 9829"/>
+              <a:gd name="connsiteX0" fmla="*/ 2087 w 8907"/>
+              <a:gd name="connsiteY0" fmla="*/ 0 h 10000"/>
+              <a:gd name="connsiteX1" fmla="*/ 2977 w 8907"/>
+              <a:gd name="connsiteY1" fmla="*/ 10000 h 10000"/>
+            </a:gdLst>
+            <a:ahLst/>
+            <a:cxnLst>
+              <a:cxn ang="0">
+                <a:pos x="connsiteX0" y="connsiteY0"/>
+              </a:cxn>
+              <a:cxn ang="0">
+                <a:pos x="connsiteX1" y="connsiteY1"/>
+              </a:cxn>
+            </a:cxnLst>
+            <a:rect l="l" t="t" r="r" b="b"/>
+            <a:pathLst>
+              <a:path w="8907" h="10000">
+                <a:moveTo>
+                  <a:pt x="2087" y="0"/>
+                </a:moveTo>
+                <a:cubicBezTo>
+                  <a:pt x="22042" y="42"/>
+                  <a:pt x="-9383" y="9574"/>
+                  <a:pt x="2977" y="10000"/>
+                </a:cubicBezTo>
+              </a:path>
+            </a:pathLst>
+          </a:custGeom>
+          <a:ln w="19050">
+            <a:solidFill>
+              <a:srgbClr val="C00000"/>
+            </a:solidFill>
+          </a:ln>
+        </p:spPr>
+        <p:style>
+          <a:lnRef idx="1">
+            <a:schemeClr val="accent1"/>
+          </a:lnRef>
+          <a:fillRef idx="0">
+            <a:schemeClr val="accent1"/>
+          </a:fillRef>
+          <a:effectRef idx="0">
+            <a:schemeClr val="accent1"/>
+          </a:effectRef>
+          <a:fontRef idx="minor">
+            <a:schemeClr val="tx1"/>
+          </a:fontRef>
+        </p:style>
+        <p:txBody>
+          <a:bodyPr rtlCol="0" anchor="ctr"/>
+          <a:lstStyle/>
+          <a:p>
+            <a:pPr algn="ctr"/>
+            <a:endParaRPr lang="fr-FR"/>
+          </a:p>
+        </p:txBody>
+      </p:sp>
+      <p:cxnSp>
+        <p:nvCxnSpPr>
+          <p:cNvPr id="21" name="Connecteur droit 20"/>
+          <p:cNvCxnSpPr/>
+          <p:nvPr/>
+        </p:nvCxnSpPr>
+        <p:spPr>
+          <a:xfrm>
+            <a:off x="4655840" y="1274288"/>
+            <a:ext cx="1584176" cy="0"/>
+          </a:xfrm>
+          <a:prstGeom prst="line">
+            <a:avLst/>
+          </a:prstGeom>
+          <a:ln w="19050">
+            <a:solidFill>
+              <a:srgbClr val="C00000"/>
+            </a:solidFill>
+          </a:ln>
+        </p:spPr>
+        <p:style>
+          <a:lnRef idx="1">
+            <a:schemeClr val="accent1"/>
+          </a:lnRef>
+          <a:fillRef idx="0">
+            <a:schemeClr val="accent1"/>
+          </a:fillRef>
+          <a:effectRef idx="0">
+            <a:schemeClr val="accent1"/>
+          </a:effectRef>
+          <a:fontRef idx="minor">
+            <a:schemeClr val="tx1"/>
+          </a:fontRef>
+        </p:style>
+      </p:cxnSp>
+      <p:cxnSp>
+        <p:nvCxnSpPr>
+          <p:cNvPr id="22" name="Connecteur droit 21"/>
+          <p:cNvCxnSpPr/>
+          <p:nvPr/>
+        </p:nvCxnSpPr>
+        <p:spPr>
+          <a:xfrm>
+            <a:off x="4655840" y="2708920"/>
+            <a:ext cx="1584176" cy="0"/>
+          </a:xfrm>
+          <a:prstGeom prst="line">
+            <a:avLst/>
+          </a:prstGeom>
+          <a:ln w="19050">
+            <a:solidFill>
+              <a:srgbClr val="C00000"/>
+            </a:solidFill>
+          </a:ln>
+        </p:spPr>
+        <p:style>
+          <a:lnRef idx="1">
+            <a:schemeClr val="accent1"/>
+          </a:lnRef>
+          <a:fillRef idx="0">
+            <a:schemeClr val="accent1"/>
+          </a:fillRef>
+          <a:effectRef idx="0">
+            <a:schemeClr val="accent1"/>
+          </a:effectRef>
+          <a:fontRef idx="minor">
+            <a:schemeClr val="tx1"/>
+          </a:fontRef>
+        </p:style>
+      </p:cxnSp>
+      <mc:AlternateContent xmlns:mc="http://schemas.openxmlformats.org/markup-compatibility/2006" xmlns:a14="http://schemas.microsoft.com/office/drawing/2010/main">
+        <mc:Choice Requires="a14">
+          <p:sp>
+            <p:nvSpPr>
+              <p:cNvPr id="42" name="ZoneTexte 41"/>
+              <p:cNvSpPr txBox="1"/>
+              <p:nvPr/>
+            </p:nvSpPr>
+            <p:spPr>
+              <a:xfrm>
+                <a:off x="6016953" y="1834628"/>
+                <a:ext cx="128817" cy="184666"/>
+              </a:xfrm>
+              <a:prstGeom prst="rect">
+                <a:avLst/>
+              </a:prstGeom>
+              <a:noFill/>
+            </p:spPr>
+            <p:txBody>
+              <a:bodyPr wrap="none" lIns="0" tIns="0" rIns="0" bIns="0" rtlCol="0">
+                <a:spAutoFit/>
+              </a:bodyPr>
+              <a:lstStyle/>
+              <a:p>
+                <a:pPr/>
+                <a14:m>
+                  <m:oMathPara xmlns:m="http://schemas.openxmlformats.org/officeDocument/2006/math">
+                    <m:oMathParaPr>
+                      <m:jc m:val="centerGroup"/>
+                    </m:oMathParaPr>
+                    <m:oMath xmlns:m="http://schemas.openxmlformats.org/officeDocument/2006/math">
+                      <m:r>
+                        <a:rPr lang="fr-FR" sz="1200" b="0" i="1" smtClean="0">
+                          <a:latin typeface="Cambria Math" panose="02040503050406030204" pitchFamily="18" charset="0"/>
+                        </a:rPr>
+                        <m:t>𝜎</m:t>
+                      </m:r>
+                    </m:oMath>
+                  </m:oMathPara>
+                </a14:m>
+                <a:endParaRPr lang="fr-FR" sz="1200" dirty="0"/>
+              </a:p>
+            </p:txBody>
+          </p:sp>
+        </mc:Choice>
+        <mc:Fallback xmlns="">
+          <p:sp>
+            <p:nvSpPr>
+              <p:cNvPr id="42" name="ZoneTexte 41"/>
+              <p:cNvSpPr txBox="1">
+                <a:spLocks noRot="1" noChangeAspect="1" noMove="1" noResize="1" noEditPoints="1" noAdjustHandles="1" noChangeArrowheads="1" noChangeShapeType="1" noTextEdit="1"/>
+              </p:cNvSpPr>
+              <p:nvPr/>
+            </p:nvSpPr>
+            <p:spPr>
+              <a:xfrm>
+                <a:off x="6016953" y="1834628"/>
+                <a:ext cx="128817" cy="184666"/>
+              </a:xfrm>
+              <a:prstGeom prst="rect">
+                <a:avLst/>
+              </a:prstGeom>
+              <a:blipFill>
+                <a:blip r:embed="rId8"/>
+                <a:stretch>
+                  <a:fillRect l="-14286" r="-19048"/>
+                </a:stretch>
+              </a:blipFill>
+            </p:spPr>
+            <p:txBody>
+              <a:bodyPr/>
+              <a:lstStyle/>
+              <a:p>
+                <a:r>
+                  <a:rPr lang="fr-FR">
+                    <a:noFill/>
+                  </a:rPr>
+                  <a:t> </a:t>
+                </a:r>
+              </a:p>
+            </p:txBody>
+          </p:sp>
+        </mc:Fallback>
+      </mc:AlternateContent>
+      <p:grpSp>
+        <p:nvGrpSpPr>
+          <p:cNvPr id="31" name="Groupe 30"/>
+          <p:cNvGrpSpPr/>
+          <p:nvPr/>
+        </p:nvGrpSpPr>
+        <p:grpSpPr>
+          <a:xfrm rot="5400000" flipV="1">
+            <a:off x="5520016" y="1698739"/>
+            <a:ext cx="1440000" cy="580362"/>
+            <a:chOff x="1054978" y="2921605"/>
+            <a:chExt cx="1440000" cy="580362"/>
+          </a:xfrm>
+        </p:grpSpPr>
+        <p:sp>
+          <p:nvSpPr>
+            <p:cNvPr id="32" name="Triangle rectangle 31"/>
+            <p:cNvSpPr/>
+            <p:nvPr/>
+          </p:nvSpPr>
+          <p:spPr>
+            <a:xfrm rot="10800000" flipH="1">
+              <a:off x="1062206" y="3216571"/>
+              <a:ext cx="712968" cy="285396"/>
+            </a:xfrm>
+            <a:prstGeom prst="rtTriangle">
+              <a:avLst/>
+            </a:prstGeom>
+            <a:solidFill>
+              <a:schemeClr val="accent2">
+                <a:lumMod val="20000"/>
+                <a:lumOff val="80000"/>
+              </a:schemeClr>
+            </a:solidFill>
+            <a:ln>
+              <a:noFill/>
+            </a:ln>
+          </p:spPr>
+          <p:style>
+            <a:lnRef idx="2">
+              <a:schemeClr val="accent1">
+                <a:shade val="50000"/>
+              </a:schemeClr>
+            </a:lnRef>
+            <a:fillRef idx="1">
+              <a:schemeClr val="accent1"/>
+            </a:fillRef>
+            <a:effectRef idx="0">
+              <a:schemeClr val="accent1"/>
+            </a:effectRef>
+            <a:fontRef idx="minor">
+              <a:schemeClr val="lt1"/>
+            </a:fontRef>
+          </p:style>
+          <p:txBody>
+            <a:bodyPr rtlCol="0" anchor="ctr"/>
+            <a:lstStyle/>
+            <a:p>
+              <a:pPr algn="ctr"/>
+              <a:endParaRPr lang="fr-FR"/>
+            </a:p>
+          </p:txBody>
+        </p:sp>
+        <p:sp>
+          <p:nvSpPr>
+            <p:cNvPr id="43" name="Triangle rectangle 42"/>
+            <p:cNvSpPr/>
+            <p:nvPr/>
+          </p:nvSpPr>
+          <p:spPr>
+            <a:xfrm rot="10800000" flipV="1">
+              <a:off x="1782009" y="2921605"/>
+              <a:ext cx="712968" cy="285396"/>
+            </a:xfrm>
+            <a:prstGeom prst="rtTriangle">
+              <a:avLst/>
+            </a:prstGeom>
+            <a:solidFill>
+              <a:schemeClr val="accent2">
+                <a:lumMod val="20000"/>
+                <a:lumOff val="80000"/>
+              </a:schemeClr>
+            </a:solidFill>
+            <a:ln>
+              <a:noFill/>
+            </a:ln>
+          </p:spPr>
+          <p:style>
+            <a:lnRef idx="2">
+              <a:schemeClr val="accent1">
+                <a:shade val="50000"/>
+              </a:schemeClr>
+            </a:lnRef>
+            <a:fillRef idx="1">
+              <a:schemeClr val="accent1"/>
+            </a:fillRef>
+            <a:effectRef idx="0">
+              <a:schemeClr val="accent1"/>
+            </a:effectRef>
+            <a:fontRef idx="minor">
+              <a:schemeClr val="lt1"/>
+            </a:fontRef>
+          </p:style>
+          <p:txBody>
+            <a:bodyPr rtlCol="0" anchor="ctr"/>
+            <a:lstStyle/>
+            <a:p>
+              <a:pPr algn="ctr"/>
+              <a:endParaRPr lang="fr-FR"/>
+            </a:p>
+          </p:txBody>
+        </p:sp>
+        <p:cxnSp>
+          <p:nvCxnSpPr>
+            <p:cNvPr id="44" name="Connecteur droit 43"/>
+            <p:cNvCxnSpPr/>
+            <p:nvPr/>
+          </p:nvCxnSpPr>
+          <p:spPr>
+            <a:xfrm flipH="1">
+              <a:off x="1054978" y="3212976"/>
+              <a:ext cx="1440000" cy="0"/>
+            </a:xfrm>
+            <a:prstGeom prst="line">
+              <a:avLst/>
+            </a:prstGeom>
+            <a:noFill/>
+            <a:ln w="19050">
+              <a:solidFill>
+                <a:srgbClr val="C00000"/>
+              </a:solidFill>
+            </a:ln>
+          </p:spPr>
+          <p:style>
+            <a:lnRef idx="2">
+              <a:schemeClr val="accent1">
+                <a:shade val="50000"/>
+              </a:schemeClr>
+            </a:lnRef>
+            <a:fillRef idx="1">
+              <a:schemeClr val="accent1"/>
+            </a:fillRef>
+            <a:effectRef idx="0">
+              <a:schemeClr val="accent1"/>
+            </a:effectRef>
+            <a:fontRef idx="minor">
+              <a:schemeClr val="lt1"/>
+            </a:fontRef>
+          </p:style>
+        </p:cxnSp>
+        <p:cxnSp>
+          <p:nvCxnSpPr>
+            <p:cNvPr id="45" name="Connecteur droit 44"/>
+            <p:cNvCxnSpPr/>
+            <p:nvPr/>
+          </p:nvCxnSpPr>
+          <p:spPr>
+            <a:xfrm flipH="1">
+              <a:off x="1054978" y="2925515"/>
+              <a:ext cx="1440000" cy="574923"/>
+            </a:xfrm>
+            <a:prstGeom prst="line">
+              <a:avLst/>
+            </a:prstGeom>
+            <a:noFill/>
+            <a:ln w="9525">
+              <a:solidFill>
+                <a:srgbClr val="C00000"/>
+              </a:solidFill>
+            </a:ln>
+          </p:spPr>
+          <p:style>
+            <a:lnRef idx="2">
+              <a:schemeClr val="accent1">
+                <a:shade val="50000"/>
+              </a:schemeClr>
+            </a:lnRef>
+            <a:fillRef idx="1">
+              <a:schemeClr val="accent1"/>
+            </a:fillRef>
+            <a:effectRef idx="0">
+              <a:schemeClr val="accent1"/>
+            </a:effectRef>
+            <a:fontRef idx="minor">
+              <a:schemeClr val="lt1"/>
+            </a:fontRef>
+          </p:style>
+        </p:cxnSp>
+        <p:cxnSp>
+          <p:nvCxnSpPr>
+            <p:cNvPr id="46" name="Connecteur droit 45"/>
+            <p:cNvCxnSpPr/>
+            <p:nvPr/>
+          </p:nvCxnSpPr>
+          <p:spPr>
+            <a:xfrm flipV="1">
+              <a:off x="2494978" y="2926312"/>
+              <a:ext cx="0" cy="289617"/>
+            </a:xfrm>
+            <a:prstGeom prst="line">
+              <a:avLst/>
+            </a:prstGeom>
+            <a:noFill/>
+            <a:ln w="9525">
+              <a:solidFill>
+                <a:srgbClr val="C00000"/>
+              </a:solidFill>
+              <a:headEnd type="none" w="sm" len="med"/>
+              <a:tailEnd type="stealth" w="sm" len="med"/>
+            </a:ln>
+          </p:spPr>
+          <p:style>
+            <a:lnRef idx="2">
+              <a:schemeClr val="accent1">
+                <a:shade val="50000"/>
+              </a:schemeClr>
+            </a:lnRef>
+            <a:fillRef idx="1">
+              <a:schemeClr val="accent1"/>
+            </a:fillRef>
+            <a:effectRef idx="0">
+              <a:schemeClr val="accent1"/>
+            </a:effectRef>
+            <a:fontRef idx="minor">
+              <a:schemeClr val="lt1"/>
+            </a:fontRef>
+          </p:style>
+        </p:cxnSp>
+        <p:cxnSp>
+          <p:nvCxnSpPr>
+            <p:cNvPr id="47" name="Connecteur droit 46"/>
+            <p:cNvCxnSpPr/>
+            <p:nvPr/>
+          </p:nvCxnSpPr>
+          <p:spPr>
+            <a:xfrm flipV="1">
+              <a:off x="2351584" y="2978701"/>
+              <a:ext cx="0" cy="235071"/>
+            </a:xfrm>
+            <a:prstGeom prst="line">
+              <a:avLst/>
+            </a:prstGeom>
+            <a:noFill/>
+            <a:ln w="9525">
+              <a:solidFill>
+                <a:srgbClr val="C00000"/>
+              </a:solidFill>
+              <a:headEnd type="none" w="sm" len="med"/>
+              <a:tailEnd type="stealth" w="sm" len="med"/>
+            </a:ln>
+          </p:spPr>
+          <p:style>
+            <a:lnRef idx="2">
+              <a:schemeClr val="accent1">
+                <a:shade val="50000"/>
+              </a:schemeClr>
+            </a:lnRef>
+            <a:fillRef idx="1">
+              <a:schemeClr val="accent1"/>
+            </a:fillRef>
+            <a:effectRef idx="0">
+              <a:schemeClr val="accent1"/>
+            </a:effectRef>
+            <a:fontRef idx="minor">
+              <a:schemeClr val="lt1"/>
+            </a:fontRef>
+          </p:style>
+        </p:cxnSp>
+        <p:cxnSp>
+          <p:nvCxnSpPr>
+            <p:cNvPr id="48" name="Connecteur droit 47"/>
+            <p:cNvCxnSpPr/>
+            <p:nvPr/>
+          </p:nvCxnSpPr>
+          <p:spPr>
+            <a:xfrm flipV="1">
+              <a:off x="2208190" y="3036418"/>
+              <a:ext cx="0" cy="177354"/>
+            </a:xfrm>
+            <a:prstGeom prst="line">
+              <a:avLst/>
+            </a:prstGeom>
+            <a:noFill/>
+            <a:ln w="9525">
+              <a:solidFill>
+                <a:srgbClr val="C00000"/>
+              </a:solidFill>
+              <a:headEnd type="none" w="sm" len="med"/>
+              <a:tailEnd type="stealth" w="sm" len="med"/>
+            </a:ln>
+          </p:spPr>
+          <p:style>
+            <a:lnRef idx="2">
+              <a:schemeClr val="accent1">
+                <a:shade val="50000"/>
+              </a:schemeClr>
+            </a:lnRef>
+            <a:fillRef idx="1">
+              <a:schemeClr val="accent1"/>
+            </a:fillRef>
+            <a:effectRef idx="0">
+              <a:schemeClr val="accent1"/>
+            </a:effectRef>
+            <a:fontRef idx="minor">
+              <a:schemeClr val="lt1"/>
+            </a:fontRef>
+          </p:style>
+        </p:cxnSp>
+        <p:cxnSp>
+          <p:nvCxnSpPr>
+            <p:cNvPr id="49" name="Connecteur droit 48"/>
+            <p:cNvCxnSpPr/>
+            <p:nvPr/>
+          </p:nvCxnSpPr>
+          <p:spPr>
+            <a:xfrm flipV="1">
+              <a:off x="2063027" y="3101005"/>
+              <a:ext cx="0" cy="112767"/>
+            </a:xfrm>
+            <a:prstGeom prst="line">
+              <a:avLst/>
+            </a:prstGeom>
+            <a:noFill/>
+            <a:ln w="9525">
+              <a:solidFill>
+                <a:srgbClr val="C00000"/>
+              </a:solidFill>
+              <a:headEnd type="none" w="sm" len="med"/>
+              <a:tailEnd type="stealth" w="sm" len="med"/>
+            </a:ln>
+          </p:spPr>
+          <p:style>
+            <a:lnRef idx="2">
+              <a:schemeClr val="accent1">
+                <a:shade val="50000"/>
+              </a:schemeClr>
+            </a:lnRef>
+            <a:fillRef idx="1">
+              <a:schemeClr val="accent1"/>
+            </a:fillRef>
+            <a:effectRef idx="0">
+              <a:schemeClr val="accent1"/>
+            </a:effectRef>
+            <a:fontRef idx="minor">
+              <a:schemeClr val="lt1"/>
+            </a:fontRef>
+          </p:style>
+        </p:cxnSp>
+        <p:cxnSp>
+          <p:nvCxnSpPr>
+            <p:cNvPr id="50" name="Connecteur droit 49"/>
+            <p:cNvCxnSpPr/>
+            <p:nvPr/>
+          </p:nvCxnSpPr>
+          <p:spPr>
+            <a:xfrm>
+              <a:off x="1491220" y="3213772"/>
+              <a:ext cx="0" cy="108804"/>
+            </a:xfrm>
+            <a:prstGeom prst="line">
+              <a:avLst/>
+            </a:prstGeom>
+            <a:noFill/>
+            <a:ln w="9525">
+              <a:solidFill>
+                <a:srgbClr val="C00000"/>
+              </a:solidFill>
+              <a:headEnd type="none" w="sm" len="med"/>
+              <a:tailEnd type="stealth" w="sm" len="med"/>
+            </a:ln>
+          </p:spPr>
+          <p:style>
+            <a:lnRef idx="2">
+              <a:schemeClr val="accent1">
+                <a:shade val="50000"/>
+              </a:schemeClr>
+            </a:lnRef>
+            <a:fillRef idx="1">
+              <a:schemeClr val="accent1"/>
+            </a:fillRef>
+            <a:effectRef idx="0">
+              <a:schemeClr val="accent1"/>
+            </a:effectRef>
+            <a:fontRef idx="minor">
+              <a:schemeClr val="lt1"/>
+            </a:fontRef>
+          </p:style>
+        </p:cxnSp>
+        <p:cxnSp>
+          <p:nvCxnSpPr>
+            <p:cNvPr id="51" name="Connecteur droit 50"/>
+            <p:cNvCxnSpPr/>
+            <p:nvPr/>
+          </p:nvCxnSpPr>
+          <p:spPr>
+            <a:xfrm>
+              <a:off x="1347826" y="3215929"/>
+              <a:ext cx="0" cy="167255"/>
+            </a:xfrm>
+            <a:prstGeom prst="line">
+              <a:avLst/>
+            </a:prstGeom>
+            <a:noFill/>
+            <a:ln w="9525">
+              <a:solidFill>
+                <a:srgbClr val="C00000"/>
+              </a:solidFill>
+              <a:headEnd type="none" w="sm" len="med"/>
+              <a:tailEnd type="stealth" w="sm" len="med"/>
+            </a:ln>
+          </p:spPr>
+          <p:style>
+            <a:lnRef idx="2">
+              <a:schemeClr val="accent1">
+                <a:shade val="50000"/>
+              </a:schemeClr>
+            </a:lnRef>
+            <a:fillRef idx="1">
+              <a:schemeClr val="accent1"/>
+            </a:fillRef>
+            <a:effectRef idx="0">
+              <a:schemeClr val="accent1"/>
+            </a:effectRef>
+            <a:fontRef idx="minor">
+              <a:schemeClr val="lt1"/>
+            </a:fontRef>
+          </p:style>
+        </p:cxnSp>
+        <p:cxnSp>
+          <p:nvCxnSpPr>
+            <p:cNvPr id="52" name="Connecteur droit 51"/>
+            <p:cNvCxnSpPr/>
+            <p:nvPr/>
+          </p:nvCxnSpPr>
+          <p:spPr>
+            <a:xfrm>
+              <a:off x="1199456" y="3215929"/>
+              <a:ext cx="0" cy="227133"/>
+            </a:xfrm>
+            <a:prstGeom prst="line">
+              <a:avLst/>
+            </a:prstGeom>
+            <a:noFill/>
+            <a:ln w="9525">
+              <a:solidFill>
+                <a:srgbClr val="C00000"/>
+              </a:solidFill>
+              <a:headEnd type="none" w="sm" len="med"/>
+              <a:tailEnd type="stealth" w="sm" len="med"/>
+            </a:ln>
+          </p:spPr>
+          <p:style>
+            <a:lnRef idx="2">
+              <a:schemeClr val="accent1">
+                <a:shade val="50000"/>
+              </a:schemeClr>
+            </a:lnRef>
+            <a:fillRef idx="1">
+              <a:schemeClr val="accent1"/>
+            </a:fillRef>
+            <a:effectRef idx="0">
+              <a:schemeClr val="accent1"/>
+            </a:effectRef>
+            <a:fontRef idx="minor">
+              <a:schemeClr val="lt1"/>
+            </a:fontRef>
+          </p:style>
+        </p:cxnSp>
+        <p:cxnSp>
+          <p:nvCxnSpPr>
+            <p:cNvPr id="53" name="Connecteur droit 52"/>
+            <p:cNvCxnSpPr/>
+            <p:nvPr/>
+          </p:nvCxnSpPr>
+          <p:spPr>
+            <a:xfrm>
+              <a:off x="1061038" y="3211391"/>
+              <a:ext cx="0" cy="289617"/>
+            </a:xfrm>
+            <a:prstGeom prst="line">
+              <a:avLst/>
+            </a:prstGeom>
+            <a:noFill/>
+            <a:ln w="9525">
+              <a:solidFill>
+                <a:srgbClr val="C00000"/>
+              </a:solidFill>
+              <a:headEnd type="none" w="sm" len="med"/>
+              <a:tailEnd type="stealth" w="sm" len="med"/>
+            </a:ln>
+          </p:spPr>
+          <p:style>
+            <a:lnRef idx="2">
+              <a:schemeClr val="accent1">
+                <a:shade val="50000"/>
+              </a:schemeClr>
+            </a:lnRef>
+            <a:fillRef idx="1">
+              <a:schemeClr val="accent1"/>
+            </a:fillRef>
+            <a:effectRef idx="0">
+              <a:schemeClr val="accent1"/>
+            </a:effectRef>
+            <a:fontRef idx="minor">
+              <a:schemeClr val="lt1"/>
+            </a:fontRef>
+          </p:style>
+        </p:cxnSp>
+      </p:grpSp>
+    </p:spTree>
+    <p:extLst>
+      <p:ext uri="{BB962C8B-B14F-4D97-AF65-F5344CB8AC3E}">
+        <p14:creationId xmlns:p14="http://schemas.microsoft.com/office/powerpoint/2010/main" val="2806653837"/>
+      </p:ext>
+    </p:extLst>
+  </p:cSld>
+  <p:clrMapOvr>
+    <a:masterClrMapping/>
+  </p:clrMapOvr>
+</p:sld>
+</file>
+
+<file path=ppt/slides/slide7.xml><?xml version="1.0" encoding="utf-8"?>
 <p:sld xmlns:a="http://schemas.openxmlformats.org/drawingml/2006/main" xmlns:r="http://schemas.openxmlformats.org/officeDocument/2006/relationships" xmlns:p="http://schemas.openxmlformats.org/presentationml/2006/main">
   <p:cSld>
     <p:spTree>
@@ -13000,7 +18997,7 @@
     </p:spTree>
     <p:extLst>
       <p:ext uri="{BB962C8B-B14F-4D97-AF65-F5344CB8AC3E}">
-        <p14:creationId xmlns:p14="http://schemas.microsoft.com/office/powerpoint/2010/main" val="2806653837"/>
+        <p14:creationId xmlns:p14="http://schemas.microsoft.com/office/powerpoint/2010/main" val="2808398239"/>
       </p:ext>
     </p:extLst>
   </p:cSld>
@@ -13010,7 +19007,7 @@
 </p:sld>
 </file>
 
-<file path=ppt/slides/slide6.xml><?xml version="1.0" encoding="utf-8"?>
+<file path=ppt/slides/slide8.xml><?xml version="1.0" encoding="utf-8"?>
 <p:sld xmlns:a="http://schemas.openxmlformats.org/drawingml/2006/main" xmlns:r="http://schemas.openxmlformats.org/officeDocument/2006/relationships" xmlns:p="http://schemas.openxmlformats.org/presentationml/2006/main">
   <p:cSld>
     <p:spTree>
@@ -15546,7 +21543,7 @@
 </p:sld>
 </file>
 
-<file path=ppt/slides/slide7.xml><?xml version="1.0" encoding="utf-8"?>
+<file path=ppt/slides/slide9.xml><?xml version="1.0" encoding="utf-8"?>
 <p:sld xmlns:a="http://schemas.openxmlformats.org/drawingml/2006/main" xmlns:r="http://schemas.openxmlformats.org/officeDocument/2006/relationships" xmlns:p="http://schemas.openxmlformats.org/presentationml/2006/main">
   <p:cSld>
     <p:spTree>
@@ -16511,3344 +22508,6 @@
 </p:sld>
 </file>
 
-<file path=ppt/slides/slide8.xml><?xml version="1.0" encoding="utf-8"?>
-<p:sld xmlns:a="http://schemas.openxmlformats.org/drawingml/2006/main" xmlns:r="http://schemas.openxmlformats.org/officeDocument/2006/relationships" xmlns:p="http://schemas.openxmlformats.org/presentationml/2006/main">
-  <p:cSld>
-    <p:spTree>
-      <p:nvGrpSpPr>
-        <p:cNvPr id="1" name=""/>
-        <p:cNvGrpSpPr/>
-        <p:nvPr/>
-      </p:nvGrpSpPr>
-      <p:grpSpPr>
-        <a:xfrm>
-          <a:off x="0" y="0"/>
-          <a:ext cx="0" cy="0"/>
-          <a:chOff x="0" y="0"/>
-          <a:chExt cx="0" cy="0"/>
-        </a:xfrm>
-      </p:grpSpPr>
-      <p:cxnSp>
-        <p:nvCxnSpPr>
-          <p:cNvPr id="37" name="Connecteur droit 36"/>
-          <p:cNvCxnSpPr/>
-          <p:nvPr/>
-        </p:nvCxnSpPr>
-        <p:spPr>
-          <a:xfrm>
-            <a:off x="1775520" y="3148480"/>
-            <a:ext cx="1361715" cy="0"/>
-          </a:xfrm>
-          <a:prstGeom prst="line">
-            <a:avLst/>
-          </a:prstGeom>
-          <a:ln w="19050">
-            <a:solidFill>
-              <a:schemeClr val="accent5">
-                <a:lumMod val="50000"/>
-              </a:schemeClr>
-            </a:solidFill>
-          </a:ln>
-        </p:spPr>
-        <p:style>
-          <a:lnRef idx="1">
-            <a:schemeClr val="accent1"/>
-          </a:lnRef>
-          <a:fillRef idx="0">
-            <a:schemeClr val="accent1"/>
-          </a:fillRef>
-          <a:effectRef idx="0">
-            <a:schemeClr val="accent1"/>
-          </a:effectRef>
-          <a:fontRef idx="minor">
-            <a:schemeClr val="tx1"/>
-          </a:fontRef>
-        </p:style>
-      </p:cxnSp>
-      <p:cxnSp>
-        <p:nvCxnSpPr>
-          <p:cNvPr id="41" name="Connecteur droit 40"/>
-          <p:cNvCxnSpPr/>
-          <p:nvPr/>
-        </p:nvCxnSpPr>
-        <p:spPr>
-          <a:xfrm>
-            <a:off x="1775520" y="3709520"/>
-            <a:ext cx="1440159" cy="0"/>
-          </a:xfrm>
-          <a:prstGeom prst="line">
-            <a:avLst/>
-          </a:prstGeom>
-          <a:ln w="19050">
-            <a:solidFill>
-              <a:schemeClr val="accent5">
-                <a:lumMod val="50000"/>
-              </a:schemeClr>
-            </a:solidFill>
-          </a:ln>
-        </p:spPr>
-        <p:style>
-          <a:lnRef idx="1">
-            <a:schemeClr val="accent1"/>
-          </a:lnRef>
-          <a:fillRef idx="0">
-            <a:schemeClr val="accent1"/>
-          </a:fillRef>
-          <a:effectRef idx="0">
-            <a:schemeClr val="accent1"/>
-          </a:effectRef>
-          <a:fontRef idx="minor">
-            <a:schemeClr val="tx1"/>
-          </a:fontRef>
-        </p:style>
-      </p:cxnSp>
-      <p:cxnSp>
-        <p:nvCxnSpPr>
-          <p:cNvPr id="89" name="Connecteur droit 88"/>
-          <p:cNvCxnSpPr/>
-          <p:nvPr/>
-        </p:nvCxnSpPr>
-        <p:spPr>
-          <a:xfrm>
-            <a:off x="1677473" y="3432778"/>
-            <a:ext cx="1898247" cy="0"/>
-          </a:xfrm>
-          <a:prstGeom prst="line">
-            <a:avLst/>
-          </a:prstGeom>
-          <a:ln w="9525">
-            <a:solidFill>
-              <a:schemeClr val="accent5">
-                <a:lumMod val="50000"/>
-              </a:schemeClr>
-            </a:solidFill>
-            <a:prstDash val="lgDashDot"/>
-          </a:ln>
-        </p:spPr>
-        <p:style>
-          <a:lnRef idx="1">
-            <a:schemeClr val="accent1"/>
-          </a:lnRef>
-          <a:fillRef idx="0">
-            <a:schemeClr val="accent1"/>
-          </a:fillRef>
-          <a:effectRef idx="0">
-            <a:schemeClr val="accent1"/>
-          </a:effectRef>
-          <a:fontRef idx="minor">
-            <a:schemeClr val="tx1"/>
-          </a:fontRef>
-        </p:style>
-      </p:cxnSp>
-      <p:sp>
-        <p:nvSpPr>
-          <p:cNvPr id="2" name="Éclair 1"/>
-          <p:cNvSpPr/>
-          <p:nvPr/>
-        </p:nvSpPr>
-        <p:spPr>
-          <a:xfrm>
-            <a:off x="1839966" y="2669194"/>
-            <a:ext cx="386079" cy="432048"/>
-          </a:xfrm>
-          <a:prstGeom prst="lightningBolt">
-            <a:avLst/>
-          </a:prstGeom>
-          <a:solidFill>
-            <a:srgbClr val="FFC000"/>
-          </a:solidFill>
-          <a:ln>
-            <a:solidFill>
-              <a:srgbClr val="C00000"/>
-            </a:solidFill>
-          </a:ln>
-        </p:spPr>
-        <p:style>
-          <a:lnRef idx="2">
-            <a:schemeClr val="accent1">
-              <a:shade val="50000"/>
-            </a:schemeClr>
-          </a:lnRef>
-          <a:fillRef idx="1">
-            <a:schemeClr val="accent1"/>
-          </a:fillRef>
-          <a:effectRef idx="0">
-            <a:schemeClr val="accent1"/>
-          </a:effectRef>
-          <a:fontRef idx="minor">
-            <a:schemeClr val="lt1"/>
-          </a:fontRef>
-        </p:style>
-        <p:txBody>
-          <a:bodyPr rtlCol="0" anchor="ctr"/>
-          <a:lstStyle/>
-          <a:p>
-            <a:pPr algn="ctr"/>
-            <a:endParaRPr lang="fr-FR" dirty="0"/>
-          </a:p>
-        </p:txBody>
-      </p:sp>
-      <mc:AlternateContent xmlns:mc="http://schemas.openxmlformats.org/markup-compatibility/2006" xmlns:a14="http://schemas.microsoft.com/office/drawing/2010/main">
-        <mc:Choice Requires="a14">
-          <p:sp>
-            <p:nvSpPr>
-              <p:cNvPr id="3" name="ZoneTexte 2"/>
-              <p:cNvSpPr txBox="1"/>
-              <p:nvPr/>
-            </p:nvSpPr>
-            <p:spPr>
-              <a:xfrm>
-                <a:off x="1011484" y="2802967"/>
-                <a:ext cx="852990" cy="184666"/>
-              </a:xfrm>
-              <a:prstGeom prst="rect">
-                <a:avLst/>
-              </a:prstGeom>
-              <a:noFill/>
-            </p:spPr>
-            <p:txBody>
-              <a:bodyPr wrap="none" lIns="0" tIns="0" rIns="0" bIns="0" rtlCol="0">
-                <a:spAutoFit/>
-              </a:bodyPr>
-              <a:lstStyle/>
-              <a:p>
-                <a:pPr/>
-                <a14:m>
-                  <m:oMathPara xmlns:m="http://schemas.openxmlformats.org/officeDocument/2006/math">
-                    <m:oMathParaPr>
-                      <m:jc m:val="centerGroup"/>
-                    </m:oMathParaPr>
-                    <m:oMath xmlns:m="http://schemas.openxmlformats.org/officeDocument/2006/math">
-                      <m:d>
-                        <m:dPr>
-                          <m:begChr m:val="{"/>
-                          <m:endChr m:val="}"/>
-                          <m:ctrlPr>
-                            <a:rPr lang="fr-FR" sz="1200" i="1" smtClean="0">
-                              <a:latin typeface="Cambria Math" panose="02040503050406030204" pitchFamily="18" charset="0"/>
-                            </a:rPr>
-                          </m:ctrlPr>
-                        </m:dPr>
-                        <m:e>
-                          <m:r>
-                            <a:rPr lang="fr-FR" sz="1200" i="1" smtClean="0">
-                              <a:latin typeface="Cambria Math" panose="02040503050406030204" pitchFamily="18" charset="0"/>
-                              <a:ea typeface="Cambria Math" panose="02040503050406030204" pitchFamily="18" charset="0"/>
-                            </a:rPr>
-                            <m:t>𝒯</m:t>
-                          </m:r>
-                          <m:d>
-                            <m:dPr>
-                              <m:ctrlPr>
-                                <a:rPr lang="fr-FR" sz="1200" i="1" smtClean="0">
-                                  <a:latin typeface="Cambria Math" panose="02040503050406030204" pitchFamily="18" charset="0"/>
-                                  <a:ea typeface="Cambria Math" panose="02040503050406030204" pitchFamily="18" charset="0"/>
-                                </a:rPr>
-                              </m:ctrlPr>
-                            </m:dPr>
-                            <m:e>
-                              <m:r>
-                                <m:rPr>
-                                  <m:sty m:val="p"/>
-                                </m:rPr>
-                                <a:rPr lang="fr-FR" sz="1200" b="0" i="0" smtClean="0">
-                                  <a:latin typeface="Cambria Math" panose="02040503050406030204" pitchFamily="18" charset="0"/>
-                                  <a:ea typeface="Cambria Math" panose="02040503050406030204" pitchFamily="18" charset="0"/>
-                                </a:rPr>
-                                <m:t>ext</m:t>
-                              </m:r>
-                              <m:r>
-                                <a:rPr lang="fr-FR" sz="1200" b="0" i="1" smtClean="0">
-                                  <a:latin typeface="Cambria Math" panose="02040503050406030204" pitchFamily="18" charset="0"/>
-                                  <a:ea typeface="Cambria Math" panose="02040503050406030204" pitchFamily="18" charset="0"/>
-                                </a:rPr>
-                                <m:t>→</m:t>
-                              </m:r>
-                              <m:r>
-                                <m:rPr>
-                                  <m:sty m:val="p"/>
-                                </m:rPr>
-                                <a:rPr lang="fr-FR" sz="1200" b="0" i="0" smtClean="0">
-                                  <a:latin typeface="Cambria Math" panose="02040503050406030204" pitchFamily="18" charset="0"/>
-                                  <a:ea typeface="Cambria Math" panose="02040503050406030204" pitchFamily="18" charset="0"/>
-                                </a:rPr>
-                                <m:t>I</m:t>
-                              </m:r>
-                            </m:e>
-                          </m:d>
-                        </m:e>
-                      </m:d>
-                    </m:oMath>
-                  </m:oMathPara>
-                </a14:m>
-                <a:endParaRPr lang="fr-FR" dirty="0"/>
-              </a:p>
-            </p:txBody>
-          </p:sp>
-        </mc:Choice>
-        <mc:Fallback xmlns="">
-          <p:sp>
-            <p:nvSpPr>
-              <p:cNvPr id="3" name="ZoneTexte 2"/>
-              <p:cNvSpPr txBox="1">
-                <a:spLocks noRot="1" noChangeAspect="1" noMove="1" noResize="1" noEditPoints="1" noAdjustHandles="1" noChangeArrowheads="1" noChangeShapeType="1" noTextEdit="1"/>
-              </p:cNvSpPr>
-              <p:nvPr/>
-            </p:nvSpPr>
-            <p:spPr>
-              <a:xfrm>
-                <a:off x="1011484" y="2802967"/>
-                <a:ext cx="852990" cy="184666"/>
-              </a:xfrm>
-              <a:prstGeom prst="rect">
-                <a:avLst/>
-              </a:prstGeom>
-              <a:blipFill>
-                <a:blip r:embed="rId2"/>
-                <a:stretch>
-                  <a:fillRect b="-6667"/>
-                </a:stretch>
-              </a:blipFill>
-            </p:spPr>
-            <p:txBody>
-              <a:bodyPr/>
-              <a:lstStyle/>
-              <a:p>
-                <a:r>
-                  <a:rPr lang="fr-FR">
-                    <a:noFill/>
-                  </a:rPr>
-                  <a:t> </a:t>
-                </a:r>
-              </a:p>
-            </p:txBody>
-          </p:sp>
-        </mc:Fallback>
-      </mc:AlternateContent>
-      <p:sp>
-        <p:nvSpPr>
-          <p:cNvPr id="4" name="Forme libre 3"/>
-          <p:cNvSpPr/>
-          <p:nvPr/>
-        </p:nvSpPr>
-        <p:spPr>
-          <a:xfrm rot="21318374">
-            <a:off x="3066056" y="3011556"/>
-            <a:ext cx="238540" cy="834887"/>
-          </a:xfrm>
-          <a:custGeom>
-            <a:avLst/>
-            <a:gdLst>
-              <a:gd name="connsiteX0" fmla="*/ 0 w 238540"/>
-              <a:gd name="connsiteY0" fmla="*/ 0 h 834887"/>
-              <a:gd name="connsiteX1" fmla="*/ 238540 w 238540"/>
-              <a:gd name="connsiteY1" fmla="*/ 834887 h 834887"/>
-              <a:gd name="connsiteX0" fmla="*/ 0 w 238540"/>
-              <a:gd name="connsiteY0" fmla="*/ 0 h 834887"/>
-              <a:gd name="connsiteX1" fmla="*/ 238540 w 238540"/>
-              <a:gd name="connsiteY1" fmla="*/ 834887 h 834887"/>
-              <a:gd name="connsiteX0" fmla="*/ 0 w 238540"/>
-              <a:gd name="connsiteY0" fmla="*/ 0 h 834887"/>
-              <a:gd name="connsiteX1" fmla="*/ 238540 w 238540"/>
-              <a:gd name="connsiteY1" fmla="*/ 834887 h 834887"/>
-            </a:gdLst>
-            <a:ahLst/>
-            <a:cxnLst>
-              <a:cxn ang="0">
-                <a:pos x="connsiteX0" y="connsiteY0"/>
-              </a:cxn>
-              <a:cxn ang="0">
-                <a:pos x="connsiteX1" y="connsiteY1"/>
-              </a:cxn>
-            </a:cxnLst>
-            <a:rect l="l" t="t" r="r" b="b"/>
-            <a:pathLst>
-              <a:path w="238540" h="834887">
-                <a:moveTo>
-                  <a:pt x="0" y="0"/>
-                </a:moveTo>
-                <a:cubicBezTo>
-                  <a:pt x="243840" y="66260"/>
-                  <a:pt x="-45056" y="744772"/>
-                  <a:pt x="238540" y="834887"/>
-                </a:cubicBezTo>
-              </a:path>
-            </a:pathLst>
-          </a:custGeom>
-          <a:noFill/>
-          <a:ln>
-            <a:solidFill>
-              <a:srgbClr val="C00000"/>
-            </a:solidFill>
-          </a:ln>
-        </p:spPr>
-        <p:style>
-          <a:lnRef idx="2">
-            <a:schemeClr val="accent1">
-              <a:shade val="50000"/>
-            </a:schemeClr>
-          </a:lnRef>
-          <a:fillRef idx="1">
-            <a:schemeClr val="accent1"/>
-          </a:fillRef>
-          <a:effectRef idx="0">
-            <a:schemeClr val="accent1"/>
-          </a:effectRef>
-          <a:fontRef idx="minor">
-            <a:schemeClr val="lt1"/>
-          </a:fontRef>
-        </p:style>
-        <p:txBody>
-          <a:bodyPr rtlCol="0" anchor="ctr"/>
-          <a:lstStyle/>
-          <a:p>
-            <a:pPr algn="ctr"/>
-            <a:endParaRPr lang="fr-FR"/>
-          </a:p>
-        </p:txBody>
-      </p:sp>
-      <mc:AlternateContent xmlns:mc="http://schemas.openxmlformats.org/markup-compatibility/2006" xmlns:a14="http://schemas.microsoft.com/office/drawing/2010/main">
-        <mc:Choice Requires="a14">
-          <p:sp>
-            <p:nvSpPr>
-              <p:cNvPr id="5" name="Ellipse 4"/>
-              <p:cNvSpPr/>
-              <p:nvPr/>
-            </p:nvSpPr>
-            <p:spPr>
-              <a:xfrm>
-                <a:off x="2423592" y="3186396"/>
-                <a:ext cx="216024" cy="216024"/>
-              </a:xfrm>
-              <a:prstGeom prst="ellipse">
-                <a:avLst/>
-              </a:prstGeom>
-              <a:solidFill>
-                <a:schemeClr val="accent5">
-                  <a:lumMod val="20000"/>
-                  <a:lumOff val="80000"/>
-                </a:schemeClr>
-              </a:solidFill>
-              <a:ln w="19050">
-                <a:solidFill>
-                  <a:schemeClr val="accent5">
-                    <a:lumMod val="50000"/>
-                  </a:schemeClr>
-                </a:solidFill>
-              </a:ln>
-            </p:spPr>
-            <p:style>
-              <a:lnRef idx="2">
-                <a:schemeClr val="accent1">
-                  <a:shade val="50000"/>
-                </a:schemeClr>
-              </a:lnRef>
-              <a:fillRef idx="1">
-                <a:schemeClr val="accent1"/>
-              </a:fillRef>
-              <a:effectRef idx="0">
-                <a:schemeClr val="accent1"/>
-              </a:effectRef>
-              <a:fontRef idx="minor">
-                <a:schemeClr val="lt1"/>
-              </a:fontRef>
-            </p:style>
-            <p:txBody>
-              <a:bodyPr lIns="0" tIns="0" rIns="0" bIns="0" rtlCol="0" anchor="ctr"/>
-              <a:lstStyle/>
-              <a:p>
-                <a:pPr algn="ctr"/>
-                <a14:m>
-                  <m:oMathPara xmlns:m="http://schemas.openxmlformats.org/officeDocument/2006/math">
-                    <m:oMathParaPr>
-                      <m:jc m:val="centerGroup"/>
-                    </m:oMathParaPr>
-                    <m:oMath xmlns:m="http://schemas.openxmlformats.org/officeDocument/2006/math">
-                      <m:r>
-                        <a:rPr lang="fr-FR" sz="1050" b="1" i="0" smtClean="0">
-                          <a:solidFill>
-                            <a:schemeClr val="tx1"/>
-                          </a:solidFill>
-                          <a:latin typeface="Cambria Math" panose="02040503050406030204" pitchFamily="18" charset="0"/>
-                        </a:rPr>
-                        <m:t>𝐈</m:t>
-                      </m:r>
-                    </m:oMath>
-                  </m:oMathPara>
-                </a14:m>
-                <a:endParaRPr lang="fr-FR" b="1" dirty="0"/>
-              </a:p>
-            </p:txBody>
-          </p:sp>
-        </mc:Choice>
-        <mc:Fallback xmlns="">
-          <p:sp>
-            <p:nvSpPr>
-              <p:cNvPr id="5" name="Ellipse 4"/>
-              <p:cNvSpPr>
-                <a:spLocks noRot="1" noChangeAspect="1" noMove="1" noResize="1" noEditPoints="1" noAdjustHandles="1" noChangeArrowheads="1" noChangeShapeType="1" noTextEdit="1"/>
-              </p:cNvSpPr>
-              <p:nvPr/>
-            </p:nvSpPr>
-            <p:spPr>
-              <a:xfrm>
-                <a:off x="2423592" y="3186396"/>
-                <a:ext cx="216024" cy="216024"/>
-              </a:xfrm>
-              <a:prstGeom prst="ellipse">
-                <a:avLst/>
-              </a:prstGeom>
-              <a:blipFill>
-                <a:blip r:embed="rId3"/>
-                <a:stretch>
-                  <a:fillRect/>
-                </a:stretch>
-              </a:blipFill>
-              <a:ln w="19050">
-                <a:solidFill>
-                  <a:schemeClr val="accent5">
-                    <a:lumMod val="50000"/>
-                  </a:schemeClr>
-                </a:solidFill>
-              </a:ln>
-            </p:spPr>
-            <p:txBody>
-              <a:bodyPr/>
-              <a:lstStyle/>
-              <a:p>
-                <a:r>
-                  <a:rPr lang="fr-FR">
-                    <a:noFill/>
-                  </a:rPr>
-                  <a:t> </a:t>
-                </a:r>
-              </a:p>
-            </p:txBody>
-          </p:sp>
-        </mc:Fallback>
-      </mc:AlternateContent>
-      <mc:AlternateContent xmlns:mc="http://schemas.openxmlformats.org/markup-compatibility/2006" xmlns:a14="http://schemas.microsoft.com/office/drawing/2010/main">
-        <mc:Choice Requires="a14">
-          <p:sp>
-            <p:nvSpPr>
-              <p:cNvPr id="7" name="Rectangle 6"/>
-              <p:cNvSpPr/>
-              <p:nvPr/>
-            </p:nvSpPr>
-            <p:spPr>
-              <a:xfrm>
-                <a:off x="3182800" y="3167390"/>
-                <a:ext cx="311111" cy="261610"/>
-              </a:xfrm>
-              <a:prstGeom prst="rect">
-                <a:avLst/>
-              </a:prstGeom>
-            </p:spPr>
-            <p:txBody>
-              <a:bodyPr wrap="none">
-                <a:spAutoFit/>
-              </a:bodyPr>
-              <a:lstStyle/>
-              <a:p>
-                <a:pPr/>
-                <a14:m>
-                  <m:oMathPara xmlns:m="http://schemas.openxmlformats.org/officeDocument/2006/math">
-                    <m:oMathParaPr>
-                      <m:jc m:val="centerGroup"/>
-                    </m:oMathParaPr>
-                    <m:oMath xmlns:m="http://schemas.openxmlformats.org/officeDocument/2006/math">
-                      <m:r>
-                        <a:rPr lang="fr-FR" sz="1100" b="0" i="1" smtClean="0">
-                          <a:latin typeface="Cambria Math" panose="02040503050406030204" pitchFamily="18" charset="0"/>
-                        </a:rPr>
-                        <m:t>𝐺</m:t>
-                      </m:r>
-                    </m:oMath>
-                  </m:oMathPara>
-                </a14:m>
-                <a:endParaRPr lang="fr-FR" sz="1100" i="1" dirty="0"/>
-              </a:p>
-            </p:txBody>
-          </p:sp>
-        </mc:Choice>
-        <mc:Fallback xmlns="">
-          <p:sp>
-            <p:nvSpPr>
-              <p:cNvPr id="7" name="Rectangle 6"/>
-              <p:cNvSpPr>
-                <a:spLocks noRot="1" noChangeAspect="1" noMove="1" noResize="1" noEditPoints="1" noAdjustHandles="1" noChangeArrowheads="1" noChangeShapeType="1" noTextEdit="1"/>
-              </p:cNvSpPr>
-              <p:nvPr/>
-            </p:nvSpPr>
-            <p:spPr>
-              <a:xfrm>
-                <a:off x="3182800" y="3167390"/>
-                <a:ext cx="311111" cy="261610"/>
-              </a:xfrm>
-              <a:prstGeom prst="rect">
-                <a:avLst/>
-              </a:prstGeom>
-              <a:blipFill>
-                <a:blip r:embed="rId4"/>
-                <a:stretch>
-                  <a:fillRect/>
-                </a:stretch>
-              </a:blipFill>
-            </p:spPr>
-            <p:txBody>
-              <a:bodyPr/>
-              <a:lstStyle/>
-              <a:p>
-                <a:r>
-                  <a:rPr lang="fr-FR">
-                    <a:noFill/>
-                  </a:rPr>
-                  <a:t> </a:t>
-                </a:r>
-              </a:p>
-            </p:txBody>
-          </p:sp>
-        </mc:Fallback>
-      </mc:AlternateContent>
-      <p:cxnSp>
-        <p:nvCxnSpPr>
-          <p:cNvPr id="14" name="Connecteur droit 13"/>
-          <p:cNvCxnSpPr/>
-          <p:nvPr/>
-        </p:nvCxnSpPr>
-        <p:spPr>
-          <a:xfrm>
-            <a:off x="1775518" y="3148480"/>
-            <a:ext cx="2" cy="561040"/>
-          </a:xfrm>
-          <a:prstGeom prst="line">
-            <a:avLst/>
-          </a:prstGeom>
-          <a:ln w="19050">
-            <a:solidFill>
-              <a:schemeClr val="accent5">
-                <a:lumMod val="50000"/>
-              </a:schemeClr>
-            </a:solidFill>
-          </a:ln>
-        </p:spPr>
-        <p:style>
-          <a:lnRef idx="1">
-            <a:schemeClr val="accent1"/>
-          </a:lnRef>
-          <a:fillRef idx="0">
-            <a:schemeClr val="accent1"/>
-          </a:fillRef>
-          <a:effectRef idx="0">
-            <a:schemeClr val="accent1"/>
-          </a:effectRef>
-          <a:fontRef idx="minor">
-            <a:schemeClr val="tx1"/>
-          </a:fontRef>
-        </p:style>
-      </p:cxnSp>
-      <p:grpSp>
-        <p:nvGrpSpPr>
-          <p:cNvPr id="20" name="Groupe 19"/>
-          <p:cNvGrpSpPr/>
-          <p:nvPr/>
-        </p:nvGrpSpPr>
-        <p:grpSpPr>
-          <a:xfrm>
-            <a:off x="2983732" y="2652517"/>
-            <a:ext cx="949354" cy="998588"/>
-            <a:chOff x="875664" y="487400"/>
-            <a:chExt cx="949353" cy="998588"/>
-          </a:xfrm>
-        </p:grpSpPr>
-        <p:cxnSp>
-          <p:nvCxnSpPr>
-            <p:cNvPr id="21" name="Connecteur droit 20"/>
-            <p:cNvCxnSpPr/>
-            <p:nvPr/>
-          </p:nvCxnSpPr>
-          <p:spPr>
-            <a:xfrm flipV="1">
-              <a:off x="1065699" y="536583"/>
-              <a:ext cx="0" cy="734599"/>
-            </a:xfrm>
-            <a:prstGeom prst="line">
-              <a:avLst/>
-            </a:prstGeom>
-            <a:ln w="12700">
-              <a:solidFill>
-                <a:schemeClr val="accent5">
-                  <a:lumMod val="50000"/>
-                </a:schemeClr>
-              </a:solidFill>
-              <a:tailEnd type="stealth" w="med" len="lg"/>
-            </a:ln>
-          </p:spPr>
-          <p:style>
-            <a:lnRef idx="1">
-              <a:schemeClr val="accent1"/>
-            </a:lnRef>
-            <a:fillRef idx="0">
-              <a:schemeClr val="accent1"/>
-            </a:fillRef>
-            <a:effectRef idx="0">
-              <a:schemeClr val="accent1"/>
-            </a:effectRef>
-            <a:fontRef idx="minor">
-              <a:schemeClr val="tx1"/>
-            </a:fontRef>
-          </p:style>
-        </p:cxnSp>
-        <p:cxnSp>
-          <p:nvCxnSpPr>
-            <p:cNvPr id="22" name="Connecteur droit 21"/>
-            <p:cNvCxnSpPr/>
-            <p:nvPr/>
-          </p:nvCxnSpPr>
-          <p:spPr>
-            <a:xfrm rot="5400000" flipV="1">
-              <a:off x="1432999" y="905821"/>
-              <a:ext cx="0" cy="734599"/>
-            </a:xfrm>
-            <a:prstGeom prst="line">
-              <a:avLst/>
-            </a:prstGeom>
-            <a:ln w="12700">
-              <a:solidFill>
-                <a:schemeClr val="accent5">
-                  <a:lumMod val="50000"/>
-                </a:schemeClr>
-              </a:solidFill>
-              <a:tailEnd type="stealth" w="med" len="lg"/>
-            </a:ln>
-          </p:spPr>
-          <p:style>
-            <a:lnRef idx="1">
-              <a:schemeClr val="accent1"/>
-            </a:lnRef>
-            <a:fillRef idx="0">
-              <a:schemeClr val="accent1"/>
-            </a:fillRef>
-            <a:effectRef idx="0">
-              <a:schemeClr val="accent1"/>
-            </a:effectRef>
-            <a:fontRef idx="minor">
-              <a:schemeClr val="tx1"/>
-            </a:fontRef>
-          </p:style>
-        </p:cxnSp>
-        <p:grpSp>
-          <p:nvGrpSpPr>
-            <p:cNvPr id="23" name="Groupe 22"/>
-            <p:cNvGrpSpPr/>
-            <p:nvPr/>
-          </p:nvGrpSpPr>
-          <p:grpSpPr>
-            <a:xfrm>
-              <a:off x="1012602" y="1220060"/>
-              <a:ext cx="108000" cy="108000"/>
-              <a:chOff x="1009427" y="1223235"/>
-              <a:chExt cx="108000" cy="108000"/>
-            </a:xfrm>
-          </p:grpSpPr>
-          <p:sp>
-            <p:nvSpPr>
-              <p:cNvPr id="26" name="Ellipse 25"/>
-              <p:cNvSpPr/>
-              <p:nvPr/>
-            </p:nvSpPr>
-            <p:spPr>
-              <a:xfrm>
-                <a:off x="1009427" y="1223235"/>
-                <a:ext cx="108000" cy="108000"/>
-              </a:xfrm>
-              <a:prstGeom prst="ellipse">
-                <a:avLst/>
-              </a:prstGeom>
-              <a:solidFill>
-                <a:schemeClr val="bg1"/>
-              </a:solidFill>
-              <a:ln w="12700">
-                <a:solidFill>
-                  <a:schemeClr val="accent5">
-                    <a:lumMod val="50000"/>
-                  </a:schemeClr>
-                </a:solidFill>
-                <a:tailEnd type="stealth" w="med" len="lg"/>
-              </a:ln>
-            </p:spPr>
-            <p:style>
-              <a:lnRef idx="1">
-                <a:schemeClr val="accent1"/>
-              </a:lnRef>
-              <a:fillRef idx="0">
-                <a:schemeClr val="accent1"/>
-              </a:fillRef>
-              <a:effectRef idx="0">
-                <a:schemeClr val="accent1"/>
-              </a:effectRef>
-              <a:fontRef idx="minor">
-                <a:schemeClr val="tx1"/>
-              </a:fontRef>
-            </p:style>
-            <p:txBody>
-              <a:bodyPr rtlCol="0" anchor="ctr"/>
-              <a:lstStyle/>
-              <a:p>
-                <a:pPr algn="ctr"/>
-                <a:endParaRPr lang="fr-FR"/>
-              </a:p>
-            </p:txBody>
-          </p:sp>
-          <p:sp>
-            <p:nvSpPr>
-              <p:cNvPr id="27" name="Ellipse 26"/>
-              <p:cNvSpPr/>
-              <p:nvPr/>
-            </p:nvSpPr>
-            <p:spPr>
-              <a:xfrm flipH="1" flipV="1">
-                <a:off x="1045427" y="1259235"/>
-                <a:ext cx="36000" cy="36000"/>
-              </a:xfrm>
-              <a:prstGeom prst="ellipse">
-                <a:avLst/>
-              </a:prstGeom>
-              <a:solidFill>
-                <a:schemeClr val="accent5">
-                  <a:lumMod val="50000"/>
-                </a:schemeClr>
-              </a:solidFill>
-              <a:ln w="12700">
-                <a:solidFill>
-                  <a:schemeClr val="accent5">
-                    <a:lumMod val="50000"/>
-                  </a:schemeClr>
-                </a:solidFill>
-                <a:tailEnd type="stealth" w="med" len="lg"/>
-              </a:ln>
-            </p:spPr>
-            <p:style>
-              <a:lnRef idx="1">
-                <a:schemeClr val="accent1"/>
-              </a:lnRef>
-              <a:fillRef idx="0">
-                <a:schemeClr val="accent1"/>
-              </a:fillRef>
-              <a:effectRef idx="0">
-                <a:schemeClr val="accent1"/>
-              </a:effectRef>
-              <a:fontRef idx="minor">
-                <a:schemeClr val="tx1"/>
-              </a:fontRef>
-            </p:style>
-            <p:txBody>
-              <a:bodyPr rtlCol="0" anchor="ctr"/>
-              <a:lstStyle/>
-              <a:p>
-                <a:pPr algn="ctr"/>
-                <a:endParaRPr lang="fr-FR"/>
-              </a:p>
-            </p:txBody>
-          </p:sp>
-        </p:grpSp>
-        <mc:AlternateContent xmlns:mc="http://schemas.openxmlformats.org/markup-compatibility/2006" xmlns:a14="http://schemas.microsoft.com/office/drawing/2010/main">
-          <mc:Choice Requires="a14">
-            <p:sp>
-              <p:nvSpPr>
-                <p:cNvPr id="24" name="ZoneTexte 23"/>
-                <p:cNvSpPr txBox="1"/>
-                <p:nvPr/>
-              </p:nvSpPr>
-              <p:spPr>
-                <a:xfrm>
-                  <a:off x="1703317" y="1037793"/>
-                  <a:ext cx="121700" cy="184666"/>
-                </a:xfrm>
-                <a:prstGeom prst="rect">
-                  <a:avLst/>
-                </a:prstGeom>
-                <a:noFill/>
-              </p:spPr>
-              <p:txBody>
-                <a:bodyPr wrap="none" lIns="0" tIns="0" rIns="0" bIns="0" rtlCol="0">
-                  <a:spAutoFit/>
-                </a:bodyPr>
-                <a:lstStyle/>
-                <a:p>
-                  <a:pPr/>
-                  <a14:m>
-                    <m:oMathPara xmlns:m="http://schemas.openxmlformats.org/officeDocument/2006/math">
-                      <m:oMathParaPr>
-                        <m:jc m:val="centerGroup"/>
-                      </m:oMathParaPr>
-                      <m:oMath xmlns:m="http://schemas.openxmlformats.org/officeDocument/2006/math">
-                        <m:acc>
-                          <m:accPr>
-                            <m:chr m:val="⃗"/>
-                            <m:ctrlPr>
-                              <a:rPr lang="fr-FR" sz="1200" i="1">
-                                <a:latin typeface="Cambria Math" panose="02040503050406030204" pitchFamily="18" charset="0"/>
-                              </a:rPr>
-                            </m:ctrlPr>
-                          </m:accPr>
-                          <m:e>
-                            <m:r>
-                              <a:rPr lang="fr-FR" sz="1200" i="1">
-                                <a:latin typeface="Cambria Math" panose="02040503050406030204" pitchFamily="18" charset="0"/>
-                              </a:rPr>
-                              <m:t>𝑥</m:t>
-                            </m:r>
-                          </m:e>
-                        </m:acc>
-                      </m:oMath>
-                    </m:oMathPara>
-                  </a14:m>
-                  <a:endParaRPr lang="fr-FR" sz="1200" dirty="0"/>
-                </a:p>
-              </p:txBody>
-            </p:sp>
-          </mc:Choice>
-          <mc:Fallback xmlns="">
-            <p:sp>
-              <p:nvSpPr>
-                <p:cNvPr id="44" name="ZoneTexte 43"/>
-                <p:cNvSpPr txBox="1">
-                  <a:spLocks noRot="1" noChangeAspect="1" noMove="1" noResize="1" noEditPoints="1" noAdjustHandles="1" noChangeArrowheads="1" noChangeShapeType="1" noTextEdit="1"/>
-                </p:cNvSpPr>
-                <p:nvPr/>
-              </p:nvSpPr>
-              <p:spPr>
-                <a:xfrm>
-                  <a:off x="1703317" y="1037793"/>
-                  <a:ext cx="121700" cy="184666"/>
-                </a:xfrm>
-                <a:prstGeom prst="rect">
-                  <a:avLst/>
-                </a:prstGeom>
-                <a:blipFill>
-                  <a:blip r:embed="rId5"/>
-                  <a:stretch>
-                    <a:fillRect l="-20000" t="-25806" r="-85000"/>
-                  </a:stretch>
-                </a:blipFill>
-              </p:spPr>
-              <p:txBody>
-                <a:bodyPr/>
-                <a:lstStyle/>
-                <a:p>
-                  <a:r>
-                    <a:rPr lang="fr-FR">
-                      <a:noFill/>
-                    </a:rPr>
-                    <a:t> </a:t>
-                  </a:r>
-                </a:p>
-              </p:txBody>
-            </p:sp>
-          </mc:Fallback>
-        </mc:AlternateContent>
-        <mc:AlternateContent xmlns:mc="http://schemas.openxmlformats.org/markup-compatibility/2006" xmlns:a14="http://schemas.microsoft.com/office/drawing/2010/main">
-          <mc:Choice Requires="a14">
-            <p:sp>
-              <p:nvSpPr>
-                <p:cNvPr id="25" name="ZoneTexte 24"/>
-                <p:cNvSpPr txBox="1"/>
-                <p:nvPr/>
-              </p:nvSpPr>
-              <p:spPr>
-                <a:xfrm>
-                  <a:off x="1121257" y="487400"/>
-                  <a:ext cx="124458" cy="184666"/>
-                </a:xfrm>
-                <a:prstGeom prst="rect">
-                  <a:avLst/>
-                </a:prstGeom>
-                <a:noFill/>
-              </p:spPr>
-              <p:txBody>
-                <a:bodyPr wrap="none" lIns="0" tIns="0" rIns="0" bIns="0" rtlCol="0">
-                  <a:spAutoFit/>
-                </a:bodyPr>
-                <a:lstStyle/>
-                <a:p>
-                  <a:pPr/>
-                  <a14:m>
-                    <m:oMathPara xmlns:m="http://schemas.openxmlformats.org/officeDocument/2006/math">
-                      <m:oMathParaPr>
-                        <m:jc m:val="centerGroup"/>
-                      </m:oMathParaPr>
-                      <m:oMath xmlns:m="http://schemas.openxmlformats.org/officeDocument/2006/math">
-                        <m:acc>
-                          <m:accPr>
-                            <m:chr m:val="⃗"/>
-                            <m:ctrlPr>
-                              <a:rPr lang="fr-FR" sz="1200" i="1">
-                                <a:latin typeface="Cambria Math" panose="02040503050406030204" pitchFamily="18" charset="0"/>
-                              </a:rPr>
-                            </m:ctrlPr>
-                          </m:accPr>
-                          <m:e>
-                            <m:r>
-                              <a:rPr lang="fr-FR" sz="1200" i="1">
-                                <a:latin typeface="Cambria Math" panose="02040503050406030204" pitchFamily="18" charset="0"/>
-                              </a:rPr>
-                              <m:t>𝑦</m:t>
-                            </m:r>
-                          </m:e>
-                        </m:acc>
-                      </m:oMath>
-                    </m:oMathPara>
-                  </a14:m>
-                  <a:endParaRPr lang="fr-FR" sz="1200" dirty="0"/>
-                </a:p>
-              </p:txBody>
-            </p:sp>
-          </mc:Choice>
-          <mc:Fallback xmlns="">
-            <p:sp>
-              <p:nvSpPr>
-                <p:cNvPr id="45" name="ZoneTexte 44"/>
-                <p:cNvSpPr txBox="1">
-                  <a:spLocks noRot="1" noChangeAspect="1" noMove="1" noResize="1" noEditPoints="1" noAdjustHandles="1" noChangeArrowheads="1" noChangeShapeType="1" noTextEdit="1"/>
-                </p:cNvSpPr>
-                <p:nvPr/>
-              </p:nvSpPr>
-              <p:spPr>
-                <a:xfrm>
-                  <a:off x="1121257" y="487400"/>
-                  <a:ext cx="124458" cy="184666"/>
-                </a:xfrm>
-                <a:prstGeom prst="rect">
-                  <a:avLst/>
-                </a:prstGeom>
-                <a:blipFill>
-                  <a:blip r:embed="rId6"/>
-                  <a:stretch>
-                    <a:fillRect l="-30000" t="-26667" r="-85000" b="-23333"/>
-                  </a:stretch>
-                </a:blipFill>
-              </p:spPr>
-              <p:txBody>
-                <a:bodyPr/>
-                <a:lstStyle/>
-                <a:p>
-                  <a:r>
-                    <a:rPr lang="fr-FR">
-                      <a:noFill/>
-                    </a:rPr>
-                    <a:t> </a:t>
-                  </a:r>
-                </a:p>
-              </p:txBody>
-            </p:sp>
-          </mc:Fallback>
-        </mc:AlternateContent>
-        <mc:AlternateContent xmlns:mc="http://schemas.openxmlformats.org/markup-compatibility/2006" xmlns:a14="http://schemas.microsoft.com/office/drawing/2010/main">
-          <mc:Choice Requires="a14">
-            <p:sp>
-              <p:nvSpPr>
-                <p:cNvPr id="28" name="ZoneTexte 27"/>
-                <p:cNvSpPr txBox="1"/>
-                <p:nvPr/>
-              </p:nvSpPr>
-              <p:spPr>
-                <a:xfrm>
-                  <a:off x="875664" y="1301322"/>
-                  <a:ext cx="111634" cy="184666"/>
-                </a:xfrm>
-                <a:prstGeom prst="rect">
-                  <a:avLst/>
-                </a:prstGeom>
-                <a:noFill/>
-              </p:spPr>
-              <p:txBody>
-                <a:bodyPr wrap="none" lIns="0" tIns="0" rIns="0" bIns="0" rtlCol="0">
-                  <a:spAutoFit/>
-                </a:bodyPr>
-                <a:lstStyle/>
-                <a:p>
-                  <a:pPr/>
-                  <a14:m>
-                    <m:oMathPara xmlns:m="http://schemas.openxmlformats.org/officeDocument/2006/math">
-                      <m:oMathParaPr>
-                        <m:jc m:val="centerGroup"/>
-                      </m:oMathParaPr>
-                      <m:oMath xmlns:m="http://schemas.openxmlformats.org/officeDocument/2006/math">
-                        <m:acc>
-                          <m:accPr>
-                            <m:chr m:val="⃗"/>
-                            <m:ctrlPr>
-                              <a:rPr lang="fr-FR" sz="1200" i="1" smtClean="0">
-                                <a:latin typeface="Cambria Math" panose="02040503050406030204" pitchFamily="18" charset="0"/>
-                              </a:rPr>
-                            </m:ctrlPr>
-                          </m:accPr>
-                          <m:e>
-                            <m:r>
-                              <a:rPr lang="fr-FR" sz="1200" b="0" i="1" smtClean="0">
-                                <a:latin typeface="Cambria Math" panose="02040503050406030204" pitchFamily="18" charset="0"/>
-                              </a:rPr>
-                              <m:t>𝑧</m:t>
-                            </m:r>
-                          </m:e>
-                        </m:acc>
-                      </m:oMath>
-                    </m:oMathPara>
-                  </a14:m>
-                  <a:endParaRPr lang="fr-FR" sz="1200" dirty="0"/>
-                </a:p>
-              </p:txBody>
-            </p:sp>
-          </mc:Choice>
-          <mc:Fallback xmlns="">
-            <p:sp>
-              <p:nvSpPr>
-                <p:cNvPr id="28" name="ZoneTexte 27"/>
-                <p:cNvSpPr txBox="1">
-                  <a:spLocks noRot="1" noChangeAspect="1" noMove="1" noResize="1" noEditPoints="1" noAdjustHandles="1" noChangeArrowheads="1" noChangeShapeType="1" noTextEdit="1"/>
-                </p:cNvSpPr>
-                <p:nvPr/>
-              </p:nvSpPr>
-              <p:spPr>
-                <a:xfrm>
-                  <a:off x="875664" y="1301322"/>
-                  <a:ext cx="111634" cy="184666"/>
-                </a:xfrm>
-                <a:prstGeom prst="rect">
-                  <a:avLst/>
-                </a:prstGeom>
-                <a:blipFill>
-                  <a:blip r:embed="rId7"/>
-                  <a:stretch>
-                    <a:fillRect l="-15789" t="-30000" r="-89474"/>
-                  </a:stretch>
-                </a:blipFill>
-              </p:spPr>
-              <p:txBody>
-                <a:bodyPr/>
-                <a:lstStyle/>
-                <a:p>
-                  <a:r>
-                    <a:rPr lang="fr-FR">
-                      <a:noFill/>
-                    </a:rPr>
-                    <a:t> </a:t>
-                  </a:r>
-                </a:p>
-              </p:txBody>
-            </p:sp>
-          </mc:Fallback>
-        </mc:AlternateContent>
-      </p:grpSp>
-    </p:spTree>
-    <p:extLst>
-      <p:ext uri="{BB962C8B-B14F-4D97-AF65-F5344CB8AC3E}">
-        <p14:creationId xmlns:p14="http://schemas.microsoft.com/office/powerpoint/2010/main" val="45625492"/>
-      </p:ext>
-    </p:extLst>
-  </p:cSld>
-  <p:clrMapOvr>
-    <a:masterClrMapping/>
-  </p:clrMapOvr>
-</p:sld>
-</file>
-
-<file path=ppt/slides/slide9.xml><?xml version="1.0" encoding="utf-8"?>
-<p:sld xmlns:a="http://schemas.openxmlformats.org/drawingml/2006/main" xmlns:r="http://schemas.openxmlformats.org/officeDocument/2006/relationships" xmlns:p="http://schemas.openxmlformats.org/presentationml/2006/main">
-  <p:cSld>
-    <p:spTree>
-      <p:nvGrpSpPr>
-        <p:cNvPr id="1" name=""/>
-        <p:cNvGrpSpPr/>
-        <p:nvPr/>
-      </p:nvGrpSpPr>
-      <p:grpSpPr>
-        <a:xfrm>
-          <a:off x="0" y="0"/>
-          <a:ext cx="0" cy="0"/>
-          <a:chOff x="0" y="0"/>
-          <a:chExt cx="0" cy="0"/>
-        </a:xfrm>
-      </p:grpSpPr>
-      <p:cxnSp>
-        <p:nvCxnSpPr>
-          <p:cNvPr id="5" name="Connecteur droit 4"/>
-          <p:cNvCxnSpPr/>
-          <p:nvPr/>
-        </p:nvCxnSpPr>
-        <p:spPr>
-          <a:xfrm flipV="1">
-            <a:off x="1775520" y="1700808"/>
-            <a:ext cx="0" cy="1008112"/>
-          </a:xfrm>
-          <a:prstGeom prst="line">
-            <a:avLst/>
-          </a:prstGeom>
-          <a:ln>
-            <a:solidFill>
-              <a:schemeClr val="accent5">
-                <a:lumMod val="50000"/>
-              </a:schemeClr>
-            </a:solidFill>
-            <a:tailEnd type="stealth" w="med" len="lg"/>
-          </a:ln>
-        </p:spPr>
-        <p:style>
-          <a:lnRef idx="1">
-            <a:schemeClr val="accent1"/>
-          </a:lnRef>
-          <a:fillRef idx="0">
-            <a:schemeClr val="accent1"/>
-          </a:fillRef>
-          <a:effectRef idx="0">
-            <a:schemeClr val="accent1"/>
-          </a:effectRef>
-          <a:fontRef idx="minor">
-            <a:schemeClr val="tx1"/>
-          </a:fontRef>
-        </p:style>
-      </p:cxnSp>
-      <p:cxnSp>
-        <p:nvCxnSpPr>
-          <p:cNvPr id="8" name="Connecteur droit 7"/>
-          <p:cNvCxnSpPr/>
-          <p:nvPr/>
-        </p:nvCxnSpPr>
-        <p:spPr>
-          <a:xfrm>
-            <a:off x="1775520" y="2708920"/>
-            <a:ext cx="1440160" cy="0"/>
-          </a:xfrm>
-          <a:prstGeom prst="line">
-            <a:avLst/>
-          </a:prstGeom>
-          <a:ln>
-            <a:solidFill>
-              <a:schemeClr val="accent5">
-                <a:lumMod val="50000"/>
-              </a:schemeClr>
-            </a:solidFill>
-            <a:tailEnd type="stealth" w="med" len="lg"/>
-          </a:ln>
-        </p:spPr>
-        <p:style>
-          <a:lnRef idx="1">
-            <a:schemeClr val="accent1"/>
-          </a:lnRef>
-          <a:fillRef idx="0">
-            <a:schemeClr val="accent1"/>
-          </a:fillRef>
-          <a:effectRef idx="0">
-            <a:schemeClr val="accent1"/>
-          </a:effectRef>
-          <a:fontRef idx="minor">
-            <a:schemeClr val="tx1"/>
-          </a:fontRef>
-        </p:style>
-      </p:cxnSp>
-      <mc:AlternateContent xmlns:mc="http://schemas.openxmlformats.org/markup-compatibility/2006" xmlns:a14="http://schemas.microsoft.com/office/drawing/2010/main">
-        <mc:Choice Requires="a14">
-          <p:sp>
-            <p:nvSpPr>
-              <p:cNvPr id="13" name="ZoneTexte 12"/>
-              <p:cNvSpPr txBox="1"/>
-              <p:nvPr/>
-            </p:nvSpPr>
-            <p:spPr>
-              <a:xfrm>
-                <a:off x="1847528" y="1742934"/>
-                <a:ext cx="358368" cy="288156"/>
-              </a:xfrm>
-              <a:prstGeom prst="rect">
-                <a:avLst/>
-              </a:prstGeom>
-              <a:noFill/>
-            </p:spPr>
-            <p:txBody>
-              <a:bodyPr wrap="none" lIns="0" tIns="0" rIns="0" bIns="0" rtlCol="0">
-                <a:spAutoFit/>
-              </a:bodyPr>
-              <a:lstStyle/>
-              <a:p>
-                <a:pPr/>
-                <a14:m>
-                  <m:oMathPara xmlns:m="http://schemas.openxmlformats.org/officeDocument/2006/math">
-                    <m:oMathParaPr>
-                      <m:jc m:val="centerGroup"/>
-                    </m:oMathParaPr>
-                    <m:oMath xmlns:m="http://schemas.openxmlformats.org/officeDocument/2006/math">
-                      <m:r>
-                        <a:rPr lang="fr-FR" sz="1000" b="0" i="1" smtClean="0">
-                          <a:latin typeface="Cambria Math" panose="02040503050406030204" pitchFamily="18" charset="0"/>
-                        </a:rPr>
-                        <m:t>𝜎</m:t>
-                      </m:r>
-                      <m:r>
-                        <a:rPr lang="fr-FR" sz="1000" b="0" i="1" smtClean="0">
-                          <a:latin typeface="Cambria Math" panose="02040503050406030204" pitchFamily="18" charset="0"/>
-                        </a:rPr>
-                        <m:t>=</m:t>
-                      </m:r>
-                      <m:f>
-                        <m:fPr>
-                          <m:ctrlPr>
-                            <a:rPr lang="fr-FR" sz="1000" b="0" i="1" smtClean="0">
-                              <a:latin typeface="Cambria Math" panose="02040503050406030204" pitchFamily="18" charset="0"/>
-                            </a:rPr>
-                          </m:ctrlPr>
-                        </m:fPr>
-                        <m:num>
-                          <m:r>
-                            <a:rPr lang="fr-FR" sz="1000" b="0" i="1" smtClean="0">
-                              <a:latin typeface="Cambria Math" panose="02040503050406030204" pitchFamily="18" charset="0"/>
-                            </a:rPr>
-                            <m:t>𝐹</m:t>
-                          </m:r>
-                        </m:num>
-                        <m:den>
-                          <m:r>
-                            <a:rPr lang="fr-FR" sz="1000" b="0" i="1" smtClean="0">
-                              <a:latin typeface="Cambria Math" panose="02040503050406030204" pitchFamily="18" charset="0"/>
-                            </a:rPr>
-                            <m:t>𝑆</m:t>
-                          </m:r>
-                        </m:den>
-                      </m:f>
-                    </m:oMath>
-                  </m:oMathPara>
-                </a14:m>
-                <a:endParaRPr lang="fr-FR" sz="1000" dirty="0"/>
-              </a:p>
-            </p:txBody>
-          </p:sp>
-        </mc:Choice>
-        <mc:Fallback xmlns="">
-          <p:sp>
-            <p:nvSpPr>
-              <p:cNvPr id="13" name="ZoneTexte 12"/>
-              <p:cNvSpPr txBox="1">
-                <a:spLocks noRot="1" noChangeAspect="1" noMove="1" noResize="1" noEditPoints="1" noAdjustHandles="1" noChangeArrowheads="1" noChangeShapeType="1" noTextEdit="1"/>
-              </p:cNvSpPr>
-              <p:nvPr/>
-            </p:nvSpPr>
-            <p:spPr>
-              <a:xfrm>
-                <a:off x="1847528" y="1742934"/>
-                <a:ext cx="358368" cy="288156"/>
-              </a:xfrm>
-              <a:prstGeom prst="rect">
-                <a:avLst/>
-              </a:prstGeom>
-              <a:blipFill>
-                <a:blip r:embed="rId2"/>
-                <a:stretch>
-                  <a:fillRect l="-3390" t="-2128" r="-6780" b="-14894"/>
-                </a:stretch>
-              </a:blipFill>
-            </p:spPr>
-            <p:txBody>
-              <a:bodyPr/>
-              <a:lstStyle/>
-              <a:p>
-                <a:r>
-                  <a:rPr lang="fr-FR">
-                    <a:noFill/>
-                  </a:rPr>
-                  <a:t> </a:t>
-                </a:r>
-              </a:p>
-            </p:txBody>
-          </p:sp>
-        </mc:Fallback>
-      </mc:AlternateContent>
-      <mc:AlternateContent xmlns:mc="http://schemas.openxmlformats.org/markup-compatibility/2006" xmlns:a14="http://schemas.microsoft.com/office/drawing/2010/main">
-        <mc:Choice Requires="a14">
-          <p:sp>
-            <p:nvSpPr>
-              <p:cNvPr id="14" name="ZoneTexte 13"/>
-              <p:cNvSpPr txBox="1"/>
-              <p:nvPr/>
-            </p:nvSpPr>
-            <p:spPr>
-              <a:xfrm>
-                <a:off x="2809094" y="2348880"/>
-                <a:ext cx="406586" cy="289182"/>
-              </a:xfrm>
-              <a:prstGeom prst="rect">
-                <a:avLst/>
-              </a:prstGeom>
-              <a:noFill/>
-            </p:spPr>
-            <p:txBody>
-              <a:bodyPr wrap="none" lIns="0" tIns="0" rIns="0" bIns="0" rtlCol="0">
-                <a:spAutoFit/>
-              </a:bodyPr>
-              <a:lstStyle/>
-              <a:p>
-                <a:pPr/>
-                <a14:m>
-                  <m:oMathPara xmlns:m="http://schemas.openxmlformats.org/officeDocument/2006/math">
-                    <m:oMathParaPr>
-                      <m:jc m:val="centerGroup"/>
-                    </m:oMathParaPr>
-                    <m:oMath xmlns:m="http://schemas.openxmlformats.org/officeDocument/2006/math">
-                      <m:r>
-                        <a:rPr lang="fr-FR" sz="1000" b="0" i="1" smtClean="0">
-                          <a:latin typeface="Cambria Math" panose="02040503050406030204" pitchFamily="18" charset="0"/>
-                        </a:rPr>
-                        <m:t>𝜀</m:t>
-                      </m:r>
-                      <m:r>
-                        <a:rPr lang="fr-FR" sz="1000" b="0" i="1" smtClean="0">
-                          <a:latin typeface="Cambria Math" panose="02040503050406030204" pitchFamily="18" charset="0"/>
-                        </a:rPr>
-                        <m:t>=</m:t>
-                      </m:r>
-                      <m:f>
-                        <m:fPr>
-                          <m:ctrlPr>
-                            <a:rPr lang="fr-FR" sz="1000" b="0" i="1" smtClean="0">
-                              <a:latin typeface="Cambria Math" panose="02040503050406030204" pitchFamily="18" charset="0"/>
-                            </a:rPr>
-                          </m:ctrlPr>
-                        </m:fPr>
-                        <m:num>
-                          <m:r>
-                            <m:rPr>
-                              <m:sty m:val="p"/>
-                            </m:rPr>
-                            <a:rPr lang="fr-FR" sz="1000" b="0" i="0" smtClean="0">
-                              <a:latin typeface="Cambria Math" panose="02040503050406030204" pitchFamily="18" charset="0"/>
-                            </a:rPr>
-                            <m:t>Δ</m:t>
-                          </m:r>
-                          <m:r>
-                            <a:rPr lang="fr-FR" sz="1000" b="0" i="1" smtClean="0">
-                              <a:latin typeface="Cambria Math" panose="02040503050406030204" pitchFamily="18" charset="0"/>
-                            </a:rPr>
-                            <m:t>𝐿</m:t>
-                          </m:r>
-                        </m:num>
-                        <m:den>
-                          <m:r>
-                            <a:rPr lang="fr-FR" sz="1000" b="0" i="1" smtClean="0">
-                              <a:latin typeface="Cambria Math" panose="02040503050406030204" pitchFamily="18" charset="0"/>
-                            </a:rPr>
-                            <m:t>𝐿</m:t>
-                          </m:r>
-                        </m:den>
-                      </m:f>
-                    </m:oMath>
-                  </m:oMathPara>
-                </a14:m>
-                <a:endParaRPr lang="fr-FR" sz="1000" dirty="0"/>
-              </a:p>
-            </p:txBody>
-          </p:sp>
-        </mc:Choice>
-        <mc:Fallback xmlns="">
-          <p:sp>
-            <p:nvSpPr>
-              <p:cNvPr id="14" name="ZoneTexte 13"/>
-              <p:cNvSpPr txBox="1">
-                <a:spLocks noRot="1" noChangeAspect="1" noMove="1" noResize="1" noEditPoints="1" noAdjustHandles="1" noChangeArrowheads="1" noChangeShapeType="1" noTextEdit="1"/>
-              </p:cNvSpPr>
-              <p:nvPr/>
-            </p:nvSpPr>
-            <p:spPr>
-              <a:xfrm>
-                <a:off x="2809094" y="2348880"/>
-                <a:ext cx="406586" cy="289182"/>
-              </a:xfrm>
-              <a:prstGeom prst="rect">
-                <a:avLst/>
-              </a:prstGeom>
-              <a:blipFill>
-                <a:blip r:embed="rId3"/>
-                <a:stretch>
-                  <a:fillRect l="-4478" t="-2083" r="-5970" b="-14583"/>
-                </a:stretch>
-              </a:blipFill>
-            </p:spPr>
-            <p:txBody>
-              <a:bodyPr/>
-              <a:lstStyle/>
-              <a:p>
-                <a:r>
-                  <a:rPr lang="fr-FR">
-                    <a:noFill/>
-                  </a:rPr>
-                  <a:t> </a:t>
-                </a:r>
-              </a:p>
-            </p:txBody>
-          </p:sp>
-        </mc:Fallback>
-      </mc:AlternateContent>
-      <p:cxnSp>
-        <p:nvCxnSpPr>
-          <p:cNvPr id="16" name="Connecteur droit 15"/>
-          <p:cNvCxnSpPr/>
-          <p:nvPr/>
-        </p:nvCxnSpPr>
-        <p:spPr>
-          <a:xfrm flipV="1">
-            <a:off x="1775520" y="2031090"/>
-            <a:ext cx="1236867" cy="677831"/>
-          </a:xfrm>
-          <a:prstGeom prst="line">
-            <a:avLst/>
-          </a:prstGeom>
-          <a:ln w="19050">
-            <a:solidFill>
-              <a:srgbClr val="C00000"/>
-            </a:solidFill>
-          </a:ln>
-        </p:spPr>
-        <p:style>
-          <a:lnRef idx="1">
-            <a:schemeClr val="accent1"/>
-          </a:lnRef>
-          <a:fillRef idx="0">
-            <a:schemeClr val="accent1"/>
-          </a:fillRef>
-          <a:effectRef idx="0">
-            <a:schemeClr val="accent1"/>
-          </a:effectRef>
-          <a:fontRef idx="minor">
-            <a:schemeClr val="tx1"/>
-          </a:fontRef>
-        </p:style>
-      </p:cxnSp>
-      <p:sp>
-        <p:nvSpPr>
-          <p:cNvPr id="20" name="ZoneTexte 19"/>
-          <p:cNvSpPr txBox="1"/>
-          <p:nvPr/>
-        </p:nvSpPr>
-        <p:spPr>
-          <a:xfrm>
-            <a:off x="1784822" y="2779778"/>
-            <a:ext cx="1430858" cy="307777"/>
-          </a:xfrm>
-          <a:prstGeom prst="rect">
-            <a:avLst/>
-          </a:prstGeom>
-          <a:noFill/>
-        </p:spPr>
-        <p:txBody>
-          <a:bodyPr wrap="square" lIns="0" tIns="0" rIns="0" bIns="0" rtlCol="0">
-            <a:spAutoFit/>
-          </a:bodyPr>
-          <a:lstStyle/>
-          <a:p>
-            <a:pPr algn="ctr"/>
-            <a:r>
-              <a:rPr lang="fr-FR" sz="1000" dirty="0"/>
-              <a:t>Comportement élastique </a:t>
-            </a:r>
-          </a:p>
-          <a:p>
-            <a:pPr algn="ctr"/>
-            <a:r>
-              <a:rPr lang="fr-FR" sz="1000" dirty="0"/>
-              <a:t>linéaire</a:t>
-            </a:r>
-          </a:p>
-        </p:txBody>
-      </p:sp>
-      <p:cxnSp>
-        <p:nvCxnSpPr>
-          <p:cNvPr id="23" name="Connecteur droit 22"/>
-          <p:cNvCxnSpPr/>
-          <p:nvPr/>
-        </p:nvCxnSpPr>
-        <p:spPr>
-          <a:xfrm flipV="1">
-            <a:off x="2002767" y="2139737"/>
-            <a:ext cx="973962" cy="533754"/>
-          </a:xfrm>
-          <a:prstGeom prst="line">
-            <a:avLst/>
-          </a:prstGeom>
-          <a:ln w="9525">
-            <a:solidFill>
-              <a:srgbClr val="C00000"/>
-            </a:solidFill>
-            <a:headEnd type="stealth" w="med" len="lg"/>
-            <a:tailEnd type="none" w="med" len="lg"/>
-          </a:ln>
-        </p:spPr>
-        <p:style>
-          <a:lnRef idx="1">
-            <a:schemeClr val="accent1"/>
-          </a:lnRef>
-          <a:fillRef idx="0">
-            <a:schemeClr val="accent1"/>
-          </a:fillRef>
-          <a:effectRef idx="0">
-            <a:schemeClr val="accent1"/>
-          </a:effectRef>
-          <a:fontRef idx="minor">
-            <a:schemeClr val="tx1"/>
-          </a:fontRef>
-        </p:style>
-      </p:cxnSp>
-      <p:cxnSp>
-        <p:nvCxnSpPr>
-          <p:cNvPr id="25" name="Connecteur droit 24"/>
-          <p:cNvCxnSpPr/>
-          <p:nvPr/>
-        </p:nvCxnSpPr>
-        <p:spPr>
-          <a:xfrm flipV="1">
-            <a:off x="1901120" y="2031090"/>
-            <a:ext cx="973962" cy="533754"/>
-          </a:xfrm>
-          <a:prstGeom prst="line">
-            <a:avLst/>
-          </a:prstGeom>
-          <a:ln w="9525">
-            <a:solidFill>
-              <a:srgbClr val="C00000"/>
-            </a:solidFill>
-            <a:headEnd type="none" w="med" len="lg"/>
-            <a:tailEnd type="stealth" w="med" len="lg"/>
-          </a:ln>
-        </p:spPr>
-        <p:style>
-          <a:lnRef idx="1">
-            <a:schemeClr val="accent1"/>
-          </a:lnRef>
-          <a:fillRef idx="0">
-            <a:schemeClr val="accent1"/>
-          </a:fillRef>
-          <a:effectRef idx="0">
-            <a:schemeClr val="accent1"/>
-          </a:effectRef>
-          <a:fontRef idx="minor">
-            <a:schemeClr val="tx1"/>
-          </a:fontRef>
-        </p:style>
-      </p:cxnSp>
-      <p:sp>
-        <p:nvSpPr>
-          <p:cNvPr id="26" name="ZoneTexte 25"/>
-          <p:cNvSpPr txBox="1"/>
-          <p:nvPr/>
-        </p:nvSpPr>
-        <p:spPr>
-          <a:xfrm rot="19876552">
-            <a:off x="2077252" y="2174818"/>
-            <a:ext cx="514564" cy="123111"/>
-          </a:xfrm>
-          <a:prstGeom prst="rect">
-            <a:avLst/>
-          </a:prstGeom>
-          <a:noFill/>
-        </p:spPr>
-        <p:txBody>
-          <a:bodyPr wrap="none" lIns="0" tIns="0" rIns="0" bIns="0" rtlCol="0">
-            <a:spAutoFit/>
-          </a:bodyPr>
-          <a:lstStyle/>
-          <a:p>
-            <a:r>
-              <a:rPr lang="fr-FR" sz="800" dirty="0"/>
-              <a:t>Chargement</a:t>
-            </a:r>
-            <a:endParaRPr lang="fr-FR" sz="1000" dirty="0"/>
-          </a:p>
-        </p:txBody>
-      </p:sp>
-      <p:sp>
-        <p:nvSpPr>
-          <p:cNvPr id="27" name="ZoneTexte 26"/>
-          <p:cNvSpPr txBox="1"/>
-          <p:nvPr/>
-        </p:nvSpPr>
-        <p:spPr>
-          <a:xfrm rot="19876552">
-            <a:off x="2255935" y="2370126"/>
-            <a:ext cx="617157" cy="123111"/>
-          </a:xfrm>
-          <a:prstGeom prst="rect">
-            <a:avLst/>
-          </a:prstGeom>
-          <a:noFill/>
-        </p:spPr>
-        <p:txBody>
-          <a:bodyPr wrap="none" lIns="0" tIns="0" rIns="0" bIns="0" rtlCol="0">
-            <a:spAutoFit/>
-          </a:bodyPr>
-          <a:lstStyle/>
-          <a:p>
-            <a:r>
-              <a:rPr lang="fr-FR" sz="800" dirty="0"/>
-              <a:t>Déchargement</a:t>
-            </a:r>
-            <a:endParaRPr lang="fr-FR" sz="1000" dirty="0"/>
-          </a:p>
-        </p:txBody>
-      </p:sp>
-      <p:cxnSp>
-        <p:nvCxnSpPr>
-          <p:cNvPr id="28" name="Connecteur droit 27"/>
-          <p:cNvCxnSpPr/>
-          <p:nvPr/>
-        </p:nvCxnSpPr>
-        <p:spPr>
-          <a:xfrm flipV="1">
-            <a:off x="3935760" y="1700808"/>
-            <a:ext cx="0" cy="1008112"/>
-          </a:xfrm>
-          <a:prstGeom prst="line">
-            <a:avLst/>
-          </a:prstGeom>
-          <a:ln>
-            <a:solidFill>
-              <a:schemeClr val="accent5">
-                <a:lumMod val="50000"/>
-              </a:schemeClr>
-            </a:solidFill>
-            <a:tailEnd type="stealth" w="med" len="lg"/>
-          </a:ln>
-        </p:spPr>
-        <p:style>
-          <a:lnRef idx="1">
-            <a:schemeClr val="accent1"/>
-          </a:lnRef>
-          <a:fillRef idx="0">
-            <a:schemeClr val="accent1"/>
-          </a:fillRef>
-          <a:effectRef idx="0">
-            <a:schemeClr val="accent1"/>
-          </a:effectRef>
-          <a:fontRef idx="minor">
-            <a:schemeClr val="tx1"/>
-          </a:fontRef>
-        </p:style>
-      </p:cxnSp>
-      <p:cxnSp>
-        <p:nvCxnSpPr>
-          <p:cNvPr id="29" name="Connecteur droit 28"/>
-          <p:cNvCxnSpPr/>
-          <p:nvPr/>
-        </p:nvCxnSpPr>
-        <p:spPr>
-          <a:xfrm>
-            <a:off x="3935760" y="2708920"/>
-            <a:ext cx="1440160" cy="0"/>
-          </a:xfrm>
-          <a:prstGeom prst="line">
-            <a:avLst/>
-          </a:prstGeom>
-          <a:ln>
-            <a:solidFill>
-              <a:schemeClr val="accent5">
-                <a:lumMod val="50000"/>
-              </a:schemeClr>
-            </a:solidFill>
-            <a:tailEnd type="stealth" w="med" len="lg"/>
-          </a:ln>
-        </p:spPr>
-        <p:style>
-          <a:lnRef idx="1">
-            <a:schemeClr val="accent1"/>
-          </a:lnRef>
-          <a:fillRef idx="0">
-            <a:schemeClr val="accent1"/>
-          </a:fillRef>
-          <a:effectRef idx="0">
-            <a:schemeClr val="accent1"/>
-          </a:effectRef>
-          <a:fontRef idx="minor">
-            <a:schemeClr val="tx1"/>
-          </a:fontRef>
-        </p:style>
-      </p:cxnSp>
-      <mc:AlternateContent xmlns:mc="http://schemas.openxmlformats.org/markup-compatibility/2006" xmlns:a14="http://schemas.microsoft.com/office/drawing/2010/main">
-        <mc:Choice Requires="a14">
-          <p:sp>
-            <p:nvSpPr>
-              <p:cNvPr id="30" name="ZoneTexte 29"/>
-              <p:cNvSpPr txBox="1"/>
-              <p:nvPr/>
-            </p:nvSpPr>
-            <p:spPr>
-              <a:xfrm>
-                <a:off x="4007768" y="1742934"/>
-                <a:ext cx="358368" cy="288156"/>
-              </a:xfrm>
-              <a:prstGeom prst="rect">
-                <a:avLst/>
-              </a:prstGeom>
-              <a:noFill/>
-            </p:spPr>
-            <p:txBody>
-              <a:bodyPr wrap="none" lIns="0" tIns="0" rIns="0" bIns="0" rtlCol="0">
-                <a:spAutoFit/>
-              </a:bodyPr>
-              <a:lstStyle/>
-              <a:p>
-                <a:pPr/>
-                <a14:m>
-                  <m:oMathPara xmlns:m="http://schemas.openxmlformats.org/officeDocument/2006/math">
-                    <m:oMathParaPr>
-                      <m:jc m:val="centerGroup"/>
-                    </m:oMathParaPr>
-                    <m:oMath xmlns:m="http://schemas.openxmlformats.org/officeDocument/2006/math">
-                      <m:r>
-                        <a:rPr lang="fr-FR" sz="1000" b="0" i="1" smtClean="0">
-                          <a:latin typeface="Cambria Math" panose="02040503050406030204" pitchFamily="18" charset="0"/>
-                        </a:rPr>
-                        <m:t>𝜎</m:t>
-                      </m:r>
-                      <m:r>
-                        <a:rPr lang="fr-FR" sz="1000" b="0" i="1" smtClean="0">
-                          <a:latin typeface="Cambria Math" panose="02040503050406030204" pitchFamily="18" charset="0"/>
-                        </a:rPr>
-                        <m:t>=</m:t>
-                      </m:r>
-                      <m:f>
-                        <m:fPr>
-                          <m:ctrlPr>
-                            <a:rPr lang="fr-FR" sz="1000" b="0" i="1" smtClean="0">
-                              <a:latin typeface="Cambria Math" panose="02040503050406030204" pitchFamily="18" charset="0"/>
-                            </a:rPr>
-                          </m:ctrlPr>
-                        </m:fPr>
-                        <m:num>
-                          <m:r>
-                            <a:rPr lang="fr-FR" sz="1000" b="0" i="1" smtClean="0">
-                              <a:latin typeface="Cambria Math" panose="02040503050406030204" pitchFamily="18" charset="0"/>
-                            </a:rPr>
-                            <m:t>𝐹</m:t>
-                          </m:r>
-                        </m:num>
-                        <m:den>
-                          <m:r>
-                            <a:rPr lang="fr-FR" sz="1000" b="0" i="1" smtClean="0">
-                              <a:latin typeface="Cambria Math" panose="02040503050406030204" pitchFamily="18" charset="0"/>
-                            </a:rPr>
-                            <m:t>𝑆</m:t>
-                          </m:r>
-                        </m:den>
-                      </m:f>
-                    </m:oMath>
-                  </m:oMathPara>
-                </a14:m>
-                <a:endParaRPr lang="fr-FR" sz="1000" dirty="0"/>
-              </a:p>
-            </p:txBody>
-          </p:sp>
-        </mc:Choice>
-        <mc:Fallback xmlns="">
-          <p:sp>
-            <p:nvSpPr>
-              <p:cNvPr id="30" name="ZoneTexte 29"/>
-              <p:cNvSpPr txBox="1">
-                <a:spLocks noRot="1" noChangeAspect="1" noMove="1" noResize="1" noEditPoints="1" noAdjustHandles="1" noChangeArrowheads="1" noChangeShapeType="1" noTextEdit="1"/>
-              </p:cNvSpPr>
-              <p:nvPr/>
-            </p:nvSpPr>
-            <p:spPr>
-              <a:xfrm>
-                <a:off x="4007768" y="1742934"/>
-                <a:ext cx="358368" cy="288156"/>
-              </a:xfrm>
-              <a:prstGeom prst="rect">
-                <a:avLst/>
-              </a:prstGeom>
-              <a:blipFill>
-                <a:blip r:embed="rId2"/>
-                <a:stretch>
-                  <a:fillRect l="-3390" t="-2128" r="-6780" b="-14894"/>
-                </a:stretch>
-              </a:blipFill>
-            </p:spPr>
-            <p:txBody>
-              <a:bodyPr/>
-              <a:lstStyle/>
-              <a:p>
-                <a:r>
-                  <a:rPr lang="fr-FR">
-                    <a:noFill/>
-                  </a:rPr>
-                  <a:t> </a:t>
-                </a:r>
-              </a:p>
-            </p:txBody>
-          </p:sp>
-        </mc:Fallback>
-      </mc:AlternateContent>
-      <mc:AlternateContent xmlns:mc="http://schemas.openxmlformats.org/markup-compatibility/2006" xmlns:a14="http://schemas.microsoft.com/office/drawing/2010/main">
-        <mc:Choice Requires="a14">
-          <p:sp>
-            <p:nvSpPr>
-              <p:cNvPr id="31" name="ZoneTexte 30"/>
-              <p:cNvSpPr txBox="1"/>
-              <p:nvPr/>
-            </p:nvSpPr>
-            <p:spPr>
-              <a:xfrm>
-                <a:off x="4969334" y="2348880"/>
-                <a:ext cx="406586" cy="289182"/>
-              </a:xfrm>
-              <a:prstGeom prst="rect">
-                <a:avLst/>
-              </a:prstGeom>
-              <a:noFill/>
-            </p:spPr>
-            <p:txBody>
-              <a:bodyPr wrap="none" lIns="0" tIns="0" rIns="0" bIns="0" rtlCol="0">
-                <a:spAutoFit/>
-              </a:bodyPr>
-              <a:lstStyle/>
-              <a:p>
-                <a:pPr/>
-                <a14:m>
-                  <m:oMathPara xmlns:m="http://schemas.openxmlformats.org/officeDocument/2006/math">
-                    <m:oMathParaPr>
-                      <m:jc m:val="centerGroup"/>
-                    </m:oMathParaPr>
-                    <m:oMath xmlns:m="http://schemas.openxmlformats.org/officeDocument/2006/math">
-                      <m:r>
-                        <a:rPr lang="fr-FR" sz="1000" b="0" i="1" smtClean="0">
-                          <a:latin typeface="Cambria Math" panose="02040503050406030204" pitchFamily="18" charset="0"/>
-                        </a:rPr>
-                        <m:t>𝜀</m:t>
-                      </m:r>
-                      <m:r>
-                        <a:rPr lang="fr-FR" sz="1000" b="0" i="1" smtClean="0">
-                          <a:latin typeface="Cambria Math" panose="02040503050406030204" pitchFamily="18" charset="0"/>
-                        </a:rPr>
-                        <m:t>=</m:t>
-                      </m:r>
-                      <m:f>
-                        <m:fPr>
-                          <m:ctrlPr>
-                            <a:rPr lang="fr-FR" sz="1000" b="0" i="1" smtClean="0">
-                              <a:latin typeface="Cambria Math" panose="02040503050406030204" pitchFamily="18" charset="0"/>
-                            </a:rPr>
-                          </m:ctrlPr>
-                        </m:fPr>
-                        <m:num>
-                          <m:r>
-                            <m:rPr>
-                              <m:sty m:val="p"/>
-                            </m:rPr>
-                            <a:rPr lang="fr-FR" sz="1000" b="0" i="0" smtClean="0">
-                              <a:latin typeface="Cambria Math" panose="02040503050406030204" pitchFamily="18" charset="0"/>
-                            </a:rPr>
-                            <m:t>Δ</m:t>
-                          </m:r>
-                          <m:r>
-                            <a:rPr lang="fr-FR" sz="1000" b="0" i="1" smtClean="0">
-                              <a:latin typeface="Cambria Math" panose="02040503050406030204" pitchFamily="18" charset="0"/>
-                            </a:rPr>
-                            <m:t>𝐿</m:t>
-                          </m:r>
-                        </m:num>
-                        <m:den>
-                          <m:r>
-                            <a:rPr lang="fr-FR" sz="1000" b="0" i="1" smtClean="0">
-                              <a:latin typeface="Cambria Math" panose="02040503050406030204" pitchFamily="18" charset="0"/>
-                            </a:rPr>
-                            <m:t>𝐿</m:t>
-                          </m:r>
-                        </m:den>
-                      </m:f>
-                    </m:oMath>
-                  </m:oMathPara>
-                </a14:m>
-                <a:endParaRPr lang="fr-FR" sz="1000" dirty="0"/>
-              </a:p>
-            </p:txBody>
-          </p:sp>
-        </mc:Choice>
-        <mc:Fallback xmlns="">
-          <p:sp>
-            <p:nvSpPr>
-              <p:cNvPr id="31" name="ZoneTexte 30"/>
-              <p:cNvSpPr txBox="1">
-                <a:spLocks noRot="1" noChangeAspect="1" noMove="1" noResize="1" noEditPoints="1" noAdjustHandles="1" noChangeArrowheads="1" noChangeShapeType="1" noTextEdit="1"/>
-              </p:cNvSpPr>
-              <p:nvPr/>
-            </p:nvSpPr>
-            <p:spPr>
-              <a:xfrm>
-                <a:off x="4969334" y="2348880"/>
-                <a:ext cx="406586" cy="289182"/>
-              </a:xfrm>
-              <a:prstGeom prst="rect">
-                <a:avLst/>
-              </a:prstGeom>
-              <a:blipFill>
-                <a:blip r:embed="rId4"/>
-                <a:stretch>
-                  <a:fillRect l="-2985" t="-2083" r="-7463" b="-14583"/>
-                </a:stretch>
-              </a:blipFill>
-            </p:spPr>
-            <p:txBody>
-              <a:bodyPr/>
-              <a:lstStyle/>
-              <a:p>
-                <a:r>
-                  <a:rPr lang="fr-FR">
-                    <a:noFill/>
-                  </a:rPr>
-                  <a:t> </a:t>
-                </a:r>
-              </a:p>
-            </p:txBody>
-          </p:sp>
-        </mc:Fallback>
-      </mc:AlternateContent>
-      <p:sp>
-        <p:nvSpPr>
-          <p:cNvPr id="33" name="ZoneTexte 32"/>
-          <p:cNvSpPr txBox="1"/>
-          <p:nvPr/>
-        </p:nvSpPr>
-        <p:spPr>
-          <a:xfrm>
-            <a:off x="3945063" y="2779778"/>
-            <a:ext cx="1430858" cy="307777"/>
-          </a:xfrm>
-          <a:prstGeom prst="rect">
-            <a:avLst/>
-          </a:prstGeom>
-          <a:noFill/>
-        </p:spPr>
-        <p:txBody>
-          <a:bodyPr wrap="square" lIns="0" tIns="0" rIns="0" bIns="0" rtlCol="0">
-            <a:spAutoFit/>
-          </a:bodyPr>
-          <a:lstStyle/>
-          <a:p>
-            <a:pPr algn="ctr"/>
-            <a:r>
-              <a:rPr lang="fr-FR" sz="1000" dirty="0"/>
-              <a:t>Comportement élastique non linéaire</a:t>
-            </a:r>
-          </a:p>
-        </p:txBody>
-      </p:sp>
-      <p:sp>
-        <p:nvSpPr>
-          <p:cNvPr id="36" name="ZoneTexte 35"/>
-          <p:cNvSpPr txBox="1"/>
-          <p:nvPr/>
-        </p:nvSpPr>
-        <p:spPr>
-          <a:xfrm rot="19876552">
-            <a:off x="4323666" y="2058783"/>
-            <a:ext cx="514564" cy="123111"/>
-          </a:xfrm>
-          <a:prstGeom prst="rect">
-            <a:avLst/>
-          </a:prstGeom>
-          <a:noFill/>
-        </p:spPr>
-        <p:txBody>
-          <a:bodyPr wrap="none" lIns="0" tIns="0" rIns="0" bIns="0" rtlCol="0">
-            <a:spAutoFit/>
-          </a:bodyPr>
-          <a:lstStyle/>
-          <a:p>
-            <a:r>
-              <a:rPr lang="fr-FR" sz="800" dirty="0"/>
-              <a:t>Chargement</a:t>
-            </a:r>
-            <a:endParaRPr lang="fr-FR" sz="1000" dirty="0"/>
-          </a:p>
-        </p:txBody>
-      </p:sp>
-      <p:sp>
-        <p:nvSpPr>
-          <p:cNvPr id="37" name="ZoneTexte 36"/>
-          <p:cNvSpPr txBox="1"/>
-          <p:nvPr/>
-        </p:nvSpPr>
-        <p:spPr>
-          <a:xfrm rot="19876552">
-            <a:off x="4589897" y="2305109"/>
-            <a:ext cx="617157" cy="123111"/>
-          </a:xfrm>
-          <a:prstGeom prst="rect">
-            <a:avLst/>
-          </a:prstGeom>
-          <a:noFill/>
-        </p:spPr>
-        <p:txBody>
-          <a:bodyPr wrap="none" lIns="0" tIns="0" rIns="0" bIns="0" rtlCol="0">
-            <a:spAutoFit/>
-          </a:bodyPr>
-          <a:lstStyle/>
-          <a:p>
-            <a:r>
-              <a:rPr lang="fr-FR" sz="800" dirty="0"/>
-              <a:t>Déchargement</a:t>
-            </a:r>
-            <a:endParaRPr lang="fr-FR" sz="1000" dirty="0"/>
-          </a:p>
-        </p:txBody>
-      </p:sp>
-      <p:sp>
-        <p:nvSpPr>
-          <p:cNvPr id="38" name="Forme libre 37"/>
-          <p:cNvSpPr/>
-          <p:nvPr/>
-        </p:nvSpPr>
-        <p:spPr>
-          <a:xfrm>
-            <a:off x="3931171" y="1999630"/>
-            <a:ext cx="1270000" cy="698500"/>
-          </a:xfrm>
-          <a:custGeom>
-            <a:avLst/>
-            <a:gdLst>
-              <a:gd name="connsiteX0" fmla="*/ 0 w 1270000"/>
-              <a:gd name="connsiteY0" fmla="*/ 698500 h 698500"/>
-              <a:gd name="connsiteX1" fmla="*/ 1270000 w 1270000"/>
-              <a:gd name="connsiteY1" fmla="*/ 0 h 698500"/>
-              <a:gd name="connsiteX2" fmla="*/ 1270000 w 1270000"/>
-              <a:gd name="connsiteY2" fmla="*/ 0 h 698500"/>
-              <a:gd name="connsiteX0" fmla="*/ 0 w 1270000"/>
-              <a:gd name="connsiteY0" fmla="*/ 698500 h 698500"/>
-              <a:gd name="connsiteX1" fmla="*/ 1270000 w 1270000"/>
-              <a:gd name="connsiteY1" fmla="*/ 0 h 698500"/>
-              <a:gd name="connsiteX2" fmla="*/ 1270000 w 1270000"/>
-              <a:gd name="connsiteY2" fmla="*/ 0 h 698500"/>
-              <a:gd name="connsiteX0" fmla="*/ 0 w 1270000"/>
-              <a:gd name="connsiteY0" fmla="*/ 698500 h 698500"/>
-              <a:gd name="connsiteX1" fmla="*/ 1270000 w 1270000"/>
-              <a:gd name="connsiteY1" fmla="*/ 0 h 698500"/>
-              <a:gd name="connsiteX2" fmla="*/ 1270000 w 1270000"/>
-              <a:gd name="connsiteY2" fmla="*/ 0 h 698500"/>
-            </a:gdLst>
-            <a:ahLst/>
-            <a:cxnLst>
-              <a:cxn ang="0">
-                <a:pos x="connsiteX0" y="connsiteY0"/>
-              </a:cxn>
-              <a:cxn ang="0">
-                <a:pos x="connsiteX1" y="connsiteY1"/>
-              </a:cxn>
-              <a:cxn ang="0">
-                <a:pos x="connsiteX2" y="connsiteY2"/>
-              </a:cxn>
-            </a:cxnLst>
-            <a:rect l="l" t="t" r="r" b="b"/>
-            <a:pathLst>
-              <a:path w="1270000" h="698500">
-                <a:moveTo>
-                  <a:pt x="0" y="698500"/>
-                </a:moveTo>
-                <a:cubicBezTo>
-                  <a:pt x="632883" y="637117"/>
-                  <a:pt x="624417" y="143933"/>
-                  <a:pt x="1270000" y="0"/>
-                </a:cubicBezTo>
-                <a:lnTo>
-                  <a:pt x="1270000" y="0"/>
-                </a:lnTo>
-              </a:path>
-            </a:pathLst>
-          </a:custGeom>
-          <a:ln w="19050">
-            <a:solidFill>
-              <a:srgbClr val="C00000"/>
-            </a:solidFill>
-          </a:ln>
-        </p:spPr>
-        <p:style>
-          <a:lnRef idx="1">
-            <a:schemeClr val="accent1"/>
-          </a:lnRef>
-          <a:fillRef idx="0">
-            <a:schemeClr val="accent1"/>
-          </a:fillRef>
-          <a:effectRef idx="0">
-            <a:schemeClr val="accent1"/>
-          </a:effectRef>
-          <a:fontRef idx="minor">
-            <a:schemeClr val="tx1"/>
-          </a:fontRef>
-        </p:style>
-        <p:txBody>
-          <a:bodyPr rtlCol="0" anchor="ctr"/>
-          <a:lstStyle/>
-          <a:p>
-            <a:pPr algn="ctr"/>
-            <a:endParaRPr lang="fr-FR"/>
-          </a:p>
-        </p:txBody>
-      </p:sp>
-      <p:sp>
-        <p:nvSpPr>
-          <p:cNvPr id="39" name="Forme libre 38"/>
-          <p:cNvSpPr/>
-          <p:nvPr/>
-        </p:nvSpPr>
-        <p:spPr>
-          <a:xfrm>
-            <a:off x="4313798" y="2084090"/>
-            <a:ext cx="812800" cy="565150"/>
-          </a:xfrm>
-          <a:custGeom>
-            <a:avLst/>
-            <a:gdLst>
-              <a:gd name="connsiteX0" fmla="*/ 0 w 1270000"/>
-              <a:gd name="connsiteY0" fmla="*/ 698500 h 698500"/>
-              <a:gd name="connsiteX1" fmla="*/ 1270000 w 1270000"/>
-              <a:gd name="connsiteY1" fmla="*/ 0 h 698500"/>
-              <a:gd name="connsiteX2" fmla="*/ 1270000 w 1270000"/>
-              <a:gd name="connsiteY2" fmla="*/ 0 h 698500"/>
-              <a:gd name="connsiteX0" fmla="*/ 0 w 1270000"/>
-              <a:gd name="connsiteY0" fmla="*/ 698500 h 698500"/>
-              <a:gd name="connsiteX1" fmla="*/ 1270000 w 1270000"/>
-              <a:gd name="connsiteY1" fmla="*/ 0 h 698500"/>
-              <a:gd name="connsiteX2" fmla="*/ 1270000 w 1270000"/>
-              <a:gd name="connsiteY2" fmla="*/ 0 h 698500"/>
-              <a:gd name="connsiteX0" fmla="*/ 0 w 1270000"/>
-              <a:gd name="connsiteY0" fmla="*/ 698500 h 698500"/>
-              <a:gd name="connsiteX1" fmla="*/ 1270000 w 1270000"/>
-              <a:gd name="connsiteY1" fmla="*/ 0 h 698500"/>
-              <a:gd name="connsiteX2" fmla="*/ 1270000 w 1270000"/>
-              <a:gd name="connsiteY2" fmla="*/ 0 h 698500"/>
-              <a:gd name="connsiteX0" fmla="*/ 0 w 1473200"/>
-              <a:gd name="connsiteY0" fmla="*/ 705467 h 705467"/>
-              <a:gd name="connsiteX1" fmla="*/ 1270000 w 1473200"/>
-              <a:gd name="connsiteY1" fmla="*/ 6967 h 705467"/>
-              <a:gd name="connsiteX2" fmla="*/ 1473200 w 1473200"/>
-              <a:gd name="connsiteY2" fmla="*/ 368917 h 705467"/>
-              <a:gd name="connsiteX0" fmla="*/ 0 w 1473200"/>
-              <a:gd name="connsiteY0" fmla="*/ 606778 h 606778"/>
-              <a:gd name="connsiteX1" fmla="*/ 742950 w 1473200"/>
-              <a:gd name="connsiteY1" fmla="*/ 9878 h 606778"/>
-              <a:gd name="connsiteX2" fmla="*/ 1473200 w 1473200"/>
-              <a:gd name="connsiteY2" fmla="*/ 270228 h 606778"/>
-              <a:gd name="connsiteX0" fmla="*/ 0 w 742950"/>
-              <a:gd name="connsiteY0" fmla="*/ 596900 h 596900"/>
-              <a:gd name="connsiteX1" fmla="*/ 742950 w 742950"/>
-              <a:gd name="connsiteY1" fmla="*/ 0 h 596900"/>
-              <a:gd name="connsiteX0" fmla="*/ 0 w 863600"/>
-              <a:gd name="connsiteY0" fmla="*/ 603250 h 603250"/>
-              <a:gd name="connsiteX1" fmla="*/ 863600 w 863600"/>
-              <a:gd name="connsiteY1" fmla="*/ 0 h 603250"/>
-              <a:gd name="connsiteX0" fmla="*/ 0 w 806450"/>
-              <a:gd name="connsiteY0" fmla="*/ 520700 h 520700"/>
-              <a:gd name="connsiteX1" fmla="*/ 806450 w 806450"/>
-              <a:gd name="connsiteY1" fmla="*/ 0 h 520700"/>
-              <a:gd name="connsiteX0" fmla="*/ 0 w 806450"/>
-              <a:gd name="connsiteY0" fmla="*/ 520700 h 520700"/>
-              <a:gd name="connsiteX1" fmla="*/ 806450 w 806450"/>
-              <a:gd name="connsiteY1" fmla="*/ 0 h 520700"/>
-              <a:gd name="connsiteX0" fmla="*/ 0 w 812800"/>
-              <a:gd name="connsiteY0" fmla="*/ 565150 h 565150"/>
-              <a:gd name="connsiteX1" fmla="*/ 812800 w 812800"/>
-              <a:gd name="connsiteY1" fmla="*/ 0 h 565150"/>
-              <a:gd name="connsiteX0" fmla="*/ 0 w 812800"/>
-              <a:gd name="connsiteY0" fmla="*/ 565150 h 565150"/>
-              <a:gd name="connsiteX1" fmla="*/ 812800 w 812800"/>
-              <a:gd name="connsiteY1" fmla="*/ 0 h 565150"/>
-              <a:gd name="connsiteX0" fmla="*/ 0 w 812800"/>
-              <a:gd name="connsiteY0" fmla="*/ 565150 h 565150"/>
-              <a:gd name="connsiteX1" fmla="*/ 812800 w 812800"/>
-              <a:gd name="connsiteY1" fmla="*/ 0 h 565150"/>
-            </a:gdLst>
-            <a:ahLst/>
-            <a:cxnLst>
-              <a:cxn ang="0">
-                <a:pos x="connsiteX0" y="connsiteY0"/>
-              </a:cxn>
-              <a:cxn ang="0">
-                <a:pos x="connsiteX1" y="connsiteY1"/>
-              </a:cxn>
-            </a:cxnLst>
-            <a:rect l="l" t="t" r="r" b="b"/>
-            <a:pathLst>
-              <a:path w="812800" h="565150">
-                <a:moveTo>
-                  <a:pt x="0" y="565150"/>
-                </a:moveTo>
-                <a:cubicBezTo>
-                  <a:pt x="423333" y="306917"/>
-                  <a:pt x="351367" y="176742"/>
-                  <a:pt x="812800" y="0"/>
-                </a:cubicBezTo>
-              </a:path>
-            </a:pathLst>
-          </a:custGeom>
-          <a:ln w="9525">
-            <a:solidFill>
-              <a:srgbClr val="C00000"/>
-            </a:solidFill>
-            <a:headEnd type="stealth" w="med" len="lg"/>
-            <a:tailEnd type="none" w="med" len="lg"/>
-          </a:ln>
-        </p:spPr>
-        <p:style>
-          <a:lnRef idx="1">
-            <a:schemeClr val="accent1"/>
-          </a:lnRef>
-          <a:fillRef idx="0">
-            <a:schemeClr val="accent1"/>
-          </a:fillRef>
-          <a:effectRef idx="0">
-            <a:schemeClr val="accent1"/>
-          </a:effectRef>
-          <a:fontRef idx="minor">
-            <a:schemeClr val="tx1"/>
-          </a:fontRef>
-        </p:style>
-        <p:txBody>
-          <a:bodyPr rtlCol="0" anchor="ctr"/>
-          <a:lstStyle/>
-          <a:p>
-            <a:pPr algn="ctr"/>
-            <a:endParaRPr lang="fr-FR"/>
-          </a:p>
-        </p:txBody>
-      </p:sp>
-      <p:sp>
-        <p:nvSpPr>
-          <p:cNvPr id="40" name="Forme libre 39"/>
-          <p:cNvSpPr/>
-          <p:nvPr/>
-        </p:nvSpPr>
-        <p:spPr>
-          <a:xfrm>
-            <a:off x="4259972" y="1967926"/>
-            <a:ext cx="812800" cy="565150"/>
-          </a:xfrm>
-          <a:custGeom>
-            <a:avLst/>
-            <a:gdLst>
-              <a:gd name="connsiteX0" fmla="*/ 0 w 1270000"/>
-              <a:gd name="connsiteY0" fmla="*/ 698500 h 698500"/>
-              <a:gd name="connsiteX1" fmla="*/ 1270000 w 1270000"/>
-              <a:gd name="connsiteY1" fmla="*/ 0 h 698500"/>
-              <a:gd name="connsiteX2" fmla="*/ 1270000 w 1270000"/>
-              <a:gd name="connsiteY2" fmla="*/ 0 h 698500"/>
-              <a:gd name="connsiteX0" fmla="*/ 0 w 1270000"/>
-              <a:gd name="connsiteY0" fmla="*/ 698500 h 698500"/>
-              <a:gd name="connsiteX1" fmla="*/ 1270000 w 1270000"/>
-              <a:gd name="connsiteY1" fmla="*/ 0 h 698500"/>
-              <a:gd name="connsiteX2" fmla="*/ 1270000 w 1270000"/>
-              <a:gd name="connsiteY2" fmla="*/ 0 h 698500"/>
-              <a:gd name="connsiteX0" fmla="*/ 0 w 1270000"/>
-              <a:gd name="connsiteY0" fmla="*/ 698500 h 698500"/>
-              <a:gd name="connsiteX1" fmla="*/ 1270000 w 1270000"/>
-              <a:gd name="connsiteY1" fmla="*/ 0 h 698500"/>
-              <a:gd name="connsiteX2" fmla="*/ 1270000 w 1270000"/>
-              <a:gd name="connsiteY2" fmla="*/ 0 h 698500"/>
-              <a:gd name="connsiteX0" fmla="*/ 0 w 1473200"/>
-              <a:gd name="connsiteY0" fmla="*/ 705467 h 705467"/>
-              <a:gd name="connsiteX1" fmla="*/ 1270000 w 1473200"/>
-              <a:gd name="connsiteY1" fmla="*/ 6967 h 705467"/>
-              <a:gd name="connsiteX2" fmla="*/ 1473200 w 1473200"/>
-              <a:gd name="connsiteY2" fmla="*/ 368917 h 705467"/>
-              <a:gd name="connsiteX0" fmla="*/ 0 w 1473200"/>
-              <a:gd name="connsiteY0" fmla="*/ 606778 h 606778"/>
-              <a:gd name="connsiteX1" fmla="*/ 742950 w 1473200"/>
-              <a:gd name="connsiteY1" fmla="*/ 9878 h 606778"/>
-              <a:gd name="connsiteX2" fmla="*/ 1473200 w 1473200"/>
-              <a:gd name="connsiteY2" fmla="*/ 270228 h 606778"/>
-              <a:gd name="connsiteX0" fmla="*/ 0 w 742950"/>
-              <a:gd name="connsiteY0" fmla="*/ 596900 h 596900"/>
-              <a:gd name="connsiteX1" fmla="*/ 742950 w 742950"/>
-              <a:gd name="connsiteY1" fmla="*/ 0 h 596900"/>
-              <a:gd name="connsiteX0" fmla="*/ 0 w 863600"/>
-              <a:gd name="connsiteY0" fmla="*/ 603250 h 603250"/>
-              <a:gd name="connsiteX1" fmla="*/ 863600 w 863600"/>
-              <a:gd name="connsiteY1" fmla="*/ 0 h 603250"/>
-              <a:gd name="connsiteX0" fmla="*/ 0 w 806450"/>
-              <a:gd name="connsiteY0" fmla="*/ 520700 h 520700"/>
-              <a:gd name="connsiteX1" fmla="*/ 806450 w 806450"/>
-              <a:gd name="connsiteY1" fmla="*/ 0 h 520700"/>
-              <a:gd name="connsiteX0" fmla="*/ 0 w 806450"/>
-              <a:gd name="connsiteY0" fmla="*/ 520700 h 520700"/>
-              <a:gd name="connsiteX1" fmla="*/ 806450 w 806450"/>
-              <a:gd name="connsiteY1" fmla="*/ 0 h 520700"/>
-              <a:gd name="connsiteX0" fmla="*/ 0 w 812800"/>
-              <a:gd name="connsiteY0" fmla="*/ 565150 h 565150"/>
-              <a:gd name="connsiteX1" fmla="*/ 812800 w 812800"/>
-              <a:gd name="connsiteY1" fmla="*/ 0 h 565150"/>
-              <a:gd name="connsiteX0" fmla="*/ 0 w 812800"/>
-              <a:gd name="connsiteY0" fmla="*/ 565150 h 565150"/>
-              <a:gd name="connsiteX1" fmla="*/ 812800 w 812800"/>
-              <a:gd name="connsiteY1" fmla="*/ 0 h 565150"/>
-              <a:gd name="connsiteX0" fmla="*/ 0 w 812800"/>
-              <a:gd name="connsiteY0" fmla="*/ 565150 h 565150"/>
-              <a:gd name="connsiteX1" fmla="*/ 812800 w 812800"/>
-              <a:gd name="connsiteY1" fmla="*/ 0 h 565150"/>
-            </a:gdLst>
-            <a:ahLst/>
-            <a:cxnLst>
-              <a:cxn ang="0">
-                <a:pos x="connsiteX0" y="connsiteY0"/>
-              </a:cxn>
-              <a:cxn ang="0">
-                <a:pos x="connsiteX1" y="connsiteY1"/>
-              </a:cxn>
-            </a:cxnLst>
-            <a:rect l="l" t="t" r="r" b="b"/>
-            <a:pathLst>
-              <a:path w="812800" h="565150">
-                <a:moveTo>
-                  <a:pt x="0" y="565150"/>
-                </a:moveTo>
-                <a:cubicBezTo>
-                  <a:pt x="423333" y="306917"/>
-                  <a:pt x="351367" y="176742"/>
-                  <a:pt x="812800" y="0"/>
-                </a:cubicBezTo>
-              </a:path>
-            </a:pathLst>
-          </a:custGeom>
-          <a:ln w="9525">
-            <a:solidFill>
-              <a:srgbClr val="C00000"/>
-            </a:solidFill>
-            <a:headEnd type="none" w="med" len="lg"/>
-            <a:tailEnd type="stealth" w="med" len="lg"/>
-          </a:ln>
-        </p:spPr>
-        <p:style>
-          <a:lnRef idx="1">
-            <a:schemeClr val="accent1"/>
-          </a:lnRef>
-          <a:fillRef idx="0">
-            <a:schemeClr val="accent1"/>
-          </a:fillRef>
-          <a:effectRef idx="0">
-            <a:schemeClr val="accent1"/>
-          </a:effectRef>
-          <a:fontRef idx="minor">
-            <a:schemeClr val="tx1"/>
-          </a:fontRef>
-        </p:style>
-        <p:txBody>
-          <a:bodyPr rtlCol="0" anchor="ctr"/>
-          <a:lstStyle/>
-          <a:p>
-            <a:pPr algn="ctr"/>
-            <a:endParaRPr lang="fr-FR"/>
-          </a:p>
-        </p:txBody>
-      </p:sp>
-      <p:cxnSp>
-        <p:nvCxnSpPr>
-          <p:cNvPr id="41" name="Connecteur droit 40"/>
-          <p:cNvCxnSpPr/>
-          <p:nvPr/>
-        </p:nvCxnSpPr>
-        <p:spPr>
-          <a:xfrm flipV="1">
-            <a:off x="6096000" y="1707292"/>
-            <a:ext cx="0" cy="1008112"/>
-          </a:xfrm>
-          <a:prstGeom prst="line">
-            <a:avLst/>
-          </a:prstGeom>
-          <a:ln>
-            <a:solidFill>
-              <a:schemeClr val="accent5">
-                <a:lumMod val="50000"/>
-              </a:schemeClr>
-            </a:solidFill>
-            <a:tailEnd type="stealth" w="med" len="lg"/>
-          </a:ln>
-        </p:spPr>
-        <p:style>
-          <a:lnRef idx="1">
-            <a:schemeClr val="accent1"/>
-          </a:lnRef>
-          <a:fillRef idx="0">
-            <a:schemeClr val="accent1"/>
-          </a:fillRef>
-          <a:effectRef idx="0">
-            <a:schemeClr val="accent1"/>
-          </a:effectRef>
-          <a:fontRef idx="minor">
-            <a:schemeClr val="tx1"/>
-          </a:fontRef>
-        </p:style>
-      </p:cxnSp>
-      <p:cxnSp>
-        <p:nvCxnSpPr>
-          <p:cNvPr id="42" name="Connecteur droit 41"/>
-          <p:cNvCxnSpPr/>
-          <p:nvPr/>
-        </p:nvCxnSpPr>
-        <p:spPr>
-          <a:xfrm>
-            <a:off x="6096000" y="2715404"/>
-            <a:ext cx="1440160" cy="0"/>
-          </a:xfrm>
-          <a:prstGeom prst="line">
-            <a:avLst/>
-          </a:prstGeom>
-          <a:ln>
-            <a:solidFill>
-              <a:schemeClr val="accent5">
-                <a:lumMod val="50000"/>
-              </a:schemeClr>
-            </a:solidFill>
-            <a:tailEnd type="stealth" w="med" len="lg"/>
-          </a:ln>
-        </p:spPr>
-        <p:style>
-          <a:lnRef idx="1">
-            <a:schemeClr val="accent1"/>
-          </a:lnRef>
-          <a:fillRef idx="0">
-            <a:schemeClr val="accent1"/>
-          </a:fillRef>
-          <a:effectRef idx="0">
-            <a:schemeClr val="accent1"/>
-          </a:effectRef>
-          <a:fontRef idx="minor">
-            <a:schemeClr val="tx1"/>
-          </a:fontRef>
-        </p:style>
-      </p:cxnSp>
-      <mc:AlternateContent xmlns:mc="http://schemas.openxmlformats.org/markup-compatibility/2006" xmlns:a14="http://schemas.microsoft.com/office/drawing/2010/main">
-        <mc:Choice Requires="a14">
-          <p:sp>
-            <p:nvSpPr>
-              <p:cNvPr id="43" name="ZoneTexte 42"/>
-              <p:cNvSpPr txBox="1"/>
-              <p:nvPr/>
-            </p:nvSpPr>
-            <p:spPr>
-              <a:xfrm>
-                <a:off x="6168008" y="1749418"/>
-                <a:ext cx="358368" cy="288156"/>
-              </a:xfrm>
-              <a:prstGeom prst="rect">
-                <a:avLst/>
-              </a:prstGeom>
-              <a:noFill/>
-            </p:spPr>
-            <p:txBody>
-              <a:bodyPr wrap="none" lIns="0" tIns="0" rIns="0" bIns="0" rtlCol="0">
-                <a:spAutoFit/>
-              </a:bodyPr>
-              <a:lstStyle/>
-              <a:p>
-                <a:pPr/>
-                <a14:m>
-                  <m:oMathPara xmlns:m="http://schemas.openxmlformats.org/officeDocument/2006/math">
-                    <m:oMathParaPr>
-                      <m:jc m:val="centerGroup"/>
-                    </m:oMathParaPr>
-                    <m:oMath xmlns:m="http://schemas.openxmlformats.org/officeDocument/2006/math">
-                      <m:r>
-                        <a:rPr lang="fr-FR" sz="1000" b="0" i="1" smtClean="0">
-                          <a:latin typeface="Cambria Math" panose="02040503050406030204" pitchFamily="18" charset="0"/>
-                        </a:rPr>
-                        <m:t>𝜎</m:t>
-                      </m:r>
-                      <m:r>
-                        <a:rPr lang="fr-FR" sz="1000" b="0" i="1" smtClean="0">
-                          <a:latin typeface="Cambria Math" panose="02040503050406030204" pitchFamily="18" charset="0"/>
-                        </a:rPr>
-                        <m:t>=</m:t>
-                      </m:r>
-                      <m:f>
-                        <m:fPr>
-                          <m:ctrlPr>
-                            <a:rPr lang="fr-FR" sz="1000" b="0" i="1" smtClean="0">
-                              <a:latin typeface="Cambria Math" panose="02040503050406030204" pitchFamily="18" charset="0"/>
-                            </a:rPr>
-                          </m:ctrlPr>
-                        </m:fPr>
-                        <m:num>
-                          <m:r>
-                            <a:rPr lang="fr-FR" sz="1000" b="0" i="1" smtClean="0">
-                              <a:latin typeface="Cambria Math" panose="02040503050406030204" pitchFamily="18" charset="0"/>
-                            </a:rPr>
-                            <m:t>𝐹</m:t>
-                          </m:r>
-                        </m:num>
-                        <m:den>
-                          <m:r>
-                            <a:rPr lang="fr-FR" sz="1000" b="0" i="1" smtClean="0">
-                              <a:latin typeface="Cambria Math" panose="02040503050406030204" pitchFamily="18" charset="0"/>
-                            </a:rPr>
-                            <m:t>𝑆</m:t>
-                          </m:r>
-                        </m:den>
-                      </m:f>
-                    </m:oMath>
-                  </m:oMathPara>
-                </a14:m>
-                <a:endParaRPr lang="fr-FR" sz="1000" dirty="0"/>
-              </a:p>
-            </p:txBody>
-          </p:sp>
-        </mc:Choice>
-        <mc:Fallback xmlns="">
-          <p:sp>
-            <p:nvSpPr>
-              <p:cNvPr id="43" name="ZoneTexte 42"/>
-              <p:cNvSpPr txBox="1">
-                <a:spLocks noRot="1" noChangeAspect="1" noMove="1" noResize="1" noEditPoints="1" noAdjustHandles="1" noChangeArrowheads="1" noChangeShapeType="1" noTextEdit="1"/>
-              </p:cNvSpPr>
-              <p:nvPr/>
-            </p:nvSpPr>
-            <p:spPr>
-              <a:xfrm>
-                <a:off x="6168008" y="1749418"/>
-                <a:ext cx="358368" cy="288156"/>
-              </a:xfrm>
-              <a:prstGeom prst="rect">
-                <a:avLst/>
-              </a:prstGeom>
-              <a:blipFill>
-                <a:blip r:embed="rId5"/>
-                <a:stretch>
-                  <a:fillRect l="-5085" t="-2128" r="-5085" b="-14894"/>
-                </a:stretch>
-              </a:blipFill>
-            </p:spPr>
-            <p:txBody>
-              <a:bodyPr/>
-              <a:lstStyle/>
-              <a:p>
-                <a:r>
-                  <a:rPr lang="fr-FR">
-                    <a:noFill/>
-                  </a:rPr>
-                  <a:t> </a:t>
-                </a:r>
-              </a:p>
-            </p:txBody>
-          </p:sp>
-        </mc:Fallback>
-      </mc:AlternateContent>
-      <mc:AlternateContent xmlns:mc="http://schemas.openxmlformats.org/markup-compatibility/2006" xmlns:a14="http://schemas.microsoft.com/office/drawing/2010/main">
-        <mc:Choice Requires="a14">
-          <p:sp>
-            <p:nvSpPr>
-              <p:cNvPr id="44" name="ZoneTexte 43"/>
-              <p:cNvSpPr txBox="1"/>
-              <p:nvPr/>
-            </p:nvSpPr>
-            <p:spPr>
-              <a:xfrm>
-                <a:off x="7129574" y="2355364"/>
-                <a:ext cx="406586" cy="289182"/>
-              </a:xfrm>
-              <a:prstGeom prst="rect">
-                <a:avLst/>
-              </a:prstGeom>
-              <a:noFill/>
-            </p:spPr>
-            <p:txBody>
-              <a:bodyPr wrap="none" lIns="0" tIns="0" rIns="0" bIns="0" rtlCol="0">
-                <a:spAutoFit/>
-              </a:bodyPr>
-              <a:lstStyle/>
-              <a:p>
-                <a:pPr/>
-                <a14:m>
-                  <m:oMathPara xmlns:m="http://schemas.openxmlformats.org/officeDocument/2006/math">
-                    <m:oMathParaPr>
-                      <m:jc m:val="centerGroup"/>
-                    </m:oMathParaPr>
-                    <m:oMath xmlns:m="http://schemas.openxmlformats.org/officeDocument/2006/math">
-                      <m:r>
-                        <a:rPr lang="fr-FR" sz="1000" b="0" i="1" smtClean="0">
-                          <a:latin typeface="Cambria Math" panose="02040503050406030204" pitchFamily="18" charset="0"/>
-                        </a:rPr>
-                        <m:t>𝜀</m:t>
-                      </m:r>
-                      <m:r>
-                        <a:rPr lang="fr-FR" sz="1000" b="0" i="1" smtClean="0">
-                          <a:latin typeface="Cambria Math" panose="02040503050406030204" pitchFamily="18" charset="0"/>
-                        </a:rPr>
-                        <m:t>=</m:t>
-                      </m:r>
-                      <m:f>
-                        <m:fPr>
-                          <m:ctrlPr>
-                            <a:rPr lang="fr-FR" sz="1000" b="0" i="1" smtClean="0">
-                              <a:latin typeface="Cambria Math" panose="02040503050406030204" pitchFamily="18" charset="0"/>
-                            </a:rPr>
-                          </m:ctrlPr>
-                        </m:fPr>
-                        <m:num>
-                          <m:r>
-                            <m:rPr>
-                              <m:sty m:val="p"/>
-                            </m:rPr>
-                            <a:rPr lang="fr-FR" sz="1000" b="0" i="0" smtClean="0">
-                              <a:latin typeface="Cambria Math" panose="02040503050406030204" pitchFamily="18" charset="0"/>
-                            </a:rPr>
-                            <m:t>Δ</m:t>
-                          </m:r>
-                          <m:r>
-                            <a:rPr lang="fr-FR" sz="1000" b="0" i="1" smtClean="0">
-                              <a:latin typeface="Cambria Math" panose="02040503050406030204" pitchFamily="18" charset="0"/>
-                            </a:rPr>
-                            <m:t>𝐿</m:t>
-                          </m:r>
-                        </m:num>
-                        <m:den>
-                          <m:r>
-                            <a:rPr lang="fr-FR" sz="1000" b="0" i="1" smtClean="0">
-                              <a:latin typeface="Cambria Math" panose="02040503050406030204" pitchFamily="18" charset="0"/>
-                            </a:rPr>
-                            <m:t>𝐿</m:t>
-                          </m:r>
-                        </m:den>
-                      </m:f>
-                    </m:oMath>
-                  </m:oMathPara>
-                </a14:m>
-                <a:endParaRPr lang="fr-FR" sz="1000" dirty="0"/>
-              </a:p>
-            </p:txBody>
-          </p:sp>
-        </mc:Choice>
-        <mc:Fallback xmlns="">
-          <p:sp>
-            <p:nvSpPr>
-              <p:cNvPr id="44" name="ZoneTexte 43"/>
-              <p:cNvSpPr txBox="1">
-                <a:spLocks noRot="1" noChangeAspect="1" noMove="1" noResize="1" noEditPoints="1" noAdjustHandles="1" noChangeArrowheads="1" noChangeShapeType="1" noTextEdit="1"/>
-              </p:cNvSpPr>
-              <p:nvPr/>
-            </p:nvSpPr>
-            <p:spPr>
-              <a:xfrm>
-                <a:off x="7129574" y="2355364"/>
-                <a:ext cx="406586" cy="289182"/>
-              </a:xfrm>
-              <a:prstGeom prst="rect">
-                <a:avLst/>
-              </a:prstGeom>
-              <a:blipFill>
-                <a:blip r:embed="rId3"/>
-                <a:stretch>
-                  <a:fillRect l="-4545" t="-2083" r="-7576" b="-14583"/>
-                </a:stretch>
-              </a:blipFill>
-            </p:spPr>
-            <p:txBody>
-              <a:bodyPr/>
-              <a:lstStyle/>
-              <a:p>
-                <a:r>
-                  <a:rPr lang="fr-FR">
-                    <a:noFill/>
-                  </a:rPr>
-                  <a:t> </a:t>
-                </a:r>
-              </a:p>
-            </p:txBody>
-          </p:sp>
-        </mc:Fallback>
-      </mc:AlternateContent>
-      <p:sp>
-        <p:nvSpPr>
-          <p:cNvPr id="45" name="ZoneTexte 44"/>
-          <p:cNvSpPr txBox="1"/>
-          <p:nvPr/>
-        </p:nvSpPr>
-        <p:spPr>
-          <a:xfrm>
-            <a:off x="6105303" y="2786262"/>
-            <a:ext cx="1430858" cy="307777"/>
-          </a:xfrm>
-          <a:prstGeom prst="rect">
-            <a:avLst/>
-          </a:prstGeom>
-          <a:noFill/>
-        </p:spPr>
-        <p:txBody>
-          <a:bodyPr wrap="square" lIns="0" tIns="0" rIns="0" bIns="0" rtlCol="0">
-            <a:spAutoFit/>
-          </a:bodyPr>
-          <a:lstStyle/>
-          <a:p>
-            <a:pPr algn="ctr"/>
-            <a:r>
-              <a:rPr lang="fr-FR" sz="1000" dirty="0"/>
-              <a:t>Comportement </a:t>
-            </a:r>
-          </a:p>
-          <a:p>
-            <a:pPr algn="ctr"/>
-            <a:r>
-              <a:rPr lang="fr-FR" sz="1000" dirty="0"/>
-              <a:t>non élastique non linéaire</a:t>
-            </a:r>
-          </a:p>
-        </p:txBody>
-      </p:sp>
-      <p:sp>
-        <p:nvSpPr>
-          <p:cNvPr id="46" name="ZoneTexte 45"/>
-          <p:cNvSpPr txBox="1"/>
-          <p:nvPr/>
-        </p:nvSpPr>
-        <p:spPr>
-          <a:xfrm rot="19876552">
-            <a:off x="6352677" y="2034161"/>
-            <a:ext cx="514564" cy="123111"/>
-          </a:xfrm>
-          <a:prstGeom prst="rect">
-            <a:avLst/>
-          </a:prstGeom>
-          <a:noFill/>
-        </p:spPr>
-        <p:txBody>
-          <a:bodyPr wrap="none" lIns="0" tIns="0" rIns="0" bIns="0" rtlCol="0">
-            <a:spAutoFit/>
-          </a:bodyPr>
-          <a:lstStyle/>
-          <a:p>
-            <a:r>
-              <a:rPr lang="fr-FR" sz="800" dirty="0"/>
-              <a:t>Chargement</a:t>
-            </a:r>
-            <a:endParaRPr lang="fr-FR" sz="1000" dirty="0"/>
-          </a:p>
-        </p:txBody>
-      </p:sp>
-      <p:sp>
-        <p:nvSpPr>
-          <p:cNvPr id="47" name="ZoneTexte 46"/>
-          <p:cNvSpPr txBox="1"/>
-          <p:nvPr/>
-        </p:nvSpPr>
-        <p:spPr>
-          <a:xfrm rot="19178383">
-            <a:off x="6898246" y="2276990"/>
-            <a:ext cx="617157" cy="123111"/>
-          </a:xfrm>
-          <a:prstGeom prst="rect">
-            <a:avLst/>
-          </a:prstGeom>
-          <a:noFill/>
-        </p:spPr>
-        <p:txBody>
-          <a:bodyPr wrap="none" lIns="0" tIns="0" rIns="0" bIns="0" rtlCol="0">
-            <a:spAutoFit/>
-          </a:bodyPr>
-          <a:lstStyle/>
-          <a:p>
-            <a:r>
-              <a:rPr lang="fr-FR" sz="800" dirty="0"/>
-              <a:t>Déchargement</a:t>
-            </a:r>
-            <a:endParaRPr lang="fr-FR" sz="1000" dirty="0"/>
-          </a:p>
-        </p:txBody>
-      </p:sp>
-      <p:sp>
-        <p:nvSpPr>
-          <p:cNvPr id="48" name="Forme libre 47"/>
-          <p:cNvSpPr/>
-          <p:nvPr/>
-        </p:nvSpPr>
-        <p:spPr>
-          <a:xfrm>
-            <a:off x="6091411" y="2006114"/>
-            <a:ext cx="1270000" cy="698500"/>
-          </a:xfrm>
-          <a:custGeom>
-            <a:avLst/>
-            <a:gdLst>
-              <a:gd name="connsiteX0" fmla="*/ 0 w 1270000"/>
-              <a:gd name="connsiteY0" fmla="*/ 698500 h 698500"/>
-              <a:gd name="connsiteX1" fmla="*/ 1270000 w 1270000"/>
-              <a:gd name="connsiteY1" fmla="*/ 0 h 698500"/>
-              <a:gd name="connsiteX2" fmla="*/ 1270000 w 1270000"/>
-              <a:gd name="connsiteY2" fmla="*/ 0 h 698500"/>
-              <a:gd name="connsiteX0" fmla="*/ 0 w 1270000"/>
-              <a:gd name="connsiteY0" fmla="*/ 698500 h 698500"/>
-              <a:gd name="connsiteX1" fmla="*/ 1270000 w 1270000"/>
-              <a:gd name="connsiteY1" fmla="*/ 0 h 698500"/>
-              <a:gd name="connsiteX2" fmla="*/ 1270000 w 1270000"/>
-              <a:gd name="connsiteY2" fmla="*/ 0 h 698500"/>
-              <a:gd name="connsiteX0" fmla="*/ 0 w 1270000"/>
-              <a:gd name="connsiteY0" fmla="*/ 698500 h 698500"/>
-              <a:gd name="connsiteX1" fmla="*/ 1270000 w 1270000"/>
-              <a:gd name="connsiteY1" fmla="*/ 0 h 698500"/>
-              <a:gd name="connsiteX2" fmla="*/ 1270000 w 1270000"/>
-              <a:gd name="connsiteY2" fmla="*/ 0 h 698500"/>
-              <a:gd name="connsiteX0" fmla="*/ 0 w 1270000"/>
-              <a:gd name="connsiteY0" fmla="*/ 698500 h 698500"/>
-              <a:gd name="connsiteX1" fmla="*/ 1270000 w 1270000"/>
-              <a:gd name="connsiteY1" fmla="*/ 0 h 698500"/>
-              <a:gd name="connsiteX2" fmla="*/ 1270000 w 1270000"/>
-              <a:gd name="connsiteY2" fmla="*/ 0 h 698500"/>
-              <a:gd name="connsiteX0" fmla="*/ 0 w 1270000"/>
-              <a:gd name="connsiteY0" fmla="*/ 698500 h 698500"/>
-              <a:gd name="connsiteX1" fmla="*/ 1270000 w 1270000"/>
-              <a:gd name="connsiteY1" fmla="*/ 0 h 698500"/>
-              <a:gd name="connsiteX2" fmla="*/ 1270000 w 1270000"/>
-              <a:gd name="connsiteY2" fmla="*/ 0 h 698500"/>
-              <a:gd name="connsiteX0" fmla="*/ 0 w 1270000"/>
-              <a:gd name="connsiteY0" fmla="*/ 698500 h 698500"/>
-              <a:gd name="connsiteX1" fmla="*/ 1270000 w 1270000"/>
-              <a:gd name="connsiteY1" fmla="*/ 0 h 698500"/>
-              <a:gd name="connsiteX2" fmla="*/ 1270000 w 1270000"/>
-              <a:gd name="connsiteY2" fmla="*/ 0 h 698500"/>
-            </a:gdLst>
-            <a:ahLst/>
-            <a:cxnLst>
-              <a:cxn ang="0">
-                <a:pos x="connsiteX0" y="connsiteY0"/>
-              </a:cxn>
-              <a:cxn ang="0">
-                <a:pos x="connsiteX1" y="connsiteY1"/>
-              </a:cxn>
-              <a:cxn ang="0">
-                <a:pos x="connsiteX2" y="connsiteY2"/>
-              </a:cxn>
-            </a:cxnLst>
-            <a:rect l="l" t="t" r="r" b="b"/>
-            <a:pathLst>
-              <a:path w="1270000" h="698500">
-                <a:moveTo>
-                  <a:pt x="0" y="698500"/>
-                </a:moveTo>
-                <a:cubicBezTo>
-                  <a:pt x="419523" y="599017"/>
-                  <a:pt x="731097" y="14393"/>
-                  <a:pt x="1270000" y="0"/>
-                </a:cubicBezTo>
-                <a:lnTo>
-                  <a:pt x="1270000" y="0"/>
-                </a:lnTo>
-              </a:path>
-            </a:pathLst>
-          </a:custGeom>
-          <a:ln w="19050">
-            <a:solidFill>
-              <a:srgbClr val="C00000"/>
-            </a:solidFill>
-          </a:ln>
-        </p:spPr>
-        <p:style>
-          <a:lnRef idx="1">
-            <a:schemeClr val="accent1"/>
-          </a:lnRef>
-          <a:fillRef idx="0">
-            <a:schemeClr val="accent1"/>
-          </a:fillRef>
-          <a:effectRef idx="0">
-            <a:schemeClr val="accent1"/>
-          </a:effectRef>
-          <a:fontRef idx="minor">
-            <a:schemeClr val="tx1"/>
-          </a:fontRef>
-        </p:style>
-        <p:txBody>
-          <a:bodyPr rtlCol="0" anchor="ctr"/>
-          <a:lstStyle/>
-          <a:p>
-            <a:pPr algn="ctr"/>
-            <a:endParaRPr lang="fr-FR"/>
-          </a:p>
-        </p:txBody>
-      </p:sp>
-      <p:sp>
-        <p:nvSpPr>
-          <p:cNvPr id="49" name="Forme libre 48"/>
-          <p:cNvSpPr/>
-          <p:nvPr/>
-        </p:nvSpPr>
-        <p:spPr>
-          <a:xfrm rot="21185219">
-            <a:off x="6648466" y="2170052"/>
-            <a:ext cx="674438" cy="489725"/>
-          </a:xfrm>
-          <a:custGeom>
-            <a:avLst/>
-            <a:gdLst>
-              <a:gd name="connsiteX0" fmla="*/ 0 w 1270000"/>
-              <a:gd name="connsiteY0" fmla="*/ 698500 h 698500"/>
-              <a:gd name="connsiteX1" fmla="*/ 1270000 w 1270000"/>
-              <a:gd name="connsiteY1" fmla="*/ 0 h 698500"/>
-              <a:gd name="connsiteX2" fmla="*/ 1270000 w 1270000"/>
-              <a:gd name="connsiteY2" fmla="*/ 0 h 698500"/>
-              <a:gd name="connsiteX0" fmla="*/ 0 w 1270000"/>
-              <a:gd name="connsiteY0" fmla="*/ 698500 h 698500"/>
-              <a:gd name="connsiteX1" fmla="*/ 1270000 w 1270000"/>
-              <a:gd name="connsiteY1" fmla="*/ 0 h 698500"/>
-              <a:gd name="connsiteX2" fmla="*/ 1270000 w 1270000"/>
-              <a:gd name="connsiteY2" fmla="*/ 0 h 698500"/>
-              <a:gd name="connsiteX0" fmla="*/ 0 w 1270000"/>
-              <a:gd name="connsiteY0" fmla="*/ 698500 h 698500"/>
-              <a:gd name="connsiteX1" fmla="*/ 1270000 w 1270000"/>
-              <a:gd name="connsiteY1" fmla="*/ 0 h 698500"/>
-              <a:gd name="connsiteX2" fmla="*/ 1270000 w 1270000"/>
-              <a:gd name="connsiteY2" fmla="*/ 0 h 698500"/>
-              <a:gd name="connsiteX0" fmla="*/ 0 w 1473200"/>
-              <a:gd name="connsiteY0" fmla="*/ 705467 h 705467"/>
-              <a:gd name="connsiteX1" fmla="*/ 1270000 w 1473200"/>
-              <a:gd name="connsiteY1" fmla="*/ 6967 h 705467"/>
-              <a:gd name="connsiteX2" fmla="*/ 1473200 w 1473200"/>
-              <a:gd name="connsiteY2" fmla="*/ 368917 h 705467"/>
-              <a:gd name="connsiteX0" fmla="*/ 0 w 1473200"/>
-              <a:gd name="connsiteY0" fmla="*/ 606778 h 606778"/>
-              <a:gd name="connsiteX1" fmla="*/ 742950 w 1473200"/>
-              <a:gd name="connsiteY1" fmla="*/ 9878 h 606778"/>
-              <a:gd name="connsiteX2" fmla="*/ 1473200 w 1473200"/>
-              <a:gd name="connsiteY2" fmla="*/ 270228 h 606778"/>
-              <a:gd name="connsiteX0" fmla="*/ 0 w 742950"/>
-              <a:gd name="connsiteY0" fmla="*/ 596900 h 596900"/>
-              <a:gd name="connsiteX1" fmla="*/ 742950 w 742950"/>
-              <a:gd name="connsiteY1" fmla="*/ 0 h 596900"/>
-              <a:gd name="connsiteX0" fmla="*/ 0 w 863600"/>
-              <a:gd name="connsiteY0" fmla="*/ 603250 h 603250"/>
-              <a:gd name="connsiteX1" fmla="*/ 863600 w 863600"/>
-              <a:gd name="connsiteY1" fmla="*/ 0 h 603250"/>
-              <a:gd name="connsiteX0" fmla="*/ 0 w 806450"/>
-              <a:gd name="connsiteY0" fmla="*/ 520700 h 520700"/>
-              <a:gd name="connsiteX1" fmla="*/ 806450 w 806450"/>
-              <a:gd name="connsiteY1" fmla="*/ 0 h 520700"/>
-              <a:gd name="connsiteX0" fmla="*/ 0 w 806450"/>
-              <a:gd name="connsiteY0" fmla="*/ 520700 h 520700"/>
-              <a:gd name="connsiteX1" fmla="*/ 806450 w 806450"/>
-              <a:gd name="connsiteY1" fmla="*/ 0 h 520700"/>
-              <a:gd name="connsiteX0" fmla="*/ 0 w 812800"/>
-              <a:gd name="connsiteY0" fmla="*/ 565150 h 565150"/>
-              <a:gd name="connsiteX1" fmla="*/ 812800 w 812800"/>
-              <a:gd name="connsiteY1" fmla="*/ 0 h 565150"/>
-              <a:gd name="connsiteX0" fmla="*/ 0 w 812800"/>
-              <a:gd name="connsiteY0" fmla="*/ 565150 h 565150"/>
-              <a:gd name="connsiteX1" fmla="*/ 812800 w 812800"/>
-              <a:gd name="connsiteY1" fmla="*/ 0 h 565150"/>
-              <a:gd name="connsiteX0" fmla="*/ 0 w 812800"/>
-              <a:gd name="connsiteY0" fmla="*/ 565150 h 565150"/>
-              <a:gd name="connsiteX1" fmla="*/ 812800 w 812800"/>
-              <a:gd name="connsiteY1" fmla="*/ 0 h 565150"/>
-              <a:gd name="connsiteX0" fmla="*/ 0 w 812800"/>
-              <a:gd name="connsiteY0" fmla="*/ 565150 h 565150"/>
-              <a:gd name="connsiteX1" fmla="*/ 812800 w 812800"/>
-              <a:gd name="connsiteY1" fmla="*/ 0 h 565150"/>
-              <a:gd name="connsiteX0" fmla="*/ 0 w 816130"/>
-              <a:gd name="connsiteY0" fmla="*/ 592611 h 592611"/>
-              <a:gd name="connsiteX1" fmla="*/ 816130 w 816130"/>
-              <a:gd name="connsiteY1" fmla="*/ 0 h 592611"/>
-            </a:gdLst>
-            <a:ahLst/>
-            <a:cxnLst>
-              <a:cxn ang="0">
-                <a:pos x="connsiteX0" y="connsiteY0"/>
-              </a:cxn>
-              <a:cxn ang="0">
-                <a:pos x="connsiteX1" y="connsiteY1"/>
-              </a:cxn>
-            </a:cxnLst>
-            <a:rect l="l" t="t" r="r" b="b"/>
-            <a:pathLst>
-              <a:path w="816130" h="592611">
-                <a:moveTo>
-                  <a:pt x="0" y="592611"/>
-                </a:moveTo>
-                <a:cubicBezTo>
-                  <a:pt x="461334" y="404004"/>
-                  <a:pt x="354697" y="176742"/>
-                  <a:pt x="816130" y="0"/>
-                </a:cubicBezTo>
-              </a:path>
-            </a:pathLst>
-          </a:custGeom>
-          <a:ln w="9525">
-            <a:solidFill>
-              <a:srgbClr val="C00000"/>
-            </a:solidFill>
-            <a:headEnd type="stealth" w="med" len="lg"/>
-            <a:tailEnd type="none" w="med" len="lg"/>
-          </a:ln>
-        </p:spPr>
-        <p:style>
-          <a:lnRef idx="1">
-            <a:schemeClr val="accent1"/>
-          </a:lnRef>
-          <a:fillRef idx="0">
-            <a:schemeClr val="accent1"/>
-          </a:fillRef>
-          <a:effectRef idx="0">
-            <a:schemeClr val="accent1"/>
-          </a:effectRef>
-          <a:fontRef idx="minor">
-            <a:schemeClr val="tx1"/>
-          </a:fontRef>
-        </p:style>
-        <p:txBody>
-          <a:bodyPr rtlCol="0" anchor="ctr"/>
-          <a:lstStyle/>
-          <a:p>
-            <a:pPr algn="ctr"/>
-            <a:endParaRPr lang="fr-FR"/>
-          </a:p>
-        </p:txBody>
-      </p:sp>
-      <p:sp>
-        <p:nvSpPr>
-          <p:cNvPr id="50" name="Forme libre 49"/>
-          <p:cNvSpPr/>
-          <p:nvPr/>
-        </p:nvSpPr>
-        <p:spPr>
-          <a:xfrm>
-            <a:off x="6311668" y="1964505"/>
-            <a:ext cx="828040" cy="511810"/>
-          </a:xfrm>
-          <a:custGeom>
-            <a:avLst/>
-            <a:gdLst>
-              <a:gd name="connsiteX0" fmla="*/ 0 w 1270000"/>
-              <a:gd name="connsiteY0" fmla="*/ 698500 h 698500"/>
-              <a:gd name="connsiteX1" fmla="*/ 1270000 w 1270000"/>
-              <a:gd name="connsiteY1" fmla="*/ 0 h 698500"/>
-              <a:gd name="connsiteX2" fmla="*/ 1270000 w 1270000"/>
-              <a:gd name="connsiteY2" fmla="*/ 0 h 698500"/>
-              <a:gd name="connsiteX0" fmla="*/ 0 w 1270000"/>
-              <a:gd name="connsiteY0" fmla="*/ 698500 h 698500"/>
-              <a:gd name="connsiteX1" fmla="*/ 1270000 w 1270000"/>
-              <a:gd name="connsiteY1" fmla="*/ 0 h 698500"/>
-              <a:gd name="connsiteX2" fmla="*/ 1270000 w 1270000"/>
-              <a:gd name="connsiteY2" fmla="*/ 0 h 698500"/>
-              <a:gd name="connsiteX0" fmla="*/ 0 w 1270000"/>
-              <a:gd name="connsiteY0" fmla="*/ 698500 h 698500"/>
-              <a:gd name="connsiteX1" fmla="*/ 1270000 w 1270000"/>
-              <a:gd name="connsiteY1" fmla="*/ 0 h 698500"/>
-              <a:gd name="connsiteX2" fmla="*/ 1270000 w 1270000"/>
-              <a:gd name="connsiteY2" fmla="*/ 0 h 698500"/>
-              <a:gd name="connsiteX0" fmla="*/ 0 w 1473200"/>
-              <a:gd name="connsiteY0" fmla="*/ 705467 h 705467"/>
-              <a:gd name="connsiteX1" fmla="*/ 1270000 w 1473200"/>
-              <a:gd name="connsiteY1" fmla="*/ 6967 h 705467"/>
-              <a:gd name="connsiteX2" fmla="*/ 1473200 w 1473200"/>
-              <a:gd name="connsiteY2" fmla="*/ 368917 h 705467"/>
-              <a:gd name="connsiteX0" fmla="*/ 0 w 1473200"/>
-              <a:gd name="connsiteY0" fmla="*/ 606778 h 606778"/>
-              <a:gd name="connsiteX1" fmla="*/ 742950 w 1473200"/>
-              <a:gd name="connsiteY1" fmla="*/ 9878 h 606778"/>
-              <a:gd name="connsiteX2" fmla="*/ 1473200 w 1473200"/>
-              <a:gd name="connsiteY2" fmla="*/ 270228 h 606778"/>
-              <a:gd name="connsiteX0" fmla="*/ 0 w 742950"/>
-              <a:gd name="connsiteY0" fmla="*/ 596900 h 596900"/>
-              <a:gd name="connsiteX1" fmla="*/ 742950 w 742950"/>
-              <a:gd name="connsiteY1" fmla="*/ 0 h 596900"/>
-              <a:gd name="connsiteX0" fmla="*/ 0 w 863600"/>
-              <a:gd name="connsiteY0" fmla="*/ 603250 h 603250"/>
-              <a:gd name="connsiteX1" fmla="*/ 863600 w 863600"/>
-              <a:gd name="connsiteY1" fmla="*/ 0 h 603250"/>
-              <a:gd name="connsiteX0" fmla="*/ 0 w 806450"/>
-              <a:gd name="connsiteY0" fmla="*/ 520700 h 520700"/>
-              <a:gd name="connsiteX1" fmla="*/ 806450 w 806450"/>
-              <a:gd name="connsiteY1" fmla="*/ 0 h 520700"/>
-              <a:gd name="connsiteX0" fmla="*/ 0 w 806450"/>
-              <a:gd name="connsiteY0" fmla="*/ 520700 h 520700"/>
-              <a:gd name="connsiteX1" fmla="*/ 806450 w 806450"/>
-              <a:gd name="connsiteY1" fmla="*/ 0 h 520700"/>
-              <a:gd name="connsiteX0" fmla="*/ 0 w 812800"/>
-              <a:gd name="connsiteY0" fmla="*/ 565150 h 565150"/>
-              <a:gd name="connsiteX1" fmla="*/ 812800 w 812800"/>
-              <a:gd name="connsiteY1" fmla="*/ 0 h 565150"/>
-              <a:gd name="connsiteX0" fmla="*/ 0 w 812800"/>
-              <a:gd name="connsiteY0" fmla="*/ 565150 h 565150"/>
-              <a:gd name="connsiteX1" fmla="*/ 812800 w 812800"/>
-              <a:gd name="connsiteY1" fmla="*/ 0 h 565150"/>
-              <a:gd name="connsiteX0" fmla="*/ 0 w 812800"/>
-              <a:gd name="connsiteY0" fmla="*/ 565150 h 565150"/>
-              <a:gd name="connsiteX1" fmla="*/ 812800 w 812800"/>
-              <a:gd name="connsiteY1" fmla="*/ 0 h 565150"/>
-              <a:gd name="connsiteX0" fmla="*/ 0 w 828040"/>
-              <a:gd name="connsiteY0" fmla="*/ 511810 h 511810"/>
-              <a:gd name="connsiteX1" fmla="*/ 828040 w 828040"/>
-              <a:gd name="connsiteY1" fmla="*/ 0 h 511810"/>
-            </a:gdLst>
-            <a:ahLst/>
-            <a:cxnLst>
-              <a:cxn ang="0">
-                <a:pos x="connsiteX0" y="connsiteY0"/>
-              </a:cxn>
-              <a:cxn ang="0">
-                <a:pos x="connsiteX1" y="connsiteY1"/>
-              </a:cxn>
-            </a:cxnLst>
-            <a:rect l="l" t="t" r="r" b="b"/>
-            <a:pathLst>
-              <a:path w="828040" h="511810">
-                <a:moveTo>
-                  <a:pt x="0" y="511810"/>
-                </a:moveTo>
-                <a:cubicBezTo>
-                  <a:pt x="423333" y="253577"/>
-                  <a:pt x="366607" y="176742"/>
-                  <a:pt x="828040" y="0"/>
-                </a:cubicBezTo>
-              </a:path>
-            </a:pathLst>
-          </a:custGeom>
-          <a:ln w="9525">
-            <a:solidFill>
-              <a:srgbClr val="C00000"/>
-            </a:solidFill>
-            <a:headEnd type="none" w="med" len="lg"/>
-            <a:tailEnd type="stealth" w="med" len="lg"/>
-          </a:ln>
-        </p:spPr>
-        <p:style>
-          <a:lnRef idx="1">
-            <a:schemeClr val="accent1"/>
-          </a:lnRef>
-          <a:fillRef idx="0">
-            <a:schemeClr val="accent1"/>
-          </a:fillRef>
-          <a:effectRef idx="0">
-            <a:schemeClr val="accent1"/>
-          </a:effectRef>
-          <a:fontRef idx="minor">
-            <a:schemeClr val="tx1"/>
-          </a:fontRef>
-        </p:style>
-        <p:txBody>
-          <a:bodyPr rtlCol="0" anchor="ctr"/>
-          <a:lstStyle/>
-          <a:p>
-            <a:pPr algn="ctr"/>
-            <a:endParaRPr lang="fr-FR"/>
-          </a:p>
-        </p:txBody>
-      </p:sp>
-      <p:sp>
-        <p:nvSpPr>
-          <p:cNvPr id="51" name="Forme libre 50"/>
-          <p:cNvSpPr/>
-          <p:nvPr/>
-        </p:nvSpPr>
-        <p:spPr>
-          <a:xfrm>
-            <a:off x="6475947" y="2016904"/>
-            <a:ext cx="866140" cy="698500"/>
-          </a:xfrm>
-          <a:custGeom>
-            <a:avLst/>
-            <a:gdLst>
-              <a:gd name="connsiteX0" fmla="*/ 0 w 1270000"/>
-              <a:gd name="connsiteY0" fmla="*/ 698500 h 698500"/>
-              <a:gd name="connsiteX1" fmla="*/ 1270000 w 1270000"/>
-              <a:gd name="connsiteY1" fmla="*/ 0 h 698500"/>
-              <a:gd name="connsiteX2" fmla="*/ 1270000 w 1270000"/>
-              <a:gd name="connsiteY2" fmla="*/ 0 h 698500"/>
-              <a:gd name="connsiteX0" fmla="*/ 0 w 1270000"/>
-              <a:gd name="connsiteY0" fmla="*/ 698500 h 698500"/>
-              <a:gd name="connsiteX1" fmla="*/ 1270000 w 1270000"/>
-              <a:gd name="connsiteY1" fmla="*/ 0 h 698500"/>
-              <a:gd name="connsiteX2" fmla="*/ 1270000 w 1270000"/>
-              <a:gd name="connsiteY2" fmla="*/ 0 h 698500"/>
-              <a:gd name="connsiteX0" fmla="*/ 0 w 1270000"/>
-              <a:gd name="connsiteY0" fmla="*/ 698500 h 698500"/>
-              <a:gd name="connsiteX1" fmla="*/ 1270000 w 1270000"/>
-              <a:gd name="connsiteY1" fmla="*/ 0 h 698500"/>
-              <a:gd name="connsiteX2" fmla="*/ 1270000 w 1270000"/>
-              <a:gd name="connsiteY2" fmla="*/ 0 h 698500"/>
-              <a:gd name="connsiteX0" fmla="*/ 0 w 1296163"/>
-              <a:gd name="connsiteY0" fmla="*/ 750240 h 750240"/>
-              <a:gd name="connsiteX1" fmla="*/ 1270000 w 1296163"/>
-              <a:gd name="connsiteY1" fmla="*/ 51740 h 750240"/>
-              <a:gd name="connsiteX2" fmla="*/ 820420 w 1296163"/>
-              <a:gd name="connsiteY2" fmla="*/ 51740 h 750240"/>
-              <a:gd name="connsiteX0" fmla="*/ 0 w 820420"/>
-              <a:gd name="connsiteY0" fmla="*/ 698500 h 698500"/>
-              <a:gd name="connsiteX1" fmla="*/ 820420 w 820420"/>
-              <a:gd name="connsiteY1" fmla="*/ 0 h 698500"/>
-              <a:gd name="connsiteX0" fmla="*/ 0 w 866140"/>
-              <a:gd name="connsiteY0" fmla="*/ 698500 h 698500"/>
-              <a:gd name="connsiteX1" fmla="*/ 866140 w 866140"/>
-              <a:gd name="connsiteY1" fmla="*/ 0 h 698500"/>
-              <a:gd name="connsiteX0" fmla="*/ 0 w 866140"/>
-              <a:gd name="connsiteY0" fmla="*/ 698500 h 698500"/>
-              <a:gd name="connsiteX1" fmla="*/ 866140 w 866140"/>
-              <a:gd name="connsiteY1" fmla="*/ 0 h 698500"/>
-              <a:gd name="connsiteX0" fmla="*/ 0 w 866140"/>
-              <a:gd name="connsiteY0" fmla="*/ 698500 h 698500"/>
-              <a:gd name="connsiteX1" fmla="*/ 866140 w 866140"/>
-              <a:gd name="connsiteY1" fmla="*/ 0 h 698500"/>
-            </a:gdLst>
-            <a:ahLst/>
-            <a:cxnLst>
-              <a:cxn ang="0">
-                <a:pos x="connsiteX0" y="connsiteY0"/>
-              </a:cxn>
-              <a:cxn ang="0">
-                <a:pos x="connsiteX1" y="connsiteY1"/>
-              </a:cxn>
-            </a:cxnLst>
-            <a:rect l="l" t="t" r="r" b="b"/>
-            <a:pathLst>
-              <a:path w="866140" h="698500">
-                <a:moveTo>
-                  <a:pt x="0" y="698500"/>
-                </a:moveTo>
-                <a:cubicBezTo>
-                  <a:pt x="532553" y="473287"/>
-                  <a:pt x="364067" y="202353"/>
-                  <a:pt x="866140" y="0"/>
-                </a:cubicBezTo>
-              </a:path>
-            </a:pathLst>
-          </a:custGeom>
-          <a:ln w="19050">
-            <a:solidFill>
-              <a:srgbClr val="C00000"/>
-            </a:solidFill>
-          </a:ln>
-        </p:spPr>
-        <p:style>
-          <a:lnRef idx="1">
-            <a:schemeClr val="accent1"/>
-          </a:lnRef>
-          <a:fillRef idx="0">
-            <a:schemeClr val="accent1"/>
-          </a:fillRef>
-          <a:effectRef idx="0">
-            <a:schemeClr val="accent1"/>
-          </a:effectRef>
-          <a:fontRef idx="minor">
-            <a:schemeClr val="tx1"/>
-          </a:fontRef>
-        </p:style>
-        <p:txBody>
-          <a:bodyPr rtlCol="0" anchor="ctr"/>
-          <a:lstStyle/>
-          <a:p>
-            <a:pPr algn="ctr"/>
-            <a:endParaRPr lang="fr-FR"/>
-          </a:p>
-        </p:txBody>
-      </p:sp>
-    </p:spTree>
-    <p:extLst>
-      <p:ext uri="{BB962C8B-B14F-4D97-AF65-F5344CB8AC3E}">
-        <p14:creationId xmlns:p14="http://schemas.microsoft.com/office/powerpoint/2010/main" val="1569879834"/>
-      </p:ext>
-    </p:extLst>
-  </p:cSld>
-  <p:clrMapOvr>
-    <a:masterClrMapping/>
-  </p:clrMapOvr>
-</p:sld>
-</file>
-
 <file path=ppt/theme/theme1.xml><?xml version="1.0" encoding="utf-8"?>
 <a:theme xmlns:a="http://schemas.openxmlformats.org/drawingml/2006/main" name="Thème Office">
   <a:themeElements>
